--- a/Angebot für mintBerryCrunchGames GmbH.pptx
+++ b/Angebot für mintBerryCrunchGames GmbH.pptx
@@ -5,25 +5,29 @@
     <p:sldMasterId id="2147483690" r:id="rId4"/>
   </p:sldMasterIdLst>
   <p:notesMasterIdLst>
-    <p:notesMasterId r:id="rId13"/>
+    <p:notesMasterId r:id="rId17"/>
   </p:notesMasterIdLst>
   <p:handoutMasterIdLst>
-    <p:handoutMasterId r:id="rId14"/>
+    <p:handoutMasterId r:id="rId18"/>
   </p:handoutMasterIdLst>
   <p:sldIdLst>
     <p:sldId id="265" r:id="rId5"/>
     <p:sldId id="310" r:id="rId6"/>
     <p:sldId id="320" r:id="rId7"/>
-    <p:sldId id="311" r:id="rId8"/>
-    <p:sldId id="313" r:id="rId9"/>
-    <p:sldId id="321" r:id="rId10"/>
-    <p:sldId id="322" r:id="rId11"/>
-    <p:sldId id="319" r:id="rId12"/>
+    <p:sldId id="325" r:id="rId8"/>
+    <p:sldId id="323" r:id="rId9"/>
+    <p:sldId id="324" r:id="rId10"/>
+    <p:sldId id="326" r:id="rId11"/>
+    <p:sldId id="311" r:id="rId12"/>
+    <p:sldId id="313" r:id="rId13"/>
+    <p:sldId id="321" r:id="rId14"/>
+    <p:sldId id="322" r:id="rId15"/>
+    <p:sldId id="319" r:id="rId16"/>
   </p:sldIdLst>
   <p:sldSz cx="12188825" cy="6858000"/>
   <p:notesSz cx="6858000" cy="9144000"/>
   <p:custDataLst>
-    <p:tags r:id="rId15"/>
+    <p:tags r:id="rId19"/>
   </p:custDataLst>
   <p:defaultTextStyle>
     <a:defPPr>
@@ -8602,6 +8606,323 @@
       </p:transition>
     </mc:Fallback>
   </mc:AlternateContent>
+  <p:timing>
+    <p:tnLst>
+      <p:par>
+        <p:cTn id="1" dur="indefinite" restart="never" nodeType="tmRoot"/>
+      </p:par>
+    </p:tnLst>
+  </p:timing>
+</p:sld>
+</file>
+
+<file path=ppt/slides/slide10.xml><?xml version="1.0" encoding="utf-8"?>
+<p:sld xmlns:a="http://schemas.openxmlformats.org/drawingml/2006/main" xmlns:r="http://schemas.openxmlformats.org/officeDocument/2006/relationships" xmlns:p="http://schemas.openxmlformats.org/presentationml/2006/main">
+  <p:cSld>
+    <p:spTree>
+      <p:nvGrpSpPr>
+        <p:cNvPr id="1" name=""/>
+        <p:cNvGrpSpPr/>
+        <p:nvPr/>
+      </p:nvGrpSpPr>
+      <p:grpSpPr>
+        <a:xfrm>
+          <a:off x="0" y="0"/>
+          <a:ext cx="0" cy="0"/>
+          <a:chOff x="0" y="0"/>
+          <a:chExt cx="0" cy="0"/>
+        </a:xfrm>
+      </p:grpSpPr>
+      <p:sp>
+        <p:nvSpPr>
+          <p:cNvPr id="2" name="Titel 1"/>
+          <p:cNvSpPr>
+            <a:spLocks noGrp="1"/>
+          </p:cNvSpPr>
+          <p:nvPr>
+            <p:ph type="title"/>
+          </p:nvPr>
+        </p:nvSpPr>
+        <p:spPr/>
+        <p:txBody>
+          <a:bodyPr/>
+          <a:lstStyle/>
+          <a:p>
+            <a:r>
+              <a:rPr lang="de-DE" dirty="0"/>
+              <a:t>Angebot Grafik/Design</a:t>
+            </a:r>
+          </a:p>
+        </p:txBody>
+      </p:sp>
+      <p:sp>
+        <p:nvSpPr>
+          <p:cNvPr id="3" name="Inhaltsplatzhalter 2"/>
+          <p:cNvSpPr>
+            <a:spLocks noGrp="1"/>
+          </p:cNvSpPr>
+          <p:nvPr>
+            <p:ph idx="1"/>
+          </p:nvPr>
+        </p:nvSpPr>
+        <p:spPr/>
+        <p:txBody>
+          <a:bodyPr/>
+          <a:lstStyle/>
+          <a:p>
+            <a:r>
+              <a:rPr lang="de-DE" dirty="0"/>
+              <a:t>Grafik</a:t>
+            </a:r>
+          </a:p>
+          <a:p>
+            <a:r>
+              <a:rPr lang="de-DE" dirty="0"/>
+              <a:t>Acer Aspire GX-781</a:t>
+            </a:r>
+          </a:p>
+          <a:p>
+            <a:pPr lvl="1"/>
+            <a:r>
+              <a:rPr lang="de-DE" dirty="0"/>
+              <a:t>Intel® Core™ i5-7400</a:t>
+            </a:r>
+          </a:p>
+          <a:p>
+            <a:pPr lvl="1"/>
+            <a:r>
+              <a:rPr lang="de-DE" dirty="0"/>
+              <a:t>AMD Radeon RX 480</a:t>
+            </a:r>
+          </a:p>
+          <a:p>
+            <a:pPr lvl="1"/>
+            <a:r>
+              <a:rPr lang="de-DE" dirty="0"/>
+              <a:t>Core-Gaming PC</a:t>
+            </a:r>
+          </a:p>
+        </p:txBody>
+      </p:sp>
+    </p:spTree>
+    <p:extLst>
+      <p:ext uri="{BB962C8B-B14F-4D97-AF65-F5344CB8AC3E}">
+        <p14:creationId xmlns:p14="http://schemas.microsoft.com/office/powerpoint/2010/main" val="2762393912"/>
+      </p:ext>
+    </p:extLst>
+  </p:cSld>
+  <p:clrMapOvr>
+    <a:masterClrMapping/>
+  </p:clrMapOvr>
+  <mc:AlternateContent xmlns:mc="http://schemas.openxmlformats.org/markup-compatibility/2006" xmlns:p14="http://schemas.microsoft.com/office/powerpoint/2010/main">
+    <mc:Choice Requires="p14">
+      <p:transition spd="med" p14:dur="700">
+        <p:fade/>
+      </p:transition>
+    </mc:Choice>
+    <mc:Fallback xmlns="">
+      <p:transition spd="med">
+        <p:fade/>
+      </p:transition>
+    </mc:Fallback>
+  </mc:AlternateContent>
+</p:sld>
+</file>
+
+<file path=ppt/slides/slide11.xml><?xml version="1.0" encoding="utf-8"?>
+<p:sld xmlns:a="http://schemas.openxmlformats.org/drawingml/2006/main" xmlns:r="http://schemas.openxmlformats.org/officeDocument/2006/relationships" xmlns:p="http://schemas.openxmlformats.org/presentationml/2006/main">
+  <p:cSld>
+    <p:spTree>
+      <p:nvGrpSpPr>
+        <p:cNvPr id="1" name=""/>
+        <p:cNvGrpSpPr/>
+        <p:nvPr/>
+      </p:nvGrpSpPr>
+      <p:grpSpPr>
+        <a:xfrm>
+          <a:off x="0" y="0"/>
+          <a:ext cx="0" cy="0"/>
+          <a:chOff x="0" y="0"/>
+          <a:chExt cx="0" cy="0"/>
+        </a:xfrm>
+      </p:grpSpPr>
+      <p:sp>
+        <p:nvSpPr>
+          <p:cNvPr id="2" name="Titel 1"/>
+          <p:cNvSpPr>
+            <a:spLocks noGrp="1"/>
+          </p:cNvSpPr>
+          <p:nvPr>
+            <p:ph type="title"/>
+          </p:nvPr>
+        </p:nvSpPr>
+        <p:spPr/>
+        <p:txBody>
+          <a:bodyPr/>
+          <a:lstStyle/>
+          <a:p>
+            <a:r>
+              <a:rPr lang="de-DE" dirty="0"/>
+              <a:t>Angebot Grafik/Design</a:t>
+            </a:r>
+          </a:p>
+        </p:txBody>
+      </p:sp>
+      <p:sp>
+        <p:nvSpPr>
+          <p:cNvPr id="3" name="Inhaltsplatzhalter 2"/>
+          <p:cNvSpPr>
+            <a:spLocks noGrp="1"/>
+          </p:cNvSpPr>
+          <p:nvPr>
+            <p:ph idx="1"/>
+          </p:nvPr>
+        </p:nvSpPr>
+        <p:spPr/>
+        <p:txBody>
+          <a:bodyPr/>
+          <a:lstStyle/>
+          <a:p>
+            <a:r>
+              <a:rPr lang="de-DE" dirty="0"/>
+              <a:t>Design</a:t>
+            </a:r>
+          </a:p>
+          <a:p>
+            <a:r>
+              <a:rPr lang="de-DE" dirty="0"/>
+              <a:t>Acer </a:t>
+            </a:r>
+            <a:r>
+              <a:rPr lang="de-DE" dirty="0" err="1"/>
+              <a:t>Extensa</a:t>
+            </a:r>
+            <a:r>
+              <a:rPr lang="de-DE" dirty="0"/>
+              <a:t> M2710.</a:t>
+            </a:r>
+          </a:p>
+          <a:p>
+            <a:endParaRPr lang="de-DE" dirty="0"/>
+          </a:p>
+        </p:txBody>
+      </p:sp>
+    </p:spTree>
+    <p:extLst>
+      <p:ext uri="{BB962C8B-B14F-4D97-AF65-F5344CB8AC3E}">
+        <p14:creationId xmlns:p14="http://schemas.microsoft.com/office/powerpoint/2010/main" val="334610800"/>
+      </p:ext>
+    </p:extLst>
+  </p:cSld>
+  <p:clrMapOvr>
+    <a:masterClrMapping/>
+  </p:clrMapOvr>
+  <mc:AlternateContent xmlns:mc="http://schemas.openxmlformats.org/markup-compatibility/2006" xmlns:p14="http://schemas.microsoft.com/office/powerpoint/2010/main">
+    <mc:Choice Requires="p14">
+      <p:transition spd="med" p14:dur="700">
+        <p:fade/>
+      </p:transition>
+    </mc:Choice>
+    <mc:Fallback xmlns="">
+      <p:transition spd="med">
+        <p:fade/>
+      </p:transition>
+    </mc:Fallback>
+  </mc:AlternateContent>
+</p:sld>
+</file>
+
+<file path=ppt/slides/slide12.xml><?xml version="1.0" encoding="utf-8"?>
+<p:sld xmlns:a="http://schemas.openxmlformats.org/drawingml/2006/main" xmlns:r="http://schemas.openxmlformats.org/officeDocument/2006/relationships" xmlns:p="http://schemas.openxmlformats.org/presentationml/2006/main">
+  <p:cSld>
+    <p:spTree>
+      <p:nvGrpSpPr>
+        <p:cNvPr id="1" name=""/>
+        <p:cNvGrpSpPr/>
+        <p:nvPr/>
+      </p:nvGrpSpPr>
+      <p:grpSpPr>
+        <a:xfrm>
+          <a:off x="0" y="0"/>
+          <a:ext cx="0" cy="0"/>
+          <a:chOff x="0" y="0"/>
+          <a:chExt cx="0" cy="0"/>
+        </a:xfrm>
+      </p:grpSpPr>
+      <p:sp>
+        <p:nvSpPr>
+          <p:cNvPr id="3" name="Titel 2"/>
+          <p:cNvSpPr>
+            <a:spLocks noGrp="1"/>
+          </p:cNvSpPr>
+          <p:nvPr>
+            <p:ph type="title"/>
+          </p:nvPr>
+        </p:nvSpPr>
+        <p:spPr/>
+        <p:txBody>
+          <a:bodyPr rtlCol="0"/>
+          <a:lstStyle/>
+          <a:p>
+            <a:pPr rtl="0"/>
+            <a:endParaRPr lang="en-US"/>
+          </a:p>
+        </p:txBody>
+      </p:sp>
+      <p:sp>
+        <p:nvSpPr>
+          <p:cNvPr id="2" name="Bildplatzhalter 1"/>
+          <p:cNvSpPr>
+            <a:spLocks noGrp="1"/>
+          </p:cNvSpPr>
+          <p:nvPr>
+            <p:ph type="pic" idx="1"/>
+          </p:nvPr>
+        </p:nvSpPr>
+        <p:spPr/>
+      </p:sp>
+      <p:sp>
+        <p:nvSpPr>
+          <p:cNvPr id="4" name="Textplatzhalter 3"/>
+          <p:cNvSpPr>
+            <a:spLocks noGrp="1"/>
+          </p:cNvSpPr>
+          <p:nvPr>
+            <p:ph type="body" sz="half" idx="2"/>
+          </p:nvPr>
+        </p:nvSpPr>
+        <p:spPr/>
+        <p:txBody>
+          <a:bodyPr rtlCol="0"/>
+          <a:lstStyle/>
+          <a:p>
+            <a:pPr rtl="0"/>
+            <a:endParaRPr lang="en-US"/>
+          </a:p>
+        </p:txBody>
+      </p:sp>
+    </p:spTree>
+    <p:extLst>
+      <p:ext uri="{BB962C8B-B14F-4D97-AF65-F5344CB8AC3E}">
+        <p14:creationId xmlns:p14="http://schemas.microsoft.com/office/powerpoint/2010/main" val="1108506989"/>
+      </p:ext>
+    </p:extLst>
+  </p:cSld>
+  <p:clrMapOvr>
+    <a:masterClrMapping/>
+  </p:clrMapOvr>
+  <mc:AlternateContent xmlns:mc="http://schemas.openxmlformats.org/markup-compatibility/2006" xmlns:p14="http://schemas.microsoft.com/office/powerpoint/2010/main">
+    <mc:Choice Requires="p14">
+      <p:transition spd="med" p14:dur="700">
+        <p:fade/>
+      </p:transition>
+    </mc:Choice>
+    <mc:Fallback xmlns="">
+      <p:transition spd="med">
+        <p:fade/>
+      </p:transition>
+    </mc:Fallback>
+  </mc:AlternateContent>
 </p:sld>
 </file>
 
@@ -8708,6 +9029,13 @@
       </p:transition>
     </mc:Fallback>
   </mc:AlternateContent>
+  <p:timing>
+    <p:tnLst>
+      <p:par>
+        <p:cTn id="1" dur="indefinite" restart="never" nodeType="tmRoot"/>
+      </p:par>
+    </p:tnLst>
+  </p:timing>
 </p:sld>
 </file>
 
@@ -8750,65 +9078,450 @@
           </a:p>
         </p:txBody>
       </p:sp>
-      <p:sp>
-        <p:nvSpPr>
-          <p:cNvPr id="3" name="Inhaltsplatzhalter 2"/>
-          <p:cNvSpPr>
-            <a:spLocks noGrp="1"/>
-          </p:cNvSpPr>
-          <p:nvPr>
-            <p:ph idx="1"/>
-          </p:nvPr>
-        </p:nvSpPr>
-        <p:spPr>
-          <a:xfrm>
-            <a:off x="1188270" y="2636912"/>
-            <a:ext cx="8823361" cy="3416300"/>
-          </a:xfrm>
-        </p:spPr>
-        <p:txBody>
-          <a:bodyPr/>
+      <p:graphicFrame>
+        <p:nvGraphicFramePr>
+          <p:cNvPr id="4" name="Tabelle 3"/>
+          <p:cNvGraphicFramePr>
+            <a:graphicFrameLocks noGrp="1"/>
+          </p:cNvGraphicFramePr>
+          <p:nvPr>
+            <p:extLst>
+              <p:ext uri="{D42A27DB-BD31-4B8C-83A1-F6EECF244321}">
+                <p14:modId xmlns:p14="http://schemas.microsoft.com/office/powerpoint/2010/main" val="1502162830"/>
+              </p:ext>
+            </p:extLst>
+          </p:nvPr>
+        </p:nvGraphicFramePr>
+        <p:xfrm>
+          <a:off x="1197868" y="2132856"/>
+          <a:ext cx="8815470" cy="4320482"/>
+        </p:xfrm>
+        <a:graphic>
+          <a:graphicData uri="http://schemas.openxmlformats.org/drawingml/2006/table">
+            <a:tbl>
+              <a:tblPr firstRow="1" bandRow="1">
+                <a:tableStyleId>{5C22544A-7EE6-4342-B048-85BDC9FD1C3A}</a:tableStyleId>
+              </a:tblPr>
+              <a:tblGrid>
+                <a:gridCol w="2938490"/>
+                <a:gridCol w="2938490"/>
+                <a:gridCol w="2938490"/>
+              </a:tblGrid>
+              <a:tr h="495165">
+                <a:tc>
+                  <a:txBody>
+                    <a:bodyPr/>
+                    <a:lstStyle/>
+                    <a:p>
+                      <a:r>
+                        <a:rPr lang="de-DE" dirty="0" smtClean="0"/>
+                        <a:t>Bereich</a:t>
+                      </a:r>
+                      <a:endParaRPr lang="de-DE" dirty="0"/>
+                    </a:p>
+                  </a:txBody>
+                  <a:tcPr/>
+                </a:tc>
+                <a:tc>
+                  <a:txBody>
+                    <a:bodyPr/>
+                    <a:lstStyle/>
+                    <a:p>
+                      <a:r>
+                        <a:rPr lang="de-DE" dirty="0" smtClean="0"/>
+                        <a:t>Model</a:t>
+                      </a:r>
+                      <a:endParaRPr lang="de-DE" dirty="0"/>
+                    </a:p>
+                  </a:txBody>
+                  <a:tcPr>
+                    <a:lnB w="12700" cap="flat" cmpd="sng" algn="ctr">
+                      <a:solidFill>
+                        <a:schemeClr val="tx1"/>
+                      </a:solidFill>
+                      <a:prstDash val="solid"/>
+                      <a:round/>
+                      <a:headEnd type="none" w="med" len="med"/>
+                      <a:tailEnd type="none" w="med" len="med"/>
+                    </a:lnB>
+                  </a:tcPr>
+                </a:tc>
+                <a:tc>
+                  <a:txBody>
+                    <a:bodyPr/>
+                    <a:lstStyle/>
+                    <a:p>
+                      <a:r>
+                        <a:rPr lang="de-DE" dirty="0" smtClean="0"/>
+                        <a:t>Preis</a:t>
+                      </a:r>
+                      <a:endParaRPr lang="de-DE" dirty="0"/>
+                    </a:p>
+                  </a:txBody>
+                  <a:tcPr>
+                    <a:lnB w="12700" cap="flat" cmpd="sng" algn="ctr">
+                      <a:solidFill>
+                        <a:schemeClr val="tx1"/>
+                      </a:solidFill>
+                      <a:prstDash val="solid"/>
+                      <a:round/>
+                      <a:headEnd type="none" w="med" len="med"/>
+                      <a:tailEnd type="none" w="med" len="med"/>
+                    </a:lnB>
+                  </a:tcPr>
+                </a:tc>
+              </a:tr>
+              <a:tr h="495165">
+                <a:tc>
+                  <a:txBody>
+                    <a:bodyPr/>
+                    <a:lstStyle/>
+                    <a:p>
+                      <a:r>
+                        <a:rPr lang="de-DE" dirty="0" smtClean="0"/>
+                        <a:t>Server</a:t>
+                      </a:r>
+                      <a:endParaRPr lang="de-DE" dirty="0"/>
+                    </a:p>
+                  </a:txBody>
+                  <a:tcPr>
+                    <a:lnR w="12700" cap="flat" cmpd="sng" algn="ctr">
+                      <a:solidFill>
+                        <a:schemeClr val="tx1"/>
+                      </a:solidFill>
+                      <a:prstDash val="solid"/>
+                      <a:round/>
+                      <a:headEnd type="none" w="med" len="med"/>
+                      <a:tailEnd type="none" w="med" len="med"/>
+                    </a:lnR>
+                  </a:tcPr>
+                </a:tc>
+                <a:tc>
+                  <a:txBody>
+                    <a:bodyPr/>
+                    <a:lstStyle/>
+                    <a:p>
+                      <a:endParaRPr lang="de-DE" dirty="0"/>
+                    </a:p>
+                  </a:txBody>
+                  <a:tcPr>
+                    <a:lnL w="12700" cap="flat" cmpd="sng" algn="ctr">
+                      <a:solidFill>
+                        <a:schemeClr val="tx1"/>
+                      </a:solidFill>
+                      <a:prstDash val="solid"/>
+                      <a:round/>
+                      <a:headEnd type="none" w="med" len="med"/>
+                      <a:tailEnd type="none" w="med" len="med"/>
+                    </a:lnL>
+                    <a:lnR w="12700" cap="flat" cmpd="sng" algn="ctr">
+                      <a:solidFill>
+                        <a:schemeClr val="tx1"/>
+                      </a:solidFill>
+                      <a:prstDash val="solid"/>
+                      <a:round/>
+                      <a:headEnd type="none" w="med" len="med"/>
+                      <a:tailEnd type="none" w="med" len="med"/>
+                    </a:lnR>
+                    <a:lnT w="12700" cap="flat" cmpd="sng" algn="ctr">
+                      <a:solidFill>
+                        <a:schemeClr val="tx1"/>
+                      </a:solidFill>
+                      <a:prstDash val="solid"/>
+                      <a:round/>
+                      <a:headEnd type="none" w="med" len="med"/>
+                      <a:tailEnd type="none" w="med" len="med"/>
+                    </a:lnT>
+                    <a:lnB w="12700" cap="flat" cmpd="sng" algn="ctr">
+                      <a:solidFill>
+                        <a:schemeClr val="tx1"/>
+                      </a:solidFill>
+                      <a:prstDash val="solid"/>
+                      <a:round/>
+                      <a:headEnd type="none" w="med" len="med"/>
+                      <a:tailEnd type="none" w="med" len="med"/>
+                    </a:lnB>
+                  </a:tcPr>
+                </a:tc>
+                <a:tc>
+                  <a:txBody>
+                    <a:bodyPr/>
+                    <a:lstStyle/>
+                    <a:p>
+                      <a:endParaRPr lang="de-DE" dirty="0"/>
+                    </a:p>
+                  </a:txBody>
+                  <a:tcPr>
+                    <a:lnL w="12700" cap="flat" cmpd="sng" algn="ctr">
+                      <a:solidFill>
+                        <a:schemeClr val="tx1"/>
+                      </a:solidFill>
+                      <a:prstDash val="solid"/>
+                      <a:round/>
+                      <a:headEnd type="none" w="med" len="med"/>
+                      <a:tailEnd type="none" w="med" len="med"/>
+                    </a:lnL>
+                    <a:lnT w="12700" cap="flat" cmpd="sng" algn="ctr">
+                      <a:solidFill>
+                        <a:schemeClr val="tx1"/>
+                      </a:solidFill>
+                      <a:prstDash val="solid"/>
+                      <a:round/>
+                      <a:headEnd type="none" w="med" len="med"/>
+                      <a:tailEnd type="none" w="med" len="med"/>
+                    </a:lnT>
+                  </a:tcPr>
+                </a:tc>
+              </a:tr>
+              <a:tr h="495165">
+                <a:tc>
+                  <a:txBody>
+                    <a:bodyPr/>
+                    <a:lstStyle/>
+                    <a:p>
+                      <a:endParaRPr lang="de-DE" dirty="0"/>
+                    </a:p>
+                  </a:txBody>
+                  <a:tcPr/>
+                </a:tc>
+                <a:tc>
+                  <a:txBody>
+                    <a:bodyPr/>
+                    <a:lstStyle/>
+                    <a:p>
+                      <a:endParaRPr lang="de-DE" dirty="0"/>
+                    </a:p>
+                  </a:txBody>
+                  <a:tcPr>
+                    <a:lnT w="12700" cap="flat" cmpd="sng" algn="ctr">
+                      <a:solidFill>
+                        <a:schemeClr val="tx1"/>
+                      </a:solidFill>
+                      <a:prstDash val="solid"/>
+                      <a:round/>
+                      <a:headEnd type="none" w="med" len="med"/>
+                      <a:tailEnd type="none" w="med" len="med"/>
+                    </a:lnT>
+                  </a:tcPr>
+                </a:tc>
+                <a:tc>
+                  <a:txBody>
+                    <a:bodyPr/>
+                    <a:lstStyle/>
+                    <a:p>
+                      <a:endParaRPr lang="de-DE"/>
+                    </a:p>
+                  </a:txBody>
+                  <a:tcPr/>
+                </a:tc>
+              </a:tr>
+              <a:tr h="495165">
+                <a:tc>
+                  <a:txBody>
+                    <a:bodyPr/>
+                    <a:lstStyle/>
+                    <a:p>
+                      <a:endParaRPr lang="de-DE" dirty="0"/>
+                    </a:p>
+                  </a:txBody>
+                  <a:tcPr/>
+                </a:tc>
+                <a:tc>
+                  <a:txBody>
+                    <a:bodyPr/>
+                    <a:lstStyle/>
+                    <a:p>
+                      <a:endParaRPr lang="de-DE"/>
+                    </a:p>
+                  </a:txBody>
+                  <a:tcPr/>
+                </a:tc>
+                <a:tc>
+                  <a:txBody>
+                    <a:bodyPr/>
+                    <a:lstStyle/>
+                    <a:p>
+                      <a:endParaRPr lang="de-DE"/>
+                    </a:p>
+                  </a:txBody>
+                  <a:tcPr/>
+                </a:tc>
+              </a:tr>
+              <a:tr h="854327">
+                <a:tc>
+                  <a:txBody>
+                    <a:bodyPr/>
+                    <a:lstStyle/>
+                    <a:p>
+                      <a:endParaRPr lang="de-DE" dirty="0"/>
+                    </a:p>
+                  </a:txBody>
+                  <a:tcPr/>
+                </a:tc>
+                <a:tc>
+                  <a:txBody>
+                    <a:bodyPr/>
+                    <a:lstStyle/>
+                    <a:p>
+                      <a:endParaRPr lang="de-DE" dirty="0"/>
+                    </a:p>
+                  </a:txBody>
+                  <a:tcPr/>
+                </a:tc>
+                <a:tc>
+                  <a:txBody>
+                    <a:bodyPr/>
+                    <a:lstStyle/>
+                    <a:p>
+                      <a:endParaRPr lang="de-DE" dirty="0"/>
+                    </a:p>
+                  </a:txBody>
+                  <a:tcPr/>
+                </a:tc>
+              </a:tr>
+              <a:tr h="495165">
+                <a:tc>
+                  <a:txBody>
+                    <a:bodyPr/>
+                    <a:lstStyle/>
+                    <a:p>
+                      <a:endParaRPr lang="de-DE" dirty="0" smtClean="0"/>
+                    </a:p>
+                  </a:txBody>
+                  <a:tcPr/>
+                </a:tc>
+                <a:tc>
+                  <a:txBody>
+                    <a:bodyPr/>
+                    <a:lstStyle/>
+                    <a:p>
+                      <a:endParaRPr lang="de-DE"/>
+                    </a:p>
+                  </a:txBody>
+                  <a:tcPr/>
+                </a:tc>
+                <a:tc>
+                  <a:txBody>
+                    <a:bodyPr/>
+                    <a:lstStyle/>
+                    <a:p>
+                      <a:endParaRPr lang="de-DE" dirty="0"/>
+                    </a:p>
+                  </a:txBody>
+                  <a:tcPr/>
+                </a:tc>
+              </a:tr>
+              <a:tr h="495165">
+                <a:tc>
+                  <a:txBody>
+                    <a:bodyPr/>
+                    <a:lstStyle/>
+                    <a:p>
+                      <a:endParaRPr lang="de-DE" dirty="0" smtClean="0"/>
+                    </a:p>
+                  </a:txBody>
+                  <a:tcPr/>
+                </a:tc>
+                <a:tc>
+                  <a:txBody>
+                    <a:bodyPr/>
+                    <a:lstStyle/>
+                    <a:p>
+                      <a:endParaRPr lang="de-DE"/>
+                    </a:p>
+                  </a:txBody>
+                  <a:tcPr/>
+                </a:tc>
+                <a:tc>
+                  <a:txBody>
+                    <a:bodyPr/>
+                    <a:lstStyle/>
+                    <a:p>
+                      <a:endParaRPr lang="de-DE" dirty="0"/>
+                    </a:p>
+                  </a:txBody>
+                  <a:tcPr/>
+                </a:tc>
+              </a:tr>
+              <a:tr h="495165">
+                <a:tc>
+                  <a:txBody>
+                    <a:bodyPr/>
+                    <a:lstStyle/>
+                    <a:p>
+                      <a:endParaRPr lang="de-DE" dirty="0" smtClean="0"/>
+                    </a:p>
+                  </a:txBody>
+                  <a:tcPr/>
+                </a:tc>
+                <a:tc>
+                  <a:txBody>
+                    <a:bodyPr/>
+                    <a:lstStyle/>
+                    <a:p>
+                      <a:endParaRPr lang="de-DE" dirty="0"/>
+                    </a:p>
+                  </a:txBody>
+                  <a:tcPr/>
+                </a:tc>
+                <a:tc>
+                  <a:txBody>
+                    <a:bodyPr/>
+                    <a:lstStyle/>
+                    <a:p>
+                      <a:endParaRPr lang="de-DE" dirty="0"/>
+                    </a:p>
+                  </a:txBody>
+                  <a:tcPr/>
+                </a:tc>
+              </a:tr>
+            </a:tbl>
+          </a:graphicData>
+        </a:graphic>
+      </p:graphicFrame>
+      <p:sp>
+        <p:nvSpPr>
+          <p:cNvPr id="3" name="Rechteck 2"/>
+          <p:cNvSpPr/>
+          <p:nvPr/>
+        </p:nvSpPr>
+        <p:spPr>
+          <a:xfrm>
+            <a:off x="4150196" y="2636912"/>
+            <a:ext cx="2880320" cy="504056"/>
+          </a:xfrm>
+          <a:prstGeom prst="rect">
+            <a:avLst/>
+          </a:prstGeom>
+          <a:noFill/>
+          <a:ln w="57150">
+            <a:solidFill>
+              <a:schemeClr val="bg1"/>
+            </a:solidFill>
+          </a:ln>
+        </p:spPr>
+        <p:style>
+          <a:lnRef idx="2">
+            <a:schemeClr val="accent1">
+              <a:shade val="50000"/>
+            </a:schemeClr>
+          </a:lnRef>
+          <a:fillRef idx="1001">
+            <a:schemeClr val="lt1"/>
+          </a:fillRef>
+          <a:effectRef idx="0">
+            <a:schemeClr val="accent1"/>
+          </a:effectRef>
+          <a:fontRef idx="minor">
+            <a:schemeClr val="lt1"/>
+          </a:fontRef>
+        </p:style>
+        <p:txBody>
+          <a:bodyPr rtlCol="0" anchor="ctr"/>
           <a:lstStyle/>
           <a:p>
-            <a:r>
-              <a:rPr lang="de-DE" dirty="0"/>
-              <a:t>16 Mitarbeiter</a:t>
-            </a:r>
-          </a:p>
-          <a:p>
-            <a:pPr lvl="1"/>
-            <a:r>
-              <a:rPr lang="de-DE" dirty="0"/>
-              <a:t>4 Programmierer</a:t>
-            </a:r>
-          </a:p>
-          <a:p>
-            <a:pPr lvl="1"/>
-            <a:r>
-              <a:rPr lang="de-DE" dirty="0"/>
-              <a:t>2 Komponist/Aufnahme</a:t>
-            </a:r>
-          </a:p>
-          <a:p>
-            <a:pPr lvl="1"/>
-            <a:r>
-              <a:rPr lang="de-DE" dirty="0"/>
-              <a:t>1 Geschäftsführer/Vertrieb</a:t>
-            </a:r>
-          </a:p>
-          <a:p>
-            <a:pPr lvl="1"/>
-            <a:r>
-              <a:rPr lang="de-DE" dirty="0"/>
-              <a:t>3 Grafiker</a:t>
-            </a:r>
-          </a:p>
-          <a:p>
-            <a:pPr lvl="1"/>
-            <a:r>
-              <a:rPr lang="de-DE" dirty="0"/>
-              <a:t>4 Gamedesigner</a:t>
-            </a:r>
+            <a:pPr algn="ctr"/>
+            <a:endParaRPr lang="de-DE"/>
           </a:p>
         </p:txBody>
       </p:sp>
@@ -8837,648 +9550,7 @@
   <p:timing>
     <p:tnLst>
       <p:par>
-        <p:cTn id="1" dur="indefinite" restart="never" nodeType="tmRoot">
-          <p:childTnLst>
-            <p:seq concurrent="1" nextAc="seek">
-              <p:cTn id="2" dur="indefinite" nodeType="mainSeq">
-                <p:childTnLst>
-                  <p:par>
-                    <p:cTn id="3" fill="hold">
-                      <p:stCondLst>
-                        <p:cond delay="indefinite"/>
-                      </p:stCondLst>
-                      <p:childTnLst>
-                        <p:par>
-                          <p:cTn id="4" fill="hold">
-                            <p:stCondLst>
-                              <p:cond delay="0"/>
-                            </p:stCondLst>
-                            <p:childTnLst>
-                              <p:par>
-                                <p:cTn id="5" presetID="2" presetClass="entr" presetSubtype="8" fill="hold" nodeType="clickEffect">
-                                  <p:stCondLst>
-                                    <p:cond delay="0"/>
-                                  </p:stCondLst>
-                                  <p:childTnLst>
-                                    <p:set>
-                                      <p:cBhvr>
-                                        <p:cTn id="6" dur="1" fill="hold">
-                                          <p:stCondLst>
-                                            <p:cond delay="0"/>
-                                          </p:stCondLst>
-                                        </p:cTn>
-                                        <p:tgtEl>
-                                          <p:spTgt spid="3">
-                                            <p:txEl>
-                                              <p:pRg st="0" end="0"/>
-                                            </p:txEl>
-                                          </p:spTgt>
-                                        </p:tgtEl>
-                                        <p:attrNameLst>
-                                          <p:attrName>style.visibility</p:attrName>
-                                        </p:attrNameLst>
-                                      </p:cBhvr>
-                                      <p:to>
-                                        <p:strVal val="visible"/>
-                                      </p:to>
-                                    </p:set>
-                                    <p:anim calcmode="lin" valueType="num">
-                                      <p:cBhvr additive="base">
-                                        <p:cTn id="7" dur="300" fill="hold"/>
-                                        <p:tgtEl>
-                                          <p:spTgt spid="3">
-                                            <p:txEl>
-                                              <p:pRg st="0" end="0"/>
-                                            </p:txEl>
-                                          </p:spTgt>
-                                        </p:tgtEl>
-                                        <p:attrNameLst>
-                                          <p:attrName>ppt_x</p:attrName>
-                                        </p:attrNameLst>
-                                      </p:cBhvr>
-                                      <p:tavLst>
-                                        <p:tav tm="0">
-                                          <p:val>
-                                            <p:strVal val="0-#ppt_w/2"/>
-                                          </p:val>
-                                        </p:tav>
-                                        <p:tav tm="100000">
-                                          <p:val>
-                                            <p:strVal val="#ppt_x"/>
-                                          </p:val>
-                                        </p:tav>
-                                      </p:tavLst>
-                                    </p:anim>
-                                    <p:anim calcmode="lin" valueType="num">
-                                      <p:cBhvr additive="base">
-                                        <p:cTn id="8" dur="300" fill="hold"/>
-                                        <p:tgtEl>
-                                          <p:spTgt spid="3">
-                                            <p:txEl>
-                                              <p:pRg st="0" end="0"/>
-                                            </p:txEl>
-                                          </p:spTgt>
-                                        </p:tgtEl>
-                                        <p:attrNameLst>
-                                          <p:attrName>ppt_y</p:attrName>
-                                        </p:attrNameLst>
-                                      </p:cBhvr>
-                                      <p:tavLst>
-                                        <p:tav tm="0">
-                                          <p:val>
-                                            <p:strVal val="#ppt_y"/>
-                                          </p:val>
-                                        </p:tav>
-                                        <p:tav tm="100000">
-                                          <p:val>
-                                            <p:strVal val="#ppt_y"/>
-                                          </p:val>
-                                        </p:tav>
-                                      </p:tavLst>
-                                    </p:anim>
-                                  </p:childTnLst>
-                                </p:cTn>
-                              </p:par>
-                            </p:childTnLst>
-                          </p:cTn>
-                        </p:par>
-                      </p:childTnLst>
-                    </p:cTn>
-                  </p:par>
-                  <p:par>
-                    <p:cTn id="9" fill="hold">
-                      <p:stCondLst>
-                        <p:cond delay="indefinite"/>
-                      </p:stCondLst>
-                      <p:childTnLst>
-                        <p:par>
-                          <p:cTn id="10" fill="hold">
-                            <p:stCondLst>
-                              <p:cond delay="0"/>
-                            </p:stCondLst>
-                            <p:childTnLst>
-                              <p:par>
-                                <p:cTn id="11" presetID="2" presetClass="entr" presetSubtype="8" fill="hold" nodeType="clickEffect">
-                                  <p:stCondLst>
-                                    <p:cond delay="0"/>
-                                  </p:stCondLst>
-                                  <p:childTnLst>
-                                    <p:set>
-                                      <p:cBhvr>
-                                        <p:cTn id="12" dur="1" fill="hold">
-                                          <p:stCondLst>
-                                            <p:cond delay="0"/>
-                                          </p:stCondLst>
-                                        </p:cTn>
-                                        <p:tgtEl>
-                                          <p:spTgt spid="3">
-                                            <p:txEl>
-                                              <p:pRg st="1" end="1"/>
-                                            </p:txEl>
-                                          </p:spTgt>
-                                        </p:tgtEl>
-                                        <p:attrNameLst>
-                                          <p:attrName>style.visibility</p:attrName>
-                                        </p:attrNameLst>
-                                      </p:cBhvr>
-                                      <p:to>
-                                        <p:strVal val="visible"/>
-                                      </p:to>
-                                    </p:set>
-                                    <p:anim calcmode="lin" valueType="num">
-                                      <p:cBhvr additive="base">
-                                        <p:cTn id="13" dur="300" fill="hold"/>
-                                        <p:tgtEl>
-                                          <p:spTgt spid="3">
-                                            <p:txEl>
-                                              <p:pRg st="1" end="1"/>
-                                            </p:txEl>
-                                          </p:spTgt>
-                                        </p:tgtEl>
-                                        <p:attrNameLst>
-                                          <p:attrName>ppt_x</p:attrName>
-                                        </p:attrNameLst>
-                                      </p:cBhvr>
-                                      <p:tavLst>
-                                        <p:tav tm="0">
-                                          <p:val>
-                                            <p:strVal val="0-#ppt_w/2"/>
-                                          </p:val>
-                                        </p:tav>
-                                        <p:tav tm="100000">
-                                          <p:val>
-                                            <p:strVal val="#ppt_x"/>
-                                          </p:val>
-                                        </p:tav>
-                                      </p:tavLst>
-                                    </p:anim>
-                                    <p:anim calcmode="lin" valueType="num">
-                                      <p:cBhvr additive="base">
-                                        <p:cTn id="14" dur="300" fill="hold"/>
-                                        <p:tgtEl>
-                                          <p:spTgt spid="3">
-                                            <p:txEl>
-                                              <p:pRg st="1" end="1"/>
-                                            </p:txEl>
-                                          </p:spTgt>
-                                        </p:tgtEl>
-                                        <p:attrNameLst>
-                                          <p:attrName>ppt_y</p:attrName>
-                                        </p:attrNameLst>
-                                      </p:cBhvr>
-                                      <p:tavLst>
-                                        <p:tav tm="0">
-                                          <p:val>
-                                            <p:strVal val="#ppt_y"/>
-                                          </p:val>
-                                        </p:tav>
-                                        <p:tav tm="100000">
-                                          <p:val>
-                                            <p:strVal val="#ppt_y"/>
-                                          </p:val>
-                                        </p:tav>
-                                      </p:tavLst>
-                                    </p:anim>
-                                  </p:childTnLst>
-                                </p:cTn>
-                              </p:par>
-                            </p:childTnLst>
-                          </p:cTn>
-                        </p:par>
-                      </p:childTnLst>
-                    </p:cTn>
-                  </p:par>
-                  <p:par>
-                    <p:cTn id="15" fill="hold">
-                      <p:stCondLst>
-                        <p:cond delay="indefinite"/>
-                      </p:stCondLst>
-                      <p:childTnLst>
-                        <p:par>
-                          <p:cTn id="16" fill="hold">
-                            <p:stCondLst>
-                              <p:cond delay="0"/>
-                            </p:stCondLst>
-                            <p:childTnLst>
-                              <p:par>
-                                <p:cTn id="17" presetID="2" presetClass="entr" presetSubtype="8" fill="hold" nodeType="clickEffect">
-                                  <p:stCondLst>
-                                    <p:cond delay="0"/>
-                                  </p:stCondLst>
-                                  <p:childTnLst>
-                                    <p:set>
-                                      <p:cBhvr>
-                                        <p:cTn id="18" dur="1" fill="hold">
-                                          <p:stCondLst>
-                                            <p:cond delay="0"/>
-                                          </p:stCondLst>
-                                        </p:cTn>
-                                        <p:tgtEl>
-                                          <p:spTgt spid="3">
-                                            <p:txEl>
-                                              <p:pRg st="2" end="2"/>
-                                            </p:txEl>
-                                          </p:spTgt>
-                                        </p:tgtEl>
-                                        <p:attrNameLst>
-                                          <p:attrName>style.visibility</p:attrName>
-                                        </p:attrNameLst>
-                                      </p:cBhvr>
-                                      <p:to>
-                                        <p:strVal val="visible"/>
-                                      </p:to>
-                                    </p:set>
-                                    <p:anim calcmode="lin" valueType="num">
-                                      <p:cBhvr additive="base">
-                                        <p:cTn id="19" dur="300" fill="hold"/>
-                                        <p:tgtEl>
-                                          <p:spTgt spid="3">
-                                            <p:txEl>
-                                              <p:pRg st="2" end="2"/>
-                                            </p:txEl>
-                                          </p:spTgt>
-                                        </p:tgtEl>
-                                        <p:attrNameLst>
-                                          <p:attrName>ppt_x</p:attrName>
-                                        </p:attrNameLst>
-                                      </p:cBhvr>
-                                      <p:tavLst>
-                                        <p:tav tm="0">
-                                          <p:val>
-                                            <p:strVal val="0-#ppt_w/2"/>
-                                          </p:val>
-                                        </p:tav>
-                                        <p:tav tm="100000">
-                                          <p:val>
-                                            <p:strVal val="#ppt_x"/>
-                                          </p:val>
-                                        </p:tav>
-                                      </p:tavLst>
-                                    </p:anim>
-                                    <p:anim calcmode="lin" valueType="num">
-                                      <p:cBhvr additive="base">
-                                        <p:cTn id="20" dur="300" fill="hold"/>
-                                        <p:tgtEl>
-                                          <p:spTgt spid="3">
-                                            <p:txEl>
-                                              <p:pRg st="2" end="2"/>
-                                            </p:txEl>
-                                          </p:spTgt>
-                                        </p:tgtEl>
-                                        <p:attrNameLst>
-                                          <p:attrName>ppt_y</p:attrName>
-                                        </p:attrNameLst>
-                                      </p:cBhvr>
-                                      <p:tavLst>
-                                        <p:tav tm="0">
-                                          <p:val>
-                                            <p:strVal val="#ppt_y"/>
-                                          </p:val>
-                                        </p:tav>
-                                        <p:tav tm="100000">
-                                          <p:val>
-                                            <p:strVal val="#ppt_y"/>
-                                          </p:val>
-                                        </p:tav>
-                                      </p:tavLst>
-                                    </p:anim>
-                                  </p:childTnLst>
-                                </p:cTn>
-                              </p:par>
-                            </p:childTnLst>
-                          </p:cTn>
-                        </p:par>
-                      </p:childTnLst>
-                    </p:cTn>
-                  </p:par>
-                  <p:par>
-                    <p:cTn id="21" fill="hold">
-                      <p:stCondLst>
-                        <p:cond delay="indefinite"/>
-                      </p:stCondLst>
-                      <p:childTnLst>
-                        <p:par>
-                          <p:cTn id="22" fill="hold">
-                            <p:stCondLst>
-                              <p:cond delay="0"/>
-                            </p:stCondLst>
-                            <p:childTnLst>
-                              <p:par>
-                                <p:cTn id="23" presetID="2" presetClass="entr" presetSubtype="8" fill="hold" nodeType="clickEffect">
-                                  <p:stCondLst>
-                                    <p:cond delay="0"/>
-                                  </p:stCondLst>
-                                  <p:childTnLst>
-                                    <p:set>
-                                      <p:cBhvr>
-                                        <p:cTn id="24" dur="1" fill="hold">
-                                          <p:stCondLst>
-                                            <p:cond delay="0"/>
-                                          </p:stCondLst>
-                                        </p:cTn>
-                                        <p:tgtEl>
-                                          <p:spTgt spid="3">
-                                            <p:txEl>
-                                              <p:pRg st="3" end="3"/>
-                                            </p:txEl>
-                                          </p:spTgt>
-                                        </p:tgtEl>
-                                        <p:attrNameLst>
-                                          <p:attrName>style.visibility</p:attrName>
-                                        </p:attrNameLst>
-                                      </p:cBhvr>
-                                      <p:to>
-                                        <p:strVal val="visible"/>
-                                      </p:to>
-                                    </p:set>
-                                    <p:anim calcmode="lin" valueType="num">
-                                      <p:cBhvr additive="base">
-                                        <p:cTn id="25" dur="300" fill="hold"/>
-                                        <p:tgtEl>
-                                          <p:spTgt spid="3">
-                                            <p:txEl>
-                                              <p:pRg st="3" end="3"/>
-                                            </p:txEl>
-                                          </p:spTgt>
-                                        </p:tgtEl>
-                                        <p:attrNameLst>
-                                          <p:attrName>ppt_x</p:attrName>
-                                        </p:attrNameLst>
-                                      </p:cBhvr>
-                                      <p:tavLst>
-                                        <p:tav tm="0">
-                                          <p:val>
-                                            <p:strVal val="0-#ppt_w/2"/>
-                                          </p:val>
-                                        </p:tav>
-                                        <p:tav tm="100000">
-                                          <p:val>
-                                            <p:strVal val="#ppt_x"/>
-                                          </p:val>
-                                        </p:tav>
-                                      </p:tavLst>
-                                    </p:anim>
-                                    <p:anim calcmode="lin" valueType="num">
-                                      <p:cBhvr additive="base">
-                                        <p:cTn id="26" dur="300" fill="hold"/>
-                                        <p:tgtEl>
-                                          <p:spTgt spid="3">
-                                            <p:txEl>
-                                              <p:pRg st="3" end="3"/>
-                                            </p:txEl>
-                                          </p:spTgt>
-                                        </p:tgtEl>
-                                        <p:attrNameLst>
-                                          <p:attrName>ppt_y</p:attrName>
-                                        </p:attrNameLst>
-                                      </p:cBhvr>
-                                      <p:tavLst>
-                                        <p:tav tm="0">
-                                          <p:val>
-                                            <p:strVal val="#ppt_y"/>
-                                          </p:val>
-                                        </p:tav>
-                                        <p:tav tm="100000">
-                                          <p:val>
-                                            <p:strVal val="#ppt_y"/>
-                                          </p:val>
-                                        </p:tav>
-                                      </p:tavLst>
-                                    </p:anim>
-                                  </p:childTnLst>
-                                </p:cTn>
-                              </p:par>
-                            </p:childTnLst>
-                          </p:cTn>
-                        </p:par>
-                      </p:childTnLst>
-                    </p:cTn>
-                  </p:par>
-                  <p:par>
-                    <p:cTn id="27" fill="hold">
-                      <p:stCondLst>
-                        <p:cond delay="indefinite"/>
-                      </p:stCondLst>
-                      <p:childTnLst>
-                        <p:par>
-                          <p:cTn id="28" fill="hold">
-                            <p:stCondLst>
-                              <p:cond delay="0"/>
-                            </p:stCondLst>
-                            <p:childTnLst>
-                              <p:par>
-                                <p:cTn id="29" presetID="2" presetClass="entr" presetSubtype="8" fill="hold" nodeType="clickEffect">
-                                  <p:stCondLst>
-                                    <p:cond delay="0"/>
-                                  </p:stCondLst>
-                                  <p:childTnLst>
-                                    <p:set>
-                                      <p:cBhvr>
-                                        <p:cTn id="30" dur="1" fill="hold">
-                                          <p:stCondLst>
-                                            <p:cond delay="0"/>
-                                          </p:stCondLst>
-                                        </p:cTn>
-                                        <p:tgtEl>
-                                          <p:spTgt spid="3">
-                                            <p:txEl>
-                                              <p:pRg st="4" end="4"/>
-                                            </p:txEl>
-                                          </p:spTgt>
-                                        </p:tgtEl>
-                                        <p:attrNameLst>
-                                          <p:attrName>style.visibility</p:attrName>
-                                        </p:attrNameLst>
-                                      </p:cBhvr>
-                                      <p:to>
-                                        <p:strVal val="visible"/>
-                                      </p:to>
-                                    </p:set>
-                                    <p:anim calcmode="lin" valueType="num">
-                                      <p:cBhvr additive="base">
-                                        <p:cTn id="31" dur="300" fill="hold"/>
-                                        <p:tgtEl>
-                                          <p:spTgt spid="3">
-                                            <p:txEl>
-                                              <p:pRg st="4" end="4"/>
-                                            </p:txEl>
-                                          </p:spTgt>
-                                        </p:tgtEl>
-                                        <p:attrNameLst>
-                                          <p:attrName>ppt_x</p:attrName>
-                                        </p:attrNameLst>
-                                      </p:cBhvr>
-                                      <p:tavLst>
-                                        <p:tav tm="0">
-                                          <p:val>
-                                            <p:strVal val="0-#ppt_w/2"/>
-                                          </p:val>
-                                        </p:tav>
-                                        <p:tav tm="100000">
-                                          <p:val>
-                                            <p:strVal val="#ppt_x"/>
-                                          </p:val>
-                                        </p:tav>
-                                      </p:tavLst>
-                                    </p:anim>
-                                    <p:anim calcmode="lin" valueType="num">
-                                      <p:cBhvr additive="base">
-                                        <p:cTn id="32" dur="300" fill="hold"/>
-                                        <p:tgtEl>
-                                          <p:spTgt spid="3">
-                                            <p:txEl>
-                                              <p:pRg st="4" end="4"/>
-                                            </p:txEl>
-                                          </p:spTgt>
-                                        </p:tgtEl>
-                                        <p:attrNameLst>
-                                          <p:attrName>ppt_y</p:attrName>
-                                        </p:attrNameLst>
-                                      </p:cBhvr>
-                                      <p:tavLst>
-                                        <p:tav tm="0">
-                                          <p:val>
-                                            <p:strVal val="#ppt_y"/>
-                                          </p:val>
-                                        </p:tav>
-                                        <p:tav tm="100000">
-                                          <p:val>
-                                            <p:strVal val="#ppt_y"/>
-                                          </p:val>
-                                        </p:tav>
-                                      </p:tavLst>
-                                    </p:anim>
-                                  </p:childTnLst>
-                                </p:cTn>
-                              </p:par>
-                            </p:childTnLst>
-                          </p:cTn>
-                        </p:par>
-                      </p:childTnLst>
-                    </p:cTn>
-                  </p:par>
-                  <p:par>
-                    <p:cTn id="33" fill="hold">
-                      <p:stCondLst>
-                        <p:cond delay="indefinite"/>
-                      </p:stCondLst>
-                      <p:childTnLst>
-                        <p:par>
-                          <p:cTn id="34" fill="hold">
-                            <p:stCondLst>
-                              <p:cond delay="0"/>
-                            </p:stCondLst>
-                            <p:childTnLst>
-                              <p:par>
-                                <p:cTn id="35" presetID="2" presetClass="entr" presetSubtype="8" fill="hold" nodeType="clickEffect">
-                                  <p:stCondLst>
-                                    <p:cond delay="0"/>
-                                  </p:stCondLst>
-                                  <p:childTnLst>
-                                    <p:set>
-                                      <p:cBhvr>
-                                        <p:cTn id="36" dur="1" fill="hold">
-                                          <p:stCondLst>
-                                            <p:cond delay="0"/>
-                                          </p:stCondLst>
-                                        </p:cTn>
-                                        <p:tgtEl>
-                                          <p:spTgt spid="3">
-                                            <p:txEl>
-                                              <p:pRg st="5" end="5"/>
-                                            </p:txEl>
-                                          </p:spTgt>
-                                        </p:tgtEl>
-                                        <p:attrNameLst>
-                                          <p:attrName>style.visibility</p:attrName>
-                                        </p:attrNameLst>
-                                      </p:cBhvr>
-                                      <p:to>
-                                        <p:strVal val="visible"/>
-                                      </p:to>
-                                    </p:set>
-                                    <p:anim calcmode="lin" valueType="num">
-                                      <p:cBhvr additive="base">
-                                        <p:cTn id="37" dur="300" fill="hold"/>
-                                        <p:tgtEl>
-                                          <p:spTgt spid="3">
-                                            <p:txEl>
-                                              <p:pRg st="5" end="5"/>
-                                            </p:txEl>
-                                          </p:spTgt>
-                                        </p:tgtEl>
-                                        <p:attrNameLst>
-                                          <p:attrName>ppt_x</p:attrName>
-                                        </p:attrNameLst>
-                                      </p:cBhvr>
-                                      <p:tavLst>
-                                        <p:tav tm="0">
-                                          <p:val>
-                                            <p:strVal val="0-#ppt_w/2"/>
-                                          </p:val>
-                                        </p:tav>
-                                        <p:tav tm="100000">
-                                          <p:val>
-                                            <p:strVal val="#ppt_x"/>
-                                          </p:val>
-                                        </p:tav>
-                                      </p:tavLst>
-                                    </p:anim>
-                                    <p:anim calcmode="lin" valueType="num">
-                                      <p:cBhvr additive="base">
-                                        <p:cTn id="38" dur="300" fill="hold"/>
-                                        <p:tgtEl>
-                                          <p:spTgt spid="3">
-                                            <p:txEl>
-                                              <p:pRg st="5" end="5"/>
-                                            </p:txEl>
-                                          </p:spTgt>
-                                        </p:tgtEl>
-                                        <p:attrNameLst>
-                                          <p:attrName>ppt_y</p:attrName>
-                                        </p:attrNameLst>
-                                      </p:cBhvr>
-                                      <p:tavLst>
-                                        <p:tav tm="0">
-                                          <p:val>
-                                            <p:strVal val="#ppt_y"/>
-                                          </p:val>
-                                        </p:tav>
-                                        <p:tav tm="100000">
-                                          <p:val>
-                                            <p:strVal val="#ppt_y"/>
-                                          </p:val>
-                                        </p:tav>
-                                      </p:tavLst>
-                                    </p:anim>
-                                  </p:childTnLst>
-                                </p:cTn>
-                              </p:par>
-                            </p:childTnLst>
-                          </p:cTn>
-                        </p:par>
-                      </p:childTnLst>
-                    </p:cTn>
-                  </p:par>
-                </p:childTnLst>
-              </p:cTn>
-              <p:prevCondLst>
-                <p:cond evt="onPrev" delay="0">
-                  <p:tgtEl>
-                    <p:sldTgt/>
-                  </p:tgtEl>
-                </p:cond>
-              </p:prevCondLst>
-              <p:nextCondLst>
-                <p:cond evt="onNext" delay="0">
-                  <p:tgtEl>
-                    <p:sldTgt/>
-                  </p:tgtEl>
-                </p:cond>
-              </p:nextCondLst>
-            </p:seq>
-          </p:childTnLst>
-        </p:cTn>
+        <p:cTn id="1" dur="indefinite" restart="never" nodeType="tmRoot"/>
       </p:par>
     </p:tnLst>
   </p:timing>
@@ -9486,6 +9558,1399 @@
 </file>
 
 <file path=ppt/slides/slide4.xml><?xml version="1.0" encoding="utf-8"?>
+<p:sld xmlns:a="http://schemas.openxmlformats.org/drawingml/2006/main" xmlns:r="http://schemas.openxmlformats.org/officeDocument/2006/relationships" xmlns:p="http://schemas.openxmlformats.org/presentationml/2006/main">
+  <p:cSld>
+    <p:spTree>
+      <p:nvGrpSpPr>
+        <p:cNvPr id="1" name=""/>
+        <p:cNvGrpSpPr/>
+        <p:nvPr/>
+      </p:nvGrpSpPr>
+      <p:grpSpPr>
+        <a:xfrm>
+          <a:off x="0" y="0"/>
+          <a:ext cx="0" cy="0"/>
+          <a:chOff x="0" y="0"/>
+          <a:chExt cx="0" cy="0"/>
+        </a:xfrm>
+      </p:grpSpPr>
+      <p:sp>
+        <p:nvSpPr>
+          <p:cNvPr id="2" name="Titel 1"/>
+          <p:cNvSpPr>
+            <a:spLocks noGrp="1"/>
+          </p:cNvSpPr>
+          <p:nvPr>
+            <p:ph type="title"/>
+          </p:nvPr>
+        </p:nvSpPr>
+        <p:spPr/>
+        <p:txBody>
+          <a:bodyPr/>
+          <a:lstStyle/>
+          <a:p>
+            <a:r>
+              <a:rPr lang="de-DE" dirty="0" smtClean="0"/>
+              <a:t>Server</a:t>
+            </a:r>
+            <a:endParaRPr lang="de-DE" dirty="0"/>
+          </a:p>
+        </p:txBody>
+      </p:sp>
+      <p:sp>
+        <p:nvSpPr>
+          <p:cNvPr id="3" name="Inhaltsplatzhalter 2"/>
+          <p:cNvSpPr>
+            <a:spLocks noGrp="1"/>
+          </p:cNvSpPr>
+          <p:nvPr>
+            <p:ph idx="1"/>
+          </p:nvPr>
+        </p:nvSpPr>
+        <p:spPr/>
+        <p:txBody>
+          <a:bodyPr/>
+          <a:lstStyle/>
+          <a:p>
+            <a:r>
+              <a:rPr lang="de-DE" dirty="0" smtClean="0"/>
+              <a:t>Erklärung</a:t>
+            </a:r>
+          </a:p>
+          <a:p>
+            <a:r>
+              <a:rPr lang="de-DE" dirty="0" smtClean="0"/>
+              <a:t> </a:t>
+            </a:r>
+            <a:endParaRPr lang="de-DE" dirty="0"/>
+          </a:p>
+        </p:txBody>
+      </p:sp>
+    </p:spTree>
+    <p:extLst>
+      <p:ext uri="{BB962C8B-B14F-4D97-AF65-F5344CB8AC3E}">
+        <p14:creationId xmlns:p14="http://schemas.microsoft.com/office/powerpoint/2010/main" val="2975799875"/>
+      </p:ext>
+    </p:extLst>
+  </p:cSld>
+  <p:clrMapOvr>
+    <a:masterClrMapping/>
+  </p:clrMapOvr>
+  <mc:AlternateContent xmlns:mc="http://schemas.openxmlformats.org/markup-compatibility/2006">
+    <mc:Choice xmlns:p14="http://schemas.microsoft.com/office/powerpoint/2010/main" Requires="p14">
+      <p:transition spd="med" p14:dur="700">
+        <p:fade/>
+      </p:transition>
+    </mc:Choice>
+    <mc:Fallback>
+      <p:transition spd="med">
+        <p:fade/>
+      </p:transition>
+    </mc:Fallback>
+  </mc:AlternateContent>
+  <p:timing>
+    <p:tnLst>
+      <p:par>
+        <p:cTn id="1" dur="indefinite" restart="never" nodeType="tmRoot"/>
+      </p:par>
+    </p:tnLst>
+  </p:timing>
+</p:sld>
+</file>
+
+<file path=ppt/slides/slide5.xml><?xml version="1.0" encoding="utf-8"?>
+<p:sld xmlns:a="http://schemas.openxmlformats.org/drawingml/2006/main" xmlns:r="http://schemas.openxmlformats.org/officeDocument/2006/relationships" xmlns:p="http://schemas.openxmlformats.org/presentationml/2006/main">
+  <p:cSld>
+    <p:spTree>
+      <p:nvGrpSpPr>
+        <p:cNvPr id="1" name=""/>
+        <p:cNvGrpSpPr/>
+        <p:nvPr/>
+      </p:nvGrpSpPr>
+      <p:grpSpPr>
+        <a:xfrm>
+          <a:off x="0" y="0"/>
+          <a:ext cx="0" cy="0"/>
+          <a:chOff x="0" y="0"/>
+          <a:chExt cx="0" cy="0"/>
+        </a:xfrm>
+      </p:grpSpPr>
+      <p:sp>
+        <p:nvSpPr>
+          <p:cNvPr id="2" name="Titel 1"/>
+          <p:cNvSpPr>
+            <a:spLocks noGrp="1"/>
+          </p:cNvSpPr>
+          <p:nvPr>
+            <p:ph type="title"/>
+          </p:nvPr>
+        </p:nvSpPr>
+        <p:spPr/>
+        <p:txBody>
+          <a:bodyPr/>
+          <a:lstStyle/>
+          <a:p>
+            <a:r>
+              <a:rPr lang="de-DE" dirty="0"/>
+              <a:t>Allgemeine Anforderungen </a:t>
+            </a:r>
+          </a:p>
+        </p:txBody>
+      </p:sp>
+      <p:graphicFrame>
+        <p:nvGraphicFramePr>
+          <p:cNvPr id="4" name="Tabelle 3"/>
+          <p:cNvGraphicFramePr>
+            <a:graphicFrameLocks noGrp="1"/>
+          </p:cNvGraphicFramePr>
+          <p:nvPr>
+            <p:extLst>
+              <p:ext uri="{D42A27DB-BD31-4B8C-83A1-F6EECF244321}">
+                <p14:modId xmlns:p14="http://schemas.microsoft.com/office/powerpoint/2010/main" val="3343542154"/>
+              </p:ext>
+            </p:extLst>
+          </p:nvPr>
+        </p:nvGraphicFramePr>
+        <p:xfrm>
+          <a:off x="1197868" y="2132856"/>
+          <a:ext cx="8815470" cy="4320482"/>
+        </p:xfrm>
+        <a:graphic>
+          <a:graphicData uri="http://schemas.openxmlformats.org/drawingml/2006/table">
+            <a:tbl>
+              <a:tblPr firstRow="1" bandRow="1">
+                <a:tableStyleId>{5C22544A-7EE6-4342-B048-85BDC9FD1C3A}</a:tableStyleId>
+              </a:tblPr>
+              <a:tblGrid>
+                <a:gridCol w="2938490"/>
+                <a:gridCol w="2938490"/>
+                <a:gridCol w="2938490"/>
+              </a:tblGrid>
+              <a:tr h="495165">
+                <a:tc>
+                  <a:txBody>
+                    <a:bodyPr/>
+                    <a:lstStyle/>
+                    <a:p>
+                      <a:r>
+                        <a:rPr lang="de-DE" dirty="0" smtClean="0"/>
+                        <a:t>Bereich</a:t>
+                      </a:r>
+                      <a:endParaRPr lang="de-DE" dirty="0"/>
+                    </a:p>
+                  </a:txBody>
+                  <a:tcPr/>
+                </a:tc>
+                <a:tc>
+                  <a:txBody>
+                    <a:bodyPr/>
+                    <a:lstStyle/>
+                    <a:p>
+                      <a:r>
+                        <a:rPr lang="de-DE" dirty="0" smtClean="0"/>
+                        <a:t>Model</a:t>
+                      </a:r>
+                      <a:endParaRPr lang="de-DE" dirty="0"/>
+                    </a:p>
+                  </a:txBody>
+                  <a:tcPr/>
+                </a:tc>
+                <a:tc>
+                  <a:txBody>
+                    <a:bodyPr/>
+                    <a:lstStyle/>
+                    <a:p>
+                      <a:r>
+                        <a:rPr lang="de-DE" dirty="0" smtClean="0"/>
+                        <a:t>Preis</a:t>
+                      </a:r>
+                      <a:endParaRPr lang="de-DE" dirty="0"/>
+                    </a:p>
+                  </a:txBody>
+                  <a:tcPr/>
+                </a:tc>
+              </a:tr>
+              <a:tr h="495165">
+                <a:tc>
+                  <a:txBody>
+                    <a:bodyPr/>
+                    <a:lstStyle/>
+                    <a:p>
+                      <a:r>
+                        <a:rPr lang="de-DE" dirty="0" smtClean="0"/>
+                        <a:t>Netzwerk</a:t>
+                      </a:r>
+                      <a:endParaRPr lang="de-DE" dirty="0"/>
+                    </a:p>
+                  </a:txBody>
+                  <a:tcPr/>
+                </a:tc>
+                <a:tc>
+                  <a:txBody>
+                    <a:bodyPr/>
+                    <a:lstStyle/>
+                    <a:p>
+                      <a:r>
+                        <a:rPr lang="de-DE" sz="1799" b="0" i="0" u="none" strike="noStrike" kern="1200" dirty="0" smtClean="0">
+                          <a:solidFill>
+                            <a:schemeClr val="dk1"/>
+                          </a:solidFill>
+                          <a:effectLst/>
+                          <a:latin typeface="+mn-lt"/>
+                          <a:ea typeface="+mn-ea"/>
+                          <a:cs typeface="+mn-cs"/>
+                        </a:rPr>
+                        <a:t>HP </a:t>
+                      </a:r>
+                      <a:r>
+                        <a:rPr lang="de-DE" sz="1799" b="0" i="0" u="none" strike="noStrike" kern="1200" dirty="0" err="1" smtClean="0">
+                          <a:solidFill>
+                            <a:schemeClr val="dk1"/>
+                          </a:solidFill>
+                          <a:effectLst/>
+                          <a:latin typeface="+mn-lt"/>
+                          <a:ea typeface="+mn-ea"/>
+                          <a:cs typeface="+mn-cs"/>
+                        </a:rPr>
+                        <a:t>ProLiant</a:t>
+                      </a:r>
+                      <a:r>
+                        <a:rPr lang="de-DE" sz="1799" b="0" i="0" u="none" strike="noStrike" kern="1200" dirty="0" smtClean="0">
+                          <a:solidFill>
+                            <a:schemeClr val="dk1"/>
+                          </a:solidFill>
+                          <a:effectLst/>
+                          <a:latin typeface="+mn-lt"/>
+                          <a:ea typeface="+mn-ea"/>
+                          <a:cs typeface="+mn-cs"/>
+                        </a:rPr>
+                        <a:t> </a:t>
+                      </a:r>
+                      <a:r>
+                        <a:rPr lang="de-DE" sz="1799" b="0" i="0" u="none" strike="noStrike" kern="1200" dirty="0" smtClean="0">
+                          <a:solidFill>
+                            <a:schemeClr val="dk1"/>
+                          </a:solidFill>
+                          <a:effectLst/>
+                          <a:latin typeface="+mn-lt"/>
+                          <a:ea typeface="+mn-ea"/>
+                          <a:cs typeface="+mn-cs"/>
+                        </a:rPr>
+                        <a:t>DL80G92U…</a:t>
+                      </a:r>
+                      <a:endParaRPr lang="de-DE" dirty="0"/>
+                    </a:p>
+                  </a:txBody>
+                  <a:tcPr/>
+                </a:tc>
+                <a:tc>
+                  <a:txBody>
+                    <a:bodyPr/>
+                    <a:lstStyle/>
+                    <a:p>
+                      <a:r>
+                        <a:rPr lang="el-GR" sz="1799" b="0" i="0" kern="1200" dirty="0" smtClean="0">
+                          <a:solidFill>
+                            <a:schemeClr val="dk1"/>
+                          </a:solidFill>
+                          <a:effectLst/>
+                          <a:latin typeface="+mn-lt"/>
+                          <a:ea typeface="+mn-ea"/>
+                          <a:cs typeface="+mn-cs"/>
+                        </a:rPr>
+                        <a:t>Σ</a:t>
+                      </a:r>
+                      <a:r>
+                        <a:rPr lang="de-DE" sz="1799" b="0" i="0" kern="1200" dirty="0" smtClean="0">
+                          <a:solidFill>
+                            <a:schemeClr val="dk1"/>
+                          </a:solidFill>
+                          <a:effectLst/>
+                          <a:latin typeface="+mn-lt"/>
+                          <a:ea typeface="+mn-ea"/>
+                          <a:cs typeface="+mn-cs"/>
+                        </a:rPr>
+                        <a:t> </a:t>
+                      </a:r>
+                      <a:r>
+                        <a:rPr lang="de-DE" dirty="0" smtClean="0"/>
+                        <a:t>XXX,YY€</a:t>
+                      </a:r>
+                      <a:endParaRPr lang="de-DE" dirty="0"/>
+                    </a:p>
+                  </a:txBody>
+                  <a:tcPr/>
+                </a:tc>
+              </a:tr>
+              <a:tr h="495165">
+                <a:tc>
+                  <a:txBody>
+                    <a:bodyPr/>
+                    <a:lstStyle/>
+                    <a:p>
+                      <a:endParaRPr lang="de-DE" dirty="0"/>
+                    </a:p>
+                  </a:txBody>
+                  <a:tcPr/>
+                </a:tc>
+                <a:tc>
+                  <a:txBody>
+                    <a:bodyPr/>
+                    <a:lstStyle/>
+                    <a:p>
+                      <a:endParaRPr lang="de-DE" dirty="0"/>
+                    </a:p>
+                  </a:txBody>
+                  <a:tcPr/>
+                </a:tc>
+                <a:tc>
+                  <a:txBody>
+                    <a:bodyPr/>
+                    <a:lstStyle/>
+                    <a:p>
+                      <a:endParaRPr lang="de-DE"/>
+                    </a:p>
+                  </a:txBody>
+                  <a:tcPr/>
+                </a:tc>
+              </a:tr>
+              <a:tr h="495165">
+                <a:tc>
+                  <a:txBody>
+                    <a:bodyPr/>
+                    <a:lstStyle/>
+                    <a:p>
+                      <a:endParaRPr lang="de-DE" dirty="0"/>
+                    </a:p>
+                  </a:txBody>
+                  <a:tcPr/>
+                </a:tc>
+                <a:tc>
+                  <a:txBody>
+                    <a:bodyPr/>
+                    <a:lstStyle/>
+                    <a:p>
+                      <a:endParaRPr lang="de-DE"/>
+                    </a:p>
+                  </a:txBody>
+                  <a:tcPr/>
+                </a:tc>
+                <a:tc>
+                  <a:txBody>
+                    <a:bodyPr/>
+                    <a:lstStyle/>
+                    <a:p>
+                      <a:endParaRPr lang="de-DE"/>
+                    </a:p>
+                  </a:txBody>
+                  <a:tcPr/>
+                </a:tc>
+              </a:tr>
+              <a:tr h="854327">
+                <a:tc>
+                  <a:txBody>
+                    <a:bodyPr/>
+                    <a:lstStyle/>
+                    <a:p>
+                      <a:endParaRPr lang="de-DE" dirty="0"/>
+                    </a:p>
+                  </a:txBody>
+                  <a:tcPr/>
+                </a:tc>
+                <a:tc>
+                  <a:txBody>
+                    <a:bodyPr/>
+                    <a:lstStyle/>
+                    <a:p>
+                      <a:endParaRPr lang="de-DE"/>
+                    </a:p>
+                  </a:txBody>
+                  <a:tcPr/>
+                </a:tc>
+                <a:tc>
+                  <a:txBody>
+                    <a:bodyPr/>
+                    <a:lstStyle/>
+                    <a:p>
+                      <a:endParaRPr lang="de-DE" dirty="0"/>
+                    </a:p>
+                  </a:txBody>
+                  <a:tcPr/>
+                </a:tc>
+              </a:tr>
+              <a:tr h="495165">
+                <a:tc>
+                  <a:txBody>
+                    <a:bodyPr/>
+                    <a:lstStyle/>
+                    <a:p>
+                      <a:endParaRPr lang="de-DE" dirty="0" smtClean="0"/>
+                    </a:p>
+                  </a:txBody>
+                  <a:tcPr/>
+                </a:tc>
+                <a:tc>
+                  <a:txBody>
+                    <a:bodyPr/>
+                    <a:lstStyle/>
+                    <a:p>
+                      <a:endParaRPr lang="de-DE"/>
+                    </a:p>
+                  </a:txBody>
+                  <a:tcPr/>
+                </a:tc>
+                <a:tc>
+                  <a:txBody>
+                    <a:bodyPr/>
+                    <a:lstStyle/>
+                    <a:p>
+                      <a:endParaRPr lang="de-DE" dirty="0"/>
+                    </a:p>
+                  </a:txBody>
+                  <a:tcPr/>
+                </a:tc>
+              </a:tr>
+              <a:tr h="495165">
+                <a:tc>
+                  <a:txBody>
+                    <a:bodyPr/>
+                    <a:lstStyle/>
+                    <a:p>
+                      <a:endParaRPr lang="de-DE" dirty="0" smtClean="0"/>
+                    </a:p>
+                  </a:txBody>
+                  <a:tcPr/>
+                </a:tc>
+                <a:tc>
+                  <a:txBody>
+                    <a:bodyPr/>
+                    <a:lstStyle/>
+                    <a:p>
+                      <a:endParaRPr lang="de-DE"/>
+                    </a:p>
+                  </a:txBody>
+                  <a:tcPr/>
+                </a:tc>
+                <a:tc>
+                  <a:txBody>
+                    <a:bodyPr/>
+                    <a:lstStyle/>
+                    <a:p>
+                      <a:endParaRPr lang="de-DE" dirty="0"/>
+                    </a:p>
+                  </a:txBody>
+                  <a:tcPr/>
+                </a:tc>
+              </a:tr>
+              <a:tr h="495165">
+                <a:tc>
+                  <a:txBody>
+                    <a:bodyPr/>
+                    <a:lstStyle/>
+                    <a:p>
+                      <a:endParaRPr lang="de-DE" dirty="0" smtClean="0"/>
+                    </a:p>
+                  </a:txBody>
+                  <a:tcPr/>
+                </a:tc>
+                <a:tc>
+                  <a:txBody>
+                    <a:bodyPr/>
+                    <a:lstStyle/>
+                    <a:p>
+                      <a:endParaRPr lang="de-DE" dirty="0"/>
+                    </a:p>
+                  </a:txBody>
+                  <a:tcPr/>
+                </a:tc>
+                <a:tc>
+                  <a:txBody>
+                    <a:bodyPr/>
+                    <a:lstStyle/>
+                    <a:p>
+                      <a:endParaRPr lang="de-DE" dirty="0"/>
+                    </a:p>
+                  </a:txBody>
+                  <a:tcPr/>
+                </a:tc>
+              </a:tr>
+            </a:tbl>
+          </a:graphicData>
+        </a:graphic>
+      </p:graphicFrame>
+    </p:spTree>
+    <p:extLst>
+      <p:ext uri="{BB962C8B-B14F-4D97-AF65-F5344CB8AC3E}">
+        <p14:creationId xmlns:p14="http://schemas.microsoft.com/office/powerpoint/2010/main" val="1070570958"/>
+      </p:ext>
+    </p:extLst>
+  </p:cSld>
+  <p:clrMapOvr>
+    <a:masterClrMapping/>
+  </p:clrMapOvr>
+  <mc:AlternateContent xmlns:mc="http://schemas.openxmlformats.org/markup-compatibility/2006">
+    <mc:Choice xmlns:p14="http://schemas.microsoft.com/office/powerpoint/2010/main" Requires="p14">
+      <p:transition spd="med" p14:dur="700">
+        <p:fade/>
+      </p:transition>
+    </mc:Choice>
+    <mc:Fallback>
+      <p:transition spd="med">
+        <p:fade/>
+      </p:transition>
+    </mc:Fallback>
+  </mc:AlternateContent>
+  <p:timing>
+    <p:tnLst>
+      <p:par>
+        <p:cTn id="1" dur="indefinite" restart="never" nodeType="tmRoot"/>
+      </p:par>
+    </p:tnLst>
+  </p:timing>
+</p:sld>
+</file>
+
+<file path=ppt/slides/slide6.xml><?xml version="1.0" encoding="utf-8"?>
+<p:sld xmlns:a="http://schemas.openxmlformats.org/drawingml/2006/main" xmlns:r="http://schemas.openxmlformats.org/officeDocument/2006/relationships" xmlns:p="http://schemas.openxmlformats.org/presentationml/2006/main">
+  <p:cSld>
+    <p:spTree>
+      <p:nvGrpSpPr>
+        <p:cNvPr id="1" name=""/>
+        <p:cNvGrpSpPr/>
+        <p:nvPr/>
+      </p:nvGrpSpPr>
+      <p:grpSpPr>
+        <a:xfrm>
+          <a:off x="0" y="0"/>
+          <a:ext cx="0" cy="0"/>
+          <a:chOff x="0" y="0"/>
+          <a:chExt cx="0" cy="0"/>
+        </a:xfrm>
+      </p:grpSpPr>
+      <p:sp>
+        <p:nvSpPr>
+          <p:cNvPr id="2" name="Titel 1"/>
+          <p:cNvSpPr>
+            <a:spLocks noGrp="1"/>
+          </p:cNvSpPr>
+          <p:nvPr>
+            <p:ph type="title"/>
+          </p:nvPr>
+        </p:nvSpPr>
+        <p:spPr/>
+        <p:txBody>
+          <a:bodyPr/>
+          <a:lstStyle/>
+          <a:p>
+            <a:r>
+              <a:rPr lang="de-DE" dirty="0"/>
+              <a:t>Allgemeine Anforderungen </a:t>
+            </a:r>
+          </a:p>
+        </p:txBody>
+      </p:sp>
+      <p:graphicFrame>
+        <p:nvGraphicFramePr>
+          <p:cNvPr id="4" name="Tabelle 3"/>
+          <p:cNvGraphicFramePr>
+            <a:graphicFrameLocks noGrp="1"/>
+          </p:cNvGraphicFramePr>
+          <p:nvPr>
+            <p:extLst>
+              <p:ext uri="{D42A27DB-BD31-4B8C-83A1-F6EECF244321}">
+                <p14:modId xmlns:p14="http://schemas.microsoft.com/office/powerpoint/2010/main" val="1889637737"/>
+              </p:ext>
+            </p:extLst>
+          </p:nvPr>
+        </p:nvGraphicFramePr>
+        <p:xfrm>
+          <a:off x="1197868" y="2132856"/>
+          <a:ext cx="8815470" cy="4320482"/>
+        </p:xfrm>
+        <a:graphic>
+          <a:graphicData uri="http://schemas.openxmlformats.org/drawingml/2006/table">
+            <a:tbl>
+              <a:tblPr firstRow="1" bandRow="1">
+                <a:tableStyleId>{5C22544A-7EE6-4342-B048-85BDC9FD1C3A}</a:tableStyleId>
+              </a:tblPr>
+              <a:tblGrid>
+                <a:gridCol w="2938490"/>
+                <a:gridCol w="2938490"/>
+                <a:gridCol w="2938490"/>
+              </a:tblGrid>
+              <a:tr h="495165">
+                <a:tc>
+                  <a:txBody>
+                    <a:bodyPr/>
+                    <a:lstStyle/>
+                    <a:p>
+                      <a:r>
+                        <a:rPr lang="de-DE" dirty="0" smtClean="0"/>
+                        <a:t>Bereich</a:t>
+                      </a:r>
+                      <a:endParaRPr lang="de-DE" dirty="0"/>
+                    </a:p>
+                  </a:txBody>
+                  <a:tcPr/>
+                </a:tc>
+                <a:tc>
+                  <a:txBody>
+                    <a:bodyPr/>
+                    <a:lstStyle/>
+                    <a:p>
+                      <a:r>
+                        <a:rPr lang="de-DE" dirty="0" smtClean="0"/>
+                        <a:t>Model</a:t>
+                      </a:r>
+                      <a:endParaRPr lang="de-DE" dirty="0"/>
+                    </a:p>
+                  </a:txBody>
+                  <a:tcPr/>
+                </a:tc>
+                <a:tc>
+                  <a:txBody>
+                    <a:bodyPr/>
+                    <a:lstStyle/>
+                    <a:p>
+                      <a:r>
+                        <a:rPr lang="de-DE" dirty="0" smtClean="0"/>
+                        <a:t>Preis</a:t>
+                      </a:r>
+                      <a:endParaRPr lang="de-DE" dirty="0"/>
+                    </a:p>
+                  </a:txBody>
+                  <a:tcPr/>
+                </a:tc>
+              </a:tr>
+              <a:tr h="495165">
+                <a:tc>
+                  <a:txBody>
+                    <a:bodyPr/>
+                    <a:lstStyle/>
+                    <a:p>
+                      <a:r>
+                        <a:rPr lang="de-DE" dirty="0" smtClean="0"/>
+                        <a:t>Server</a:t>
+                      </a:r>
+                      <a:endParaRPr lang="de-DE" dirty="0"/>
+                    </a:p>
+                  </a:txBody>
+                  <a:tcPr/>
+                </a:tc>
+                <a:tc>
+                  <a:txBody>
+                    <a:bodyPr/>
+                    <a:lstStyle/>
+                    <a:p>
+                      <a:r>
+                        <a:rPr lang="de-DE" sz="1799" b="0" i="0" u="none" strike="noStrike" kern="1200" dirty="0" smtClean="0">
+                          <a:solidFill>
+                            <a:schemeClr val="dk1"/>
+                          </a:solidFill>
+                          <a:effectLst/>
+                          <a:latin typeface="+mn-lt"/>
+                          <a:ea typeface="+mn-ea"/>
+                          <a:cs typeface="+mn-cs"/>
+                        </a:rPr>
+                        <a:t>HP </a:t>
+                      </a:r>
+                      <a:r>
+                        <a:rPr lang="de-DE" sz="1799" b="0" i="0" u="none" strike="noStrike" kern="1200" dirty="0" err="1" smtClean="0">
+                          <a:solidFill>
+                            <a:schemeClr val="dk1"/>
+                          </a:solidFill>
+                          <a:effectLst/>
+                          <a:latin typeface="+mn-lt"/>
+                          <a:ea typeface="+mn-ea"/>
+                          <a:cs typeface="+mn-cs"/>
+                        </a:rPr>
+                        <a:t>ProLiant</a:t>
+                      </a:r>
+                      <a:r>
+                        <a:rPr lang="de-DE" sz="1799" b="0" i="0" u="none" strike="noStrike" kern="1200" dirty="0" smtClean="0">
+                          <a:solidFill>
+                            <a:schemeClr val="dk1"/>
+                          </a:solidFill>
+                          <a:effectLst/>
+                          <a:latin typeface="+mn-lt"/>
+                          <a:ea typeface="+mn-ea"/>
+                          <a:cs typeface="+mn-cs"/>
+                        </a:rPr>
+                        <a:t> DL80G92U</a:t>
+                      </a:r>
+                      <a:endParaRPr lang="de-DE" dirty="0"/>
+                    </a:p>
+                  </a:txBody>
+                  <a:tcPr/>
+                </a:tc>
+                <a:tc>
+                  <a:txBody>
+                    <a:bodyPr/>
+                    <a:lstStyle/>
+                    <a:p>
+                      <a:r>
+                        <a:rPr lang="de-DE" dirty="0" smtClean="0"/>
+                        <a:t>999,00€</a:t>
+                      </a:r>
+                      <a:endParaRPr lang="de-DE" dirty="0"/>
+                    </a:p>
+                  </a:txBody>
+                  <a:tcPr/>
+                </a:tc>
+              </a:tr>
+              <a:tr h="495165">
+                <a:tc>
+                  <a:txBody>
+                    <a:bodyPr/>
+                    <a:lstStyle/>
+                    <a:p>
+                      <a:r>
+                        <a:rPr lang="de-DE" dirty="0" smtClean="0"/>
+                        <a:t>Programmierung</a:t>
+                      </a:r>
+                      <a:endParaRPr lang="de-DE" dirty="0"/>
+                    </a:p>
+                  </a:txBody>
+                  <a:tcPr/>
+                </a:tc>
+                <a:tc>
+                  <a:txBody>
+                    <a:bodyPr/>
+                    <a:lstStyle/>
+                    <a:p>
+                      <a:endParaRPr lang="de-DE" dirty="0"/>
+                    </a:p>
+                  </a:txBody>
+                  <a:tcPr/>
+                </a:tc>
+                <a:tc>
+                  <a:txBody>
+                    <a:bodyPr/>
+                    <a:lstStyle/>
+                    <a:p>
+                      <a:endParaRPr lang="de-DE"/>
+                    </a:p>
+                  </a:txBody>
+                  <a:tcPr/>
+                </a:tc>
+              </a:tr>
+              <a:tr h="495165">
+                <a:tc>
+                  <a:txBody>
+                    <a:bodyPr/>
+                    <a:lstStyle/>
+                    <a:p>
+                      <a:endParaRPr lang="de-DE" dirty="0"/>
+                    </a:p>
+                  </a:txBody>
+                  <a:tcPr/>
+                </a:tc>
+                <a:tc>
+                  <a:txBody>
+                    <a:bodyPr/>
+                    <a:lstStyle/>
+                    <a:p>
+                      <a:endParaRPr lang="de-DE"/>
+                    </a:p>
+                  </a:txBody>
+                  <a:tcPr/>
+                </a:tc>
+                <a:tc>
+                  <a:txBody>
+                    <a:bodyPr/>
+                    <a:lstStyle/>
+                    <a:p>
+                      <a:endParaRPr lang="de-DE"/>
+                    </a:p>
+                  </a:txBody>
+                  <a:tcPr/>
+                </a:tc>
+              </a:tr>
+              <a:tr h="854327">
+                <a:tc>
+                  <a:txBody>
+                    <a:bodyPr/>
+                    <a:lstStyle/>
+                    <a:p>
+                      <a:endParaRPr lang="de-DE" dirty="0"/>
+                    </a:p>
+                  </a:txBody>
+                  <a:tcPr/>
+                </a:tc>
+                <a:tc>
+                  <a:txBody>
+                    <a:bodyPr/>
+                    <a:lstStyle/>
+                    <a:p>
+                      <a:endParaRPr lang="de-DE"/>
+                    </a:p>
+                  </a:txBody>
+                  <a:tcPr/>
+                </a:tc>
+                <a:tc>
+                  <a:txBody>
+                    <a:bodyPr/>
+                    <a:lstStyle/>
+                    <a:p>
+                      <a:endParaRPr lang="de-DE" dirty="0"/>
+                    </a:p>
+                  </a:txBody>
+                  <a:tcPr/>
+                </a:tc>
+              </a:tr>
+              <a:tr h="495165">
+                <a:tc>
+                  <a:txBody>
+                    <a:bodyPr/>
+                    <a:lstStyle/>
+                    <a:p>
+                      <a:endParaRPr lang="de-DE" dirty="0"/>
+                    </a:p>
+                  </a:txBody>
+                  <a:tcPr/>
+                </a:tc>
+                <a:tc>
+                  <a:txBody>
+                    <a:bodyPr/>
+                    <a:lstStyle/>
+                    <a:p>
+                      <a:endParaRPr lang="de-DE"/>
+                    </a:p>
+                  </a:txBody>
+                  <a:tcPr/>
+                </a:tc>
+                <a:tc>
+                  <a:txBody>
+                    <a:bodyPr/>
+                    <a:lstStyle/>
+                    <a:p>
+                      <a:endParaRPr lang="de-DE" dirty="0"/>
+                    </a:p>
+                  </a:txBody>
+                  <a:tcPr/>
+                </a:tc>
+              </a:tr>
+              <a:tr h="495165">
+                <a:tc>
+                  <a:txBody>
+                    <a:bodyPr/>
+                    <a:lstStyle/>
+                    <a:p>
+                      <a:endParaRPr lang="de-DE" dirty="0"/>
+                    </a:p>
+                  </a:txBody>
+                  <a:tcPr/>
+                </a:tc>
+                <a:tc>
+                  <a:txBody>
+                    <a:bodyPr/>
+                    <a:lstStyle/>
+                    <a:p>
+                      <a:endParaRPr lang="de-DE"/>
+                    </a:p>
+                  </a:txBody>
+                  <a:tcPr/>
+                </a:tc>
+                <a:tc>
+                  <a:txBody>
+                    <a:bodyPr/>
+                    <a:lstStyle/>
+                    <a:p>
+                      <a:endParaRPr lang="de-DE" dirty="0"/>
+                    </a:p>
+                  </a:txBody>
+                  <a:tcPr/>
+                </a:tc>
+              </a:tr>
+              <a:tr h="495165">
+                <a:tc>
+                  <a:txBody>
+                    <a:bodyPr/>
+                    <a:lstStyle/>
+                    <a:p>
+                      <a:endParaRPr lang="de-DE" dirty="0" smtClean="0"/>
+                    </a:p>
+                  </a:txBody>
+                  <a:tcPr/>
+                </a:tc>
+                <a:tc>
+                  <a:txBody>
+                    <a:bodyPr/>
+                    <a:lstStyle/>
+                    <a:p>
+                      <a:endParaRPr lang="de-DE" dirty="0"/>
+                    </a:p>
+                  </a:txBody>
+                  <a:tcPr/>
+                </a:tc>
+                <a:tc>
+                  <a:txBody>
+                    <a:bodyPr/>
+                    <a:lstStyle/>
+                    <a:p>
+                      <a:endParaRPr lang="de-DE" dirty="0"/>
+                    </a:p>
+                  </a:txBody>
+                  <a:tcPr/>
+                </a:tc>
+              </a:tr>
+            </a:tbl>
+          </a:graphicData>
+        </a:graphic>
+      </p:graphicFrame>
+    </p:spTree>
+    <p:extLst>
+      <p:ext uri="{BB962C8B-B14F-4D97-AF65-F5344CB8AC3E}">
+        <p14:creationId xmlns:p14="http://schemas.microsoft.com/office/powerpoint/2010/main" val="2155897159"/>
+      </p:ext>
+    </p:extLst>
+  </p:cSld>
+  <p:clrMapOvr>
+    <a:masterClrMapping/>
+  </p:clrMapOvr>
+  <mc:AlternateContent xmlns:mc="http://schemas.openxmlformats.org/markup-compatibility/2006">
+    <mc:Choice xmlns:p14="http://schemas.microsoft.com/office/powerpoint/2010/main" Requires="p14">
+      <p:transition spd="med" p14:dur="700">
+        <p:fade/>
+      </p:transition>
+    </mc:Choice>
+    <mc:Fallback>
+      <p:transition spd="med">
+        <p:fade/>
+      </p:transition>
+    </mc:Fallback>
+  </mc:AlternateContent>
+  <p:timing>
+    <p:tnLst>
+      <p:par>
+        <p:cTn id="1" dur="indefinite" restart="never" nodeType="tmRoot"/>
+      </p:par>
+    </p:tnLst>
+  </p:timing>
+</p:sld>
+</file>
+
+<file path=ppt/slides/slide7.xml><?xml version="1.0" encoding="utf-8"?>
+<p:sld xmlns:a="http://schemas.openxmlformats.org/drawingml/2006/main" xmlns:r="http://schemas.openxmlformats.org/officeDocument/2006/relationships" xmlns:p="http://schemas.openxmlformats.org/presentationml/2006/main">
+  <p:cSld>
+    <p:spTree>
+      <p:nvGrpSpPr>
+        <p:cNvPr id="1" name=""/>
+        <p:cNvGrpSpPr/>
+        <p:nvPr/>
+      </p:nvGrpSpPr>
+      <p:grpSpPr>
+        <a:xfrm>
+          <a:off x="0" y="0"/>
+          <a:ext cx="0" cy="0"/>
+          <a:chOff x="0" y="0"/>
+          <a:chExt cx="0" cy="0"/>
+        </a:xfrm>
+      </p:grpSpPr>
+      <p:sp>
+        <p:nvSpPr>
+          <p:cNvPr id="2" name="Titel 1"/>
+          <p:cNvSpPr>
+            <a:spLocks noGrp="1"/>
+          </p:cNvSpPr>
+          <p:nvPr>
+            <p:ph type="title"/>
+          </p:nvPr>
+        </p:nvSpPr>
+        <p:spPr/>
+        <p:txBody>
+          <a:bodyPr/>
+          <a:lstStyle/>
+          <a:p>
+            <a:r>
+              <a:rPr lang="de-DE" dirty="0"/>
+              <a:t>Allgemeine Anforderungen </a:t>
+            </a:r>
+          </a:p>
+        </p:txBody>
+      </p:sp>
+      <p:graphicFrame>
+        <p:nvGraphicFramePr>
+          <p:cNvPr id="4" name="Tabelle 3"/>
+          <p:cNvGraphicFramePr>
+            <a:graphicFrameLocks noGrp="1"/>
+          </p:cNvGraphicFramePr>
+          <p:nvPr>
+            <p:extLst>
+              <p:ext uri="{D42A27DB-BD31-4B8C-83A1-F6EECF244321}">
+                <p14:modId xmlns:p14="http://schemas.microsoft.com/office/powerpoint/2010/main" val="1889637737"/>
+              </p:ext>
+            </p:extLst>
+          </p:nvPr>
+        </p:nvGraphicFramePr>
+        <p:xfrm>
+          <a:off x="1197868" y="2132856"/>
+          <a:ext cx="8815470" cy="4320482"/>
+        </p:xfrm>
+        <a:graphic>
+          <a:graphicData uri="http://schemas.openxmlformats.org/drawingml/2006/table">
+            <a:tbl>
+              <a:tblPr firstRow="1" bandRow="1">
+                <a:tableStyleId>{5C22544A-7EE6-4342-B048-85BDC9FD1C3A}</a:tableStyleId>
+              </a:tblPr>
+              <a:tblGrid>
+                <a:gridCol w="2938490"/>
+                <a:gridCol w="2938490"/>
+                <a:gridCol w="2938490"/>
+              </a:tblGrid>
+              <a:tr h="495165">
+                <a:tc>
+                  <a:txBody>
+                    <a:bodyPr/>
+                    <a:lstStyle/>
+                    <a:p>
+                      <a:r>
+                        <a:rPr lang="de-DE" dirty="0" smtClean="0"/>
+                        <a:t>Bereich</a:t>
+                      </a:r>
+                      <a:endParaRPr lang="de-DE" dirty="0"/>
+                    </a:p>
+                  </a:txBody>
+                  <a:tcPr/>
+                </a:tc>
+                <a:tc>
+                  <a:txBody>
+                    <a:bodyPr/>
+                    <a:lstStyle/>
+                    <a:p>
+                      <a:r>
+                        <a:rPr lang="de-DE" dirty="0" smtClean="0"/>
+                        <a:t>Model</a:t>
+                      </a:r>
+                      <a:endParaRPr lang="de-DE" dirty="0"/>
+                    </a:p>
+                  </a:txBody>
+                  <a:tcPr/>
+                </a:tc>
+                <a:tc>
+                  <a:txBody>
+                    <a:bodyPr/>
+                    <a:lstStyle/>
+                    <a:p>
+                      <a:r>
+                        <a:rPr lang="de-DE" dirty="0" smtClean="0"/>
+                        <a:t>Preis</a:t>
+                      </a:r>
+                      <a:endParaRPr lang="de-DE" dirty="0"/>
+                    </a:p>
+                  </a:txBody>
+                  <a:tcPr/>
+                </a:tc>
+              </a:tr>
+              <a:tr h="495165">
+                <a:tc>
+                  <a:txBody>
+                    <a:bodyPr/>
+                    <a:lstStyle/>
+                    <a:p>
+                      <a:r>
+                        <a:rPr lang="de-DE" dirty="0" smtClean="0"/>
+                        <a:t>Server</a:t>
+                      </a:r>
+                      <a:endParaRPr lang="de-DE" dirty="0"/>
+                    </a:p>
+                  </a:txBody>
+                  <a:tcPr/>
+                </a:tc>
+                <a:tc>
+                  <a:txBody>
+                    <a:bodyPr/>
+                    <a:lstStyle/>
+                    <a:p>
+                      <a:r>
+                        <a:rPr lang="de-DE" sz="1799" b="0" i="0" u="none" strike="noStrike" kern="1200" dirty="0" smtClean="0">
+                          <a:solidFill>
+                            <a:schemeClr val="dk1"/>
+                          </a:solidFill>
+                          <a:effectLst/>
+                          <a:latin typeface="+mn-lt"/>
+                          <a:ea typeface="+mn-ea"/>
+                          <a:cs typeface="+mn-cs"/>
+                        </a:rPr>
+                        <a:t>HP </a:t>
+                      </a:r>
+                      <a:r>
+                        <a:rPr lang="de-DE" sz="1799" b="0" i="0" u="none" strike="noStrike" kern="1200" dirty="0" err="1" smtClean="0">
+                          <a:solidFill>
+                            <a:schemeClr val="dk1"/>
+                          </a:solidFill>
+                          <a:effectLst/>
+                          <a:latin typeface="+mn-lt"/>
+                          <a:ea typeface="+mn-ea"/>
+                          <a:cs typeface="+mn-cs"/>
+                        </a:rPr>
+                        <a:t>ProLiant</a:t>
+                      </a:r>
+                      <a:r>
+                        <a:rPr lang="de-DE" sz="1799" b="0" i="0" u="none" strike="noStrike" kern="1200" dirty="0" smtClean="0">
+                          <a:solidFill>
+                            <a:schemeClr val="dk1"/>
+                          </a:solidFill>
+                          <a:effectLst/>
+                          <a:latin typeface="+mn-lt"/>
+                          <a:ea typeface="+mn-ea"/>
+                          <a:cs typeface="+mn-cs"/>
+                        </a:rPr>
+                        <a:t> DL80G92U</a:t>
+                      </a:r>
+                      <a:endParaRPr lang="de-DE" dirty="0"/>
+                    </a:p>
+                  </a:txBody>
+                  <a:tcPr/>
+                </a:tc>
+                <a:tc>
+                  <a:txBody>
+                    <a:bodyPr/>
+                    <a:lstStyle/>
+                    <a:p>
+                      <a:r>
+                        <a:rPr lang="de-DE" dirty="0" smtClean="0"/>
+                        <a:t>999,00€</a:t>
+                      </a:r>
+                      <a:endParaRPr lang="de-DE" dirty="0"/>
+                    </a:p>
+                  </a:txBody>
+                  <a:tcPr/>
+                </a:tc>
+              </a:tr>
+              <a:tr h="495165">
+                <a:tc>
+                  <a:txBody>
+                    <a:bodyPr/>
+                    <a:lstStyle/>
+                    <a:p>
+                      <a:r>
+                        <a:rPr lang="de-DE" dirty="0" smtClean="0"/>
+                        <a:t>Programmierung</a:t>
+                      </a:r>
+                      <a:endParaRPr lang="de-DE" dirty="0"/>
+                    </a:p>
+                  </a:txBody>
+                  <a:tcPr/>
+                </a:tc>
+                <a:tc>
+                  <a:txBody>
+                    <a:bodyPr/>
+                    <a:lstStyle/>
+                    <a:p>
+                      <a:endParaRPr lang="de-DE" dirty="0"/>
+                    </a:p>
+                  </a:txBody>
+                  <a:tcPr/>
+                </a:tc>
+                <a:tc>
+                  <a:txBody>
+                    <a:bodyPr/>
+                    <a:lstStyle/>
+                    <a:p>
+                      <a:endParaRPr lang="de-DE"/>
+                    </a:p>
+                  </a:txBody>
+                  <a:tcPr/>
+                </a:tc>
+              </a:tr>
+              <a:tr h="495165">
+                <a:tc>
+                  <a:txBody>
+                    <a:bodyPr/>
+                    <a:lstStyle/>
+                    <a:p>
+                      <a:endParaRPr lang="de-DE" dirty="0"/>
+                    </a:p>
+                  </a:txBody>
+                  <a:tcPr/>
+                </a:tc>
+                <a:tc>
+                  <a:txBody>
+                    <a:bodyPr/>
+                    <a:lstStyle/>
+                    <a:p>
+                      <a:endParaRPr lang="de-DE"/>
+                    </a:p>
+                  </a:txBody>
+                  <a:tcPr/>
+                </a:tc>
+                <a:tc>
+                  <a:txBody>
+                    <a:bodyPr/>
+                    <a:lstStyle/>
+                    <a:p>
+                      <a:endParaRPr lang="de-DE"/>
+                    </a:p>
+                  </a:txBody>
+                  <a:tcPr/>
+                </a:tc>
+              </a:tr>
+              <a:tr h="854327">
+                <a:tc>
+                  <a:txBody>
+                    <a:bodyPr/>
+                    <a:lstStyle/>
+                    <a:p>
+                      <a:endParaRPr lang="de-DE" dirty="0"/>
+                    </a:p>
+                  </a:txBody>
+                  <a:tcPr/>
+                </a:tc>
+                <a:tc>
+                  <a:txBody>
+                    <a:bodyPr/>
+                    <a:lstStyle/>
+                    <a:p>
+                      <a:endParaRPr lang="de-DE"/>
+                    </a:p>
+                  </a:txBody>
+                  <a:tcPr/>
+                </a:tc>
+                <a:tc>
+                  <a:txBody>
+                    <a:bodyPr/>
+                    <a:lstStyle/>
+                    <a:p>
+                      <a:endParaRPr lang="de-DE" dirty="0"/>
+                    </a:p>
+                  </a:txBody>
+                  <a:tcPr/>
+                </a:tc>
+              </a:tr>
+              <a:tr h="495165">
+                <a:tc>
+                  <a:txBody>
+                    <a:bodyPr/>
+                    <a:lstStyle/>
+                    <a:p>
+                      <a:endParaRPr lang="de-DE" dirty="0"/>
+                    </a:p>
+                  </a:txBody>
+                  <a:tcPr/>
+                </a:tc>
+                <a:tc>
+                  <a:txBody>
+                    <a:bodyPr/>
+                    <a:lstStyle/>
+                    <a:p>
+                      <a:endParaRPr lang="de-DE"/>
+                    </a:p>
+                  </a:txBody>
+                  <a:tcPr/>
+                </a:tc>
+                <a:tc>
+                  <a:txBody>
+                    <a:bodyPr/>
+                    <a:lstStyle/>
+                    <a:p>
+                      <a:endParaRPr lang="de-DE" dirty="0"/>
+                    </a:p>
+                  </a:txBody>
+                  <a:tcPr/>
+                </a:tc>
+              </a:tr>
+              <a:tr h="495165">
+                <a:tc>
+                  <a:txBody>
+                    <a:bodyPr/>
+                    <a:lstStyle/>
+                    <a:p>
+                      <a:endParaRPr lang="de-DE" dirty="0"/>
+                    </a:p>
+                  </a:txBody>
+                  <a:tcPr/>
+                </a:tc>
+                <a:tc>
+                  <a:txBody>
+                    <a:bodyPr/>
+                    <a:lstStyle/>
+                    <a:p>
+                      <a:endParaRPr lang="de-DE"/>
+                    </a:p>
+                  </a:txBody>
+                  <a:tcPr/>
+                </a:tc>
+                <a:tc>
+                  <a:txBody>
+                    <a:bodyPr/>
+                    <a:lstStyle/>
+                    <a:p>
+                      <a:endParaRPr lang="de-DE" dirty="0"/>
+                    </a:p>
+                  </a:txBody>
+                  <a:tcPr/>
+                </a:tc>
+              </a:tr>
+              <a:tr h="495165">
+                <a:tc>
+                  <a:txBody>
+                    <a:bodyPr/>
+                    <a:lstStyle/>
+                    <a:p>
+                      <a:endParaRPr lang="de-DE" dirty="0" smtClean="0"/>
+                    </a:p>
+                  </a:txBody>
+                  <a:tcPr/>
+                </a:tc>
+                <a:tc>
+                  <a:txBody>
+                    <a:bodyPr/>
+                    <a:lstStyle/>
+                    <a:p>
+                      <a:endParaRPr lang="de-DE" dirty="0"/>
+                    </a:p>
+                  </a:txBody>
+                  <a:tcPr/>
+                </a:tc>
+                <a:tc>
+                  <a:txBody>
+                    <a:bodyPr/>
+                    <a:lstStyle/>
+                    <a:p>
+                      <a:endParaRPr lang="de-DE" dirty="0"/>
+                    </a:p>
+                  </a:txBody>
+                  <a:tcPr/>
+                </a:tc>
+              </a:tr>
+            </a:tbl>
+          </a:graphicData>
+        </a:graphic>
+      </p:graphicFrame>
+    </p:spTree>
+    <p:extLst>
+      <p:ext uri="{BB962C8B-B14F-4D97-AF65-F5344CB8AC3E}">
+        <p14:creationId xmlns:p14="http://schemas.microsoft.com/office/powerpoint/2010/main" val="902313776"/>
+      </p:ext>
+    </p:extLst>
+  </p:cSld>
+  <p:clrMapOvr>
+    <a:masterClrMapping/>
+  </p:clrMapOvr>
+  <mc:AlternateContent xmlns:mc="http://schemas.openxmlformats.org/markup-compatibility/2006">
+    <mc:Choice xmlns:p14="http://schemas.microsoft.com/office/powerpoint/2010/main" Requires="p14">
+      <p:transition spd="med" p14:dur="700">
+        <p:fade/>
+      </p:transition>
+    </mc:Choice>
+    <mc:Fallback>
+      <p:transition spd="med">
+        <p:fade/>
+      </p:transition>
+    </mc:Fallback>
+  </mc:AlternateContent>
+  <p:timing>
+    <p:tnLst>
+      <p:par>
+        <p:cTn id="1" dur="indefinite" restart="never" nodeType="tmRoot"/>
+      </p:par>
+    </p:tnLst>
+  </p:timing>
+</p:sld>
+</file>
+
+<file path=ppt/slides/slide8.xml><?xml version="1.0" encoding="utf-8"?>
 <p:sld xmlns:a="http://schemas.openxmlformats.org/drawingml/2006/main" xmlns:r="http://schemas.openxmlformats.org/officeDocument/2006/relationships" xmlns:p="http://schemas.openxmlformats.org/presentationml/2006/main">
   <p:cSld>
     <p:spTree>
@@ -10055,7 +11520,7 @@
 </p:sld>
 </file>
 
-<file path=ppt/slides/slide5.xml><?xml version="1.0" encoding="utf-8"?>
+<file path=ppt/slides/slide9.xml><?xml version="1.0" encoding="utf-8"?>
 <p:sld xmlns:a="http://schemas.openxmlformats.org/drawingml/2006/main" xmlns:r="http://schemas.openxmlformats.org/officeDocument/2006/relationships" xmlns:p="http://schemas.openxmlformats.org/presentationml/2006/main">
   <p:cSld>
     <p:spTree>
@@ -10162,316 +11627,6 @@
     <p:extLst>
       <p:ext uri="{BB962C8B-B14F-4D97-AF65-F5344CB8AC3E}">
         <p14:creationId xmlns:p14="http://schemas.microsoft.com/office/powerpoint/2010/main" val="4206988261"/>
-      </p:ext>
-    </p:extLst>
-  </p:cSld>
-  <p:clrMapOvr>
-    <a:masterClrMapping/>
-  </p:clrMapOvr>
-  <mc:AlternateContent xmlns:mc="http://schemas.openxmlformats.org/markup-compatibility/2006" xmlns:p14="http://schemas.microsoft.com/office/powerpoint/2010/main">
-    <mc:Choice Requires="p14">
-      <p:transition spd="med" p14:dur="700">
-        <p:fade/>
-      </p:transition>
-    </mc:Choice>
-    <mc:Fallback xmlns="">
-      <p:transition spd="med">
-        <p:fade/>
-      </p:transition>
-    </mc:Fallback>
-  </mc:AlternateContent>
-</p:sld>
-</file>
-
-<file path=ppt/slides/slide6.xml><?xml version="1.0" encoding="utf-8"?>
-<p:sld xmlns:a="http://schemas.openxmlformats.org/drawingml/2006/main" xmlns:r="http://schemas.openxmlformats.org/officeDocument/2006/relationships" xmlns:p="http://schemas.openxmlformats.org/presentationml/2006/main">
-  <p:cSld>
-    <p:spTree>
-      <p:nvGrpSpPr>
-        <p:cNvPr id="1" name=""/>
-        <p:cNvGrpSpPr/>
-        <p:nvPr/>
-      </p:nvGrpSpPr>
-      <p:grpSpPr>
-        <a:xfrm>
-          <a:off x="0" y="0"/>
-          <a:ext cx="0" cy="0"/>
-          <a:chOff x="0" y="0"/>
-          <a:chExt cx="0" cy="0"/>
-        </a:xfrm>
-      </p:grpSpPr>
-      <p:sp>
-        <p:nvSpPr>
-          <p:cNvPr id="2" name="Titel 1"/>
-          <p:cNvSpPr>
-            <a:spLocks noGrp="1"/>
-          </p:cNvSpPr>
-          <p:nvPr>
-            <p:ph type="title"/>
-          </p:nvPr>
-        </p:nvSpPr>
-        <p:spPr/>
-        <p:txBody>
-          <a:bodyPr/>
-          <a:lstStyle/>
-          <a:p>
-            <a:r>
-              <a:rPr lang="de-DE" dirty="0"/>
-              <a:t>Angebot Grafik/Design</a:t>
-            </a:r>
-          </a:p>
-        </p:txBody>
-      </p:sp>
-      <p:sp>
-        <p:nvSpPr>
-          <p:cNvPr id="3" name="Inhaltsplatzhalter 2"/>
-          <p:cNvSpPr>
-            <a:spLocks noGrp="1"/>
-          </p:cNvSpPr>
-          <p:nvPr>
-            <p:ph idx="1"/>
-          </p:nvPr>
-        </p:nvSpPr>
-        <p:spPr/>
-        <p:txBody>
-          <a:bodyPr/>
-          <a:lstStyle/>
-          <a:p>
-            <a:r>
-              <a:rPr lang="de-DE" dirty="0"/>
-              <a:t>Grafik</a:t>
-            </a:r>
-          </a:p>
-          <a:p>
-            <a:r>
-              <a:rPr lang="de-DE" dirty="0"/>
-              <a:t>Acer Aspire GX-781</a:t>
-            </a:r>
-          </a:p>
-          <a:p>
-            <a:pPr lvl="1"/>
-            <a:r>
-              <a:rPr lang="de-DE" dirty="0"/>
-              <a:t>Intel® Core™ i5-7400</a:t>
-            </a:r>
-          </a:p>
-          <a:p>
-            <a:pPr lvl="1"/>
-            <a:r>
-              <a:rPr lang="de-DE" dirty="0"/>
-              <a:t>AMD Radeon RX 480</a:t>
-            </a:r>
-          </a:p>
-          <a:p>
-            <a:pPr lvl="1"/>
-            <a:r>
-              <a:rPr lang="de-DE" dirty="0"/>
-              <a:t>Core-Gaming PC</a:t>
-            </a:r>
-          </a:p>
-        </p:txBody>
-      </p:sp>
-    </p:spTree>
-    <p:extLst>
-      <p:ext uri="{BB962C8B-B14F-4D97-AF65-F5344CB8AC3E}">
-        <p14:creationId xmlns:p14="http://schemas.microsoft.com/office/powerpoint/2010/main" val="2762393912"/>
-      </p:ext>
-    </p:extLst>
-  </p:cSld>
-  <p:clrMapOvr>
-    <a:masterClrMapping/>
-  </p:clrMapOvr>
-  <mc:AlternateContent xmlns:mc="http://schemas.openxmlformats.org/markup-compatibility/2006" xmlns:p14="http://schemas.microsoft.com/office/powerpoint/2010/main">
-    <mc:Choice Requires="p14">
-      <p:transition spd="med" p14:dur="700">
-        <p:fade/>
-      </p:transition>
-    </mc:Choice>
-    <mc:Fallback xmlns="">
-      <p:transition spd="med">
-        <p:fade/>
-      </p:transition>
-    </mc:Fallback>
-  </mc:AlternateContent>
-</p:sld>
-</file>
-
-<file path=ppt/slides/slide7.xml><?xml version="1.0" encoding="utf-8"?>
-<p:sld xmlns:a="http://schemas.openxmlformats.org/drawingml/2006/main" xmlns:r="http://schemas.openxmlformats.org/officeDocument/2006/relationships" xmlns:p="http://schemas.openxmlformats.org/presentationml/2006/main">
-  <p:cSld>
-    <p:spTree>
-      <p:nvGrpSpPr>
-        <p:cNvPr id="1" name=""/>
-        <p:cNvGrpSpPr/>
-        <p:nvPr/>
-      </p:nvGrpSpPr>
-      <p:grpSpPr>
-        <a:xfrm>
-          <a:off x="0" y="0"/>
-          <a:ext cx="0" cy="0"/>
-          <a:chOff x="0" y="0"/>
-          <a:chExt cx="0" cy="0"/>
-        </a:xfrm>
-      </p:grpSpPr>
-      <p:sp>
-        <p:nvSpPr>
-          <p:cNvPr id="2" name="Titel 1"/>
-          <p:cNvSpPr>
-            <a:spLocks noGrp="1"/>
-          </p:cNvSpPr>
-          <p:nvPr>
-            <p:ph type="title"/>
-          </p:nvPr>
-        </p:nvSpPr>
-        <p:spPr/>
-        <p:txBody>
-          <a:bodyPr/>
-          <a:lstStyle/>
-          <a:p>
-            <a:r>
-              <a:rPr lang="de-DE" dirty="0"/>
-              <a:t>Angebot Grafik/Design</a:t>
-            </a:r>
-          </a:p>
-        </p:txBody>
-      </p:sp>
-      <p:sp>
-        <p:nvSpPr>
-          <p:cNvPr id="3" name="Inhaltsplatzhalter 2"/>
-          <p:cNvSpPr>
-            <a:spLocks noGrp="1"/>
-          </p:cNvSpPr>
-          <p:nvPr>
-            <p:ph idx="1"/>
-          </p:nvPr>
-        </p:nvSpPr>
-        <p:spPr/>
-        <p:txBody>
-          <a:bodyPr/>
-          <a:lstStyle/>
-          <a:p>
-            <a:r>
-              <a:rPr lang="de-DE" dirty="0"/>
-              <a:t>Design</a:t>
-            </a:r>
-          </a:p>
-          <a:p>
-            <a:r>
-              <a:rPr lang="de-DE" dirty="0"/>
-              <a:t>Acer </a:t>
-            </a:r>
-            <a:r>
-              <a:rPr lang="de-DE" dirty="0" err="1"/>
-              <a:t>Extensa</a:t>
-            </a:r>
-            <a:r>
-              <a:rPr lang="de-DE" dirty="0"/>
-              <a:t> M2710.</a:t>
-            </a:r>
-          </a:p>
-          <a:p>
-            <a:endParaRPr lang="de-DE" dirty="0"/>
-          </a:p>
-        </p:txBody>
-      </p:sp>
-    </p:spTree>
-    <p:extLst>
-      <p:ext uri="{BB962C8B-B14F-4D97-AF65-F5344CB8AC3E}">
-        <p14:creationId xmlns:p14="http://schemas.microsoft.com/office/powerpoint/2010/main" val="334610800"/>
-      </p:ext>
-    </p:extLst>
-  </p:cSld>
-  <p:clrMapOvr>
-    <a:masterClrMapping/>
-  </p:clrMapOvr>
-  <mc:AlternateContent xmlns:mc="http://schemas.openxmlformats.org/markup-compatibility/2006" xmlns:p14="http://schemas.microsoft.com/office/powerpoint/2010/main">
-    <mc:Choice Requires="p14">
-      <p:transition spd="med" p14:dur="700">
-        <p:fade/>
-      </p:transition>
-    </mc:Choice>
-    <mc:Fallback xmlns="">
-      <p:transition spd="med">
-        <p:fade/>
-      </p:transition>
-    </mc:Fallback>
-  </mc:AlternateContent>
-</p:sld>
-</file>
-
-<file path=ppt/slides/slide8.xml><?xml version="1.0" encoding="utf-8"?>
-<p:sld xmlns:a="http://schemas.openxmlformats.org/drawingml/2006/main" xmlns:r="http://schemas.openxmlformats.org/officeDocument/2006/relationships" xmlns:p="http://schemas.openxmlformats.org/presentationml/2006/main">
-  <p:cSld>
-    <p:spTree>
-      <p:nvGrpSpPr>
-        <p:cNvPr id="1" name=""/>
-        <p:cNvGrpSpPr/>
-        <p:nvPr/>
-      </p:nvGrpSpPr>
-      <p:grpSpPr>
-        <a:xfrm>
-          <a:off x="0" y="0"/>
-          <a:ext cx="0" cy="0"/>
-          <a:chOff x="0" y="0"/>
-          <a:chExt cx="0" cy="0"/>
-        </a:xfrm>
-      </p:grpSpPr>
-      <p:sp>
-        <p:nvSpPr>
-          <p:cNvPr id="3" name="Titel 2"/>
-          <p:cNvSpPr>
-            <a:spLocks noGrp="1"/>
-          </p:cNvSpPr>
-          <p:nvPr>
-            <p:ph type="title"/>
-          </p:nvPr>
-        </p:nvSpPr>
-        <p:spPr/>
-        <p:txBody>
-          <a:bodyPr rtlCol="0"/>
-          <a:lstStyle/>
-          <a:p>
-            <a:pPr rtl="0"/>
-            <a:endParaRPr lang="en-US"/>
-          </a:p>
-        </p:txBody>
-      </p:sp>
-      <p:sp>
-        <p:nvSpPr>
-          <p:cNvPr id="2" name="Bildplatzhalter 1"/>
-          <p:cNvSpPr>
-            <a:spLocks noGrp="1"/>
-          </p:cNvSpPr>
-          <p:nvPr>
-            <p:ph type="pic" idx="1"/>
-          </p:nvPr>
-        </p:nvSpPr>
-        <p:spPr/>
-      </p:sp>
-      <p:sp>
-        <p:nvSpPr>
-          <p:cNvPr id="4" name="Textplatzhalter 3"/>
-          <p:cNvSpPr>
-            <a:spLocks noGrp="1"/>
-          </p:cNvSpPr>
-          <p:nvPr>
-            <p:ph type="body" sz="half" idx="2"/>
-          </p:nvPr>
-        </p:nvSpPr>
-        <p:spPr/>
-        <p:txBody>
-          <a:bodyPr rtlCol="0"/>
-          <a:lstStyle/>
-          <a:p>
-            <a:pPr rtl="0"/>
-            <a:endParaRPr lang="en-US"/>
-          </a:p>
-        </p:txBody>
-      </p:sp>
-    </p:spTree>
-    <p:extLst>
-      <p:ext uri="{BB962C8B-B14F-4D97-AF65-F5344CB8AC3E}">
-        <p14:creationId xmlns:p14="http://schemas.microsoft.com/office/powerpoint/2010/main" val="1108506989"/>
       </p:ext>
     </p:extLst>
   </p:cSld>
@@ -11266,15 +12421,6 @@
 </file>
 
 <file path=customXml/item1.xml><?xml version="1.0" encoding="utf-8"?>
-<?mso-contentType ?>
-<FormTemplates xmlns="http://schemas.microsoft.com/sharepoint/v3/contenttype/forms">
-  <Display>DocumentLibraryForm</Display>
-  <Edit>AssetEditForm</Edit>
-  <New>DocumentLibraryForm</New>
-</FormTemplates>
-</file>
-
-<file path=customXml/item2.xml><?xml version="1.0" encoding="utf-8"?>
 <p:properties xmlns:p="http://schemas.microsoft.com/office/2006/metadata/properties" xmlns:xsi="http://www.w3.org/2001/XMLSchema-instance" xmlns:pc="http://schemas.microsoft.com/office/infopath/2007/PartnerControls">
   <documentManagement>
     <DirectSourceMarket xmlns="4873beb7-5857-4685-be1f-d57550cc96cc" xsi:nil="true"/>
@@ -11401,7 +12547,7 @@
 </p:properties>
 </file>
 
-<file path=customXml/item3.xml><?xml version="1.0" encoding="utf-8"?>
+<file path=customXml/item2.xml><?xml version="1.0" encoding="utf-8"?>
 <ct:contentTypeSchema xmlns:ct="http://schemas.microsoft.com/office/2006/metadata/contentType" xmlns:ma="http://schemas.microsoft.com/office/2006/metadata/properties/metaAttributes" ct:_="" ma:_="" ma:contentTypeName="TemplateFile" ma:contentTypeID="0x0101006EDDDB5EE6D98C44930B742096920B300400F5B6D36B3EF94B4E9A635CDF2A18F5B8" ma:contentTypeVersion="72" ma:contentTypeDescription="Create a new document." ma:contentTypeScope="" ma:versionID="a23e56308344d904b51738559c3d67c9">
   <xsd:schema xmlns:xsd="http://www.w3.org/2001/XMLSchema" xmlns:xs="http://www.w3.org/2001/XMLSchema" xmlns:p="http://schemas.microsoft.com/office/2006/metadata/properties" xmlns:ns2="4873beb7-5857-4685-be1f-d57550cc96cc" targetNamespace="http://schemas.microsoft.com/office/2006/metadata/properties" ma:root="true" ma:fieldsID="cd0908cc4600e77bf5da051303e00c8d" ns2:_="">
     <xsd:import namespace="4873beb7-5857-4685-be1f-d57550cc96cc"/>
@@ -12441,31 +13587,32 @@
 </ct:contentTypeSchema>
 </file>
 
+<file path=customXml/item3.xml><?xml version="1.0" encoding="utf-8"?>
+<?mso-contentType ?>
+<FormTemplates xmlns="http://schemas.microsoft.com/sharepoint/v3/contenttype/forms">
+  <Display>DocumentLibraryForm</Display>
+  <Edit>AssetEditForm</Edit>
+  <New>DocumentLibraryForm</New>
+</FormTemplates>
+</file>
+
 <file path=customXml/itemProps1.xml><?xml version="1.0" encoding="utf-8"?>
-<ds:datastoreItem xmlns:ds="http://schemas.openxmlformats.org/officeDocument/2006/customXml" ds:itemID="{74228E6B-D70C-44BB-A81F-A245495F612B}">
+<ds:datastoreItem xmlns:ds="http://schemas.openxmlformats.org/officeDocument/2006/customXml" ds:itemID="{00E41224-0370-4595-877C-23316CD80004}">
   <ds:schemaRefs>
-    <ds:schemaRef ds:uri="http://schemas.microsoft.com/sharepoint/v3/contenttype/forms"/>
+    <ds:schemaRef ds:uri="http://purl.org/dc/elements/1.1/"/>
+    <ds:schemaRef ds:uri="4873beb7-5857-4685-be1f-d57550cc96cc"/>
+    <ds:schemaRef ds:uri="http://schemas.microsoft.com/office/2006/documentManagement/types"/>
+    <ds:schemaRef ds:uri="http://purl.org/dc/terms/"/>
+    <ds:schemaRef ds:uri="http://schemas.microsoft.com/office/2006/metadata/properties"/>
+    <ds:schemaRef ds:uri="http://purl.org/dc/dcmitype/"/>
+    <ds:schemaRef ds:uri="http://schemas.microsoft.com/office/infopath/2007/PartnerControls"/>
+    <ds:schemaRef ds:uri="http://schemas.openxmlformats.org/package/2006/metadata/core-properties"/>
+    <ds:schemaRef ds:uri="http://www.w3.org/XML/1998/namespace"/>
   </ds:schemaRefs>
 </ds:datastoreItem>
 </file>
 
 <file path=customXml/itemProps2.xml><?xml version="1.0" encoding="utf-8"?>
-<ds:datastoreItem xmlns:ds="http://schemas.openxmlformats.org/officeDocument/2006/customXml" ds:itemID="{00E41224-0370-4595-877C-23316CD80004}">
-  <ds:schemaRefs>
-    <ds:schemaRef ds:uri="http://schemas.microsoft.com/office/2006/documentManagement/types"/>
-    <ds:schemaRef ds:uri="4873beb7-5857-4685-be1f-d57550cc96cc"/>
-    <ds:schemaRef ds:uri="http://schemas.microsoft.com/office/2006/metadata/properties"/>
-    <ds:schemaRef ds:uri="http://purl.org/dc/terms/"/>
-    <ds:schemaRef ds:uri="http://purl.org/dc/elements/1.1/"/>
-    <ds:schemaRef ds:uri="http://schemas.microsoft.com/office/infopath/2007/PartnerControls"/>
-    <ds:schemaRef ds:uri="http://schemas.openxmlformats.org/package/2006/metadata/core-properties"/>
-    <ds:schemaRef ds:uri="http://www.w3.org/XML/1998/namespace"/>
-    <ds:schemaRef ds:uri="http://purl.org/dc/dcmitype/"/>
-  </ds:schemaRefs>
-</ds:datastoreItem>
-</file>
-
-<file path=customXml/itemProps3.xml><?xml version="1.0" encoding="utf-8"?>
 <ds:datastoreItem xmlns:ds="http://schemas.openxmlformats.org/officeDocument/2006/customXml" ds:itemID="{22CCB507-0646-4A50-A4F7-7F385079D589}">
   <ds:schemaRefs>
     <ds:schemaRef ds:uri="http://schemas.microsoft.com/office/2006/metadata/contentType"/>
@@ -12481,4 +13628,12 @@
     <ds:schemaRef ds:uri="http://schemas.microsoft.com/internal/obd"/>
   </ds:schemaRefs>
 </ds:datastoreItem>
+</file>
+
+<file path=customXml/itemProps3.xml><?xml version="1.0" encoding="utf-8"?>
+<ds:datastoreItem xmlns:ds="http://schemas.openxmlformats.org/officeDocument/2006/customXml" ds:itemID="{74228E6B-D70C-44BB-A81F-A245495F612B}">
+  <ds:schemaRefs>
+    <ds:schemaRef ds:uri="http://schemas.microsoft.com/sharepoint/v3/contenttype/forms"/>
+  </ds:schemaRefs>
+</ds:datastoreItem>
 </file>
--- a/Angebot für mintBerryCrunchGames GmbH.pptx
+++ b/Angebot für mintBerryCrunchGames GmbH.pptx
@@ -5,10 +5,10 @@
     <p:sldMasterId id="2147483690" r:id="rId4"/>
   </p:sldMasterIdLst>
   <p:notesMasterIdLst>
-    <p:notesMasterId r:id="rId17"/>
+    <p:notesMasterId r:id="rId16"/>
   </p:notesMasterIdLst>
   <p:handoutMasterIdLst>
-    <p:handoutMasterId r:id="rId18"/>
+    <p:handoutMasterId r:id="rId17"/>
   </p:handoutMasterIdLst>
   <p:sldIdLst>
     <p:sldId id="265" r:id="rId5"/>
@@ -16,18 +16,17 @@
     <p:sldId id="320" r:id="rId7"/>
     <p:sldId id="325" r:id="rId8"/>
     <p:sldId id="323" r:id="rId9"/>
-    <p:sldId id="324" r:id="rId10"/>
-    <p:sldId id="326" r:id="rId11"/>
-    <p:sldId id="311" r:id="rId12"/>
-    <p:sldId id="313" r:id="rId13"/>
-    <p:sldId id="321" r:id="rId14"/>
-    <p:sldId id="322" r:id="rId15"/>
-    <p:sldId id="319" r:id="rId16"/>
+    <p:sldId id="311" r:id="rId10"/>
+    <p:sldId id="327" r:id="rId11"/>
+    <p:sldId id="313" r:id="rId12"/>
+    <p:sldId id="321" r:id="rId13"/>
+    <p:sldId id="322" r:id="rId14"/>
+    <p:sldId id="319" r:id="rId15"/>
   </p:sldIdLst>
   <p:sldSz cx="12188825" cy="6858000"/>
   <p:notesSz cx="6858000" cy="9144000"/>
   <p:custDataLst>
-    <p:tags r:id="rId19"/>
+    <p:tags r:id="rId18"/>
   </p:custDataLst>
   <p:defaultTextStyle>
     <a:defPPr>
@@ -235,7 +234,7 @@
             <a:fld id="{115D25CC-CE2B-44FC-97DA-587FCC13922E}" type="datetime1">
               <a:rPr lang="de-DE" smtClean="0"/>
               <a:pPr algn="r" rtl="0"/>
-              <a:t>18.05.2017</a:t>
+              <a:t>19.05.2017</a:t>
             </a:fld>
             <a:endParaRPr lang="de-DE" dirty="0"/>
           </a:p>
@@ -405,7 +404,7 @@
             <a:fld id="{E832C949-ED9C-45D4-8A60-90C89D3B8584}" type="datetime1">
               <a:rPr lang="de-DE" smtClean="0"/>
               <a:pPr/>
-              <a:t>18.05.2017</a:t>
+              <a:t>19.05.2017</a:t>
             </a:fld>
             <a:endParaRPr lang="de-DE" dirty="0"/>
           </a:p>
@@ -950,7 +949,7 @@
             <a:fld id="{5923F103-BC34-4FE4-A40E-EDDEECFDA5D0}" type="datetimeFigureOut">
               <a:rPr lang="en-US" smtClean="0"/>
               <a:pPr/>
-              <a:t>5/18/2017</a:t>
+              <a:t>5/19/2017</a:t>
             </a:fld>
             <a:endParaRPr lang="en-US" dirty="0"/>
           </a:p>
@@ -1383,7 +1382,7 @@
             <a:fld id="{73868FAC-1E42-46E2-B290-2D4CF62A4174}" type="datetime1">
               <a:rPr lang="de-DE" smtClean="0"/>
               <a:pPr/>
-              <a:t>18.05.2017</a:t>
+              <a:t>19.05.2017</a:t>
             </a:fld>
             <a:endParaRPr lang="de-DE" dirty="0"/>
           </a:p>
@@ -1722,7 +1721,7 @@
             <a:fld id="{73868FAC-1E42-46E2-B290-2D4CF62A4174}" type="datetime1">
               <a:rPr lang="de-DE" smtClean="0"/>
               <a:pPr/>
-              <a:t>18.05.2017</a:t>
+              <a:t>19.05.2017</a:t>
             </a:fld>
             <a:endParaRPr lang="de-DE" dirty="0"/>
           </a:p>
@@ -2130,7 +2129,7 @@
             <a:fld id="{73868FAC-1E42-46E2-B290-2D4CF62A4174}" type="datetime1">
               <a:rPr lang="de-DE" smtClean="0"/>
               <a:pPr/>
-              <a:t>18.05.2017</a:t>
+              <a:t>19.05.2017</a:t>
             </a:fld>
             <a:endParaRPr lang="de-DE" dirty="0"/>
           </a:p>
@@ -2701,7 +2700,7 @@
             <a:fld id="{73868FAC-1E42-46E2-B290-2D4CF62A4174}" type="datetime1">
               <a:rPr lang="de-DE" smtClean="0"/>
               <a:pPr/>
-              <a:t>18.05.2017</a:t>
+              <a:t>19.05.2017</a:t>
             </a:fld>
             <a:endParaRPr lang="de-DE" dirty="0"/>
           </a:p>
@@ -3385,7 +3384,7 @@
             <a:fld id="{73868FAC-1E42-46E2-B290-2D4CF62A4174}" type="datetime1">
               <a:rPr lang="de-DE" smtClean="0"/>
               <a:pPr/>
-              <a:t>18.05.2017</a:t>
+              <a:t>19.05.2017</a:t>
             </a:fld>
             <a:endParaRPr lang="de-DE" dirty="0"/>
           </a:p>
@@ -4301,7 +4300,7 @@
             <a:fld id="{73868FAC-1E42-46E2-B290-2D4CF62A4174}" type="datetime1">
               <a:rPr lang="de-DE" smtClean="0"/>
               <a:pPr/>
-              <a:t>18.05.2017</a:t>
+              <a:t>19.05.2017</a:t>
             </a:fld>
             <a:endParaRPr lang="de-DE" dirty="0"/>
           </a:p>
@@ -4617,7 +4616,7 @@
             <a:fld id="{A189E67C-9D02-45EC-B214-7132036CA0E2}" type="datetime1">
               <a:rPr lang="de-DE" noProof="0" smtClean="0"/>
               <a:pPr/>
-              <a:t>18.05.2017</a:t>
+              <a:t>19.05.2017</a:t>
             </a:fld>
             <a:endParaRPr lang="de-DE" noProof="0" dirty="0"/>
           </a:p>
@@ -4896,7 +4895,7 @@
             <a:fld id="{270FAB6A-C057-4550-9260-DE7EF7F686AF}" type="datetime1">
               <a:rPr lang="de-DE" noProof="0" smtClean="0"/>
               <a:pPr/>
-              <a:t>18.05.2017</a:t>
+              <a:t>19.05.2017</a:t>
             </a:fld>
             <a:endParaRPr lang="de-DE" noProof="0" dirty="0"/>
           </a:p>
@@ -5234,7 +5233,7 @@
             <a:fld id="{0C3BEA5D-0888-4F93-8E94-34D310102D57}" type="datetime1">
               <a:rPr lang="de-DE" smtClean="0"/>
               <a:pPr/>
-              <a:t>18.05.2017</a:t>
+              <a:t>19.05.2017</a:t>
             </a:fld>
             <a:endParaRPr lang="de-DE" dirty="0"/>
           </a:p>
@@ -5638,7 +5637,7 @@
             <a:fld id="{73868FAC-1E42-46E2-B290-2D4CF62A4174}" type="datetime1">
               <a:rPr lang="de-DE" smtClean="0"/>
               <a:pPr/>
-              <a:t>18.05.2017</a:t>
+              <a:t>19.05.2017</a:t>
             </a:fld>
             <a:endParaRPr lang="de-DE" dirty="0"/>
           </a:p>
@@ -6021,7 +6020,7 @@
             <a:fld id="{8B789056-64C5-46DE-95B1-DA257F473F68}" type="datetime1">
               <a:rPr lang="de-DE" smtClean="0"/>
               <a:pPr/>
-              <a:t>18.05.2017</a:t>
+              <a:t>19.05.2017</a:t>
             </a:fld>
             <a:r>
               <a:rPr lang="de-DE"/>
@@ -6546,7 +6545,7 @@
             <a:fld id="{80BFF739-A1FF-4B0F-A80D-4A7600AF59B6}" type="datetime1">
               <a:rPr lang="de-DE" noProof="0" smtClean="0"/>
               <a:pPr/>
-              <a:t>18.05.2017</a:t>
+              <a:t>19.05.2017</a:t>
             </a:fld>
             <a:endParaRPr lang="de-DE" noProof="0" dirty="0"/>
           </a:p>
@@ -6818,7 +6817,7 @@
             <a:fld id="{B9B1CAE9-9EFE-4152-8504-84F83B03DD44}" type="datetime1">
               <a:rPr lang="de-DE" smtClean="0"/>
               <a:pPr/>
-              <a:t>18.05.2017</a:t>
+              <a:t>19.05.2017</a:t>
             </a:fld>
             <a:endParaRPr lang="de-DE" dirty="0"/>
           </a:p>
@@ -6996,7 +6995,7 @@
             <a:fld id="{16AF6054-D64A-4276-A67A-52D6E88FBE84}" type="datetime1">
               <a:rPr lang="de-DE" smtClean="0"/>
               <a:pPr/>
-              <a:t>18.05.2017</a:t>
+              <a:t>19.05.2017</a:t>
             </a:fld>
             <a:endParaRPr lang="de-DE" dirty="0"/>
           </a:p>
@@ -7401,7 +7400,7 @@
             <a:fld id="{73868FAC-1E42-46E2-B290-2D4CF62A4174}" type="datetime1">
               <a:rPr lang="de-DE" smtClean="0"/>
               <a:pPr/>
-              <a:t>18.05.2017</a:t>
+              <a:t>19.05.2017</a:t>
             </a:fld>
             <a:endParaRPr lang="de-DE" dirty="0"/>
           </a:p>
@@ -7813,7 +7812,7 @@
             <a:fld id="{73868FAC-1E42-46E2-B290-2D4CF62A4174}" type="datetime1">
               <a:rPr lang="de-DE" smtClean="0"/>
               <a:pPr/>
-              <a:t>18.05.2017</a:t>
+              <a:t>19.05.2017</a:t>
             </a:fld>
             <a:endParaRPr lang="de-DE" dirty="0"/>
           </a:p>
@@ -8060,7 +8059,7 @@
             <a:fld id="{73868FAC-1E42-46E2-B290-2D4CF62A4174}" type="datetime1">
               <a:rPr lang="de-DE" smtClean="0"/>
               <a:pPr/>
-              <a:t>18.05.2017</a:t>
+              <a:t>19.05.2017</a:t>
             </a:fld>
             <a:endParaRPr lang="de-DE" dirty="0"/>
           </a:p>
@@ -8606,130 +8605,10 @@
       </p:transition>
     </mc:Fallback>
   </mc:AlternateContent>
-  <p:timing>
-    <p:tnLst>
-      <p:par>
-        <p:cTn id="1" dur="indefinite" restart="never" nodeType="tmRoot"/>
-      </p:par>
-    </p:tnLst>
-  </p:timing>
 </p:sld>
 </file>
 
 <file path=ppt/slides/slide10.xml><?xml version="1.0" encoding="utf-8"?>
-<p:sld xmlns:a="http://schemas.openxmlformats.org/drawingml/2006/main" xmlns:r="http://schemas.openxmlformats.org/officeDocument/2006/relationships" xmlns:p="http://schemas.openxmlformats.org/presentationml/2006/main">
-  <p:cSld>
-    <p:spTree>
-      <p:nvGrpSpPr>
-        <p:cNvPr id="1" name=""/>
-        <p:cNvGrpSpPr/>
-        <p:nvPr/>
-      </p:nvGrpSpPr>
-      <p:grpSpPr>
-        <a:xfrm>
-          <a:off x="0" y="0"/>
-          <a:ext cx="0" cy="0"/>
-          <a:chOff x="0" y="0"/>
-          <a:chExt cx="0" cy="0"/>
-        </a:xfrm>
-      </p:grpSpPr>
-      <p:sp>
-        <p:nvSpPr>
-          <p:cNvPr id="2" name="Titel 1"/>
-          <p:cNvSpPr>
-            <a:spLocks noGrp="1"/>
-          </p:cNvSpPr>
-          <p:nvPr>
-            <p:ph type="title"/>
-          </p:nvPr>
-        </p:nvSpPr>
-        <p:spPr/>
-        <p:txBody>
-          <a:bodyPr/>
-          <a:lstStyle/>
-          <a:p>
-            <a:r>
-              <a:rPr lang="de-DE" dirty="0"/>
-              <a:t>Angebot Grafik/Design</a:t>
-            </a:r>
-          </a:p>
-        </p:txBody>
-      </p:sp>
-      <p:sp>
-        <p:nvSpPr>
-          <p:cNvPr id="3" name="Inhaltsplatzhalter 2"/>
-          <p:cNvSpPr>
-            <a:spLocks noGrp="1"/>
-          </p:cNvSpPr>
-          <p:nvPr>
-            <p:ph idx="1"/>
-          </p:nvPr>
-        </p:nvSpPr>
-        <p:spPr/>
-        <p:txBody>
-          <a:bodyPr/>
-          <a:lstStyle/>
-          <a:p>
-            <a:r>
-              <a:rPr lang="de-DE" dirty="0"/>
-              <a:t>Grafik</a:t>
-            </a:r>
-          </a:p>
-          <a:p>
-            <a:r>
-              <a:rPr lang="de-DE" dirty="0"/>
-              <a:t>Acer Aspire GX-781</a:t>
-            </a:r>
-          </a:p>
-          <a:p>
-            <a:pPr lvl="1"/>
-            <a:r>
-              <a:rPr lang="de-DE" dirty="0"/>
-              <a:t>Intel® Core™ i5-7400</a:t>
-            </a:r>
-          </a:p>
-          <a:p>
-            <a:pPr lvl="1"/>
-            <a:r>
-              <a:rPr lang="de-DE" dirty="0"/>
-              <a:t>AMD Radeon RX 480</a:t>
-            </a:r>
-          </a:p>
-          <a:p>
-            <a:pPr lvl="1"/>
-            <a:r>
-              <a:rPr lang="de-DE" dirty="0"/>
-              <a:t>Core-Gaming PC</a:t>
-            </a:r>
-          </a:p>
-        </p:txBody>
-      </p:sp>
-    </p:spTree>
-    <p:extLst>
-      <p:ext uri="{BB962C8B-B14F-4D97-AF65-F5344CB8AC3E}">
-        <p14:creationId xmlns:p14="http://schemas.microsoft.com/office/powerpoint/2010/main" val="2762393912"/>
-      </p:ext>
-    </p:extLst>
-  </p:cSld>
-  <p:clrMapOvr>
-    <a:masterClrMapping/>
-  </p:clrMapOvr>
-  <mc:AlternateContent xmlns:mc="http://schemas.openxmlformats.org/markup-compatibility/2006" xmlns:p14="http://schemas.microsoft.com/office/powerpoint/2010/main">
-    <mc:Choice Requires="p14">
-      <p:transition spd="med" p14:dur="700">
-        <p:fade/>
-      </p:transition>
-    </mc:Choice>
-    <mc:Fallback xmlns="">
-      <p:transition spd="med">
-        <p:fade/>
-      </p:transition>
-    </mc:Fallback>
-  </mc:AlternateContent>
-</p:sld>
-</file>
-
-<file path=ppt/slides/slide11.xml><?xml version="1.0" encoding="utf-8"?>
 <p:sld xmlns:a="http://schemas.openxmlformats.org/drawingml/2006/main" xmlns:r="http://schemas.openxmlformats.org/officeDocument/2006/relationships" xmlns:p="http://schemas.openxmlformats.org/presentationml/2006/main">
   <p:cSld>
     <p:spTree>
@@ -8832,7 +8711,7 @@
 </p:sld>
 </file>
 
-<file path=ppt/slides/slide12.xml><?xml version="1.0" encoding="utf-8"?>
+<file path=ppt/slides/slide11.xml><?xml version="1.0" encoding="utf-8"?>
 <p:sld xmlns:a="http://schemas.openxmlformats.org/drawingml/2006/main" xmlns:r="http://schemas.openxmlformats.org/officeDocument/2006/relationships" xmlns:p="http://schemas.openxmlformats.org/presentationml/2006/main">
   <p:cSld>
     <p:spTree>
@@ -9029,13 +8908,6 @@
       </p:transition>
     </mc:Fallback>
   </mc:AlternateContent>
-  <p:timing>
-    <p:tnLst>
-      <p:par>
-        <p:cTn id="1" dur="indefinite" restart="never" nodeType="tmRoot"/>
-      </p:par>
-    </p:tnLst>
-  </p:timing>
 </p:sld>
 </file>
 
@@ -9087,7 +8959,7 @@
           <p:nvPr>
             <p:extLst>
               <p:ext uri="{D42A27DB-BD31-4B8C-83A1-F6EECF244321}">
-                <p14:modId xmlns:p14="http://schemas.microsoft.com/office/powerpoint/2010/main" val="1502162830"/>
+                <p14:modId xmlns:p14="http://schemas.microsoft.com/office/powerpoint/2010/main" val="3225519609"/>
               </p:ext>
             </p:extLst>
           </p:nvPr>
@@ -9103,9 +8975,27 @@
                 <a:tableStyleId>{5C22544A-7EE6-4342-B048-85BDC9FD1C3A}</a:tableStyleId>
               </a:tblPr>
               <a:tblGrid>
-                <a:gridCol w="2938490"/>
-                <a:gridCol w="2938490"/>
-                <a:gridCol w="2938490"/>
+                <a:gridCol w="2938490">
+                  <a:extLst>
+                    <a:ext uri="{9D8B030D-6E8A-4147-A177-3AD203B41FA5}">
+                      <a16:colId xmlns:a16="http://schemas.microsoft.com/office/drawing/2014/main" val="20000"/>
+                    </a:ext>
+                  </a:extLst>
+                </a:gridCol>
+                <a:gridCol w="2938490">
+                  <a:extLst>
+                    <a:ext uri="{9D8B030D-6E8A-4147-A177-3AD203B41FA5}">
+                      <a16:colId xmlns:a16="http://schemas.microsoft.com/office/drawing/2014/main" val="20001"/>
+                    </a:ext>
+                  </a:extLst>
+                </a:gridCol>
+                <a:gridCol w="2938490">
+                  <a:extLst>
+                    <a:ext uri="{9D8B030D-6E8A-4147-A177-3AD203B41FA5}">
+                      <a16:colId xmlns:a16="http://schemas.microsoft.com/office/drawing/2014/main" val="20002"/>
+                    </a:ext>
+                  </a:extLst>
+                </a:gridCol>
               </a:tblGrid>
               <a:tr h="495165">
                 <a:tc>
@@ -9114,10 +9004,9 @@
                     <a:lstStyle/>
                     <a:p>
                       <a:r>
-                        <a:rPr lang="de-DE" dirty="0" smtClean="0"/>
+                        <a:rPr lang="de-DE" dirty="0"/>
                         <a:t>Bereich</a:t>
                       </a:r>
-                      <a:endParaRPr lang="de-DE" dirty="0"/>
                     </a:p>
                   </a:txBody>
                   <a:tcPr/>
@@ -9128,10 +9017,9 @@
                     <a:lstStyle/>
                     <a:p>
                       <a:r>
-                        <a:rPr lang="de-DE" dirty="0" smtClean="0"/>
+                        <a:rPr lang="de-DE" dirty="0"/>
                         <a:t>Model</a:t>
                       </a:r>
-                      <a:endParaRPr lang="de-DE" dirty="0"/>
                     </a:p>
                   </a:txBody>
                   <a:tcPr>
@@ -9152,10 +9040,9 @@
                     <a:lstStyle/>
                     <a:p>
                       <a:r>
-                        <a:rPr lang="de-DE" dirty="0" smtClean="0"/>
+                        <a:rPr lang="de-DE" dirty="0"/>
                         <a:t>Preis</a:t>
                       </a:r>
-                      <a:endParaRPr lang="de-DE" dirty="0"/>
                     </a:p>
                   </a:txBody>
                   <a:tcPr>
@@ -9170,6 +9057,11 @@
                     </a:lnB>
                   </a:tcPr>
                 </a:tc>
+                <a:extLst>
+                  <a:ext uri="{0D108BD9-81ED-4DB2-BD59-A6C34878D82A}">
+                    <a16:rowId xmlns:a16="http://schemas.microsoft.com/office/drawing/2014/main" val="10000"/>
+                  </a:ext>
+                </a:extLst>
               </a:tr>
               <a:tr h="495165">
                 <a:tc>
@@ -9177,10 +9069,6 @@
                     <a:bodyPr/>
                     <a:lstStyle/>
                     <a:p>
-                      <a:r>
-                        <a:rPr lang="de-DE" dirty="0" smtClean="0"/>
-                        <a:t>Server</a:t>
-                      </a:r>
                       <a:endParaRPr lang="de-DE" dirty="0"/>
                     </a:p>
                   </a:txBody>
@@ -9272,6 +9160,11 @@
                     </a:lnT>
                   </a:tcPr>
                 </a:tc>
+                <a:extLst>
+                  <a:ext uri="{0D108BD9-81ED-4DB2-BD59-A6C34878D82A}">
+                    <a16:rowId xmlns:a16="http://schemas.microsoft.com/office/drawing/2014/main" val="10001"/>
+                  </a:ext>
+                </a:extLst>
               </a:tr>
               <a:tr h="495165">
                 <a:tc>
@@ -9314,6 +9207,11 @@
                   </a:txBody>
                   <a:tcPr/>
                 </a:tc>
+                <a:extLst>
+                  <a:ext uri="{0D108BD9-81ED-4DB2-BD59-A6C34878D82A}">
+                    <a16:rowId xmlns:a16="http://schemas.microsoft.com/office/drawing/2014/main" val="10002"/>
+                  </a:ext>
+                </a:extLst>
               </a:tr>
               <a:tr h="495165">
                 <a:tc>
@@ -9346,6 +9244,11 @@
                   </a:txBody>
                   <a:tcPr/>
                 </a:tc>
+                <a:extLst>
+                  <a:ext uri="{0D108BD9-81ED-4DB2-BD59-A6C34878D82A}">
+                    <a16:rowId xmlns:a16="http://schemas.microsoft.com/office/drawing/2014/main" val="10003"/>
+                  </a:ext>
+                </a:extLst>
               </a:tr>
               <a:tr h="854327">
                 <a:tc>
@@ -9378,6 +9281,11 @@
                   </a:txBody>
                   <a:tcPr/>
                 </a:tc>
+                <a:extLst>
+                  <a:ext uri="{0D108BD9-81ED-4DB2-BD59-A6C34878D82A}">
+                    <a16:rowId xmlns:a16="http://schemas.microsoft.com/office/drawing/2014/main" val="10004"/>
+                  </a:ext>
+                </a:extLst>
               </a:tr>
               <a:tr h="495165">
                 <a:tc>
@@ -9385,7 +9293,7 @@
                     <a:bodyPr/>
                     <a:lstStyle/>
                     <a:p>
-                      <a:endParaRPr lang="de-DE" dirty="0" smtClean="0"/>
+                      <a:endParaRPr lang="de-DE" dirty="0"/>
                     </a:p>
                   </a:txBody>
                   <a:tcPr/>
@@ -9410,6 +9318,11 @@
                   </a:txBody>
                   <a:tcPr/>
                 </a:tc>
+                <a:extLst>
+                  <a:ext uri="{0D108BD9-81ED-4DB2-BD59-A6C34878D82A}">
+                    <a16:rowId xmlns:a16="http://schemas.microsoft.com/office/drawing/2014/main" val="10005"/>
+                  </a:ext>
+                </a:extLst>
               </a:tr>
               <a:tr h="495165">
                 <a:tc>
@@ -9417,7 +9330,7 @@
                     <a:bodyPr/>
                     <a:lstStyle/>
                     <a:p>
-                      <a:endParaRPr lang="de-DE" dirty="0" smtClean="0"/>
+                      <a:endParaRPr lang="de-DE" dirty="0"/>
                     </a:p>
                   </a:txBody>
                   <a:tcPr/>
@@ -9442,6 +9355,11 @@
                   </a:txBody>
                   <a:tcPr/>
                 </a:tc>
+                <a:extLst>
+                  <a:ext uri="{0D108BD9-81ED-4DB2-BD59-A6C34878D82A}">
+                    <a16:rowId xmlns:a16="http://schemas.microsoft.com/office/drawing/2014/main" val="10006"/>
+                  </a:ext>
+                </a:extLst>
               </a:tr>
               <a:tr h="495165">
                 <a:tc>
@@ -9449,7 +9367,7 @@
                     <a:bodyPr/>
                     <a:lstStyle/>
                     <a:p>
-                      <a:endParaRPr lang="de-DE" dirty="0" smtClean="0"/>
+                      <a:endParaRPr lang="de-DE" dirty="0"/>
                     </a:p>
                   </a:txBody>
                   <a:tcPr/>
@@ -9474,6 +9392,11 @@
                   </a:txBody>
                   <a:tcPr/>
                 </a:tc>
+                <a:extLst>
+                  <a:ext uri="{0D108BD9-81ED-4DB2-BD59-A6C34878D82A}">
+                    <a16:rowId xmlns:a16="http://schemas.microsoft.com/office/drawing/2014/main" val="10007"/>
+                  </a:ext>
+                </a:extLst>
               </a:tr>
             </a:tbl>
           </a:graphicData>
@@ -9522,6 +9445,39 @@
           <a:p>
             <a:pPr algn="ctr"/>
             <a:endParaRPr lang="de-DE"/>
+          </a:p>
+        </p:txBody>
+      </p:sp>
+      <p:sp>
+        <p:nvSpPr>
+          <p:cNvPr id="5" name="Textfeld 4"/>
+          <p:cNvSpPr txBox="1"/>
+          <p:nvPr/>
+        </p:nvSpPr>
+        <p:spPr>
+          <a:xfrm>
+            <a:off x="1269876" y="2636912"/>
+            <a:ext cx="2880320" cy="369332"/>
+          </a:xfrm>
+          <a:prstGeom prst="rect">
+            <a:avLst/>
+          </a:prstGeom>
+          <a:noFill/>
+        </p:spPr>
+        <p:txBody>
+          <a:bodyPr wrap="square" rtlCol="0">
+            <a:spAutoFit/>
+          </a:bodyPr>
+          <a:lstStyle/>
+          <a:p>
+            <a:r>
+              <a:rPr lang="de-DE" dirty="0">
+                <a:solidFill>
+                  <a:schemeClr val="bg1"/>
+                </a:solidFill>
+              </a:rPr>
+              <a:t>Netzwerk</a:t>
+            </a:r>
           </a:p>
         </p:txBody>
       </p:sp>
@@ -9550,9 +9506,134 @@
   <p:timing>
     <p:tnLst>
       <p:par>
-        <p:cTn id="1" dur="indefinite" restart="never" nodeType="tmRoot"/>
+        <p:cTn id="1" dur="indefinite" restart="never" nodeType="tmRoot">
+          <p:childTnLst>
+            <p:seq concurrent="1" nextAc="seek">
+              <p:cTn id="2" dur="indefinite" nodeType="mainSeq">
+                <p:childTnLst>
+                  <p:par>
+                    <p:cTn id="3" fill="hold">
+                      <p:stCondLst>
+                        <p:cond delay="indefinite"/>
+                      </p:stCondLst>
+                      <p:childTnLst>
+                        <p:par>
+                          <p:cTn id="4" fill="hold">
+                            <p:stCondLst>
+                              <p:cond delay="0"/>
+                            </p:stCondLst>
+                            <p:childTnLst>
+                              <p:par>
+                                <p:cTn id="5" presetID="42" presetClass="entr" presetSubtype="0" fill="hold" grpId="0" nodeType="clickEffect">
+                                  <p:stCondLst>
+                                    <p:cond delay="0"/>
+                                  </p:stCondLst>
+                                  <p:childTnLst>
+                                    <p:set>
+                                      <p:cBhvr>
+                                        <p:cTn id="6" dur="1" fill="hold">
+                                          <p:stCondLst>
+                                            <p:cond delay="0"/>
+                                          </p:stCondLst>
+                                        </p:cTn>
+                                        <p:tgtEl>
+                                          <p:spTgt spid="5"/>
+                                        </p:tgtEl>
+                                        <p:attrNameLst>
+                                          <p:attrName>style.visibility</p:attrName>
+                                        </p:attrNameLst>
+                                      </p:cBhvr>
+                                      <p:to>
+                                        <p:strVal val="visible"/>
+                                      </p:to>
+                                    </p:set>
+                                    <p:animEffect transition="in" filter="fade">
+                                      <p:cBhvr>
+                                        <p:cTn id="7" dur="1000"/>
+                                        <p:tgtEl>
+                                          <p:spTgt spid="5"/>
+                                        </p:tgtEl>
+                                      </p:cBhvr>
+                                    </p:animEffect>
+                                    <p:anim calcmode="lin" valueType="num">
+                                      <p:cBhvr>
+                                        <p:cTn id="8" dur="1000" fill="hold"/>
+                                        <p:tgtEl>
+                                          <p:spTgt spid="5"/>
+                                        </p:tgtEl>
+                                        <p:attrNameLst>
+                                          <p:attrName>ppt_x</p:attrName>
+                                        </p:attrNameLst>
+                                      </p:cBhvr>
+                                      <p:tavLst>
+                                        <p:tav tm="0">
+                                          <p:val>
+                                            <p:strVal val="#ppt_x"/>
+                                          </p:val>
+                                        </p:tav>
+                                        <p:tav tm="100000">
+                                          <p:val>
+                                            <p:strVal val="#ppt_x"/>
+                                          </p:val>
+                                        </p:tav>
+                                      </p:tavLst>
+                                    </p:anim>
+                                    <p:anim calcmode="lin" valueType="num">
+                                      <p:cBhvr>
+                                        <p:cTn id="9" dur="1000" fill="hold"/>
+                                        <p:tgtEl>
+                                          <p:spTgt spid="5"/>
+                                        </p:tgtEl>
+                                        <p:attrNameLst>
+                                          <p:attrName>ppt_y</p:attrName>
+                                        </p:attrNameLst>
+                                      </p:cBhvr>
+                                      <p:tavLst>
+                                        <p:tav tm="0">
+                                          <p:val>
+                                            <p:strVal val="#ppt_y+.1"/>
+                                          </p:val>
+                                        </p:tav>
+                                        <p:tav tm="100000">
+                                          <p:val>
+                                            <p:strVal val="#ppt_y"/>
+                                          </p:val>
+                                        </p:tav>
+                                      </p:tavLst>
+                                    </p:anim>
+                                  </p:childTnLst>
+                                </p:cTn>
+                              </p:par>
+                            </p:childTnLst>
+                          </p:cTn>
+                        </p:par>
+                      </p:childTnLst>
+                    </p:cTn>
+                  </p:par>
+                </p:childTnLst>
+              </p:cTn>
+              <p:prevCondLst>
+                <p:cond evt="onPrev" delay="0">
+                  <p:tgtEl>
+                    <p:sldTgt/>
+                  </p:tgtEl>
+                </p:cond>
+              </p:prevCondLst>
+              <p:nextCondLst>
+                <p:cond evt="onNext" delay="0">
+                  <p:tgtEl>
+                    <p:sldTgt/>
+                  </p:tgtEl>
+                </p:cond>
+              </p:nextCondLst>
+            </p:seq>
+          </p:childTnLst>
+        </p:cTn>
       </p:par>
     </p:tnLst>
+    <p:bldLst>
+      <p:bldP spid="5" grpId="0"/>
+    </p:bldLst>
   </p:timing>
 </p:sld>
 </file>
@@ -9590,10 +9671,9 @@
           <a:lstStyle/>
           <a:p>
             <a:r>
-              <a:rPr lang="de-DE" dirty="0" smtClean="0"/>
+              <a:rPr lang="de-DE" dirty="0"/>
               <a:t>Server</a:t>
             </a:r>
-            <a:endParaRPr lang="de-DE" dirty="0"/>
           </a:p>
         </p:txBody>
       </p:sp>
@@ -9613,16 +9693,15 @@
           <a:lstStyle/>
           <a:p>
             <a:r>
-              <a:rPr lang="de-DE" dirty="0" smtClean="0"/>
+              <a:rPr lang="de-DE" dirty="0"/>
               <a:t>Erklärung</a:t>
             </a:r>
           </a:p>
           <a:p>
             <a:r>
-              <a:rPr lang="de-DE" dirty="0" smtClean="0"/>
+              <a:rPr lang="de-DE" dirty="0"/>
               <a:t> </a:t>
             </a:r>
-            <a:endParaRPr lang="de-DE" dirty="0"/>
           </a:p>
         </p:txBody>
       </p:sp>
@@ -9636,25 +9715,18 @@
   <p:clrMapOvr>
     <a:masterClrMapping/>
   </p:clrMapOvr>
-  <mc:AlternateContent xmlns:mc="http://schemas.openxmlformats.org/markup-compatibility/2006">
-    <mc:Choice xmlns:p14="http://schemas.microsoft.com/office/powerpoint/2010/main" Requires="p14">
+  <mc:AlternateContent xmlns:mc="http://schemas.openxmlformats.org/markup-compatibility/2006" xmlns:p14="http://schemas.microsoft.com/office/powerpoint/2010/main">
+    <mc:Choice Requires="p14">
       <p:transition spd="med" p14:dur="700">
         <p:fade/>
       </p:transition>
     </mc:Choice>
-    <mc:Fallback>
+    <mc:Fallback xmlns="">
       <p:transition spd="med">
         <p:fade/>
       </p:transition>
     </mc:Fallback>
   </mc:AlternateContent>
-  <p:timing>
-    <p:tnLst>
-      <p:par>
-        <p:cTn id="1" dur="indefinite" restart="never" nodeType="tmRoot"/>
-      </p:par>
-    </p:tnLst>
-  </p:timing>
 </p:sld>
 </file>
 
@@ -9706,7 +9778,7 @@
           <p:nvPr>
             <p:extLst>
               <p:ext uri="{D42A27DB-BD31-4B8C-83A1-F6EECF244321}">
-                <p14:modId xmlns:p14="http://schemas.microsoft.com/office/powerpoint/2010/main" val="3343542154"/>
+                <p14:modId xmlns:p14="http://schemas.microsoft.com/office/powerpoint/2010/main" val="2231414876"/>
               </p:ext>
             </p:extLst>
           </p:nvPr>
@@ -9722,9 +9794,27 @@
                 <a:tableStyleId>{5C22544A-7EE6-4342-B048-85BDC9FD1C3A}</a:tableStyleId>
               </a:tblPr>
               <a:tblGrid>
-                <a:gridCol w="2938490"/>
-                <a:gridCol w="2938490"/>
-                <a:gridCol w="2938490"/>
+                <a:gridCol w="2938490">
+                  <a:extLst>
+                    <a:ext uri="{9D8B030D-6E8A-4147-A177-3AD203B41FA5}">
+                      <a16:colId xmlns:a16="http://schemas.microsoft.com/office/drawing/2014/main" val="20000"/>
+                    </a:ext>
+                  </a:extLst>
+                </a:gridCol>
+                <a:gridCol w="2938490">
+                  <a:extLst>
+                    <a:ext uri="{9D8B030D-6E8A-4147-A177-3AD203B41FA5}">
+                      <a16:colId xmlns:a16="http://schemas.microsoft.com/office/drawing/2014/main" val="20001"/>
+                    </a:ext>
+                  </a:extLst>
+                </a:gridCol>
+                <a:gridCol w="2938490">
+                  <a:extLst>
+                    <a:ext uri="{9D8B030D-6E8A-4147-A177-3AD203B41FA5}">
+                      <a16:colId xmlns:a16="http://schemas.microsoft.com/office/drawing/2014/main" val="20002"/>
+                    </a:ext>
+                  </a:extLst>
+                </a:gridCol>
               </a:tblGrid>
               <a:tr h="495165">
                 <a:tc>
@@ -9733,8 +9823,99 @@
                     <a:lstStyle/>
                     <a:p>
                       <a:r>
-                        <a:rPr lang="de-DE" dirty="0" smtClean="0"/>
+                        <a:rPr lang="de-DE" dirty="0"/>
                         <a:t>Bereich</a:t>
+                      </a:r>
+                    </a:p>
+                  </a:txBody>
+                  <a:tcPr/>
+                </a:tc>
+                <a:tc>
+                  <a:txBody>
+                    <a:bodyPr/>
+                    <a:lstStyle/>
+                    <a:p>
+                      <a:r>
+                        <a:rPr lang="de-DE" dirty="0"/>
+                        <a:t>Model</a:t>
+                      </a:r>
+                    </a:p>
+                  </a:txBody>
+                  <a:tcPr/>
+                </a:tc>
+                <a:tc>
+                  <a:txBody>
+                    <a:bodyPr/>
+                    <a:lstStyle/>
+                    <a:p>
+                      <a:r>
+                        <a:rPr lang="de-DE" dirty="0"/>
+                        <a:t>Preis</a:t>
+                      </a:r>
+                    </a:p>
+                  </a:txBody>
+                  <a:tcPr/>
+                </a:tc>
+                <a:extLst>
+                  <a:ext uri="{0D108BD9-81ED-4DB2-BD59-A6C34878D82A}">
+                    <a16:rowId xmlns:a16="http://schemas.microsoft.com/office/drawing/2014/main" val="10000"/>
+                  </a:ext>
+                </a:extLst>
+              </a:tr>
+              <a:tr h="495165">
+                <a:tc>
+                  <a:txBody>
+                    <a:bodyPr/>
+                    <a:lstStyle/>
+                    <a:p>
+                      <a:r>
+                        <a:rPr lang="de-DE" dirty="0"/>
+                        <a:t>Netzwerk</a:t>
+                      </a:r>
+                    </a:p>
+                  </a:txBody>
+                  <a:tcPr/>
+                </a:tc>
+                <a:tc>
+                  <a:txBody>
+                    <a:bodyPr/>
+                    <a:lstStyle/>
+                    <a:p>
+                      <a:r>
+                        <a:rPr lang="de-DE" sz="1799" b="0" i="0" u="none" strike="noStrike" kern="1200" dirty="0">
+                          <a:solidFill>
+                            <a:schemeClr val="dk1"/>
+                          </a:solidFill>
+                          <a:effectLst/>
+                          <a:latin typeface="+mn-lt"/>
+                          <a:ea typeface="+mn-ea"/>
+                          <a:cs typeface="+mn-cs"/>
+                        </a:rPr>
+                        <a:t>HP </a:t>
+                      </a:r>
+                      <a:r>
+                        <a:rPr lang="de-DE" sz="1799" b="0" i="0" u="none" strike="noStrike" kern="1200" dirty="0" err="1">
+                          <a:solidFill>
+                            <a:schemeClr val="dk1"/>
+                          </a:solidFill>
+                          <a:effectLst/>
+                          <a:latin typeface="+mn-lt"/>
+                          <a:ea typeface="+mn-ea"/>
+                          <a:cs typeface="+mn-cs"/>
+                        </a:rPr>
+                        <a:t>ProLiant</a:t>
+                      </a:r>
+                      <a:r>
+                        <a:rPr lang="de-DE" sz="1799" b="0" i="0" u="none" strike="noStrike" kern="1200" dirty="0">
+                          <a:solidFill>
+                            <a:schemeClr val="dk1"/>
+                          </a:solidFill>
+                          <a:effectLst/>
+                          <a:latin typeface="+mn-lt"/>
+                          <a:ea typeface="+mn-ea"/>
+                          <a:cs typeface="+mn-cs"/>
+                        </a:rPr>
+                        <a:t> DL80G92U…</a:t>
                       </a:r>
                       <a:endParaRPr lang="de-DE" dirty="0"/>
                     </a:p>
@@ -9746,141 +9927,16 @@
                     <a:bodyPr/>
                     <a:lstStyle/>
                     <a:p>
-                      <a:r>
-                        <a:rPr lang="de-DE" dirty="0" smtClean="0"/>
-                        <a:t>Model</a:t>
-                      </a:r>
                       <a:endParaRPr lang="de-DE" dirty="0"/>
                     </a:p>
                   </a:txBody>
                   <a:tcPr/>
                 </a:tc>
-                <a:tc>
-                  <a:txBody>
-                    <a:bodyPr/>
-                    <a:lstStyle/>
-                    <a:p>
-                      <a:r>
-                        <a:rPr lang="de-DE" dirty="0" smtClean="0"/>
-                        <a:t>Preis</a:t>
-                      </a:r>
-                      <a:endParaRPr lang="de-DE" dirty="0"/>
-                    </a:p>
-                  </a:txBody>
-                  <a:tcPr/>
-                </a:tc>
-              </a:tr>
-              <a:tr h="495165">
-                <a:tc>
-                  <a:txBody>
-                    <a:bodyPr/>
-                    <a:lstStyle/>
-                    <a:p>
-                      <a:r>
-                        <a:rPr lang="de-DE" dirty="0" smtClean="0"/>
-                        <a:t>Netzwerk</a:t>
-                      </a:r>
-                      <a:endParaRPr lang="de-DE" dirty="0"/>
-                    </a:p>
-                  </a:txBody>
-                  <a:tcPr/>
-                </a:tc>
-                <a:tc>
-                  <a:txBody>
-                    <a:bodyPr/>
-                    <a:lstStyle/>
-                    <a:p>
-                      <a:r>
-                        <a:rPr lang="de-DE" sz="1799" b="0" i="0" u="none" strike="noStrike" kern="1200" dirty="0" smtClean="0">
-                          <a:solidFill>
-                            <a:schemeClr val="dk1"/>
-                          </a:solidFill>
-                          <a:effectLst/>
-                          <a:latin typeface="+mn-lt"/>
-                          <a:ea typeface="+mn-ea"/>
-                          <a:cs typeface="+mn-cs"/>
-                        </a:rPr>
-                        <a:t>HP </a:t>
-                      </a:r>
-                      <a:r>
-                        <a:rPr lang="de-DE" sz="1799" b="0" i="0" u="none" strike="noStrike" kern="1200" dirty="0" err="1" smtClean="0">
-                          <a:solidFill>
-                            <a:schemeClr val="dk1"/>
-                          </a:solidFill>
-                          <a:effectLst/>
-                          <a:latin typeface="+mn-lt"/>
-                          <a:ea typeface="+mn-ea"/>
-                          <a:cs typeface="+mn-cs"/>
-                        </a:rPr>
-                        <a:t>ProLiant</a:t>
-                      </a:r>
-                      <a:r>
-                        <a:rPr lang="de-DE" sz="1799" b="0" i="0" u="none" strike="noStrike" kern="1200" dirty="0" smtClean="0">
-                          <a:solidFill>
-                            <a:schemeClr val="dk1"/>
-                          </a:solidFill>
-                          <a:effectLst/>
-                          <a:latin typeface="+mn-lt"/>
-                          <a:ea typeface="+mn-ea"/>
-                          <a:cs typeface="+mn-cs"/>
-                        </a:rPr>
-                        <a:t> </a:t>
-                      </a:r>
-                      <a:r>
-                        <a:rPr lang="de-DE" sz="1799" b="0" i="0" u="none" strike="noStrike" kern="1200" dirty="0" smtClean="0">
-                          <a:solidFill>
-                            <a:schemeClr val="dk1"/>
-                          </a:solidFill>
-                          <a:effectLst/>
-                          <a:latin typeface="+mn-lt"/>
-                          <a:ea typeface="+mn-ea"/>
-                          <a:cs typeface="+mn-cs"/>
-                        </a:rPr>
-                        <a:t>DL80G92U…</a:t>
-                      </a:r>
-                      <a:endParaRPr lang="de-DE" dirty="0"/>
-                    </a:p>
-                  </a:txBody>
-                  <a:tcPr/>
-                </a:tc>
-                <a:tc>
-                  <a:txBody>
-                    <a:bodyPr/>
-                    <a:lstStyle/>
-                    <a:p>
-                      <a:r>
-                        <a:rPr lang="el-GR" sz="1799" b="0" i="0" kern="1200" dirty="0" smtClean="0">
-                          <a:solidFill>
-                            <a:schemeClr val="dk1"/>
-                          </a:solidFill>
-                          <a:effectLst/>
-                          <a:latin typeface="+mn-lt"/>
-                          <a:ea typeface="+mn-ea"/>
-                          <a:cs typeface="+mn-cs"/>
-                        </a:rPr>
-                        <a:t>Σ</a:t>
-                      </a:r>
-                      <a:r>
-                        <a:rPr lang="de-DE" sz="1799" b="0" i="0" kern="1200" dirty="0" smtClean="0">
-                          <a:solidFill>
-                            <a:schemeClr val="dk1"/>
-                          </a:solidFill>
-                          <a:effectLst/>
-                          <a:latin typeface="+mn-lt"/>
-                          <a:ea typeface="+mn-ea"/>
-                          <a:cs typeface="+mn-cs"/>
-                        </a:rPr>
-                        <a:t> </a:t>
-                      </a:r>
-                      <a:r>
-                        <a:rPr lang="de-DE" dirty="0" smtClean="0"/>
-                        <a:t>XXX,YY€</a:t>
-                      </a:r>
-                      <a:endParaRPr lang="de-DE" dirty="0"/>
-                    </a:p>
-                  </a:txBody>
-                  <a:tcPr/>
-                </a:tc>
+                <a:extLst>
+                  <a:ext uri="{0D108BD9-81ED-4DB2-BD59-A6C34878D82A}">
+                    <a16:rowId xmlns:a16="http://schemas.microsoft.com/office/drawing/2014/main" val="10001"/>
+                  </a:ext>
+                </a:extLst>
               </a:tr>
               <a:tr h="495165">
                 <a:tc>
@@ -9913,6 +9969,11 @@
                   </a:txBody>
                   <a:tcPr/>
                 </a:tc>
+                <a:extLst>
+                  <a:ext uri="{0D108BD9-81ED-4DB2-BD59-A6C34878D82A}">
+                    <a16:rowId xmlns:a16="http://schemas.microsoft.com/office/drawing/2014/main" val="10002"/>
+                  </a:ext>
+                </a:extLst>
               </a:tr>
               <a:tr h="495165">
                 <a:tc>
@@ -9940,11 +10001,16 @@
                     <a:bodyPr/>
                     <a:lstStyle/>
                     <a:p>
-                      <a:endParaRPr lang="de-DE"/>
+                      <a:endParaRPr lang="de-DE" dirty="0"/>
                     </a:p>
                   </a:txBody>
                   <a:tcPr/>
                 </a:tc>
+                <a:extLst>
+                  <a:ext uri="{0D108BD9-81ED-4DB2-BD59-A6C34878D82A}">
+                    <a16:rowId xmlns:a16="http://schemas.microsoft.com/office/drawing/2014/main" val="10003"/>
+                  </a:ext>
+                </a:extLst>
               </a:tr>
               <a:tr h="854327">
                 <a:tc>
@@ -9977,426 +10043,11 @@
                   </a:txBody>
                   <a:tcPr/>
                 </a:tc>
-              </a:tr>
-              <a:tr h="495165">
-                <a:tc>
-                  <a:txBody>
-                    <a:bodyPr/>
-                    <a:lstStyle/>
-                    <a:p>
-                      <a:endParaRPr lang="de-DE" dirty="0" smtClean="0"/>
-                    </a:p>
-                  </a:txBody>
-                  <a:tcPr/>
-                </a:tc>
-                <a:tc>
-                  <a:txBody>
-                    <a:bodyPr/>
-                    <a:lstStyle/>
-                    <a:p>
-                      <a:endParaRPr lang="de-DE"/>
-                    </a:p>
-                  </a:txBody>
-                  <a:tcPr/>
-                </a:tc>
-                <a:tc>
-                  <a:txBody>
-                    <a:bodyPr/>
-                    <a:lstStyle/>
-                    <a:p>
-                      <a:endParaRPr lang="de-DE" dirty="0"/>
-                    </a:p>
-                  </a:txBody>
-                  <a:tcPr/>
-                </a:tc>
-              </a:tr>
-              <a:tr h="495165">
-                <a:tc>
-                  <a:txBody>
-                    <a:bodyPr/>
-                    <a:lstStyle/>
-                    <a:p>
-                      <a:endParaRPr lang="de-DE" dirty="0" smtClean="0"/>
-                    </a:p>
-                  </a:txBody>
-                  <a:tcPr/>
-                </a:tc>
-                <a:tc>
-                  <a:txBody>
-                    <a:bodyPr/>
-                    <a:lstStyle/>
-                    <a:p>
-                      <a:endParaRPr lang="de-DE"/>
-                    </a:p>
-                  </a:txBody>
-                  <a:tcPr/>
-                </a:tc>
-                <a:tc>
-                  <a:txBody>
-                    <a:bodyPr/>
-                    <a:lstStyle/>
-                    <a:p>
-                      <a:endParaRPr lang="de-DE" dirty="0"/>
-                    </a:p>
-                  </a:txBody>
-                  <a:tcPr/>
-                </a:tc>
-              </a:tr>
-              <a:tr h="495165">
-                <a:tc>
-                  <a:txBody>
-                    <a:bodyPr/>
-                    <a:lstStyle/>
-                    <a:p>
-                      <a:endParaRPr lang="de-DE" dirty="0" smtClean="0"/>
-                    </a:p>
-                  </a:txBody>
-                  <a:tcPr/>
-                </a:tc>
-                <a:tc>
-                  <a:txBody>
-                    <a:bodyPr/>
-                    <a:lstStyle/>
-                    <a:p>
-                      <a:endParaRPr lang="de-DE" dirty="0"/>
-                    </a:p>
-                  </a:txBody>
-                  <a:tcPr/>
-                </a:tc>
-                <a:tc>
-                  <a:txBody>
-                    <a:bodyPr/>
-                    <a:lstStyle/>
-                    <a:p>
-                      <a:endParaRPr lang="de-DE" dirty="0"/>
-                    </a:p>
-                  </a:txBody>
-                  <a:tcPr/>
-                </a:tc>
-              </a:tr>
-            </a:tbl>
-          </a:graphicData>
-        </a:graphic>
-      </p:graphicFrame>
-    </p:spTree>
-    <p:extLst>
-      <p:ext uri="{BB962C8B-B14F-4D97-AF65-F5344CB8AC3E}">
-        <p14:creationId xmlns:p14="http://schemas.microsoft.com/office/powerpoint/2010/main" val="1070570958"/>
-      </p:ext>
-    </p:extLst>
-  </p:cSld>
-  <p:clrMapOvr>
-    <a:masterClrMapping/>
-  </p:clrMapOvr>
-  <mc:AlternateContent xmlns:mc="http://schemas.openxmlformats.org/markup-compatibility/2006">
-    <mc:Choice xmlns:p14="http://schemas.microsoft.com/office/powerpoint/2010/main" Requires="p14">
-      <p:transition spd="med" p14:dur="700">
-        <p:fade/>
-      </p:transition>
-    </mc:Choice>
-    <mc:Fallback>
-      <p:transition spd="med">
-        <p:fade/>
-      </p:transition>
-    </mc:Fallback>
-  </mc:AlternateContent>
-  <p:timing>
-    <p:tnLst>
-      <p:par>
-        <p:cTn id="1" dur="indefinite" restart="never" nodeType="tmRoot"/>
-      </p:par>
-    </p:tnLst>
-  </p:timing>
-</p:sld>
-</file>
-
-<file path=ppt/slides/slide6.xml><?xml version="1.0" encoding="utf-8"?>
-<p:sld xmlns:a="http://schemas.openxmlformats.org/drawingml/2006/main" xmlns:r="http://schemas.openxmlformats.org/officeDocument/2006/relationships" xmlns:p="http://schemas.openxmlformats.org/presentationml/2006/main">
-  <p:cSld>
-    <p:spTree>
-      <p:nvGrpSpPr>
-        <p:cNvPr id="1" name=""/>
-        <p:cNvGrpSpPr/>
-        <p:nvPr/>
-      </p:nvGrpSpPr>
-      <p:grpSpPr>
-        <a:xfrm>
-          <a:off x="0" y="0"/>
-          <a:ext cx="0" cy="0"/>
-          <a:chOff x="0" y="0"/>
-          <a:chExt cx="0" cy="0"/>
-        </a:xfrm>
-      </p:grpSpPr>
-      <p:sp>
-        <p:nvSpPr>
-          <p:cNvPr id="2" name="Titel 1"/>
-          <p:cNvSpPr>
-            <a:spLocks noGrp="1"/>
-          </p:cNvSpPr>
-          <p:nvPr>
-            <p:ph type="title"/>
-          </p:nvPr>
-        </p:nvSpPr>
-        <p:spPr/>
-        <p:txBody>
-          <a:bodyPr/>
-          <a:lstStyle/>
-          <a:p>
-            <a:r>
-              <a:rPr lang="de-DE" dirty="0"/>
-              <a:t>Allgemeine Anforderungen </a:t>
-            </a:r>
-          </a:p>
-        </p:txBody>
-      </p:sp>
-      <p:graphicFrame>
-        <p:nvGraphicFramePr>
-          <p:cNvPr id="4" name="Tabelle 3"/>
-          <p:cNvGraphicFramePr>
-            <a:graphicFrameLocks noGrp="1"/>
-          </p:cNvGraphicFramePr>
-          <p:nvPr>
-            <p:extLst>
-              <p:ext uri="{D42A27DB-BD31-4B8C-83A1-F6EECF244321}">
-                <p14:modId xmlns:p14="http://schemas.microsoft.com/office/powerpoint/2010/main" val="1889637737"/>
-              </p:ext>
-            </p:extLst>
-          </p:nvPr>
-        </p:nvGraphicFramePr>
-        <p:xfrm>
-          <a:off x="1197868" y="2132856"/>
-          <a:ext cx="8815470" cy="4320482"/>
-        </p:xfrm>
-        <a:graphic>
-          <a:graphicData uri="http://schemas.openxmlformats.org/drawingml/2006/table">
-            <a:tbl>
-              <a:tblPr firstRow="1" bandRow="1">
-                <a:tableStyleId>{5C22544A-7EE6-4342-B048-85BDC9FD1C3A}</a:tableStyleId>
-              </a:tblPr>
-              <a:tblGrid>
-                <a:gridCol w="2938490"/>
-                <a:gridCol w="2938490"/>
-                <a:gridCol w="2938490"/>
-              </a:tblGrid>
-              <a:tr h="495165">
-                <a:tc>
-                  <a:txBody>
-                    <a:bodyPr/>
-                    <a:lstStyle/>
-                    <a:p>
-                      <a:r>
-                        <a:rPr lang="de-DE" dirty="0" smtClean="0"/>
-                        <a:t>Bereich</a:t>
-                      </a:r>
-                      <a:endParaRPr lang="de-DE" dirty="0"/>
-                    </a:p>
-                  </a:txBody>
-                  <a:tcPr/>
-                </a:tc>
-                <a:tc>
-                  <a:txBody>
-                    <a:bodyPr/>
-                    <a:lstStyle/>
-                    <a:p>
-                      <a:r>
-                        <a:rPr lang="de-DE" dirty="0" smtClean="0"/>
-                        <a:t>Model</a:t>
-                      </a:r>
-                      <a:endParaRPr lang="de-DE" dirty="0"/>
-                    </a:p>
-                  </a:txBody>
-                  <a:tcPr/>
-                </a:tc>
-                <a:tc>
-                  <a:txBody>
-                    <a:bodyPr/>
-                    <a:lstStyle/>
-                    <a:p>
-                      <a:r>
-                        <a:rPr lang="de-DE" dirty="0" smtClean="0"/>
-                        <a:t>Preis</a:t>
-                      </a:r>
-                      <a:endParaRPr lang="de-DE" dirty="0"/>
-                    </a:p>
-                  </a:txBody>
-                  <a:tcPr/>
-                </a:tc>
-              </a:tr>
-              <a:tr h="495165">
-                <a:tc>
-                  <a:txBody>
-                    <a:bodyPr/>
-                    <a:lstStyle/>
-                    <a:p>
-                      <a:r>
-                        <a:rPr lang="de-DE" dirty="0" smtClean="0"/>
-                        <a:t>Server</a:t>
-                      </a:r>
-                      <a:endParaRPr lang="de-DE" dirty="0"/>
-                    </a:p>
-                  </a:txBody>
-                  <a:tcPr/>
-                </a:tc>
-                <a:tc>
-                  <a:txBody>
-                    <a:bodyPr/>
-                    <a:lstStyle/>
-                    <a:p>
-                      <a:r>
-                        <a:rPr lang="de-DE" sz="1799" b="0" i="0" u="none" strike="noStrike" kern="1200" dirty="0" smtClean="0">
-                          <a:solidFill>
-                            <a:schemeClr val="dk1"/>
-                          </a:solidFill>
-                          <a:effectLst/>
-                          <a:latin typeface="+mn-lt"/>
-                          <a:ea typeface="+mn-ea"/>
-                          <a:cs typeface="+mn-cs"/>
-                        </a:rPr>
-                        <a:t>HP </a:t>
-                      </a:r>
-                      <a:r>
-                        <a:rPr lang="de-DE" sz="1799" b="0" i="0" u="none" strike="noStrike" kern="1200" dirty="0" err="1" smtClean="0">
-                          <a:solidFill>
-                            <a:schemeClr val="dk1"/>
-                          </a:solidFill>
-                          <a:effectLst/>
-                          <a:latin typeface="+mn-lt"/>
-                          <a:ea typeface="+mn-ea"/>
-                          <a:cs typeface="+mn-cs"/>
-                        </a:rPr>
-                        <a:t>ProLiant</a:t>
-                      </a:r>
-                      <a:r>
-                        <a:rPr lang="de-DE" sz="1799" b="0" i="0" u="none" strike="noStrike" kern="1200" dirty="0" smtClean="0">
-                          <a:solidFill>
-                            <a:schemeClr val="dk1"/>
-                          </a:solidFill>
-                          <a:effectLst/>
-                          <a:latin typeface="+mn-lt"/>
-                          <a:ea typeface="+mn-ea"/>
-                          <a:cs typeface="+mn-cs"/>
-                        </a:rPr>
-                        <a:t> DL80G92U</a:t>
-                      </a:r>
-                      <a:endParaRPr lang="de-DE" dirty="0"/>
-                    </a:p>
-                  </a:txBody>
-                  <a:tcPr/>
-                </a:tc>
-                <a:tc>
-                  <a:txBody>
-                    <a:bodyPr/>
-                    <a:lstStyle/>
-                    <a:p>
-                      <a:r>
-                        <a:rPr lang="de-DE" dirty="0" smtClean="0"/>
-                        <a:t>999,00€</a:t>
-                      </a:r>
-                      <a:endParaRPr lang="de-DE" dirty="0"/>
-                    </a:p>
-                  </a:txBody>
-                  <a:tcPr/>
-                </a:tc>
-              </a:tr>
-              <a:tr h="495165">
-                <a:tc>
-                  <a:txBody>
-                    <a:bodyPr/>
-                    <a:lstStyle/>
-                    <a:p>
-                      <a:r>
-                        <a:rPr lang="de-DE" dirty="0" smtClean="0"/>
-                        <a:t>Programmierung</a:t>
-                      </a:r>
-                      <a:endParaRPr lang="de-DE" dirty="0"/>
-                    </a:p>
-                  </a:txBody>
-                  <a:tcPr/>
-                </a:tc>
-                <a:tc>
-                  <a:txBody>
-                    <a:bodyPr/>
-                    <a:lstStyle/>
-                    <a:p>
-                      <a:endParaRPr lang="de-DE" dirty="0"/>
-                    </a:p>
-                  </a:txBody>
-                  <a:tcPr/>
-                </a:tc>
-                <a:tc>
-                  <a:txBody>
-                    <a:bodyPr/>
-                    <a:lstStyle/>
-                    <a:p>
-                      <a:endParaRPr lang="de-DE"/>
-                    </a:p>
-                  </a:txBody>
-                  <a:tcPr/>
-                </a:tc>
-              </a:tr>
-              <a:tr h="495165">
-                <a:tc>
-                  <a:txBody>
-                    <a:bodyPr/>
-                    <a:lstStyle/>
-                    <a:p>
-                      <a:endParaRPr lang="de-DE" dirty="0"/>
-                    </a:p>
-                  </a:txBody>
-                  <a:tcPr/>
-                </a:tc>
-                <a:tc>
-                  <a:txBody>
-                    <a:bodyPr/>
-                    <a:lstStyle/>
-                    <a:p>
-                      <a:endParaRPr lang="de-DE"/>
-                    </a:p>
-                  </a:txBody>
-                  <a:tcPr/>
-                </a:tc>
-                <a:tc>
-                  <a:txBody>
-                    <a:bodyPr/>
-                    <a:lstStyle/>
-                    <a:p>
-                      <a:endParaRPr lang="de-DE"/>
-                    </a:p>
-                  </a:txBody>
-                  <a:tcPr/>
-                </a:tc>
-              </a:tr>
-              <a:tr h="854327">
-                <a:tc>
-                  <a:txBody>
-                    <a:bodyPr/>
-                    <a:lstStyle/>
-                    <a:p>
-                      <a:endParaRPr lang="de-DE" dirty="0"/>
-                    </a:p>
-                  </a:txBody>
-                  <a:tcPr/>
-                </a:tc>
-                <a:tc>
-                  <a:txBody>
-                    <a:bodyPr/>
-                    <a:lstStyle/>
-                    <a:p>
-                      <a:endParaRPr lang="de-DE"/>
-                    </a:p>
-                  </a:txBody>
-                  <a:tcPr/>
-                </a:tc>
-                <a:tc>
-                  <a:txBody>
-                    <a:bodyPr/>
-                    <a:lstStyle/>
-                    <a:p>
-                      <a:endParaRPr lang="de-DE" dirty="0"/>
-                    </a:p>
-                  </a:txBody>
-                  <a:tcPr/>
-                </a:tc>
+                <a:extLst>
+                  <a:ext uri="{0D108BD9-81ED-4DB2-BD59-A6C34878D82A}">
+                    <a16:rowId xmlns:a16="http://schemas.microsoft.com/office/drawing/2014/main" val="10004"/>
+                  </a:ext>
+                </a:extLst>
               </a:tr>
               <a:tr h="495165">
                 <a:tc>
@@ -10429,6 +10080,11 @@
                   </a:txBody>
                   <a:tcPr/>
                 </a:tc>
+                <a:extLst>
+                  <a:ext uri="{0D108BD9-81ED-4DB2-BD59-A6C34878D82A}">
+                    <a16:rowId xmlns:a16="http://schemas.microsoft.com/office/drawing/2014/main" val="10005"/>
+                  </a:ext>
+                </a:extLst>
               </a:tr>
               <a:tr h="495165">
                 <a:tc>
@@ -10461,6 +10117,11 @@
                   </a:txBody>
                   <a:tcPr/>
                 </a:tc>
+                <a:extLst>
+                  <a:ext uri="{0D108BD9-81ED-4DB2-BD59-A6C34878D82A}">
+                    <a16:rowId xmlns:a16="http://schemas.microsoft.com/office/drawing/2014/main" val="10006"/>
+                  </a:ext>
+                </a:extLst>
               </a:tr>
               <a:tr h="495165">
                 <a:tc>
@@ -10468,7 +10129,7 @@
                     <a:bodyPr/>
                     <a:lstStyle/>
                     <a:p>
-                      <a:endParaRPr lang="de-DE" dirty="0" smtClean="0"/>
+                      <a:endParaRPr lang="de-DE" dirty="0"/>
                     </a:p>
                   </a:txBody>
                   <a:tcPr/>
@@ -10493,28 +10154,115 @@
                   </a:txBody>
                   <a:tcPr/>
                 </a:tc>
+                <a:extLst>
+                  <a:ext uri="{0D108BD9-81ED-4DB2-BD59-A6C34878D82A}">
+                    <a16:rowId xmlns:a16="http://schemas.microsoft.com/office/drawing/2014/main" val="10007"/>
+                  </a:ext>
+                </a:extLst>
               </a:tr>
             </a:tbl>
           </a:graphicData>
         </a:graphic>
       </p:graphicFrame>
+      <p:sp>
+        <p:nvSpPr>
+          <p:cNvPr id="3" name="Textfeld 2"/>
+          <p:cNvSpPr txBox="1"/>
+          <p:nvPr/>
+        </p:nvSpPr>
+        <p:spPr>
+          <a:xfrm>
+            <a:off x="7133018" y="2708920"/>
+            <a:ext cx="2880320" cy="369332"/>
+          </a:xfrm>
+          <a:prstGeom prst="rect">
+            <a:avLst/>
+          </a:prstGeom>
+          <a:noFill/>
+        </p:spPr>
+        <p:txBody>
+          <a:bodyPr wrap="square" rtlCol="0">
+            <a:spAutoFit/>
+          </a:bodyPr>
+          <a:lstStyle/>
+          <a:p>
+            <a:r>
+              <a:rPr lang="el-GR" sz="1799" dirty="0">
+                <a:solidFill>
+                  <a:schemeClr val="bg1"/>
+                </a:solidFill>
+              </a:rPr>
+              <a:t>Σ</a:t>
+            </a:r>
+            <a:r>
+              <a:rPr lang="de-DE" sz="1799" dirty="0">
+                <a:solidFill>
+                  <a:schemeClr val="bg1"/>
+                </a:solidFill>
+              </a:rPr>
+              <a:t> </a:t>
+            </a:r>
+            <a:r>
+              <a:rPr lang="de-DE" dirty="0">
+                <a:solidFill>
+                  <a:schemeClr val="bg1"/>
+                </a:solidFill>
+              </a:rPr>
+              <a:t>XXX,YY€</a:t>
+            </a:r>
+          </a:p>
+        </p:txBody>
+      </p:sp>
+      <p:sp>
+        <p:nvSpPr>
+          <p:cNvPr id="5" name="Textfeld 4"/>
+          <p:cNvSpPr txBox="1"/>
+          <p:nvPr/>
+        </p:nvSpPr>
+        <p:spPr>
+          <a:xfrm>
+            <a:off x="1197868" y="3203684"/>
+            <a:ext cx="2880320" cy="369332"/>
+          </a:xfrm>
+          <a:prstGeom prst="rect">
+            <a:avLst/>
+          </a:prstGeom>
+          <a:noFill/>
+        </p:spPr>
+        <p:txBody>
+          <a:bodyPr wrap="square" rtlCol="0">
+            <a:spAutoFit/>
+          </a:bodyPr>
+          <a:lstStyle/>
+          <a:p>
+            <a:r>
+              <a:rPr lang="de-DE" dirty="0">
+                <a:solidFill>
+                  <a:schemeClr val="bg1"/>
+                </a:solidFill>
+              </a:rPr>
+              <a:t>Programmierung</a:t>
+            </a:r>
+          </a:p>
+        </p:txBody>
+      </p:sp>
     </p:spTree>
     <p:extLst>
       <p:ext uri="{BB962C8B-B14F-4D97-AF65-F5344CB8AC3E}">
-        <p14:creationId xmlns:p14="http://schemas.microsoft.com/office/powerpoint/2010/main" val="2155897159"/>
+        <p14:creationId xmlns:p14="http://schemas.microsoft.com/office/powerpoint/2010/main" val="1070570958"/>
       </p:ext>
     </p:extLst>
   </p:cSld>
   <p:clrMapOvr>
     <a:masterClrMapping/>
   </p:clrMapOvr>
-  <mc:AlternateContent xmlns:mc="http://schemas.openxmlformats.org/markup-compatibility/2006">
-    <mc:Choice xmlns:p14="http://schemas.microsoft.com/office/powerpoint/2010/main" Requires="p14">
+  <mc:AlternateContent xmlns:mc="http://schemas.openxmlformats.org/markup-compatibility/2006" xmlns:p14="http://schemas.microsoft.com/office/powerpoint/2010/main">
+    <mc:Choice Requires="p14">
       <p:transition spd="med" p14:dur="700">
         <p:fade/>
       </p:transition>
     </mc:Choice>
-    <mc:Fallback>
+    <mc:Fallback xmlns="">
       <p:transition spd="med">
         <p:fade/>
       </p:transition>
@@ -10523,434 +10271,223 @@
   <p:timing>
     <p:tnLst>
       <p:par>
-        <p:cTn id="1" dur="indefinite" restart="never" nodeType="tmRoot"/>
+        <p:cTn id="1" dur="indefinite" restart="never" nodeType="tmRoot">
+          <p:childTnLst>
+            <p:seq concurrent="1" nextAc="seek">
+              <p:cTn id="2" dur="indefinite" nodeType="mainSeq">
+                <p:childTnLst>
+                  <p:par>
+                    <p:cTn id="3" fill="hold">
+                      <p:stCondLst>
+                        <p:cond delay="indefinite"/>
+                      </p:stCondLst>
+                      <p:childTnLst>
+                        <p:par>
+                          <p:cTn id="4" fill="hold">
+                            <p:stCondLst>
+                              <p:cond delay="0"/>
+                            </p:stCondLst>
+                            <p:childTnLst>
+                              <p:par>
+                                <p:cTn id="5" presetID="2" presetClass="entr" presetSubtype="4" fill="hold" grpId="0" nodeType="clickEffect">
+                                  <p:stCondLst>
+                                    <p:cond delay="0"/>
+                                  </p:stCondLst>
+                                  <p:childTnLst>
+                                    <p:set>
+                                      <p:cBhvr>
+                                        <p:cTn id="6" dur="1" fill="hold">
+                                          <p:stCondLst>
+                                            <p:cond delay="0"/>
+                                          </p:stCondLst>
+                                        </p:cTn>
+                                        <p:tgtEl>
+                                          <p:spTgt spid="3"/>
+                                        </p:tgtEl>
+                                        <p:attrNameLst>
+                                          <p:attrName>style.visibility</p:attrName>
+                                        </p:attrNameLst>
+                                      </p:cBhvr>
+                                      <p:to>
+                                        <p:strVal val="visible"/>
+                                      </p:to>
+                                    </p:set>
+                                    <p:anim calcmode="lin" valueType="num">
+                                      <p:cBhvr additive="base">
+                                        <p:cTn id="7" dur="500" fill="hold"/>
+                                        <p:tgtEl>
+                                          <p:spTgt spid="3"/>
+                                        </p:tgtEl>
+                                        <p:attrNameLst>
+                                          <p:attrName>ppt_x</p:attrName>
+                                        </p:attrNameLst>
+                                      </p:cBhvr>
+                                      <p:tavLst>
+                                        <p:tav tm="0">
+                                          <p:val>
+                                            <p:strVal val="#ppt_x"/>
+                                          </p:val>
+                                        </p:tav>
+                                        <p:tav tm="100000">
+                                          <p:val>
+                                            <p:strVal val="#ppt_x"/>
+                                          </p:val>
+                                        </p:tav>
+                                      </p:tavLst>
+                                    </p:anim>
+                                    <p:anim calcmode="lin" valueType="num">
+                                      <p:cBhvr additive="base">
+                                        <p:cTn id="8" dur="500" fill="hold"/>
+                                        <p:tgtEl>
+                                          <p:spTgt spid="3"/>
+                                        </p:tgtEl>
+                                        <p:attrNameLst>
+                                          <p:attrName>ppt_y</p:attrName>
+                                        </p:attrNameLst>
+                                      </p:cBhvr>
+                                      <p:tavLst>
+                                        <p:tav tm="0">
+                                          <p:val>
+                                            <p:strVal val="1+#ppt_h/2"/>
+                                          </p:val>
+                                        </p:tav>
+                                        <p:tav tm="100000">
+                                          <p:val>
+                                            <p:strVal val="#ppt_y"/>
+                                          </p:val>
+                                        </p:tav>
+                                      </p:tavLst>
+                                    </p:anim>
+                                  </p:childTnLst>
+                                </p:cTn>
+                              </p:par>
+                            </p:childTnLst>
+                          </p:cTn>
+                        </p:par>
+                      </p:childTnLst>
+                    </p:cTn>
+                  </p:par>
+                  <p:par>
+                    <p:cTn id="9" fill="hold">
+                      <p:stCondLst>
+                        <p:cond delay="indefinite"/>
+                      </p:stCondLst>
+                      <p:childTnLst>
+                        <p:par>
+                          <p:cTn id="10" fill="hold">
+                            <p:stCondLst>
+                              <p:cond delay="0"/>
+                            </p:stCondLst>
+                            <p:childTnLst>
+                              <p:par>
+                                <p:cTn id="11" presetID="2" presetClass="entr" presetSubtype="4" fill="hold" grpId="0" nodeType="clickEffect">
+                                  <p:stCondLst>
+                                    <p:cond delay="0"/>
+                                  </p:stCondLst>
+                                  <p:childTnLst>
+                                    <p:set>
+                                      <p:cBhvr>
+                                        <p:cTn id="12" dur="1" fill="hold">
+                                          <p:stCondLst>
+                                            <p:cond delay="0"/>
+                                          </p:stCondLst>
+                                        </p:cTn>
+                                        <p:tgtEl>
+                                          <p:spTgt spid="5"/>
+                                        </p:tgtEl>
+                                        <p:attrNameLst>
+                                          <p:attrName>style.visibility</p:attrName>
+                                        </p:attrNameLst>
+                                      </p:cBhvr>
+                                      <p:to>
+                                        <p:strVal val="visible"/>
+                                      </p:to>
+                                    </p:set>
+                                    <p:anim calcmode="lin" valueType="num">
+                                      <p:cBhvr additive="base">
+                                        <p:cTn id="13" dur="500" fill="hold"/>
+                                        <p:tgtEl>
+                                          <p:spTgt spid="5"/>
+                                        </p:tgtEl>
+                                        <p:attrNameLst>
+                                          <p:attrName>ppt_x</p:attrName>
+                                        </p:attrNameLst>
+                                      </p:cBhvr>
+                                      <p:tavLst>
+                                        <p:tav tm="0">
+                                          <p:val>
+                                            <p:strVal val="#ppt_x"/>
+                                          </p:val>
+                                        </p:tav>
+                                        <p:tav tm="100000">
+                                          <p:val>
+                                            <p:strVal val="#ppt_x"/>
+                                          </p:val>
+                                        </p:tav>
+                                      </p:tavLst>
+                                    </p:anim>
+                                    <p:anim calcmode="lin" valueType="num">
+                                      <p:cBhvr additive="base">
+                                        <p:cTn id="14" dur="500" fill="hold"/>
+                                        <p:tgtEl>
+                                          <p:spTgt spid="5"/>
+                                        </p:tgtEl>
+                                        <p:attrNameLst>
+                                          <p:attrName>ppt_y</p:attrName>
+                                        </p:attrNameLst>
+                                      </p:cBhvr>
+                                      <p:tavLst>
+                                        <p:tav tm="0">
+                                          <p:val>
+                                            <p:strVal val="1+#ppt_h/2"/>
+                                          </p:val>
+                                        </p:tav>
+                                        <p:tav tm="100000">
+                                          <p:val>
+                                            <p:strVal val="#ppt_y"/>
+                                          </p:val>
+                                        </p:tav>
+                                      </p:tavLst>
+                                    </p:anim>
+                                  </p:childTnLst>
+                                </p:cTn>
+                              </p:par>
+                            </p:childTnLst>
+                          </p:cTn>
+                        </p:par>
+                      </p:childTnLst>
+                    </p:cTn>
+                  </p:par>
+                </p:childTnLst>
+              </p:cTn>
+              <p:prevCondLst>
+                <p:cond evt="onPrev" delay="0">
+                  <p:tgtEl>
+                    <p:sldTgt/>
+                  </p:tgtEl>
+                </p:cond>
+              </p:prevCondLst>
+              <p:nextCondLst>
+                <p:cond evt="onNext" delay="0">
+                  <p:tgtEl>
+                    <p:sldTgt/>
+                  </p:tgtEl>
+                </p:cond>
+              </p:nextCondLst>
+            </p:seq>
+          </p:childTnLst>
+        </p:cTn>
       </p:par>
     </p:tnLst>
+    <p:bldLst>
+      <p:bldP spid="3" grpId="0"/>
+      <p:bldP spid="5" grpId="0"/>
+    </p:bldLst>
   </p:timing>
 </p:sld>
 </file>
 
-<file path=ppt/slides/slide7.xml><?xml version="1.0" encoding="utf-8"?>
-<p:sld xmlns:a="http://schemas.openxmlformats.org/drawingml/2006/main" xmlns:r="http://schemas.openxmlformats.org/officeDocument/2006/relationships" xmlns:p="http://schemas.openxmlformats.org/presentationml/2006/main">
-  <p:cSld>
-    <p:spTree>
-      <p:nvGrpSpPr>
-        <p:cNvPr id="1" name=""/>
-        <p:cNvGrpSpPr/>
-        <p:nvPr/>
-      </p:nvGrpSpPr>
-      <p:grpSpPr>
-        <a:xfrm>
-          <a:off x="0" y="0"/>
-          <a:ext cx="0" cy="0"/>
-          <a:chOff x="0" y="0"/>
-          <a:chExt cx="0" cy="0"/>
-        </a:xfrm>
-      </p:grpSpPr>
-      <p:sp>
-        <p:nvSpPr>
-          <p:cNvPr id="2" name="Titel 1"/>
-          <p:cNvSpPr>
-            <a:spLocks noGrp="1"/>
-          </p:cNvSpPr>
-          <p:nvPr>
-            <p:ph type="title"/>
-          </p:nvPr>
-        </p:nvSpPr>
-        <p:spPr/>
-        <p:txBody>
-          <a:bodyPr/>
-          <a:lstStyle/>
-          <a:p>
-            <a:r>
-              <a:rPr lang="de-DE" dirty="0"/>
-              <a:t>Allgemeine Anforderungen </a:t>
-            </a:r>
-          </a:p>
-        </p:txBody>
-      </p:sp>
-      <p:graphicFrame>
-        <p:nvGraphicFramePr>
-          <p:cNvPr id="4" name="Tabelle 3"/>
-          <p:cNvGraphicFramePr>
-            <a:graphicFrameLocks noGrp="1"/>
-          </p:cNvGraphicFramePr>
-          <p:nvPr>
-            <p:extLst>
-              <p:ext uri="{D42A27DB-BD31-4B8C-83A1-F6EECF244321}">
-                <p14:modId xmlns:p14="http://schemas.microsoft.com/office/powerpoint/2010/main" val="1889637737"/>
-              </p:ext>
-            </p:extLst>
-          </p:nvPr>
-        </p:nvGraphicFramePr>
-        <p:xfrm>
-          <a:off x="1197868" y="2132856"/>
-          <a:ext cx="8815470" cy="4320482"/>
-        </p:xfrm>
-        <a:graphic>
-          <a:graphicData uri="http://schemas.openxmlformats.org/drawingml/2006/table">
-            <a:tbl>
-              <a:tblPr firstRow="1" bandRow="1">
-                <a:tableStyleId>{5C22544A-7EE6-4342-B048-85BDC9FD1C3A}</a:tableStyleId>
-              </a:tblPr>
-              <a:tblGrid>
-                <a:gridCol w="2938490"/>
-                <a:gridCol w="2938490"/>
-                <a:gridCol w="2938490"/>
-              </a:tblGrid>
-              <a:tr h="495165">
-                <a:tc>
-                  <a:txBody>
-                    <a:bodyPr/>
-                    <a:lstStyle/>
-                    <a:p>
-                      <a:r>
-                        <a:rPr lang="de-DE" dirty="0" smtClean="0"/>
-                        <a:t>Bereich</a:t>
-                      </a:r>
-                      <a:endParaRPr lang="de-DE" dirty="0"/>
-                    </a:p>
-                  </a:txBody>
-                  <a:tcPr/>
-                </a:tc>
-                <a:tc>
-                  <a:txBody>
-                    <a:bodyPr/>
-                    <a:lstStyle/>
-                    <a:p>
-                      <a:r>
-                        <a:rPr lang="de-DE" dirty="0" smtClean="0"/>
-                        <a:t>Model</a:t>
-                      </a:r>
-                      <a:endParaRPr lang="de-DE" dirty="0"/>
-                    </a:p>
-                  </a:txBody>
-                  <a:tcPr/>
-                </a:tc>
-                <a:tc>
-                  <a:txBody>
-                    <a:bodyPr/>
-                    <a:lstStyle/>
-                    <a:p>
-                      <a:r>
-                        <a:rPr lang="de-DE" dirty="0" smtClean="0"/>
-                        <a:t>Preis</a:t>
-                      </a:r>
-                      <a:endParaRPr lang="de-DE" dirty="0"/>
-                    </a:p>
-                  </a:txBody>
-                  <a:tcPr/>
-                </a:tc>
-              </a:tr>
-              <a:tr h="495165">
-                <a:tc>
-                  <a:txBody>
-                    <a:bodyPr/>
-                    <a:lstStyle/>
-                    <a:p>
-                      <a:r>
-                        <a:rPr lang="de-DE" dirty="0" smtClean="0"/>
-                        <a:t>Server</a:t>
-                      </a:r>
-                      <a:endParaRPr lang="de-DE" dirty="0"/>
-                    </a:p>
-                  </a:txBody>
-                  <a:tcPr/>
-                </a:tc>
-                <a:tc>
-                  <a:txBody>
-                    <a:bodyPr/>
-                    <a:lstStyle/>
-                    <a:p>
-                      <a:r>
-                        <a:rPr lang="de-DE" sz="1799" b="0" i="0" u="none" strike="noStrike" kern="1200" dirty="0" smtClean="0">
-                          <a:solidFill>
-                            <a:schemeClr val="dk1"/>
-                          </a:solidFill>
-                          <a:effectLst/>
-                          <a:latin typeface="+mn-lt"/>
-                          <a:ea typeface="+mn-ea"/>
-                          <a:cs typeface="+mn-cs"/>
-                        </a:rPr>
-                        <a:t>HP </a:t>
-                      </a:r>
-                      <a:r>
-                        <a:rPr lang="de-DE" sz="1799" b="0" i="0" u="none" strike="noStrike" kern="1200" dirty="0" err="1" smtClean="0">
-                          <a:solidFill>
-                            <a:schemeClr val="dk1"/>
-                          </a:solidFill>
-                          <a:effectLst/>
-                          <a:latin typeface="+mn-lt"/>
-                          <a:ea typeface="+mn-ea"/>
-                          <a:cs typeface="+mn-cs"/>
-                        </a:rPr>
-                        <a:t>ProLiant</a:t>
-                      </a:r>
-                      <a:r>
-                        <a:rPr lang="de-DE" sz="1799" b="0" i="0" u="none" strike="noStrike" kern="1200" dirty="0" smtClean="0">
-                          <a:solidFill>
-                            <a:schemeClr val="dk1"/>
-                          </a:solidFill>
-                          <a:effectLst/>
-                          <a:latin typeface="+mn-lt"/>
-                          <a:ea typeface="+mn-ea"/>
-                          <a:cs typeface="+mn-cs"/>
-                        </a:rPr>
-                        <a:t> DL80G92U</a:t>
-                      </a:r>
-                      <a:endParaRPr lang="de-DE" dirty="0"/>
-                    </a:p>
-                  </a:txBody>
-                  <a:tcPr/>
-                </a:tc>
-                <a:tc>
-                  <a:txBody>
-                    <a:bodyPr/>
-                    <a:lstStyle/>
-                    <a:p>
-                      <a:r>
-                        <a:rPr lang="de-DE" dirty="0" smtClean="0"/>
-                        <a:t>999,00€</a:t>
-                      </a:r>
-                      <a:endParaRPr lang="de-DE" dirty="0"/>
-                    </a:p>
-                  </a:txBody>
-                  <a:tcPr/>
-                </a:tc>
-              </a:tr>
-              <a:tr h="495165">
-                <a:tc>
-                  <a:txBody>
-                    <a:bodyPr/>
-                    <a:lstStyle/>
-                    <a:p>
-                      <a:r>
-                        <a:rPr lang="de-DE" dirty="0" smtClean="0"/>
-                        <a:t>Programmierung</a:t>
-                      </a:r>
-                      <a:endParaRPr lang="de-DE" dirty="0"/>
-                    </a:p>
-                  </a:txBody>
-                  <a:tcPr/>
-                </a:tc>
-                <a:tc>
-                  <a:txBody>
-                    <a:bodyPr/>
-                    <a:lstStyle/>
-                    <a:p>
-                      <a:endParaRPr lang="de-DE" dirty="0"/>
-                    </a:p>
-                  </a:txBody>
-                  <a:tcPr/>
-                </a:tc>
-                <a:tc>
-                  <a:txBody>
-                    <a:bodyPr/>
-                    <a:lstStyle/>
-                    <a:p>
-                      <a:endParaRPr lang="de-DE"/>
-                    </a:p>
-                  </a:txBody>
-                  <a:tcPr/>
-                </a:tc>
-              </a:tr>
-              <a:tr h="495165">
-                <a:tc>
-                  <a:txBody>
-                    <a:bodyPr/>
-                    <a:lstStyle/>
-                    <a:p>
-                      <a:endParaRPr lang="de-DE" dirty="0"/>
-                    </a:p>
-                  </a:txBody>
-                  <a:tcPr/>
-                </a:tc>
-                <a:tc>
-                  <a:txBody>
-                    <a:bodyPr/>
-                    <a:lstStyle/>
-                    <a:p>
-                      <a:endParaRPr lang="de-DE"/>
-                    </a:p>
-                  </a:txBody>
-                  <a:tcPr/>
-                </a:tc>
-                <a:tc>
-                  <a:txBody>
-                    <a:bodyPr/>
-                    <a:lstStyle/>
-                    <a:p>
-                      <a:endParaRPr lang="de-DE"/>
-                    </a:p>
-                  </a:txBody>
-                  <a:tcPr/>
-                </a:tc>
-              </a:tr>
-              <a:tr h="854327">
-                <a:tc>
-                  <a:txBody>
-                    <a:bodyPr/>
-                    <a:lstStyle/>
-                    <a:p>
-                      <a:endParaRPr lang="de-DE" dirty="0"/>
-                    </a:p>
-                  </a:txBody>
-                  <a:tcPr/>
-                </a:tc>
-                <a:tc>
-                  <a:txBody>
-                    <a:bodyPr/>
-                    <a:lstStyle/>
-                    <a:p>
-                      <a:endParaRPr lang="de-DE"/>
-                    </a:p>
-                  </a:txBody>
-                  <a:tcPr/>
-                </a:tc>
-                <a:tc>
-                  <a:txBody>
-                    <a:bodyPr/>
-                    <a:lstStyle/>
-                    <a:p>
-                      <a:endParaRPr lang="de-DE" dirty="0"/>
-                    </a:p>
-                  </a:txBody>
-                  <a:tcPr/>
-                </a:tc>
-              </a:tr>
-              <a:tr h="495165">
-                <a:tc>
-                  <a:txBody>
-                    <a:bodyPr/>
-                    <a:lstStyle/>
-                    <a:p>
-                      <a:endParaRPr lang="de-DE" dirty="0"/>
-                    </a:p>
-                  </a:txBody>
-                  <a:tcPr/>
-                </a:tc>
-                <a:tc>
-                  <a:txBody>
-                    <a:bodyPr/>
-                    <a:lstStyle/>
-                    <a:p>
-                      <a:endParaRPr lang="de-DE"/>
-                    </a:p>
-                  </a:txBody>
-                  <a:tcPr/>
-                </a:tc>
-                <a:tc>
-                  <a:txBody>
-                    <a:bodyPr/>
-                    <a:lstStyle/>
-                    <a:p>
-                      <a:endParaRPr lang="de-DE" dirty="0"/>
-                    </a:p>
-                  </a:txBody>
-                  <a:tcPr/>
-                </a:tc>
-              </a:tr>
-              <a:tr h="495165">
-                <a:tc>
-                  <a:txBody>
-                    <a:bodyPr/>
-                    <a:lstStyle/>
-                    <a:p>
-                      <a:endParaRPr lang="de-DE" dirty="0"/>
-                    </a:p>
-                  </a:txBody>
-                  <a:tcPr/>
-                </a:tc>
-                <a:tc>
-                  <a:txBody>
-                    <a:bodyPr/>
-                    <a:lstStyle/>
-                    <a:p>
-                      <a:endParaRPr lang="de-DE"/>
-                    </a:p>
-                  </a:txBody>
-                  <a:tcPr/>
-                </a:tc>
-                <a:tc>
-                  <a:txBody>
-                    <a:bodyPr/>
-                    <a:lstStyle/>
-                    <a:p>
-                      <a:endParaRPr lang="de-DE" dirty="0"/>
-                    </a:p>
-                  </a:txBody>
-                  <a:tcPr/>
-                </a:tc>
-              </a:tr>
-              <a:tr h="495165">
-                <a:tc>
-                  <a:txBody>
-                    <a:bodyPr/>
-                    <a:lstStyle/>
-                    <a:p>
-                      <a:endParaRPr lang="de-DE" dirty="0" smtClean="0"/>
-                    </a:p>
-                  </a:txBody>
-                  <a:tcPr/>
-                </a:tc>
-                <a:tc>
-                  <a:txBody>
-                    <a:bodyPr/>
-                    <a:lstStyle/>
-                    <a:p>
-                      <a:endParaRPr lang="de-DE" dirty="0"/>
-                    </a:p>
-                  </a:txBody>
-                  <a:tcPr/>
-                </a:tc>
-                <a:tc>
-                  <a:txBody>
-                    <a:bodyPr/>
-                    <a:lstStyle/>
-                    <a:p>
-                      <a:endParaRPr lang="de-DE" dirty="0"/>
-                    </a:p>
-                  </a:txBody>
-                  <a:tcPr/>
-                </a:tc>
-              </a:tr>
-            </a:tbl>
-          </a:graphicData>
-        </a:graphic>
-      </p:graphicFrame>
-    </p:spTree>
-    <p:extLst>
-      <p:ext uri="{BB962C8B-B14F-4D97-AF65-F5344CB8AC3E}">
-        <p14:creationId xmlns:p14="http://schemas.microsoft.com/office/powerpoint/2010/main" val="902313776"/>
-      </p:ext>
-    </p:extLst>
-  </p:cSld>
-  <p:clrMapOvr>
-    <a:masterClrMapping/>
-  </p:clrMapOvr>
-  <mc:AlternateContent xmlns:mc="http://schemas.openxmlformats.org/markup-compatibility/2006">
-    <mc:Choice xmlns:p14="http://schemas.microsoft.com/office/powerpoint/2010/main" Requires="p14">
-      <p:transition spd="med" p14:dur="700">
-        <p:fade/>
-      </p:transition>
-    </mc:Choice>
-    <mc:Fallback>
-      <p:transition spd="med">
-        <p:fade/>
-      </p:transition>
-    </mc:Fallback>
-  </mc:AlternateContent>
-  <p:timing>
-    <p:tnLst>
-      <p:par>
-        <p:cTn id="1" dur="indefinite" restart="never" nodeType="tmRoot"/>
-      </p:par>
-    </p:tnLst>
-  </p:timing>
-</p:sld>
-</file>
-
-<file path=ppt/slides/slide8.xml><?xml version="1.0" encoding="utf-8"?>
+<file path=ppt/slides/slide6.xml><?xml version="1.0" encoding="utf-8"?>
 <p:sld xmlns:a="http://schemas.openxmlformats.org/drawingml/2006/main" xmlns:r="http://schemas.openxmlformats.org/officeDocument/2006/relationships" xmlns:p="http://schemas.openxmlformats.org/presentationml/2006/main">
   <p:cSld>
     <p:spTree>
@@ -11520,6 +11057,937 @@
 </p:sld>
 </file>
 
+<file path=ppt/slides/slide7.xml><?xml version="1.0" encoding="utf-8"?>
+<p:sld xmlns:a="http://schemas.openxmlformats.org/drawingml/2006/main" xmlns:r="http://schemas.openxmlformats.org/officeDocument/2006/relationships" xmlns:p="http://schemas.openxmlformats.org/presentationml/2006/main">
+  <p:cSld>
+    <p:spTree>
+      <p:nvGrpSpPr>
+        <p:cNvPr id="1" name=""/>
+        <p:cNvGrpSpPr/>
+        <p:nvPr/>
+      </p:nvGrpSpPr>
+      <p:grpSpPr>
+        <a:xfrm>
+          <a:off x="0" y="0"/>
+          <a:ext cx="0" cy="0"/>
+          <a:chOff x="0" y="0"/>
+          <a:chExt cx="0" cy="0"/>
+        </a:xfrm>
+      </p:grpSpPr>
+      <p:sp>
+        <p:nvSpPr>
+          <p:cNvPr id="2" name="Titel 1"/>
+          <p:cNvSpPr>
+            <a:spLocks noGrp="1"/>
+          </p:cNvSpPr>
+          <p:nvPr>
+            <p:ph type="title"/>
+          </p:nvPr>
+        </p:nvSpPr>
+        <p:spPr/>
+        <p:txBody>
+          <a:bodyPr/>
+          <a:lstStyle/>
+          <a:p>
+            <a:r>
+              <a:rPr lang="de-DE" dirty="0"/>
+              <a:t>Allgemeine Anforderungen </a:t>
+            </a:r>
+          </a:p>
+        </p:txBody>
+      </p:sp>
+      <p:graphicFrame>
+        <p:nvGraphicFramePr>
+          <p:cNvPr id="4" name="Tabelle 3"/>
+          <p:cNvGraphicFramePr>
+            <a:graphicFrameLocks noGrp="1"/>
+          </p:cNvGraphicFramePr>
+          <p:nvPr>
+            <p:extLst>
+              <p:ext uri="{D42A27DB-BD31-4B8C-83A1-F6EECF244321}">
+                <p14:modId xmlns:p14="http://schemas.microsoft.com/office/powerpoint/2010/main" val="3570098072"/>
+              </p:ext>
+            </p:extLst>
+          </p:nvPr>
+        </p:nvGraphicFramePr>
+        <p:xfrm>
+          <a:off x="1197868" y="2132856"/>
+          <a:ext cx="8815470" cy="4320482"/>
+        </p:xfrm>
+        <a:graphic>
+          <a:graphicData uri="http://schemas.openxmlformats.org/drawingml/2006/table">
+            <a:tbl>
+              <a:tblPr firstRow="1" bandRow="1">
+                <a:tableStyleId>{5C22544A-7EE6-4342-B048-85BDC9FD1C3A}</a:tableStyleId>
+              </a:tblPr>
+              <a:tblGrid>
+                <a:gridCol w="2938490">
+                  <a:extLst>
+                    <a:ext uri="{9D8B030D-6E8A-4147-A177-3AD203B41FA5}">
+                      <a16:colId xmlns:a16="http://schemas.microsoft.com/office/drawing/2014/main" val="20000"/>
+                    </a:ext>
+                  </a:extLst>
+                </a:gridCol>
+                <a:gridCol w="2938490">
+                  <a:extLst>
+                    <a:ext uri="{9D8B030D-6E8A-4147-A177-3AD203B41FA5}">
+                      <a16:colId xmlns:a16="http://schemas.microsoft.com/office/drawing/2014/main" val="20001"/>
+                    </a:ext>
+                  </a:extLst>
+                </a:gridCol>
+                <a:gridCol w="2938490">
+                  <a:extLst>
+                    <a:ext uri="{9D8B030D-6E8A-4147-A177-3AD203B41FA5}">
+                      <a16:colId xmlns:a16="http://schemas.microsoft.com/office/drawing/2014/main" val="20002"/>
+                    </a:ext>
+                  </a:extLst>
+                </a:gridCol>
+              </a:tblGrid>
+              <a:tr h="495165">
+                <a:tc>
+                  <a:txBody>
+                    <a:bodyPr/>
+                    <a:lstStyle/>
+                    <a:p>
+                      <a:r>
+                        <a:rPr lang="de-DE" dirty="0"/>
+                        <a:t>Bereich</a:t>
+                      </a:r>
+                    </a:p>
+                  </a:txBody>
+                  <a:tcPr/>
+                </a:tc>
+                <a:tc>
+                  <a:txBody>
+                    <a:bodyPr/>
+                    <a:lstStyle/>
+                    <a:p>
+                      <a:r>
+                        <a:rPr lang="de-DE" dirty="0"/>
+                        <a:t>Model</a:t>
+                      </a:r>
+                    </a:p>
+                  </a:txBody>
+                  <a:tcPr/>
+                </a:tc>
+                <a:tc>
+                  <a:txBody>
+                    <a:bodyPr/>
+                    <a:lstStyle/>
+                    <a:p>
+                      <a:r>
+                        <a:rPr lang="de-DE" dirty="0"/>
+                        <a:t>Preis</a:t>
+                      </a:r>
+                    </a:p>
+                  </a:txBody>
+                  <a:tcPr/>
+                </a:tc>
+                <a:extLst>
+                  <a:ext uri="{0D108BD9-81ED-4DB2-BD59-A6C34878D82A}">
+                    <a16:rowId xmlns:a16="http://schemas.microsoft.com/office/drawing/2014/main" val="10000"/>
+                  </a:ext>
+                </a:extLst>
+              </a:tr>
+              <a:tr h="495165">
+                <a:tc>
+                  <a:txBody>
+                    <a:bodyPr/>
+                    <a:lstStyle/>
+                    <a:p>
+                      <a:r>
+                        <a:rPr lang="de-DE" dirty="0"/>
+                        <a:t>Server</a:t>
+                      </a:r>
+                    </a:p>
+                  </a:txBody>
+                  <a:tcPr/>
+                </a:tc>
+                <a:tc>
+                  <a:txBody>
+                    <a:bodyPr/>
+                    <a:lstStyle/>
+                    <a:p>
+                      <a:r>
+                        <a:rPr lang="de-DE" sz="1799" b="0" i="0" u="none" strike="noStrike" kern="1200" dirty="0">
+                          <a:solidFill>
+                            <a:schemeClr val="dk1"/>
+                          </a:solidFill>
+                          <a:effectLst/>
+                          <a:latin typeface="+mn-lt"/>
+                          <a:ea typeface="+mn-ea"/>
+                          <a:cs typeface="+mn-cs"/>
+                        </a:rPr>
+                        <a:t>HP </a:t>
+                      </a:r>
+                      <a:r>
+                        <a:rPr lang="de-DE" sz="1799" b="0" i="0" u="none" strike="noStrike" kern="1200" dirty="0" err="1">
+                          <a:solidFill>
+                            <a:schemeClr val="dk1"/>
+                          </a:solidFill>
+                          <a:effectLst/>
+                          <a:latin typeface="+mn-lt"/>
+                          <a:ea typeface="+mn-ea"/>
+                          <a:cs typeface="+mn-cs"/>
+                        </a:rPr>
+                        <a:t>ProLiant</a:t>
+                      </a:r>
+                      <a:r>
+                        <a:rPr lang="de-DE" sz="1799" b="0" i="0" u="none" strike="noStrike" kern="1200" dirty="0">
+                          <a:solidFill>
+                            <a:schemeClr val="dk1"/>
+                          </a:solidFill>
+                          <a:effectLst/>
+                          <a:latin typeface="+mn-lt"/>
+                          <a:ea typeface="+mn-ea"/>
+                          <a:cs typeface="+mn-cs"/>
+                        </a:rPr>
+                        <a:t> DL80G92U</a:t>
+                      </a:r>
+                      <a:endParaRPr lang="de-DE" dirty="0"/>
+                    </a:p>
+                  </a:txBody>
+                  <a:tcPr/>
+                </a:tc>
+                <a:tc>
+                  <a:txBody>
+                    <a:bodyPr/>
+                    <a:lstStyle/>
+                    <a:p>
+                      <a:r>
+                        <a:rPr lang="el-GR" sz="1799" dirty="0">
+                          <a:solidFill>
+                            <a:schemeClr val="bg1"/>
+                          </a:solidFill>
+                        </a:rPr>
+                        <a:t>Σ</a:t>
+                      </a:r>
+                      <a:r>
+                        <a:rPr lang="de-DE" sz="1799" dirty="0">
+                          <a:solidFill>
+                            <a:schemeClr val="bg1"/>
+                          </a:solidFill>
+                        </a:rPr>
+                        <a:t> </a:t>
+                      </a:r>
+                      <a:r>
+                        <a:rPr lang="de-DE" dirty="0"/>
+                        <a:t>999,00€</a:t>
+                      </a:r>
+                    </a:p>
+                  </a:txBody>
+                  <a:tcPr/>
+                </a:tc>
+                <a:extLst>
+                  <a:ext uri="{0D108BD9-81ED-4DB2-BD59-A6C34878D82A}">
+                    <a16:rowId xmlns:a16="http://schemas.microsoft.com/office/drawing/2014/main" val="10001"/>
+                  </a:ext>
+                </a:extLst>
+              </a:tr>
+              <a:tr h="495165">
+                <a:tc>
+                  <a:txBody>
+                    <a:bodyPr/>
+                    <a:lstStyle/>
+                    <a:p>
+                      <a:r>
+                        <a:rPr lang="de-DE" dirty="0"/>
+                        <a:t>Programmierung</a:t>
+                      </a:r>
+                    </a:p>
+                  </a:txBody>
+                  <a:tcPr/>
+                </a:tc>
+                <a:tc>
+                  <a:txBody>
+                    <a:bodyPr/>
+                    <a:lstStyle/>
+                    <a:p>
+                      <a:pPr marL="0" marR="0" lvl="0" indent="0" algn="l" defTabSz="914126" rtl="0" eaLnBrk="1" fontAlgn="auto" latinLnBrk="0" hangingPunct="1">
+                        <a:lnSpc>
+                          <a:spcPct val="100000"/>
+                        </a:lnSpc>
+                        <a:spcBef>
+                          <a:spcPts val="0"/>
+                        </a:spcBef>
+                        <a:spcAft>
+                          <a:spcPts val="0"/>
+                        </a:spcAft>
+                        <a:buClrTx/>
+                        <a:buSzTx/>
+                        <a:buFontTx/>
+                        <a:buNone/>
+                        <a:tabLst/>
+                        <a:defRPr/>
+                      </a:pPr>
+                      <a:r>
+                        <a:rPr lang="de-DE" dirty="0"/>
+                        <a:t>Acer </a:t>
+                      </a:r>
+                      <a:r>
+                        <a:rPr lang="de-DE" dirty="0" err="1"/>
+                        <a:t>Extensa</a:t>
+                      </a:r>
+                      <a:r>
+                        <a:rPr lang="de-DE" dirty="0"/>
+                        <a:t> M2710</a:t>
+                      </a:r>
+                    </a:p>
+                  </a:txBody>
+                  <a:tcPr/>
+                </a:tc>
+                <a:tc>
+                  <a:txBody>
+                    <a:bodyPr/>
+                    <a:lstStyle/>
+                    <a:p>
+                      <a:endParaRPr lang="de-DE" dirty="0"/>
+                    </a:p>
+                  </a:txBody>
+                  <a:tcPr/>
+                </a:tc>
+                <a:extLst>
+                  <a:ext uri="{0D108BD9-81ED-4DB2-BD59-A6C34878D82A}">
+                    <a16:rowId xmlns:a16="http://schemas.microsoft.com/office/drawing/2014/main" val="10002"/>
+                  </a:ext>
+                </a:extLst>
+              </a:tr>
+              <a:tr h="495165">
+                <a:tc>
+                  <a:txBody>
+                    <a:bodyPr/>
+                    <a:lstStyle/>
+                    <a:p>
+                      <a:endParaRPr lang="de-DE" dirty="0"/>
+                    </a:p>
+                  </a:txBody>
+                  <a:tcPr/>
+                </a:tc>
+                <a:tc>
+                  <a:txBody>
+                    <a:bodyPr/>
+                    <a:lstStyle/>
+                    <a:p>
+                      <a:endParaRPr lang="de-DE" dirty="0"/>
+                    </a:p>
+                  </a:txBody>
+                  <a:tcPr/>
+                </a:tc>
+                <a:tc>
+                  <a:txBody>
+                    <a:bodyPr/>
+                    <a:lstStyle/>
+                    <a:p>
+                      <a:endParaRPr lang="de-DE" dirty="0"/>
+                    </a:p>
+                  </a:txBody>
+                  <a:tcPr/>
+                </a:tc>
+                <a:extLst>
+                  <a:ext uri="{0D108BD9-81ED-4DB2-BD59-A6C34878D82A}">
+                    <a16:rowId xmlns:a16="http://schemas.microsoft.com/office/drawing/2014/main" val="10003"/>
+                  </a:ext>
+                </a:extLst>
+              </a:tr>
+              <a:tr h="854327">
+                <a:tc>
+                  <a:txBody>
+                    <a:bodyPr/>
+                    <a:lstStyle/>
+                    <a:p>
+                      <a:endParaRPr lang="de-DE" dirty="0"/>
+                    </a:p>
+                  </a:txBody>
+                  <a:tcPr/>
+                </a:tc>
+                <a:tc>
+                  <a:txBody>
+                    <a:bodyPr/>
+                    <a:lstStyle/>
+                    <a:p>
+                      <a:endParaRPr lang="de-DE"/>
+                    </a:p>
+                  </a:txBody>
+                  <a:tcPr/>
+                </a:tc>
+                <a:tc>
+                  <a:txBody>
+                    <a:bodyPr/>
+                    <a:lstStyle/>
+                    <a:p>
+                      <a:endParaRPr lang="de-DE" dirty="0"/>
+                    </a:p>
+                  </a:txBody>
+                  <a:tcPr/>
+                </a:tc>
+                <a:extLst>
+                  <a:ext uri="{0D108BD9-81ED-4DB2-BD59-A6C34878D82A}">
+                    <a16:rowId xmlns:a16="http://schemas.microsoft.com/office/drawing/2014/main" val="10004"/>
+                  </a:ext>
+                </a:extLst>
+              </a:tr>
+              <a:tr h="495165">
+                <a:tc>
+                  <a:txBody>
+                    <a:bodyPr/>
+                    <a:lstStyle/>
+                    <a:p>
+                      <a:endParaRPr lang="de-DE" dirty="0"/>
+                    </a:p>
+                  </a:txBody>
+                  <a:tcPr/>
+                </a:tc>
+                <a:tc>
+                  <a:txBody>
+                    <a:bodyPr/>
+                    <a:lstStyle/>
+                    <a:p>
+                      <a:endParaRPr lang="de-DE"/>
+                    </a:p>
+                  </a:txBody>
+                  <a:tcPr/>
+                </a:tc>
+                <a:tc>
+                  <a:txBody>
+                    <a:bodyPr/>
+                    <a:lstStyle/>
+                    <a:p>
+                      <a:endParaRPr lang="de-DE" dirty="0"/>
+                    </a:p>
+                  </a:txBody>
+                  <a:tcPr/>
+                </a:tc>
+                <a:extLst>
+                  <a:ext uri="{0D108BD9-81ED-4DB2-BD59-A6C34878D82A}">
+                    <a16:rowId xmlns:a16="http://schemas.microsoft.com/office/drawing/2014/main" val="10005"/>
+                  </a:ext>
+                </a:extLst>
+              </a:tr>
+              <a:tr h="495165">
+                <a:tc>
+                  <a:txBody>
+                    <a:bodyPr/>
+                    <a:lstStyle/>
+                    <a:p>
+                      <a:endParaRPr lang="de-DE" dirty="0"/>
+                    </a:p>
+                  </a:txBody>
+                  <a:tcPr/>
+                </a:tc>
+                <a:tc>
+                  <a:txBody>
+                    <a:bodyPr/>
+                    <a:lstStyle/>
+                    <a:p>
+                      <a:endParaRPr lang="de-DE"/>
+                    </a:p>
+                  </a:txBody>
+                  <a:tcPr/>
+                </a:tc>
+                <a:tc>
+                  <a:txBody>
+                    <a:bodyPr/>
+                    <a:lstStyle/>
+                    <a:p>
+                      <a:endParaRPr lang="de-DE" dirty="0"/>
+                    </a:p>
+                  </a:txBody>
+                  <a:tcPr/>
+                </a:tc>
+                <a:extLst>
+                  <a:ext uri="{0D108BD9-81ED-4DB2-BD59-A6C34878D82A}">
+                    <a16:rowId xmlns:a16="http://schemas.microsoft.com/office/drawing/2014/main" val="10006"/>
+                  </a:ext>
+                </a:extLst>
+              </a:tr>
+              <a:tr h="495165">
+                <a:tc>
+                  <a:txBody>
+                    <a:bodyPr/>
+                    <a:lstStyle/>
+                    <a:p>
+                      <a:endParaRPr lang="de-DE" dirty="0"/>
+                    </a:p>
+                  </a:txBody>
+                  <a:tcPr/>
+                </a:tc>
+                <a:tc>
+                  <a:txBody>
+                    <a:bodyPr/>
+                    <a:lstStyle/>
+                    <a:p>
+                      <a:endParaRPr lang="de-DE" dirty="0"/>
+                    </a:p>
+                  </a:txBody>
+                  <a:tcPr/>
+                </a:tc>
+                <a:tc>
+                  <a:txBody>
+                    <a:bodyPr/>
+                    <a:lstStyle/>
+                    <a:p>
+                      <a:endParaRPr lang="de-DE" dirty="0"/>
+                    </a:p>
+                  </a:txBody>
+                  <a:tcPr/>
+                </a:tc>
+                <a:extLst>
+                  <a:ext uri="{0D108BD9-81ED-4DB2-BD59-A6C34878D82A}">
+                    <a16:rowId xmlns:a16="http://schemas.microsoft.com/office/drawing/2014/main" val="10007"/>
+                  </a:ext>
+                </a:extLst>
+              </a:tr>
+            </a:tbl>
+          </a:graphicData>
+        </a:graphic>
+      </p:graphicFrame>
+      <p:sp>
+        <p:nvSpPr>
+          <p:cNvPr id="5" name="Textfeld 4"/>
+          <p:cNvSpPr txBox="1"/>
+          <p:nvPr/>
+        </p:nvSpPr>
+        <p:spPr>
+          <a:xfrm>
+            <a:off x="7102524" y="3140968"/>
+            <a:ext cx="2736304" cy="646203"/>
+          </a:xfrm>
+          <a:prstGeom prst="rect">
+            <a:avLst/>
+          </a:prstGeom>
+          <a:noFill/>
+        </p:spPr>
+        <p:txBody>
+          <a:bodyPr wrap="square" rtlCol="0">
+            <a:spAutoFit/>
+          </a:bodyPr>
+          <a:lstStyle/>
+          <a:p>
+            <a:r>
+              <a:rPr lang="el-GR" sz="1799" dirty="0">
+                <a:solidFill>
+                  <a:schemeClr val="bg1"/>
+                </a:solidFill>
+              </a:rPr>
+              <a:t>Σ</a:t>
+            </a:r>
+            <a:r>
+              <a:rPr lang="de-DE" sz="1799" dirty="0">
+                <a:solidFill>
+                  <a:schemeClr val="bg1"/>
+                </a:solidFill>
+              </a:rPr>
+              <a:t> 2489,94€</a:t>
+            </a:r>
+            <a:endParaRPr lang="de-DE" dirty="0"/>
+          </a:p>
+          <a:p>
+            <a:endParaRPr lang="de-DE" dirty="0"/>
+          </a:p>
+        </p:txBody>
+      </p:sp>
+      <p:sp>
+        <p:nvSpPr>
+          <p:cNvPr id="7" name="Textfeld 6"/>
+          <p:cNvSpPr txBox="1"/>
+          <p:nvPr/>
+        </p:nvSpPr>
+        <p:spPr>
+          <a:xfrm>
+            <a:off x="1224908" y="3602505"/>
+            <a:ext cx="2736304" cy="369332"/>
+          </a:xfrm>
+          <a:prstGeom prst="rect">
+            <a:avLst/>
+          </a:prstGeom>
+          <a:noFill/>
+        </p:spPr>
+        <p:txBody>
+          <a:bodyPr wrap="square" rtlCol="0">
+            <a:spAutoFit/>
+          </a:bodyPr>
+          <a:lstStyle/>
+          <a:p>
+            <a:r>
+              <a:rPr lang="de-DE" dirty="0">
+                <a:solidFill>
+                  <a:schemeClr val="bg1"/>
+                </a:solidFill>
+              </a:rPr>
+              <a:t>Grafik/Design</a:t>
+            </a:r>
+          </a:p>
+        </p:txBody>
+      </p:sp>
+    </p:spTree>
+    <p:extLst>
+      <p:ext uri="{BB962C8B-B14F-4D97-AF65-F5344CB8AC3E}">
+        <p14:creationId xmlns:p14="http://schemas.microsoft.com/office/powerpoint/2010/main" val="3060941486"/>
+      </p:ext>
+    </p:extLst>
+  </p:cSld>
+  <p:clrMapOvr>
+    <a:masterClrMapping/>
+  </p:clrMapOvr>
+  <mc:AlternateContent xmlns:mc="http://schemas.openxmlformats.org/markup-compatibility/2006" xmlns:p14="http://schemas.microsoft.com/office/powerpoint/2010/main">
+    <mc:Choice Requires="p14">
+      <p:transition spd="med" p14:dur="700">
+        <p:fade/>
+      </p:transition>
+    </mc:Choice>
+    <mc:Fallback xmlns="">
+      <p:transition spd="med">
+        <p:fade/>
+      </p:transition>
+    </mc:Fallback>
+  </mc:AlternateContent>
+  <p:timing>
+    <p:tnLst>
+      <p:par>
+        <p:cTn id="1" dur="indefinite" restart="never" nodeType="tmRoot">
+          <p:childTnLst>
+            <p:seq concurrent="1" nextAc="seek">
+              <p:cTn id="2" dur="indefinite" nodeType="mainSeq">
+                <p:childTnLst>
+                  <p:par>
+                    <p:cTn id="3" fill="hold">
+                      <p:stCondLst>
+                        <p:cond delay="indefinite"/>
+                      </p:stCondLst>
+                      <p:childTnLst>
+                        <p:par>
+                          <p:cTn id="4" fill="hold">
+                            <p:stCondLst>
+                              <p:cond delay="0"/>
+                            </p:stCondLst>
+                            <p:childTnLst>
+                              <p:par>
+                                <p:cTn id="5" presetID="2" presetClass="entr" presetSubtype="4" fill="hold" grpId="0" nodeType="clickEffect">
+                                  <p:stCondLst>
+                                    <p:cond delay="0"/>
+                                  </p:stCondLst>
+                                  <p:childTnLst>
+                                    <p:set>
+                                      <p:cBhvr>
+                                        <p:cTn id="6" dur="1" fill="hold">
+                                          <p:stCondLst>
+                                            <p:cond delay="0"/>
+                                          </p:stCondLst>
+                                        </p:cTn>
+                                        <p:tgtEl>
+                                          <p:spTgt spid="5"/>
+                                        </p:tgtEl>
+                                        <p:attrNameLst>
+                                          <p:attrName>style.visibility</p:attrName>
+                                        </p:attrNameLst>
+                                      </p:cBhvr>
+                                      <p:to>
+                                        <p:strVal val="visible"/>
+                                      </p:to>
+                                    </p:set>
+                                    <p:anim calcmode="lin" valueType="num">
+                                      <p:cBhvr additive="base">
+                                        <p:cTn id="7" dur="500" fill="hold"/>
+                                        <p:tgtEl>
+                                          <p:spTgt spid="5"/>
+                                        </p:tgtEl>
+                                        <p:attrNameLst>
+                                          <p:attrName>ppt_x</p:attrName>
+                                        </p:attrNameLst>
+                                      </p:cBhvr>
+                                      <p:tavLst>
+                                        <p:tav tm="0">
+                                          <p:val>
+                                            <p:strVal val="#ppt_x"/>
+                                          </p:val>
+                                        </p:tav>
+                                        <p:tav tm="100000">
+                                          <p:val>
+                                            <p:strVal val="#ppt_x"/>
+                                          </p:val>
+                                        </p:tav>
+                                      </p:tavLst>
+                                    </p:anim>
+                                    <p:anim calcmode="lin" valueType="num">
+                                      <p:cBhvr additive="base">
+                                        <p:cTn id="8" dur="500" fill="hold"/>
+                                        <p:tgtEl>
+                                          <p:spTgt spid="5"/>
+                                        </p:tgtEl>
+                                        <p:attrNameLst>
+                                          <p:attrName>ppt_y</p:attrName>
+                                        </p:attrNameLst>
+                                      </p:cBhvr>
+                                      <p:tavLst>
+                                        <p:tav tm="0">
+                                          <p:val>
+                                            <p:strVal val="1+#ppt_h/2"/>
+                                          </p:val>
+                                        </p:tav>
+                                        <p:tav tm="100000">
+                                          <p:val>
+                                            <p:strVal val="#ppt_y"/>
+                                          </p:val>
+                                        </p:tav>
+                                      </p:tavLst>
+                                    </p:anim>
+                                  </p:childTnLst>
+                                </p:cTn>
+                              </p:par>
+                            </p:childTnLst>
+                          </p:cTn>
+                        </p:par>
+                      </p:childTnLst>
+                    </p:cTn>
+                  </p:par>
+                  <p:par>
+                    <p:cTn id="9" fill="hold">
+                      <p:stCondLst>
+                        <p:cond delay="indefinite"/>
+                      </p:stCondLst>
+                      <p:childTnLst>
+                        <p:par>
+                          <p:cTn id="10" fill="hold">
+                            <p:stCondLst>
+                              <p:cond delay="0"/>
+                            </p:stCondLst>
+                            <p:childTnLst>
+                              <p:par>
+                                <p:cTn id="11" presetID="2" presetClass="entr" presetSubtype="4" fill="hold" grpId="0" nodeType="clickEffect">
+                                  <p:stCondLst>
+                                    <p:cond delay="0"/>
+                                  </p:stCondLst>
+                                  <p:childTnLst>
+                                    <p:set>
+                                      <p:cBhvr>
+                                        <p:cTn id="12" dur="1" fill="hold">
+                                          <p:stCondLst>
+                                            <p:cond delay="0"/>
+                                          </p:stCondLst>
+                                        </p:cTn>
+                                        <p:tgtEl>
+                                          <p:spTgt spid="7"/>
+                                        </p:tgtEl>
+                                        <p:attrNameLst>
+                                          <p:attrName>style.visibility</p:attrName>
+                                        </p:attrNameLst>
+                                      </p:cBhvr>
+                                      <p:to>
+                                        <p:strVal val="visible"/>
+                                      </p:to>
+                                    </p:set>
+                                    <p:anim calcmode="lin" valueType="num">
+                                      <p:cBhvr additive="base">
+                                        <p:cTn id="13" dur="500" fill="hold"/>
+                                        <p:tgtEl>
+                                          <p:spTgt spid="7"/>
+                                        </p:tgtEl>
+                                        <p:attrNameLst>
+                                          <p:attrName>ppt_x</p:attrName>
+                                        </p:attrNameLst>
+                                      </p:cBhvr>
+                                      <p:tavLst>
+                                        <p:tav tm="0">
+                                          <p:val>
+                                            <p:strVal val="#ppt_x"/>
+                                          </p:val>
+                                        </p:tav>
+                                        <p:tav tm="100000">
+                                          <p:val>
+                                            <p:strVal val="#ppt_x"/>
+                                          </p:val>
+                                        </p:tav>
+                                      </p:tavLst>
+                                    </p:anim>
+                                    <p:anim calcmode="lin" valueType="num">
+                                      <p:cBhvr additive="base">
+                                        <p:cTn id="14" dur="500" fill="hold"/>
+                                        <p:tgtEl>
+                                          <p:spTgt spid="7"/>
+                                        </p:tgtEl>
+                                        <p:attrNameLst>
+                                          <p:attrName>ppt_y</p:attrName>
+                                        </p:attrNameLst>
+                                      </p:cBhvr>
+                                      <p:tavLst>
+                                        <p:tav tm="0">
+                                          <p:val>
+                                            <p:strVal val="1+#ppt_h/2"/>
+                                          </p:val>
+                                        </p:tav>
+                                        <p:tav tm="100000">
+                                          <p:val>
+                                            <p:strVal val="#ppt_y"/>
+                                          </p:val>
+                                        </p:tav>
+                                      </p:tavLst>
+                                    </p:anim>
+                                  </p:childTnLst>
+                                </p:cTn>
+                              </p:par>
+                            </p:childTnLst>
+                          </p:cTn>
+                        </p:par>
+                      </p:childTnLst>
+                    </p:cTn>
+                  </p:par>
+                </p:childTnLst>
+              </p:cTn>
+              <p:prevCondLst>
+                <p:cond evt="onPrev" delay="0">
+                  <p:tgtEl>
+                    <p:sldTgt/>
+                  </p:tgtEl>
+                </p:cond>
+              </p:prevCondLst>
+              <p:nextCondLst>
+                <p:cond evt="onNext" delay="0">
+                  <p:tgtEl>
+                    <p:sldTgt/>
+                  </p:tgtEl>
+                </p:cond>
+              </p:nextCondLst>
+            </p:seq>
+          </p:childTnLst>
+        </p:cTn>
+      </p:par>
+    </p:tnLst>
+    <p:bldLst>
+      <p:bldP spid="5" grpId="0"/>
+      <p:bldP spid="7" grpId="0"/>
+    </p:bldLst>
+  </p:timing>
+</p:sld>
+</file>
+
+<file path=ppt/slides/slide8.xml><?xml version="1.0" encoding="utf-8"?>
+<p:sld xmlns:a="http://schemas.openxmlformats.org/drawingml/2006/main" xmlns:r="http://schemas.openxmlformats.org/officeDocument/2006/relationships" xmlns:p="http://schemas.openxmlformats.org/presentationml/2006/main">
+  <p:cSld>
+    <p:spTree>
+      <p:nvGrpSpPr>
+        <p:cNvPr id="1" name=""/>
+        <p:cNvGrpSpPr/>
+        <p:nvPr/>
+      </p:nvGrpSpPr>
+      <p:grpSpPr>
+        <a:xfrm>
+          <a:off x="0" y="0"/>
+          <a:ext cx="0" cy="0"/>
+          <a:chOff x="0" y="0"/>
+          <a:chExt cx="0" cy="0"/>
+        </a:xfrm>
+      </p:grpSpPr>
+      <p:sp>
+        <p:nvSpPr>
+          <p:cNvPr id="2" name="Titel 1"/>
+          <p:cNvSpPr>
+            <a:spLocks noGrp="1"/>
+          </p:cNvSpPr>
+          <p:nvPr>
+            <p:ph type="title"/>
+          </p:nvPr>
+        </p:nvSpPr>
+        <p:spPr/>
+        <p:txBody>
+          <a:bodyPr rtlCol="0"/>
+          <a:lstStyle/>
+          <a:p>
+            <a:pPr rtl="0"/>
+            <a:r>
+              <a:rPr lang="de-DE" dirty="0"/>
+              <a:t>Angebot Grafik/Design</a:t>
+            </a:r>
+            <a:endParaRPr lang="en-US" dirty="0"/>
+          </a:p>
+        </p:txBody>
+      </p:sp>
+      <p:sp>
+        <p:nvSpPr>
+          <p:cNvPr id="3" name="Inhaltsplatzhalter 2"/>
+          <p:cNvSpPr>
+            <a:spLocks noGrp="1"/>
+          </p:cNvSpPr>
+          <p:nvPr>
+            <p:ph sz="half" idx="1"/>
+          </p:nvPr>
+        </p:nvSpPr>
+        <p:spPr>
+          <a:xfrm>
+            <a:off x="680142" y="2336873"/>
+            <a:ext cx="11030893" cy="3599316"/>
+          </a:xfrm>
+        </p:spPr>
+        <p:txBody>
+          <a:bodyPr rtlCol="0"/>
+          <a:lstStyle/>
+          <a:p>
+            <a:pPr rtl="0"/>
+            <a:r>
+              <a:rPr lang="en-US" dirty="0" err="1"/>
+              <a:t>RenderPC</a:t>
+            </a:r>
+            <a:endParaRPr lang="en-US" dirty="0"/>
+          </a:p>
+          <a:p>
+            <a:pPr lvl="1"/>
+            <a:r>
+              <a:rPr lang="de-DE" dirty="0"/>
+              <a:t>Predator G6-710</a:t>
+            </a:r>
+          </a:p>
+          <a:p>
+            <a:pPr lvl="1"/>
+            <a:r>
+              <a:rPr lang="de-DE" dirty="0"/>
+              <a:t>Intel® Core™ i7-6700K </a:t>
+            </a:r>
+          </a:p>
+          <a:p>
+            <a:pPr lvl="1"/>
+            <a:r>
+              <a:rPr lang="de-DE" dirty="0" err="1"/>
+              <a:t>GeForce</a:t>
+            </a:r>
+            <a:r>
+              <a:rPr lang="de-DE" dirty="0"/>
+              <a:t>® GTX 1080 von NVIDIA®</a:t>
+            </a:r>
+          </a:p>
+          <a:p>
+            <a:pPr lvl="1"/>
+            <a:r>
+              <a:rPr lang="de-DE" dirty="0"/>
+              <a:t>Nur Rendern</a:t>
+            </a:r>
+            <a:endParaRPr lang="en-US" dirty="0"/>
+          </a:p>
+        </p:txBody>
+      </p:sp>
+    </p:spTree>
+    <p:extLst>
+      <p:ext uri="{BB962C8B-B14F-4D97-AF65-F5344CB8AC3E}">
+        <p14:creationId xmlns:p14="http://schemas.microsoft.com/office/powerpoint/2010/main" val="4206988261"/>
+      </p:ext>
+    </p:extLst>
+  </p:cSld>
+  <p:clrMapOvr>
+    <a:masterClrMapping/>
+  </p:clrMapOvr>
+  <mc:AlternateContent xmlns:mc="http://schemas.openxmlformats.org/markup-compatibility/2006" xmlns:p14="http://schemas.microsoft.com/office/powerpoint/2010/main">
+    <mc:Choice Requires="p14">
+      <p:transition spd="med" p14:dur="700">
+        <p:fade/>
+      </p:transition>
+    </mc:Choice>
+    <mc:Fallback xmlns="">
+      <p:transition spd="med">
+        <p:fade/>
+      </p:transition>
+    </mc:Fallback>
+  </mc:AlternateContent>
+</p:sld>
+</file>
+
 <file path=ppt/slides/slide9.xml><?xml version="1.0" encoding="utf-8"?>
 <p:sld xmlns:a="http://schemas.openxmlformats.org/drawingml/2006/main" xmlns:r="http://schemas.openxmlformats.org/officeDocument/2006/relationships" xmlns:p="http://schemas.openxmlformats.org/presentationml/2006/main">
   <p:cSld>
@@ -11549,15 +12017,13 @@
         </p:nvSpPr>
         <p:spPr/>
         <p:txBody>
-          <a:bodyPr rtlCol="0"/>
+          <a:bodyPr/>
           <a:lstStyle/>
           <a:p>
-            <a:pPr rtl="0"/>
             <a:r>
               <a:rPr lang="de-DE" dirty="0"/>
               <a:t>Angebot Grafik/Design</a:t>
             </a:r>
-            <a:endParaRPr lang="en-US" dirty="0"/>
           </a:p>
         </p:txBody>
       </p:sp>
@@ -11568,65 +12034,52 @@
             <a:spLocks noGrp="1"/>
           </p:cNvSpPr>
           <p:nvPr>
-            <p:ph sz="half" idx="1"/>
+            <p:ph idx="1"/>
           </p:nvPr>
         </p:nvSpPr>
-        <p:spPr>
-          <a:xfrm>
-            <a:off x="680142" y="2336873"/>
-            <a:ext cx="11030893" cy="3599316"/>
-          </a:xfrm>
-        </p:spPr>
-        <p:txBody>
-          <a:bodyPr rtlCol="0"/>
+        <p:spPr/>
+        <p:txBody>
+          <a:bodyPr/>
           <a:lstStyle/>
           <a:p>
-            <a:pPr rtl="0"/>
-            <a:r>
-              <a:rPr lang="en-US" dirty="0" err="1"/>
-              <a:t>RenderPC</a:t>
-            </a:r>
-            <a:endParaRPr lang="en-US" dirty="0"/>
+            <a:r>
+              <a:rPr lang="de-DE" dirty="0"/>
+              <a:t>Grafik</a:t>
+            </a:r>
+          </a:p>
+          <a:p>
+            <a:r>
+              <a:rPr lang="de-DE" dirty="0"/>
+              <a:t>Acer Aspire GX-781</a:t>
+            </a:r>
           </a:p>
           <a:p>
             <a:pPr lvl="1"/>
             <a:r>
               <a:rPr lang="de-DE" dirty="0"/>
-              <a:t>Predator G6-710</a:t>
+              <a:t>Intel® Core™ i5-7400</a:t>
             </a:r>
           </a:p>
           <a:p>
             <a:pPr lvl="1"/>
             <a:r>
               <a:rPr lang="de-DE" dirty="0"/>
-              <a:t>Intel® Core™ i7-6700K </a:t>
+              <a:t>AMD Radeon RX 480</a:t>
             </a:r>
           </a:p>
           <a:p>
             <a:pPr lvl="1"/>
             <a:r>
-              <a:rPr lang="de-DE" dirty="0" err="1"/>
-              <a:t>GeForce</a:t>
-            </a:r>
-            <a:r>
               <a:rPr lang="de-DE" dirty="0"/>
-              <a:t>® GTX 1080 von NVIDIA®</a:t>
-            </a:r>
-          </a:p>
-          <a:p>
-            <a:pPr lvl="1"/>
-            <a:r>
-              <a:rPr lang="de-DE" dirty="0"/>
-              <a:t>Nur Rendern</a:t>
-            </a:r>
-            <a:endParaRPr lang="en-US" dirty="0"/>
+              <a:t>Core-Gaming PC</a:t>
+            </a:r>
           </a:p>
         </p:txBody>
       </p:sp>
     </p:spTree>
     <p:extLst>
       <p:ext uri="{BB962C8B-B14F-4D97-AF65-F5344CB8AC3E}">
-        <p14:creationId xmlns:p14="http://schemas.microsoft.com/office/powerpoint/2010/main" val="4206988261"/>
+        <p14:creationId xmlns:p14="http://schemas.microsoft.com/office/powerpoint/2010/main" val="2762393912"/>
       </p:ext>
     </p:extLst>
   </p:cSld>
@@ -12548,6 +13001,15 @@
 </file>
 
 <file path=customXml/item2.xml><?xml version="1.0" encoding="utf-8"?>
+<?mso-contentType ?>
+<FormTemplates xmlns="http://schemas.microsoft.com/sharepoint/v3/contenttype/forms">
+  <Display>DocumentLibraryForm</Display>
+  <Edit>AssetEditForm</Edit>
+  <New>DocumentLibraryForm</New>
+</FormTemplates>
+</file>
+
+<file path=customXml/item3.xml><?xml version="1.0" encoding="utf-8"?>
 <ct:contentTypeSchema xmlns:ct="http://schemas.microsoft.com/office/2006/metadata/contentType" xmlns:ma="http://schemas.microsoft.com/office/2006/metadata/properties/metaAttributes" ct:_="" ma:_="" ma:contentTypeName="TemplateFile" ma:contentTypeID="0x0101006EDDDB5EE6D98C44930B742096920B300400F5B6D36B3EF94B4E9A635CDF2A18F5B8" ma:contentTypeVersion="72" ma:contentTypeDescription="Create a new document." ma:contentTypeScope="" ma:versionID="a23e56308344d904b51738559c3d67c9">
   <xsd:schema xmlns:xsd="http://www.w3.org/2001/XMLSchema" xmlns:xs="http://www.w3.org/2001/XMLSchema" xmlns:p="http://schemas.microsoft.com/office/2006/metadata/properties" xmlns:ns2="4873beb7-5857-4685-be1f-d57550cc96cc" targetNamespace="http://schemas.microsoft.com/office/2006/metadata/properties" ma:root="true" ma:fieldsID="cd0908cc4600e77bf5da051303e00c8d" ns2:_="">
     <xsd:import namespace="4873beb7-5857-4685-be1f-d57550cc96cc"/>
@@ -13587,15 +14049,6 @@
 </ct:contentTypeSchema>
 </file>
 
-<file path=customXml/item3.xml><?xml version="1.0" encoding="utf-8"?>
-<?mso-contentType ?>
-<FormTemplates xmlns="http://schemas.microsoft.com/sharepoint/v3/contenttype/forms">
-  <Display>DocumentLibraryForm</Display>
-  <Edit>AssetEditForm</Edit>
-  <New>DocumentLibraryForm</New>
-</FormTemplates>
-</file>
-
 <file path=customXml/itemProps1.xml><?xml version="1.0" encoding="utf-8"?>
 <ds:datastoreItem xmlns:ds="http://schemas.openxmlformats.org/officeDocument/2006/customXml" ds:itemID="{00E41224-0370-4595-877C-23316CD80004}">
   <ds:schemaRefs>
@@ -13613,6 +14066,14 @@
 </file>
 
 <file path=customXml/itemProps2.xml><?xml version="1.0" encoding="utf-8"?>
+<ds:datastoreItem xmlns:ds="http://schemas.openxmlformats.org/officeDocument/2006/customXml" ds:itemID="{74228E6B-D70C-44BB-A81F-A245495F612B}">
+  <ds:schemaRefs>
+    <ds:schemaRef ds:uri="http://schemas.microsoft.com/sharepoint/v3/contenttype/forms"/>
+  </ds:schemaRefs>
+</ds:datastoreItem>
+</file>
+
+<file path=customXml/itemProps3.xml><?xml version="1.0" encoding="utf-8"?>
 <ds:datastoreItem xmlns:ds="http://schemas.openxmlformats.org/officeDocument/2006/customXml" ds:itemID="{22CCB507-0646-4A50-A4F7-7F385079D589}">
   <ds:schemaRefs>
     <ds:schemaRef ds:uri="http://schemas.microsoft.com/office/2006/metadata/contentType"/>
@@ -13628,12 +14089,4 @@
     <ds:schemaRef ds:uri="http://schemas.microsoft.com/internal/obd"/>
   </ds:schemaRefs>
 </ds:datastoreItem>
-</file>
-
-<file path=customXml/itemProps3.xml><?xml version="1.0" encoding="utf-8"?>
-<ds:datastoreItem xmlns:ds="http://schemas.openxmlformats.org/officeDocument/2006/customXml" ds:itemID="{74228E6B-D70C-44BB-A81F-A245495F612B}">
-  <ds:schemaRefs>
-    <ds:schemaRef ds:uri="http://schemas.microsoft.com/sharepoint/v3/contenttype/forms"/>
-  </ds:schemaRefs>
-</ds:datastoreItem>
 </file>
--- a/Angebot für mintBerryCrunchGames GmbH.pptx
+++ b/Angebot für mintBerryCrunchGames GmbH.pptx
@@ -5,10 +5,10 @@
     <p:sldMasterId id="2147483690" r:id="rId4"/>
   </p:sldMasterIdLst>
   <p:notesMasterIdLst>
-    <p:notesMasterId r:id="rId25"/>
+    <p:notesMasterId r:id="rId28"/>
   </p:notesMasterIdLst>
   <p:handoutMasterIdLst>
-    <p:handoutMasterId r:id="rId26"/>
+    <p:handoutMasterId r:id="rId29"/>
   </p:handoutMasterIdLst>
   <p:sldIdLst>
     <p:sldId id="265" r:id="rId5"/>
@@ -16,26 +16,29 @@
     <p:sldId id="320" r:id="rId7"/>
     <p:sldId id="325" r:id="rId8"/>
     <p:sldId id="333" r:id="rId9"/>
-    <p:sldId id="334" r:id="rId10"/>
-    <p:sldId id="335" r:id="rId11"/>
-    <p:sldId id="323" r:id="rId12"/>
-    <p:sldId id="336" r:id="rId13"/>
-    <p:sldId id="337" r:id="rId14"/>
-    <p:sldId id="311" r:id="rId15"/>
-    <p:sldId id="327" r:id="rId16"/>
-    <p:sldId id="313" r:id="rId17"/>
-    <p:sldId id="321" r:id="rId18"/>
-    <p:sldId id="322" r:id="rId19"/>
-    <p:sldId id="328" r:id="rId20"/>
-    <p:sldId id="329" r:id="rId21"/>
-    <p:sldId id="330" r:id="rId22"/>
-    <p:sldId id="331" r:id="rId23"/>
-    <p:sldId id="332" r:id="rId24"/>
+    <p:sldId id="339" r:id="rId10"/>
+    <p:sldId id="340" r:id="rId11"/>
+    <p:sldId id="338" r:id="rId12"/>
+    <p:sldId id="334" r:id="rId13"/>
+    <p:sldId id="335" r:id="rId14"/>
+    <p:sldId id="323" r:id="rId15"/>
+    <p:sldId id="336" r:id="rId16"/>
+    <p:sldId id="337" r:id="rId17"/>
+    <p:sldId id="311" r:id="rId18"/>
+    <p:sldId id="327" r:id="rId19"/>
+    <p:sldId id="313" r:id="rId20"/>
+    <p:sldId id="321" r:id="rId21"/>
+    <p:sldId id="322" r:id="rId22"/>
+    <p:sldId id="328" r:id="rId23"/>
+    <p:sldId id="329" r:id="rId24"/>
+    <p:sldId id="330" r:id="rId25"/>
+    <p:sldId id="331" r:id="rId26"/>
+    <p:sldId id="332" r:id="rId27"/>
   </p:sldIdLst>
   <p:sldSz cx="12188825" cy="6858000"/>
   <p:notesSz cx="6858000" cy="9144000"/>
   <p:custDataLst>
-    <p:tags r:id="rId27"/>
+    <p:tags r:id="rId30"/>
   </p:custDataLst>
   <p:defaultTextStyle>
     <a:defPPr>
@@ -152,10 +155,6 @@
     </p:ext>
   </p:extLst>
 </p:presentation>
-</file>
-
-<file path=ppt/revisionInfo.xml><?xml version="1.0" encoding="utf-8"?>
-<p1510:revInfo xmlns:a="http://schemas.openxmlformats.org/drawingml/2006/main" xmlns:r="http://schemas.openxmlformats.org/officeDocument/2006/relationships" xmlns:p1510="http://schemas.microsoft.com/office/powerpoint/2015/10/main"/>
 </file>
 
 <file path=ppt/handoutMasters/handoutMaster1.xml><?xml version="1.0" encoding="utf-8"?>
@@ -749,7 +748,7 @@
             <a:fld id="{F93199CD-3E1B-4AE6-990F-76F925F5EA9F}" type="slidenum">
               <a:rPr lang="de-DE" smtClean="0"/>
               <a:pPr/>
-              <a:t>18</a:t>
+              <a:t>21</a:t>
             </a:fld>
             <a:endParaRPr lang="de-DE" dirty="0"/>
           </a:p>
@@ -834,7 +833,7 @@
             <a:fld id="{F93199CD-3E1B-4AE6-990F-76F925F5EA9F}" type="slidenum">
               <a:rPr lang="de-DE" smtClean="0"/>
               <a:pPr/>
-              <a:t>20</a:t>
+              <a:t>23</a:t>
             </a:fld>
             <a:endParaRPr lang="de-DE" dirty="0"/>
           </a:p>
@@ -8820,10 +8819,1740 @@
           <a:lstStyle/>
           <a:p>
             <a:r>
-              <a:rPr lang="de-DE" dirty="0" smtClean="0"/>
+              <a:rPr lang="de-DE" dirty="0"/>
+              <a:t>Netzwerk NAS</a:t>
+            </a:r>
+          </a:p>
+        </p:txBody>
+      </p:sp>
+      <p:sp>
+        <p:nvSpPr>
+          <p:cNvPr id="3" name="Inhaltsplatzhalter 2"/>
+          <p:cNvSpPr>
+            <a:spLocks noGrp="1"/>
+          </p:cNvSpPr>
+          <p:nvPr>
+            <p:ph idx="1"/>
+          </p:nvPr>
+        </p:nvSpPr>
+        <p:spPr/>
+        <p:txBody>
+          <a:bodyPr>
+            <a:normAutofit/>
+          </a:bodyPr>
+          <a:lstStyle/>
+          <a:p>
+            <a:r>
+              <a:rPr lang="de-DE" dirty="0"/>
+              <a:t>QNAP TS-431P</a:t>
+            </a:r>
+          </a:p>
+          <a:p>
+            <a:pPr lvl="1"/>
+            <a:r>
+              <a:rPr lang="de-DE" dirty="0"/>
+              <a:t>4x SATA 6Gbps für HDD und SSD (Hot-swap)</a:t>
+            </a:r>
+          </a:p>
+          <a:p>
+            <a:pPr lvl="1"/>
+            <a:r>
+              <a:rPr lang="de-DE" dirty="0"/>
+              <a:t>2xGigabit LAN-Ports</a:t>
+            </a:r>
+          </a:p>
+          <a:p>
+            <a:pPr lvl="1"/>
+            <a:r>
+              <a:rPr lang="de-DE" sz="2000" dirty="0"/>
+              <a:t>DLNA®, sowie </a:t>
+            </a:r>
+            <a:r>
+              <a:rPr lang="de-DE" sz="2000" dirty="0" err="1"/>
+              <a:t>AirPlay</a:t>
+            </a:r>
+            <a:r>
+              <a:rPr lang="de-DE" sz="2000" dirty="0"/>
+              <a:t>®.</a:t>
+            </a:r>
+          </a:p>
+          <a:p>
+            <a:r>
+              <a:rPr lang="de-DE" dirty="0"/>
+              <a:t>Speicher: </a:t>
+            </a:r>
+            <a:r>
+              <a:rPr lang="en-US" dirty="0"/>
+              <a:t>4x WD Red WD40EFRX – 4TB</a:t>
+            </a:r>
+          </a:p>
+          <a:p>
+            <a:pPr lvl="1"/>
+            <a:r>
+              <a:rPr lang="de-DE" dirty="0"/>
+              <a:t>24/7 Betrieb wird unterstützt.</a:t>
+            </a:r>
+          </a:p>
+          <a:p>
+            <a:pPr marL="0" indent="0">
+              <a:buNone/>
+            </a:pPr>
+            <a:br>
+              <a:rPr lang="de-DE" dirty="0"/>
+            </a:br>
+            <a:endParaRPr lang="de-DE" dirty="0"/>
+          </a:p>
+        </p:txBody>
+      </p:sp>
+    </p:spTree>
+    <p:extLst>
+      <p:ext uri="{BB962C8B-B14F-4D97-AF65-F5344CB8AC3E}">
+        <p14:creationId xmlns:p14="http://schemas.microsoft.com/office/powerpoint/2010/main" val="3265944214"/>
+      </p:ext>
+    </p:extLst>
+  </p:cSld>
+  <p:clrMapOvr>
+    <a:masterClrMapping/>
+  </p:clrMapOvr>
+  <mc:AlternateContent xmlns:mc="http://schemas.openxmlformats.org/markup-compatibility/2006" xmlns:p14="http://schemas.microsoft.com/office/powerpoint/2010/main">
+    <mc:Choice Requires="p14">
+      <p:transition spd="med" p14:dur="700">
+        <p:fade/>
+      </p:transition>
+    </mc:Choice>
+    <mc:Fallback xmlns="">
+      <p:transition spd="med">
+        <p:fade/>
+      </p:transition>
+    </mc:Fallback>
+  </mc:AlternateContent>
+</p:sld>
+</file>
+
+<file path=ppt/slides/slide11.xml><?xml version="1.0" encoding="utf-8"?>
+<p:sld xmlns:a="http://schemas.openxmlformats.org/drawingml/2006/main" xmlns:r="http://schemas.openxmlformats.org/officeDocument/2006/relationships" xmlns:p="http://schemas.openxmlformats.org/presentationml/2006/main">
+  <p:cSld>
+    <p:spTree>
+      <p:nvGrpSpPr>
+        <p:cNvPr id="1" name=""/>
+        <p:cNvGrpSpPr/>
+        <p:nvPr/>
+      </p:nvGrpSpPr>
+      <p:grpSpPr>
+        <a:xfrm>
+          <a:off x="0" y="0"/>
+          <a:ext cx="0" cy="0"/>
+          <a:chOff x="0" y="0"/>
+          <a:chExt cx="0" cy="0"/>
+        </a:xfrm>
+      </p:grpSpPr>
+      <p:sp>
+        <p:nvSpPr>
+          <p:cNvPr id="2" name="Titel 1"/>
+          <p:cNvSpPr>
+            <a:spLocks noGrp="1"/>
+          </p:cNvSpPr>
+          <p:nvPr>
+            <p:ph type="title"/>
+          </p:nvPr>
+        </p:nvSpPr>
+        <p:spPr/>
+        <p:txBody>
+          <a:bodyPr/>
+          <a:lstStyle/>
+          <a:p>
+            <a:r>
+              <a:rPr lang="de-DE" dirty="0"/>
+              <a:t>Allgemeine Anforderungen </a:t>
+            </a:r>
+          </a:p>
+        </p:txBody>
+      </p:sp>
+      <p:graphicFrame>
+        <p:nvGraphicFramePr>
+          <p:cNvPr id="4" name="Tabelle 3"/>
+          <p:cNvGraphicFramePr>
+            <a:graphicFrameLocks noGrp="1"/>
+          </p:cNvGraphicFramePr>
+          <p:nvPr>
+            <p:extLst>
+              <p:ext uri="{D42A27DB-BD31-4B8C-83A1-F6EECF244321}">
+                <p14:modId xmlns:p14="http://schemas.microsoft.com/office/powerpoint/2010/main" val="2231414876"/>
+              </p:ext>
+            </p:extLst>
+          </p:nvPr>
+        </p:nvGraphicFramePr>
+        <p:xfrm>
+          <a:off x="1197868" y="2132856"/>
+          <a:ext cx="8815470" cy="4320482"/>
+        </p:xfrm>
+        <a:graphic>
+          <a:graphicData uri="http://schemas.openxmlformats.org/drawingml/2006/table">
+            <a:tbl>
+              <a:tblPr firstRow="1" bandRow="1">
+                <a:tableStyleId>{5C22544A-7EE6-4342-B048-85BDC9FD1C3A}</a:tableStyleId>
+              </a:tblPr>
+              <a:tblGrid>
+                <a:gridCol w="2938490">
+                  <a:extLst>
+                    <a:ext uri="{9D8B030D-6E8A-4147-A177-3AD203B41FA5}">
+                      <a16:colId xmlns:a16="http://schemas.microsoft.com/office/drawing/2014/main" val="20000"/>
+                    </a:ext>
+                  </a:extLst>
+                </a:gridCol>
+                <a:gridCol w="2938490">
+                  <a:extLst>
+                    <a:ext uri="{9D8B030D-6E8A-4147-A177-3AD203B41FA5}">
+                      <a16:colId xmlns:a16="http://schemas.microsoft.com/office/drawing/2014/main" val="20001"/>
+                    </a:ext>
+                  </a:extLst>
+                </a:gridCol>
+                <a:gridCol w="2938490">
+                  <a:extLst>
+                    <a:ext uri="{9D8B030D-6E8A-4147-A177-3AD203B41FA5}">
+                      <a16:colId xmlns:a16="http://schemas.microsoft.com/office/drawing/2014/main" val="20002"/>
+                    </a:ext>
+                  </a:extLst>
+                </a:gridCol>
+              </a:tblGrid>
+              <a:tr h="495165">
+                <a:tc>
+                  <a:txBody>
+                    <a:bodyPr/>
+                    <a:lstStyle/>
+                    <a:p>
+                      <a:r>
+                        <a:rPr lang="de-DE" dirty="0"/>
+                        <a:t>Bereich</a:t>
+                      </a:r>
+                    </a:p>
+                  </a:txBody>
+                  <a:tcPr/>
+                </a:tc>
+                <a:tc>
+                  <a:txBody>
+                    <a:bodyPr/>
+                    <a:lstStyle/>
+                    <a:p>
+                      <a:r>
+                        <a:rPr lang="de-DE" dirty="0"/>
+                        <a:t>Model</a:t>
+                      </a:r>
+                    </a:p>
+                  </a:txBody>
+                  <a:tcPr/>
+                </a:tc>
+                <a:tc>
+                  <a:txBody>
+                    <a:bodyPr/>
+                    <a:lstStyle/>
+                    <a:p>
+                      <a:r>
+                        <a:rPr lang="de-DE" dirty="0"/>
+                        <a:t>Preis</a:t>
+                      </a:r>
+                    </a:p>
+                  </a:txBody>
+                  <a:tcPr/>
+                </a:tc>
+                <a:extLst>
+                  <a:ext uri="{0D108BD9-81ED-4DB2-BD59-A6C34878D82A}">
+                    <a16:rowId xmlns:a16="http://schemas.microsoft.com/office/drawing/2014/main" val="10000"/>
+                  </a:ext>
+                </a:extLst>
+              </a:tr>
+              <a:tr h="495165">
+                <a:tc>
+                  <a:txBody>
+                    <a:bodyPr/>
+                    <a:lstStyle/>
+                    <a:p>
+                      <a:r>
+                        <a:rPr lang="de-DE" dirty="0"/>
+                        <a:t>Netzwerk</a:t>
+                      </a:r>
+                    </a:p>
+                  </a:txBody>
+                  <a:tcPr/>
+                </a:tc>
+                <a:tc>
+                  <a:txBody>
+                    <a:bodyPr/>
+                    <a:lstStyle/>
+                    <a:p>
+                      <a:r>
+                        <a:rPr lang="de-DE" sz="1799" b="0" i="0" u="none" strike="noStrike" kern="1200" dirty="0">
+                          <a:solidFill>
+                            <a:schemeClr val="dk1"/>
+                          </a:solidFill>
+                          <a:effectLst/>
+                          <a:latin typeface="+mn-lt"/>
+                          <a:ea typeface="+mn-ea"/>
+                          <a:cs typeface="+mn-cs"/>
+                        </a:rPr>
+                        <a:t>HP </a:t>
+                      </a:r>
+                      <a:r>
+                        <a:rPr lang="de-DE" sz="1799" b="0" i="0" u="none" strike="noStrike" kern="1200" dirty="0" err="1">
+                          <a:solidFill>
+                            <a:schemeClr val="dk1"/>
+                          </a:solidFill>
+                          <a:effectLst/>
+                          <a:latin typeface="+mn-lt"/>
+                          <a:ea typeface="+mn-ea"/>
+                          <a:cs typeface="+mn-cs"/>
+                        </a:rPr>
+                        <a:t>ProLiant</a:t>
+                      </a:r>
+                      <a:r>
+                        <a:rPr lang="de-DE" sz="1799" b="0" i="0" u="none" strike="noStrike" kern="1200" dirty="0">
+                          <a:solidFill>
+                            <a:schemeClr val="dk1"/>
+                          </a:solidFill>
+                          <a:effectLst/>
+                          <a:latin typeface="+mn-lt"/>
+                          <a:ea typeface="+mn-ea"/>
+                          <a:cs typeface="+mn-cs"/>
+                        </a:rPr>
+                        <a:t> DL80G92U…</a:t>
+                      </a:r>
+                      <a:endParaRPr lang="de-DE" dirty="0"/>
+                    </a:p>
+                  </a:txBody>
+                  <a:tcPr/>
+                </a:tc>
+                <a:tc>
+                  <a:txBody>
+                    <a:bodyPr/>
+                    <a:lstStyle/>
+                    <a:p>
+                      <a:endParaRPr lang="de-DE" dirty="0"/>
+                    </a:p>
+                  </a:txBody>
+                  <a:tcPr/>
+                </a:tc>
+                <a:extLst>
+                  <a:ext uri="{0D108BD9-81ED-4DB2-BD59-A6C34878D82A}">
+                    <a16:rowId xmlns:a16="http://schemas.microsoft.com/office/drawing/2014/main" val="10001"/>
+                  </a:ext>
+                </a:extLst>
+              </a:tr>
+              <a:tr h="495165">
+                <a:tc>
+                  <a:txBody>
+                    <a:bodyPr/>
+                    <a:lstStyle/>
+                    <a:p>
+                      <a:endParaRPr lang="de-DE" dirty="0"/>
+                    </a:p>
+                  </a:txBody>
+                  <a:tcPr/>
+                </a:tc>
+                <a:tc>
+                  <a:txBody>
+                    <a:bodyPr/>
+                    <a:lstStyle/>
+                    <a:p>
+                      <a:endParaRPr lang="de-DE" dirty="0"/>
+                    </a:p>
+                  </a:txBody>
+                  <a:tcPr/>
+                </a:tc>
+                <a:tc>
+                  <a:txBody>
+                    <a:bodyPr/>
+                    <a:lstStyle/>
+                    <a:p>
+                      <a:endParaRPr lang="de-DE"/>
+                    </a:p>
+                  </a:txBody>
+                  <a:tcPr/>
+                </a:tc>
+                <a:extLst>
+                  <a:ext uri="{0D108BD9-81ED-4DB2-BD59-A6C34878D82A}">
+                    <a16:rowId xmlns:a16="http://schemas.microsoft.com/office/drawing/2014/main" val="10002"/>
+                  </a:ext>
+                </a:extLst>
+              </a:tr>
+              <a:tr h="495165">
+                <a:tc>
+                  <a:txBody>
+                    <a:bodyPr/>
+                    <a:lstStyle/>
+                    <a:p>
+                      <a:endParaRPr lang="de-DE" dirty="0"/>
+                    </a:p>
+                  </a:txBody>
+                  <a:tcPr/>
+                </a:tc>
+                <a:tc>
+                  <a:txBody>
+                    <a:bodyPr/>
+                    <a:lstStyle/>
+                    <a:p>
+                      <a:endParaRPr lang="de-DE"/>
+                    </a:p>
+                  </a:txBody>
+                  <a:tcPr/>
+                </a:tc>
+                <a:tc>
+                  <a:txBody>
+                    <a:bodyPr/>
+                    <a:lstStyle/>
+                    <a:p>
+                      <a:endParaRPr lang="de-DE" dirty="0"/>
+                    </a:p>
+                  </a:txBody>
+                  <a:tcPr/>
+                </a:tc>
+                <a:extLst>
+                  <a:ext uri="{0D108BD9-81ED-4DB2-BD59-A6C34878D82A}">
+                    <a16:rowId xmlns:a16="http://schemas.microsoft.com/office/drawing/2014/main" val="10003"/>
+                  </a:ext>
+                </a:extLst>
+              </a:tr>
+              <a:tr h="854327">
+                <a:tc>
+                  <a:txBody>
+                    <a:bodyPr/>
+                    <a:lstStyle/>
+                    <a:p>
+                      <a:endParaRPr lang="de-DE" dirty="0"/>
+                    </a:p>
+                  </a:txBody>
+                  <a:tcPr/>
+                </a:tc>
+                <a:tc>
+                  <a:txBody>
+                    <a:bodyPr/>
+                    <a:lstStyle/>
+                    <a:p>
+                      <a:endParaRPr lang="de-DE"/>
+                    </a:p>
+                  </a:txBody>
+                  <a:tcPr/>
+                </a:tc>
+                <a:tc>
+                  <a:txBody>
+                    <a:bodyPr/>
+                    <a:lstStyle/>
+                    <a:p>
+                      <a:endParaRPr lang="de-DE" dirty="0"/>
+                    </a:p>
+                  </a:txBody>
+                  <a:tcPr/>
+                </a:tc>
+                <a:extLst>
+                  <a:ext uri="{0D108BD9-81ED-4DB2-BD59-A6C34878D82A}">
+                    <a16:rowId xmlns:a16="http://schemas.microsoft.com/office/drawing/2014/main" val="10004"/>
+                  </a:ext>
+                </a:extLst>
+              </a:tr>
+              <a:tr h="495165">
+                <a:tc>
+                  <a:txBody>
+                    <a:bodyPr/>
+                    <a:lstStyle/>
+                    <a:p>
+                      <a:endParaRPr lang="de-DE" dirty="0"/>
+                    </a:p>
+                  </a:txBody>
+                  <a:tcPr/>
+                </a:tc>
+                <a:tc>
+                  <a:txBody>
+                    <a:bodyPr/>
+                    <a:lstStyle/>
+                    <a:p>
+                      <a:endParaRPr lang="de-DE"/>
+                    </a:p>
+                  </a:txBody>
+                  <a:tcPr/>
+                </a:tc>
+                <a:tc>
+                  <a:txBody>
+                    <a:bodyPr/>
+                    <a:lstStyle/>
+                    <a:p>
+                      <a:endParaRPr lang="de-DE" dirty="0"/>
+                    </a:p>
+                  </a:txBody>
+                  <a:tcPr/>
+                </a:tc>
+                <a:extLst>
+                  <a:ext uri="{0D108BD9-81ED-4DB2-BD59-A6C34878D82A}">
+                    <a16:rowId xmlns:a16="http://schemas.microsoft.com/office/drawing/2014/main" val="10005"/>
+                  </a:ext>
+                </a:extLst>
+              </a:tr>
+              <a:tr h="495165">
+                <a:tc>
+                  <a:txBody>
+                    <a:bodyPr/>
+                    <a:lstStyle/>
+                    <a:p>
+                      <a:endParaRPr lang="de-DE" dirty="0"/>
+                    </a:p>
+                  </a:txBody>
+                  <a:tcPr/>
+                </a:tc>
+                <a:tc>
+                  <a:txBody>
+                    <a:bodyPr/>
+                    <a:lstStyle/>
+                    <a:p>
+                      <a:endParaRPr lang="de-DE"/>
+                    </a:p>
+                  </a:txBody>
+                  <a:tcPr/>
+                </a:tc>
+                <a:tc>
+                  <a:txBody>
+                    <a:bodyPr/>
+                    <a:lstStyle/>
+                    <a:p>
+                      <a:endParaRPr lang="de-DE" dirty="0"/>
+                    </a:p>
+                  </a:txBody>
+                  <a:tcPr/>
+                </a:tc>
+                <a:extLst>
+                  <a:ext uri="{0D108BD9-81ED-4DB2-BD59-A6C34878D82A}">
+                    <a16:rowId xmlns:a16="http://schemas.microsoft.com/office/drawing/2014/main" val="10006"/>
+                  </a:ext>
+                </a:extLst>
+              </a:tr>
+              <a:tr h="495165">
+                <a:tc>
+                  <a:txBody>
+                    <a:bodyPr/>
+                    <a:lstStyle/>
+                    <a:p>
+                      <a:endParaRPr lang="de-DE" dirty="0"/>
+                    </a:p>
+                  </a:txBody>
+                  <a:tcPr/>
+                </a:tc>
+                <a:tc>
+                  <a:txBody>
+                    <a:bodyPr/>
+                    <a:lstStyle/>
+                    <a:p>
+                      <a:endParaRPr lang="de-DE" dirty="0"/>
+                    </a:p>
+                  </a:txBody>
+                  <a:tcPr/>
+                </a:tc>
+                <a:tc>
+                  <a:txBody>
+                    <a:bodyPr/>
+                    <a:lstStyle/>
+                    <a:p>
+                      <a:endParaRPr lang="de-DE" dirty="0"/>
+                    </a:p>
+                  </a:txBody>
+                  <a:tcPr/>
+                </a:tc>
+                <a:extLst>
+                  <a:ext uri="{0D108BD9-81ED-4DB2-BD59-A6C34878D82A}">
+                    <a16:rowId xmlns:a16="http://schemas.microsoft.com/office/drawing/2014/main" val="10007"/>
+                  </a:ext>
+                </a:extLst>
+              </a:tr>
+            </a:tbl>
+          </a:graphicData>
+        </a:graphic>
+      </p:graphicFrame>
+      <p:sp>
+        <p:nvSpPr>
+          <p:cNvPr id="3" name="Textfeld 2"/>
+          <p:cNvSpPr txBox="1"/>
+          <p:nvPr/>
+        </p:nvSpPr>
+        <p:spPr>
+          <a:xfrm>
+            <a:off x="7133018" y="2708920"/>
+            <a:ext cx="2880320" cy="369332"/>
+          </a:xfrm>
+          <a:prstGeom prst="rect">
+            <a:avLst/>
+          </a:prstGeom>
+          <a:noFill/>
+        </p:spPr>
+        <p:txBody>
+          <a:bodyPr wrap="square" rtlCol="0">
+            <a:spAutoFit/>
+          </a:bodyPr>
+          <a:lstStyle/>
+          <a:p>
+            <a:r>
+              <a:rPr lang="el-GR" sz="1799" dirty="0">
+                <a:solidFill>
+                  <a:schemeClr val="bg1"/>
+                </a:solidFill>
+              </a:rPr>
+              <a:t>Σ</a:t>
+            </a:r>
+            <a:r>
+              <a:rPr lang="de-DE" sz="1799" dirty="0">
+                <a:solidFill>
+                  <a:schemeClr val="bg1"/>
+                </a:solidFill>
+              </a:rPr>
+              <a:t> </a:t>
+            </a:r>
+            <a:r>
+              <a:rPr lang="de-DE" dirty="0">
+                <a:solidFill>
+                  <a:schemeClr val="bg1"/>
+                </a:solidFill>
+              </a:rPr>
+              <a:t>XXX,YY€</a:t>
+            </a:r>
+          </a:p>
+        </p:txBody>
+      </p:sp>
+      <p:sp>
+        <p:nvSpPr>
+          <p:cNvPr id="5" name="Textfeld 4"/>
+          <p:cNvSpPr txBox="1"/>
+          <p:nvPr/>
+        </p:nvSpPr>
+        <p:spPr>
+          <a:xfrm>
+            <a:off x="1197868" y="3203684"/>
+            <a:ext cx="2880320" cy="369332"/>
+          </a:xfrm>
+          <a:prstGeom prst="rect">
+            <a:avLst/>
+          </a:prstGeom>
+          <a:noFill/>
+        </p:spPr>
+        <p:txBody>
+          <a:bodyPr wrap="square" rtlCol="0">
+            <a:spAutoFit/>
+          </a:bodyPr>
+          <a:lstStyle/>
+          <a:p>
+            <a:r>
+              <a:rPr lang="de-DE" dirty="0">
+                <a:solidFill>
+                  <a:schemeClr val="bg1"/>
+                </a:solidFill>
+              </a:rPr>
+              <a:t>Programmierung</a:t>
+            </a:r>
+          </a:p>
+        </p:txBody>
+      </p:sp>
+    </p:spTree>
+    <p:extLst>
+      <p:ext uri="{BB962C8B-B14F-4D97-AF65-F5344CB8AC3E}">
+        <p14:creationId xmlns:p14="http://schemas.microsoft.com/office/powerpoint/2010/main" val="1070570958"/>
+      </p:ext>
+    </p:extLst>
+  </p:cSld>
+  <p:clrMapOvr>
+    <a:masterClrMapping/>
+  </p:clrMapOvr>
+  <mc:AlternateContent xmlns:mc="http://schemas.openxmlformats.org/markup-compatibility/2006" xmlns:p14="http://schemas.microsoft.com/office/powerpoint/2010/main">
+    <mc:Choice Requires="p14">
+      <p:transition spd="med" p14:dur="700">
+        <p:fade/>
+      </p:transition>
+    </mc:Choice>
+    <mc:Fallback xmlns="">
+      <p:transition spd="med">
+        <p:fade/>
+      </p:transition>
+    </mc:Fallback>
+  </mc:AlternateContent>
+  <p:timing>
+    <p:tnLst>
+      <p:par>
+        <p:cTn id="1" dur="indefinite" restart="never" nodeType="tmRoot">
+          <p:childTnLst>
+            <p:seq concurrent="1" nextAc="seek">
+              <p:cTn id="2" dur="indefinite" nodeType="mainSeq">
+                <p:childTnLst>
+                  <p:par>
+                    <p:cTn id="3" fill="hold">
+                      <p:stCondLst>
+                        <p:cond delay="indefinite"/>
+                      </p:stCondLst>
+                      <p:childTnLst>
+                        <p:par>
+                          <p:cTn id="4" fill="hold">
+                            <p:stCondLst>
+                              <p:cond delay="0"/>
+                            </p:stCondLst>
+                            <p:childTnLst>
+                              <p:par>
+                                <p:cTn id="5" presetID="2" presetClass="entr" presetSubtype="4" fill="hold" grpId="0" nodeType="clickEffect">
+                                  <p:stCondLst>
+                                    <p:cond delay="0"/>
+                                  </p:stCondLst>
+                                  <p:childTnLst>
+                                    <p:set>
+                                      <p:cBhvr>
+                                        <p:cTn id="6" dur="1" fill="hold">
+                                          <p:stCondLst>
+                                            <p:cond delay="0"/>
+                                          </p:stCondLst>
+                                        </p:cTn>
+                                        <p:tgtEl>
+                                          <p:spTgt spid="3"/>
+                                        </p:tgtEl>
+                                        <p:attrNameLst>
+                                          <p:attrName>style.visibility</p:attrName>
+                                        </p:attrNameLst>
+                                      </p:cBhvr>
+                                      <p:to>
+                                        <p:strVal val="visible"/>
+                                      </p:to>
+                                    </p:set>
+                                    <p:anim calcmode="lin" valueType="num">
+                                      <p:cBhvr additive="base">
+                                        <p:cTn id="7" dur="500" fill="hold"/>
+                                        <p:tgtEl>
+                                          <p:spTgt spid="3"/>
+                                        </p:tgtEl>
+                                        <p:attrNameLst>
+                                          <p:attrName>ppt_x</p:attrName>
+                                        </p:attrNameLst>
+                                      </p:cBhvr>
+                                      <p:tavLst>
+                                        <p:tav tm="0">
+                                          <p:val>
+                                            <p:strVal val="#ppt_x"/>
+                                          </p:val>
+                                        </p:tav>
+                                        <p:tav tm="100000">
+                                          <p:val>
+                                            <p:strVal val="#ppt_x"/>
+                                          </p:val>
+                                        </p:tav>
+                                      </p:tavLst>
+                                    </p:anim>
+                                    <p:anim calcmode="lin" valueType="num">
+                                      <p:cBhvr additive="base">
+                                        <p:cTn id="8" dur="500" fill="hold"/>
+                                        <p:tgtEl>
+                                          <p:spTgt spid="3"/>
+                                        </p:tgtEl>
+                                        <p:attrNameLst>
+                                          <p:attrName>ppt_y</p:attrName>
+                                        </p:attrNameLst>
+                                      </p:cBhvr>
+                                      <p:tavLst>
+                                        <p:tav tm="0">
+                                          <p:val>
+                                            <p:strVal val="1+#ppt_h/2"/>
+                                          </p:val>
+                                        </p:tav>
+                                        <p:tav tm="100000">
+                                          <p:val>
+                                            <p:strVal val="#ppt_y"/>
+                                          </p:val>
+                                        </p:tav>
+                                      </p:tavLst>
+                                    </p:anim>
+                                  </p:childTnLst>
+                                </p:cTn>
+                              </p:par>
+                            </p:childTnLst>
+                          </p:cTn>
+                        </p:par>
+                      </p:childTnLst>
+                    </p:cTn>
+                  </p:par>
+                  <p:par>
+                    <p:cTn id="9" fill="hold">
+                      <p:stCondLst>
+                        <p:cond delay="indefinite"/>
+                      </p:stCondLst>
+                      <p:childTnLst>
+                        <p:par>
+                          <p:cTn id="10" fill="hold">
+                            <p:stCondLst>
+                              <p:cond delay="0"/>
+                            </p:stCondLst>
+                            <p:childTnLst>
+                              <p:par>
+                                <p:cTn id="11" presetID="2" presetClass="entr" presetSubtype="4" fill="hold" grpId="0" nodeType="clickEffect">
+                                  <p:stCondLst>
+                                    <p:cond delay="0"/>
+                                  </p:stCondLst>
+                                  <p:childTnLst>
+                                    <p:set>
+                                      <p:cBhvr>
+                                        <p:cTn id="12" dur="1" fill="hold">
+                                          <p:stCondLst>
+                                            <p:cond delay="0"/>
+                                          </p:stCondLst>
+                                        </p:cTn>
+                                        <p:tgtEl>
+                                          <p:spTgt spid="5"/>
+                                        </p:tgtEl>
+                                        <p:attrNameLst>
+                                          <p:attrName>style.visibility</p:attrName>
+                                        </p:attrNameLst>
+                                      </p:cBhvr>
+                                      <p:to>
+                                        <p:strVal val="visible"/>
+                                      </p:to>
+                                    </p:set>
+                                    <p:anim calcmode="lin" valueType="num">
+                                      <p:cBhvr additive="base">
+                                        <p:cTn id="13" dur="500" fill="hold"/>
+                                        <p:tgtEl>
+                                          <p:spTgt spid="5"/>
+                                        </p:tgtEl>
+                                        <p:attrNameLst>
+                                          <p:attrName>ppt_x</p:attrName>
+                                        </p:attrNameLst>
+                                      </p:cBhvr>
+                                      <p:tavLst>
+                                        <p:tav tm="0">
+                                          <p:val>
+                                            <p:strVal val="#ppt_x"/>
+                                          </p:val>
+                                        </p:tav>
+                                        <p:tav tm="100000">
+                                          <p:val>
+                                            <p:strVal val="#ppt_x"/>
+                                          </p:val>
+                                        </p:tav>
+                                      </p:tavLst>
+                                    </p:anim>
+                                    <p:anim calcmode="lin" valueType="num">
+                                      <p:cBhvr additive="base">
+                                        <p:cTn id="14" dur="500" fill="hold"/>
+                                        <p:tgtEl>
+                                          <p:spTgt spid="5"/>
+                                        </p:tgtEl>
+                                        <p:attrNameLst>
+                                          <p:attrName>ppt_y</p:attrName>
+                                        </p:attrNameLst>
+                                      </p:cBhvr>
+                                      <p:tavLst>
+                                        <p:tav tm="0">
+                                          <p:val>
+                                            <p:strVal val="1+#ppt_h/2"/>
+                                          </p:val>
+                                        </p:tav>
+                                        <p:tav tm="100000">
+                                          <p:val>
+                                            <p:strVal val="#ppt_y"/>
+                                          </p:val>
+                                        </p:tav>
+                                      </p:tavLst>
+                                    </p:anim>
+                                  </p:childTnLst>
+                                </p:cTn>
+                              </p:par>
+                            </p:childTnLst>
+                          </p:cTn>
+                        </p:par>
+                      </p:childTnLst>
+                    </p:cTn>
+                  </p:par>
+                </p:childTnLst>
+              </p:cTn>
+              <p:prevCondLst>
+                <p:cond evt="onPrev" delay="0">
+                  <p:tgtEl>
+                    <p:sldTgt/>
+                  </p:tgtEl>
+                </p:cond>
+              </p:prevCondLst>
+              <p:nextCondLst>
+                <p:cond evt="onNext" delay="0">
+                  <p:tgtEl>
+                    <p:sldTgt/>
+                  </p:tgtEl>
+                </p:cond>
+              </p:nextCondLst>
+            </p:seq>
+          </p:childTnLst>
+        </p:cTn>
+      </p:par>
+    </p:tnLst>
+    <p:bldLst>
+      <p:bldP spid="3" grpId="0"/>
+      <p:bldP spid="5" grpId="0"/>
+    </p:bldLst>
+  </p:timing>
+</p:sld>
+</file>
+
+<file path=ppt/slides/slide12.xml><?xml version="1.0" encoding="utf-8"?>
+<p:sld xmlns:a="http://schemas.openxmlformats.org/drawingml/2006/main" xmlns:r="http://schemas.openxmlformats.org/officeDocument/2006/relationships" xmlns:p="http://schemas.openxmlformats.org/presentationml/2006/main">
+  <p:cSld>
+    <p:spTree>
+      <p:nvGrpSpPr>
+        <p:cNvPr id="1" name=""/>
+        <p:cNvGrpSpPr/>
+        <p:nvPr/>
+      </p:nvGrpSpPr>
+      <p:grpSpPr>
+        <a:xfrm>
+          <a:off x="0" y="0"/>
+          <a:ext cx="0" cy="0"/>
+          <a:chOff x="0" y="0"/>
+          <a:chExt cx="0" cy="0"/>
+        </a:xfrm>
+      </p:grpSpPr>
+      <p:sp>
+        <p:nvSpPr>
+          <p:cNvPr id="2" name="Titel 1"/>
+          <p:cNvSpPr>
+            <a:spLocks noGrp="1"/>
+          </p:cNvSpPr>
+          <p:nvPr>
+            <p:ph type="title"/>
+          </p:nvPr>
+        </p:nvSpPr>
+        <p:spPr/>
+        <p:txBody>
+          <a:bodyPr/>
+          <a:lstStyle/>
+          <a:p>
+            <a:r>
+              <a:rPr lang="de-DE" dirty="0"/>
+              <a:t>Netzwerk</a:t>
+            </a:r>
+          </a:p>
+        </p:txBody>
+      </p:sp>
+      <p:graphicFrame>
+        <p:nvGraphicFramePr>
+          <p:cNvPr id="5" name="Tabelle 4"/>
+          <p:cNvGraphicFramePr>
+            <a:graphicFrameLocks noGrp="1"/>
+          </p:cNvGraphicFramePr>
+          <p:nvPr>
+            <p:extLst>
+              <p:ext uri="{D42A27DB-BD31-4B8C-83A1-F6EECF244321}">
+                <p14:modId xmlns:p14="http://schemas.microsoft.com/office/powerpoint/2010/main" val="1360239486"/>
+              </p:ext>
+            </p:extLst>
+          </p:nvPr>
+        </p:nvGraphicFramePr>
+        <p:xfrm>
+          <a:off x="1197868" y="2132856"/>
+          <a:ext cx="8815470" cy="4437823"/>
+        </p:xfrm>
+        <a:graphic>
+          <a:graphicData uri="http://schemas.openxmlformats.org/drawingml/2006/table">
+            <a:tbl>
+              <a:tblPr firstRow="1" bandRow="1">
+                <a:tableStyleId>{5C22544A-7EE6-4342-B048-85BDC9FD1C3A}</a:tableStyleId>
+              </a:tblPr>
+              <a:tblGrid>
+                <a:gridCol w="2938490">
+                  <a:extLst>
+                    <a:ext uri="{9D8B030D-6E8A-4147-A177-3AD203B41FA5}">
+                      <a16:colId xmlns:a16="http://schemas.microsoft.com/office/drawing/2014/main" val="20000"/>
+                    </a:ext>
+                  </a:extLst>
+                </a:gridCol>
+                <a:gridCol w="2938490">
+                  <a:extLst>
+                    <a:ext uri="{9D8B030D-6E8A-4147-A177-3AD203B41FA5}">
+                      <a16:colId xmlns:a16="http://schemas.microsoft.com/office/drawing/2014/main" val="20001"/>
+                    </a:ext>
+                  </a:extLst>
+                </a:gridCol>
+                <a:gridCol w="2938490">
+                  <a:extLst>
+                    <a:ext uri="{9D8B030D-6E8A-4147-A177-3AD203B41FA5}">
+                      <a16:colId xmlns:a16="http://schemas.microsoft.com/office/drawing/2014/main" val="20002"/>
+                    </a:ext>
+                  </a:extLst>
+                </a:gridCol>
+              </a:tblGrid>
+              <a:tr h="495165">
+                <a:tc>
+                  <a:txBody>
+                    <a:bodyPr/>
+                    <a:lstStyle/>
+                    <a:p>
+                      <a:r>
+                        <a:rPr lang="de-DE" dirty="0"/>
+                        <a:t>Typ</a:t>
+                      </a:r>
+                    </a:p>
+                  </a:txBody>
+                  <a:tcPr/>
+                </a:tc>
+                <a:tc>
+                  <a:txBody>
+                    <a:bodyPr/>
+                    <a:lstStyle/>
+                    <a:p>
+                      <a:r>
+                        <a:rPr lang="de-DE" dirty="0"/>
+                        <a:t>Model</a:t>
+                      </a:r>
+                    </a:p>
+                  </a:txBody>
+                  <a:tcPr>
+                    <a:lnB w="12700" cap="flat" cmpd="sng" algn="ctr">
+                      <a:solidFill>
+                        <a:schemeClr val="tx1"/>
+                      </a:solidFill>
+                      <a:prstDash val="solid"/>
+                      <a:round/>
+                      <a:headEnd type="none" w="med" len="med"/>
+                      <a:tailEnd type="none" w="med" len="med"/>
+                    </a:lnB>
+                  </a:tcPr>
+                </a:tc>
+                <a:tc>
+                  <a:txBody>
+                    <a:bodyPr/>
+                    <a:lstStyle/>
+                    <a:p>
+                      <a:r>
+                        <a:rPr lang="de-DE" dirty="0"/>
+                        <a:t>Preis</a:t>
+                      </a:r>
+                    </a:p>
+                  </a:txBody>
+                  <a:tcPr>
+                    <a:lnB w="12700" cap="flat" cmpd="sng" algn="ctr">
+                      <a:solidFill>
+                        <a:schemeClr val="tx1"/>
+                      </a:solidFill>
+                      <a:prstDash val="solid"/>
+                      <a:round/>
+                      <a:headEnd type="none" w="med" len="med"/>
+                      <a:tailEnd type="none" w="med" len="med"/>
+                    </a:lnB>
+                  </a:tcPr>
+                </a:tc>
+                <a:extLst>
+                  <a:ext uri="{0D108BD9-81ED-4DB2-BD59-A6C34878D82A}">
+                    <a16:rowId xmlns:a16="http://schemas.microsoft.com/office/drawing/2014/main" val="10000"/>
+                  </a:ext>
+                </a:extLst>
+              </a:tr>
+              <a:tr h="495165">
+                <a:tc>
+                  <a:txBody>
+                    <a:bodyPr/>
+                    <a:lstStyle/>
+                    <a:p>
+                      <a:pPr marL="0" marR="0" indent="0" algn="l" defTabSz="914126" rtl="0" eaLnBrk="1" fontAlgn="auto" latinLnBrk="0" hangingPunct="1">
+                        <a:lnSpc>
+                          <a:spcPct val="100000"/>
+                        </a:lnSpc>
+                        <a:spcBef>
+                          <a:spcPts val="0"/>
+                        </a:spcBef>
+                        <a:spcAft>
+                          <a:spcPts val="0"/>
+                        </a:spcAft>
+                        <a:buClrTx/>
+                        <a:buSzTx/>
+                        <a:buFontTx/>
+                        <a:buNone/>
+                        <a:tabLst/>
+                        <a:defRPr/>
+                      </a:pPr>
+                      <a:r>
+                        <a:rPr lang="de-DE" sz="1799" b="0" i="0" u="none" strike="noStrike" kern="1200" dirty="0">
+                          <a:solidFill>
+                            <a:schemeClr val="dk1"/>
+                          </a:solidFill>
+                          <a:effectLst/>
+                          <a:latin typeface="+mn-lt"/>
+                          <a:ea typeface="+mn-ea"/>
+                          <a:cs typeface="+mn-cs"/>
+                        </a:rPr>
+                        <a:t>Switch</a:t>
+                      </a:r>
+                      <a:endParaRPr lang="de-DE" b="1" dirty="0">
+                        <a:effectLst/>
+                      </a:endParaRPr>
+                    </a:p>
+                  </a:txBody>
+                  <a:tcPr>
+                    <a:lnR w="12700" cap="flat" cmpd="sng" algn="ctr">
+                      <a:solidFill>
+                        <a:schemeClr val="tx1"/>
+                      </a:solidFill>
+                      <a:prstDash val="solid"/>
+                      <a:round/>
+                      <a:headEnd type="none" w="med" len="med"/>
+                      <a:tailEnd type="none" w="med" len="med"/>
+                    </a:lnR>
+                  </a:tcPr>
+                </a:tc>
+                <a:tc>
+                  <a:txBody>
+                    <a:bodyPr/>
+                    <a:lstStyle/>
+                    <a:p>
+                      <a:pPr marL="0" marR="0" indent="0" algn="l" defTabSz="914126" rtl="0" eaLnBrk="1" fontAlgn="auto" latinLnBrk="0" hangingPunct="1">
+                        <a:lnSpc>
+                          <a:spcPct val="100000"/>
+                        </a:lnSpc>
+                        <a:spcBef>
+                          <a:spcPts val="0"/>
+                        </a:spcBef>
+                        <a:spcAft>
+                          <a:spcPts val="0"/>
+                        </a:spcAft>
+                        <a:buClrTx/>
+                        <a:buSzTx/>
+                        <a:buFontTx/>
+                        <a:buNone/>
+                        <a:tabLst/>
+                        <a:defRPr/>
+                      </a:pPr>
+                      <a:r>
+                        <a:rPr lang="en-US" dirty="0"/>
+                        <a:t>HP Gigabit Switch 1820-24G (J9980A)</a:t>
+                      </a:r>
+                    </a:p>
+                  </a:txBody>
+                  <a:tcPr>
+                    <a:lnL w="12700" cap="flat" cmpd="sng" algn="ctr">
+                      <a:solidFill>
+                        <a:schemeClr val="tx1"/>
+                      </a:solidFill>
+                      <a:prstDash val="solid"/>
+                      <a:round/>
+                      <a:headEnd type="none" w="med" len="med"/>
+                      <a:tailEnd type="none" w="med" len="med"/>
+                    </a:lnL>
+                    <a:lnR w="12700" cap="flat" cmpd="sng" algn="ctr">
+                      <a:solidFill>
+                        <a:schemeClr val="tx1"/>
+                      </a:solidFill>
+                      <a:prstDash val="solid"/>
+                      <a:round/>
+                      <a:headEnd type="none" w="med" len="med"/>
+                      <a:tailEnd type="none" w="med" len="med"/>
+                    </a:lnR>
+                    <a:lnT w="12700" cap="flat" cmpd="sng" algn="ctr">
+                      <a:solidFill>
+                        <a:schemeClr val="tx1"/>
+                      </a:solidFill>
+                      <a:prstDash val="solid"/>
+                      <a:round/>
+                      <a:headEnd type="none" w="med" len="med"/>
+                      <a:tailEnd type="none" w="med" len="med"/>
+                    </a:lnT>
+                    <a:lnB w="12700" cap="flat" cmpd="sng" algn="ctr">
+                      <a:solidFill>
+                        <a:schemeClr val="tx1"/>
+                      </a:solidFill>
+                      <a:prstDash val="solid"/>
+                      <a:round/>
+                      <a:headEnd type="none" w="med" len="med"/>
+                      <a:tailEnd type="none" w="med" len="med"/>
+                    </a:lnB>
+                  </a:tcPr>
+                </a:tc>
+                <a:tc>
+                  <a:txBody>
+                    <a:bodyPr/>
+                    <a:lstStyle/>
+                    <a:p>
+                      <a:endParaRPr lang="de-DE" dirty="0"/>
+                    </a:p>
+                  </a:txBody>
+                  <a:tcPr>
+                    <a:lnL w="12700" cap="flat" cmpd="sng" algn="ctr">
+                      <a:solidFill>
+                        <a:schemeClr val="tx1"/>
+                      </a:solidFill>
+                      <a:prstDash val="solid"/>
+                      <a:round/>
+                      <a:headEnd type="none" w="med" len="med"/>
+                      <a:tailEnd type="none" w="med" len="med"/>
+                    </a:lnL>
+                    <a:lnT w="12700" cap="flat" cmpd="sng" algn="ctr">
+                      <a:solidFill>
+                        <a:schemeClr val="tx1"/>
+                      </a:solidFill>
+                      <a:prstDash val="solid"/>
+                      <a:round/>
+                      <a:headEnd type="none" w="med" len="med"/>
+                      <a:tailEnd type="none" w="med" len="med"/>
+                    </a:lnT>
+                  </a:tcPr>
+                </a:tc>
+                <a:extLst>
+                  <a:ext uri="{0D108BD9-81ED-4DB2-BD59-A6C34878D82A}">
+                    <a16:rowId xmlns:a16="http://schemas.microsoft.com/office/drawing/2014/main" val="10001"/>
+                  </a:ext>
+                </a:extLst>
+              </a:tr>
+              <a:tr h="495165">
+                <a:tc>
+                  <a:txBody>
+                    <a:bodyPr/>
+                    <a:lstStyle/>
+                    <a:p>
+                      <a:r>
+                        <a:rPr lang="de-DE" dirty="0"/>
+                        <a:t>NAS</a:t>
+                      </a:r>
+                    </a:p>
+                  </a:txBody>
+                  <a:tcPr/>
+                </a:tc>
+                <a:tc>
+                  <a:txBody>
+                    <a:bodyPr/>
+                    <a:lstStyle/>
+                    <a:p>
+                      <a:pPr marL="0" marR="0" indent="0" algn="l" defTabSz="914126" rtl="0" eaLnBrk="1" fontAlgn="auto" latinLnBrk="0" hangingPunct="1">
+                        <a:lnSpc>
+                          <a:spcPct val="100000"/>
+                        </a:lnSpc>
+                        <a:spcBef>
+                          <a:spcPts val="0"/>
+                        </a:spcBef>
+                        <a:spcAft>
+                          <a:spcPts val="0"/>
+                        </a:spcAft>
+                        <a:buClrTx/>
+                        <a:buSzTx/>
+                        <a:buFontTx/>
+                        <a:buNone/>
+                        <a:tabLst/>
+                        <a:defRPr/>
+                      </a:pPr>
+                      <a:r>
+                        <a:rPr lang="de-DE" dirty="0"/>
+                        <a:t>QNAP TS-431P</a:t>
+                      </a:r>
+                    </a:p>
+                  </a:txBody>
+                  <a:tcPr>
+                    <a:lnT w="12700" cap="flat" cmpd="sng" algn="ctr">
+                      <a:solidFill>
+                        <a:schemeClr val="tx1"/>
+                      </a:solidFill>
+                      <a:prstDash val="solid"/>
+                      <a:round/>
+                      <a:headEnd type="none" w="med" len="med"/>
+                      <a:tailEnd type="none" w="med" len="med"/>
+                    </a:lnT>
+                  </a:tcPr>
+                </a:tc>
+                <a:tc>
+                  <a:txBody>
+                    <a:bodyPr/>
+                    <a:lstStyle/>
+                    <a:p>
+                      <a:endParaRPr lang="de-DE"/>
+                    </a:p>
+                  </a:txBody>
+                  <a:tcPr/>
+                </a:tc>
+                <a:extLst>
+                  <a:ext uri="{0D108BD9-81ED-4DB2-BD59-A6C34878D82A}">
+                    <a16:rowId xmlns:a16="http://schemas.microsoft.com/office/drawing/2014/main" val="10002"/>
+                  </a:ext>
+                </a:extLst>
+              </a:tr>
+              <a:tr h="495165">
+                <a:tc>
+                  <a:txBody>
+                    <a:bodyPr/>
+                    <a:lstStyle/>
+                    <a:p>
+                      <a:endParaRPr lang="de-DE" dirty="0"/>
+                    </a:p>
+                  </a:txBody>
+                  <a:tcPr/>
+                </a:tc>
+                <a:tc>
+                  <a:txBody>
+                    <a:bodyPr/>
+                    <a:lstStyle/>
+                    <a:p>
+                      <a:endParaRPr lang="de-DE"/>
+                    </a:p>
+                  </a:txBody>
+                  <a:tcPr/>
+                </a:tc>
+                <a:tc>
+                  <a:txBody>
+                    <a:bodyPr/>
+                    <a:lstStyle/>
+                    <a:p>
+                      <a:endParaRPr lang="de-DE"/>
+                    </a:p>
+                  </a:txBody>
+                  <a:tcPr/>
+                </a:tc>
+                <a:extLst>
+                  <a:ext uri="{0D108BD9-81ED-4DB2-BD59-A6C34878D82A}">
+                    <a16:rowId xmlns:a16="http://schemas.microsoft.com/office/drawing/2014/main" val="10003"/>
+                  </a:ext>
+                </a:extLst>
+              </a:tr>
+              <a:tr h="827007">
+                <a:tc>
+                  <a:txBody>
+                    <a:bodyPr/>
+                    <a:lstStyle/>
+                    <a:p>
+                      <a:endParaRPr lang="de-DE" dirty="0"/>
+                    </a:p>
+                  </a:txBody>
+                  <a:tcPr/>
+                </a:tc>
+                <a:tc>
+                  <a:txBody>
+                    <a:bodyPr/>
+                    <a:lstStyle/>
+                    <a:p>
+                      <a:endParaRPr lang="de-DE" dirty="0"/>
+                    </a:p>
+                  </a:txBody>
+                  <a:tcPr/>
+                </a:tc>
+                <a:tc>
+                  <a:txBody>
+                    <a:bodyPr/>
+                    <a:lstStyle/>
+                    <a:p>
+                      <a:endParaRPr lang="de-DE" dirty="0"/>
+                    </a:p>
+                  </a:txBody>
+                  <a:tcPr/>
+                </a:tc>
+                <a:extLst>
+                  <a:ext uri="{0D108BD9-81ED-4DB2-BD59-A6C34878D82A}">
+                    <a16:rowId xmlns:a16="http://schemas.microsoft.com/office/drawing/2014/main" val="10004"/>
+                  </a:ext>
+                </a:extLst>
+              </a:tr>
+              <a:tr h="495165">
+                <a:tc>
+                  <a:txBody>
+                    <a:bodyPr/>
+                    <a:lstStyle/>
+                    <a:p>
+                      <a:endParaRPr lang="de-DE" dirty="0"/>
+                    </a:p>
+                  </a:txBody>
+                  <a:tcPr/>
+                </a:tc>
+                <a:tc>
+                  <a:txBody>
+                    <a:bodyPr/>
+                    <a:lstStyle/>
+                    <a:p>
+                      <a:endParaRPr lang="de-DE" dirty="0"/>
+                    </a:p>
+                  </a:txBody>
+                  <a:tcPr/>
+                </a:tc>
+                <a:tc>
+                  <a:txBody>
+                    <a:bodyPr/>
+                    <a:lstStyle/>
+                    <a:p>
+                      <a:endParaRPr lang="de-DE" dirty="0"/>
+                    </a:p>
+                  </a:txBody>
+                  <a:tcPr/>
+                </a:tc>
+                <a:extLst>
+                  <a:ext uri="{0D108BD9-81ED-4DB2-BD59-A6C34878D82A}">
+                    <a16:rowId xmlns:a16="http://schemas.microsoft.com/office/drawing/2014/main" val="10005"/>
+                  </a:ext>
+                </a:extLst>
+              </a:tr>
+              <a:tr h="495165">
+                <a:tc>
+                  <a:txBody>
+                    <a:bodyPr/>
+                    <a:lstStyle/>
+                    <a:p>
+                      <a:endParaRPr lang="de-DE" dirty="0"/>
+                    </a:p>
+                  </a:txBody>
+                  <a:tcPr/>
+                </a:tc>
+                <a:tc>
+                  <a:txBody>
+                    <a:bodyPr/>
+                    <a:lstStyle/>
+                    <a:p>
+                      <a:endParaRPr lang="de-DE"/>
+                    </a:p>
+                  </a:txBody>
+                  <a:tcPr/>
+                </a:tc>
+                <a:tc>
+                  <a:txBody>
+                    <a:bodyPr/>
+                    <a:lstStyle/>
+                    <a:p>
+                      <a:endParaRPr lang="de-DE" dirty="0"/>
+                    </a:p>
+                  </a:txBody>
+                  <a:tcPr/>
+                </a:tc>
+                <a:extLst>
+                  <a:ext uri="{0D108BD9-81ED-4DB2-BD59-A6C34878D82A}">
+                    <a16:rowId xmlns:a16="http://schemas.microsoft.com/office/drawing/2014/main" val="10006"/>
+                  </a:ext>
+                </a:extLst>
+              </a:tr>
+              <a:tr h="495165">
+                <a:tc>
+                  <a:txBody>
+                    <a:bodyPr/>
+                    <a:lstStyle/>
+                    <a:p>
+                      <a:endParaRPr lang="de-DE" dirty="0"/>
+                    </a:p>
+                  </a:txBody>
+                  <a:tcPr/>
+                </a:tc>
+                <a:tc>
+                  <a:txBody>
+                    <a:bodyPr/>
+                    <a:lstStyle/>
+                    <a:p>
+                      <a:endParaRPr lang="de-DE" dirty="0"/>
+                    </a:p>
+                  </a:txBody>
+                  <a:tcPr/>
+                </a:tc>
+                <a:tc>
+                  <a:txBody>
+                    <a:bodyPr/>
+                    <a:lstStyle/>
+                    <a:p>
+                      <a:endParaRPr lang="de-DE" dirty="0"/>
+                    </a:p>
+                  </a:txBody>
+                  <a:tcPr/>
+                </a:tc>
+                <a:extLst>
+                  <a:ext uri="{0D108BD9-81ED-4DB2-BD59-A6C34878D82A}">
+                    <a16:rowId xmlns:a16="http://schemas.microsoft.com/office/drawing/2014/main" val="10007"/>
+                  </a:ext>
+                </a:extLst>
+              </a:tr>
+            </a:tbl>
+          </a:graphicData>
+        </a:graphic>
+      </p:graphicFrame>
+      <p:sp>
+        <p:nvSpPr>
+          <p:cNvPr id="4" name="Textfeld 3"/>
+          <p:cNvSpPr txBox="1"/>
+          <p:nvPr/>
+        </p:nvSpPr>
+        <p:spPr>
+          <a:xfrm>
+            <a:off x="7102524" y="2780928"/>
+            <a:ext cx="2736304" cy="369332"/>
+          </a:xfrm>
+          <a:prstGeom prst="rect">
+            <a:avLst/>
+          </a:prstGeom>
+          <a:noFill/>
+        </p:spPr>
+        <p:txBody>
+          <a:bodyPr wrap="square" rtlCol="0">
+            <a:spAutoFit/>
+          </a:bodyPr>
+          <a:lstStyle/>
+          <a:p>
+            <a:r>
+              <a:rPr lang="el-GR" sz="1799" dirty="0">
+                <a:solidFill>
+                  <a:schemeClr val="bg1"/>
+                </a:solidFill>
+              </a:rPr>
+              <a:t>Σ</a:t>
+            </a:r>
+            <a:r>
+              <a:rPr lang="de-DE" sz="1799" dirty="0">
+                <a:solidFill>
+                  <a:schemeClr val="bg1"/>
+                </a:solidFill>
+              </a:rPr>
+              <a:t> 145,31€</a:t>
+            </a:r>
+            <a:endParaRPr lang="de-DE" dirty="0"/>
+          </a:p>
+        </p:txBody>
+      </p:sp>
+      <p:sp>
+        <p:nvSpPr>
+          <p:cNvPr id="6" name="Textfeld 5"/>
+          <p:cNvSpPr txBox="1"/>
+          <p:nvPr/>
+        </p:nvSpPr>
+        <p:spPr>
+          <a:xfrm>
+            <a:off x="7102524" y="3316434"/>
+            <a:ext cx="2664296" cy="369332"/>
+          </a:xfrm>
+          <a:prstGeom prst="rect">
+            <a:avLst/>
+          </a:prstGeom>
+          <a:noFill/>
+        </p:spPr>
+        <p:txBody>
+          <a:bodyPr wrap="square" rtlCol="0">
+            <a:spAutoFit/>
+          </a:bodyPr>
+          <a:lstStyle/>
+          <a:p>
+            <a:r>
+              <a:rPr lang="el-GR" sz="1799" dirty="0">
+                <a:solidFill>
+                  <a:schemeClr val="bg1"/>
+                </a:solidFill>
+              </a:rPr>
+              <a:t>Σ</a:t>
+            </a:r>
+            <a:r>
+              <a:rPr lang="de-DE" sz="1799" dirty="0">
+                <a:solidFill>
+                  <a:schemeClr val="bg1"/>
+                </a:solidFill>
+              </a:rPr>
+              <a:t> 854,79€</a:t>
+            </a:r>
+            <a:endParaRPr lang="de-DE" dirty="0"/>
+          </a:p>
+        </p:txBody>
+      </p:sp>
+      <p:sp>
+        <p:nvSpPr>
+          <p:cNvPr id="7" name="Textfeld 6"/>
+          <p:cNvSpPr txBox="1"/>
+          <p:nvPr/>
+        </p:nvSpPr>
+        <p:spPr>
+          <a:xfrm>
+            <a:off x="1269876" y="3789040"/>
+            <a:ext cx="2808312" cy="369332"/>
+          </a:xfrm>
+          <a:prstGeom prst="rect">
+            <a:avLst/>
+          </a:prstGeom>
+          <a:noFill/>
+        </p:spPr>
+        <p:txBody>
+          <a:bodyPr wrap="square" rtlCol="0">
+            <a:spAutoFit/>
+          </a:bodyPr>
+          <a:lstStyle/>
+          <a:p>
+            <a:r>
+              <a:rPr lang="de-DE" dirty="0">
+                <a:solidFill>
+                  <a:schemeClr val="bg1"/>
+                </a:solidFill>
+              </a:rPr>
+              <a:t>Serverschrank</a:t>
+            </a:r>
+          </a:p>
+        </p:txBody>
+      </p:sp>
+    </p:spTree>
+    <p:extLst>
+      <p:ext uri="{BB962C8B-B14F-4D97-AF65-F5344CB8AC3E}">
+        <p14:creationId xmlns:p14="http://schemas.microsoft.com/office/powerpoint/2010/main" val="4042295956"/>
+      </p:ext>
+    </p:extLst>
+  </p:cSld>
+  <p:clrMapOvr>
+    <a:masterClrMapping/>
+  </p:clrMapOvr>
+  <mc:AlternateContent xmlns:mc="http://schemas.openxmlformats.org/markup-compatibility/2006" xmlns:p14="http://schemas.microsoft.com/office/powerpoint/2010/main">
+    <mc:Choice Requires="p14">
+      <p:transition spd="med" p14:dur="700">
+        <p:fade/>
+      </p:transition>
+    </mc:Choice>
+    <mc:Fallback xmlns="">
+      <p:transition spd="med">
+        <p:fade/>
+      </p:transition>
+    </mc:Fallback>
+  </mc:AlternateContent>
+  <p:timing>
+    <p:tnLst>
+      <p:par>
+        <p:cTn id="1" dur="indefinite" restart="never" nodeType="tmRoot">
+          <p:childTnLst>
+            <p:seq concurrent="1" nextAc="seek">
+              <p:cTn id="2" dur="indefinite" nodeType="mainSeq">
+                <p:childTnLst>
+                  <p:par>
+                    <p:cTn id="3" fill="hold">
+                      <p:stCondLst>
+                        <p:cond delay="indefinite"/>
+                      </p:stCondLst>
+                      <p:childTnLst>
+                        <p:par>
+                          <p:cTn id="4" fill="hold">
+                            <p:stCondLst>
+                              <p:cond delay="0"/>
+                            </p:stCondLst>
+                            <p:childTnLst>
+                              <p:par>
+                                <p:cTn id="5" presetID="2" presetClass="entr" presetSubtype="4" fill="hold" grpId="0" nodeType="clickEffect">
+                                  <p:stCondLst>
+                                    <p:cond delay="0"/>
+                                  </p:stCondLst>
+                                  <p:childTnLst>
+                                    <p:set>
+                                      <p:cBhvr>
+                                        <p:cTn id="6" dur="1" fill="hold">
+                                          <p:stCondLst>
+                                            <p:cond delay="0"/>
+                                          </p:stCondLst>
+                                        </p:cTn>
+                                        <p:tgtEl>
+                                          <p:spTgt spid="6"/>
+                                        </p:tgtEl>
+                                        <p:attrNameLst>
+                                          <p:attrName>style.visibility</p:attrName>
+                                        </p:attrNameLst>
+                                      </p:cBhvr>
+                                      <p:to>
+                                        <p:strVal val="visible"/>
+                                      </p:to>
+                                    </p:set>
+                                    <p:anim calcmode="lin" valueType="num">
+                                      <p:cBhvr additive="base">
+                                        <p:cTn id="7" dur="500" fill="hold"/>
+                                        <p:tgtEl>
+                                          <p:spTgt spid="6"/>
+                                        </p:tgtEl>
+                                        <p:attrNameLst>
+                                          <p:attrName>ppt_x</p:attrName>
+                                        </p:attrNameLst>
+                                      </p:cBhvr>
+                                      <p:tavLst>
+                                        <p:tav tm="0">
+                                          <p:val>
+                                            <p:strVal val="#ppt_x"/>
+                                          </p:val>
+                                        </p:tav>
+                                        <p:tav tm="100000">
+                                          <p:val>
+                                            <p:strVal val="#ppt_x"/>
+                                          </p:val>
+                                        </p:tav>
+                                      </p:tavLst>
+                                    </p:anim>
+                                    <p:anim calcmode="lin" valueType="num">
+                                      <p:cBhvr additive="base">
+                                        <p:cTn id="8" dur="500" fill="hold"/>
+                                        <p:tgtEl>
+                                          <p:spTgt spid="6"/>
+                                        </p:tgtEl>
+                                        <p:attrNameLst>
+                                          <p:attrName>ppt_y</p:attrName>
+                                        </p:attrNameLst>
+                                      </p:cBhvr>
+                                      <p:tavLst>
+                                        <p:tav tm="0">
+                                          <p:val>
+                                            <p:strVal val="1+#ppt_h/2"/>
+                                          </p:val>
+                                        </p:tav>
+                                        <p:tav tm="100000">
+                                          <p:val>
+                                            <p:strVal val="#ppt_y"/>
+                                          </p:val>
+                                        </p:tav>
+                                      </p:tavLst>
+                                    </p:anim>
+                                  </p:childTnLst>
+                                </p:cTn>
+                              </p:par>
+                            </p:childTnLst>
+                          </p:cTn>
+                        </p:par>
+                      </p:childTnLst>
+                    </p:cTn>
+                  </p:par>
+                </p:childTnLst>
+              </p:cTn>
+              <p:prevCondLst>
+                <p:cond evt="onPrev" delay="0">
+                  <p:tgtEl>
+                    <p:sldTgt/>
+                  </p:tgtEl>
+                </p:cond>
+              </p:prevCondLst>
+              <p:nextCondLst>
+                <p:cond evt="onNext" delay="0">
+                  <p:tgtEl>
+                    <p:sldTgt/>
+                  </p:tgtEl>
+                </p:cond>
+              </p:nextCondLst>
+            </p:seq>
+          </p:childTnLst>
+        </p:cTn>
+      </p:par>
+    </p:tnLst>
+    <p:bldLst>
+      <p:bldP spid="6" grpId="0"/>
+    </p:bldLst>
+  </p:timing>
+</p:sld>
+</file>
+
+<file path=ppt/slides/slide13.xml><?xml version="1.0" encoding="utf-8"?>
+<p:sld xmlns:a="http://schemas.openxmlformats.org/drawingml/2006/main" xmlns:r="http://schemas.openxmlformats.org/officeDocument/2006/relationships" xmlns:p="http://schemas.openxmlformats.org/presentationml/2006/main">
+  <p:cSld>
+    <p:spTree>
+      <p:nvGrpSpPr>
+        <p:cNvPr id="1" name=""/>
+        <p:cNvGrpSpPr/>
+        <p:nvPr/>
+      </p:nvGrpSpPr>
+      <p:grpSpPr>
+        <a:xfrm>
+          <a:off x="0" y="0"/>
+          <a:ext cx="0" cy="0"/>
+          <a:chOff x="0" y="0"/>
+          <a:chExt cx="0" cy="0"/>
+        </a:xfrm>
+      </p:grpSpPr>
+      <p:sp>
+        <p:nvSpPr>
+          <p:cNvPr id="2" name="Titel 1"/>
+          <p:cNvSpPr>
+            <a:spLocks noGrp="1"/>
+          </p:cNvSpPr>
+          <p:nvPr>
+            <p:ph type="title"/>
+          </p:nvPr>
+        </p:nvSpPr>
+        <p:spPr/>
+        <p:txBody>
+          <a:bodyPr/>
+          <a:lstStyle/>
+          <a:p>
+            <a:r>
+              <a:rPr lang="de-DE" dirty="0"/>
               <a:t>Netzwerk Server</a:t>
             </a:r>
-            <a:endParaRPr lang="de-DE" dirty="0"/>
           </a:p>
         </p:txBody>
       </p:sp>
@@ -8856,29 +10585,22 @@
   <p:clrMapOvr>
     <a:masterClrMapping/>
   </p:clrMapOvr>
-  <mc:AlternateContent xmlns:mc="http://schemas.openxmlformats.org/markup-compatibility/2006">
-    <mc:Choice xmlns:p14="http://schemas.microsoft.com/office/powerpoint/2010/main" Requires="p14">
+  <mc:AlternateContent xmlns:mc="http://schemas.openxmlformats.org/markup-compatibility/2006" xmlns:p14="http://schemas.microsoft.com/office/powerpoint/2010/main">
+    <mc:Choice Requires="p14">
       <p:transition spd="med" p14:dur="700">
         <p:fade/>
       </p:transition>
     </mc:Choice>
-    <mc:Fallback>
+    <mc:Fallback xmlns="">
       <p:transition spd="med">
         <p:fade/>
       </p:transition>
     </mc:Fallback>
   </mc:AlternateContent>
-  <p:timing>
-    <p:tnLst>
-      <p:par>
-        <p:cTn id="1" dur="indefinite" restart="never" nodeType="tmRoot"/>
-      </p:par>
-    </p:tnLst>
-  </p:timing>
 </p:sld>
 </file>
 
-<file path=ppt/slides/slide11.xml><?xml version="1.0" encoding="utf-8"?>
+<file path=ppt/slides/slide14.xml><?xml version="1.0" encoding="utf-8"?>
 <p:sld xmlns:a="http://schemas.openxmlformats.org/drawingml/2006/main" xmlns:r="http://schemas.openxmlformats.org/officeDocument/2006/relationships" xmlns:p="http://schemas.openxmlformats.org/presentationml/2006/main">
   <p:cSld>
     <p:spTree>
@@ -9448,7 +11170,7 @@
 </p:sld>
 </file>
 
-<file path=ppt/slides/slide12.xml><?xml version="1.0" encoding="utf-8"?>
+<file path=ppt/slides/slide15.xml><?xml version="1.0" encoding="utf-8"?>
 <p:sld xmlns:a="http://schemas.openxmlformats.org/drawingml/2006/main" xmlns:r="http://schemas.openxmlformats.org/officeDocument/2006/relationships" xmlns:p="http://schemas.openxmlformats.org/presentationml/2006/main">
   <p:cSld>
     <p:spTree>
@@ -9515,21 +11237,21 @@
                 <a:gridCol w="2938490">
                   <a:extLst>
                     <a:ext uri="{9D8B030D-6E8A-4147-A177-3AD203B41FA5}">
-                      <a16:colId xmlns="" xmlns:a16="http://schemas.microsoft.com/office/drawing/2014/main" val="20000"/>
+                      <a16:colId xmlns:a16="http://schemas.microsoft.com/office/drawing/2014/main" val="20000"/>
                     </a:ext>
                   </a:extLst>
                 </a:gridCol>
                 <a:gridCol w="2938490">
                   <a:extLst>
                     <a:ext uri="{9D8B030D-6E8A-4147-A177-3AD203B41FA5}">
-                      <a16:colId xmlns="" xmlns:a16="http://schemas.microsoft.com/office/drawing/2014/main" val="20001"/>
+                      <a16:colId xmlns:a16="http://schemas.microsoft.com/office/drawing/2014/main" val="20001"/>
                     </a:ext>
                   </a:extLst>
                 </a:gridCol>
                 <a:gridCol w="2938490">
                   <a:extLst>
                     <a:ext uri="{9D8B030D-6E8A-4147-A177-3AD203B41FA5}">
-                      <a16:colId xmlns="" xmlns:a16="http://schemas.microsoft.com/office/drawing/2014/main" val="20002"/>
+                      <a16:colId xmlns:a16="http://schemas.microsoft.com/office/drawing/2014/main" val="20002"/>
                     </a:ext>
                   </a:extLst>
                 </a:gridCol>
@@ -9576,7 +11298,7 @@
                 </a:tc>
                 <a:extLst>
                   <a:ext uri="{0D108BD9-81ED-4DB2-BD59-A6C34878D82A}">
-                    <a16:rowId xmlns="" xmlns:a16="http://schemas.microsoft.com/office/drawing/2014/main" val="10000"/>
+                    <a16:rowId xmlns:a16="http://schemas.microsoft.com/office/drawing/2014/main" val="10000"/>
                   </a:ext>
                 </a:extLst>
               </a:tr>
@@ -9587,10 +11309,9 @@
                     <a:lstStyle/>
                     <a:p>
                       <a:r>
-                        <a:rPr lang="de-DE" dirty="0" smtClean="0"/>
+                        <a:rPr lang="de-DE" dirty="0"/>
                         <a:t>Netzwerk</a:t>
                       </a:r>
-                      <a:endParaRPr lang="de-DE" dirty="0"/>
                     </a:p>
                   </a:txBody>
                   <a:tcPr/>
@@ -9672,7 +11393,7 @@
                 </a:tc>
                 <a:extLst>
                   <a:ext uri="{0D108BD9-81ED-4DB2-BD59-A6C34878D82A}">
-                    <a16:rowId xmlns="" xmlns:a16="http://schemas.microsoft.com/office/drawing/2014/main" val="10001"/>
+                    <a16:rowId xmlns:a16="http://schemas.microsoft.com/office/drawing/2014/main" val="10001"/>
                   </a:ext>
                 </a:extLst>
               </a:tr>
@@ -9740,7 +11461,7 @@
                 </a:tc>
                 <a:extLst>
                   <a:ext uri="{0D108BD9-81ED-4DB2-BD59-A6C34878D82A}">
-                    <a16:rowId xmlns="" xmlns:a16="http://schemas.microsoft.com/office/drawing/2014/main" val="10002"/>
+                    <a16:rowId xmlns:a16="http://schemas.microsoft.com/office/drawing/2014/main" val="10002"/>
                   </a:ext>
                 </a:extLst>
               </a:tr>
@@ -9777,7 +11498,7 @@
                 </a:tc>
                 <a:extLst>
                   <a:ext uri="{0D108BD9-81ED-4DB2-BD59-A6C34878D82A}">
-                    <a16:rowId xmlns="" xmlns:a16="http://schemas.microsoft.com/office/drawing/2014/main" val="10003"/>
+                    <a16:rowId xmlns:a16="http://schemas.microsoft.com/office/drawing/2014/main" val="10003"/>
                   </a:ext>
                 </a:extLst>
               </a:tr>
@@ -9814,7 +11535,7 @@
                 </a:tc>
                 <a:extLst>
                   <a:ext uri="{0D108BD9-81ED-4DB2-BD59-A6C34878D82A}">
-                    <a16:rowId xmlns="" xmlns:a16="http://schemas.microsoft.com/office/drawing/2014/main" val="10004"/>
+                    <a16:rowId xmlns:a16="http://schemas.microsoft.com/office/drawing/2014/main" val="10004"/>
                   </a:ext>
                 </a:extLst>
               </a:tr>
@@ -9851,7 +11572,7 @@
                 </a:tc>
                 <a:extLst>
                   <a:ext uri="{0D108BD9-81ED-4DB2-BD59-A6C34878D82A}">
-                    <a16:rowId xmlns="" xmlns:a16="http://schemas.microsoft.com/office/drawing/2014/main" val="10005"/>
+                    <a16:rowId xmlns:a16="http://schemas.microsoft.com/office/drawing/2014/main" val="10005"/>
                   </a:ext>
                 </a:extLst>
               </a:tr>
@@ -9888,7 +11609,7 @@
                 </a:tc>
                 <a:extLst>
                   <a:ext uri="{0D108BD9-81ED-4DB2-BD59-A6C34878D82A}">
-                    <a16:rowId xmlns="" xmlns:a16="http://schemas.microsoft.com/office/drawing/2014/main" val="10006"/>
+                    <a16:rowId xmlns:a16="http://schemas.microsoft.com/office/drawing/2014/main" val="10006"/>
                   </a:ext>
                 </a:extLst>
               </a:tr>
@@ -9925,7 +11646,7 @@
                 </a:tc>
                 <a:extLst>
                   <a:ext uri="{0D108BD9-81ED-4DB2-BD59-A6C34878D82A}">
-                    <a16:rowId xmlns="" xmlns:a16="http://schemas.microsoft.com/office/drawing/2014/main" val="10007"/>
+                    <a16:rowId xmlns:a16="http://schemas.microsoft.com/office/drawing/2014/main" val="10007"/>
                   </a:ext>
                 </a:extLst>
               </a:tr>
@@ -10252,7 +11973,7 @@
 </p:sld>
 </file>
 
-<file path=ppt/slides/slide13.xml><?xml version="1.0" encoding="utf-8"?>
+<file path=ppt/slides/slide16.xml><?xml version="1.0" encoding="utf-8"?>
 <p:sld xmlns:a="http://schemas.openxmlformats.org/drawingml/2006/main" xmlns:r="http://schemas.openxmlformats.org/officeDocument/2006/relationships" xmlns:p="http://schemas.openxmlformats.org/presentationml/2006/main">
   <p:cSld>
     <p:spTree>
@@ -10377,17 +12098,10 @@
       </p:transition>
     </mc:Fallback>
   </mc:AlternateContent>
-  <p:timing>
-    <p:tnLst>
-      <p:par>
-        <p:cTn id="1" dur="indefinite" restart="never" nodeType="tmRoot"/>
-      </p:par>
-    </p:tnLst>
-  </p:timing>
 </p:sld>
 </file>
 
-<file path=ppt/slides/slide14.xml><?xml version="1.0" encoding="utf-8"?>
+<file path=ppt/slides/slide17.xml><?xml version="1.0" encoding="utf-8"?>
 <p:sld xmlns:a="http://schemas.openxmlformats.org/drawingml/2006/main" xmlns:r="http://schemas.openxmlformats.org/officeDocument/2006/relationships" xmlns:p="http://schemas.openxmlformats.org/presentationml/2006/main">
   <p:cSld>
     <p:spTree>
@@ -10497,17 +12211,10 @@
       </p:transition>
     </mc:Fallback>
   </mc:AlternateContent>
-  <p:timing>
-    <p:tnLst>
-      <p:par>
-        <p:cTn id="1" dur="indefinite" restart="never" nodeType="tmRoot"/>
-      </p:par>
-    </p:tnLst>
-  </p:timing>
 </p:sld>
 </file>
 
-<file path=ppt/slides/slide15.xml><?xml version="1.0" encoding="utf-8"?>
+<file path=ppt/slides/slide18.xml><?xml version="1.0" encoding="utf-8"?>
 <p:sld xmlns:a="http://schemas.openxmlformats.org/drawingml/2006/main" xmlns:r="http://schemas.openxmlformats.org/officeDocument/2006/relationships" xmlns:p="http://schemas.openxmlformats.org/presentationml/2006/main">
   <p:cSld>
     <p:spTree>
@@ -10607,17 +12314,10 @@
       </p:transition>
     </mc:Fallback>
   </mc:AlternateContent>
-  <p:timing>
-    <p:tnLst>
-      <p:par>
-        <p:cTn id="1" dur="indefinite" restart="never" nodeType="tmRoot"/>
-      </p:par>
-    </p:tnLst>
-  </p:timing>
 </p:sld>
 </file>
 
-<file path=ppt/slides/slide16.xml><?xml version="1.0" encoding="utf-8"?>
+<file path=ppt/slides/slide19.xml><?xml version="1.0" encoding="utf-8"?>
 <p:sld xmlns:a="http://schemas.openxmlformats.org/drawingml/2006/main" xmlns:r="http://schemas.openxmlformats.org/officeDocument/2006/relationships" xmlns:p="http://schemas.openxmlformats.org/presentationml/2006/main">
   <p:cSld>
     <p:spTree>
@@ -10684,21 +12384,21 @@
                 <a:gridCol w="2938490">
                   <a:extLst>
                     <a:ext uri="{9D8B030D-6E8A-4147-A177-3AD203B41FA5}">
-                      <a16:colId xmlns="" xmlns:a16="http://schemas.microsoft.com/office/drawing/2014/main" val="20000"/>
+                      <a16:colId xmlns:a16="http://schemas.microsoft.com/office/drawing/2014/main" val="20000"/>
                     </a:ext>
                   </a:extLst>
                 </a:gridCol>
                 <a:gridCol w="2938490">
                   <a:extLst>
                     <a:ext uri="{9D8B030D-6E8A-4147-A177-3AD203B41FA5}">
-                      <a16:colId xmlns="" xmlns:a16="http://schemas.microsoft.com/office/drawing/2014/main" val="20001"/>
+                      <a16:colId xmlns:a16="http://schemas.microsoft.com/office/drawing/2014/main" val="20001"/>
                     </a:ext>
                   </a:extLst>
                 </a:gridCol>
                 <a:gridCol w="2938490">
                   <a:extLst>
                     <a:ext uri="{9D8B030D-6E8A-4147-A177-3AD203B41FA5}">
-                      <a16:colId xmlns="" xmlns:a16="http://schemas.microsoft.com/office/drawing/2014/main" val="20002"/>
+                      <a16:colId xmlns:a16="http://schemas.microsoft.com/office/drawing/2014/main" val="20002"/>
                     </a:ext>
                   </a:extLst>
                 </a:gridCol>
@@ -10745,7 +12445,7 @@
                 </a:tc>
                 <a:extLst>
                   <a:ext uri="{0D108BD9-81ED-4DB2-BD59-A6C34878D82A}">
-                    <a16:rowId xmlns="" xmlns:a16="http://schemas.microsoft.com/office/drawing/2014/main" val="10000"/>
+                    <a16:rowId xmlns:a16="http://schemas.microsoft.com/office/drawing/2014/main" val="10000"/>
                   </a:ext>
                 </a:extLst>
               </a:tr>
@@ -10756,10 +12456,9 @@
                     <a:lstStyle/>
                     <a:p>
                       <a:r>
-                        <a:rPr lang="de-DE" dirty="0" smtClean="0"/>
+                        <a:rPr lang="de-DE" dirty="0"/>
                         <a:t>Netzwerk</a:t>
                       </a:r>
-                      <a:endParaRPr lang="de-DE" dirty="0"/>
                     </a:p>
                   </a:txBody>
                   <a:tcPr/>
@@ -10803,19 +12502,7 @@
                           <a:ea typeface="+mn-ea"/>
                           <a:cs typeface="+mn-cs"/>
                         </a:rPr>
-                        <a:t> </a:t>
-                      </a:r>
-                      <a:r>
-                        <a:rPr lang="de-DE" sz="1799" b="0" i="0" u="none" strike="noStrike" kern="1200" dirty="0" smtClean="0">
-                          <a:solidFill>
-                            <a:schemeClr val="dk1"/>
-                          </a:solidFill>
-                          <a:effectLst/>
-                          <a:latin typeface="+mn-lt"/>
-                          <a:ea typeface="+mn-ea"/>
-                          <a:cs typeface="+mn-cs"/>
-                        </a:rPr>
-                        <a:t>DL80G92U…</a:t>
+                        <a:t> DL80G92U…</a:t>
                       </a:r>
                       <a:endParaRPr lang="de-DE" dirty="0"/>
                     </a:p>
@@ -10853,7 +12540,7 @@
                 </a:tc>
                 <a:extLst>
                   <a:ext uri="{0D108BD9-81ED-4DB2-BD59-A6C34878D82A}">
-                    <a16:rowId xmlns="" xmlns:a16="http://schemas.microsoft.com/office/drawing/2014/main" val="10001"/>
+                    <a16:rowId xmlns:a16="http://schemas.microsoft.com/office/drawing/2014/main" val="10001"/>
                   </a:ext>
                 </a:extLst>
               </a:tr>
@@ -10903,13 +12590,8 @@
                       </a:r>
                       <a:r>
                         <a:rPr lang="de-DE" dirty="0"/>
-                        <a:t> </a:t>
+                        <a:t> M2710…</a:t>
                       </a:r>
-                      <a:r>
-                        <a:rPr lang="de-DE" dirty="0" smtClean="0"/>
-                        <a:t>M2710…</a:t>
-                      </a:r>
-                      <a:endParaRPr lang="de-DE" dirty="0"/>
                     </a:p>
                   </a:txBody>
                   <a:tcPr/>
@@ -10926,7 +12608,7 @@
                 </a:tc>
                 <a:extLst>
                   <a:ext uri="{0D108BD9-81ED-4DB2-BD59-A6C34878D82A}">
-                    <a16:rowId xmlns="" xmlns:a16="http://schemas.microsoft.com/office/drawing/2014/main" val="10002"/>
+                    <a16:rowId xmlns:a16="http://schemas.microsoft.com/office/drawing/2014/main" val="10002"/>
                   </a:ext>
                 </a:extLst>
               </a:tr>
@@ -10963,7 +12645,7 @@
                 </a:tc>
                 <a:extLst>
                   <a:ext uri="{0D108BD9-81ED-4DB2-BD59-A6C34878D82A}">
-                    <a16:rowId xmlns="" xmlns:a16="http://schemas.microsoft.com/office/drawing/2014/main" val="10003"/>
+                    <a16:rowId xmlns:a16="http://schemas.microsoft.com/office/drawing/2014/main" val="10003"/>
                   </a:ext>
                 </a:extLst>
               </a:tr>
@@ -11000,7 +12682,7 @@
                 </a:tc>
                 <a:extLst>
                   <a:ext uri="{0D108BD9-81ED-4DB2-BD59-A6C34878D82A}">
-                    <a16:rowId xmlns="" xmlns:a16="http://schemas.microsoft.com/office/drawing/2014/main" val="10004"/>
+                    <a16:rowId xmlns:a16="http://schemas.microsoft.com/office/drawing/2014/main" val="10004"/>
                   </a:ext>
                 </a:extLst>
               </a:tr>
@@ -11037,7 +12719,7 @@
                 </a:tc>
                 <a:extLst>
                   <a:ext uri="{0D108BD9-81ED-4DB2-BD59-A6C34878D82A}">
-                    <a16:rowId xmlns="" xmlns:a16="http://schemas.microsoft.com/office/drawing/2014/main" val="10005"/>
+                    <a16:rowId xmlns:a16="http://schemas.microsoft.com/office/drawing/2014/main" val="10005"/>
                   </a:ext>
                 </a:extLst>
               </a:tr>
@@ -11074,7 +12756,7 @@
                 </a:tc>
                 <a:extLst>
                   <a:ext uri="{0D108BD9-81ED-4DB2-BD59-A6C34878D82A}">
-                    <a16:rowId xmlns="" xmlns:a16="http://schemas.microsoft.com/office/drawing/2014/main" val="10006"/>
+                    <a16:rowId xmlns:a16="http://schemas.microsoft.com/office/drawing/2014/main" val="10006"/>
                   </a:ext>
                 </a:extLst>
               </a:tr>
@@ -11111,7 +12793,7 @@
                 </a:tc>
                 <a:extLst>
                   <a:ext uri="{0D108BD9-81ED-4DB2-BD59-A6C34878D82A}">
-                    <a16:rowId xmlns="" xmlns:a16="http://schemas.microsoft.com/office/drawing/2014/main" val="10007"/>
+                    <a16:rowId xmlns:a16="http://schemas.microsoft.com/office/drawing/2014/main" val="10007"/>
                   </a:ext>
                 </a:extLst>
               </a:tr>
@@ -11234,21 +12916,8 @@
                   <a:schemeClr val="bg1"/>
                 </a:solidFill>
               </a:rPr>
-              <a:t> </a:t>
-            </a:r>
-            <a:r>
-              <a:rPr lang="de-DE" dirty="0" smtClean="0">
-                <a:solidFill>
-                  <a:schemeClr val="bg1"/>
-                </a:solidFill>
-              </a:rPr>
-              <a:t>G6-710…</a:t>
-            </a:r>
-            <a:endParaRPr lang="de-DE" dirty="0">
-              <a:solidFill>
-                <a:schemeClr val="bg1"/>
-              </a:solidFill>
-            </a:endParaRPr>
+              <a:t> G6-710…</a:t>
+            </a:r>
           </a:p>
           <a:p>
             <a:endParaRPr lang="de-DE" dirty="0">
@@ -11295,15 +12964,7 @@
                   <a:schemeClr val="bg1"/>
                 </a:solidFill>
               </a:rPr>
-              <a:t> </a:t>
-            </a:r>
-            <a:r>
-              <a:rPr lang="de-DE" sz="1799" dirty="0" smtClean="0">
-                <a:solidFill>
-                  <a:schemeClr val="bg1"/>
-                </a:solidFill>
-              </a:rPr>
-              <a:t>7454,96€</a:t>
+              <a:t> 7454,96€</a:t>
             </a:r>
             <a:endParaRPr lang="de-DE" dirty="0"/>
           </a:p>
@@ -11335,18 +12996,13 @@
           <a:lstStyle/>
           <a:p>
             <a:r>
-              <a:rPr lang="de-DE" dirty="0" smtClean="0">
+              <a:rPr lang="de-DE" dirty="0">
                 <a:solidFill>
                   <a:schemeClr val="bg1"/>
                 </a:solidFill>
               </a:rPr>
               <a:t>Musik/Aufnahme</a:t>
             </a:r>
-            <a:endParaRPr lang="de-DE" dirty="0">
-              <a:solidFill>
-                <a:schemeClr val="bg1"/>
-              </a:solidFill>
-            </a:endParaRPr>
           </a:p>
         </p:txBody>
       </p:sp>
@@ -11591,7 +13247,7 @@
 </p:sld>
 </file>
 
-<file path=ppt/slides/slide17.xml><?xml version="1.0" encoding="utf-8"?>
+<file path=ppt/slides/slide2.xml><?xml version="1.0" encoding="utf-8"?>
 <p:sld xmlns:a="http://schemas.openxmlformats.org/drawingml/2006/main" xmlns:r="http://schemas.openxmlformats.org/officeDocument/2006/relationships" xmlns:p="http://schemas.openxmlformats.org/presentationml/2006/main">
   <p:cSld>
     <p:spTree>
@@ -11610,6 +13266,112 @@
       </p:grpSpPr>
       <p:sp>
         <p:nvSpPr>
+          <p:cNvPr id="13" name="Titel 12"/>
+          <p:cNvSpPr>
+            <a:spLocks noGrp="1"/>
+          </p:cNvSpPr>
+          <p:nvPr>
+            <p:ph type="title"/>
+          </p:nvPr>
+        </p:nvSpPr>
+        <p:spPr/>
+        <p:txBody>
+          <a:bodyPr rtlCol="0"/>
+          <a:lstStyle/>
+          <a:p>
+            <a:pPr rtl="0"/>
+            <a:r>
+              <a:rPr lang="de-DE" dirty="0"/>
+              <a:t>Gliederung </a:t>
+            </a:r>
+            <a:endParaRPr lang="en-US" dirty="0"/>
+          </a:p>
+        </p:txBody>
+      </p:sp>
+      <p:sp>
+        <p:nvSpPr>
+          <p:cNvPr id="14" name="Inhaltsplatzhalter 13"/>
+          <p:cNvSpPr>
+            <a:spLocks noGrp="1"/>
+          </p:cNvSpPr>
+          <p:nvPr>
+            <p:ph idx="1"/>
+          </p:nvPr>
+        </p:nvSpPr>
+        <p:spPr/>
+        <p:txBody>
+          <a:bodyPr rtlCol="0"/>
+          <a:lstStyle/>
+          <a:p>
+            <a:pPr rtl="0"/>
+            <a:r>
+              <a:rPr lang="de-DE" dirty="0"/>
+              <a:t>Allgemeine Anforderungen </a:t>
+            </a:r>
+            <a:endParaRPr lang="de" dirty="0"/>
+          </a:p>
+          <a:p>
+            <a:pPr rtl="0"/>
+            <a:r>
+              <a:rPr lang="de-DE" dirty="0"/>
+              <a:t>Angebote</a:t>
+            </a:r>
+            <a:endParaRPr lang="de" dirty="0"/>
+          </a:p>
+          <a:p>
+            <a:pPr rtl="0"/>
+            <a:r>
+              <a:rPr lang="de-DE" dirty="0"/>
+              <a:t>Kalkulationen</a:t>
+            </a:r>
+            <a:endParaRPr lang="en-US" dirty="0"/>
+          </a:p>
+        </p:txBody>
+      </p:sp>
+    </p:spTree>
+    <p:extLst>
+      <p:ext uri="{BB962C8B-B14F-4D97-AF65-F5344CB8AC3E}">
+        <p14:creationId xmlns:p14="http://schemas.microsoft.com/office/powerpoint/2010/main" val="2139132589"/>
+      </p:ext>
+    </p:extLst>
+  </p:cSld>
+  <p:clrMapOvr>
+    <a:masterClrMapping/>
+  </p:clrMapOvr>
+  <mc:AlternateContent xmlns:mc="http://schemas.openxmlformats.org/markup-compatibility/2006" xmlns:p14="http://schemas.microsoft.com/office/powerpoint/2010/main">
+    <mc:Choice Requires="p14">
+      <p:transition spd="med" p14:dur="700">
+        <p:fade/>
+      </p:transition>
+    </mc:Choice>
+    <mc:Fallback xmlns="">
+      <p:transition spd="med">
+        <p:fade/>
+      </p:transition>
+    </mc:Fallback>
+  </mc:AlternateContent>
+</p:sld>
+</file>
+
+<file path=ppt/slides/slide20.xml><?xml version="1.0" encoding="utf-8"?>
+<p:sld xmlns:a="http://schemas.openxmlformats.org/drawingml/2006/main" xmlns:r="http://schemas.openxmlformats.org/officeDocument/2006/relationships" xmlns:p="http://schemas.openxmlformats.org/presentationml/2006/main">
+  <p:cSld>
+    <p:spTree>
+      <p:nvGrpSpPr>
+        <p:cNvPr id="1" name=""/>
+        <p:cNvGrpSpPr/>
+        <p:nvPr/>
+      </p:nvGrpSpPr>
+      <p:grpSpPr>
+        <a:xfrm>
+          <a:off x="0" y="0"/>
+          <a:ext cx="0" cy="0"/>
+          <a:chOff x="0" y="0"/>
+          <a:chExt cx="0" cy="0"/>
+        </a:xfrm>
+      </p:grpSpPr>
+      <p:sp>
+        <p:nvSpPr>
           <p:cNvPr id="2" name="Titel 1"/>
           <p:cNvSpPr>
             <a:spLocks noGrp="1"/>
@@ -11624,10 +13386,9 @@
           <a:lstStyle/>
           <a:p>
             <a:r>
-              <a:rPr lang="de-DE" dirty="0" smtClean="0"/>
+              <a:rPr lang="de-DE" dirty="0"/>
               <a:t>Angebot Musik/Aufnahme </a:t>
             </a:r>
-            <a:endParaRPr lang="de-DE" dirty="0"/>
           </a:p>
         </p:txBody>
       </p:sp>
@@ -11656,13 +13417,8 @@
             </a:r>
             <a:r>
               <a:rPr lang="de-DE" dirty="0"/>
-              <a:t> </a:t>
-            </a:r>
-            <a:r>
-              <a:rPr lang="de-DE" dirty="0" smtClean="0"/>
-              <a:t>M2710</a:t>
-            </a:r>
-            <a:endParaRPr lang="de-DE" dirty="0"/>
+              <a:t> M2710</a:t>
+            </a:r>
           </a:p>
         </p:txBody>
       </p:sp>
@@ -11676,29 +13432,22 @@
   <p:clrMapOvr>
     <a:masterClrMapping/>
   </p:clrMapOvr>
-  <mc:AlternateContent xmlns:mc="http://schemas.openxmlformats.org/markup-compatibility/2006">
-    <mc:Choice xmlns:p14="http://schemas.microsoft.com/office/powerpoint/2010/main" Requires="p14">
+  <mc:AlternateContent xmlns:mc="http://schemas.openxmlformats.org/markup-compatibility/2006" xmlns:p14="http://schemas.microsoft.com/office/powerpoint/2010/main">
+    <mc:Choice Requires="p14">
       <p:transition spd="med" p14:dur="700">
         <p:fade/>
       </p:transition>
     </mc:Choice>
-    <mc:Fallback>
+    <mc:Fallback xmlns="">
       <p:transition spd="med">
         <p:fade/>
       </p:transition>
     </mc:Fallback>
   </mc:AlternateContent>
-  <p:timing>
-    <p:tnLst>
-      <p:par>
-        <p:cTn id="1" dur="indefinite" restart="never" nodeType="tmRoot"/>
-      </p:par>
-    </p:tnLst>
-  </p:timing>
 </p:sld>
 </file>
 
-<file path=ppt/slides/slide18.xml><?xml version="1.0" encoding="utf-8"?>
+<file path=ppt/slides/slide21.xml><?xml version="1.0" encoding="utf-8"?>
 <p:sld xmlns:a="http://schemas.openxmlformats.org/drawingml/2006/main" xmlns:r="http://schemas.openxmlformats.org/officeDocument/2006/relationships" xmlns:p="http://schemas.openxmlformats.org/presentationml/2006/main">
   <p:cSld>
     <p:spTree>
@@ -11765,21 +13514,21 @@
                 <a:gridCol w="2938490">
                   <a:extLst>
                     <a:ext uri="{9D8B030D-6E8A-4147-A177-3AD203B41FA5}">
-                      <a16:colId xmlns="" xmlns:a16="http://schemas.microsoft.com/office/drawing/2014/main" val="20000"/>
+                      <a16:colId xmlns:a16="http://schemas.microsoft.com/office/drawing/2014/main" val="20000"/>
                     </a:ext>
                   </a:extLst>
                 </a:gridCol>
                 <a:gridCol w="2938490">
                   <a:extLst>
                     <a:ext uri="{9D8B030D-6E8A-4147-A177-3AD203B41FA5}">
-                      <a16:colId xmlns="" xmlns:a16="http://schemas.microsoft.com/office/drawing/2014/main" val="20001"/>
+                      <a16:colId xmlns:a16="http://schemas.microsoft.com/office/drawing/2014/main" val="20001"/>
                     </a:ext>
                   </a:extLst>
                 </a:gridCol>
                 <a:gridCol w="2938490">
                   <a:extLst>
                     <a:ext uri="{9D8B030D-6E8A-4147-A177-3AD203B41FA5}">
-                      <a16:colId xmlns="" xmlns:a16="http://schemas.microsoft.com/office/drawing/2014/main" val="20002"/>
+                      <a16:colId xmlns:a16="http://schemas.microsoft.com/office/drawing/2014/main" val="20002"/>
                     </a:ext>
                   </a:extLst>
                 </a:gridCol>
@@ -11826,7 +13575,7 @@
                 </a:tc>
                 <a:extLst>
                   <a:ext uri="{0D108BD9-81ED-4DB2-BD59-A6C34878D82A}">
-                    <a16:rowId xmlns="" xmlns:a16="http://schemas.microsoft.com/office/drawing/2014/main" val="10000"/>
+                    <a16:rowId xmlns:a16="http://schemas.microsoft.com/office/drawing/2014/main" val="10000"/>
                   </a:ext>
                 </a:extLst>
               </a:tr>
@@ -11837,10 +13586,9 @@
                     <a:lstStyle/>
                     <a:p>
                       <a:r>
-                        <a:rPr lang="de-DE" dirty="0" smtClean="0"/>
+                        <a:rPr lang="de-DE" dirty="0"/>
                         <a:t>Netzwerk</a:t>
                       </a:r>
-                      <a:endParaRPr lang="de-DE" dirty="0"/>
                     </a:p>
                   </a:txBody>
                   <a:tcPr/>
@@ -11884,19 +13632,7 @@
                           <a:ea typeface="+mn-ea"/>
                           <a:cs typeface="+mn-cs"/>
                         </a:rPr>
-                        <a:t> </a:t>
-                      </a:r>
-                      <a:r>
-                        <a:rPr lang="de-DE" sz="1799" b="0" i="0" u="none" strike="noStrike" kern="1200" dirty="0" smtClean="0">
-                          <a:solidFill>
-                            <a:schemeClr val="dk1"/>
-                          </a:solidFill>
-                          <a:effectLst/>
-                          <a:latin typeface="+mn-lt"/>
-                          <a:ea typeface="+mn-ea"/>
-                          <a:cs typeface="+mn-cs"/>
-                        </a:rPr>
-                        <a:t>DL80G92U…</a:t>
+                        <a:t> DL80G92U…</a:t>
                       </a:r>
                       <a:endParaRPr lang="de-DE" dirty="0"/>
                     </a:p>
@@ -11934,7 +13670,7 @@
                 </a:tc>
                 <a:extLst>
                   <a:ext uri="{0D108BD9-81ED-4DB2-BD59-A6C34878D82A}">
-                    <a16:rowId xmlns="" xmlns:a16="http://schemas.microsoft.com/office/drawing/2014/main" val="10001"/>
+                    <a16:rowId xmlns:a16="http://schemas.microsoft.com/office/drawing/2014/main" val="10001"/>
                   </a:ext>
                 </a:extLst>
               </a:tr>
@@ -11984,13 +13720,8 @@
                       </a:r>
                       <a:r>
                         <a:rPr lang="de-DE" dirty="0"/>
-                        <a:t> </a:t>
+                        <a:t> M2710…</a:t>
                       </a:r>
-                      <a:r>
-                        <a:rPr lang="de-DE" dirty="0" smtClean="0"/>
-                        <a:t>M2710…</a:t>
-                      </a:r>
-                      <a:endParaRPr lang="de-DE" dirty="0"/>
                     </a:p>
                   </a:txBody>
                   <a:tcPr/>
@@ -12007,7 +13738,7 @@
                 </a:tc>
                 <a:extLst>
                   <a:ext uri="{0D108BD9-81ED-4DB2-BD59-A6C34878D82A}">
-                    <a16:rowId xmlns="" xmlns:a16="http://schemas.microsoft.com/office/drawing/2014/main" val="10002"/>
+                    <a16:rowId xmlns:a16="http://schemas.microsoft.com/office/drawing/2014/main" val="10002"/>
                   </a:ext>
                 </a:extLst>
               </a:tr>
@@ -12044,7 +13775,7 @@
                 </a:tc>
                 <a:extLst>
                   <a:ext uri="{0D108BD9-81ED-4DB2-BD59-A6C34878D82A}">
-                    <a16:rowId xmlns="" xmlns:a16="http://schemas.microsoft.com/office/drawing/2014/main" val="10003"/>
+                    <a16:rowId xmlns:a16="http://schemas.microsoft.com/office/drawing/2014/main" val="10003"/>
                   </a:ext>
                 </a:extLst>
               </a:tr>
@@ -12082,15 +13813,15 @@
                         <a:defRPr/>
                       </a:pPr>
                       <a:r>
-                        <a:rPr lang="de-DE" dirty="0" smtClean="0"/>
+                        <a:rPr lang="de-DE" dirty="0"/>
                         <a:t>Acer </a:t>
                       </a:r>
                       <a:r>
-                        <a:rPr lang="de-DE" dirty="0" err="1" smtClean="0"/>
+                        <a:rPr lang="de-DE" dirty="0" err="1"/>
                         <a:t>Extensa</a:t>
                       </a:r>
                       <a:r>
-                        <a:rPr lang="de-DE" dirty="0" smtClean="0"/>
+                        <a:rPr lang="de-DE" dirty="0"/>
                         <a:t> M2710</a:t>
                       </a:r>
                     </a:p>
@@ -12109,7 +13840,7 @@
                 </a:tc>
                 <a:extLst>
                   <a:ext uri="{0D108BD9-81ED-4DB2-BD59-A6C34878D82A}">
-                    <a16:rowId xmlns="" xmlns:a16="http://schemas.microsoft.com/office/drawing/2014/main" val="10004"/>
+                    <a16:rowId xmlns:a16="http://schemas.microsoft.com/office/drawing/2014/main" val="10004"/>
                   </a:ext>
                 </a:extLst>
               </a:tr>
@@ -12146,7 +13877,7 @@
                 </a:tc>
                 <a:extLst>
                   <a:ext uri="{0D108BD9-81ED-4DB2-BD59-A6C34878D82A}">
-                    <a16:rowId xmlns="" xmlns:a16="http://schemas.microsoft.com/office/drawing/2014/main" val="10005"/>
+                    <a16:rowId xmlns:a16="http://schemas.microsoft.com/office/drawing/2014/main" val="10005"/>
                   </a:ext>
                 </a:extLst>
               </a:tr>
@@ -12183,7 +13914,7 @@
                 </a:tc>
                 <a:extLst>
                   <a:ext uri="{0D108BD9-81ED-4DB2-BD59-A6C34878D82A}">
-                    <a16:rowId xmlns="" xmlns:a16="http://schemas.microsoft.com/office/drawing/2014/main" val="10006"/>
+                    <a16:rowId xmlns:a16="http://schemas.microsoft.com/office/drawing/2014/main" val="10006"/>
                   </a:ext>
                 </a:extLst>
               </a:tr>
@@ -12220,7 +13951,7 @@
                 </a:tc>
                 <a:extLst>
                   <a:ext uri="{0D108BD9-81ED-4DB2-BD59-A6C34878D82A}">
-                    <a16:rowId xmlns="" xmlns:a16="http://schemas.microsoft.com/office/drawing/2014/main" val="10007"/>
+                    <a16:rowId xmlns:a16="http://schemas.microsoft.com/office/drawing/2014/main" val="10007"/>
                   </a:ext>
                 </a:extLst>
               </a:tr>
@@ -12343,21 +14074,8 @@
                   <a:schemeClr val="bg1"/>
                 </a:solidFill>
               </a:rPr>
-              <a:t> </a:t>
-            </a:r>
-            <a:r>
-              <a:rPr lang="de-DE" dirty="0" smtClean="0">
-                <a:solidFill>
-                  <a:schemeClr val="bg1"/>
-                </a:solidFill>
-              </a:rPr>
-              <a:t>G6-710…</a:t>
-            </a:r>
-            <a:endParaRPr lang="de-DE" dirty="0">
-              <a:solidFill>
-                <a:schemeClr val="bg1"/>
-              </a:solidFill>
-            </a:endParaRPr>
+              <a:t> G6-710…</a:t>
+            </a:r>
           </a:p>
           <a:p>
             <a:endParaRPr lang="de-DE" dirty="0">
@@ -12404,15 +14122,7 @@
                   <a:schemeClr val="bg1"/>
                 </a:solidFill>
               </a:rPr>
-              <a:t> </a:t>
-            </a:r>
-            <a:r>
-              <a:rPr lang="de-DE" sz="1799" dirty="0" smtClean="0">
-                <a:solidFill>
-                  <a:schemeClr val="bg1"/>
-                </a:solidFill>
-              </a:rPr>
-              <a:t>7454,96€</a:t>
+              <a:t> 7454,96€</a:t>
             </a:r>
             <a:endParaRPr lang="de-DE" dirty="0"/>
           </a:p>
@@ -12444,18 +14154,13 @@
           <a:lstStyle/>
           <a:p>
             <a:r>
-              <a:rPr lang="de-DE" dirty="0" smtClean="0">
+              <a:rPr lang="de-DE" dirty="0">
                 <a:solidFill>
                   <a:schemeClr val="bg1"/>
                 </a:solidFill>
               </a:rPr>
               <a:t>Musik/Aufnahme</a:t>
             </a:r>
-            <a:endParaRPr lang="de-DE" dirty="0">
-              <a:solidFill>
-                <a:schemeClr val="bg1"/>
-              </a:solidFill>
-            </a:endParaRPr>
           </a:p>
         </p:txBody>
       </p:sp>
@@ -12482,7 +14187,7 @@
           <a:lstStyle/>
           <a:p>
             <a:r>
-              <a:rPr lang="el-GR" sz="1799" dirty="0" smtClean="0">
+              <a:rPr lang="el-GR" sz="1799" dirty="0">
                 <a:solidFill>
                   <a:schemeClr val="bg1"/>
                 </a:solidFill>
@@ -12490,7 +14195,7 @@
               <a:t>Σ</a:t>
             </a:r>
             <a:r>
-              <a:rPr lang="de-DE" sz="1799" dirty="0" smtClean="0">
+              <a:rPr lang="de-DE" sz="1799" dirty="0">
                 <a:solidFill>
                   <a:schemeClr val="bg1"/>
                 </a:solidFill>
@@ -12524,18 +14229,13 @@
           <a:lstStyle/>
           <a:p>
             <a:r>
-              <a:rPr lang="de-DE" dirty="0" smtClean="0">
+              <a:rPr lang="de-DE" dirty="0">
                 <a:solidFill>
                   <a:schemeClr val="bg1"/>
                 </a:solidFill>
               </a:rPr>
               <a:t>Geschäftsführung</a:t>
             </a:r>
-            <a:endParaRPr lang="de-DE" dirty="0">
-              <a:solidFill>
-                <a:schemeClr val="bg1"/>
-              </a:solidFill>
-            </a:endParaRPr>
           </a:p>
         </p:txBody>
       </p:sp>
@@ -12780,7 +14480,7 @@
 </p:sld>
 </file>
 
-<file path=ppt/slides/slide19.xml><?xml version="1.0" encoding="utf-8"?>
+<file path=ppt/slides/slide22.xml><?xml version="1.0" encoding="utf-8"?>
 <p:sld xmlns:a="http://schemas.openxmlformats.org/drawingml/2006/main" xmlns:r="http://schemas.openxmlformats.org/officeDocument/2006/relationships" xmlns:p="http://schemas.openxmlformats.org/presentationml/2006/main">
   <p:cSld>
     <p:spTree>
@@ -12813,10 +14513,9 @@
           <a:lstStyle/>
           <a:p>
             <a:r>
-              <a:rPr lang="de-DE" dirty="0" smtClean="0"/>
+              <a:rPr lang="de-DE" dirty="0"/>
               <a:t>Angebot Geschäftsführung </a:t>
             </a:r>
-            <a:endParaRPr lang="de-DE" dirty="0"/>
           </a:p>
         </p:txBody>
       </p:sp>
@@ -12851,39 +14550,26 @@
               <a:rPr lang="de-DE" dirty="0"/>
               <a:t>.</a:t>
             </a:r>
-            <a:endParaRPr lang="de-DE" dirty="0"/>
           </a:p>
           <a:p>
             <a:pPr lvl="1"/>
             <a:r>
               <a:rPr lang="de-DE" dirty="0"/>
-              <a:t>Intel® Core™ </a:t>
-            </a:r>
-            <a:r>
-              <a:rPr lang="de-DE" dirty="0" smtClean="0"/>
-              <a:t>i5-6400</a:t>
+              <a:t>Intel® Core™ i5-6400</a:t>
             </a:r>
           </a:p>
           <a:p>
             <a:pPr lvl="1"/>
             <a:r>
               <a:rPr lang="de-DE" dirty="0"/>
-              <a:t>8GB DDR4 </a:t>
-            </a:r>
-            <a:r>
-              <a:rPr lang="de-DE" dirty="0" smtClean="0"/>
-              <a:t>SDRAM</a:t>
+              <a:t>8GB DDR4 SDRAM</a:t>
             </a:r>
           </a:p>
           <a:p>
             <a:pPr lvl="1"/>
             <a:r>
               <a:rPr lang="de-DE" dirty="0"/>
-              <a:t>2TB </a:t>
-            </a:r>
-            <a:r>
-              <a:rPr lang="de-DE" dirty="0" smtClean="0"/>
-              <a:t>HDD</a:t>
+              <a:t>2TB HDD</a:t>
             </a:r>
           </a:p>
           <a:p>
@@ -12899,10 +14585,6 @@
             <a:r>
               <a:rPr lang="de-DE" dirty="0"/>
               <a:t>® GT 705</a:t>
-            </a:r>
-            <a:r>
-              <a:rPr lang="de-DE" dirty="0"/>
-              <a:t/>
             </a:r>
             <a:br>
               <a:rPr lang="de-DE" dirty="0"/>
@@ -12915,119 +14597,6 @@
     <p:extLst>
       <p:ext uri="{BB962C8B-B14F-4D97-AF65-F5344CB8AC3E}">
         <p14:creationId xmlns:p14="http://schemas.microsoft.com/office/powerpoint/2010/main" val="383194235"/>
-      </p:ext>
-    </p:extLst>
-  </p:cSld>
-  <p:clrMapOvr>
-    <a:masterClrMapping/>
-  </p:clrMapOvr>
-  <mc:AlternateContent xmlns:mc="http://schemas.openxmlformats.org/markup-compatibility/2006">
-    <mc:Choice xmlns:p14="http://schemas.microsoft.com/office/powerpoint/2010/main" Requires="p14">
-      <p:transition spd="med" p14:dur="700">
-        <p:fade/>
-      </p:transition>
-    </mc:Choice>
-    <mc:Fallback>
-      <p:transition spd="med">
-        <p:fade/>
-      </p:transition>
-    </mc:Fallback>
-  </mc:AlternateContent>
-  <p:timing>
-    <p:tnLst>
-      <p:par>
-        <p:cTn id="1" dur="indefinite" restart="never" nodeType="tmRoot"/>
-      </p:par>
-    </p:tnLst>
-  </p:timing>
-</p:sld>
-</file>
-
-<file path=ppt/slides/slide2.xml><?xml version="1.0" encoding="utf-8"?>
-<p:sld xmlns:a="http://schemas.openxmlformats.org/drawingml/2006/main" xmlns:r="http://schemas.openxmlformats.org/officeDocument/2006/relationships" xmlns:p="http://schemas.openxmlformats.org/presentationml/2006/main">
-  <p:cSld>
-    <p:spTree>
-      <p:nvGrpSpPr>
-        <p:cNvPr id="1" name=""/>
-        <p:cNvGrpSpPr/>
-        <p:nvPr/>
-      </p:nvGrpSpPr>
-      <p:grpSpPr>
-        <a:xfrm>
-          <a:off x="0" y="0"/>
-          <a:ext cx="0" cy="0"/>
-          <a:chOff x="0" y="0"/>
-          <a:chExt cx="0" cy="0"/>
-        </a:xfrm>
-      </p:grpSpPr>
-      <p:sp>
-        <p:nvSpPr>
-          <p:cNvPr id="13" name="Titel 12"/>
-          <p:cNvSpPr>
-            <a:spLocks noGrp="1"/>
-          </p:cNvSpPr>
-          <p:nvPr>
-            <p:ph type="title"/>
-          </p:nvPr>
-        </p:nvSpPr>
-        <p:spPr/>
-        <p:txBody>
-          <a:bodyPr rtlCol="0"/>
-          <a:lstStyle/>
-          <a:p>
-            <a:pPr rtl="0"/>
-            <a:r>
-              <a:rPr lang="de-DE" dirty="0"/>
-              <a:t>Gliederung </a:t>
-            </a:r>
-            <a:endParaRPr lang="en-US" dirty="0"/>
-          </a:p>
-        </p:txBody>
-      </p:sp>
-      <p:sp>
-        <p:nvSpPr>
-          <p:cNvPr id="14" name="Inhaltsplatzhalter 13"/>
-          <p:cNvSpPr>
-            <a:spLocks noGrp="1"/>
-          </p:cNvSpPr>
-          <p:nvPr>
-            <p:ph idx="1"/>
-          </p:nvPr>
-        </p:nvSpPr>
-        <p:spPr/>
-        <p:txBody>
-          <a:bodyPr rtlCol="0"/>
-          <a:lstStyle/>
-          <a:p>
-            <a:pPr rtl="0"/>
-            <a:r>
-              <a:rPr lang="de-DE" dirty="0"/>
-              <a:t>Allgemeine Anforderungen </a:t>
-            </a:r>
-            <a:endParaRPr lang="de" dirty="0"/>
-          </a:p>
-          <a:p>
-            <a:pPr rtl="0"/>
-            <a:r>
-              <a:rPr lang="de-DE" dirty="0"/>
-              <a:t>Angebote</a:t>
-            </a:r>
-            <a:endParaRPr lang="de" dirty="0"/>
-          </a:p>
-          <a:p>
-            <a:pPr rtl="0"/>
-            <a:r>
-              <a:rPr lang="de-DE" dirty="0"/>
-              <a:t>Kalkulationen</a:t>
-            </a:r>
-            <a:endParaRPr lang="en-US" dirty="0"/>
-          </a:p>
-        </p:txBody>
-      </p:sp>
-    </p:spTree>
-    <p:extLst>
-      <p:ext uri="{BB962C8B-B14F-4D97-AF65-F5344CB8AC3E}">
-        <p14:creationId xmlns:p14="http://schemas.microsoft.com/office/powerpoint/2010/main" val="2139132589"/>
       </p:ext>
     </p:extLst>
   </p:cSld>
@@ -13046,17 +14615,10 @@
       </p:transition>
     </mc:Fallback>
   </mc:AlternateContent>
-  <p:timing>
-    <p:tnLst>
-      <p:par>
-        <p:cTn id="1" dur="indefinite" restart="never" nodeType="tmRoot"/>
-      </p:par>
-    </p:tnLst>
-  </p:timing>
 </p:sld>
 </file>
 
-<file path=ppt/slides/slide20.xml><?xml version="1.0" encoding="utf-8"?>
+<file path=ppt/slides/slide23.xml><?xml version="1.0" encoding="utf-8"?>
 <p:sld xmlns:a="http://schemas.openxmlformats.org/drawingml/2006/main" xmlns:r="http://schemas.openxmlformats.org/officeDocument/2006/relationships" xmlns:p="http://schemas.openxmlformats.org/presentationml/2006/main">
   <p:cSld>
     <p:spTree>
@@ -13123,21 +14685,21 @@
                 <a:gridCol w="2938490">
                   <a:extLst>
                     <a:ext uri="{9D8B030D-6E8A-4147-A177-3AD203B41FA5}">
-                      <a16:colId xmlns="" xmlns:a16="http://schemas.microsoft.com/office/drawing/2014/main" val="20000"/>
+                      <a16:colId xmlns:a16="http://schemas.microsoft.com/office/drawing/2014/main" val="20000"/>
                     </a:ext>
                   </a:extLst>
                 </a:gridCol>
                 <a:gridCol w="2938490">
                   <a:extLst>
                     <a:ext uri="{9D8B030D-6E8A-4147-A177-3AD203B41FA5}">
-                      <a16:colId xmlns="" xmlns:a16="http://schemas.microsoft.com/office/drawing/2014/main" val="20001"/>
+                      <a16:colId xmlns:a16="http://schemas.microsoft.com/office/drawing/2014/main" val="20001"/>
                     </a:ext>
                   </a:extLst>
                 </a:gridCol>
                 <a:gridCol w="2938490">
                   <a:extLst>
                     <a:ext uri="{9D8B030D-6E8A-4147-A177-3AD203B41FA5}">
-                      <a16:colId xmlns="" xmlns:a16="http://schemas.microsoft.com/office/drawing/2014/main" val="20002"/>
+                      <a16:colId xmlns:a16="http://schemas.microsoft.com/office/drawing/2014/main" val="20002"/>
                     </a:ext>
                   </a:extLst>
                 </a:gridCol>
@@ -13184,7 +14746,7 @@
                 </a:tc>
                 <a:extLst>
                   <a:ext uri="{0D108BD9-81ED-4DB2-BD59-A6C34878D82A}">
-                    <a16:rowId xmlns="" xmlns:a16="http://schemas.microsoft.com/office/drawing/2014/main" val="10000"/>
+                    <a16:rowId xmlns:a16="http://schemas.microsoft.com/office/drawing/2014/main" val="10000"/>
                   </a:ext>
                 </a:extLst>
               </a:tr>
@@ -13195,10 +14757,9 @@
                     <a:lstStyle/>
                     <a:p>
                       <a:r>
-                        <a:rPr lang="de-DE" dirty="0" smtClean="0"/>
+                        <a:rPr lang="de-DE" dirty="0"/>
                         <a:t>Netzwerk</a:t>
                       </a:r>
-                      <a:endParaRPr lang="de-DE" dirty="0"/>
                     </a:p>
                   </a:txBody>
                   <a:tcPr/>
@@ -13242,19 +14803,7 @@
                           <a:ea typeface="+mn-ea"/>
                           <a:cs typeface="+mn-cs"/>
                         </a:rPr>
-                        <a:t> </a:t>
-                      </a:r>
-                      <a:r>
-                        <a:rPr lang="de-DE" sz="1799" b="0" i="0" u="none" strike="noStrike" kern="1200" dirty="0" smtClean="0">
-                          <a:solidFill>
-                            <a:schemeClr val="dk1"/>
-                          </a:solidFill>
-                          <a:effectLst/>
-                          <a:latin typeface="+mn-lt"/>
-                          <a:ea typeface="+mn-ea"/>
-                          <a:cs typeface="+mn-cs"/>
-                        </a:rPr>
-                        <a:t>DL80G92U…</a:t>
+                        <a:t> DL80G92U…</a:t>
                       </a:r>
                       <a:endParaRPr lang="de-DE" dirty="0"/>
                     </a:p>
@@ -13292,7 +14841,7 @@
                 </a:tc>
                 <a:extLst>
                   <a:ext uri="{0D108BD9-81ED-4DB2-BD59-A6C34878D82A}">
-                    <a16:rowId xmlns="" xmlns:a16="http://schemas.microsoft.com/office/drawing/2014/main" val="10001"/>
+                    <a16:rowId xmlns:a16="http://schemas.microsoft.com/office/drawing/2014/main" val="10001"/>
                   </a:ext>
                 </a:extLst>
               </a:tr>
@@ -13342,13 +14891,8 @@
                       </a:r>
                       <a:r>
                         <a:rPr lang="de-DE" dirty="0"/>
-                        <a:t> </a:t>
+                        <a:t> M2710…</a:t>
                       </a:r>
-                      <a:r>
-                        <a:rPr lang="de-DE" dirty="0" smtClean="0"/>
-                        <a:t>M2710…</a:t>
-                      </a:r>
-                      <a:endParaRPr lang="de-DE" dirty="0"/>
                     </a:p>
                   </a:txBody>
                   <a:tcPr/>
@@ -13365,7 +14909,7 @@
                 </a:tc>
                 <a:extLst>
                   <a:ext uri="{0D108BD9-81ED-4DB2-BD59-A6C34878D82A}">
-                    <a16:rowId xmlns="" xmlns:a16="http://schemas.microsoft.com/office/drawing/2014/main" val="10002"/>
+                    <a16:rowId xmlns:a16="http://schemas.microsoft.com/office/drawing/2014/main" val="10002"/>
                   </a:ext>
                 </a:extLst>
               </a:tr>
@@ -13402,7 +14946,7 @@
                 </a:tc>
                 <a:extLst>
                   <a:ext uri="{0D108BD9-81ED-4DB2-BD59-A6C34878D82A}">
-                    <a16:rowId xmlns="" xmlns:a16="http://schemas.microsoft.com/office/drawing/2014/main" val="10003"/>
+                    <a16:rowId xmlns:a16="http://schemas.microsoft.com/office/drawing/2014/main" val="10003"/>
                   </a:ext>
                 </a:extLst>
               </a:tr>
@@ -13440,15 +14984,15 @@
                         <a:defRPr/>
                       </a:pPr>
                       <a:r>
-                        <a:rPr lang="de-DE" dirty="0" smtClean="0"/>
+                        <a:rPr lang="de-DE" dirty="0"/>
                         <a:t>Acer </a:t>
                       </a:r>
                       <a:r>
-                        <a:rPr lang="de-DE" dirty="0" err="1" smtClean="0"/>
+                        <a:rPr lang="de-DE" dirty="0" err="1"/>
                         <a:t>Extensa</a:t>
                       </a:r>
                       <a:r>
-                        <a:rPr lang="de-DE" dirty="0" smtClean="0"/>
+                        <a:rPr lang="de-DE" dirty="0"/>
                         <a:t> M2710</a:t>
                       </a:r>
                     </a:p>
@@ -13467,7 +15011,7 @@
                 </a:tc>
                 <a:extLst>
                   <a:ext uri="{0D108BD9-81ED-4DB2-BD59-A6C34878D82A}">
-                    <a16:rowId xmlns="" xmlns:a16="http://schemas.microsoft.com/office/drawing/2014/main" val="10004"/>
+                    <a16:rowId xmlns:a16="http://schemas.microsoft.com/office/drawing/2014/main" val="10004"/>
                   </a:ext>
                 </a:extLst>
               </a:tr>
@@ -13505,15 +15049,15 @@
                         <a:defRPr/>
                       </a:pPr>
                       <a:r>
-                        <a:rPr lang="de-DE" dirty="0" smtClean="0"/>
+                        <a:rPr lang="de-DE" dirty="0"/>
                         <a:t>Acer </a:t>
                       </a:r>
                       <a:r>
-                        <a:rPr lang="de-DE" dirty="0" err="1" smtClean="0"/>
+                        <a:rPr lang="de-DE" dirty="0" err="1"/>
                         <a:t>Aspire</a:t>
                       </a:r>
                       <a:r>
-                        <a:rPr lang="de-DE" dirty="0" smtClean="0"/>
+                        <a:rPr lang="de-DE" dirty="0"/>
                         <a:t> XC-780.</a:t>
                       </a:r>
                     </a:p>
@@ -13532,7 +15076,7 @@
                 </a:tc>
                 <a:extLst>
                   <a:ext uri="{0D108BD9-81ED-4DB2-BD59-A6C34878D82A}">
-                    <a16:rowId xmlns="" xmlns:a16="http://schemas.microsoft.com/office/drawing/2014/main" val="10005"/>
+                    <a16:rowId xmlns:a16="http://schemas.microsoft.com/office/drawing/2014/main" val="10005"/>
                   </a:ext>
                 </a:extLst>
               </a:tr>
@@ -13569,7 +15113,7 @@
                 </a:tc>
                 <a:extLst>
                   <a:ext uri="{0D108BD9-81ED-4DB2-BD59-A6C34878D82A}">
-                    <a16:rowId xmlns="" xmlns:a16="http://schemas.microsoft.com/office/drawing/2014/main" val="10006"/>
+                    <a16:rowId xmlns:a16="http://schemas.microsoft.com/office/drawing/2014/main" val="10006"/>
                   </a:ext>
                 </a:extLst>
               </a:tr>
@@ -13606,7 +15150,7 @@
                 </a:tc>
                 <a:extLst>
                   <a:ext uri="{0D108BD9-81ED-4DB2-BD59-A6C34878D82A}">
-                    <a16:rowId xmlns="" xmlns:a16="http://schemas.microsoft.com/office/drawing/2014/main" val="10007"/>
+                    <a16:rowId xmlns:a16="http://schemas.microsoft.com/office/drawing/2014/main" val="10007"/>
                   </a:ext>
                 </a:extLst>
               </a:tr>
@@ -13729,21 +15273,8 @@
                   <a:schemeClr val="bg1"/>
                 </a:solidFill>
               </a:rPr>
-              <a:t> </a:t>
-            </a:r>
-            <a:r>
-              <a:rPr lang="de-DE" dirty="0" smtClean="0">
-                <a:solidFill>
-                  <a:schemeClr val="bg1"/>
-                </a:solidFill>
-              </a:rPr>
-              <a:t>G6-710…</a:t>
-            </a:r>
-            <a:endParaRPr lang="de-DE" dirty="0">
-              <a:solidFill>
-                <a:schemeClr val="bg1"/>
-              </a:solidFill>
-            </a:endParaRPr>
+              <a:t> G6-710…</a:t>
+            </a:r>
           </a:p>
           <a:p>
             <a:endParaRPr lang="de-DE" dirty="0">
@@ -13790,15 +15321,7 @@
                   <a:schemeClr val="bg1"/>
                 </a:solidFill>
               </a:rPr>
-              <a:t> </a:t>
-            </a:r>
-            <a:r>
-              <a:rPr lang="de-DE" sz="1799" dirty="0" smtClean="0">
-                <a:solidFill>
-                  <a:schemeClr val="bg1"/>
-                </a:solidFill>
-              </a:rPr>
-              <a:t>7454,96€</a:t>
+              <a:t> 7454,96€</a:t>
             </a:r>
             <a:endParaRPr lang="de-DE" dirty="0"/>
           </a:p>
@@ -13830,18 +15353,13 @@
           <a:lstStyle/>
           <a:p>
             <a:r>
-              <a:rPr lang="de-DE" dirty="0" smtClean="0">
+              <a:rPr lang="de-DE" dirty="0">
                 <a:solidFill>
                   <a:schemeClr val="bg1"/>
                 </a:solidFill>
               </a:rPr>
               <a:t>Musik/Aufnahme</a:t>
             </a:r>
-            <a:endParaRPr lang="de-DE" dirty="0">
-              <a:solidFill>
-                <a:schemeClr val="bg1"/>
-              </a:solidFill>
-            </a:endParaRPr>
           </a:p>
         </p:txBody>
       </p:sp>
@@ -13868,7 +15386,7 @@
           <a:lstStyle/>
           <a:p>
             <a:r>
-              <a:rPr lang="el-GR" sz="1799" dirty="0" smtClean="0">
+              <a:rPr lang="el-GR" sz="1799" dirty="0">
                 <a:solidFill>
                   <a:schemeClr val="bg1"/>
                 </a:solidFill>
@@ -13876,7 +15394,7 @@
               <a:t>Σ</a:t>
             </a:r>
             <a:r>
-              <a:rPr lang="de-DE" sz="1799" dirty="0" smtClean="0">
+              <a:rPr lang="de-DE" sz="1799" dirty="0">
                 <a:solidFill>
                   <a:schemeClr val="bg1"/>
                 </a:solidFill>
@@ -13910,18 +15428,13 @@
           <a:lstStyle/>
           <a:p>
             <a:r>
-              <a:rPr lang="de-DE" dirty="0" smtClean="0">
+              <a:rPr lang="de-DE" dirty="0">
                 <a:solidFill>
                   <a:schemeClr val="bg1"/>
                 </a:solidFill>
               </a:rPr>
               <a:t>Geschäftsführung</a:t>
             </a:r>
-            <a:endParaRPr lang="de-DE" dirty="0">
-              <a:solidFill>
-                <a:schemeClr val="bg1"/>
-              </a:solidFill>
-            </a:endParaRPr>
           </a:p>
         </p:txBody>
       </p:sp>
@@ -13948,7 +15461,7 @@
           <a:lstStyle/>
           <a:p>
             <a:r>
-              <a:rPr lang="el-GR" sz="1799" dirty="0" smtClean="0">
+              <a:rPr lang="el-GR" sz="1799" dirty="0">
                 <a:solidFill>
                   <a:schemeClr val="bg1"/>
                 </a:solidFill>
@@ -13956,7 +15469,7 @@
               <a:t>Σ</a:t>
             </a:r>
             <a:r>
-              <a:rPr lang="de-DE" sz="1799" dirty="0" smtClean="0">
+              <a:rPr lang="de-DE" sz="1799" dirty="0">
                 <a:solidFill>
                   <a:schemeClr val="bg1"/>
                 </a:solidFill>
@@ -13990,18 +15503,13 @@
           <a:lstStyle/>
           <a:p>
             <a:r>
-              <a:rPr lang="de-DE" dirty="0" smtClean="0">
+              <a:rPr lang="de-DE" dirty="0">
                 <a:solidFill>
                   <a:schemeClr val="bg1"/>
                 </a:solidFill>
               </a:rPr>
               <a:t>Zubehör</a:t>
             </a:r>
-            <a:endParaRPr lang="de-DE" dirty="0">
-              <a:solidFill>
-                <a:schemeClr val="bg1"/>
-              </a:solidFill>
-            </a:endParaRPr>
           </a:p>
         </p:txBody>
       </p:sp>
@@ -14313,21 +15821,21 @@
                 <a:gridCol w="2938490">
                   <a:extLst>
                     <a:ext uri="{9D8B030D-6E8A-4147-A177-3AD203B41FA5}">
-                      <a16:colId xmlns="" xmlns:a16="http://schemas.microsoft.com/office/drawing/2014/main" val="20000"/>
+                      <a16:colId xmlns:a16="http://schemas.microsoft.com/office/drawing/2014/main" val="20000"/>
                     </a:ext>
                   </a:extLst>
                 </a:gridCol>
                 <a:gridCol w="2938490">
                   <a:extLst>
                     <a:ext uri="{9D8B030D-6E8A-4147-A177-3AD203B41FA5}">
-                      <a16:colId xmlns="" xmlns:a16="http://schemas.microsoft.com/office/drawing/2014/main" val="20001"/>
+                      <a16:colId xmlns:a16="http://schemas.microsoft.com/office/drawing/2014/main" val="20001"/>
                     </a:ext>
                   </a:extLst>
                 </a:gridCol>
                 <a:gridCol w="2938490">
                   <a:extLst>
                     <a:ext uri="{9D8B030D-6E8A-4147-A177-3AD203B41FA5}">
-                      <a16:colId xmlns="" xmlns:a16="http://schemas.microsoft.com/office/drawing/2014/main" val="20002"/>
+                      <a16:colId xmlns:a16="http://schemas.microsoft.com/office/drawing/2014/main" val="20002"/>
                     </a:ext>
                   </a:extLst>
                 </a:gridCol>
@@ -14394,7 +15902,7 @@
                 </a:tc>
                 <a:extLst>
                   <a:ext uri="{0D108BD9-81ED-4DB2-BD59-A6C34878D82A}">
-                    <a16:rowId xmlns="" xmlns:a16="http://schemas.microsoft.com/office/drawing/2014/main" val="10000"/>
+                    <a16:rowId xmlns:a16="http://schemas.microsoft.com/office/drawing/2014/main" val="10000"/>
                   </a:ext>
                 </a:extLst>
               </a:tr>
@@ -14497,7 +16005,7 @@
                 </a:tc>
                 <a:extLst>
                   <a:ext uri="{0D108BD9-81ED-4DB2-BD59-A6C34878D82A}">
-                    <a16:rowId xmlns="" xmlns:a16="http://schemas.microsoft.com/office/drawing/2014/main" val="10001"/>
+                    <a16:rowId xmlns:a16="http://schemas.microsoft.com/office/drawing/2014/main" val="10001"/>
                   </a:ext>
                 </a:extLst>
               </a:tr>
@@ -14544,7 +16052,7 @@
                 </a:tc>
                 <a:extLst>
                   <a:ext uri="{0D108BD9-81ED-4DB2-BD59-A6C34878D82A}">
-                    <a16:rowId xmlns="" xmlns:a16="http://schemas.microsoft.com/office/drawing/2014/main" val="10002"/>
+                    <a16:rowId xmlns:a16="http://schemas.microsoft.com/office/drawing/2014/main" val="10002"/>
                   </a:ext>
                 </a:extLst>
               </a:tr>
@@ -14581,7 +16089,7 @@
                 </a:tc>
                 <a:extLst>
                   <a:ext uri="{0D108BD9-81ED-4DB2-BD59-A6C34878D82A}">
-                    <a16:rowId xmlns="" xmlns:a16="http://schemas.microsoft.com/office/drawing/2014/main" val="10003"/>
+                    <a16:rowId xmlns:a16="http://schemas.microsoft.com/office/drawing/2014/main" val="10003"/>
                   </a:ext>
                 </a:extLst>
               </a:tr>
@@ -14618,7 +16126,7 @@
                 </a:tc>
                 <a:extLst>
                   <a:ext uri="{0D108BD9-81ED-4DB2-BD59-A6C34878D82A}">
-                    <a16:rowId xmlns="" xmlns:a16="http://schemas.microsoft.com/office/drawing/2014/main" val="10004"/>
+                    <a16:rowId xmlns:a16="http://schemas.microsoft.com/office/drawing/2014/main" val="10004"/>
                   </a:ext>
                 </a:extLst>
               </a:tr>
@@ -14655,7 +16163,7 @@
                 </a:tc>
                 <a:extLst>
                   <a:ext uri="{0D108BD9-81ED-4DB2-BD59-A6C34878D82A}">
-                    <a16:rowId xmlns="" xmlns:a16="http://schemas.microsoft.com/office/drawing/2014/main" val="10005"/>
+                    <a16:rowId xmlns:a16="http://schemas.microsoft.com/office/drawing/2014/main" val="10005"/>
                   </a:ext>
                 </a:extLst>
               </a:tr>
@@ -14692,7 +16200,7 @@
                 </a:tc>
                 <a:extLst>
                   <a:ext uri="{0D108BD9-81ED-4DB2-BD59-A6C34878D82A}">
-                    <a16:rowId xmlns="" xmlns:a16="http://schemas.microsoft.com/office/drawing/2014/main" val="10006"/>
+                    <a16:rowId xmlns:a16="http://schemas.microsoft.com/office/drawing/2014/main" val="10006"/>
                   </a:ext>
                 </a:extLst>
               </a:tr>
@@ -14729,7 +16237,7 @@
                 </a:tc>
                 <a:extLst>
                   <a:ext uri="{0D108BD9-81ED-4DB2-BD59-A6C34878D82A}">
-                    <a16:rowId xmlns="" xmlns:a16="http://schemas.microsoft.com/office/drawing/2014/main" val="10007"/>
+                    <a16:rowId xmlns:a16="http://schemas.microsoft.com/office/drawing/2014/main" val="10007"/>
                   </a:ext>
                 </a:extLst>
               </a:tr>
@@ -14960,10 +16468,9 @@
           <a:lstStyle/>
           <a:p>
             <a:r>
-              <a:rPr lang="de-DE" dirty="0" smtClean="0"/>
+              <a:rPr lang="de-DE" dirty="0"/>
               <a:t>Netzwerk</a:t>
             </a:r>
-            <a:endParaRPr lang="de-DE" dirty="0"/>
           </a:p>
         </p:txBody>
       </p:sp>
@@ -14995,21 +16502,21 @@
                 <a:gridCol w="2938490">
                   <a:extLst>
                     <a:ext uri="{9D8B030D-6E8A-4147-A177-3AD203B41FA5}">
-                      <a16:colId xmlns="" xmlns:a16="http://schemas.microsoft.com/office/drawing/2014/main" val="20000"/>
+                      <a16:colId xmlns:a16="http://schemas.microsoft.com/office/drawing/2014/main" val="20000"/>
                     </a:ext>
                   </a:extLst>
                 </a:gridCol>
                 <a:gridCol w="2938490">
                   <a:extLst>
                     <a:ext uri="{9D8B030D-6E8A-4147-A177-3AD203B41FA5}">
-                      <a16:colId xmlns="" xmlns:a16="http://schemas.microsoft.com/office/drawing/2014/main" val="20001"/>
+                      <a16:colId xmlns:a16="http://schemas.microsoft.com/office/drawing/2014/main" val="20001"/>
                     </a:ext>
                   </a:extLst>
                 </a:gridCol>
                 <a:gridCol w="2938490">
                   <a:extLst>
                     <a:ext uri="{9D8B030D-6E8A-4147-A177-3AD203B41FA5}">
-                      <a16:colId xmlns="" xmlns:a16="http://schemas.microsoft.com/office/drawing/2014/main" val="20002"/>
+                      <a16:colId xmlns:a16="http://schemas.microsoft.com/office/drawing/2014/main" val="20002"/>
                     </a:ext>
                   </a:extLst>
                 </a:gridCol>
@@ -15021,10 +16528,9 @@
                     <a:lstStyle/>
                     <a:p>
                       <a:r>
-                        <a:rPr lang="de-DE" dirty="0" smtClean="0"/>
+                        <a:rPr lang="de-DE" dirty="0"/>
                         <a:t>Typ</a:t>
                       </a:r>
-                      <a:endParaRPr lang="de-DE" dirty="0"/>
                     </a:p>
                   </a:txBody>
                   <a:tcPr/>
@@ -15077,7 +16583,7 @@
                 </a:tc>
                 <a:extLst>
                   <a:ext uri="{0D108BD9-81ED-4DB2-BD59-A6C34878D82A}">
-                    <a16:rowId xmlns="" xmlns:a16="http://schemas.microsoft.com/office/drawing/2014/main" val="10000"/>
+                    <a16:rowId xmlns:a16="http://schemas.microsoft.com/office/drawing/2014/main" val="10000"/>
                   </a:ext>
                 </a:extLst>
               </a:tr>
@@ -15105,7 +16611,7 @@
                         <a:defRPr/>
                       </a:pPr>
                       <a:r>
-                        <a:rPr lang="de-DE" sz="1799" b="0" i="0" u="none" strike="noStrike" kern="1200" dirty="0" smtClean="0">
+                        <a:rPr lang="de-DE" sz="1799" b="0" i="0" u="none" strike="noStrike" kern="1200" dirty="0">
                           <a:solidFill>
                             <a:schemeClr val="dk1"/>
                           </a:solidFill>
@@ -15116,7 +16622,7 @@
                         </a:rPr>
                         <a:t>Switch</a:t>
                       </a:r>
-                      <a:endParaRPr lang="de-DE" b="1" dirty="0" smtClean="0">
+                      <a:endParaRPr lang="de-DE" b="1" dirty="0">
                         <a:effectLst/>
                       </a:endParaRPr>
                     </a:p>
@@ -15211,7 +16717,7 @@
                 </a:tc>
                 <a:extLst>
                   <a:ext uri="{0D108BD9-81ED-4DB2-BD59-A6C34878D82A}">
-                    <a16:rowId xmlns="" xmlns:a16="http://schemas.microsoft.com/office/drawing/2014/main" val="10001"/>
+                    <a16:rowId xmlns:a16="http://schemas.microsoft.com/office/drawing/2014/main" val="10001"/>
                   </a:ext>
                 </a:extLst>
               </a:tr>
@@ -15258,7 +16764,7 @@
                 </a:tc>
                 <a:extLst>
                   <a:ext uri="{0D108BD9-81ED-4DB2-BD59-A6C34878D82A}">
-                    <a16:rowId xmlns="" xmlns:a16="http://schemas.microsoft.com/office/drawing/2014/main" val="10002"/>
+                    <a16:rowId xmlns:a16="http://schemas.microsoft.com/office/drawing/2014/main" val="10002"/>
                   </a:ext>
                 </a:extLst>
               </a:tr>
@@ -15295,7 +16801,7 @@
                 </a:tc>
                 <a:extLst>
                   <a:ext uri="{0D108BD9-81ED-4DB2-BD59-A6C34878D82A}">
-                    <a16:rowId xmlns="" xmlns:a16="http://schemas.microsoft.com/office/drawing/2014/main" val="10003"/>
+                    <a16:rowId xmlns:a16="http://schemas.microsoft.com/office/drawing/2014/main" val="10003"/>
                   </a:ext>
                 </a:extLst>
               </a:tr>
@@ -15332,7 +16838,7 @@
                 </a:tc>
                 <a:extLst>
                   <a:ext uri="{0D108BD9-81ED-4DB2-BD59-A6C34878D82A}">
-                    <a16:rowId xmlns="" xmlns:a16="http://schemas.microsoft.com/office/drawing/2014/main" val="10004"/>
+                    <a16:rowId xmlns:a16="http://schemas.microsoft.com/office/drawing/2014/main" val="10004"/>
                   </a:ext>
                 </a:extLst>
               </a:tr>
@@ -15369,7 +16875,7 @@
                 </a:tc>
                 <a:extLst>
                   <a:ext uri="{0D108BD9-81ED-4DB2-BD59-A6C34878D82A}">
-                    <a16:rowId xmlns="" xmlns:a16="http://schemas.microsoft.com/office/drawing/2014/main" val="10005"/>
+                    <a16:rowId xmlns:a16="http://schemas.microsoft.com/office/drawing/2014/main" val="10005"/>
                   </a:ext>
                 </a:extLst>
               </a:tr>
@@ -15406,7 +16912,7 @@
                 </a:tc>
                 <a:extLst>
                   <a:ext uri="{0D108BD9-81ED-4DB2-BD59-A6C34878D82A}">
-                    <a16:rowId xmlns="" xmlns:a16="http://schemas.microsoft.com/office/drawing/2014/main" val="10006"/>
+                    <a16:rowId xmlns:a16="http://schemas.microsoft.com/office/drawing/2014/main" val="10006"/>
                   </a:ext>
                 </a:extLst>
               </a:tr>
@@ -15443,7 +16949,7 @@
                 </a:tc>
                 <a:extLst>
                   <a:ext uri="{0D108BD9-81ED-4DB2-BD59-A6C34878D82A}">
-                    <a16:rowId xmlns="" xmlns:a16="http://schemas.microsoft.com/office/drawing/2014/main" val="10007"/>
+                    <a16:rowId xmlns:a16="http://schemas.microsoft.com/office/drawing/2014/main" val="10007"/>
                   </a:ext>
                 </a:extLst>
               </a:tr>
@@ -15473,13 +16979,6 @@
       </p:transition>
     </mc:Fallback>
   </mc:AlternateContent>
-  <p:timing>
-    <p:tnLst>
-      <p:par>
-        <p:cTn id="1" dur="indefinite" restart="never" nodeType="tmRoot"/>
-      </p:par>
-    </p:tnLst>
-  </p:timing>
 </p:sld>
 </file>
 
@@ -15516,8 +17015,12 @@
           <a:lstStyle/>
           <a:p>
             <a:r>
-              <a:rPr lang="de-DE" dirty="0" smtClean="0"/>
-              <a:t>Netzwerk Switch</a:t>
+              <a:rPr lang="de-DE" dirty="0"/>
+              <a:t>Netzwerk</a:t>
+            </a:r>
+            <a:r>
+              <a:rPr lang="en-US" dirty="0"/>
+              <a:t>konfiguration</a:t>
             </a:r>
             <a:endParaRPr lang="de-DE" dirty="0"/>
           </a:p>
@@ -15538,68 +17041,46 @@
           <a:bodyPr/>
           <a:lstStyle/>
           <a:p>
+            <a:pPr marL="0" indent="0">
+              <a:buNone/>
+            </a:pPr>
             <a:r>
               <a:rPr lang="en-US" dirty="0"/>
-              <a:t>HP Gigabit </a:t>
-            </a:r>
-            <a:r>
-              <a:rPr lang="en-US" dirty="0" smtClean="0"/>
-              <a:t>Switch </a:t>
-            </a:r>
+              <a:t>NetzAdresse: 		192.168.*.0 /24</a:t>
+            </a:r>
+          </a:p>
+          <a:p>
+            <a:pPr marL="0" indent="0">
+              <a:buNone/>
+            </a:pPr>
             <a:r>
               <a:rPr lang="en-US" dirty="0"/>
-              <a:t>1820-24G (J9980A</a:t>
-            </a:r>
-            <a:r>
-              <a:rPr lang="en-US" dirty="0" smtClean="0"/>
-              <a:t>)</a:t>
-            </a:r>
-          </a:p>
-          <a:p>
-            <a:pPr lvl="1"/>
-            <a:r>
-              <a:rPr lang="de-DE" b="1" dirty="0"/>
-              <a:t>24</a:t>
-            </a:r>
-            <a:r>
-              <a:rPr lang="de-DE" dirty="0"/>
-              <a:t>x Ethernet, </a:t>
-            </a:r>
-            <a:r>
-              <a:rPr lang="de-DE" b="1" dirty="0"/>
-              <a:t>2</a:t>
-            </a:r>
-            <a:r>
-              <a:rPr lang="de-DE" dirty="0"/>
-              <a:t>x DFP </a:t>
-            </a:r>
-            <a:r>
-              <a:rPr lang="de-DE" dirty="0" smtClean="0"/>
-              <a:t>Anschlüssen.</a:t>
-            </a:r>
-          </a:p>
-          <a:p>
-            <a:pPr lvl="1"/>
-            <a:r>
-              <a:rPr lang="de-DE" dirty="0" smtClean="0"/>
-              <a:t>52 </a:t>
-            </a:r>
-            <a:r>
-              <a:rPr lang="de-DE" dirty="0" err="1" smtClean="0"/>
-              <a:t>Gbps</a:t>
-            </a:r>
-            <a:r>
-              <a:rPr lang="de-DE" dirty="0" smtClean="0"/>
-              <a:t> Kapazität.</a:t>
-            </a:r>
-          </a:p>
-          <a:p>
-            <a:pPr lvl="1"/>
-            <a:r>
-              <a:rPr lang="de-DE" dirty="0" smtClean="0"/>
-              <a:t>22W Leistung (Last).</a:t>
-            </a:r>
-            <a:endParaRPr lang="de-DE" dirty="0"/>
+              <a:t>Subnetzmaske: 		255.255.255.0</a:t>
+            </a:r>
+          </a:p>
+          <a:p>
+            <a:pPr marL="0" indent="0">
+              <a:buNone/>
+            </a:pPr>
+            <a:r>
+              <a:rPr lang="en-US" dirty="0"/>
+              <a:t>Gateway:			192.168.*.1</a:t>
+            </a:r>
+          </a:p>
+          <a:p>
+            <a:pPr marL="0" indent="0">
+              <a:buNone/>
+            </a:pPr>
+            <a:endParaRPr lang="en-US" dirty="0"/>
+          </a:p>
+          <a:p>
+            <a:pPr marL="0" indent="0">
+              <a:buNone/>
+            </a:pPr>
+            <a:r>
+              <a:rPr lang="en-US" dirty="0"/>
+              <a:t>* = BereichsIP-Adresse</a:t>
+            </a:r>
           </a:p>
         </p:txBody>
       </p:sp>
@@ -15613,25 +17094,18 @@
   <p:clrMapOvr>
     <a:masterClrMapping/>
   </p:clrMapOvr>
-  <mc:AlternateContent xmlns:mc="http://schemas.openxmlformats.org/markup-compatibility/2006">
-    <mc:Choice xmlns:p14="http://schemas.microsoft.com/office/powerpoint/2010/main" Requires="p14">
+  <mc:AlternateContent xmlns:mc="http://schemas.openxmlformats.org/markup-compatibility/2006" xmlns:p14="http://schemas.microsoft.com/office/powerpoint/2010/main">
+    <mc:Choice Requires="p14">
       <p:transition spd="med" p14:dur="700">
         <p:fade/>
       </p:transition>
     </mc:Choice>
-    <mc:Fallback>
+    <mc:Fallback xmlns="">
       <p:transition spd="med">
         <p:fade/>
       </p:transition>
     </mc:Fallback>
   </mc:AlternateContent>
-  <p:timing>
-    <p:tnLst>
-      <p:par>
-        <p:cTn id="1" dur="indefinite" restart="never" nodeType="tmRoot"/>
-      </p:par>
-    </p:tnLst>
-  </p:timing>
 </p:sld>
 </file>
 
@@ -15668,10 +17142,382 @@
           <a:lstStyle/>
           <a:p>
             <a:r>
-              <a:rPr lang="de-DE" dirty="0" smtClean="0"/>
+              <a:rPr lang="de-DE" dirty="0"/>
               <a:t>Netzwerk</a:t>
             </a:r>
+            <a:r>
+              <a:rPr lang="en-US" dirty="0"/>
+              <a:t>konfiguration - Bereiche</a:t>
+            </a:r>
             <a:endParaRPr lang="de-DE" dirty="0"/>
+          </a:p>
+        </p:txBody>
+      </p:sp>
+      <p:sp>
+        <p:nvSpPr>
+          <p:cNvPr id="3" name="Inhaltsplatzhalter 2"/>
+          <p:cNvSpPr>
+            <a:spLocks noGrp="1"/>
+          </p:cNvSpPr>
+          <p:nvPr>
+            <p:ph idx="1"/>
+          </p:nvPr>
+        </p:nvSpPr>
+        <p:spPr/>
+        <p:txBody>
+          <a:bodyPr/>
+          <a:lstStyle/>
+          <a:p>
+            <a:pPr marL="0" indent="0">
+              <a:buNone/>
+            </a:pPr>
+            <a:r>
+              <a:rPr lang="en-US" dirty="0"/>
+              <a:t>Entwicklung: 		192.168.1.0 /24</a:t>
+            </a:r>
+          </a:p>
+          <a:p>
+            <a:pPr marL="0" indent="0">
+              <a:buNone/>
+            </a:pPr>
+            <a:r>
+              <a:rPr lang="en-US" dirty="0"/>
+              <a:t>Gamedesign: 		192.168.2.0 /24</a:t>
+            </a:r>
+          </a:p>
+          <a:p>
+            <a:pPr marL="0" indent="0">
+              <a:buNone/>
+            </a:pPr>
+            <a:r>
+              <a:rPr lang="en-US" dirty="0"/>
+              <a:t>Verwaltung: 			192.168.3.0 /24</a:t>
+            </a:r>
+          </a:p>
+          <a:p>
+            <a:pPr marL="0" indent="0">
+              <a:buNone/>
+            </a:pPr>
+            <a:r>
+              <a:rPr lang="en-US" dirty="0"/>
+              <a:t>Server (DMZ): 		192.168.4.0 /24</a:t>
+            </a:r>
+          </a:p>
+          <a:p>
+            <a:pPr marL="0" indent="0">
+              <a:buNone/>
+            </a:pPr>
+            <a:r>
+              <a:rPr lang="en-US" dirty="0"/>
+              <a:t>Sonstiges: 			192.168.5.0 /24</a:t>
+            </a:r>
+          </a:p>
+          <a:p>
+            <a:pPr marL="0" indent="0">
+              <a:buNone/>
+            </a:pPr>
+            <a:endParaRPr lang="en-US" dirty="0"/>
+          </a:p>
+          <a:p>
+            <a:pPr marL="0" indent="0">
+              <a:buNone/>
+            </a:pPr>
+            <a:r>
+              <a:rPr lang="en-US" dirty="0"/>
+              <a:t>Wir würden empfehlen Subnetze zu bilden um die Bereiche untereinander besser unterscheiden zu können.</a:t>
+            </a:r>
+          </a:p>
+        </p:txBody>
+      </p:sp>
+    </p:spTree>
+    <p:extLst>
+      <p:ext uri="{BB962C8B-B14F-4D97-AF65-F5344CB8AC3E}">
+        <p14:creationId xmlns:p14="http://schemas.microsoft.com/office/powerpoint/2010/main" val="38345456"/>
+      </p:ext>
+    </p:extLst>
+  </p:cSld>
+  <p:clrMapOvr>
+    <a:masterClrMapping/>
+  </p:clrMapOvr>
+  <mc:AlternateContent xmlns:mc="http://schemas.openxmlformats.org/markup-compatibility/2006" xmlns:p14="http://schemas.microsoft.com/office/powerpoint/2010/main">
+    <mc:Choice Requires="p14">
+      <p:transition spd="med" p14:dur="700">
+        <p:fade/>
+      </p:transition>
+    </mc:Choice>
+    <mc:Fallback xmlns="">
+      <p:transition spd="med">
+        <p:fade/>
+      </p:transition>
+    </mc:Fallback>
+  </mc:AlternateContent>
+</p:sld>
+</file>
+
+<file path=ppt/slides/slide7.xml><?xml version="1.0" encoding="utf-8"?>
+<p:sld xmlns:a="http://schemas.openxmlformats.org/drawingml/2006/main" xmlns:r="http://schemas.openxmlformats.org/officeDocument/2006/relationships" xmlns:p="http://schemas.openxmlformats.org/presentationml/2006/main">
+  <p:cSld>
+    <p:spTree>
+      <p:nvGrpSpPr>
+        <p:cNvPr id="1" name=""/>
+        <p:cNvGrpSpPr/>
+        <p:nvPr/>
+      </p:nvGrpSpPr>
+      <p:grpSpPr>
+        <a:xfrm>
+          <a:off x="0" y="0"/>
+          <a:ext cx="0" cy="0"/>
+          <a:chOff x="0" y="0"/>
+          <a:chExt cx="0" cy="0"/>
+        </a:xfrm>
+      </p:grpSpPr>
+      <p:sp>
+        <p:nvSpPr>
+          <p:cNvPr id="2" name="Titel 1"/>
+          <p:cNvSpPr>
+            <a:spLocks noGrp="1"/>
+          </p:cNvSpPr>
+          <p:nvPr>
+            <p:ph type="title"/>
+          </p:nvPr>
+        </p:nvSpPr>
+        <p:spPr/>
+        <p:txBody>
+          <a:bodyPr/>
+          <a:lstStyle/>
+          <a:p>
+            <a:r>
+              <a:rPr lang="de-DE" dirty="0"/>
+              <a:t>Netzwerk</a:t>
+            </a:r>
+            <a:r>
+              <a:rPr lang="en-US" dirty="0"/>
+              <a:t>konfiguration - Bereiche</a:t>
+            </a:r>
+            <a:endParaRPr lang="de-DE" dirty="0"/>
+          </a:p>
+        </p:txBody>
+      </p:sp>
+      <p:pic>
+        <p:nvPicPr>
+          <p:cNvPr id="4" name="Grafik 4"/>
+          <p:cNvPicPr>
+            <a:picLocks noGrp="1" noChangeAspect="1"/>
+          </p:cNvPicPr>
+          <p:nvPr>
+            <p:ph idx="1"/>
+          </p:nvPr>
+        </p:nvPicPr>
+        <p:blipFill>
+          <a:blip r:embed="rId2">
+            <a:extLst>
+              <a:ext uri="{28A0092B-C50C-407E-A947-70E740481C1C}">
+                <a14:useLocalDpi xmlns:a14="http://schemas.microsoft.com/office/drawing/2010/main" val="0"/>
+              </a:ext>
+            </a:extLst>
+          </a:blip>
+          <a:stretch>
+            <a:fillRect/>
+          </a:stretch>
+        </p:blipFill>
+        <p:spPr>
+          <a:xfrm>
+            <a:off x="2650047" y="1663079"/>
+            <a:ext cx="6716295" cy="5026295"/>
+          </a:xfrm>
+          <a:prstGeom prst="rect">
+            <a:avLst/>
+          </a:prstGeom>
+        </p:spPr>
+      </p:pic>
+    </p:spTree>
+    <p:extLst>
+      <p:ext uri="{BB962C8B-B14F-4D97-AF65-F5344CB8AC3E}">
+        <p14:creationId xmlns:p14="http://schemas.microsoft.com/office/powerpoint/2010/main" val="2861070454"/>
+      </p:ext>
+    </p:extLst>
+  </p:cSld>
+  <p:clrMapOvr>
+    <a:masterClrMapping/>
+  </p:clrMapOvr>
+  <mc:AlternateContent xmlns:mc="http://schemas.openxmlformats.org/markup-compatibility/2006" xmlns:p14="http://schemas.microsoft.com/office/powerpoint/2010/main">
+    <mc:Choice Requires="p14">
+      <p:transition spd="med" p14:dur="700">
+        <p:fade/>
+      </p:transition>
+    </mc:Choice>
+    <mc:Fallback xmlns="">
+      <p:transition spd="med">
+        <p:fade/>
+      </p:transition>
+    </mc:Fallback>
+  </mc:AlternateContent>
+</p:sld>
+</file>
+
+<file path=ppt/slides/slide8.xml><?xml version="1.0" encoding="utf-8"?>
+<p:sld xmlns:a="http://schemas.openxmlformats.org/drawingml/2006/main" xmlns:r="http://schemas.openxmlformats.org/officeDocument/2006/relationships" xmlns:p="http://schemas.openxmlformats.org/presentationml/2006/main">
+  <p:cSld>
+    <p:spTree>
+      <p:nvGrpSpPr>
+        <p:cNvPr id="1" name=""/>
+        <p:cNvGrpSpPr/>
+        <p:nvPr/>
+      </p:nvGrpSpPr>
+      <p:grpSpPr>
+        <a:xfrm>
+          <a:off x="0" y="0"/>
+          <a:ext cx="0" cy="0"/>
+          <a:chOff x="0" y="0"/>
+          <a:chExt cx="0" cy="0"/>
+        </a:xfrm>
+      </p:grpSpPr>
+      <p:sp>
+        <p:nvSpPr>
+          <p:cNvPr id="2" name="Titel 1"/>
+          <p:cNvSpPr>
+            <a:spLocks noGrp="1"/>
+          </p:cNvSpPr>
+          <p:nvPr>
+            <p:ph type="title"/>
+          </p:nvPr>
+        </p:nvSpPr>
+        <p:spPr/>
+        <p:txBody>
+          <a:bodyPr/>
+          <a:lstStyle/>
+          <a:p>
+            <a:r>
+              <a:rPr lang="de-DE" dirty="0"/>
+              <a:t>Netzwerk Switch</a:t>
+            </a:r>
+          </a:p>
+        </p:txBody>
+      </p:sp>
+      <p:sp>
+        <p:nvSpPr>
+          <p:cNvPr id="3" name="Inhaltsplatzhalter 2"/>
+          <p:cNvSpPr>
+            <a:spLocks noGrp="1"/>
+          </p:cNvSpPr>
+          <p:nvPr>
+            <p:ph idx="1"/>
+          </p:nvPr>
+        </p:nvSpPr>
+        <p:spPr/>
+        <p:txBody>
+          <a:bodyPr/>
+          <a:lstStyle/>
+          <a:p>
+            <a:r>
+              <a:rPr lang="en-US" dirty="0"/>
+              <a:t>HP Gigabit Switch 1820-24G (J9980A)</a:t>
+            </a:r>
+          </a:p>
+          <a:p>
+            <a:pPr lvl="1"/>
+            <a:r>
+              <a:rPr lang="de-DE" b="1" dirty="0"/>
+              <a:t>24</a:t>
+            </a:r>
+            <a:r>
+              <a:rPr lang="de-DE" dirty="0"/>
+              <a:t>x Ethernet, </a:t>
+            </a:r>
+            <a:r>
+              <a:rPr lang="de-DE" b="1" dirty="0"/>
+              <a:t>2</a:t>
+            </a:r>
+            <a:r>
+              <a:rPr lang="de-DE" dirty="0"/>
+              <a:t>x DFP Anschlüssen.</a:t>
+            </a:r>
+          </a:p>
+          <a:p>
+            <a:pPr lvl="1"/>
+            <a:r>
+              <a:rPr lang="de-DE" dirty="0"/>
+              <a:t>52 </a:t>
+            </a:r>
+            <a:r>
+              <a:rPr lang="de-DE" dirty="0" err="1"/>
+              <a:t>Gbps</a:t>
+            </a:r>
+            <a:r>
+              <a:rPr lang="de-DE" dirty="0"/>
+              <a:t> Kapazität.</a:t>
+            </a:r>
+          </a:p>
+          <a:p>
+            <a:pPr lvl="1"/>
+            <a:r>
+              <a:rPr lang="de-DE" dirty="0"/>
+              <a:t>22W Leistung (Last).</a:t>
+            </a:r>
+          </a:p>
+        </p:txBody>
+      </p:sp>
+    </p:spTree>
+    <p:extLst>
+      <p:ext uri="{BB962C8B-B14F-4D97-AF65-F5344CB8AC3E}">
+        <p14:creationId xmlns:p14="http://schemas.microsoft.com/office/powerpoint/2010/main" val="1943243209"/>
+      </p:ext>
+    </p:extLst>
+  </p:cSld>
+  <p:clrMapOvr>
+    <a:masterClrMapping/>
+  </p:clrMapOvr>
+  <mc:AlternateContent xmlns:mc="http://schemas.openxmlformats.org/markup-compatibility/2006" xmlns:p14="http://schemas.microsoft.com/office/powerpoint/2010/main">
+    <mc:Choice Requires="p14">
+      <p:transition spd="med" p14:dur="700">
+        <p:fade/>
+      </p:transition>
+    </mc:Choice>
+    <mc:Fallback xmlns="">
+      <p:transition spd="med">
+        <p:fade/>
+      </p:transition>
+    </mc:Fallback>
+  </mc:AlternateContent>
+</p:sld>
+</file>
+
+<file path=ppt/slides/slide9.xml><?xml version="1.0" encoding="utf-8"?>
+<p:sld xmlns:a="http://schemas.openxmlformats.org/drawingml/2006/main" xmlns:r="http://schemas.openxmlformats.org/officeDocument/2006/relationships" xmlns:p="http://schemas.openxmlformats.org/presentationml/2006/main">
+  <p:cSld>
+    <p:spTree>
+      <p:nvGrpSpPr>
+        <p:cNvPr id="1" name=""/>
+        <p:cNvGrpSpPr/>
+        <p:nvPr/>
+      </p:nvGrpSpPr>
+      <p:grpSpPr>
+        <a:xfrm>
+          <a:off x="0" y="0"/>
+          <a:ext cx="0" cy="0"/>
+          <a:chOff x="0" y="0"/>
+          <a:chExt cx="0" cy="0"/>
+        </a:xfrm>
+      </p:grpSpPr>
+      <p:sp>
+        <p:nvSpPr>
+          <p:cNvPr id="2" name="Titel 1"/>
+          <p:cNvSpPr>
+            <a:spLocks noGrp="1"/>
+          </p:cNvSpPr>
+          <p:nvPr>
+            <p:ph type="title"/>
+          </p:nvPr>
+        </p:nvSpPr>
+        <p:spPr/>
+        <p:txBody>
+          <a:bodyPr/>
+          <a:lstStyle/>
+          <a:p>
+            <a:r>
+              <a:rPr lang="de-DE" dirty="0"/>
+              <a:t>Netzwerk</a:t>
+            </a:r>
           </a:p>
         </p:txBody>
       </p:sp>
@@ -15703,21 +17549,21 @@
                 <a:gridCol w="2938490">
                   <a:extLst>
                     <a:ext uri="{9D8B030D-6E8A-4147-A177-3AD203B41FA5}">
-                      <a16:colId xmlns="" xmlns:a16="http://schemas.microsoft.com/office/drawing/2014/main" val="20000"/>
+                      <a16:colId xmlns:a16="http://schemas.microsoft.com/office/drawing/2014/main" val="20000"/>
                     </a:ext>
                   </a:extLst>
                 </a:gridCol>
                 <a:gridCol w="2938490">
                   <a:extLst>
                     <a:ext uri="{9D8B030D-6E8A-4147-A177-3AD203B41FA5}">
-                      <a16:colId xmlns="" xmlns:a16="http://schemas.microsoft.com/office/drawing/2014/main" val="20001"/>
+                      <a16:colId xmlns:a16="http://schemas.microsoft.com/office/drawing/2014/main" val="20001"/>
                     </a:ext>
                   </a:extLst>
                 </a:gridCol>
                 <a:gridCol w="2938490">
                   <a:extLst>
                     <a:ext uri="{9D8B030D-6E8A-4147-A177-3AD203B41FA5}">
-                      <a16:colId xmlns="" xmlns:a16="http://schemas.microsoft.com/office/drawing/2014/main" val="20002"/>
+                      <a16:colId xmlns:a16="http://schemas.microsoft.com/office/drawing/2014/main" val="20002"/>
                     </a:ext>
                   </a:extLst>
                 </a:gridCol>
@@ -15729,10 +17575,9 @@
                     <a:lstStyle/>
                     <a:p>
                       <a:r>
-                        <a:rPr lang="de-DE" dirty="0" smtClean="0"/>
+                        <a:rPr lang="de-DE" dirty="0"/>
                         <a:t>Typ</a:t>
                       </a:r>
-                      <a:endParaRPr lang="de-DE" dirty="0"/>
                     </a:p>
                   </a:txBody>
                   <a:tcPr/>
@@ -15785,7 +17630,7 @@
                 </a:tc>
                 <a:extLst>
                   <a:ext uri="{0D108BD9-81ED-4DB2-BD59-A6C34878D82A}">
-                    <a16:rowId xmlns="" xmlns:a16="http://schemas.microsoft.com/office/drawing/2014/main" val="10000"/>
+                    <a16:rowId xmlns:a16="http://schemas.microsoft.com/office/drawing/2014/main" val="10000"/>
                   </a:ext>
                 </a:extLst>
               </a:tr>
@@ -15813,7 +17658,7 @@
                         <a:defRPr/>
                       </a:pPr>
                       <a:r>
-                        <a:rPr lang="de-DE" sz="1799" b="0" i="0" u="none" strike="noStrike" kern="1200" dirty="0" smtClean="0">
+                        <a:rPr lang="de-DE" sz="1799" b="0" i="0" u="none" strike="noStrike" kern="1200" dirty="0">
                           <a:solidFill>
                             <a:schemeClr val="dk1"/>
                           </a:solidFill>
@@ -15824,7 +17669,7 @@
                         </a:rPr>
                         <a:t>Switch</a:t>
                       </a:r>
-                      <a:endParaRPr lang="de-DE" b="1" dirty="0" smtClean="0">
+                      <a:endParaRPr lang="de-DE" b="1" dirty="0">
                         <a:effectLst/>
                       </a:endParaRPr>
                     </a:p>
@@ -15864,7 +17709,7 @@
                         <a:defRPr/>
                       </a:pPr>
                       <a:r>
-                        <a:rPr lang="en-US" dirty="0" smtClean="0"/>
+                        <a:rPr lang="en-US" dirty="0"/>
                         <a:t>HP Gigabit Switch 1820-24G (J9980A)</a:t>
                       </a:r>
                     </a:p>
@@ -15939,7 +17784,7 @@
                 </a:tc>
                 <a:extLst>
                   <a:ext uri="{0D108BD9-81ED-4DB2-BD59-A6C34878D82A}">
-                    <a16:rowId xmlns="" xmlns:a16="http://schemas.microsoft.com/office/drawing/2014/main" val="10001"/>
+                    <a16:rowId xmlns:a16="http://schemas.microsoft.com/office/drawing/2014/main" val="10001"/>
                   </a:ext>
                 </a:extLst>
               </a:tr>
@@ -15986,7 +17831,7 @@
                 </a:tc>
                 <a:extLst>
                   <a:ext uri="{0D108BD9-81ED-4DB2-BD59-A6C34878D82A}">
-                    <a16:rowId xmlns="" xmlns:a16="http://schemas.microsoft.com/office/drawing/2014/main" val="10002"/>
+                    <a16:rowId xmlns:a16="http://schemas.microsoft.com/office/drawing/2014/main" val="10002"/>
                   </a:ext>
                 </a:extLst>
               </a:tr>
@@ -16023,7 +17868,7 @@
                 </a:tc>
                 <a:extLst>
                   <a:ext uri="{0D108BD9-81ED-4DB2-BD59-A6C34878D82A}">
-                    <a16:rowId xmlns="" xmlns:a16="http://schemas.microsoft.com/office/drawing/2014/main" val="10003"/>
+                    <a16:rowId xmlns:a16="http://schemas.microsoft.com/office/drawing/2014/main" val="10003"/>
                   </a:ext>
                 </a:extLst>
               </a:tr>
@@ -16060,7 +17905,7 @@
                 </a:tc>
                 <a:extLst>
                   <a:ext uri="{0D108BD9-81ED-4DB2-BD59-A6C34878D82A}">
-                    <a16:rowId xmlns="" xmlns:a16="http://schemas.microsoft.com/office/drawing/2014/main" val="10004"/>
+                    <a16:rowId xmlns:a16="http://schemas.microsoft.com/office/drawing/2014/main" val="10004"/>
                   </a:ext>
                 </a:extLst>
               </a:tr>
@@ -16097,7 +17942,7 @@
                 </a:tc>
                 <a:extLst>
                   <a:ext uri="{0D108BD9-81ED-4DB2-BD59-A6C34878D82A}">
-                    <a16:rowId xmlns="" xmlns:a16="http://schemas.microsoft.com/office/drawing/2014/main" val="10005"/>
+                    <a16:rowId xmlns:a16="http://schemas.microsoft.com/office/drawing/2014/main" val="10005"/>
                   </a:ext>
                 </a:extLst>
               </a:tr>
@@ -16134,7 +17979,7 @@
                 </a:tc>
                 <a:extLst>
                   <a:ext uri="{0D108BD9-81ED-4DB2-BD59-A6C34878D82A}">
-                    <a16:rowId xmlns="" xmlns:a16="http://schemas.microsoft.com/office/drawing/2014/main" val="10006"/>
+                    <a16:rowId xmlns:a16="http://schemas.microsoft.com/office/drawing/2014/main" val="10006"/>
                   </a:ext>
                 </a:extLst>
               </a:tr>
@@ -16171,7 +18016,7 @@
                 </a:tc>
                 <a:extLst>
                   <a:ext uri="{0D108BD9-81ED-4DB2-BD59-A6C34878D82A}">
-                    <a16:rowId xmlns="" xmlns:a16="http://schemas.microsoft.com/office/drawing/2014/main" val="10007"/>
+                    <a16:rowId xmlns:a16="http://schemas.microsoft.com/office/drawing/2014/main" val="10007"/>
                   </a:ext>
                 </a:extLst>
               </a:tr>
@@ -16202,7 +18047,7 @@
           <a:lstStyle/>
           <a:p>
             <a:r>
-              <a:rPr lang="el-GR" sz="1799" dirty="0" smtClean="0">
+              <a:rPr lang="el-GR" sz="1799" dirty="0">
                 <a:solidFill>
                   <a:schemeClr val="bg1"/>
                 </a:solidFill>
@@ -16210,7 +18055,7 @@
               <a:t>Σ</a:t>
             </a:r>
             <a:r>
-              <a:rPr lang="de-DE" sz="1799" dirty="0" smtClean="0">
+              <a:rPr lang="de-DE" sz="1799" dirty="0">
                 <a:solidFill>
                   <a:schemeClr val="bg1"/>
                 </a:solidFill>
@@ -16244,18 +18089,13 @@
           <a:lstStyle/>
           <a:p>
             <a:r>
-              <a:rPr lang="de-DE" dirty="0" smtClean="0">
+              <a:rPr lang="de-DE" dirty="0">
                 <a:solidFill>
                   <a:schemeClr val="bg1"/>
                 </a:solidFill>
               </a:rPr>
               <a:t>NAS</a:t>
             </a:r>
-            <a:endParaRPr lang="de-DE" dirty="0">
-              <a:solidFill>
-                <a:schemeClr val="bg1"/>
-              </a:solidFill>
-            </a:endParaRPr>
           </a:p>
         </p:txBody>
       </p:sp>
@@ -16506,1782 +18346,6 @@
     </p:tnLst>
     <p:bldLst>
       <p:bldP spid="4" grpId="0"/>
-    </p:bldLst>
-  </p:timing>
-</p:sld>
-</file>
-
-<file path=ppt/slides/slide7.xml><?xml version="1.0" encoding="utf-8"?>
-<p:sld xmlns:a="http://schemas.openxmlformats.org/drawingml/2006/main" xmlns:r="http://schemas.openxmlformats.org/officeDocument/2006/relationships" xmlns:p="http://schemas.openxmlformats.org/presentationml/2006/main">
-  <p:cSld>
-    <p:spTree>
-      <p:nvGrpSpPr>
-        <p:cNvPr id="1" name=""/>
-        <p:cNvGrpSpPr/>
-        <p:nvPr/>
-      </p:nvGrpSpPr>
-      <p:grpSpPr>
-        <a:xfrm>
-          <a:off x="0" y="0"/>
-          <a:ext cx="0" cy="0"/>
-          <a:chOff x="0" y="0"/>
-          <a:chExt cx="0" cy="0"/>
-        </a:xfrm>
-      </p:grpSpPr>
-      <p:sp>
-        <p:nvSpPr>
-          <p:cNvPr id="2" name="Titel 1"/>
-          <p:cNvSpPr>
-            <a:spLocks noGrp="1"/>
-          </p:cNvSpPr>
-          <p:nvPr>
-            <p:ph type="title"/>
-          </p:nvPr>
-        </p:nvSpPr>
-        <p:spPr/>
-        <p:txBody>
-          <a:bodyPr/>
-          <a:lstStyle/>
-          <a:p>
-            <a:r>
-              <a:rPr lang="de-DE" dirty="0" smtClean="0"/>
-              <a:t>Netzwerk NAS</a:t>
-            </a:r>
-            <a:endParaRPr lang="de-DE" dirty="0"/>
-          </a:p>
-        </p:txBody>
-      </p:sp>
-      <p:sp>
-        <p:nvSpPr>
-          <p:cNvPr id="3" name="Inhaltsplatzhalter 2"/>
-          <p:cNvSpPr>
-            <a:spLocks noGrp="1"/>
-          </p:cNvSpPr>
-          <p:nvPr>
-            <p:ph idx="1"/>
-          </p:nvPr>
-        </p:nvSpPr>
-        <p:spPr/>
-        <p:txBody>
-          <a:bodyPr>
-            <a:normAutofit/>
-          </a:bodyPr>
-          <a:lstStyle/>
-          <a:p>
-            <a:r>
-              <a:rPr lang="de-DE" dirty="0"/>
-              <a:t>QNAP </a:t>
-            </a:r>
-            <a:r>
-              <a:rPr lang="de-DE" dirty="0" smtClean="0"/>
-              <a:t>TS-431P</a:t>
-            </a:r>
-          </a:p>
-          <a:p>
-            <a:pPr lvl="1"/>
-            <a:r>
-              <a:rPr lang="de-DE" dirty="0"/>
-              <a:t>4x SATA </a:t>
-            </a:r>
-            <a:r>
-              <a:rPr lang="de-DE" dirty="0" smtClean="0"/>
-              <a:t>6Gbps für HDD und SSD (Hot-swap)</a:t>
-            </a:r>
-          </a:p>
-          <a:p>
-            <a:pPr lvl="1"/>
-            <a:r>
-              <a:rPr lang="de-DE" dirty="0"/>
-              <a:t>2xGigabit </a:t>
-            </a:r>
-            <a:r>
-              <a:rPr lang="de-DE" dirty="0" smtClean="0"/>
-              <a:t>LAN-Ports</a:t>
-            </a:r>
-          </a:p>
-          <a:p>
-            <a:pPr lvl="1"/>
-            <a:r>
-              <a:rPr lang="de-DE" sz="2000" dirty="0"/>
-              <a:t>DLNA®, sowie </a:t>
-            </a:r>
-            <a:r>
-              <a:rPr lang="de-DE" sz="2000" dirty="0" err="1"/>
-              <a:t>AirPlay</a:t>
-            </a:r>
-            <a:r>
-              <a:rPr lang="de-DE" sz="2000" dirty="0" smtClean="0"/>
-              <a:t>®.</a:t>
-            </a:r>
-          </a:p>
-          <a:p>
-            <a:r>
-              <a:rPr lang="de-DE" dirty="0" smtClean="0"/>
-              <a:t>Speicher: </a:t>
-            </a:r>
-            <a:r>
-              <a:rPr lang="en-US" dirty="0"/>
-              <a:t>4x WD Red WD40EFRX – </a:t>
-            </a:r>
-            <a:r>
-              <a:rPr lang="en-US" dirty="0" smtClean="0"/>
-              <a:t>4TB</a:t>
-            </a:r>
-          </a:p>
-          <a:p>
-            <a:pPr lvl="1"/>
-            <a:r>
-              <a:rPr lang="de-DE" dirty="0" smtClean="0"/>
-              <a:t>24/7 </a:t>
-            </a:r>
-            <a:r>
-              <a:rPr lang="de-DE" dirty="0"/>
-              <a:t>Betrieb </a:t>
-            </a:r>
-            <a:r>
-              <a:rPr lang="de-DE" dirty="0" smtClean="0"/>
-              <a:t>wird unterstützt.</a:t>
-            </a:r>
-            <a:endParaRPr lang="de-DE" dirty="0"/>
-          </a:p>
-          <a:p>
-            <a:pPr marL="0" indent="0">
-              <a:buNone/>
-            </a:pPr>
-            <a:r>
-              <a:rPr lang="de-DE" dirty="0"/>
-              <a:t/>
-            </a:r>
-            <a:br>
-              <a:rPr lang="de-DE" dirty="0"/>
-            </a:br>
-            <a:endParaRPr lang="de-DE" dirty="0"/>
-          </a:p>
-        </p:txBody>
-      </p:sp>
-    </p:spTree>
-    <p:extLst>
-      <p:ext uri="{BB962C8B-B14F-4D97-AF65-F5344CB8AC3E}">
-        <p14:creationId xmlns:p14="http://schemas.microsoft.com/office/powerpoint/2010/main" val="3265944214"/>
-      </p:ext>
-    </p:extLst>
-  </p:cSld>
-  <p:clrMapOvr>
-    <a:masterClrMapping/>
-  </p:clrMapOvr>
-  <mc:AlternateContent xmlns:mc="http://schemas.openxmlformats.org/markup-compatibility/2006">
-    <mc:Choice xmlns:p14="http://schemas.microsoft.com/office/powerpoint/2010/main" Requires="p14">
-      <p:transition spd="med" p14:dur="700">
-        <p:fade/>
-      </p:transition>
-    </mc:Choice>
-    <mc:Fallback>
-      <p:transition spd="med">
-        <p:fade/>
-      </p:transition>
-    </mc:Fallback>
-  </mc:AlternateContent>
-  <p:timing>
-    <p:tnLst>
-      <p:par>
-        <p:cTn id="1" dur="indefinite" restart="never" nodeType="tmRoot"/>
-      </p:par>
-    </p:tnLst>
-  </p:timing>
-</p:sld>
-</file>
-
-<file path=ppt/slides/slide8.xml><?xml version="1.0" encoding="utf-8"?>
-<p:sld xmlns:a="http://schemas.openxmlformats.org/drawingml/2006/main" xmlns:r="http://schemas.openxmlformats.org/officeDocument/2006/relationships" xmlns:p="http://schemas.openxmlformats.org/presentationml/2006/main">
-  <p:cSld>
-    <p:spTree>
-      <p:nvGrpSpPr>
-        <p:cNvPr id="1" name=""/>
-        <p:cNvGrpSpPr/>
-        <p:nvPr/>
-      </p:nvGrpSpPr>
-      <p:grpSpPr>
-        <a:xfrm>
-          <a:off x="0" y="0"/>
-          <a:ext cx="0" cy="0"/>
-          <a:chOff x="0" y="0"/>
-          <a:chExt cx="0" cy="0"/>
-        </a:xfrm>
-      </p:grpSpPr>
-      <p:sp>
-        <p:nvSpPr>
-          <p:cNvPr id="2" name="Titel 1"/>
-          <p:cNvSpPr>
-            <a:spLocks noGrp="1"/>
-          </p:cNvSpPr>
-          <p:nvPr>
-            <p:ph type="title"/>
-          </p:nvPr>
-        </p:nvSpPr>
-        <p:spPr/>
-        <p:txBody>
-          <a:bodyPr/>
-          <a:lstStyle/>
-          <a:p>
-            <a:r>
-              <a:rPr lang="de-DE" dirty="0"/>
-              <a:t>Allgemeine Anforderungen </a:t>
-            </a:r>
-          </a:p>
-        </p:txBody>
-      </p:sp>
-      <p:graphicFrame>
-        <p:nvGraphicFramePr>
-          <p:cNvPr id="4" name="Tabelle 3"/>
-          <p:cNvGraphicFramePr>
-            <a:graphicFrameLocks noGrp="1"/>
-          </p:cNvGraphicFramePr>
-          <p:nvPr>
-            <p:extLst>
-              <p:ext uri="{D42A27DB-BD31-4B8C-83A1-F6EECF244321}">
-                <p14:modId xmlns:p14="http://schemas.microsoft.com/office/powerpoint/2010/main" val="2231414876"/>
-              </p:ext>
-            </p:extLst>
-          </p:nvPr>
-        </p:nvGraphicFramePr>
-        <p:xfrm>
-          <a:off x="1197868" y="2132856"/>
-          <a:ext cx="8815470" cy="4320482"/>
-        </p:xfrm>
-        <a:graphic>
-          <a:graphicData uri="http://schemas.openxmlformats.org/drawingml/2006/table">
-            <a:tbl>
-              <a:tblPr firstRow="1" bandRow="1">
-                <a:tableStyleId>{5C22544A-7EE6-4342-B048-85BDC9FD1C3A}</a:tableStyleId>
-              </a:tblPr>
-              <a:tblGrid>
-                <a:gridCol w="2938490">
-                  <a:extLst>
-                    <a:ext uri="{9D8B030D-6E8A-4147-A177-3AD203B41FA5}">
-                      <a16:colId xmlns="" xmlns:a16="http://schemas.microsoft.com/office/drawing/2014/main" val="20000"/>
-                    </a:ext>
-                  </a:extLst>
-                </a:gridCol>
-                <a:gridCol w="2938490">
-                  <a:extLst>
-                    <a:ext uri="{9D8B030D-6E8A-4147-A177-3AD203B41FA5}">
-                      <a16:colId xmlns="" xmlns:a16="http://schemas.microsoft.com/office/drawing/2014/main" val="20001"/>
-                    </a:ext>
-                  </a:extLst>
-                </a:gridCol>
-                <a:gridCol w="2938490">
-                  <a:extLst>
-                    <a:ext uri="{9D8B030D-6E8A-4147-A177-3AD203B41FA5}">
-                      <a16:colId xmlns="" xmlns:a16="http://schemas.microsoft.com/office/drawing/2014/main" val="20002"/>
-                    </a:ext>
-                  </a:extLst>
-                </a:gridCol>
-              </a:tblGrid>
-              <a:tr h="495165">
-                <a:tc>
-                  <a:txBody>
-                    <a:bodyPr/>
-                    <a:lstStyle/>
-                    <a:p>
-                      <a:r>
-                        <a:rPr lang="de-DE" dirty="0"/>
-                        <a:t>Bereich</a:t>
-                      </a:r>
-                    </a:p>
-                  </a:txBody>
-                  <a:tcPr/>
-                </a:tc>
-                <a:tc>
-                  <a:txBody>
-                    <a:bodyPr/>
-                    <a:lstStyle/>
-                    <a:p>
-                      <a:r>
-                        <a:rPr lang="de-DE" dirty="0"/>
-                        <a:t>Model</a:t>
-                      </a:r>
-                    </a:p>
-                  </a:txBody>
-                  <a:tcPr/>
-                </a:tc>
-                <a:tc>
-                  <a:txBody>
-                    <a:bodyPr/>
-                    <a:lstStyle/>
-                    <a:p>
-                      <a:r>
-                        <a:rPr lang="de-DE" dirty="0"/>
-                        <a:t>Preis</a:t>
-                      </a:r>
-                    </a:p>
-                  </a:txBody>
-                  <a:tcPr/>
-                </a:tc>
-                <a:extLst>
-                  <a:ext uri="{0D108BD9-81ED-4DB2-BD59-A6C34878D82A}">
-                    <a16:rowId xmlns="" xmlns:a16="http://schemas.microsoft.com/office/drawing/2014/main" val="10000"/>
-                  </a:ext>
-                </a:extLst>
-              </a:tr>
-              <a:tr h="495165">
-                <a:tc>
-                  <a:txBody>
-                    <a:bodyPr/>
-                    <a:lstStyle/>
-                    <a:p>
-                      <a:r>
-                        <a:rPr lang="de-DE" dirty="0"/>
-                        <a:t>Netzwerk</a:t>
-                      </a:r>
-                    </a:p>
-                  </a:txBody>
-                  <a:tcPr/>
-                </a:tc>
-                <a:tc>
-                  <a:txBody>
-                    <a:bodyPr/>
-                    <a:lstStyle/>
-                    <a:p>
-                      <a:r>
-                        <a:rPr lang="de-DE" sz="1799" b="0" i="0" u="none" strike="noStrike" kern="1200" dirty="0">
-                          <a:solidFill>
-                            <a:schemeClr val="dk1"/>
-                          </a:solidFill>
-                          <a:effectLst/>
-                          <a:latin typeface="+mn-lt"/>
-                          <a:ea typeface="+mn-ea"/>
-                          <a:cs typeface="+mn-cs"/>
-                        </a:rPr>
-                        <a:t>HP </a:t>
-                      </a:r>
-                      <a:r>
-                        <a:rPr lang="de-DE" sz="1799" b="0" i="0" u="none" strike="noStrike" kern="1200" dirty="0" err="1">
-                          <a:solidFill>
-                            <a:schemeClr val="dk1"/>
-                          </a:solidFill>
-                          <a:effectLst/>
-                          <a:latin typeface="+mn-lt"/>
-                          <a:ea typeface="+mn-ea"/>
-                          <a:cs typeface="+mn-cs"/>
-                        </a:rPr>
-                        <a:t>ProLiant</a:t>
-                      </a:r>
-                      <a:r>
-                        <a:rPr lang="de-DE" sz="1799" b="0" i="0" u="none" strike="noStrike" kern="1200" dirty="0">
-                          <a:solidFill>
-                            <a:schemeClr val="dk1"/>
-                          </a:solidFill>
-                          <a:effectLst/>
-                          <a:latin typeface="+mn-lt"/>
-                          <a:ea typeface="+mn-ea"/>
-                          <a:cs typeface="+mn-cs"/>
-                        </a:rPr>
-                        <a:t> DL80G92U…</a:t>
-                      </a:r>
-                      <a:endParaRPr lang="de-DE" dirty="0"/>
-                    </a:p>
-                  </a:txBody>
-                  <a:tcPr/>
-                </a:tc>
-                <a:tc>
-                  <a:txBody>
-                    <a:bodyPr/>
-                    <a:lstStyle/>
-                    <a:p>
-                      <a:endParaRPr lang="de-DE" dirty="0"/>
-                    </a:p>
-                  </a:txBody>
-                  <a:tcPr/>
-                </a:tc>
-                <a:extLst>
-                  <a:ext uri="{0D108BD9-81ED-4DB2-BD59-A6C34878D82A}">
-                    <a16:rowId xmlns="" xmlns:a16="http://schemas.microsoft.com/office/drawing/2014/main" val="10001"/>
-                  </a:ext>
-                </a:extLst>
-              </a:tr>
-              <a:tr h="495165">
-                <a:tc>
-                  <a:txBody>
-                    <a:bodyPr/>
-                    <a:lstStyle/>
-                    <a:p>
-                      <a:endParaRPr lang="de-DE" dirty="0"/>
-                    </a:p>
-                  </a:txBody>
-                  <a:tcPr/>
-                </a:tc>
-                <a:tc>
-                  <a:txBody>
-                    <a:bodyPr/>
-                    <a:lstStyle/>
-                    <a:p>
-                      <a:endParaRPr lang="de-DE" dirty="0"/>
-                    </a:p>
-                  </a:txBody>
-                  <a:tcPr/>
-                </a:tc>
-                <a:tc>
-                  <a:txBody>
-                    <a:bodyPr/>
-                    <a:lstStyle/>
-                    <a:p>
-                      <a:endParaRPr lang="de-DE"/>
-                    </a:p>
-                  </a:txBody>
-                  <a:tcPr/>
-                </a:tc>
-                <a:extLst>
-                  <a:ext uri="{0D108BD9-81ED-4DB2-BD59-A6C34878D82A}">
-                    <a16:rowId xmlns="" xmlns:a16="http://schemas.microsoft.com/office/drawing/2014/main" val="10002"/>
-                  </a:ext>
-                </a:extLst>
-              </a:tr>
-              <a:tr h="495165">
-                <a:tc>
-                  <a:txBody>
-                    <a:bodyPr/>
-                    <a:lstStyle/>
-                    <a:p>
-                      <a:endParaRPr lang="de-DE" dirty="0"/>
-                    </a:p>
-                  </a:txBody>
-                  <a:tcPr/>
-                </a:tc>
-                <a:tc>
-                  <a:txBody>
-                    <a:bodyPr/>
-                    <a:lstStyle/>
-                    <a:p>
-                      <a:endParaRPr lang="de-DE"/>
-                    </a:p>
-                  </a:txBody>
-                  <a:tcPr/>
-                </a:tc>
-                <a:tc>
-                  <a:txBody>
-                    <a:bodyPr/>
-                    <a:lstStyle/>
-                    <a:p>
-                      <a:endParaRPr lang="de-DE" dirty="0"/>
-                    </a:p>
-                  </a:txBody>
-                  <a:tcPr/>
-                </a:tc>
-                <a:extLst>
-                  <a:ext uri="{0D108BD9-81ED-4DB2-BD59-A6C34878D82A}">
-                    <a16:rowId xmlns="" xmlns:a16="http://schemas.microsoft.com/office/drawing/2014/main" val="10003"/>
-                  </a:ext>
-                </a:extLst>
-              </a:tr>
-              <a:tr h="854327">
-                <a:tc>
-                  <a:txBody>
-                    <a:bodyPr/>
-                    <a:lstStyle/>
-                    <a:p>
-                      <a:endParaRPr lang="de-DE" dirty="0"/>
-                    </a:p>
-                  </a:txBody>
-                  <a:tcPr/>
-                </a:tc>
-                <a:tc>
-                  <a:txBody>
-                    <a:bodyPr/>
-                    <a:lstStyle/>
-                    <a:p>
-                      <a:endParaRPr lang="de-DE"/>
-                    </a:p>
-                  </a:txBody>
-                  <a:tcPr/>
-                </a:tc>
-                <a:tc>
-                  <a:txBody>
-                    <a:bodyPr/>
-                    <a:lstStyle/>
-                    <a:p>
-                      <a:endParaRPr lang="de-DE" dirty="0"/>
-                    </a:p>
-                  </a:txBody>
-                  <a:tcPr/>
-                </a:tc>
-                <a:extLst>
-                  <a:ext uri="{0D108BD9-81ED-4DB2-BD59-A6C34878D82A}">
-                    <a16:rowId xmlns="" xmlns:a16="http://schemas.microsoft.com/office/drawing/2014/main" val="10004"/>
-                  </a:ext>
-                </a:extLst>
-              </a:tr>
-              <a:tr h="495165">
-                <a:tc>
-                  <a:txBody>
-                    <a:bodyPr/>
-                    <a:lstStyle/>
-                    <a:p>
-                      <a:endParaRPr lang="de-DE" dirty="0"/>
-                    </a:p>
-                  </a:txBody>
-                  <a:tcPr/>
-                </a:tc>
-                <a:tc>
-                  <a:txBody>
-                    <a:bodyPr/>
-                    <a:lstStyle/>
-                    <a:p>
-                      <a:endParaRPr lang="de-DE"/>
-                    </a:p>
-                  </a:txBody>
-                  <a:tcPr/>
-                </a:tc>
-                <a:tc>
-                  <a:txBody>
-                    <a:bodyPr/>
-                    <a:lstStyle/>
-                    <a:p>
-                      <a:endParaRPr lang="de-DE" dirty="0"/>
-                    </a:p>
-                  </a:txBody>
-                  <a:tcPr/>
-                </a:tc>
-                <a:extLst>
-                  <a:ext uri="{0D108BD9-81ED-4DB2-BD59-A6C34878D82A}">
-                    <a16:rowId xmlns="" xmlns:a16="http://schemas.microsoft.com/office/drawing/2014/main" val="10005"/>
-                  </a:ext>
-                </a:extLst>
-              </a:tr>
-              <a:tr h="495165">
-                <a:tc>
-                  <a:txBody>
-                    <a:bodyPr/>
-                    <a:lstStyle/>
-                    <a:p>
-                      <a:endParaRPr lang="de-DE" dirty="0"/>
-                    </a:p>
-                  </a:txBody>
-                  <a:tcPr/>
-                </a:tc>
-                <a:tc>
-                  <a:txBody>
-                    <a:bodyPr/>
-                    <a:lstStyle/>
-                    <a:p>
-                      <a:endParaRPr lang="de-DE"/>
-                    </a:p>
-                  </a:txBody>
-                  <a:tcPr/>
-                </a:tc>
-                <a:tc>
-                  <a:txBody>
-                    <a:bodyPr/>
-                    <a:lstStyle/>
-                    <a:p>
-                      <a:endParaRPr lang="de-DE" dirty="0"/>
-                    </a:p>
-                  </a:txBody>
-                  <a:tcPr/>
-                </a:tc>
-                <a:extLst>
-                  <a:ext uri="{0D108BD9-81ED-4DB2-BD59-A6C34878D82A}">
-                    <a16:rowId xmlns="" xmlns:a16="http://schemas.microsoft.com/office/drawing/2014/main" val="10006"/>
-                  </a:ext>
-                </a:extLst>
-              </a:tr>
-              <a:tr h="495165">
-                <a:tc>
-                  <a:txBody>
-                    <a:bodyPr/>
-                    <a:lstStyle/>
-                    <a:p>
-                      <a:endParaRPr lang="de-DE" dirty="0"/>
-                    </a:p>
-                  </a:txBody>
-                  <a:tcPr/>
-                </a:tc>
-                <a:tc>
-                  <a:txBody>
-                    <a:bodyPr/>
-                    <a:lstStyle/>
-                    <a:p>
-                      <a:endParaRPr lang="de-DE" dirty="0"/>
-                    </a:p>
-                  </a:txBody>
-                  <a:tcPr/>
-                </a:tc>
-                <a:tc>
-                  <a:txBody>
-                    <a:bodyPr/>
-                    <a:lstStyle/>
-                    <a:p>
-                      <a:endParaRPr lang="de-DE" dirty="0"/>
-                    </a:p>
-                  </a:txBody>
-                  <a:tcPr/>
-                </a:tc>
-                <a:extLst>
-                  <a:ext uri="{0D108BD9-81ED-4DB2-BD59-A6C34878D82A}">
-                    <a16:rowId xmlns="" xmlns:a16="http://schemas.microsoft.com/office/drawing/2014/main" val="10007"/>
-                  </a:ext>
-                </a:extLst>
-              </a:tr>
-            </a:tbl>
-          </a:graphicData>
-        </a:graphic>
-      </p:graphicFrame>
-      <p:sp>
-        <p:nvSpPr>
-          <p:cNvPr id="3" name="Textfeld 2"/>
-          <p:cNvSpPr txBox="1"/>
-          <p:nvPr/>
-        </p:nvSpPr>
-        <p:spPr>
-          <a:xfrm>
-            <a:off x="7133018" y="2708920"/>
-            <a:ext cx="2880320" cy="369332"/>
-          </a:xfrm>
-          <a:prstGeom prst="rect">
-            <a:avLst/>
-          </a:prstGeom>
-          <a:noFill/>
-        </p:spPr>
-        <p:txBody>
-          <a:bodyPr wrap="square" rtlCol="0">
-            <a:spAutoFit/>
-          </a:bodyPr>
-          <a:lstStyle/>
-          <a:p>
-            <a:r>
-              <a:rPr lang="el-GR" sz="1799" dirty="0">
-                <a:solidFill>
-                  <a:schemeClr val="bg1"/>
-                </a:solidFill>
-              </a:rPr>
-              <a:t>Σ</a:t>
-            </a:r>
-            <a:r>
-              <a:rPr lang="de-DE" sz="1799" dirty="0">
-                <a:solidFill>
-                  <a:schemeClr val="bg1"/>
-                </a:solidFill>
-              </a:rPr>
-              <a:t> </a:t>
-            </a:r>
-            <a:r>
-              <a:rPr lang="de-DE" dirty="0">
-                <a:solidFill>
-                  <a:schemeClr val="bg1"/>
-                </a:solidFill>
-              </a:rPr>
-              <a:t>XXX,YY€</a:t>
-            </a:r>
-          </a:p>
-        </p:txBody>
-      </p:sp>
-      <p:sp>
-        <p:nvSpPr>
-          <p:cNvPr id="5" name="Textfeld 4"/>
-          <p:cNvSpPr txBox="1"/>
-          <p:nvPr/>
-        </p:nvSpPr>
-        <p:spPr>
-          <a:xfrm>
-            <a:off x="1197868" y="3203684"/>
-            <a:ext cx="2880320" cy="369332"/>
-          </a:xfrm>
-          <a:prstGeom prst="rect">
-            <a:avLst/>
-          </a:prstGeom>
-          <a:noFill/>
-        </p:spPr>
-        <p:txBody>
-          <a:bodyPr wrap="square" rtlCol="0">
-            <a:spAutoFit/>
-          </a:bodyPr>
-          <a:lstStyle/>
-          <a:p>
-            <a:r>
-              <a:rPr lang="de-DE" dirty="0">
-                <a:solidFill>
-                  <a:schemeClr val="bg1"/>
-                </a:solidFill>
-              </a:rPr>
-              <a:t>Programmierung</a:t>
-            </a:r>
-          </a:p>
-        </p:txBody>
-      </p:sp>
-    </p:spTree>
-    <p:extLst>
-      <p:ext uri="{BB962C8B-B14F-4D97-AF65-F5344CB8AC3E}">
-        <p14:creationId xmlns:p14="http://schemas.microsoft.com/office/powerpoint/2010/main" val="1070570958"/>
-      </p:ext>
-    </p:extLst>
-  </p:cSld>
-  <p:clrMapOvr>
-    <a:masterClrMapping/>
-  </p:clrMapOvr>
-  <mc:AlternateContent xmlns:mc="http://schemas.openxmlformats.org/markup-compatibility/2006" xmlns:p14="http://schemas.microsoft.com/office/powerpoint/2010/main">
-    <mc:Choice Requires="p14">
-      <p:transition spd="med" p14:dur="700">
-        <p:fade/>
-      </p:transition>
-    </mc:Choice>
-    <mc:Fallback xmlns="">
-      <p:transition spd="med">
-        <p:fade/>
-      </p:transition>
-    </mc:Fallback>
-  </mc:AlternateContent>
-  <p:timing>
-    <p:tnLst>
-      <p:par>
-        <p:cTn id="1" dur="indefinite" restart="never" nodeType="tmRoot">
-          <p:childTnLst>
-            <p:seq concurrent="1" nextAc="seek">
-              <p:cTn id="2" dur="indefinite" nodeType="mainSeq">
-                <p:childTnLst>
-                  <p:par>
-                    <p:cTn id="3" fill="hold">
-                      <p:stCondLst>
-                        <p:cond delay="indefinite"/>
-                      </p:stCondLst>
-                      <p:childTnLst>
-                        <p:par>
-                          <p:cTn id="4" fill="hold">
-                            <p:stCondLst>
-                              <p:cond delay="0"/>
-                            </p:stCondLst>
-                            <p:childTnLst>
-                              <p:par>
-                                <p:cTn id="5" presetID="2" presetClass="entr" presetSubtype="4" fill="hold" grpId="0" nodeType="clickEffect">
-                                  <p:stCondLst>
-                                    <p:cond delay="0"/>
-                                  </p:stCondLst>
-                                  <p:childTnLst>
-                                    <p:set>
-                                      <p:cBhvr>
-                                        <p:cTn id="6" dur="1" fill="hold">
-                                          <p:stCondLst>
-                                            <p:cond delay="0"/>
-                                          </p:stCondLst>
-                                        </p:cTn>
-                                        <p:tgtEl>
-                                          <p:spTgt spid="3"/>
-                                        </p:tgtEl>
-                                        <p:attrNameLst>
-                                          <p:attrName>style.visibility</p:attrName>
-                                        </p:attrNameLst>
-                                      </p:cBhvr>
-                                      <p:to>
-                                        <p:strVal val="visible"/>
-                                      </p:to>
-                                    </p:set>
-                                    <p:anim calcmode="lin" valueType="num">
-                                      <p:cBhvr additive="base">
-                                        <p:cTn id="7" dur="500" fill="hold"/>
-                                        <p:tgtEl>
-                                          <p:spTgt spid="3"/>
-                                        </p:tgtEl>
-                                        <p:attrNameLst>
-                                          <p:attrName>ppt_x</p:attrName>
-                                        </p:attrNameLst>
-                                      </p:cBhvr>
-                                      <p:tavLst>
-                                        <p:tav tm="0">
-                                          <p:val>
-                                            <p:strVal val="#ppt_x"/>
-                                          </p:val>
-                                        </p:tav>
-                                        <p:tav tm="100000">
-                                          <p:val>
-                                            <p:strVal val="#ppt_x"/>
-                                          </p:val>
-                                        </p:tav>
-                                      </p:tavLst>
-                                    </p:anim>
-                                    <p:anim calcmode="lin" valueType="num">
-                                      <p:cBhvr additive="base">
-                                        <p:cTn id="8" dur="500" fill="hold"/>
-                                        <p:tgtEl>
-                                          <p:spTgt spid="3"/>
-                                        </p:tgtEl>
-                                        <p:attrNameLst>
-                                          <p:attrName>ppt_y</p:attrName>
-                                        </p:attrNameLst>
-                                      </p:cBhvr>
-                                      <p:tavLst>
-                                        <p:tav tm="0">
-                                          <p:val>
-                                            <p:strVal val="1+#ppt_h/2"/>
-                                          </p:val>
-                                        </p:tav>
-                                        <p:tav tm="100000">
-                                          <p:val>
-                                            <p:strVal val="#ppt_y"/>
-                                          </p:val>
-                                        </p:tav>
-                                      </p:tavLst>
-                                    </p:anim>
-                                  </p:childTnLst>
-                                </p:cTn>
-                              </p:par>
-                            </p:childTnLst>
-                          </p:cTn>
-                        </p:par>
-                      </p:childTnLst>
-                    </p:cTn>
-                  </p:par>
-                  <p:par>
-                    <p:cTn id="9" fill="hold">
-                      <p:stCondLst>
-                        <p:cond delay="indefinite"/>
-                      </p:stCondLst>
-                      <p:childTnLst>
-                        <p:par>
-                          <p:cTn id="10" fill="hold">
-                            <p:stCondLst>
-                              <p:cond delay="0"/>
-                            </p:stCondLst>
-                            <p:childTnLst>
-                              <p:par>
-                                <p:cTn id="11" presetID="2" presetClass="entr" presetSubtype="4" fill="hold" grpId="0" nodeType="clickEffect">
-                                  <p:stCondLst>
-                                    <p:cond delay="0"/>
-                                  </p:stCondLst>
-                                  <p:childTnLst>
-                                    <p:set>
-                                      <p:cBhvr>
-                                        <p:cTn id="12" dur="1" fill="hold">
-                                          <p:stCondLst>
-                                            <p:cond delay="0"/>
-                                          </p:stCondLst>
-                                        </p:cTn>
-                                        <p:tgtEl>
-                                          <p:spTgt spid="5"/>
-                                        </p:tgtEl>
-                                        <p:attrNameLst>
-                                          <p:attrName>style.visibility</p:attrName>
-                                        </p:attrNameLst>
-                                      </p:cBhvr>
-                                      <p:to>
-                                        <p:strVal val="visible"/>
-                                      </p:to>
-                                    </p:set>
-                                    <p:anim calcmode="lin" valueType="num">
-                                      <p:cBhvr additive="base">
-                                        <p:cTn id="13" dur="500" fill="hold"/>
-                                        <p:tgtEl>
-                                          <p:spTgt spid="5"/>
-                                        </p:tgtEl>
-                                        <p:attrNameLst>
-                                          <p:attrName>ppt_x</p:attrName>
-                                        </p:attrNameLst>
-                                      </p:cBhvr>
-                                      <p:tavLst>
-                                        <p:tav tm="0">
-                                          <p:val>
-                                            <p:strVal val="#ppt_x"/>
-                                          </p:val>
-                                        </p:tav>
-                                        <p:tav tm="100000">
-                                          <p:val>
-                                            <p:strVal val="#ppt_x"/>
-                                          </p:val>
-                                        </p:tav>
-                                      </p:tavLst>
-                                    </p:anim>
-                                    <p:anim calcmode="lin" valueType="num">
-                                      <p:cBhvr additive="base">
-                                        <p:cTn id="14" dur="500" fill="hold"/>
-                                        <p:tgtEl>
-                                          <p:spTgt spid="5"/>
-                                        </p:tgtEl>
-                                        <p:attrNameLst>
-                                          <p:attrName>ppt_y</p:attrName>
-                                        </p:attrNameLst>
-                                      </p:cBhvr>
-                                      <p:tavLst>
-                                        <p:tav tm="0">
-                                          <p:val>
-                                            <p:strVal val="1+#ppt_h/2"/>
-                                          </p:val>
-                                        </p:tav>
-                                        <p:tav tm="100000">
-                                          <p:val>
-                                            <p:strVal val="#ppt_y"/>
-                                          </p:val>
-                                        </p:tav>
-                                      </p:tavLst>
-                                    </p:anim>
-                                  </p:childTnLst>
-                                </p:cTn>
-                              </p:par>
-                            </p:childTnLst>
-                          </p:cTn>
-                        </p:par>
-                      </p:childTnLst>
-                    </p:cTn>
-                  </p:par>
-                </p:childTnLst>
-              </p:cTn>
-              <p:prevCondLst>
-                <p:cond evt="onPrev" delay="0">
-                  <p:tgtEl>
-                    <p:sldTgt/>
-                  </p:tgtEl>
-                </p:cond>
-              </p:prevCondLst>
-              <p:nextCondLst>
-                <p:cond evt="onNext" delay="0">
-                  <p:tgtEl>
-                    <p:sldTgt/>
-                  </p:tgtEl>
-                </p:cond>
-              </p:nextCondLst>
-            </p:seq>
-          </p:childTnLst>
-        </p:cTn>
-      </p:par>
-    </p:tnLst>
-    <p:bldLst>
-      <p:bldP spid="3" grpId="0"/>
-      <p:bldP spid="5" grpId="0"/>
-    </p:bldLst>
-  </p:timing>
-</p:sld>
-</file>
-
-<file path=ppt/slides/slide9.xml><?xml version="1.0" encoding="utf-8"?>
-<p:sld xmlns:a="http://schemas.openxmlformats.org/drawingml/2006/main" xmlns:r="http://schemas.openxmlformats.org/officeDocument/2006/relationships" xmlns:p="http://schemas.openxmlformats.org/presentationml/2006/main">
-  <p:cSld>
-    <p:spTree>
-      <p:nvGrpSpPr>
-        <p:cNvPr id="1" name=""/>
-        <p:cNvGrpSpPr/>
-        <p:nvPr/>
-      </p:nvGrpSpPr>
-      <p:grpSpPr>
-        <a:xfrm>
-          <a:off x="0" y="0"/>
-          <a:ext cx="0" cy="0"/>
-          <a:chOff x="0" y="0"/>
-          <a:chExt cx="0" cy="0"/>
-        </a:xfrm>
-      </p:grpSpPr>
-      <p:sp>
-        <p:nvSpPr>
-          <p:cNvPr id="2" name="Titel 1"/>
-          <p:cNvSpPr>
-            <a:spLocks noGrp="1"/>
-          </p:cNvSpPr>
-          <p:nvPr>
-            <p:ph type="title"/>
-          </p:nvPr>
-        </p:nvSpPr>
-        <p:spPr/>
-        <p:txBody>
-          <a:bodyPr/>
-          <a:lstStyle/>
-          <a:p>
-            <a:r>
-              <a:rPr lang="de-DE" dirty="0" smtClean="0"/>
-              <a:t>Netzwerk</a:t>
-            </a:r>
-            <a:endParaRPr lang="de-DE" dirty="0"/>
-          </a:p>
-        </p:txBody>
-      </p:sp>
-      <p:graphicFrame>
-        <p:nvGraphicFramePr>
-          <p:cNvPr id="5" name="Tabelle 4"/>
-          <p:cNvGraphicFramePr>
-            <a:graphicFrameLocks noGrp="1"/>
-          </p:cNvGraphicFramePr>
-          <p:nvPr>
-            <p:extLst>
-              <p:ext uri="{D42A27DB-BD31-4B8C-83A1-F6EECF244321}">
-                <p14:modId xmlns:p14="http://schemas.microsoft.com/office/powerpoint/2010/main" val="1360239486"/>
-              </p:ext>
-            </p:extLst>
-          </p:nvPr>
-        </p:nvGraphicFramePr>
-        <p:xfrm>
-          <a:off x="1197868" y="2132856"/>
-          <a:ext cx="8815470" cy="4437823"/>
-        </p:xfrm>
-        <a:graphic>
-          <a:graphicData uri="http://schemas.openxmlformats.org/drawingml/2006/table">
-            <a:tbl>
-              <a:tblPr firstRow="1" bandRow="1">
-                <a:tableStyleId>{5C22544A-7EE6-4342-B048-85BDC9FD1C3A}</a:tableStyleId>
-              </a:tblPr>
-              <a:tblGrid>
-                <a:gridCol w="2938490">
-                  <a:extLst>
-                    <a:ext uri="{9D8B030D-6E8A-4147-A177-3AD203B41FA5}">
-                      <a16:colId xmlns="" xmlns:a16="http://schemas.microsoft.com/office/drawing/2014/main" val="20000"/>
-                    </a:ext>
-                  </a:extLst>
-                </a:gridCol>
-                <a:gridCol w="2938490">
-                  <a:extLst>
-                    <a:ext uri="{9D8B030D-6E8A-4147-A177-3AD203B41FA5}">
-                      <a16:colId xmlns="" xmlns:a16="http://schemas.microsoft.com/office/drawing/2014/main" val="20001"/>
-                    </a:ext>
-                  </a:extLst>
-                </a:gridCol>
-                <a:gridCol w="2938490">
-                  <a:extLst>
-                    <a:ext uri="{9D8B030D-6E8A-4147-A177-3AD203B41FA5}">
-                      <a16:colId xmlns="" xmlns:a16="http://schemas.microsoft.com/office/drawing/2014/main" val="20002"/>
-                    </a:ext>
-                  </a:extLst>
-                </a:gridCol>
-              </a:tblGrid>
-              <a:tr h="495165">
-                <a:tc>
-                  <a:txBody>
-                    <a:bodyPr/>
-                    <a:lstStyle/>
-                    <a:p>
-                      <a:r>
-                        <a:rPr lang="de-DE" dirty="0" smtClean="0"/>
-                        <a:t>Typ</a:t>
-                      </a:r>
-                      <a:endParaRPr lang="de-DE" dirty="0"/>
-                    </a:p>
-                  </a:txBody>
-                  <a:tcPr/>
-                </a:tc>
-                <a:tc>
-                  <a:txBody>
-                    <a:bodyPr/>
-                    <a:lstStyle/>
-                    <a:p>
-                      <a:r>
-                        <a:rPr lang="de-DE" dirty="0"/>
-                        <a:t>Model</a:t>
-                      </a:r>
-                    </a:p>
-                  </a:txBody>
-                  <a:tcPr>
-                    <a:lnB w="12700" cap="flat" cmpd="sng" algn="ctr">
-                      <a:solidFill>
-                        <a:schemeClr val="tx1"/>
-                      </a:solidFill>
-                      <a:prstDash val="solid"/>
-                      <a:round/>
-                      <a:headEnd type="none" w="med" len="med"/>
-                      <a:tailEnd type="none" w="med" len="med"/>
-                    </a:lnB>
-                  </a:tcPr>
-                </a:tc>
-                <a:tc>
-                  <a:txBody>
-                    <a:bodyPr/>
-                    <a:lstStyle/>
-                    <a:p>
-                      <a:r>
-                        <a:rPr lang="de-DE" dirty="0"/>
-                        <a:t>Preis</a:t>
-                      </a:r>
-                    </a:p>
-                  </a:txBody>
-                  <a:tcPr>
-                    <a:lnB w="12700" cap="flat" cmpd="sng" algn="ctr">
-                      <a:solidFill>
-                        <a:schemeClr val="tx1"/>
-                      </a:solidFill>
-                      <a:prstDash val="solid"/>
-                      <a:round/>
-                      <a:headEnd type="none" w="med" len="med"/>
-                      <a:tailEnd type="none" w="med" len="med"/>
-                    </a:lnB>
-                  </a:tcPr>
-                </a:tc>
-                <a:extLst>
-                  <a:ext uri="{0D108BD9-81ED-4DB2-BD59-A6C34878D82A}">
-                    <a16:rowId xmlns="" xmlns:a16="http://schemas.microsoft.com/office/drawing/2014/main" val="10000"/>
-                  </a:ext>
-                </a:extLst>
-              </a:tr>
-              <a:tr h="495165">
-                <a:tc>
-                  <a:txBody>
-                    <a:bodyPr/>
-                    <a:lstStyle/>
-                    <a:p>
-                      <a:pPr marL="0" marR="0" indent="0" algn="l" defTabSz="914126" rtl="0" eaLnBrk="1" fontAlgn="auto" latinLnBrk="0" hangingPunct="1">
-                        <a:lnSpc>
-                          <a:spcPct val="100000"/>
-                        </a:lnSpc>
-                        <a:spcBef>
-                          <a:spcPts val="0"/>
-                        </a:spcBef>
-                        <a:spcAft>
-                          <a:spcPts val="0"/>
-                        </a:spcAft>
-                        <a:buClrTx/>
-                        <a:buSzTx/>
-                        <a:buFontTx/>
-                        <a:buNone/>
-                        <a:tabLst/>
-                        <a:defRPr/>
-                      </a:pPr>
-                      <a:r>
-                        <a:rPr lang="de-DE" sz="1799" b="0" i="0" u="none" strike="noStrike" kern="1200" dirty="0" smtClean="0">
-                          <a:solidFill>
-                            <a:schemeClr val="dk1"/>
-                          </a:solidFill>
-                          <a:effectLst/>
-                          <a:latin typeface="+mn-lt"/>
-                          <a:ea typeface="+mn-ea"/>
-                          <a:cs typeface="+mn-cs"/>
-                        </a:rPr>
-                        <a:t>Switch</a:t>
-                      </a:r>
-                      <a:endParaRPr lang="de-DE" b="1" dirty="0" smtClean="0">
-                        <a:effectLst/>
-                      </a:endParaRPr>
-                    </a:p>
-                  </a:txBody>
-                  <a:tcPr>
-                    <a:lnR w="12700" cap="flat" cmpd="sng" algn="ctr">
-                      <a:solidFill>
-                        <a:schemeClr val="tx1"/>
-                      </a:solidFill>
-                      <a:prstDash val="solid"/>
-                      <a:round/>
-                      <a:headEnd type="none" w="med" len="med"/>
-                      <a:tailEnd type="none" w="med" len="med"/>
-                    </a:lnR>
-                  </a:tcPr>
-                </a:tc>
-                <a:tc>
-                  <a:txBody>
-                    <a:bodyPr/>
-                    <a:lstStyle/>
-                    <a:p>
-                      <a:pPr marL="0" marR="0" indent="0" algn="l" defTabSz="914126" rtl="0" eaLnBrk="1" fontAlgn="auto" latinLnBrk="0" hangingPunct="1">
-                        <a:lnSpc>
-                          <a:spcPct val="100000"/>
-                        </a:lnSpc>
-                        <a:spcBef>
-                          <a:spcPts val="0"/>
-                        </a:spcBef>
-                        <a:spcAft>
-                          <a:spcPts val="0"/>
-                        </a:spcAft>
-                        <a:buClrTx/>
-                        <a:buSzTx/>
-                        <a:buFontTx/>
-                        <a:buNone/>
-                        <a:tabLst/>
-                        <a:defRPr/>
-                      </a:pPr>
-                      <a:r>
-                        <a:rPr lang="en-US" dirty="0" smtClean="0"/>
-                        <a:t>HP Gigabit Switch 1820-24G (J9980A)</a:t>
-                      </a:r>
-                    </a:p>
-                  </a:txBody>
-                  <a:tcPr>
-                    <a:lnL w="12700" cap="flat" cmpd="sng" algn="ctr">
-                      <a:solidFill>
-                        <a:schemeClr val="tx1"/>
-                      </a:solidFill>
-                      <a:prstDash val="solid"/>
-                      <a:round/>
-                      <a:headEnd type="none" w="med" len="med"/>
-                      <a:tailEnd type="none" w="med" len="med"/>
-                    </a:lnL>
-                    <a:lnR w="12700" cap="flat" cmpd="sng" algn="ctr">
-                      <a:solidFill>
-                        <a:schemeClr val="tx1"/>
-                      </a:solidFill>
-                      <a:prstDash val="solid"/>
-                      <a:round/>
-                      <a:headEnd type="none" w="med" len="med"/>
-                      <a:tailEnd type="none" w="med" len="med"/>
-                    </a:lnR>
-                    <a:lnT w="12700" cap="flat" cmpd="sng" algn="ctr">
-                      <a:solidFill>
-                        <a:schemeClr val="tx1"/>
-                      </a:solidFill>
-                      <a:prstDash val="solid"/>
-                      <a:round/>
-                      <a:headEnd type="none" w="med" len="med"/>
-                      <a:tailEnd type="none" w="med" len="med"/>
-                    </a:lnT>
-                    <a:lnB w="12700" cap="flat" cmpd="sng" algn="ctr">
-                      <a:solidFill>
-                        <a:schemeClr val="tx1"/>
-                      </a:solidFill>
-                      <a:prstDash val="solid"/>
-                      <a:round/>
-                      <a:headEnd type="none" w="med" len="med"/>
-                      <a:tailEnd type="none" w="med" len="med"/>
-                    </a:lnB>
-                  </a:tcPr>
-                </a:tc>
-                <a:tc>
-                  <a:txBody>
-                    <a:bodyPr/>
-                    <a:lstStyle/>
-                    <a:p>
-                      <a:endParaRPr lang="de-DE" dirty="0"/>
-                    </a:p>
-                  </a:txBody>
-                  <a:tcPr>
-                    <a:lnL w="12700" cap="flat" cmpd="sng" algn="ctr">
-                      <a:solidFill>
-                        <a:schemeClr val="tx1"/>
-                      </a:solidFill>
-                      <a:prstDash val="solid"/>
-                      <a:round/>
-                      <a:headEnd type="none" w="med" len="med"/>
-                      <a:tailEnd type="none" w="med" len="med"/>
-                    </a:lnL>
-                    <a:lnT w="12700" cap="flat" cmpd="sng" algn="ctr">
-                      <a:solidFill>
-                        <a:schemeClr val="tx1"/>
-                      </a:solidFill>
-                      <a:prstDash val="solid"/>
-                      <a:round/>
-                      <a:headEnd type="none" w="med" len="med"/>
-                      <a:tailEnd type="none" w="med" len="med"/>
-                    </a:lnT>
-                  </a:tcPr>
-                </a:tc>
-                <a:extLst>
-                  <a:ext uri="{0D108BD9-81ED-4DB2-BD59-A6C34878D82A}">
-                    <a16:rowId xmlns="" xmlns:a16="http://schemas.microsoft.com/office/drawing/2014/main" val="10001"/>
-                  </a:ext>
-                </a:extLst>
-              </a:tr>
-              <a:tr h="495165">
-                <a:tc>
-                  <a:txBody>
-                    <a:bodyPr/>
-                    <a:lstStyle/>
-                    <a:p>
-                      <a:r>
-                        <a:rPr lang="de-DE" dirty="0" smtClean="0"/>
-                        <a:t>NAS</a:t>
-                      </a:r>
-                      <a:endParaRPr lang="de-DE" dirty="0"/>
-                    </a:p>
-                  </a:txBody>
-                  <a:tcPr/>
-                </a:tc>
-                <a:tc>
-                  <a:txBody>
-                    <a:bodyPr/>
-                    <a:lstStyle/>
-                    <a:p>
-                      <a:pPr marL="0" marR="0" indent="0" algn="l" defTabSz="914126" rtl="0" eaLnBrk="1" fontAlgn="auto" latinLnBrk="0" hangingPunct="1">
-                        <a:lnSpc>
-                          <a:spcPct val="100000"/>
-                        </a:lnSpc>
-                        <a:spcBef>
-                          <a:spcPts val="0"/>
-                        </a:spcBef>
-                        <a:spcAft>
-                          <a:spcPts val="0"/>
-                        </a:spcAft>
-                        <a:buClrTx/>
-                        <a:buSzTx/>
-                        <a:buFontTx/>
-                        <a:buNone/>
-                        <a:tabLst/>
-                        <a:defRPr/>
-                      </a:pPr>
-                      <a:r>
-                        <a:rPr lang="de-DE" dirty="0" smtClean="0"/>
-                        <a:t>QNAP TS-431P</a:t>
-                      </a:r>
-                    </a:p>
-                  </a:txBody>
-                  <a:tcPr>
-                    <a:lnT w="12700" cap="flat" cmpd="sng" algn="ctr">
-                      <a:solidFill>
-                        <a:schemeClr val="tx1"/>
-                      </a:solidFill>
-                      <a:prstDash val="solid"/>
-                      <a:round/>
-                      <a:headEnd type="none" w="med" len="med"/>
-                      <a:tailEnd type="none" w="med" len="med"/>
-                    </a:lnT>
-                  </a:tcPr>
-                </a:tc>
-                <a:tc>
-                  <a:txBody>
-                    <a:bodyPr/>
-                    <a:lstStyle/>
-                    <a:p>
-                      <a:endParaRPr lang="de-DE"/>
-                    </a:p>
-                  </a:txBody>
-                  <a:tcPr/>
-                </a:tc>
-                <a:extLst>
-                  <a:ext uri="{0D108BD9-81ED-4DB2-BD59-A6C34878D82A}">
-                    <a16:rowId xmlns="" xmlns:a16="http://schemas.microsoft.com/office/drawing/2014/main" val="10002"/>
-                  </a:ext>
-                </a:extLst>
-              </a:tr>
-              <a:tr h="495165">
-                <a:tc>
-                  <a:txBody>
-                    <a:bodyPr/>
-                    <a:lstStyle/>
-                    <a:p>
-                      <a:endParaRPr lang="de-DE" dirty="0"/>
-                    </a:p>
-                  </a:txBody>
-                  <a:tcPr/>
-                </a:tc>
-                <a:tc>
-                  <a:txBody>
-                    <a:bodyPr/>
-                    <a:lstStyle/>
-                    <a:p>
-                      <a:endParaRPr lang="de-DE"/>
-                    </a:p>
-                  </a:txBody>
-                  <a:tcPr/>
-                </a:tc>
-                <a:tc>
-                  <a:txBody>
-                    <a:bodyPr/>
-                    <a:lstStyle/>
-                    <a:p>
-                      <a:endParaRPr lang="de-DE"/>
-                    </a:p>
-                  </a:txBody>
-                  <a:tcPr/>
-                </a:tc>
-                <a:extLst>
-                  <a:ext uri="{0D108BD9-81ED-4DB2-BD59-A6C34878D82A}">
-                    <a16:rowId xmlns="" xmlns:a16="http://schemas.microsoft.com/office/drawing/2014/main" val="10003"/>
-                  </a:ext>
-                </a:extLst>
-              </a:tr>
-              <a:tr h="827007">
-                <a:tc>
-                  <a:txBody>
-                    <a:bodyPr/>
-                    <a:lstStyle/>
-                    <a:p>
-                      <a:endParaRPr lang="de-DE" dirty="0"/>
-                    </a:p>
-                  </a:txBody>
-                  <a:tcPr/>
-                </a:tc>
-                <a:tc>
-                  <a:txBody>
-                    <a:bodyPr/>
-                    <a:lstStyle/>
-                    <a:p>
-                      <a:endParaRPr lang="de-DE" dirty="0"/>
-                    </a:p>
-                  </a:txBody>
-                  <a:tcPr/>
-                </a:tc>
-                <a:tc>
-                  <a:txBody>
-                    <a:bodyPr/>
-                    <a:lstStyle/>
-                    <a:p>
-                      <a:endParaRPr lang="de-DE" dirty="0"/>
-                    </a:p>
-                  </a:txBody>
-                  <a:tcPr/>
-                </a:tc>
-                <a:extLst>
-                  <a:ext uri="{0D108BD9-81ED-4DB2-BD59-A6C34878D82A}">
-                    <a16:rowId xmlns="" xmlns:a16="http://schemas.microsoft.com/office/drawing/2014/main" val="10004"/>
-                  </a:ext>
-                </a:extLst>
-              </a:tr>
-              <a:tr h="495165">
-                <a:tc>
-                  <a:txBody>
-                    <a:bodyPr/>
-                    <a:lstStyle/>
-                    <a:p>
-                      <a:endParaRPr lang="de-DE" dirty="0"/>
-                    </a:p>
-                  </a:txBody>
-                  <a:tcPr/>
-                </a:tc>
-                <a:tc>
-                  <a:txBody>
-                    <a:bodyPr/>
-                    <a:lstStyle/>
-                    <a:p>
-                      <a:endParaRPr lang="de-DE" dirty="0"/>
-                    </a:p>
-                  </a:txBody>
-                  <a:tcPr/>
-                </a:tc>
-                <a:tc>
-                  <a:txBody>
-                    <a:bodyPr/>
-                    <a:lstStyle/>
-                    <a:p>
-                      <a:endParaRPr lang="de-DE" dirty="0"/>
-                    </a:p>
-                  </a:txBody>
-                  <a:tcPr/>
-                </a:tc>
-                <a:extLst>
-                  <a:ext uri="{0D108BD9-81ED-4DB2-BD59-A6C34878D82A}">
-                    <a16:rowId xmlns="" xmlns:a16="http://schemas.microsoft.com/office/drawing/2014/main" val="10005"/>
-                  </a:ext>
-                </a:extLst>
-              </a:tr>
-              <a:tr h="495165">
-                <a:tc>
-                  <a:txBody>
-                    <a:bodyPr/>
-                    <a:lstStyle/>
-                    <a:p>
-                      <a:endParaRPr lang="de-DE" dirty="0"/>
-                    </a:p>
-                  </a:txBody>
-                  <a:tcPr/>
-                </a:tc>
-                <a:tc>
-                  <a:txBody>
-                    <a:bodyPr/>
-                    <a:lstStyle/>
-                    <a:p>
-                      <a:endParaRPr lang="de-DE"/>
-                    </a:p>
-                  </a:txBody>
-                  <a:tcPr/>
-                </a:tc>
-                <a:tc>
-                  <a:txBody>
-                    <a:bodyPr/>
-                    <a:lstStyle/>
-                    <a:p>
-                      <a:endParaRPr lang="de-DE" dirty="0"/>
-                    </a:p>
-                  </a:txBody>
-                  <a:tcPr/>
-                </a:tc>
-                <a:extLst>
-                  <a:ext uri="{0D108BD9-81ED-4DB2-BD59-A6C34878D82A}">
-                    <a16:rowId xmlns="" xmlns:a16="http://schemas.microsoft.com/office/drawing/2014/main" val="10006"/>
-                  </a:ext>
-                </a:extLst>
-              </a:tr>
-              <a:tr h="495165">
-                <a:tc>
-                  <a:txBody>
-                    <a:bodyPr/>
-                    <a:lstStyle/>
-                    <a:p>
-                      <a:endParaRPr lang="de-DE" dirty="0"/>
-                    </a:p>
-                  </a:txBody>
-                  <a:tcPr/>
-                </a:tc>
-                <a:tc>
-                  <a:txBody>
-                    <a:bodyPr/>
-                    <a:lstStyle/>
-                    <a:p>
-                      <a:endParaRPr lang="de-DE" dirty="0"/>
-                    </a:p>
-                  </a:txBody>
-                  <a:tcPr/>
-                </a:tc>
-                <a:tc>
-                  <a:txBody>
-                    <a:bodyPr/>
-                    <a:lstStyle/>
-                    <a:p>
-                      <a:endParaRPr lang="de-DE" dirty="0"/>
-                    </a:p>
-                  </a:txBody>
-                  <a:tcPr/>
-                </a:tc>
-                <a:extLst>
-                  <a:ext uri="{0D108BD9-81ED-4DB2-BD59-A6C34878D82A}">
-                    <a16:rowId xmlns="" xmlns:a16="http://schemas.microsoft.com/office/drawing/2014/main" val="10007"/>
-                  </a:ext>
-                </a:extLst>
-              </a:tr>
-            </a:tbl>
-          </a:graphicData>
-        </a:graphic>
-      </p:graphicFrame>
-      <p:sp>
-        <p:nvSpPr>
-          <p:cNvPr id="4" name="Textfeld 3"/>
-          <p:cNvSpPr txBox="1"/>
-          <p:nvPr/>
-        </p:nvSpPr>
-        <p:spPr>
-          <a:xfrm>
-            <a:off x="7102524" y="2780928"/>
-            <a:ext cx="2736304" cy="369332"/>
-          </a:xfrm>
-          <a:prstGeom prst="rect">
-            <a:avLst/>
-          </a:prstGeom>
-          <a:noFill/>
-        </p:spPr>
-        <p:txBody>
-          <a:bodyPr wrap="square" rtlCol="0">
-            <a:spAutoFit/>
-          </a:bodyPr>
-          <a:lstStyle/>
-          <a:p>
-            <a:r>
-              <a:rPr lang="el-GR" sz="1799" dirty="0" smtClean="0">
-                <a:solidFill>
-                  <a:schemeClr val="bg1"/>
-                </a:solidFill>
-              </a:rPr>
-              <a:t>Σ</a:t>
-            </a:r>
-            <a:r>
-              <a:rPr lang="de-DE" sz="1799" dirty="0" smtClean="0">
-                <a:solidFill>
-                  <a:schemeClr val="bg1"/>
-                </a:solidFill>
-              </a:rPr>
-              <a:t> 145,31€</a:t>
-            </a:r>
-            <a:endParaRPr lang="de-DE" dirty="0"/>
-          </a:p>
-        </p:txBody>
-      </p:sp>
-      <p:sp>
-        <p:nvSpPr>
-          <p:cNvPr id="6" name="Textfeld 5"/>
-          <p:cNvSpPr txBox="1"/>
-          <p:nvPr/>
-        </p:nvSpPr>
-        <p:spPr>
-          <a:xfrm>
-            <a:off x="7102524" y="3316434"/>
-            <a:ext cx="2664296" cy="369332"/>
-          </a:xfrm>
-          <a:prstGeom prst="rect">
-            <a:avLst/>
-          </a:prstGeom>
-          <a:noFill/>
-        </p:spPr>
-        <p:txBody>
-          <a:bodyPr wrap="square" rtlCol="0">
-            <a:spAutoFit/>
-          </a:bodyPr>
-          <a:lstStyle/>
-          <a:p>
-            <a:r>
-              <a:rPr lang="el-GR" sz="1799" dirty="0" smtClean="0">
-                <a:solidFill>
-                  <a:schemeClr val="bg1"/>
-                </a:solidFill>
-              </a:rPr>
-              <a:t>Σ</a:t>
-            </a:r>
-            <a:r>
-              <a:rPr lang="de-DE" sz="1799" dirty="0" smtClean="0">
-                <a:solidFill>
-                  <a:schemeClr val="bg1"/>
-                </a:solidFill>
-              </a:rPr>
-              <a:t> 854,79€</a:t>
-            </a:r>
-            <a:endParaRPr lang="de-DE" dirty="0"/>
-          </a:p>
-        </p:txBody>
-      </p:sp>
-      <p:sp>
-        <p:nvSpPr>
-          <p:cNvPr id="7" name="Textfeld 6"/>
-          <p:cNvSpPr txBox="1"/>
-          <p:nvPr/>
-        </p:nvSpPr>
-        <p:spPr>
-          <a:xfrm>
-            <a:off x="1269876" y="3789040"/>
-            <a:ext cx="2808312" cy="369332"/>
-          </a:xfrm>
-          <a:prstGeom prst="rect">
-            <a:avLst/>
-          </a:prstGeom>
-          <a:noFill/>
-        </p:spPr>
-        <p:txBody>
-          <a:bodyPr wrap="square" rtlCol="0">
-            <a:spAutoFit/>
-          </a:bodyPr>
-          <a:lstStyle/>
-          <a:p>
-            <a:r>
-              <a:rPr lang="de-DE" dirty="0" smtClean="0">
-                <a:solidFill>
-                  <a:schemeClr val="bg1"/>
-                </a:solidFill>
-              </a:rPr>
-              <a:t>Serverschrank</a:t>
-            </a:r>
-            <a:endParaRPr lang="de-DE" dirty="0">
-              <a:solidFill>
-                <a:schemeClr val="bg1"/>
-              </a:solidFill>
-            </a:endParaRPr>
-          </a:p>
-        </p:txBody>
-      </p:sp>
-    </p:spTree>
-    <p:extLst>
-      <p:ext uri="{BB962C8B-B14F-4D97-AF65-F5344CB8AC3E}">
-        <p14:creationId xmlns:p14="http://schemas.microsoft.com/office/powerpoint/2010/main" val="4042295956"/>
-      </p:ext>
-    </p:extLst>
-  </p:cSld>
-  <p:clrMapOvr>
-    <a:masterClrMapping/>
-  </p:clrMapOvr>
-  <mc:AlternateContent xmlns:mc="http://schemas.openxmlformats.org/markup-compatibility/2006" xmlns:p14="http://schemas.microsoft.com/office/powerpoint/2010/main">
-    <mc:Choice Requires="p14">
-      <p:transition spd="med" p14:dur="700">
-        <p:fade/>
-      </p:transition>
-    </mc:Choice>
-    <mc:Fallback xmlns="">
-      <p:transition spd="med">
-        <p:fade/>
-      </p:transition>
-    </mc:Fallback>
-  </mc:AlternateContent>
-  <p:timing>
-    <p:tnLst>
-      <p:par>
-        <p:cTn id="1" dur="indefinite" restart="never" nodeType="tmRoot">
-          <p:childTnLst>
-            <p:seq concurrent="1" nextAc="seek">
-              <p:cTn id="2" dur="indefinite" nodeType="mainSeq">
-                <p:childTnLst>
-                  <p:par>
-                    <p:cTn id="3" fill="hold">
-                      <p:stCondLst>
-                        <p:cond delay="indefinite"/>
-                      </p:stCondLst>
-                      <p:childTnLst>
-                        <p:par>
-                          <p:cTn id="4" fill="hold">
-                            <p:stCondLst>
-                              <p:cond delay="0"/>
-                            </p:stCondLst>
-                            <p:childTnLst>
-                              <p:par>
-                                <p:cTn id="5" presetID="2" presetClass="entr" presetSubtype="4" fill="hold" grpId="0" nodeType="clickEffect">
-                                  <p:stCondLst>
-                                    <p:cond delay="0"/>
-                                  </p:stCondLst>
-                                  <p:childTnLst>
-                                    <p:set>
-                                      <p:cBhvr>
-                                        <p:cTn id="6" dur="1" fill="hold">
-                                          <p:stCondLst>
-                                            <p:cond delay="0"/>
-                                          </p:stCondLst>
-                                        </p:cTn>
-                                        <p:tgtEl>
-                                          <p:spTgt spid="6"/>
-                                        </p:tgtEl>
-                                        <p:attrNameLst>
-                                          <p:attrName>style.visibility</p:attrName>
-                                        </p:attrNameLst>
-                                      </p:cBhvr>
-                                      <p:to>
-                                        <p:strVal val="visible"/>
-                                      </p:to>
-                                    </p:set>
-                                    <p:anim calcmode="lin" valueType="num">
-                                      <p:cBhvr additive="base">
-                                        <p:cTn id="7" dur="500" fill="hold"/>
-                                        <p:tgtEl>
-                                          <p:spTgt spid="6"/>
-                                        </p:tgtEl>
-                                        <p:attrNameLst>
-                                          <p:attrName>ppt_x</p:attrName>
-                                        </p:attrNameLst>
-                                      </p:cBhvr>
-                                      <p:tavLst>
-                                        <p:tav tm="0">
-                                          <p:val>
-                                            <p:strVal val="#ppt_x"/>
-                                          </p:val>
-                                        </p:tav>
-                                        <p:tav tm="100000">
-                                          <p:val>
-                                            <p:strVal val="#ppt_x"/>
-                                          </p:val>
-                                        </p:tav>
-                                      </p:tavLst>
-                                    </p:anim>
-                                    <p:anim calcmode="lin" valueType="num">
-                                      <p:cBhvr additive="base">
-                                        <p:cTn id="8" dur="500" fill="hold"/>
-                                        <p:tgtEl>
-                                          <p:spTgt spid="6"/>
-                                        </p:tgtEl>
-                                        <p:attrNameLst>
-                                          <p:attrName>ppt_y</p:attrName>
-                                        </p:attrNameLst>
-                                      </p:cBhvr>
-                                      <p:tavLst>
-                                        <p:tav tm="0">
-                                          <p:val>
-                                            <p:strVal val="1+#ppt_h/2"/>
-                                          </p:val>
-                                        </p:tav>
-                                        <p:tav tm="100000">
-                                          <p:val>
-                                            <p:strVal val="#ppt_y"/>
-                                          </p:val>
-                                        </p:tav>
-                                      </p:tavLst>
-                                    </p:anim>
-                                  </p:childTnLst>
-                                </p:cTn>
-                              </p:par>
-                            </p:childTnLst>
-                          </p:cTn>
-                        </p:par>
-                      </p:childTnLst>
-                    </p:cTn>
-                  </p:par>
-                </p:childTnLst>
-              </p:cTn>
-              <p:prevCondLst>
-                <p:cond evt="onPrev" delay="0">
-                  <p:tgtEl>
-                    <p:sldTgt/>
-                  </p:tgtEl>
-                </p:cond>
-              </p:prevCondLst>
-              <p:nextCondLst>
-                <p:cond evt="onNext" delay="0">
-                  <p:tgtEl>
-                    <p:sldTgt/>
-                  </p:tgtEl>
-                </p:cond>
-              </p:nextCondLst>
-            </p:seq>
-          </p:childTnLst>
-        </p:cTn>
-      </p:par>
-    </p:tnLst>
-    <p:bldLst>
-      <p:bldP spid="6" grpId="0"/>
     </p:bldLst>
   </p:timing>
 </p:sld>
@@ -19187,15 +19251,6 @@
 </file>
 
 <file path=customXml/item2.xml><?xml version="1.0" encoding="utf-8"?>
-<?mso-contentType ?>
-<FormTemplates xmlns="http://schemas.microsoft.com/sharepoint/v3/contenttype/forms">
-  <Display>DocumentLibraryForm</Display>
-  <Edit>AssetEditForm</Edit>
-  <New>DocumentLibraryForm</New>
-</FormTemplates>
-</file>
-
-<file path=customXml/item3.xml><?xml version="1.0" encoding="utf-8"?>
 <ct:contentTypeSchema xmlns:ct="http://schemas.microsoft.com/office/2006/metadata/contentType" xmlns:ma="http://schemas.microsoft.com/office/2006/metadata/properties/metaAttributes" ct:_="" ma:_="" ma:contentTypeName="TemplateFile" ma:contentTypeID="0x0101006EDDDB5EE6D98C44930B742096920B300400F5B6D36B3EF94B4E9A635CDF2A18F5B8" ma:contentTypeVersion="72" ma:contentTypeDescription="Create a new document." ma:contentTypeScope="" ma:versionID="a23e56308344d904b51738559c3d67c9">
   <xsd:schema xmlns:xsd="http://www.w3.org/2001/XMLSchema" xmlns:xs="http://www.w3.org/2001/XMLSchema" xmlns:p="http://schemas.microsoft.com/office/2006/metadata/properties" xmlns:ns2="4873beb7-5857-4685-be1f-d57550cc96cc" targetNamespace="http://schemas.microsoft.com/office/2006/metadata/properties" ma:root="true" ma:fieldsID="cd0908cc4600e77bf5da051303e00c8d" ns2:_="">
     <xsd:import namespace="4873beb7-5857-4685-be1f-d57550cc96cc"/>
@@ -20235,44 +20290,43 @@
 </ct:contentTypeSchema>
 </file>
 
+<file path=customXml/item3.xml><?xml version="1.0" encoding="utf-8"?>
+<?mso-contentType ?>
+<FormTemplates xmlns="http://schemas.microsoft.com/sharepoint/v3/contenttype/forms">
+  <Display>DocumentLibraryForm</Display>
+  <Edit>AssetEditForm</Edit>
+  <New>DocumentLibraryForm</New>
+</FormTemplates>
+</file>
+
 <file path=customXml/itemProps1.xml><?xml version="1.0" encoding="utf-8"?>
 <ds:datastoreItem xmlns:ds="http://schemas.openxmlformats.org/officeDocument/2006/customXml" ds:itemID="{00E41224-0370-4595-877C-23316CD80004}">
   <ds:schemaRefs>
-    <ds:schemaRef ds:uri="http://purl.org/dc/elements/1.1/"/>
+    <ds:schemaRef ds:uri="http://schemas.microsoft.com/office/2006/metadata/properties"/>
+    <ds:schemaRef ds:uri="http://www.w3.org/2000/xmlns/"/>
     <ds:schemaRef ds:uri="4873beb7-5857-4685-be1f-d57550cc96cc"/>
-    <ds:schemaRef ds:uri="http://schemas.microsoft.com/office/2006/documentManagement/types"/>
-    <ds:schemaRef ds:uri="http://purl.org/dc/terms/"/>
-    <ds:schemaRef ds:uri="http://schemas.microsoft.com/office/2006/metadata/properties"/>
-    <ds:schemaRef ds:uri="http://purl.org/dc/dcmitype/"/>
+    <ds:schemaRef ds:uri="http://www.w3.org/2001/XMLSchema-instance"/>
     <ds:schemaRef ds:uri="http://schemas.microsoft.com/office/infopath/2007/PartnerControls"/>
-    <ds:schemaRef ds:uri="http://schemas.openxmlformats.org/package/2006/metadata/core-properties"/>
-    <ds:schemaRef ds:uri="http://www.w3.org/XML/1998/namespace"/>
   </ds:schemaRefs>
 </ds:datastoreItem>
 </file>
 
 <file path=customXml/itemProps2.xml><?xml version="1.0" encoding="utf-8"?>
+<ds:datastoreItem xmlns:ds="http://schemas.openxmlformats.org/officeDocument/2006/customXml" ds:itemID="{22CCB507-0646-4A50-A4F7-7F385079D589}">
+  <ds:schemaRefs>
+    <ds:schemaRef ds:uri="http://schemas.microsoft.com/office/2006/metadata/contentType"/>
+    <ds:schemaRef ds:uri="http://schemas.microsoft.com/office/2006/metadata/properties/metaAttributes"/>
+    <ds:schemaRef ds:uri="http://www.w3.org/2000/xmlns/"/>
+    <ds:schemaRef ds:uri="http://www.w3.org/2001/XMLSchema"/>
+    <ds:schemaRef ds:uri="4873beb7-5857-4685-be1f-d57550cc96cc"/>
+  </ds:schemaRefs>
+</ds:datastoreItem>
+</file>
+
+<file path=customXml/itemProps3.xml><?xml version="1.0" encoding="utf-8"?>
 <ds:datastoreItem xmlns:ds="http://schemas.openxmlformats.org/officeDocument/2006/customXml" ds:itemID="{74228E6B-D70C-44BB-A81F-A245495F612B}">
   <ds:schemaRefs>
     <ds:schemaRef ds:uri="http://schemas.microsoft.com/sharepoint/v3/contenttype/forms"/>
   </ds:schemaRefs>
 </ds:datastoreItem>
-</file>
-
-<file path=customXml/itemProps3.xml><?xml version="1.0" encoding="utf-8"?>
-<ds:datastoreItem xmlns:ds="http://schemas.openxmlformats.org/officeDocument/2006/customXml" ds:itemID="{22CCB507-0646-4A50-A4F7-7F385079D589}">
-  <ds:schemaRefs>
-    <ds:schemaRef ds:uri="http://schemas.microsoft.com/office/2006/metadata/contentType"/>
-    <ds:schemaRef ds:uri="http://schemas.microsoft.com/office/2006/metadata/properties/metaAttributes"/>
-    <ds:schemaRef ds:uri="http://www.w3.org/2001/XMLSchema"/>
-    <ds:schemaRef ds:uri="http://schemas.microsoft.com/office/2006/metadata/properties"/>
-    <ds:schemaRef ds:uri="4873beb7-5857-4685-be1f-d57550cc96cc"/>
-    <ds:schemaRef ds:uri="http://schemas.microsoft.com/office/2006/documentManagement/types"/>
-    <ds:schemaRef ds:uri="http://schemas.microsoft.com/office/infopath/2007/PartnerControls"/>
-    <ds:schemaRef ds:uri="http://schemas.openxmlformats.org/package/2006/metadata/core-properties"/>
-    <ds:schemaRef ds:uri="http://purl.org/dc/elements/1.1/"/>
-    <ds:schemaRef ds:uri="http://purl.org/dc/terms/"/>
-    <ds:schemaRef ds:uri="http://schemas.microsoft.com/internal/obd"/>
-  </ds:schemaRefs>
-</ds:datastoreItem>
 </file>
--- a/Angebot für mintBerryCrunchGames GmbH.pptx
+++ b/Angebot für mintBerryCrunchGames GmbH.pptx
@@ -5,10 +5,10 @@
     <p:sldMasterId id="2147483690" r:id="rId4"/>
   </p:sldMasterIdLst>
   <p:notesMasterIdLst>
-    <p:notesMasterId r:id="rId28"/>
+    <p:notesMasterId r:id="rId30"/>
   </p:notesMasterIdLst>
   <p:handoutMasterIdLst>
-    <p:handoutMasterId r:id="rId29"/>
+    <p:handoutMasterId r:id="rId31"/>
   </p:handoutMasterIdLst>
   <p:sldIdLst>
     <p:sldId id="265" r:id="rId5"/>
@@ -18,27 +18,29 @@
     <p:sldId id="333" r:id="rId9"/>
     <p:sldId id="339" r:id="rId10"/>
     <p:sldId id="340" r:id="rId11"/>
-    <p:sldId id="338" r:id="rId12"/>
-    <p:sldId id="334" r:id="rId13"/>
-    <p:sldId id="335" r:id="rId14"/>
-    <p:sldId id="323" r:id="rId15"/>
-    <p:sldId id="336" r:id="rId16"/>
-    <p:sldId id="337" r:id="rId17"/>
-    <p:sldId id="311" r:id="rId18"/>
-    <p:sldId id="327" r:id="rId19"/>
-    <p:sldId id="313" r:id="rId20"/>
-    <p:sldId id="321" r:id="rId21"/>
-    <p:sldId id="322" r:id="rId22"/>
-    <p:sldId id="328" r:id="rId23"/>
-    <p:sldId id="329" r:id="rId24"/>
-    <p:sldId id="330" r:id="rId25"/>
-    <p:sldId id="331" r:id="rId26"/>
-    <p:sldId id="332" r:id="rId27"/>
+    <p:sldId id="341" r:id="rId12"/>
+    <p:sldId id="342" r:id="rId13"/>
+    <p:sldId id="338" r:id="rId14"/>
+    <p:sldId id="334" r:id="rId15"/>
+    <p:sldId id="335" r:id="rId16"/>
+    <p:sldId id="323" r:id="rId17"/>
+    <p:sldId id="336" r:id="rId18"/>
+    <p:sldId id="337" r:id="rId19"/>
+    <p:sldId id="311" r:id="rId20"/>
+    <p:sldId id="327" r:id="rId21"/>
+    <p:sldId id="313" r:id="rId22"/>
+    <p:sldId id="321" r:id="rId23"/>
+    <p:sldId id="322" r:id="rId24"/>
+    <p:sldId id="328" r:id="rId25"/>
+    <p:sldId id="329" r:id="rId26"/>
+    <p:sldId id="330" r:id="rId27"/>
+    <p:sldId id="331" r:id="rId28"/>
+    <p:sldId id="332" r:id="rId29"/>
   </p:sldIdLst>
   <p:sldSz cx="12188825" cy="6858000"/>
   <p:notesSz cx="6858000" cy="9144000"/>
   <p:custDataLst>
-    <p:tags r:id="rId30"/>
+    <p:tags r:id="rId32"/>
   </p:custDataLst>
   <p:defaultTextStyle>
     <a:defPPr>
@@ -748,7 +750,7 @@
             <a:fld id="{F93199CD-3E1B-4AE6-990F-76F925F5EA9F}" type="slidenum">
               <a:rPr lang="de-DE" smtClean="0"/>
               <a:pPr/>
-              <a:t>21</a:t>
+              <a:t>23</a:t>
             </a:fld>
             <a:endParaRPr lang="de-DE" dirty="0"/>
           </a:p>
@@ -833,7 +835,7 @@
             <a:fld id="{F93199CD-3E1B-4AE6-990F-76F925F5EA9F}" type="slidenum">
               <a:rPr lang="de-DE" smtClean="0"/>
               <a:pPr/>
-              <a:t>23</a:t>
+              <a:t>25</a:t>
             </a:fld>
             <a:endParaRPr lang="de-DE" dirty="0"/>
           </a:p>
@@ -8820,6 +8822,1038 @@
           <a:p>
             <a:r>
               <a:rPr lang="de-DE" dirty="0"/>
+              <a:t>Netzwerk Switch</a:t>
+            </a:r>
+          </a:p>
+        </p:txBody>
+      </p:sp>
+      <p:sp>
+        <p:nvSpPr>
+          <p:cNvPr id="3" name="Inhaltsplatzhalter 2"/>
+          <p:cNvSpPr>
+            <a:spLocks noGrp="1"/>
+          </p:cNvSpPr>
+          <p:nvPr>
+            <p:ph idx="1"/>
+          </p:nvPr>
+        </p:nvSpPr>
+        <p:spPr/>
+        <p:txBody>
+          <a:bodyPr/>
+          <a:lstStyle/>
+          <a:p>
+            <a:r>
+              <a:rPr lang="en-US" dirty="0"/>
+              <a:t>HP Gigabit Switch 1820-24G (J9980A)</a:t>
+            </a:r>
+          </a:p>
+          <a:p>
+            <a:pPr lvl="1"/>
+            <a:r>
+              <a:rPr lang="de-DE" b="1" dirty="0"/>
+              <a:t>24</a:t>
+            </a:r>
+            <a:r>
+              <a:rPr lang="de-DE" dirty="0"/>
+              <a:t>x Ethernet, </a:t>
+            </a:r>
+            <a:r>
+              <a:rPr lang="de-DE" b="1" dirty="0"/>
+              <a:t>2</a:t>
+            </a:r>
+            <a:r>
+              <a:rPr lang="de-DE" dirty="0"/>
+              <a:t>x DFP Anschlüssen.</a:t>
+            </a:r>
+          </a:p>
+          <a:p>
+            <a:pPr lvl="1"/>
+            <a:r>
+              <a:rPr lang="de-DE" dirty="0"/>
+              <a:t>52 </a:t>
+            </a:r>
+            <a:r>
+              <a:rPr lang="de-DE" dirty="0" err="1"/>
+              <a:t>Gbps</a:t>
+            </a:r>
+            <a:r>
+              <a:rPr lang="de-DE" dirty="0"/>
+              <a:t> Kapazität.</a:t>
+            </a:r>
+          </a:p>
+          <a:p>
+            <a:pPr lvl="1"/>
+            <a:r>
+              <a:rPr lang="de-DE" dirty="0"/>
+              <a:t>22W Leistung (Last).</a:t>
+            </a:r>
+          </a:p>
+        </p:txBody>
+      </p:sp>
+    </p:spTree>
+    <p:extLst>
+      <p:ext uri="{BB962C8B-B14F-4D97-AF65-F5344CB8AC3E}">
+        <p14:creationId xmlns:p14="http://schemas.microsoft.com/office/powerpoint/2010/main" val="1943243209"/>
+      </p:ext>
+    </p:extLst>
+  </p:cSld>
+  <p:clrMapOvr>
+    <a:masterClrMapping/>
+  </p:clrMapOvr>
+  <mc:AlternateContent xmlns:mc="http://schemas.openxmlformats.org/markup-compatibility/2006" xmlns:p14="http://schemas.microsoft.com/office/powerpoint/2010/main">
+    <mc:Choice Requires="p14">
+      <p:transition spd="med" p14:dur="700">
+        <p:fade/>
+      </p:transition>
+    </mc:Choice>
+    <mc:Fallback xmlns="">
+      <p:transition spd="med">
+        <p:fade/>
+      </p:transition>
+    </mc:Fallback>
+  </mc:AlternateContent>
+</p:sld>
+</file>
+
+<file path=ppt/slides/slide11.xml><?xml version="1.0" encoding="utf-8"?>
+<p:sld xmlns:a="http://schemas.openxmlformats.org/drawingml/2006/main" xmlns:r="http://schemas.openxmlformats.org/officeDocument/2006/relationships" xmlns:p="http://schemas.openxmlformats.org/presentationml/2006/main">
+  <p:cSld>
+    <p:spTree>
+      <p:nvGrpSpPr>
+        <p:cNvPr id="1" name=""/>
+        <p:cNvGrpSpPr/>
+        <p:nvPr/>
+      </p:nvGrpSpPr>
+      <p:grpSpPr>
+        <a:xfrm>
+          <a:off x="0" y="0"/>
+          <a:ext cx="0" cy="0"/>
+          <a:chOff x="0" y="0"/>
+          <a:chExt cx="0" cy="0"/>
+        </a:xfrm>
+      </p:grpSpPr>
+      <p:sp>
+        <p:nvSpPr>
+          <p:cNvPr id="2" name="Titel 1"/>
+          <p:cNvSpPr>
+            <a:spLocks noGrp="1"/>
+          </p:cNvSpPr>
+          <p:nvPr>
+            <p:ph type="title"/>
+          </p:nvPr>
+        </p:nvSpPr>
+        <p:spPr/>
+        <p:txBody>
+          <a:bodyPr/>
+          <a:lstStyle/>
+          <a:p>
+            <a:r>
+              <a:rPr lang="de-DE" dirty="0"/>
+              <a:t>Netzwerk</a:t>
+            </a:r>
+          </a:p>
+        </p:txBody>
+      </p:sp>
+      <p:graphicFrame>
+        <p:nvGraphicFramePr>
+          <p:cNvPr id="5" name="Tabelle 4"/>
+          <p:cNvGraphicFramePr>
+            <a:graphicFrameLocks noGrp="1"/>
+          </p:cNvGraphicFramePr>
+          <p:nvPr>
+            <p:extLst>
+              <p:ext uri="{D42A27DB-BD31-4B8C-83A1-F6EECF244321}">
+                <p14:modId xmlns:p14="http://schemas.microsoft.com/office/powerpoint/2010/main" val="890546221"/>
+              </p:ext>
+            </p:extLst>
+          </p:nvPr>
+        </p:nvGraphicFramePr>
+        <p:xfrm>
+          <a:off x="1197868" y="2132856"/>
+          <a:ext cx="8815470" cy="4609804"/>
+        </p:xfrm>
+        <a:graphic>
+          <a:graphicData uri="http://schemas.openxmlformats.org/drawingml/2006/table">
+            <a:tbl>
+              <a:tblPr firstRow="1" bandRow="1">
+                <a:tableStyleId>{5C22544A-7EE6-4342-B048-85BDC9FD1C3A}</a:tableStyleId>
+              </a:tblPr>
+              <a:tblGrid>
+                <a:gridCol w="2938490">
+                  <a:extLst>
+                    <a:ext uri="{9D8B030D-6E8A-4147-A177-3AD203B41FA5}">
+                      <a16:colId xmlns:a16="http://schemas.microsoft.com/office/drawing/2014/main" val="20000"/>
+                    </a:ext>
+                  </a:extLst>
+                </a:gridCol>
+                <a:gridCol w="2938490">
+                  <a:extLst>
+                    <a:ext uri="{9D8B030D-6E8A-4147-A177-3AD203B41FA5}">
+                      <a16:colId xmlns:a16="http://schemas.microsoft.com/office/drawing/2014/main" val="20001"/>
+                    </a:ext>
+                  </a:extLst>
+                </a:gridCol>
+                <a:gridCol w="2938490">
+                  <a:extLst>
+                    <a:ext uri="{9D8B030D-6E8A-4147-A177-3AD203B41FA5}">
+                      <a16:colId xmlns:a16="http://schemas.microsoft.com/office/drawing/2014/main" val="20002"/>
+                    </a:ext>
+                  </a:extLst>
+                </a:gridCol>
+              </a:tblGrid>
+              <a:tr h="495165">
+                <a:tc>
+                  <a:txBody>
+                    <a:bodyPr/>
+                    <a:lstStyle/>
+                    <a:p>
+                      <a:r>
+                        <a:rPr lang="de-DE" dirty="0"/>
+                        <a:t>Typ</a:t>
+                      </a:r>
+                    </a:p>
+                  </a:txBody>
+                  <a:tcPr/>
+                </a:tc>
+                <a:tc>
+                  <a:txBody>
+                    <a:bodyPr/>
+                    <a:lstStyle/>
+                    <a:p>
+                      <a:r>
+                        <a:rPr lang="de-DE" dirty="0"/>
+                        <a:t>Model</a:t>
+                      </a:r>
+                    </a:p>
+                  </a:txBody>
+                  <a:tcPr>
+                    <a:lnB w="12700" cap="flat" cmpd="sng" algn="ctr">
+                      <a:solidFill>
+                        <a:schemeClr val="tx1"/>
+                      </a:solidFill>
+                      <a:prstDash val="solid"/>
+                      <a:round/>
+                      <a:headEnd type="none" w="med" len="med"/>
+                      <a:tailEnd type="none" w="med" len="med"/>
+                    </a:lnB>
+                  </a:tcPr>
+                </a:tc>
+                <a:tc>
+                  <a:txBody>
+                    <a:bodyPr/>
+                    <a:lstStyle/>
+                    <a:p>
+                      <a:r>
+                        <a:rPr lang="de-DE" dirty="0"/>
+                        <a:t>Preis</a:t>
+                      </a:r>
+                    </a:p>
+                  </a:txBody>
+                  <a:tcPr>
+                    <a:lnB w="12700" cap="flat" cmpd="sng" algn="ctr">
+                      <a:solidFill>
+                        <a:schemeClr val="tx1"/>
+                      </a:solidFill>
+                      <a:prstDash val="solid"/>
+                      <a:round/>
+                      <a:headEnd type="none" w="med" len="med"/>
+                      <a:tailEnd type="none" w="med" len="med"/>
+                    </a:lnB>
+                  </a:tcPr>
+                </a:tc>
+                <a:extLst>
+                  <a:ext uri="{0D108BD9-81ED-4DB2-BD59-A6C34878D82A}">
+                    <a16:rowId xmlns:a16="http://schemas.microsoft.com/office/drawing/2014/main" val="10000"/>
+                  </a:ext>
+                </a:extLst>
+              </a:tr>
+              <a:tr h="495165">
+                <a:tc>
+                  <a:txBody>
+                    <a:bodyPr/>
+                    <a:lstStyle/>
+                    <a:p>
+                      <a:pPr marL="0" marR="0" indent="0" algn="l" defTabSz="914126" rtl="0" eaLnBrk="1" fontAlgn="auto" latinLnBrk="0" hangingPunct="1">
+                        <a:lnSpc>
+                          <a:spcPct val="100000"/>
+                        </a:lnSpc>
+                        <a:spcBef>
+                          <a:spcPts val="0"/>
+                        </a:spcBef>
+                        <a:spcAft>
+                          <a:spcPts val="0"/>
+                        </a:spcAft>
+                        <a:buClrTx/>
+                        <a:buSzTx/>
+                        <a:buFontTx/>
+                        <a:buNone/>
+                        <a:tabLst/>
+                        <a:defRPr/>
+                      </a:pPr>
+                      <a:r>
+                        <a:rPr lang="de-DE" sz="1799" b="0" i="0" u="none" strike="noStrike" kern="1200" dirty="0">
+                          <a:solidFill>
+                            <a:schemeClr val="dk1"/>
+                          </a:solidFill>
+                          <a:effectLst/>
+                          <a:latin typeface="+mn-lt"/>
+                          <a:ea typeface="+mn-ea"/>
+                          <a:cs typeface="+mn-cs"/>
+                        </a:rPr>
+                        <a:t>Switch</a:t>
+                      </a:r>
+                      <a:endParaRPr lang="de-DE" b="1" dirty="0">
+                        <a:effectLst/>
+                      </a:endParaRPr>
+                    </a:p>
+                  </a:txBody>
+                  <a:tcPr>
+                    <a:lnR w="12700" cap="flat" cmpd="sng" algn="ctr">
+                      <a:solidFill>
+                        <a:schemeClr val="tx1"/>
+                      </a:solidFill>
+                      <a:prstDash val="solid"/>
+                      <a:round/>
+                      <a:headEnd type="none" w="med" len="med"/>
+                      <a:tailEnd type="none" w="med" len="med"/>
+                    </a:lnR>
+                  </a:tcPr>
+                </a:tc>
+                <a:tc>
+                  <a:txBody>
+                    <a:bodyPr/>
+                    <a:lstStyle/>
+                    <a:p>
+                      <a:pPr marL="0" marR="0" indent="0" algn="l" defTabSz="914126" rtl="0" eaLnBrk="1" fontAlgn="auto" latinLnBrk="0" hangingPunct="1">
+                        <a:lnSpc>
+                          <a:spcPct val="100000"/>
+                        </a:lnSpc>
+                        <a:spcBef>
+                          <a:spcPts val="0"/>
+                        </a:spcBef>
+                        <a:spcAft>
+                          <a:spcPts val="0"/>
+                        </a:spcAft>
+                        <a:buClrTx/>
+                        <a:buSzTx/>
+                        <a:buFontTx/>
+                        <a:buNone/>
+                        <a:tabLst/>
+                        <a:defRPr/>
+                      </a:pPr>
+                      <a:r>
+                        <a:rPr lang="en-US" dirty="0"/>
+                        <a:t>HP Gigabit Switch 1820-24G (J9980A)</a:t>
+                      </a:r>
+                    </a:p>
+                  </a:txBody>
+                  <a:tcPr>
+                    <a:lnL w="12700" cap="flat" cmpd="sng" algn="ctr">
+                      <a:solidFill>
+                        <a:schemeClr val="tx1"/>
+                      </a:solidFill>
+                      <a:prstDash val="solid"/>
+                      <a:round/>
+                      <a:headEnd type="none" w="med" len="med"/>
+                      <a:tailEnd type="none" w="med" len="med"/>
+                    </a:lnL>
+                    <a:lnR w="12700" cap="flat" cmpd="sng" algn="ctr">
+                      <a:solidFill>
+                        <a:schemeClr val="tx1"/>
+                      </a:solidFill>
+                      <a:prstDash val="solid"/>
+                      <a:round/>
+                      <a:headEnd type="none" w="med" len="med"/>
+                      <a:tailEnd type="none" w="med" len="med"/>
+                    </a:lnR>
+                    <a:lnT w="12700" cap="flat" cmpd="sng" algn="ctr">
+                      <a:solidFill>
+                        <a:schemeClr val="tx1"/>
+                      </a:solidFill>
+                      <a:prstDash val="solid"/>
+                      <a:round/>
+                      <a:headEnd type="none" w="med" len="med"/>
+                      <a:tailEnd type="none" w="med" len="med"/>
+                    </a:lnT>
+                    <a:lnB w="12700" cap="flat" cmpd="sng" algn="ctr">
+                      <a:solidFill>
+                        <a:schemeClr val="tx1"/>
+                      </a:solidFill>
+                      <a:prstDash val="solid"/>
+                      <a:round/>
+                      <a:headEnd type="none" w="med" len="med"/>
+                      <a:tailEnd type="none" w="med" len="med"/>
+                    </a:lnB>
+                  </a:tcPr>
+                </a:tc>
+                <a:tc>
+                  <a:txBody>
+                    <a:bodyPr/>
+                    <a:lstStyle/>
+                    <a:p>
+                      <a:endParaRPr lang="de-DE" dirty="0"/>
+                    </a:p>
+                  </a:txBody>
+                  <a:tcPr>
+                    <a:lnL w="12700" cap="flat" cmpd="sng" algn="ctr">
+                      <a:solidFill>
+                        <a:schemeClr val="tx1"/>
+                      </a:solidFill>
+                      <a:prstDash val="solid"/>
+                      <a:round/>
+                      <a:headEnd type="none" w="med" len="med"/>
+                      <a:tailEnd type="none" w="med" len="med"/>
+                    </a:lnL>
+                    <a:lnT w="12700" cap="flat" cmpd="sng" algn="ctr">
+                      <a:solidFill>
+                        <a:schemeClr val="tx1"/>
+                      </a:solidFill>
+                      <a:prstDash val="solid"/>
+                      <a:round/>
+                      <a:headEnd type="none" w="med" len="med"/>
+                      <a:tailEnd type="none" w="med" len="med"/>
+                    </a:lnT>
+                  </a:tcPr>
+                </a:tc>
+                <a:extLst>
+                  <a:ext uri="{0D108BD9-81ED-4DB2-BD59-A6C34878D82A}">
+                    <a16:rowId xmlns:a16="http://schemas.microsoft.com/office/drawing/2014/main" val="10001"/>
+                  </a:ext>
+                </a:extLst>
+              </a:tr>
+              <a:tr h="495165">
+                <a:tc>
+                  <a:txBody>
+                    <a:bodyPr/>
+                    <a:lstStyle/>
+                    <a:p>
+                      <a:endParaRPr lang="de-DE" i="1" dirty="0"/>
+                    </a:p>
+                  </a:txBody>
+                  <a:tcPr/>
+                </a:tc>
+                <a:tc>
+                  <a:txBody>
+                    <a:bodyPr/>
+                    <a:lstStyle/>
+                    <a:p>
+                      <a:endParaRPr lang="de-DE" dirty="0"/>
+                    </a:p>
+                  </a:txBody>
+                  <a:tcPr>
+                    <a:lnT w="12700" cap="flat" cmpd="sng" algn="ctr">
+                      <a:solidFill>
+                        <a:schemeClr val="tx1"/>
+                      </a:solidFill>
+                      <a:prstDash val="solid"/>
+                      <a:round/>
+                      <a:headEnd type="none" w="med" len="med"/>
+                      <a:tailEnd type="none" w="med" len="med"/>
+                    </a:lnT>
+                  </a:tcPr>
+                </a:tc>
+                <a:tc>
+                  <a:txBody>
+                    <a:bodyPr/>
+                    <a:lstStyle/>
+                    <a:p>
+                      <a:endParaRPr lang="de-DE"/>
+                    </a:p>
+                  </a:txBody>
+                  <a:tcPr/>
+                </a:tc>
+                <a:extLst>
+                  <a:ext uri="{0D108BD9-81ED-4DB2-BD59-A6C34878D82A}">
+                    <a16:rowId xmlns:a16="http://schemas.microsoft.com/office/drawing/2014/main" val="10002"/>
+                  </a:ext>
+                </a:extLst>
+              </a:tr>
+              <a:tr h="495165">
+                <a:tc>
+                  <a:txBody>
+                    <a:bodyPr/>
+                    <a:lstStyle/>
+                    <a:p>
+                      <a:r>
+                        <a:rPr lang="en-US" dirty="0"/>
+                        <a:t>Router</a:t>
+                      </a:r>
+                      <a:endParaRPr lang="de-DE" dirty="0"/>
+                    </a:p>
+                  </a:txBody>
+                  <a:tcPr/>
+                </a:tc>
+                <a:tc>
+                  <a:txBody>
+                    <a:bodyPr/>
+                    <a:lstStyle/>
+                    <a:p>
+                      <a:r>
+                        <a:rPr lang="en-US" dirty="0"/>
+                        <a:t>ZyXel ZyWall USG 100</a:t>
+                      </a:r>
+                      <a:endParaRPr lang="de-DE" dirty="0"/>
+                    </a:p>
+                  </a:txBody>
+                  <a:tcPr/>
+                </a:tc>
+                <a:tc>
+                  <a:txBody>
+                    <a:bodyPr/>
+                    <a:lstStyle/>
+                    <a:p>
+                      <a:r>
+                        <a:rPr lang="en-US" dirty="0"/>
+                        <a:t>300€</a:t>
+                      </a:r>
+                      <a:endParaRPr lang="de-DE" dirty="0"/>
+                    </a:p>
+                  </a:txBody>
+                  <a:tcPr/>
+                </a:tc>
+                <a:extLst>
+                  <a:ext uri="{0D108BD9-81ED-4DB2-BD59-A6C34878D82A}">
+                    <a16:rowId xmlns:a16="http://schemas.microsoft.com/office/drawing/2014/main" val="10003"/>
+                  </a:ext>
+                </a:extLst>
+              </a:tr>
+              <a:tr h="854327">
+                <a:tc>
+                  <a:txBody>
+                    <a:bodyPr/>
+                    <a:lstStyle/>
+                    <a:p>
+                      <a:r>
+                        <a:rPr lang="en-US" dirty="0"/>
+                        <a:t>PoE Switch für IP Telefone</a:t>
+                      </a:r>
+                      <a:endParaRPr lang="de-DE" dirty="0"/>
+                    </a:p>
+                  </a:txBody>
+                  <a:tcPr/>
+                </a:tc>
+                <a:tc>
+                  <a:txBody>
+                    <a:bodyPr/>
+                    <a:lstStyle/>
+                    <a:p>
+                      <a:r>
+                        <a:rPr lang="en-US" dirty="0"/>
+                        <a:t>D.Link 24.Port PoE Switch DGS-1210-24P</a:t>
+                      </a:r>
+                      <a:endParaRPr lang="de-DE" dirty="0"/>
+                    </a:p>
+                  </a:txBody>
+                  <a:tcPr/>
+                </a:tc>
+                <a:tc>
+                  <a:txBody>
+                    <a:bodyPr/>
+                    <a:lstStyle/>
+                    <a:p>
+                      <a:r>
+                        <a:rPr lang="en-US" dirty="0"/>
+                        <a:t>350€</a:t>
+                      </a:r>
+                      <a:endParaRPr lang="de-DE" dirty="0"/>
+                    </a:p>
+                  </a:txBody>
+                  <a:tcPr/>
+                </a:tc>
+                <a:extLst>
+                  <a:ext uri="{0D108BD9-81ED-4DB2-BD59-A6C34878D82A}">
+                    <a16:rowId xmlns:a16="http://schemas.microsoft.com/office/drawing/2014/main" val="10004"/>
+                  </a:ext>
+                </a:extLst>
+              </a:tr>
+              <a:tr h="495165">
+                <a:tc>
+                  <a:txBody>
+                    <a:bodyPr/>
+                    <a:lstStyle/>
+                    <a:p>
+                      <a:r>
+                        <a:rPr lang="en-US" dirty="0"/>
+                        <a:t>Placetel Telefonanlage</a:t>
+                      </a:r>
+                      <a:endParaRPr lang="de-DE" dirty="0"/>
+                    </a:p>
+                  </a:txBody>
+                  <a:tcPr/>
+                </a:tc>
+                <a:tc>
+                  <a:txBody>
+                    <a:bodyPr/>
+                    <a:lstStyle/>
+                    <a:p>
+                      <a:r>
+                        <a:rPr lang="en-US" dirty="0"/>
+                        <a:t>Placetel PROFI Complete</a:t>
+                      </a:r>
+                      <a:endParaRPr lang="de-DE" dirty="0"/>
+                    </a:p>
+                  </a:txBody>
+                  <a:tcPr/>
+                </a:tc>
+                <a:tc>
+                  <a:txBody>
+                    <a:bodyPr/>
+                    <a:lstStyle/>
+                    <a:p>
+                      <a:r>
+                        <a:rPr lang="en-US" dirty="0"/>
+                        <a:t>13,90€ im Monat + Zusätzliche Telefone</a:t>
+                      </a:r>
+                      <a:endParaRPr lang="de-DE" dirty="0"/>
+                    </a:p>
+                  </a:txBody>
+                  <a:tcPr/>
+                </a:tc>
+                <a:extLst>
+                  <a:ext uri="{0D108BD9-81ED-4DB2-BD59-A6C34878D82A}">
+                    <a16:rowId xmlns:a16="http://schemas.microsoft.com/office/drawing/2014/main" val="10005"/>
+                  </a:ext>
+                </a:extLst>
+              </a:tr>
+              <a:tr h="495165">
+                <a:tc>
+                  <a:txBody>
+                    <a:bodyPr/>
+                    <a:lstStyle/>
+                    <a:p>
+                      <a:endParaRPr lang="de-DE" dirty="0"/>
+                    </a:p>
+                  </a:txBody>
+                  <a:tcPr/>
+                </a:tc>
+                <a:tc>
+                  <a:txBody>
+                    <a:bodyPr/>
+                    <a:lstStyle/>
+                    <a:p>
+                      <a:endParaRPr lang="de-DE"/>
+                    </a:p>
+                  </a:txBody>
+                  <a:tcPr/>
+                </a:tc>
+                <a:tc>
+                  <a:txBody>
+                    <a:bodyPr/>
+                    <a:lstStyle/>
+                    <a:p>
+                      <a:endParaRPr lang="de-DE" dirty="0"/>
+                    </a:p>
+                  </a:txBody>
+                  <a:tcPr/>
+                </a:tc>
+                <a:extLst>
+                  <a:ext uri="{0D108BD9-81ED-4DB2-BD59-A6C34878D82A}">
+                    <a16:rowId xmlns:a16="http://schemas.microsoft.com/office/drawing/2014/main" val="10006"/>
+                  </a:ext>
+                </a:extLst>
+              </a:tr>
+              <a:tr h="495165">
+                <a:tc>
+                  <a:txBody>
+                    <a:bodyPr/>
+                    <a:lstStyle/>
+                    <a:p>
+                      <a:endParaRPr lang="de-DE" dirty="0"/>
+                    </a:p>
+                  </a:txBody>
+                  <a:tcPr/>
+                </a:tc>
+                <a:tc>
+                  <a:txBody>
+                    <a:bodyPr/>
+                    <a:lstStyle/>
+                    <a:p>
+                      <a:endParaRPr lang="de-DE" dirty="0"/>
+                    </a:p>
+                  </a:txBody>
+                  <a:tcPr/>
+                </a:tc>
+                <a:tc>
+                  <a:txBody>
+                    <a:bodyPr/>
+                    <a:lstStyle/>
+                    <a:p>
+                      <a:endParaRPr lang="de-DE" dirty="0"/>
+                    </a:p>
+                  </a:txBody>
+                  <a:tcPr/>
+                </a:tc>
+                <a:extLst>
+                  <a:ext uri="{0D108BD9-81ED-4DB2-BD59-A6C34878D82A}">
+                    <a16:rowId xmlns:a16="http://schemas.microsoft.com/office/drawing/2014/main" val="10007"/>
+                  </a:ext>
+                </a:extLst>
+              </a:tr>
+            </a:tbl>
+          </a:graphicData>
+        </a:graphic>
+      </p:graphicFrame>
+      <p:sp>
+        <p:nvSpPr>
+          <p:cNvPr id="4" name="Textfeld 3"/>
+          <p:cNvSpPr txBox="1"/>
+          <p:nvPr/>
+        </p:nvSpPr>
+        <p:spPr>
+          <a:xfrm>
+            <a:off x="7102524" y="2780928"/>
+            <a:ext cx="2736304" cy="369332"/>
+          </a:xfrm>
+          <a:prstGeom prst="rect">
+            <a:avLst/>
+          </a:prstGeom>
+          <a:noFill/>
+        </p:spPr>
+        <p:txBody>
+          <a:bodyPr wrap="square" rtlCol="0">
+            <a:spAutoFit/>
+          </a:bodyPr>
+          <a:lstStyle/>
+          <a:p>
+            <a:r>
+              <a:rPr lang="el-GR" sz="1799" dirty="0">
+                <a:solidFill>
+                  <a:schemeClr val="bg1"/>
+                </a:solidFill>
+              </a:rPr>
+              <a:t>Σ</a:t>
+            </a:r>
+            <a:r>
+              <a:rPr lang="de-DE" sz="1799" dirty="0">
+                <a:solidFill>
+                  <a:schemeClr val="bg1"/>
+                </a:solidFill>
+              </a:rPr>
+              <a:t> 145,31€</a:t>
+            </a:r>
+            <a:endParaRPr lang="de-DE" dirty="0"/>
+          </a:p>
+        </p:txBody>
+      </p:sp>
+      <p:sp>
+        <p:nvSpPr>
+          <p:cNvPr id="6" name="Textfeld 5"/>
+          <p:cNvSpPr txBox="1"/>
+          <p:nvPr/>
+        </p:nvSpPr>
+        <p:spPr>
+          <a:xfrm>
+            <a:off x="1269876" y="3284984"/>
+            <a:ext cx="2520280" cy="369332"/>
+          </a:xfrm>
+          <a:prstGeom prst="rect">
+            <a:avLst/>
+          </a:prstGeom>
+          <a:noFill/>
+        </p:spPr>
+        <p:txBody>
+          <a:bodyPr wrap="square" rtlCol="0">
+            <a:spAutoFit/>
+          </a:bodyPr>
+          <a:lstStyle/>
+          <a:p>
+            <a:r>
+              <a:rPr lang="de-DE" dirty="0">
+                <a:solidFill>
+                  <a:schemeClr val="bg1"/>
+                </a:solidFill>
+              </a:rPr>
+              <a:t>NAS</a:t>
+            </a:r>
+          </a:p>
+        </p:txBody>
+      </p:sp>
+    </p:spTree>
+    <p:extLst>
+      <p:ext uri="{BB962C8B-B14F-4D97-AF65-F5344CB8AC3E}">
+        <p14:creationId xmlns:p14="http://schemas.microsoft.com/office/powerpoint/2010/main" val="1813666035"/>
+      </p:ext>
+    </p:extLst>
+  </p:cSld>
+  <p:clrMapOvr>
+    <a:masterClrMapping/>
+  </p:clrMapOvr>
+  <mc:AlternateContent xmlns:mc="http://schemas.openxmlformats.org/markup-compatibility/2006" xmlns:p14="http://schemas.microsoft.com/office/powerpoint/2010/main">
+    <mc:Choice Requires="p14">
+      <p:transition spd="med" p14:dur="700">
+        <p:fade/>
+      </p:transition>
+    </mc:Choice>
+    <mc:Fallback xmlns="">
+      <p:transition spd="med">
+        <p:fade/>
+      </p:transition>
+    </mc:Fallback>
+  </mc:AlternateContent>
+  <p:timing>
+    <p:tnLst>
+      <p:par>
+        <p:cTn id="1" dur="indefinite" restart="never" nodeType="tmRoot">
+          <p:childTnLst>
+            <p:seq concurrent="1" nextAc="seek">
+              <p:cTn id="2" dur="indefinite" nodeType="mainSeq">
+                <p:childTnLst>
+                  <p:par>
+                    <p:cTn id="3" fill="hold">
+                      <p:stCondLst>
+                        <p:cond delay="indefinite"/>
+                      </p:stCondLst>
+                      <p:childTnLst>
+                        <p:par>
+                          <p:cTn id="4" fill="hold">
+                            <p:stCondLst>
+                              <p:cond delay="0"/>
+                            </p:stCondLst>
+                            <p:childTnLst>
+                              <p:par>
+                                <p:cTn id="5" presetID="2" presetClass="entr" presetSubtype="4" fill="hold" grpId="0" nodeType="clickEffect">
+                                  <p:stCondLst>
+                                    <p:cond delay="0"/>
+                                  </p:stCondLst>
+                                  <p:childTnLst>
+                                    <p:set>
+                                      <p:cBhvr>
+                                        <p:cTn id="6" dur="1" fill="hold">
+                                          <p:stCondLst>
+                                            <p:cond delay="0"/>
+                                          </p:stCondLst>
+                                        </p:cTn>
+                                        <p:tgtEl>
+                                          <p:spTgt spid="4"/>
+                                        </p:tgtEl>
+                                        <p:attrNameLst>
+                                          <p:attrName>style.visibility</p:attrName>
+                                        </p:attrNameLst>
+                                      </p:cBhvr>
+                                      <p:to>
+                                        <p:strVal val="visible"/>
+                                      </p:to>
+                                    </p:set>
+                                    <p:anim calcmode="lin" valueType="num">
+                                      <p:cBhvr additive="base">
+                                        <p:cTn id="7" dur="500" fill="hold"/>
+                                        <p:tgtEl>
+                                          <p:spTgt spid="4"/>
+                                        </p:tgtEl>
+                                        <p:attrNameLst>
+                                          <p:attrName>ppt_x</p:attrName>
+                                        </p:attrNameLst>
+                                      </p:cBhvr>
+                                      <p:tavLst>
+                                        <p:tav tm="0">
+                                          <p:val>
+                                            <p:strVal val="#ppt_x"/>
+                                          </p:val>
+                                        </p:tav>
+                                        <p:tav tm="100000">
+                                          <p:val>
+                                            <p:strVal val="#ppt_x"/>
+                                          </p:val>
+                                        </p:tav>
+                                      </p:tavLst>
+                                    </p:anim>
+                                    <p:anim calcmode="lin" valueType="num">
+                                      <p:cBhvr additive="base">
+                                        <p:cTn id="8" dur="500" fill="hold"/>
+                                        <p:tgtEl>
+                                          <p:spTgt spid="4"/>
+                                        </p:tgtEl>
+                                        <p:attrNameLst>
+                                          <p:attrName>ppt_y</p:attrName>
+                                        </p:attrNameLst>
+                                      </p:cBhvr>
+                                      <p:tavLst>
+                                        <p:tav tm="0">
+                                          <p:val>
+                                            <p:strVal val="1+#ppt_h/2"/>
+                                          </p:val>
+                                        </p:tav>
+                                        <p:tav tm="100000">
+                                          <p:val>
+                                            <p:strVal val="#ppt_y"/>
+                                          </p:val>
+                                        </p:tav>
+                                      </p:tavLst>
+                                    </p:anim>
+                                  </p:childTnLst>
+                                </p:cTn>
+                              </p:par>
+                            </p:childTnLst>
+                          </p:cTn>
+                        </p:par>
+                      </p:childTnLst>
+                    </p:cTn>
+                  </p:par>
+                  <p:par>
+                    <p:cTn id="9" fill="hold">
+                      <p:stCondLst>
+                        <p:cond delay="indefinite"/>
+                      </p:stCondLst>
+                      <p:childTnLst>
+                        <p:par>
+                          <p:cTn id="10" fill="hold">
+                            <p:stCondLst>
+                              <p:cond delay="0"/>
+                            </p:stCondLst>
+                            <p:childTnLst>
+                              <p:par>
+                                <p:cTn id="11" presetID="2" presetClass="entr" presetSubtype="4" fill="hold" nodeType="clickEffect">
+                                  <p:stCondLst>
+                                    <p:cond delay="0"/>
+                                  </p:stCondLst>
+                                  <p:childTnLst>
+                                    <p:set>
+                                      <p:cBhvr>
+                                        <p:cTn id="12" dur="1" fill="hold">
+                                          <p:stCondLst>
+                                            <p:cond delay="0"/>
+                                          </p:stCondLst>
+                                        </p:cTn>
+                                        <p:tgtEl>
+                                          <p:spTgt spid="6">
+                                            <p:txEl>
+                                              <p:pRg st="0" end="0"/>
+                                            </p:txEl>
+                                          </p:spTgt>
+                                        </p:tgtEl>
+                                        <p:attrNameLst>
+                                          <p:attrName>style.visibility</p:attrName>
+                                        </p:attrNameLst>
+                                      </p:cBhvr>
+                                      <p:to>
+                                        <p:strVal val="visible"/>
+                                      </p:to>
+                                    </p:set>
+                                    <p:anim calcmode="lin" valueType="num">
+                                      <p:cBhvr additive="base">
+                                        <p:cTn id="13" dur="500" fill="hold"/>
+                                        <p:tgtEl>
+                                          <p:spTgt spid="6">
+                                            <p:txEl>
+                                              <p:pRg st="0" end="0"/>
+                                            </p:txEl>
+                                          </p:spTgt>
+                                        </p:tgtEl>
+                                        <p:attrNameLst>
+                                          <p:attrName>ppt_x</p:attrName>
+                                        </p:attrNameLst>
+                                      </p:cBhvr>
+                                      <p:tavLst>
+                                        <p:tav tm="0">
+                                          <p:val>
+                                            <p:strVal val="#ppt_x"/>
+                                          </p:val>
+                                        </p:tav>
+                                        <p:tav tm="100000">
+                                          <p:val>
+                                            <p:strVal val="#ppt_x"/>
+                                          </p:val>
+                                        </p:tav>
+                                      </p:tavLst>
+                                    </p:anim>
+                                    <p:anim calcmode="lin" valueType="num">
+                                      <p:cBhvr additive="base">
+                                        <p:cTn id="14" dur="500" fill="hold"/>
+                                        <p:tgtEl>
+                                          <p:spTgt spid="6">
+                                            <p:txEl>
+                                              <p:pRg st="0" end="0"/>
+                                            </p:txEl>
+                                          </p:spTgt>
+                                        </p:tgtEl>
+                                        <p:attrNameLst>
+                                          <p:attrName>ppt_y</p:attrName>
+                                        </p:attrNameLst>
+                                      </p:cBhvr>
+                                      <p:tavLst>
+                                        <p:tav tm="0">
+                                          <p:val>
+                                            <p:strVal val="1+#ppt_h/2"/>
+                                          </p:val>
+                                        </p:tav>
+                                        <p:tav tm="100000">
+                                          <p:val>
+                                            <p:strVal val="#ppt_y"/>
+                                          </p:val>
+                                        </p:tav>
+                                      </p:tavLst>
+                                    </p:anim>
+                                  </p:childTnLst>
+                                </p:cTn>
+                              </p:par>
+                            </p:childTnLst>
+                          </p:cTn>
+                        </p:par>
+                      </p:childTnLst>
+                    </p:cTn>
+                  </p:par>
+                </p:childTnLst>
+              </p:cTn>
+              <p:prevCondLst>
+                <p:cond evt="onPrev" delay="0">
+                  <p:tgtEl>
+                    <p:sldTgt/>
+                  </p:tgtEl>
+                </p:cond>
+              </p:prevCondLst>
+              <p:nextCondLst>
+                <p:cond evt="onNext" delay="0">
+                  <p:tgtEl>
+                    <p:sldTgt/>
+                  </p:tgtEl>
+                </p:cond>
+              </p:nextCondLst>
+            </p:seq>
+          </p:childTnLst>
+        </p:cTn>
+      </p:par>
+    </p:tnLst>
+    <p:bldLst>
+      <p:bldP spid="4" grpId="0"/>
+    </p:bldLst>
+  </p:timing>
+</p:sld>
+</file>
+
+<file path=ppt/slides/slide12.xml><?xml version="1.0" encoding="utf-8"?>
+<p:sld xmlns:a="http://schemas.openxmlformats.org/drawingml/2006/main" xmlns:r="http://schemas.openxmlformats.org/officeDocument/2006/relationships" xmlns:p="http://schemas.openxmlformats.org/presentationml/2006/main">
+  <p:cSld>
+    <p:spTree>
+      <p:nvGrpSpPr>
+        <p:cNvPr id="1" name=""/>
+        <p:cNvGrpSpPr/>
+        <p:nvPr/>
+      </p:nvGrpSpPr>
+      <p:grpSpPr>
+        <a:xfrm>
+          <a:off x="0" y="0"/>
+          <a:ext cx="0" cy="0"/>
+          <a:chOff x="0" y="0"/>
+          <a:chExt cx="0" cy="0"/>
+        </a:xfrm>
+      </p:grpSpPr>
+      <p:sp>
+        <p:nvSpPr>
+          <p:cNvPr id="2" name="Titel 1"/>
+          <p:cNvSpPr>
+            <a:spLocks noGrp="1"/>
+          </p:cNvSpPr>
+          <p:nvPr>
+            <p:ph type="title"/>
+          </p:nvPr>
+        </p:nvSpPr>
+        <p:spPr/>
+        <p:txBody>
+          <a:bodyPr/>
+          <a:lstStyle/>
+          <a:p>
+            <a:r>
+              <a:rPr lang="de-DE" dirty="0"/>
               <a:t>Netzwerk NAS</a:t>
             </a:r>
           </a:p>
@@ -8929,7 +9963,7 @@
 </p:sld>
 </file>
 
-<file path=ppt/slides/slide11.xml><?xml version="1.0" encoding="utf-8"?>
+<file path=ppt/slides/slide13.xml><?xml version="1.0" encoding="utf-8"?>
 <p:sld xmlns:a="http://schemas.openxmlformats.org/drawingml/2006/main" xmlns:r="http://schemas.openxmlformats.org/officeDocument/2006/relationships" xmlns:p="http://schemas.openxmlformats.org/presentationml/2006/main">
   <p:cSld>
     <p:spTree>
@@ -9686,7 +10720,7 @@
 </p:sld>
 </file>
 
-<file path=ppt/slides/slide12.xml><?xml version="1.0" encoding="utf-8"?>
+<file path=ppt/slides/slide14.xml><?xml version="1.0" encoding="utf-8"?>
 <p:sld xmlns:a="http://schemas.openxmlformats.org/drawingml/2006/main" xmlns:r="http://schemas.openxmlformats.org/officeDocument/2006/relationships" xmlns:p="http://schemas.openxmlformats.org/presentationml/2006/main">
   <p:cSld>
     <p:spTree>
@@ -10517,7 +11551,7 @@
 </p:sld>
 </file>
 
-<file path=ppt/slides/slide13.xml><?xml version="1.0" encoding="utf-8"?>
+<file path=ppt/slides/slide15.xml><?xml version="1.0" encoding="utf-8"?>
 <p:sld xmlns:a="http://schemas.openxmlformats.org/drawingml/2006/main" xmlns:r="http://schemas.openxmlformats.org/officeDocument/2006/relationships" xmlns:p="http://schemas.openxmlformats.org/presentationml/2006/main">
   <p:cSld>
     <p:spTree>
@@ -10600,7 +11634,7 @@
 </p:sld>
 </file>
 
-<file path=ppt/slides/slide14.xml><?xml version="1.0" encoding="utf-8"?>
+<file path=ppt/slides/slide16.xml><?xml version="1.0" encoding="utf-8"?>
 <p:sld xmlns:a="http://schemas.openxmlformats.org/drawingml/2006/main" xmlns:r="http://schemas.openxmlformats.org/officeDocument/2006/relationships" xmlns:p="http://schemas.openxmlformats.org/presentationml/2006/main">
   <p:cSld>
     <p:spTree>
@@ -11170,7 +12204,7 @@
 </p:sld>
 </file>
 
-<file path=ppt/slides/slide15.xml><?xml version="1.0" encoding="utf-8"?>
+<file path=ppt/slides/slide17.xml><?xml version="1.0" encoding="utf-8"?>
 <p:sld xmlns:a="http://schemas.openxmlformats.org/drawingml/2006/main" xmlns:r="http://schemas.openxmlformats.org/officeDocument/2006/relationships" xmlns:p="http://schemas.openxmlformats.org/presentationml/2006/main">
   <p:cSld>
     <p:spTree>
@@ -11973,7 +13007,7 @@
 </p:sld>
 </file>
 
-<file path=ppt/slides/slide16.xml><?xml version="1.0" encoding="utf-8"?>
+<file path=ppt/slides/slide18.xml><?xml version="1.0" encoding="utf-8"?>
 <p:sld xmlns:a="http://schemas.openxmlformats.org/drawingml/2006/main" xmlns:r="http://schemas.openxmlformats.org/officeDocument/2006/relationships" xmlns:p="http://schemas.openxmlformats.org/presentationml/2006/main">
   <p:cSld>
     <p:spTree>
@@ -12101,7 +13135,7 @@
 </p:sld>
 </file>
 
-<file path=ppt/slides/slide17.xml><?xml version="1.0" encoding="utf-8"?>
+<file path=ppt/slides/slide19.xml><?xml version="1.0" encoding="utf-8"?>
 <p:sld xmlns:a="http://schemas.openxmlformats.org/drawingml/2006/main" xmlns:r="http://schemas.openxmlformats.org/officeDocument/2006/relationships" xmlns:p="http://schemas.openxmlformats.org/presentationml/2006/main">
   <p:cSld>
     <p:spTree>
@@ -12214,7 +13248,113 @@
 </p:sld>
 </file>
 
-<file path=ppt/slides/slide18.xml><?xml version="1.0" encoding="utf-8"?>
+<file path=ppt/slides/slide2.xml><?xml version="1.0" encoding="utf-8"?>
+<p:sld xmlns:a="http://schemas.openxmlformats.org/drawingml/2006/main" xmlns:r="http://schemas.openxmlformats.org/officeDocument/2006/relationships" xmlns:p="http://schemas.openxmlformats.org/presentationml/2006/main">
+  <p:cSld>
+    <p:spTree>
+      <p:nvGrpSpPr>
+        <p:cNvPr id="1" name=""/>
+        <p:cNvGrpSpPr/>
+        <p:nvPr/>
+      </p:nvGrpSpPr>
+      <p:grpSpPr>
+        <a:xfrm>
+          <a:off x="0" y="0"/>
+          <a:ext cx="0" cy="0"/>
+          <a:chOff x="0" y="0"/>
+          <a:chExt cx="0" cy="0"/>
+        </a:xfrm>
+      </p:grpSpPr>
+      <p:sp>
+        <p:nvSpPr>
+          <p:cNvPr id="13" name="Titel 12"/>
+          <p:cNvSpPr>
+            <a:spLocks noGrp="1"/>
+          </p:cNvSpPr>
+          <p:nvPr>
+            <p:ph type="title"/>
+          </p:nvPr>
+        </p:nvSpPr>
+        <p:spPr/>
+        <p:txBody>
+          <a:bodyPr rtlCol="0"/>
+          <a:lstStyle/>
+          <a:p>
+            <a:pPr rtl="0"/>
+            <a:r>
+              <a:rPr lang="de-DE" dirty="0"/>
+              <a:t>Gliederung </a:t>
+            </a:r>
+            <a:endParaRPr lang="en-US" dirty="0"/>
+          </a:p>
+        </p:txBody>
+      </p:sp>
+      <p:sp>
+        <p:nvSpPr>
+          <p:cNvPr id="14" name="Inhaltsplatzhalter 13"/>
+          <p:cNvSpPr>
+            <a:spLocks noGrp="1"/>
+          </p:cNvSpPr>
+          <p:nvPr>
+            <p:ph idx="1"/>
+          </p:nvPr>
+        </p:nvSpPr>
+        <p:spPr/>
+        <p:txBody>
+          <a:bodyPr rtlCol="0"/>
+          <a:lstStyle/>
+          <a:p>
+            <a:pPr rtl="0"/>
+            <a:r>
+              <a:rPr lang="de-DE" dirty="0"/>
+              <a:t>Allgemeine Anforderungen </a:t>
+            </a:r>
+            <a:endParaRPr lang="de" dirty="0"/>
+          </a:p>
+          <a:p>
+            <a:pPr rtl="0"/>
+            <a:r>
+              <a:rPr lang="de-DE" dirty="0"/>
+              <a:t>Angebote</a:t>
+            </a:r>
+            <a:endParaRPr lang="de" dirty="0"/>
+          </a:p>
+          <a:p>
+            <a:pPr rtl="0"/>
+            <a:r>
+              <a:rPr lang="de-DE" dirty="0"/>
+              <a:t>Kalkulationen</a:t>
+            </a:r>
+            <a:endParaRPr lang="en-US" dirty="0"/>
+          </a:p>
+        </p:txBody>
+      </p:sp>
+    </p:spTree>
+    <p:extLst>
+      <p:ext uri="{BB962C8B-B14F-4D97-AF65-F5344CB8AC3E}">
+        <p14:creationId xmlns:p14="http://schemas.microsoft.com/office/powerpoint/2010/main" val="2139132589"/>
+      </p:ext>
+    </p:extLst>
+  </p:cSld>
+  <p:clrMapOvr>
+    <a:masterClrMapping/>
+  </p:clrMapOvr>
+  <mc:AlternateContent xmlns:mc="http://schemas.openxmlformats.org/markup-compatibility/2006" xmlns:p14="http://schemas.microsoft.com/office/powerpoint/2010/main">
+    <mc:Choice Requires="p14">
+      <p:transition spd="med" p14:dur="700">
+        <p:fade/>
+      </p:transition>
+    </mc:Choice>
+    <mc:Fallback xmlns="">
+      <p:transition spd="med">
+        <p:fade/>
+      </p:transition>
+    </mc:Fallback>
+  </mc:AlternateContent>
+</p:sld>
+</file>
+
+<file path=ppt/slides/slide20.xml><?xml version="1.0" encoding="utf-8"?>
 <p:sld xmlns:a="http://schemas.openxmlformats.org/drawingml/2006/main" xmlns:r="http://schemas.openxmlformats.org/officeDocument/2006/relationships" xmlns:p="http://schemas.openxmlformats.org/presentationml/2006/main">
   <p:cSld>
     <p:spTree>
@@ -12317,7 +13457,7 @@
 </p:sld>
 </file>
 
-<file path=ppt/slides/slide19.xml><?xml version="1.0" encoding="utf-8"?>
+<file path=ppt/slides/slide21.xml><?xml version="1.0" encoding="utf-8"?>
 <p:sld xmlns:a="http://schemas.openxmlformats.org/drawingml/2006/main" xmlns:r="http://schemas.openxmlformats.org/officeDocument/2006/relationships" xmlns:p="http://schemas.openxmlformats.org/presentationml/2006/main">
   <p:cSld>
     <p:spTree>
@@ -13247,113 +14387,7 @@
 </p:sld>
 </file>
 
-<file path=ppt/slides/slide2.xml><?xml version="1.0" encoding="utf-8"?>
-<p:sld xmlns:a="http://schemas.openxmlformats.org/drawingml/2006/main" xmlns:r="http://schemas.openxmlformats.org/officeDocument/2006/relationships" xmlns:p="http://schemas.openxmlformats.org/presentationml/2006/main">
-  <p:cSld>
-    <p:spTree>
-      <p:nvGrpSpPr>
-        <p:cNvPr id="1" name=""/>
-        <p:cNvGrpSpPr/>
-        <p:nvPr/>
-      </p:nvGrpSpPr>
-      <p:grpSpPr>
-        <a:xfrm>
-          <a:off x="0" y="0"/>
-          <a:ext cx="0" cy="0"/>
-          <a:chOff x="0" y="0"/>
-          <a:chExt cx="0" cy="0"/>
-        </a:xfrm>
-      </p:grpSpPr>
-      <p:sp>
-        <p:nvSpPr>
-          <p:cNvPr id="13" name="Titel 12"/>
-          <p:cNvSpPr>
-            <a:spLocks noGrp="1"/>
-          </p:cNvSpPr>
-          <p:nvPr>
-            <p:ph type="title"/>
-          </p:nvPr>
-        </p:nvSpPr>
-        <p:spPr/>
-        <p:txBody>
-          <a:bodyPr rtlCol="0"/>
-          <a:lstStyle/>
-          <a:p>
-            <a:pPr rtl="0"/>
-            <a:r>
-              <a:rPr lang="de-DE" dirty="0"/>
-              <a:t>Gliederung </a:t>
-            </a:r>
-            <a:endParaRPr lang="en-US" dirty="0"/>
-          </a:p>
-        </p:txBody>
-      </p:sp>
-      <p:sp>
-        <p:nvSpPr>
-          <p:cNvPr id="14" name="Inhaltsplatzhalter 13"/>
-          <p:cNvSpPr>
-            <a:spLocks noGrp="1"/>
-          </p:cNvSpPr>
-          <p:nvPr>
-            <p:ph idx="1"/>
-          </p:nvPr>
-        </p:nvSpPr>
-        <p:spPr/>
-        <p:txBody>
-          <a:bodyPr rtlCol="0"/>
-          <a:lstStyle/>
-          <a:p>
-            <a:pPr rtl="0"/>
-            <a:r>
-              <a:rPr lang="de-DE" dirty="0"/>
-              <a:t>Allgemeine Anforderungen </a:t>
-            </a:r>
-            <a:endParaRPr lang="de" dirty="0"/>
-          </a:p>
-          <a:p>
-            <a:pPr rtl="0"/>
-            <a:r>
-              <a:rPr lang="de-DE" dirty="0"/>
-              <a:t>Angebote</a:t>
-            </a:r>
-            <a:endParaRPr lang="de" dirty="0"/>
-          </a:p>
-          <a:p>
-            <a:pPr rtl="0"/>
-            <a:r>
-              <a:rPr lang="de-DE" dirty="0"/>
-              <a:t>Kalkulationen</a:t>
-            </a:r>
-            <a:endParaRPr lang="en-US" dirty="0"/>
-          </a:p>
-        </p:txBody>
-      </p:sp>
-    </p:spTree>
-    <p:extLst>
-      <p:ext uri="{BB962C8B-B14F-4D97-AF65-F5344CB8AC3E}">
-        <p14:creationId xmlns:p14="http://schemas.microsoft.com/office/powerpoint/2010/main" val="2139132589"/>
-      </p:ext>
-    </p:extLst>
-  </p:cSld>
-  <p:clrMapOvr>
-    <a:masterClrMapping/>
-  </p:clrMapOvr>
-  <mc:AlternateContent xmlns:mc="http://schemas.openxmlformats.org/markup-compatibility/2006" xmlns:p14="http://schemas.microsoft.com/office/powerpoint/2010/main">
-    <mc:Choice Requires="p14">
-      <p:transition spd="med" p14:dur="700">
-        <p:fade/>
-      </p:transition>
-    </mc:Choice>
-    <mc:Fallback xmlns="">
-      <p:transition spd="med">
-        <p:fade/>
-      </p:transition>
-    </mc:Fallback>
-  </mc:AlternateContent>
-</p:sld>
-</file>
-
-<file path=ppt/slides/slide20.xml><?xml version="1.0" encoding="utf-8"?>
+<file path=ppt/slides/slide22.xml><?xml version="1.0" encoding="utf-8"?>
 <p:sld xmlns:a="http://schemas.openxmlformats.org/drawingml/2006/main" xmlns:r="http://schemas.openxmlformats.org/officeDocument/2006/relationships" xmlns:p="http://schemas.openxmlformats.org/presentationml/2006/main">
   <p:cSld>
     <p:spTree>
@@ -13447,7 +14481,7 @@
 </p:sld>
 </file>
 
-<file path=ppt/slides/slide21.xml><?xml version="1.0" encoding="utf-8"?>
+<file path=ppt/slides/slide23.xml><?xml version="1.0" encoding="utf-8"?>
 <p:sld xmlns:a="http://schemas.openxmlformats.org/drawingml/2006/main" xmlns:r="http://schemas.openxmlformats.org/officeDocument/2006/relationships" xmlns:p="http://schemas.openxmlformats.org/presentationml/2006/main">
   <p:cSld>
     <p:spTree>
@@ -14480,7 +15514,7 @@
 </p:sld>
 </file>
 
-<file path=ppt/slides/slide22.xml><?xml version="1.0" encoding="utf-8"?>
+<file path=ppt/slides/slide24.xml><?xml version="1.0" encoding="utf-8"?>
 <p:sld xmlns:a="http://schemas.openxmlformats.org/drawingml/2006/main" xmlns:r="http://schemas.openxmlformats.org/officeDocument/2006/relationships" xmlns:p="http://schemas.openxmlformats.org/presentationml/2006/main">
   <p:cSld>
     <p:spTree>
@@ -14618,7 +15652,7 @@
 </p:sld>
 </file>
 
-<file path=ppt/slides/slide23.xml><?xml version="1.0" encoding="utf-8"?>
+<file path=ppt/slides/slide25.xml><?xml version="1.0" encoding="utf-8"?>
 <p:sld xmlns:a="http://schemas.openxmlformats.org/drawingml/2006/main" xmlns:r="http://schemas.openxmlformats.org/officeDocument/2006/relationships" xmlns:p="http://schemas.openxmlformats.org/presentationml/2006/main">
   <p:cSld>
     <p:spTree>
@@ -17300,7 +18334,7 @@
       </p:sp>
       <p:pic>
         <p:nvPicPr>
-          <p:cNvPr id="4" name="Grafik 4"/>
+          <p:cNvPr id="8" name="Grafik 8"/>
           <p:cNvPicPr>
             <a:picLocks noGrp="1" noChangeAspect="1"/>
           </p:cNvPicPr>
@@ -17322,14 +18356,67 @@
         </p:blipFill>
         <p:spPr>
           <a:xfrm>
-            <a:off x="2650047" y="1663079"/>
-            <a:ext cx="6716295" cy="5026295"/>
+            <a:off x="680145" y="2061380"/>
+            <a:ext cx="6166952" cy="4618540"/>
           </a:xfrm>
           <a:prstGeom prst="rect">
             <a:avLst/>
           </a:prstGeom>
         </p:spPr>
       </p:pic>
+      <p:sp>
+        <p:nvSpPr>
+          <p:cNvPr id="11" name="Textfeld 10"/>
+          <p:cNvSpPr txBox="1"/>
+          <p:nvPr/>
+        </p:nvSpPr>
+        <p:spPr>
+          <a:xfrm>
+            <a:off x="6847097" y="2568621"/>
+            <a:ext cx="5114167" cy="1754326"/>
+          </a:xfrm>
+          <a:prstGeom prst="rect">
+            <a:avLst/>
+          </a:prstGeom>
+          <a:noFill/>
+        </p:spPr>
+        <p:txBody>
+          <a:bodyPr wrap="square" rtlCol="0">
+            <a:spAutoFit/>
+          </a:bodyPr>
+          <a:lstStyle/>
+          <a:p>
+            <a:pPr algn="l"/>
+            <a:r>
+              <a:rPr lang="en-US" dirty="0"/>
+              <a:t>Ringnetz ist stabil falls ein bereich mal ausfällt</a:t>
+            </a:r>
+          </a:p>
+          <a:p>
+            <a:pPr algn="l"/>
+            <a:endParaRPr lang="en-US" dirty="0"/>
+          </a:p>
+          <a:p>
+            <a:pPr algn="l"/>
+            <a:r>
+              <a:rPr lang="en-US" dirty="0"/>
+              <a:t>Die DMZ und das WLAN sind geschützt durch eine Firewall</a:t>
+            </a:r>
+          </a:p>
+          <a:p>
+            <a:pPr algn="l"/>
+            <a:endParaRPr lang="en-US" dirty="0"/>
+          </a:p>
+          <a:p>
+            <a:pPr algn="l"/>
+            <a:r>
+              <a:rPr lang="en-US" dirty="0"/>
+              <a:t>Der 192.168.1.1 Router ist das InternetGateway</a:t>
+            </a:r>
+            <a:endParaRPr lang="de-DE" dirty="0"/>
+          </a:p>
+        </p:txBody>
+      </p:sp>
     </p:spTree>
     <p:extLst>
       <p:ext uri="{BB962C8B-B14F-4D97-AF65-F5344CB8AC3E}">
@@ -17389,8 +18476,13 @@
           <a:p>
             <a:r>
               <a:rPr lang="de-DE" dirty="0"/>
-              <a:t>Netzwerk Switch</a:t>
-            </a:r>
+              <a:t>Netzwerk</a:t>
+            </a:r>
+            <a:r>
+              <a:rPr lang="en-US" dirty="0"/>
+              <a:t>konfiguration – IP Telefon</a:t>
+            </a:r>
+            <a:endParaRPr lang="de-DE" dirty="0"/>
           </a:p>
         </p:txBody>
       </p:sp>
@@ -17406,61 +18498,115 @@
         </p:nvSpPr>
         <p:spPr/>
         <p:txBody>
-          <a:bodyPr/>
+          <a:bodyPr>
+            <a:normAutofit lnSpcReduction="10000"/>
+          </a:bodyPr>
           <a:lstStyle/>
           <a:p>
+            <a:pPr marL="0" indent="0">
+              <a:buNone/>
+            </a:pPr>
             <a:r>
               <a:rPr lang="en-US" dirty="0"/>
-              <a:t>HP Gigabit Switch 1820-24G (J9980A)</a:t>
-            </a:r>
-          </a:p>
-          <a:p>
-            <a:pPr lvl="1"/>
-            <a:r>
-              <a:rPr lang="de-DE" b="1" dirty="0"/>
-              <a:t>24</a:t>
-            </a:r>
-            <a:r>
-              <a:rPr lang="de-DE" dirty="0"/>
-              <a:t>x Ethernet, </a:t>
-            </a:r>
-            <a:r>
-              <a:rPr lang="de-DE" b="1" dirty="0"/>
-              <a:t>2</a:t>
-            </a:r>
-            <a:r>
-              <a:rPr lang="de-DE" dirty="0"/>
-              <a:t>x DFP Anschlüssen.</a:t>
-            </a:r>
-          </a:p>
-          <a:p>
-            <a:pPr lvl="1"/>
-            <a:r>
-              <a:rPr lang="de-DE" dirty="0"/>
-              <a:t>52 </a:t>
-            </a:r>
-            <a:r>
-              <a:rPr lang="de-DE" dirty="0" err="1"/>
-              <a:t>Gbps</a:t>
-            </a:r>
-            <a:r>
-              <a:rPr lang="de-DE" dirty="0"/>
-              <a:t> Kapazität.</a:t>
-            </a:r>
-          </a:p>
-          <a:p>
-            <a:pPr lvl="1"/>
-            <a:r>
-              <a:rPr lang="de-DE" dirty="0"/>
-              <a:t>22W Leistung (Last).</a:t>
+              <a:t>Placetel.de – Placetel PROFI Complete</a:t>
+            </a:r>
+          </a:p>
+          <a:p>
+            <a:pPr marL="0" indent="0">
+              <a:buNone/>
+            </a:pPr>
+            <a:r>
+              <a:rPr lang="en-US" dirty="0"/>
+              <a:t>Kosten: 13,90€ im Monat</a:t>
+            </a:r>
+          </a:p>
+          <a:p>
+            <a:pPr marL="0" indent="0">
+              <a:buNone/>
+            </a:pPr>
+            <a:endParaRPr lang="en-US" dirty="0"/>
+          </a:p>
+          <a:p>
+            <a:pPr marL="0" indent="0">
+              <a:buNone/>
+            </a:pPr>
+            <a:r>
+              <a:rPr lang="en-US" dirty="0"/>
+              <a:t>- AllnetFlat in Deutschland</a:t>
+            </a:r>
+          </a:p>
+          <a:p>
+            <a:pPr marL="0" indent="0">
+              <a:buNone/>
+            </a:pPr>
+            <a:r>
+              <a:rPr lang="en-US" dirty="0"/>
+              <a:t>- Fax, Konferenzen, Sprachmenü</a:t>
+            </a:r>
+          </a:p>
+          <a:p>
+            <a:pPr>
+              <a:buFontTx/>
+              <a:buChar char="-"/>
+            </a:pPr>
+            <a:r>
+              <a:rPr lang="en-US" dirty="0"/>
+              <a:t>Und inklusive einem IP-Telefon (weitere sind auch bestellbar)</a:t>
+            </a:r>
+          </a:p>
+          <a:p>
+            <a:pPr>
+              <a:buFontTx/>
+              <a:buChar char="-"/>
+            </a:pPr>
+            <a:endParaRPr lang="en-US" dirty="0"/>
+          </a:p>
+          <a:p>
+            <a:pPr>
+              <a:buFontTx/>
+              <a:buChar char="-"/>
+            </a:pPr>
+            <a:r>
+              <a:rPr lang="en-US" dirty="0"/>
+              <a:t>Die Telefone werden über einen PoE Switch mit Energie versorgt</a:t>
             </a:r>
           </a:p>
         </p:txBody>
       </p:sp>
+      <p:pic>
+        <p:nvPicPr>
+          <p:cNvPr id="4" name="Grafik 4"/>
+          <p:cNvPicPr>
+            <a:picLocks noChangeAspect="1"/>
+          </p:cNvPicPr>
+          <p:nvPr/>
+        </p:nvPicPr>
+        <p:blipFill>
+          <a:blip r:embed="rId2">
+            <a:extLst>
+              <a:ext uri="{28A0092B-C50C-407E-A947-70E740481C1C}">
+                <a14:useLocalDpi xmlns:a14="http://schemas.microsoft.com/office/drawing/2010/main" val="0"/>
+              </a:ext>
+            </a:extLst>
+          </a:blip>
+          <a:stretch>
+            <a:fillRect/>
+          </a:stretch>
+        </p:blipFill>
+        <p:spPr>
+          <a:xfrm>
+            <a:off x="7618981" y="1698131"/>
+            <a:ext cx="2438400" cy="2438400"/>
+          </a:xfrm>
+          <a:prstGeom prst="rect">
+            <a:avLst/>
+          </a:prstGeom>
+        </p:spPr>
+      </p:pic>
     </p:spTree>
     <p:extLst>
       <p:ext uri="{BB962C8B-B14F-4D97-AF65-F5344CB8AC3E}">
-        <p14:creationId xmlns:p14="http://schemas.microsoft.com/office/powerpoint/2010/main" val="1943243209"/>
+        <p14:creationId xmlns:p14="http://schemas.microsoft.com/office/powerpoint/2010/main" val="1022958868"/>
       </p:ext>
     </p:extLst>
   </p:cSld>
@@ -17518,591 +18664,155 @@
               <a:rPr lang="de-DE" dirty="0"/>
               <a:t>Netzwerk</a:t>
             </a:r>
+            <a:r>
+              <a:rPr lang="en-US" dirty="0"/>
+              <a:t>konfiguration – Router und Switch</a:t>
+            </a:r>
+            <a:endParaRPr lang="de-DE" dirty="0"/>
           </a:p>
         </p:txBody>
       </p:sp>
-      <p:graphicFrame>
-        <p:nvGraphicFramePr>
-          <p:cNvPr id="5" name="Tabelle 4"/>
-          <p:cNvGraphicFramePr>
-            <a:graphicFrameLocks noGrp="1"/>
-          </p:cNvGraphicFramePr>
+      <p:sp>
+        <p:nvSpPr>
+          <p:cNvPr id="3" name="Inhaltsplatzhalter 2"/>
+          <p:cNvSpPr>
+            <a:spLocks noGrp="1"/>
+          </p:cNvSpPr>
           <p:nvPr>
-            <p:extLst>
-              <p:ext uri="{D42A27DB-BD31-4B8C-83A1-F6EECF244321}">
-                <p14:modId xmlns:p14="http://schemas.microsoft.com/office/powerpoint/2010/main" val="3295671181"/>
-              </p:ext>
-            </p:extLst>
+            <p:ph idx="1"/>
           </p:nvPr>
-        </p:nvGraphicFramePr>
-        <p:xfrm>
-          <a:off x="1197868" y="2132856"/>
-          <a:ext cx="8815470" cy="4465143"/>
-        </p:xfrm>
-        <a:graphic>
-          <a:graphicData uri="http://schemas.openxmlformats.org/drawingml/2006/table">
-            <a:tbl>
-              <a:tblPr firstRow="1" bandRow="1">
-                <a:tableStyleId>{5C22544A-7EE6-4342-B048-85BDC9FD1C3A}</a:tableStyleId>
-              </a:tblPr>
-              <a:tblGrid>
-                <a:gridCol w="2938490">
-                  <a:extLst>
-                    <a:ext uri="{9D8B030D-6E8A-4147-A177-3AD203B41FA5}">
-                      <a16:colId xmlns:a16="http://schemas.microsoft.com/office/drawing/2014/main" val="20000"/>
-                    </a:ext>
-                  </a:extLst>
-                </a:gridCol>
-                <a:gridCol w="2938490">
-                  <a:extLst>
-                    <a:ext uri="{9D8B030D-6E8A-4147-A177-3AD203B41FA5}">
-                      <a16:colId xmlns:a16="http://schemas.microsoft.com/office/drawing/2014/main" val="20001"/>
-                    </a:ext>
-                  </a:extLst>
-                </a:gridCol>
-                <a:gridCol w="2938490">
-                  <a:extLst>
-                    <a:ext uri="{9D8B030D-6E8A-4147-A177-3AD203B41FA5}">
-                      <a16:colId xmlns:a16="http://schemas.microsoft.com/office/drawing/2014/main" val="20002"/>
-                    </a:ext>
-                  </a:extLst>
-                </a:gridCol>
-              </a:tblGrid>
-              <a:tr h="495165">
-                <a:tc>
-                  <a:txBody>
-                    <a:bodyPr/>
-                    <a:lstStyle/>
-                    <a:p>
-                      <a:r>
-                        <a:rPr lang="de-DE" dirty="0"/>
-                        <a:t>Typ</a:t>
-                      </a:r>
-                    </a:p>
-                  </a:txBody>
-                  <a:tcPr/>
-                </a:tc>
-                <a:tc>
-                  <a:txBody>
-                    <a:bodyPr/>
-                    <a:lstStyle/>
-                    <a:p>
-                      <a:r>
-                        <a:rPr lang="de-DE" dirty="0"/>
-                        <a:t>Model</a:t>
-                      </a:r>
-                    </a:p>
-                  </a:txBody>
-                  <a:tcPr>
-                    <a:lnB w="12700" cap="flat" cmpd="sng" algn="ctr">
-                      <a:solidFill>
-                        <a:schemeClr val="tx1"/>
-                      </a:solidFill>
-                      <a:prstDash val="solid"/>
-                      <a:round/>
-                      <a:headEnd type="none" w="med" len="med"/>
-                      <a:tailEnd type="none" w="med" len="med"/>
-                    </a:lnB>
-                  </a:tcPr>
-                </a:tc>
-                <a:tc>
-                  <a:txBody>
-                    <a:bodyPr/>
-                    <a:lstStyle/>
-                    <a:p>
-                      <a:r>
-                        <a:rPr lang="de-DE" dirty="0"/>
-                        <a:t>Preis</a:t>
-                      </a:r>
-                    </a:p>
-                  </a:txBody>
-                  <a:tcPr>
-                    <a:lnB w="12700" cap="flat" cmpd="sng" algn="ctr">
-                      <a:solidFill>
-                        <a:schemeClr val="tx1"/>
-                      </a:solidFill>
-                      <a:prstDash val="solid"/>
-                      <a:round/>
-                      <a:headEnd type="none" w="med" len="med"/>
-                      <a:tailEnd type="none" w="med" len="med"/>
-                    </a:lnB>
-                  </a:tcPr>
-                </a:tc>
-                <a:extLst>
-                  <a:ext uri="{0D108BD9-81ED-4DB2-BD59-A6C34878D82A}">
-                    <a16:rowId xmlns:a16="http://schemas.microsoft.com/office/drawing/2014/main" val="10000"/>
-                  </a:ext>
-                </a:extLst>
-              </a:tr>
-              <a:tr h="495165">
-                <a:tc>
-                  <a:txBody>
-                    <a:bodyPr/>
-                    <a:lstStyle/>
-                    <a:p>
-                      <a:pPr marL="0" marR="0" indent="0" algn="l" defTabSz="914126" rtl="0" eaLnBrk="1" fontAlgn="auto" latinLnBrk="0" hangingPunct="1">
-                        <a:lnSpc>
-                          <a:spcPct val="100000"/>
-                        </a:lnSpc>
-                        <a:spcBef>
-                          <a:spcPts val="0"/>
-                        </a:spcBef>
-                        <a:spcAft>
-                          <a:spcPts val="0"/>
-                        </a:spcAft>
-                        <a:buClrTx/>
-                        <a:buSzTx/>
-                        <a:buFontTx/>
-                        <a:buNone/>
-                        <a:tabLst/>
-                        <a:defRPr/>
-                      </a:pPr>
-                      <a:r>
-                        <a:rPr lang="de-DE" sz="1799" b="0" i="0" u="none" strike="noStrike" kern="1200" dirty="0">
-                          <a:solidFill>
-                            <a:schemeClr val="dk1"/>
-                          </a:solidFill>
-                          <a:effectLst/>
-                          <a:latin typeface="+mn-lt"/>
-                          <a:ea typeface="+mn-ea"/>
-                          <a:cs typeface="+mn-cs"/>
-                        </a:rPr>
-                        <a:t>Switch</a:t>
-                      </a:r>
-                      <a:endParaRPr lang="de-DE" b="1" dirty="0">
-                        <a:effectLst/>
-                      </a:endParaRPr>
-                    </a:p>
-                  </a:txBody>
-                  <a:tcPr>
-                    <a:lnR w="12700" cap="flat" cmpd="sng" algn="ctr">
-                      <a:solidFill>
-                        <a:schemeClr val="tx1"/>
-                      </a:solidFill>
-                      <a:prstDash val="solid"/>
-                      <a:round/>
-                      <a:headEnd type="none" w="med" len="med"/>
-                      <a:tailEnd type="none" w="med" len="med"/>
-                    </a:lnR>
-                  </a:tcPr>
-                </a:tc>
-                <a:tc>
-                  <a:txBody>
-                    <a:bodyPr/>
-                    <a:lstStyle/>
-                    <a:p>
-                      <a:pPr marL="0" marR="0" indent="0" algn="l" defTabSz="914126" rtl="0" eaLnBrk="1" fontAlgn="auto" latinLnBrk="0" hangingPunct="1">
-                        <a:lnSpc>
-                          <a:spcPct val="100000"/>
-                        </a:lnSpc>
-                        <a:spcBef>
-                          <a:spcPts val="0"/>
-                        </a:spcBef>
-                        <a:spcAft>
-                          <a:spcPts val="0"/>
-                        </a:spcAft>
-                        <a:buClrTx/>
-                        <a:buSzTx/>
-                        <a:buFontTx/>
-                        <a:buNone/>
-                        <a:tabLst/>
-                        <a:defRPr/>
-                      </a:pPr>
-                      <a:r>
-                        <a:rPr lang="en-US" dirty="0"/>
-                        <a:t>HP Gigabit Switch 1820-24G (J9980A)</a:t>
-                      </a:r>
-                    </a:p>
-                  </a:txBody>
-                  <a:tcPr>
-                    <a:lnL w="12700" cap="flat" cmpd="sng" algn="ctr">
-                      <a:solidFill>
-                        <a:schemeClr val="tx1"/>
-                      </a:solidFill>
-                      <a:prstDash val="solid"/>
-                      <a:round/>
-                      <a:headEnd type="none" w="med" len="med"/>
-                      <a:tailEnd type="none" w="med" len="med"/>
-                    </a:lnL>
-                    <a:lnR w="12700" cap="flat" cmpd="sng" algn="ctr">
-                      <a:solidFill>
-                        <a:schemeClr val="tx1"/>
-                      </a:solidFill>
-                      <a:prstDash val="solid"/>
-                      <a:round/>
-                      <a:headEnd type="none" w="med" len="med"/>
-                      <a:tailEnd type="none" w="med" len="med"/>
-                    </a:lnR>
-                    <a:lnT w="12700" cap="flat" cmpd="sng" algn="ctr">
-                      <a:solidFill>
-                        <a:schemeClr val="tx1"/>
-                      </a:solidFill>
-                      <a:prstDash val="solid"/>
-                      <a:round/>
-                      <a:headEnd type="none" w="med" len="med"/>
-                      <a:tailEnd type="none" w="med" len="med"/>
-                    </a:lnT>
-                    <a:lnB w="12700" cap="flat" cmpd="sng" algn="ctr">
-                      <a:solidFill>
-                        <a:schemeClr val="tx1"/>
-                      </a:solidFill>
-                      <a:prstDash val="solid"/>
-                      <a:round/>
-                      <a:headEnd type="none" w="med" len="med"/>
-                      <a:tailEnd type="none" w="med" len="med"/>
-                    </a:lnB>
-                  </a:tcPr>
-                </a:tc>
-                <a:tc>
-                  <a:txBody>
-                    <a:bodyPr/>
-                    <a:lstStyle/>
-                    <a:p>
-                      <a:endParaRPr lang="de-DE" dirty="0"/>
-                    </a:p>
-                  </a:txBody>
-                  <a:tcPr>
-                    <a:lnL w="12700" cap="flat" cmpd="sng" algn="ctr">
-                      <a:solidFill>
-                        <a:schemeClr val="tx1"/>
-                      </a:solidFill>
-                      <a:prstDash val="solid"/>
-                      <a:round/>
-                      <a:headEnd type="none" w="med" len="med"/>
-                      <a:tailEnd type="none" w="med" len="med"/>
-                    </a:lnL>
-                    <a:lnT w="12700" cap="flat" cmpd="sng" algn="ctr">
-                      <a:solidFill>
-                        <a:schemeClr val="tx1"/>
-                      </a:solidFill>
-                      <a:prstDash val="solid"/>
-                      <a:round/>
-                      <a:headEnd type="none" w="med" len="med"/>
-                      <a:tailEnd type="none" w="med" len="med"/>
-                    </a:lnT>
-                  </a:tcPr>
-                </a:tc>
-                <a:extLst>
-                  <a:ext uri="{0D108BD9-81ED-4DB2-BD59-A6C34878D82A}">
-                    <a16:rowId xmlns:a16="http://schemas.microsoft.com/office/drawing/2014/main" val="10001"/>
-                  </a:ext>
-                </a:extLst>
-              </a:tr>
-              <a:tr h="495165">
-                <a:tc>
-                  <a:txBody>
-                    <a:bodyPr/>
-                    <a:lstStyle/>
-                    <a:p>
-                      <a:endParaRPr lang="de-DE" i="1" dirty="0"/>
-                    </a:p>
-                  </a:txBody>
-                  <a:tcPr/>
-                </a:tc>
-                <a:tc>
-                  <a:txBody>
-                    <a:bodyPr/>
-                    <a:lstStyle/>
-                    <a:p>
-                      <a:endParaRPr lang="de-DE" dirty="0"/>
-                    </a:p>
-                  </a:txBody>
-                  <a:tcPr>
-                    <a:lnT w="12700" cap="flat" cmpd="sng" algn="ctr">
-                      <a:solidFill>
-                        <a:schemeClr val="tx1"/>
-                      </a:solidFill>
-                      <a:prstDash val="solid"/>
-                      <a:round/>
-                      <a:headEnd type="none" w="med" len="med"/>
-                      <a:tailEnd type="none" w="med" len="med"/>
-                    </a:lnT>
-                  </a:tcPr>
-                </a:tc>
-                <a:tc>
-                  <a:txBody>
-                    <a:bodyPr/>
-                    <a:lstStyle/>
-                    <a:p>
-                      <a:endParaRPr lang="de-DE"/>
-                    </a:p>
-                  </a:txBody>
-                  <a:tcPr/>
-                </a:tc>
-                <a:extLst>
-                  <a:ext uri="{0D108BD9-81ED-4DB2-BD59-A6C34878D82A}">
-                    <a16:rowId xmlns:a16="http://schemas.microsoft.com/office/drawing/2014/main" val="10002"/>
-                  </a:ext>
-                </a:extLst>
-              </a:tr>
-              <a:tr h="495165">
-                <a:tc>
-                  <a:txBody>
-                    <a:bodyPr/>
-                    <a:lstStyle/>
-                    <a:p>
-                      <a:endParaRPr lang="de-DE" dirty="0"/>
-                    </a:p>
-                  </a:txBody>
-                  <a:tcPr/>
-                </a:tc>
-                <a:tc>
-                  <a:txBody>
-                    <a:bodyPr/>
-                    <a:lstStyle/>
-                    <a:p>
-                      <a:endParaRPr lang="de-DE"/>
-                    </a:p>
-                  </a:txBody>
-                  <a:tcPr/>
-                </a:tc>
-                <a:tc>
-                  <a:txBody>
-                    <a:bodyPr/>
-                    <a:lstStyle/>
-                    <a:p>
-                      <a:endParaRPr lang="de-DE"/>
-                    </a:p>
-                  </a:txBody>
-                  <a:tcPr/>
-                </a:tc>
-                <a:extLst>
-                  <a:ext uri="{0D108BD9-81ED-4DB2-BD59-A6C34878D82A}">
-                    <a16:rowId xmlns:a16="http://schemas.microsoft.com/office/drawing/2014/main" val="10003"/>
-                  </a:ext>
-                </a:extLst>
-              </a:tr>
-              <a:tr h="854327">
-                <a:tc>
-                  <a:txBody>
-                    <a:bodyPr/>
-                    <a:lstStyle/>
-                    <a:p>
-                      <a:endParaRPr lang="de-DE" dirty="0"/>
-                    </a:p>
-                  </a:txBody>
-                  <a:tcPr/>
-                </a:tc>
-                <a:tc>
-                  <a:txBody>
-                    <a:bodyPr/>
-                    <a:lstStyle/>
-                    <a:p>
-                      <a:endParaRPr lang="de-DE" dirty="0"/>
-                    </a:p>
-                  </a:txBody>
-                  <a:tcPr/>
-                </a:tc>
-                <a:tc>
-                  <a:txBody>
-                    <a:bodyPr/>
-                    <a:lstStyle/>
-                    <a:p>
-                      <a:endParaRPr lang="de-DE" dirty="0"/>
-                    </a:p>
-                  </a:txBody>
-                  <a:tcPr/>
-                </a:tc>
-                <a:extLst>
-                  <a:ext uri="{0D108BD9-81ED-4DB2-BD59-A6C34878D82A}">
-                    <a16:rowId xmlns:a16="http://schemas.microsoft.com/office/drawing/2014/main" val="10004"/>
-                  </a:ext>
-                </a:extLst>
-              </a:tr>
-              <a:tr h="495165">
-                <a:tc>
-                  <a:txBody>
-                    <a:bodyPr/>
-                    <a:lstStyle/>
-                    <a:p>
-                      <a:endParaRPr lang="de-DE" dirty="0"/>
-                    </a:p>
-                  </a:txBody>
-                  <a:tcPr/>
-                </a:tc>
-                <a:tc>
-                  <a:txBody>
-                    <a:bodyPr/>
-                    <a:lstStyle/>
-                    <a:p>
-                      <a:endParaRPr lang="de-DE"/>
-                    </a:p>
-                  </a:txBody>
-                  <a:tcPr/>
-                </a:tc>
-                <a:tc>
-                  <a:txBody>
-                    <a:bodyPr/>
-                    <a:lstStyle/>
-                    <a:p>
-                      <a:endParaRPr lang="de-DE" dirty="0"/>
-                    </a:p>
-                  </a:txBody>
-                  <a:tcPr/>
-                </a:tc>
-                <a:extLst>
-                  <a:ext uri="{0D108BD9-81ED-4DB2-BD59-A6C34878D82A}">
-                    <a16:rowId xmlns:a16="http://schemas.microsoft.com/office/drawing/2014/main" val="10005"/>
-                  </a:ext>
-                </a:extLst>
-              </a:tr>
-              <a:tr h="495165">
-                <a:tc>
-                  <a:txBody>
-                    <a:bodyPr/>
-                    <a:lstStyle/>
-                    <a:p>
-                      <a:endParaRPr lang="de-DE" dirty="0"/>
-                    </a:p>
-                  </a:txBody>
-                  <a:tcPr/>
-                </a:tc>
-                <a:tc>
-                  <a:txBody>
-                    <a:bodyPr/>
-                    <a:lstStyle/>
-                    <a:p>
-                      <a:endParaRPr lang="de-DE"/>
-                    </a:p>
-                  </a:txBody>
-                  <a:tcPr/>
-                </a:tc>
-                <a:tc>
-                  <a:txBody>
-                    <a:bodyPr/>
-                    <a:lstStyle/>
-                    <a:p>
-                      <a:endParaRPr lang="de-DE" dirty="0"/>
-                    </a:p>
-                  </a:txBody>
-                  <a:tcPr/>
-                </a:tc>
-                <a:extLst>
-                  <a:ext uri="{0D108BD9-81ED-4DB2-BD59-A6C34878D82A}">
-                    <a16:rowId xmlns:a16="http://schemas.microsoft.com/office/drawing/2014/main" val="10006"/>
-                  </a:ext>
-                </a:extLst>
-              </a:tr>
-              <a:tr h="495165">
-                <a:tc>
-                  <a:txBody>
-                    <a:bodyPr/>
-                    <a:lstStyle/>
-                    <a:p>
-                      <a:endParaRPr lang="de-DE" dirty="0"/>
-                    </a:p>
-                  </a:txBody>
-                  <a:tcPr/>
-                </a:tc>
-                <a:tc>
-                  <a:txBody>
-                    <a:bodyPr/>
-                    <a:lstStyle/>
-                    <a:p>
-                      <a:endParaRPr lang="de-DE" dirty="0"/>
-                    </a:p>
-                  </a:txBody>
-                  <a:tcPr/>
-                </a:tc>
-                <a:tc>
-                  <a:txBody>
-                    <a:bodyPr/>
-                    <a:lstStyle/>
-                    <a:p>
-                      <a:endParaRPr lang="de-DE" dirty="0"/>
-                    </a:p>
-                  </a:txBody>
-                  <a:tcPr/>
-                </a:tc>
-                <a:extLst>
-                  <a:ext uri="{0D108BD9-81ED-4DB2-BD59-A6C34878D82A}">
-                    <a16:rowId xmlns:a16="http://schemas.microsoft.com/office/drawing/2014/main" val="10007"/>
-                  </a:ext>
-                </a:extLst>
-              </a:tr>
-            </a:tbl>
-          </a:graphicData>
-        </a:graphic>
-      </p:graphicFrame>
-      <p:sp>
-        <p:nvSpPr>
-          <p:cNvPr id="4" name="Textfeld 3"/>
-          <p:cNvSpPr txBox="1"/>
-          <p:nvPr/>
         </p:nvSpPr>
         <p:spPr>
           <a:xfrm>
-            <a:off x="7102524" y="2780928"/>
-            <a:ext cx="2736304" cy="369332"/>
+            <a:off x="680145" y="2336873"/>
+            <a:ext cx="7153101" cy="3599316"/>
+          </a:xfrm>
+        </p:spPr>
+        <p:txBody>
+          <a:bodyPr>
+            <a:normAutofit/>
+          </a:bodyPr>
+          <a:lstStyle/>
+          <a:p>
+            <a:pPr marL="0" indent="0">
+              <a:buNone/>
+            </a:pPr>
+            <a:r>
+              <a:rPr lang="en-US" dirty="0"/>
+              <a:t>Router: ZyXel ZyWall USG 100 (kosten ca. 300€)</a:t>
+            </a:r>
+          </a:p>
+          <a:p>
+            <a:pPr>
+              <a:buFontTx/>
+              <a:buChar char="-"/>
+            </a:pPr>
+            <a:r>
+              <a:rPr lang="en-US" dirty="0"/>
+              <a:t>5 GigabitEthernetports für die Subnetze, inklusive DMZ</a:t>
+            </a:r>
+          </a:p>
+          <a:p>
+            <a:pPr>
+              <a:buFontTx/>
+              <a:buChar char="-"/>
+            </a:pPr>
+            <a:r>
+              <a:rPr lang="en-US" dirty="0"/>
+              <a:t>Inklusive Firewall und ZyXel AntiVirus</a:t>
+            </a:r>
+          </a:p>
+          <a:p>
+            <a:pPr>
+              <a:buFontTx/>
+              <a:buChar char="-"/>
+            </a:pPr>
+            <a:endParaRPr lang="en-US" dirty="0"/>
+          </a:p>
+          <a:p>
+            <a:pPr marL="0" indent="0">
+              <a:buNone/>
+            </a:pPr>
+            <a:r>
+              <a:rPr lang="en-US" dirty="0"/>
+              <a:t>Switch für IP Telefone: DGS 1210-24P PoE Switch (kosten ca. 350€)</a:t>
+            </a:r>
+          </a:p>
+          <a:p>
+            <a:pPr marL="0" indent="0">
+              <a:buNone/>
+            </a:pPr>
+            <a:r>
+              <a:rPr lang="en-US" dirty="0"/>
+              <a:t>- 24 PoE Ports um die Telefone im Büro mit Strom zu versorgen</a:t>
+            </a:r>
+          </a:p>
+        </p:txBody>
+      </p:sp>
+      <p:pic>
+        <p:nvPicPr>
+          <p:cNvPr id="5" name="Grafik 5"/>
+          <p:cNvPicPr>
+            <a:picLocks noChangeAspect="1"/>
+          </p:cNvPicPr>
+          <p:nvPr/>
+        </p:nvPicPr>
+        <p:blipFill>
+          <a:blip r:embed="rId2">
+            <a:extLst>
+              <a:ext uri="{28A0092B-C50C-407E-A947-70E740481C1C}">
+                <a14:useLocalDpi xmlns:a14="http://schemas.microsoft.com/office/drawing/2010/main" val="0"/>
+              </a:ext>
+            </a:extLst>
+          </a:blip>
+          <a:stretch>
+            <a:fillRect/>
+          </a:stretch>
+        </p:blipFill>
+        <p:spPr>
+          <a:xfrm>
+            <a:off x="7935195" y="1118588"/>
+            <a:ext cx="3682540" cy="3682540"/>
           </a:xfrm>
           <a:prstGeom prst="rect">
             <a:avLst/>
           </a:prstGeom>
-          <a:noFill/>
         </p:spPr>
-        <p:txBody>
-          <a:bodyPr wrap="square" rtlCol="0">
-            <a:spAutoFit/>
-          </a:bodyPr>
-          <a:lstStyle/>
-          <a:p>
-            <a:r>
-              <a:rPr lang="el-GR" sz="1799" dirty="0">
-                <a:solidFill>
-                  <a:schemeClr val="bg1"/>
-                </a:solidFill>
-              </a:rPr>
-              <a:t>Σ</a:t>
-            </a:r>
-            <a:r>
-              <a:rPr lang="de-DE" sz="1799" dirty="0">
-                <a:solidFill>
-                  <a:schemeClr val="bg1"/>
-                </a:solidFill>
-              </a:rPr>
-              <a:t> 145,31€</a:t>
-            </a:r>
-            <a:endParaRPr lang="de-DE" dirty="0"/>
-          </a:p>
-        </p:txBody>
-      </p:sp>
-      <p:sp>
-        <p:nvSpPr>
-          <p:cNvPr id="6" name="Textfeld 5"/>
-          <p:cNvSpPr txBox="1"/>
+      </p:pic>
+      <p:pic>
+        <p:nvPicPr>
+          <p:cNvPr id="7" name="Grafik 7"/>
+          <p:cNvPicPr>
+            <a:picLocks noChangeAspect="1"/>
+          </p:cNvPicPr>
           <p:nvPr/>
-        </p:nvSpPr>
+        </p:nvPicPr>
+        <p:blipFill>
+          <a:blip r:embed="rId3">
+            <a:extLst>
+              <a:ext uri="{28A0092B-C50C-407E-A947-70E740481C1C}">
+                <a14:useLocalDpi xmlns:a14="http://schemas.microsoft.com/office/drawing/2010/main" val="0"/>
+              </a:ext>
+            </a:extLst>
+          </a:blip>
+          <a:stretch>
+            <a:fillRect/>
+          </a:stretch>
+        </p:blipFill>
         <p:spPr>
           <a:xfrm>
-            <a:off x="1269876" y="3284984"/>
-            <a:ext cx="2520280" cy="369332"/>
+            <a:off x="7935195" y="4144266"/>
+            <a:ext cx="3809524" cy="2044444"/>
           </a:xfrm>
           <a:prstGeom prst="rect">
             <a:avLst/>
           </a:prstGeom>
-          <a:noFill/>
         </p:spPr>
-        <p:txBody>
-          <a:bodyPr wrap="square" rtlCol="0">
-            <a:spAutoFit/>
-          </a:bodyPr>
-          <a:lstStyle/>
-          <a:p>
-            <a:r>
-              <a:rPr lang="de-DE" dirty="0">
-                <a:solidFill>
-                  <a:schemeClr val="bg1"/>
-                </a:solidFill>
-              </a:rPr>
-              <a:t>NAS</a:t>
-            </a:r>
-          </a:p>
-        </p:txBody>
-      </p:sp>
+      </p:pic>
     </p:spTree>
     <p:extLst>
       <p:ext uri="{BB962C8B-B14F-4D97-AF65-F5344CB8AC3E}">
-        <p14:creationId xmlns:p14="http://schemas.microsoft.com/office/powerpoint/2010/main" val="1813666035"/>
+        <p14:creationId xmlns:p14="http://schemas.microsoft.com/office/powerpoint/2010/main" val="541302740"/>
       </p:ext>
     </p:extLst>
   </p:cSld>
@@ -18121,233 +18831,6 @@
       </p:transition>
     </mc:Fallback>
   </mc:AlternateContent>
-  <p:timing>
-    <p:tnLst>
-      <p:par>
-        <p:cTn id="1" dur="indefinite" restart="never" nodeType="tmRoot">
-          <p:childTnLst>
-            <p:seq concurrent="1" nextAc="seek">
-              <p:cTn id="2" dur="indefinite" nodeType="mainSeq">
-                <p:childTnLst>
-                  <p:par>
-                    <p:cTn id="3" fill="hold">
-                      <p:stCondLst>
-                        <p:cond delay="indefinite"/>
-                      </p:stCondLst>
-                      <p:childTnLst>
-                        <p:par>
-                          <p:cTn id="4" fill="hold">
-                            <p:stCondLst>
-                              <p:cond delay="0"/>
-                            </p:stCondLst>
-                            <p:childTnLst>
-                              <p:par>
-                                <p:cTn id="5" presetID="2" presetClass="entr" presetSubtype="4" fill="hold" grpId="0" nodeType="clickEffect">
-                                  <p:stCondLst>
-                                    <p:cond delay="0"/>
-                                  </p:stCondLst>
-                                  <p:childTnLst>
-                                    <p:set>
-                                      <p:cBhvr>
-                                        <p:cTn id="6" dur="1" fill="hold">
-                                          <p:stCondLst>
-                                            <p:cond delay="0"/>
-                                          </p:stCondLst>
-                                        </p:cTn>
-                                        <p:tgtEl>
-                                          <p:spTgt spid="4"/>
-                                        </p:tgtEl>
-                                        <p:attrNameLst>
-                                          <p:attrName>style.visibility</p:attrName>
-                                        </p:attrNameLst>
-                                      </p:cBhvr>
-                                      <p:to>
-                                        <p:strVal val="visible"/>
-                                      </p:to>
-                                    </p:set>
-                                    <p:anim calcmode="lin" valueType="num">
-                                      <p:cBhvr additive="base">
-                                        <p:cTn id="7" dur="500" fill="hold"/>
-                                        <p:tgtEl>
-                                          <p:spTgt spid="4"/>
-                                        </p:tgtEl>
-                                        <p:attrNameLst>
-                                          <p:attrName>ppt_x</p:attrName>
-                                        </p:attrNameLst>
-                                      </p:cBhvr>
-                                      <p:tavLst>
-                                        <p:tav tm="0">
-                                          <p:val>
-                                            <p:strVal val="#ppt_x"/>
-                                          </p:val>
-                                        </p:tav>
-                                        <p:tav tm="100000">
-                                          <p:val>
-                                            <p:strVal val="#ppt_x"/>
-                                          </p:val>
-                                        </p:tav>
-                                      </p:tavLst>
-                                    </p:anim>
-                                    <p:anim calcmode="lin" valueType="num">
-                                      <p:cBhvr additive="base">
-                                        <p:cTn id="8" dur="500" fill="hold"/>
-                                        <p:tgtEl>
-                                          <p:spTgt spid="4"/>
-                                        </p:tgtEl>
-                                        <p:attrNameLst>
-                                          <p:attrName>ppt_y</p:attrName>
-                                        </p:attrNameLst>
-                                      </p:cBhvr>
-                                      <p:tavLst>
-                                        <p:tav tm="0">
-                                          <p:val>
-                                            <p:strVal val="1+#ppt_h/2"/>
-                                          </p:val>
-                                        </p:tav>
-                                        <p:tav tm="100000">
-                                          <p:val>
-                                            <p:strVal val="#ppt_y"/>
-                                          </p:val>
-                                        </p:tav>
-                                      </p:tavLst>
-                                    </p:anim>
-                                  </p:childTnLst>
-                                </p:cTn>
-                              </p:par>
-                            </p:childTnLst>
-                          </p:cTn>
-                        </p:par>
-                      </p:childTnLst>
-                    </p:cTn>
-                  </p:par>
-                  <p:par>
-                    <p:cTn id="9" fill="hold">
-                      <p:stCondLst>
-                        <p:cond delay="indefinite"/>
-                      </p:stCondLst>
-                      <p:childTnLst>
-                        <p:par>
-                          <p:cTn id="10" fill="hold">
-                            <p:stCondLst>
-                              <p:cond delay="0"/>
-                            </p:stCondLst>
-                            <p:childTnLst>
-                              <p:par>
-                                <p:cTn id="11" presetID="2" presetClass="entr" presetSubtype="4" fill="hold" nodeType="clickEffect">
-                                  <p:stCondLst>
-                                    <p:cond delay="0"/>
-                                  </p:stCondLst>
-                                  <p:childTnLst>
-                                    <p:set>
-                                      <p:cBhvr>
-                                        <p:cTn id="12" dur="1" fill="hold">
-                                          <p:stCondLst>
-                                            <p:cond delay="0"/>
-                                          </p:stCondLst>
-                                        </p:cTn>
-                                        <p:tgtEl>
-                                          <p:spTgt spid="6">
-                                            <p:txEl>
-                                              <p:pRg st="0" end="0"/>
-                                            </p:txEl>
-                                          </p:spTgt>
-                                        </p:tgtEl>
-                                        <p:attrNameLst>
-                                          <p:attrName>style.visibility</p:attrName>
-                                        </p:attrNameLst>
-                                      </p:cBhvr>
-                                      <p:to>
-                                        <p:strVal val="visible"/>
-                                      </p:to>
-                                    </p:set>
-                                    <p:anim calcmode="lin" valueType="num">
-                                      <p:cBhvr additive="base">
-                                        <p:cTn id="13" dur="500" fill="hold"/>
-                                        <p:tgtEl>
-                                          <p:spTgt spid="6">
-                                            <p:txEl>
-                                              <p:pRg st="0" end="0"/>
-                                            </p:txEl>
-                                          </p:spTgt>
-                                        </p:tgtEl>
-                                        <p:attrNameLst>
-                                          <p:attrName>ppt_x</p:attrName>
-                                        </p:attrNameLst>
-                                      </p:cBhvr>
-                                      <p:tavLst>
-                                        <p:tav tm="0">
-                                          <p:val>
-                                            <p:strVal val="#ppt_x"/>
-                                          </p:val>
-                                        </p:tav>
-                                        <p:tav tm="100000">
-                                          <p:val>
-                                            <p:strVal val="#ppt_x"/>
-                                          </p:val>
-                                        </p:tav>
-                                      </p:tavLst>
-                                    </p:anim>
-                                    <p:anim calcmode="lin" valueType="num">
-                                      <p:cBhvr additive="base">
-                                        <p:cTn id="14" dur="500" fill="hold"/>
-                                        <p:tgtEl>
-                                          <p:spTgt spid="6">
-                                            <p:txEl>
-                                              <p:pRg st="0" end="0"/>
-                                            </p:txEl>
-                                          </p:spTgt>
-                                        </p:tgtEl>
-                                        <p:attrNameLst>
-                                          <p:attrName>ppt_y</p:attrName>
-                                        </p:attrNameLst>
-                                      </p:cBhvr>
-                                      <p:tavLst>
-                                        <p:tav tm="0">
-                                          <p:val>
-                                            <p:strVal val="1+#ppt_h/2"/>
-                                          </p:val>
-                                        </p:tav>
-                                        <p:tav tm="100000">
-                                          <p:val>
-                                            <p:strVal val="#ppt_y"/>
-                                          </p:val>
-                                        </p:tav>
-                                      </p:tavLst>
-                                    </p:anim>
-                                  </p:childTnLst>
-                                </p:cTn>
-                              </p:par>
-                            </p:childTnLst>
-                          </p:cTn>
-                        </p:par>
-                      </p:childTnLst>
-                    </p:cTn>
-                  </p:par>
-                </p:childTnLst>
-              </p:cTn>
-              <p:prevCondLst>
-                <p:cond evt="onPrev" delay="0">
-                  <p:tgtEl>
-                    <p:sldTgt/>
-                  </p:tgtEl>
-                </p:cond>
-              </p:prevCondLst>
-              <p:nextCondLst>
-                <p:cond evt="onNext" delay="0">
-                  <p:tgtEl>
-                    <p:sldTgt/>
-                  </p:tgtEl>
-                </p:cond>
-              </p:nextCondLst>
-            </p:seq>
-          </p:childTnLst>
-        </p:cTn>
-      </p:par>
-    </p:tnLst>
-    <p:bldLst>
-      <p:bldP spid="4" grpId="0"/>
-    </p:bldLst>
-  </p:timing>
 </p:sld>
 </file>
 

--- a/Angebot für mintBerryCrunchGames GmbH.pptx
+++ b/Angebot für mintBerryCrunchGames GmbH.pptx
@@ -5,10 +5,10 @@
     <p:sldMasterId id="2147483690" r:id="rId4"/>
   </p:sldMasterIdLst>
   <p:notesMasterIdLst>
-    <p:notesMasterId r:id="rId25"/>
+    <p:notesMasterId r:id="rId28"/>
   </p:notesMasterIdLst>
   <p:handoutMasterIdLst>
-    <p:handoutMasterId r:id="rId26"/>
+    <p:handoutMasterId r:id="rId29"/>
   </p:handoutMasterIdLst>
   <p:sldIdLst>
     <p:sldId id="265" r:id="rId5"/>
@@ -18,24 +18,27 @@
     <p:sldId id="333" r:id="rId9"/>
     <p:sldId id="334" r:id="rId10"/>
     <p:sldId id="335" r:id="rId11"/>
-    <p:sldId id="323" r:id="rId12"/>
-    <p:sldId id="336" r:id="rId13"/>
-    <p:sldId id="337" r:id="rId14"/>
-    <p:sldId id="311" r:id="rId15"/>
-    <p:sldId id="327" r:id="rId16"/>
-    <p:sldId id="313" r:id="rId17"/>
-    <p:sldId id="321" r:id="rId18"/>
-    <p:sldId id="322" r:id="rId19"/>
-    <p:sldId id="328" r:id="rId20"/>
-    <p:sldId id="329" r:id="rId21"/>
-    <p:sldId id="330" r:id="rId22"/>
-    <p:sldId id="331" r:id="rId23"/>
-    <p:sldId id="332" r:id="rId24"/>
+    <p:sldId id="336" r:id="rId12"/>
+    <p:sldId id="337" r:id="rId13"/>
+    <p:sldId id="338" r:id="rId14"/>
+    <p:sldId id="339" r:id="rId15"/>
+    <p:sldId id="323" r:id="rId16"/>
+    <p:sldId id="340" r:id="rId17"/>
+    <p:sldId id="311" r:id="rId18"/>
+    <p:sldId id="327" r:id="rId19"/>
+    <p:sldId id="313" r:id="rId20"/>
+    <p:sldId id="321" r:id="rId21"/>
+    <p:sldId id="322" r:id="rId22"/>
+    <p:sldId id="328" r:id="rId23"/>
+    <p:sldId id="329" r:id="rId24"/>
+    <p:sldId id="330" r:id="rId25"/>
+    <p:sldId id="331" r:id="rId26"/>
+    <p:sldId id="332" r:id="rId27"/>
   </p:sldIdLst>
   <p:sldSz cx="12188825" cy="6858000"/>
   <p:notesSz cx="6858000" cy="9144000"/>
   <p:custDataLst>
-    <p:tags r:id="rId27"/>
+    <p:tags r:id="rId30"/>
   </p:custDataLst>
   <p:defaultTextStyle>
     <a:defPPr>
@@ -749,7 +752,7 @@
             <a:fld id="{F93199CD-3E1B-4AE6-990F-76F925F5EA9F}" type="slidenum">
               <a:rPr lang="de-DE" smtClean="0"/>
               <a:pPr/>
-              <a:t>18</a:t>
+              <a:t>21</a:t>
             </a:fld>
             <a:endParaRPr lang="de-DE" dirty="0"/>
           </a:p>
@@ -834,7 +837,7 @@
             <a:fld id="{F93199CD-3E1B-4AE6-990F-76F925F5EA9F}" type="slidenum">
               <a:rPr lang="de-DE" smtClean="0"/>
               <a:pPr/>
-              <a:t>20</a:t>
+              <a:t>23</a:t>
             </a:fld>
             <a:endParaRPr lang="de-DE" dirty="0"/>
           </a:p>
@@ -8784,6 +8787,13 @@
       </p:transition>
     </mc:Fallback>
   </mc:AlternateContent>
+  <p:timing>
+    <p:tnLst>
+      <p:par>
+        <p:cTn id="1" dur="indefinite" restart="never" nodeType="tmRoot"/>
+      </p:par>
+    </p:tnLst>
+  </p:timing>
 </p:sld>
 </file>
 
@@ -8821,7 +8831,1038 @@
           <a:p>
             <a:r>
               <a:rPr lang="de-DE" dirty="0" smtClean="0"/>
-              <a:t>Netzwerk Server</a:t>
+              <a:t>Netzwerk</a:t>
+            </a:r>
+            <a:endParaRPr lang="de-DE" dirty="0"/>
+          </a:p>
+        </p:txBody>
+      </p:sp>
+      <p:graphicFrame>
+        <p:nvGraphicFramePr>
+          <p:cNvPr id="5" name="Tabelle 4"/>
+          <p:cNvGraphicFramePr>
+            <a:graphicFrameLocks noGrp="1"/>
+          </p:cNvGraphicFramePr>
+          <p:nvPr>
+            <p:extLst>
+              <p:ext uri="{D42A27DB-BD31-4B8C-83A1-F6EECF244321}">
+                <p14:modId xmlns:p14="http://schemas.microsoft.com/office/powerpoint/2010/main" val="104809814"/>
+              </p:ext>
+            </p:extLst>
+          </p:nvPr>
+        </p:nvGraphicFramePr>
+        <p:xfrm>
+          <a:off x="1197868" y="2132856"/>
+          <a:ext cx="8815470" cy="4077783"/>
+        </p:xfrm>
+        <a:graphic>
+          <a:graphicData uri="http://schemas.openxmlformats.org/drawingml/2006/table">
+            <a:tbl>
+              <a:tblPr firstRow="1" bandRow="1">
+                <a:tableStyleId>{5C22544A-7EE6-4342-B048-85BDC9FD1C3A}</a:tableStyleId>
+              </a:tblPr>
+              <a:tblGrid>
+                <a:gridCol w="2938490">
+                  <a:extLst>
+                    <a:ext uri="{9D8B030D-6E8A-4147-A177-3AD203B41FA5}">
+                      <a16:colId xmlns:a16="http://schemas.microsoft.com/office/drawing/2014/main" xmlns="" val="20000"/>
+                    </a:ext>
+                  </a:extLst>
+                </a:gridCol>
+                <a:gridCol w="2938490">
+                  <a:extLst>
+                    <a:ext uri="{9D8B030D-6E8A-4147-A177-3AD203B41FA5}">
+                      <a16:colId xmlns:a16="http://schemas.microsoft.com/office/drawing/2014/main" xmlns="" val="20001"/>
+                    </a:ext>
+                  </a:extLst>
+                </a:gridCol>
+                <a:gridCol w="2938490">
+                  <a:extLst>
+                    <a:ext uri="{9D8B030D-6E8A-4147-A177-3AD203B41FA5}">
+                      <a16:colId xmlns:a16="http://schemas.microsoft.com/office/drawing/2014/main" xmlns="" val="20002"/>
+                    </a:ext>
+                  </a:extLst>
+                </a:gridCol>
+              </a:tblGrid>
+              <a:tr h="495165">
+                <a:tc>
+                  <a:txBody>
+                    <a:bodyPr/>
+                    <a:lstStyle/>
+                    <a:p>
+                      <a:r>
+                        <a:rPr lang="de-DE" dirty="0" smtClean="0"/>
+                        <a:t>Typ</a:t>
+                      </a:r>
+                      <a:endParaRPr lang="de-DE" dirty="0"/>
+                    </a:p>
+                  </a:txBody>
+                  <a:tcPr/>
+                </a:tc>
+                <a:tc>
+                  <a:txBody>
+                    <a:bodyPr/>
+                    <a:lstStyle/>
+                    <a:p>
+                      <a:r>
+                        <a:rPr lang="de-DE" dirty="0"/>
+                        <a:t>Model</a:t>
+                      </a:r>
+                    </a:p>
+                  </a:txBody>
+                  <a:tcPr>
+                    <a:lnB w="12700" cap="flat" cmpd="sng" algn="ctr">
+                      <a:solidFill>
+                        <a:schemeClr val="tx1"/>
+                      </a:solidFill>
+                      <a:prstDash val="solid"/>
+                      <a:round/>
+                      <a:headEnd type="none" w="med" len="med"/>
+                      <a:tailEnd type="none" w="med" len="med"/>
+                    </a:lnB>
+                  </a:tcPr>
+                </a:tc>
+                <a:tc>
+                  <a:txBody>
+                    <a:bodyPr/>
+                    <a:lstStyle/>
+                    <a:p>
+                      <a:r>
+                        <a:rPr lang="de-DE" dirty="0"/>
+                        <a:t>Preis</a:t>
+                      </a:r>
+                    </a:p>
+                  </a:txBody>
+                  <a:tcPr>
+                    <a:lnB w="12700" cap="flat" cmpd="sng" algn="ctr">
+                      <a:solidFill>
+                        <a:schemeClr val="tx1"/>
+                      </a:solidFill>
+                      <a:prstDash val="solid"/>
+                      <a:round/>
+                      <a:headEnd type="none" w="med" len="med"/>
+                      <a:tailEnd type="none" w="med" len="med"/>
+                    </a:lnB>
+                  </a:tcPr>
+                </a:tc>
+                <a:extLst>
+                  <a:ext uri="{0D108BD9-81ED-4DB2-BD59-A6C34878D82A}">
+                    <a16:rowId xmlns:a16="http://schemas.microsoft.com/office/drawing/2014/main" xmlns="" val="10000"/>
+                  </a:ext>
+                </a:extLst>
+              </a:tr>
+              <a:tr h="495165">
+                <a:tc>
+                  <a:txBody>
+                    <a:bodyPr/>
+                    <a:lstStyle/>
+                    <a:p>
+                      <a:pPr marL="0" marR="0" indent="0" algn="l" defTabSz="914126" rtl="0" eaLnBrk="1" fontAlgn="auto" latinLnBrk="0" hangingPunct="1">
+                        <a:lnSpc>
+                          <a:spcPct val="100000"/>
+                        </a:lnSpc>
+                        <a:spcBef>
+                          <a:spcPts val="0"/>
+                        </a:spcBef>
+                        <a:spcAft>
+                          <a:spcPts val="0"/>
+                        </a:spcAft>
+                        <a:buClrTx/>
+                        <a:buSzTx/>
+                        <a:buFontTx/>
+                        <a:buNone/>
+                        <a:tabLst/>
+                        <a:defRPr/>
+                      </a:pPr>
+                      <a:r>
+                        <a:rPr lang="de-DE" sz="1799" b="0" i="0" u="none" strike="noStrike" kern="1200" dirty="0" smtClean="0">
+                          <a:solidFill>
+                            <a:schemeClr val="dk1"/>
+                          </a:solidFill>
+                          <a:effectLst/>
+                          <a:latin typeface="+mn-lt"/>
+                          <a:ea typeface="+mn-ea"/>
+                          <a:cs typeface="+mn-cs"/>
+                        </a:rPr>
+                        <a:t>Switch</a:t>
+                      </a:r>
+                      <a:endParaRPr lang="de-DE" b="1" dirty="0" smtClean="0">
+                        <a:effectLst/>
+                      </a:endParaRPr>
+                    </a:p>
+                  </a:txBody>
+                  <a:tcPr>
+                    <a:lnR w="12700" cap="flat" cmpd="sng" algn="ctr">
+                      <a:solidFill>
+                        <a:schemeClr val="tx1"/>
+                      </a:solidFill>
+                      <a:prstDash val="solid"/>
+                      <a:round/>
+                      <a:headEnd type="none" w="med" len="med"/>
+                      <a:tailEnd type="none" w="med" len="med"/>
+                    </a:lnR>
+                  </a:tcPr>
+                </a:tc>
+                <a:tc>
+                  <a:txBody>
+                    <a:bodyPr/>
+                    <a:lstStyle/>
+                    <a:p>
+                      <a:pPr marL="0" marR="0" indent="0" algn="l" defTabSz="914126" rtl="0" eaLnBrk="1" fontAlgn="auto" latinLnBrk="0" hangingPunct="1">
+                        <a:lnSpc>
+                          <a:spcPct val="100000"/>
+                        </a:lnSpc>
+                        <a:spcBef>
+                          <a:spcPts val="0"/>
+                        </a:spcBef>
+                        <a:spcAft>
+                          <a:spcPts val="0"/>
+                        </a:spcAft>
+                        <a:buClrTx/>
+                        <a:buSzTx/>
+                        <a:buFontTx/>
+                        <a:buNone/>
+                        <a:tabLst/>
+                        <a:defRPr/>
+                      </a:pPr>
+                      <a:r>
+                        <a:rPr lang="en-US" dirty="0" smtClean="0"/>
+                        <a:t>HP Gigabit Switch 1820-24G (J9980A)</a:t>
+                      </a:r>
+                    </a:p>
+                  </a:txBody>
+                  <a:tcPr>
+                    <a:lnL w="12700" cap="flat" cmpd="sng" algn="ctr">
+                      <a:solidFill>
+                        <a:schemeClr val="tx1"/>
+                      </a:solidFill>
+                      <a:prstDash val="solid"/>
+                      <a:round/>
+                      <a:headEnd type="none" w="med" len="med"/>
+                      <a:tailEnd type="none" w="med" len="med"/>
+                    </a:lnL>
+                    <a:lnR w="12700" cap="flat" cmpd="sng" algn="ctr">
+                      <a:solidFill>
+                        <a:schemeClr val="tx1"/>
+                      </a:solidFill>
+                      <a:prstDash val="solid"/>
+                      <a:round/>
+                      <a:headEnd type="none" w="med" len="med"/>
+                      <a:tailEnd type="none" w="med" len="med"/>
+                    </a:lnR>
+                    <a:lnT w="12700" cap="flat" cmpd="sng" algn="ctr">
+                      <a:solidFill>
+                        <a:schemeClr val="tx1"/>
+                      </a:solidFill>
+                      <a:prstDash val="solid"/>
+                      <a:round/>
+                      <a:headEnd type="none" w="med" len="med"/>
+                      <a:tailEnd type="none" w="med" len="med"/>
+                    </a:lnT>
+                    <a:lnB w="12700" cap="flat" cmpd="sng" algn="ctr">
+                      <a:solidFill>
+                        <a:schemeClr val="tx1"/>
+                      </a:solidFill>
+                      <a:prstDash val="solid"/>
+                      <a:round/>
+                      <a:headEnd type="none" w="med" len="med"/>
+                      <a:tailEnd type="none" w="med" len="med"/>
+                    </a:lnB>
+                  </a:tcPr>
+                </a:tc>
+                <a:tc>
+                  <a:txBody>
+                    <a:bodyPr/>
+                    <a:lstStyle/>
+                    <a:p>
+                      <a:endParaRPr lang="de-DE" dirty="0"/>
+                    </a:p>
+                  </a:txBody>
+                  <a:tcPr>
+                    <a:lnL w="12700" cap="flat" cmpd="sng" algn="ctr">
+                      <a:solidFill>
+                        <a:schemeClr val="tx1"/>
+                      </a:solidFill>
+                      <a:prstDash val="solid"/>
+                      <a:round/>
+                      <a:headEnd type="none" w="med" len="med"/>
+                      <a:tailEnd type="none" w="med" len="med"/>
+                    </a:lnL>
+                    <a:lnT w="12700" cap="flat" cmpd="sng" algn="ctr">
+                      <a:solidFill>
+                        <a:schemeClr val="tx1"/>
+                      </a:solidFill>
+                      <a:prstDash val="solid"/>
+                      <a:round/>
+                      <a:headEnd type="none" w="med" len="med"/>
+                      <a:tailEnd type="none" w="med" len="med"/>
+                    </a:lnT>
+                  </a:tcPr>
+                </a:tc>
+                <a:extLst>
+                  <a:ext uri="{0D108BD9-81ED-4DB2-BD59-A6C34878D82A}">
+                    <a16:rowId xmlns:a16="http://schemas.microsoft.com/office/drawing/2014/main" xmlns="" val="10001"/>
+                  </a:ext>
+                </a:extLst>
+              </a:tr>
+              <a:tr h="495165">
+                <a:tc>
+                  <a:txBody>
+                    <a:bodyPr/>
+                    <a:lstStyle/>
+                    <a:p>
+                      <a:r>
+                        <a:rPr lang="de-DE" dirty="0" smtClean="0"/>
+                        <a:t>NAS</a:t>
+                      </a:r>
+                      <a:endParaRPr lang="de-DE" dirty="0"/>
+                    </a:p>
+                  </a:txBody>
+                  <a:tcPr/>
+                </a:tc>
+                <a:tc>
+                  <a:txBody>
+                    <a:bodyPr/>
+                    <a:lstStyle/>
+                    <a:p>
+                      <a:pPr marL="0" marR="0" indent="0" algn="l" defTabSz="914126" rtl="0" eaLnBrk="1" fontAlgn="auto" latinLnBrk="0" hangingPunct="1">
+                        <a:lnSpc>
+                          <a:spcPct val="100000"/>
+                        </a:lnSpc>
+                        <a:spcBef>
+                          <a:spcPts val="0"/>
+                        </a:spcBef>
+                        <a:spcAft>
+                          <a:spcPts val="0"/>
+                        </a:spcAft>
+                        <a:buClrTx/>
+                        <a:buSzTx/>
+                        <a:buFontTx/>
+                        <a:buNone/>
+                        <a:tabLst/>
+                        <a:defRPr/>
+                      </a:pPr>
+                      <a:r>
+                        <a:rPr lang="de-DE" dirty="0" smtClean="0"/>
+                        <a:t>QNAP TS-431P</a:t>
+                      </a:r>
+                    </a:p>
+                  </a:txBody>
+                  <a:tcPr>
+                    <a:lnT w="12700" cap="flat" cmpd="sng" algn="ctr">
+                      <a:solidFill>
+                        <a:schemeClr val="tx1"/>
+                      </a:solidFill>
+                      <a:prstDash val="solid"/>
+                      <a:round/>
+                      <a:headEnd type="none" w="med" len="med"/>
+                      <a:tailEnd type="none" w="med" len="med"/>
+                    </a:lnT>
+                  </a:tcPr>
+                </a:tc>
+                <a:tc>
+                  <a:txBody>
+                    <a:bodyPr/>
+                    <a:lstStyle/>
+                    <a:p>
+                      <a:endParaRPr lang="de-DE"/>
+                    </a:p>
+                  </a:txBody>
+                  <a:tcPr/>
+                </a:tc>
+                <a:extLst>
+                  <a:ext uri="{0D108BD9-81ED-4DB2-BD59-A6C34878D82A}">
+                    <a16:rowId xmlns:a16="http://schemas.microsoft.com/office/drawing/2014/main" xmlns="" val="10002"/>
+                  </a:ext>
+                </a:extLst>
+              </a:tr>
+              <a:tr h="495165">
+                <a:tc>
+                  <a:txBody>
+                    <a:bodyPr/>
+                    <a:lstStyle/>
+                    <a:p>
+                      <a:endParaRPr lang="de-DE" dirty="0"/>
+                    </a:p>
+                  </a:txBody>
+                  <a:tcPr/>
+                </a:tc>
+                <a:tc>
+                  <a:txBody>
+                    <a:bodyPr/>
+                    <a:lstStyle/>
+                    <a:p>
+                      <a:pPr marL="0" marR="0" indent="0" algn="l" defTabSz="914126" rtl="0" eaLnBrk="1" fontAlgn="auto" latinLnBrk="0" hangingPunct="1">
+                        <a:lnSpc>
+                          <a:spcPct val="100000"/>
+                        </a:lnSpc>
+                        <a:spcBef>
+                          <a:spcPts val="0"/>
+                        </a:spcBef>
+                        <a:spcAft>
+                          <a:spcPts val="0"/>
+                        </a:spcAft>
+                        <a:buClrTx/>
+                        <a:buSzTx/>
+                        <a:buFontTx/>
+                        <a:buNone/>
+                        <a:tabLst/>
+                        <a:defRPr/>
+                      </a:pPr>
+                      <a:r>
+                        <a:rPr lang="de-DE" dirty="0" smtClean="0"/>
+                        <a:t>42 HE von ZPAS</a:t>
+                      </a:r>
+                    </a:p>
+                  </a:txBody>
+                  <a:tcPr/>
+                </a:tc>
+                <a:tc>
+                  <a:txBody>
+                    <a:bodyPr/>
+                    <a:lstStyle/>
+                    <a:p>
+                      <a:endParaRPr lang="de-DE" dirty="0"/>
+                    </a:p>
+                  </a:txBody>
+                  <a:tcPr/>
+                </a:tc>
+                <a:extLst>
+                  <a:ext uri="{0D108BD9-81ED-4DB2-BD59-A6C34878D82A}">
+                    <a16:rowId xmlns:a16="http://schemas.microsoft.com/office/drawing/2014/main" xmlns="" val="10003"/>
+                  </a:ext>
+                </a:extLst>
+              </a:tr>
+              <a:tr h="466967">
+                <a:tc>
+                  <a:txBody>
+                    <a:bodyPr/>
+                    <a:lstStyle/>
+                    <a:p>
+                      <a:endParaRPr lang="de-DE" dirty="0"/>
+                    </a:p>
+                  </a:txBody>
+                  <a:tcPr/>
+                </a:tc>
+                <a:tc>
+                  <a:txBody>
+                    <a:bodyPr/>
+                    <a:lstStyle/>
+                    <a:p>
+                      <a:endParaRPr lang="de-DE" dirty="0"/>
+                    </a:p>
+                  </a:txBody>
+                  <a:tcPr/>
+                </a:tc>
+                <a:tc>
+                  <a:txBody>
+                    <a:bodyPr/>
+                    <a:lstStyle/>
+                    <a:p>
+                      <a:endParaRPr lang="de-DE" dirty="0"/>
+                    </a:p>
+                  </a:txBody>
+                  <a:tcPr/>
+                </a:tc>
+                <a:extLst>
+                  <a:ext uri="{0D108BD9-81ED-4DB2-BD59-A6C34878D82A}">
+                    <a16:rowId xmlns:a16="http://schemas.microsoft.com/office/drawing/2014/main" xmlns="" val="10004"/>
+                  </a:ext>
+                </a:extLst>
+              </a:tr>
+              <a:tr h="495165">
+                <a:tc>
+                  <a:txBody>
+                    <a:bodyPr/>
+                    <a:lstStyle/>
+                    <a:p>
+                      <a:endParaRPr lang="de-DE" dirty="0"/>
+                    </a:p>
+                  </a:txBody>
+                  <a:tcPr/>
+                </a:tc>
+                <a:tc>
+                  <a:txBody>
+                    <a:bodyPr/>
+                    <a:lstStyle/>
+                    <a:p>
+                      <a:endParaRPr lang="de-DE" dirty="0"/>
+                    </a:p>
+                  </a:txBody>
+                  <a:tcPr/>
+                </a:tc>
+                <a:tc>
+                  <a:txBody>
+                    <a:bodyPr/>
+                    <a:lstStyle/>
+                    <a:p>
+                      <a:endParaRPr lang="de-DE" dirty="0"/>
+                    </a:p>
+                  </a:txBody>
+                  <a:tcPr/>
+                </a:tc>
+                <a:extLst>
+                  <a:ext uri="{0D108BD9-81ED-4DB2-BD59-A6C34878D82A}">
+                    <a16:rowId xmlns:a16="http://schemas.microsoft.com/office/drawing/2014/main" xmlns="" val="10005"/>
+                  </a:ext>
+                </a:extLst>
+              </a:tr>
+              <a:tr h="495165">
+                <a:tc>
+                  <a:txBody>
+                    <a:bodyPr/>
+                    <a:lstStyle/>
+                    <a:p>
+                      <a:endParaRPr lang="de-DE" dirty="0"/>
+                    </a:p>
+                  </a:txBody>
+                  <a:tcPr/>
+                </a:tc>
+                <a:tc>
+                  <a:txBody>
+                    <a:bodyPr/>
+                    <a:lstStyle/>
+                    <a:p>
+                      <a:endParaRPr lang="de-DE"/>
+                    </a:p>
+                  </a:txBody>
+                  <a:tcPr/>
+                </a:tc>
+                <a:tc>
+                  <a:txBody>
+                    <a:bodyPr/>
+                    <a:lstStyle/>
+                    <a:p>
+                      <a:endParaRPr lang="de-DE" dirty="0"/>
+                    </a:p>
+                  </a:txBody>
+                  <a:tcPr/>
+                </a:tc>
+                <a:extLst>
+                  <a:ext uri="{0D108BD9-81ED-4DB2-BD59-A6C34878D82A}">
+                    <a16:rowId xmlns:a16="http://schemas.microsoft.com/office/drawing/2014/main" xmlns="" val="10006"/>
+                  </a:ext>
+                </a:extLst>
+              </a:tr>
+              <a:tr h="495165">
+                <a:tc>
+                  <a:txBody>
+                    <a:bodyPr/>
+                    <a:lstStyle/>
+                    <a:p>
+                      <a:endParaRPr lang="de-DE" dirty="0"/>
+                    </a:p>
+                  </a:txBody>
+                  <a:tcPr/>
+                </a:tc>
+                <a:tc>
+                  <a:txBody>
+                    <a:bodyPr/>
+                    <a:lstStyle/>
+                    <a:p>
+                      <a:endParaRPr lang="de-DE" dirty="0"/>
+                    </a:p>
+                  </a:txBody>
+                  <a:tcPr/>
+                </a:tc>
+                <a:tc>
+                  <a:txBody>
+                    <a:bodyPr/>
+                    <a:lstStyle/>
+                    <a:p>
+                      <a:endParaRPr lang="de-DE" dirty="0"/>
+                    </a:p>
+                  </a:txBody>
+                  <a:tcPr/>
+                </a:tc>
+                <a:extLst>
+                  <a:ext uri="{0D108BD9-81ED-4DB2-BD59-A6C34878D82A}">
+                    <a16:rowId xmlns:a16="http://schemas.microsoft.com/office/drawing/2014/main" xmlns="" val="10007"/>
+                  </a:ext>
+                </a:extLst>
+              </a:tr>
+            </a:tbl>
+          </a:graphicData>
+        </a:graphic>
+      </p:graphicFrame>
+      <p:sp>
+        <p:nvSpPr>
+          <p:cNvPr id="4" name="Textfeld 3"/>
+          <p:cNvSpPr txBox="1"/>
+          <p:nvPr/>
+        </p:nvSpPr>
+        <p:spPr>
+          <a:xfrm>
+            <a:off x="7102524" y="2780928"/>
+            <a:ext cx="2736304" cy="369332"/>
+          </a:xfrm>
+          <a:prstGeom prst="rect">
+            <a:avLst/>
+          </a:prstGeom>
+          <a:noFill/>
+        </p:spPr>
+        <p:txBody>
+          <a:bodyPr wrap="square" rtlCol="0">
+            <a:spAutoFit/>
+          </a:bodyPr>
+          <a:lstStyle/>
+          <a:p>
+            <a:r>
+              <a:rPr lang="el-GR" sz="1799" dirty="0" smtClean="0">
+                <a:solidFill>
+                  <a:schemeClr val="bg1"/>
+                </a:solidFill>
+              </a:rPr>
+              <a:t>Σ</a:t>
+            </a:r>
+            <a:r>
+              <a:rPr lang="de-DE" sz="1799" dirty="0" smtClean="0">
+                <a:solidFill>
+                  <a:schemeClr val="bg1"/>
+                </a:solidFill>
+              </a:rPr>
+              <a:t> 145,31€</a:t>
+            </a:r>
+            <a:endParaRPr lang="de-DE" dirty="0"/>
+          </a:p>
+        </p:txBody>
+      </p:sp>
+      <p:sp>
+        <p:nvSpPr>
+          <p:cNvPr id="6" name="Textfeld 5"/>
+          <p:cNvSpPr txBox="1"/>
+          <p:nvPr/>
+        </p:nvSpPr>
+        <p:spPr>
+          <a:xfrm>
+            <a:off x="7102524" y="3316434"/>
+            <a:ext cx="2664296" cy="369332"/>
+          </a:xfrm>
+          <a:prstGeom prst="rect">
+            <a:avLst/>
+          </a:prstGeom>
+          <a:noFill/>
+        </p:spPr>
+        <p:txBody>
+          <a:bodyPr wrap="square" rtlCol="0">
+            <a:spAutoFit/>
+          </a:bodyPr>
+          <a:lstStyle/>
+          <a:p>
+            <a:r>
+              <a:rPr lang="el-GR" sz="1799" dirty="0" smtClean="0">
+                <a:solidFill>
+                  <a:schemeClr val="bg1"/>
+                </a:solidFill>
+              </a:rPr>
+              <a:t>Σ</a:t>
+            </a:r>
+            <a:r>
+              <a:rPr lang="de-DE" sz="1799" dirty="0" smtClean="0">
+                <a:solidFill>
+                  <a:schemeClr val="bg1"/>
+                </a:solidFill>
+              </a:rPr>
+              <a:t> 854,79€</a:t>
+            </a:r>
+            <a:endParaRPr lang="de-DE" dirty="0"/>
+          </a:p>
+        </p:txBody>
+      </p:sp>
+      <p:sp>
+        <p:nvSpPr>
+          <p:cNvPr id="7" name="Textfeld 6"/>
+          <p:cNvSpPr txBox="1"/>
+          <p:nvPr/>
+        </p:nvSpPr>
+        <p:spPr>
+          <a:xfrm>
+            <a:off x="1197868" y="3789040"/>
+            <a:ext cx="2808312" cy="369332"/>
+          </a:xfrm>
+          <a:prstGeom prst="rect">
+            <a:avLst/>
+          </a:prstGeom>
+          <a:noFill/>
+        </p:spPr>
+        <p:txBody>
+          <a:bodyPr wrap="square" rtlCol="0">
+            <a:spAutoFit/>
+          </a:bodyPr>
+          <a:lstStyle/>
+          <a:p>
+            <a:r>
+              <a:rPr lang="de-DE" dirty="0" smtClean="0">
+                <a:solidFill>
+                  <a:schemeClr val="bg1"/>
+                </a:solidFill>
+              </a:rPr>
+              <a:t>Serverschrank</a:t>
+            </a:r>
+            <a:endParaRPr lang="de-DE" dirty="0">
+              <a:solidFill>
+                <a:schemeClr val="bg1"/>
+              </a:solidFill>
+            </a:endParaRPr>
+          </a:p>
+        </p:txBody>
+      </p:sp>
+      <p:sp>
+        <p:nvSpPr>
+          <p:cNvPr id="3" name="Textfeld 2"/>
+          <p:cNvSpPr txBox="1"/>
+          <p:nvPr/>
+        </p:nvSpPr>
+        <p:spPr>
+          <a:xfrm>
+            <a:off x="7102524" y="3789040"/>
+            <a:ext cx="2808312" cy="369332"/>
+          </a:xfrm>
+          <a:prstGeom prst="rect">
+            <a:avLst/>
+          </a:prstGeom>
+          <a:noFill/>
+        </p:spPr>
+        <p:txBody>
+          <a:bodyPr wrap="square" rtlCol="0">
+            <a:spAutoFit/>
+          </a:bodyPr>
+          <a:lstStyle/>
+          <a:p>
+            <a:r>
+              <a:rPr lang="el-GR" sz="1799" dirty="0" smtClean="0">
+                <a:solidFill>
+                  <a:schemeClr val="bg1"/>
+                </a:solidFill>
+              </a:rPr>
+              <a:t>Σ</a:t>
+            </a:r>
+            <a:r>
+              <a:rPr lang="de-DE" sz="1799" dirty="0" smtClean="0">
+                <a:solidFill>
+                  <a:schemeClr val="bg1"/>
+                </a:solidFill>
+              </a:rPr>
+              <a:t> 591,26€</a:t>
+            </a:r>
+            <a:endParaRPr lang="de-DE" dirty="0"/>
+          </a:p>
+        </p:txBody>
+      </p:sp>
+      <p:sp>
+        <p:nvSpPr>
+          <p:cNvPr id="8" name="Textfeld 7"/>
+          <p:cNvSpPr txBox="1"/>
+          <p:nvPr/>
+        </p:nvSpPr>
+        <p:spPr>
+          <a:xfrm>
+            <a:off x="1234680" y="4293096"/>
+            <a:ext cx="2736304" cy="369332"/>
+          </a:xfrm>
+          <a:prstGeom prst="rect">
+            <a:avLst/>
+          </a:prstGeom>
+          <a:noFill/>
+        </p:spPr>
+        <p:txBody>
+          <a:bodyPr wrap="square" rtlCol="0">
+            <a:spAutoFit/>
+          </a:bodyPr>
+          <a:lstStyle/>
+          <a:p>
+            <a:r>
+              <a:rPr lang="de-DE" dirty="0" smtClean="0">
+                <a:solidFill>
+                  <a:schemeClr val="bg1"/>
+                </a:solidFill>
+              </a:rPr>
+              <a:t>Rack Server</a:t>
+            </a:r>
+            <a:endParaRPr lang="de-DE" dirty="0">
+              <a:solidFill>
+                <a:schemeClr val="bg1"/>
+              </a:solidFill>
+            </a:endParaRPr>
+          </a:p>
+        </p:txBody>
+      </p:sp>
+    </p:spTree>
+    <p:extLst>
+      <p:ext uri="{BB962C8B-B14F-4D97-AF65-F5344CB8AC3E}">
+        <p14:creationId xmlns:p14="http://schemas.microsoft.com/office/powerpoint/2010/main" val="309020440"/>
+      </p:ext>
+    </p:extLst>
+  </p:cSld>
+  <p:clrMapOvr>
+    <a:masterClrMapping/>
+  </p:clrMapOvr>
+  <mc:AlternateContent xmlns:mc="http://schemas.openxmlformats.org/markup-compatibility/2006" xmlns:p14="http://schemas.microsoft.com/office/powerpoint/2010/main">
+    <mc:Choice Requires="p14">
+      <p:transition spd="med" p14:dur="700">
+        <p:fade/>
+      </p:transition>
+    </mc:Choice>
+    <mc:Fallback xmlns="">
+      <p:transition spd="med">
+        <p:fade/>
+      </p:transition>
+    </mc:Fallback>
+  </mc:AlternateContent>
+  <p:timing>
+    <p:tnLst>
+      <p:par>
+        <p:cTn id="1" dur="indefinite" restart="never" nodeType="tmRoot">
+          <p:childTnLst>
+            <p:seq concurrent="1" nextAc="seek">
+              <p:cTn id="2" dur="indefinite" nodeType="mainSeq">
+                <p:childTnLst>
+                  <p:par>
+                    <p:cTn id="3" fill="hold">
+                      <p:stCondLst>
+                        <p:cond delay="indefinite"/>
+                      </p:stCondLst>
+                      <p:childTnLst>
+                        <p:par>
+                          <p:cTn id="4" fill="hold">
+                            <p:stCondLst>
+                              <p:cond delay="0"/>
+                            </p:stCondLst>
+                            <p:childTnLst>
+                              <p:par>
+                                <p:cTn id="5" presetID="2" presetClass="entr" presetSubtype="4" fill="hold" grpId="0" nodeType="clickEffect">
+                                  <p:stCondLst>
+                                    <p:cond delay="0"/>
+                                  </p:stCondLst>
+                                  <p:childTnLst>
+                                    <p:set>
+                                      <p:cBhvr>
+                                        <p:cTn id="6" dur="1" fill="hold">
+                                          <p:stCondLst>
+                                            <p:cond delay="0"/>
+                                          </p:stCondLst>
+                                        </p:cTn>
+                                        <p:tgtEl>
+                                          <p:spTgt spid="3"/>
+                                        </p:tgtEl>
+                                        <p:attrNameLst>
+                                          <p:attrName>style.visibility</p:attrName>
+                                        </p:attrNameLst>
+                                      </p:cBhvr>
+                                      <p:to>
+                                        <p:strVal val="visible"/>
+                                      </p:to>
+                                    </p:set>
+                                    <p:anim calcmode="lin" valueType="num">
+                                      <p:cBhvr additive="base">
+                                        <p:cTn id="7" dur="500" fill="hold"/>
+                                        <p:tgtEl>
+                                          <p:spTgt spid="3"/>
+                                        </p:tgtEl>
+                                        <p:attrNameLst>
+                                          <p:attrName>ppt_x</p:attrName>
+                                        </p:attrNameLst>
+                                      </p:cBhvr>
+                                      <p:tavLst>
+                                        <p:tav tm="0">
+                                          <p:val>
+                                            <p:strVal val="#ppt_x"/>
+                                          </p:val>
+                                        </p:tav>
+                                        <p:tav tm="100000">
+                                          <p:val>
+                                            <p:strVal val="#ppt_x"/>
+                                          </p:val>
+                                        </p:tav>
+                                      </p:tavLst>
+                                    </p:anim>
+                                    <p:anim calcmode="lin" valueType="num">
+                                      <p:cBhvr additive="base">
+                                        <p:cTn id="8" dur="500" fill="hold"/>
+                                        <p:tgtEl>
+                                          <p:spTgt spid="3"/>
+                                        </p:tgtEl>
+                                        <p:attrNameLst>
+                                          <p:attrName>ppt_y</p:attrName>
+                                        </p:attrNameLst>
+                                      </p:cBhvr>
+                                      <p:tavLst>
+                                        <p:tav tm="0">
+                                          <p:val>
+                                            <p:strVal val="1+#ppt_h/2"/>
+                                          </p:val>
+                                        </p:tav>
+                                        <p:tav tm="100000">
+                                          <p:val>
+                                            <p:strVal val="#ppt_y"/>
+                                          </p:val>
+                                        </p:tav>
+                                      </p:tavLst>
+                                    </p:anim>
+                                  </p:childTnLst>
+                                </p:cTn>
+                              </p:par>
+                            </p:childTnLst>
+                          </p:cTn>
+                        </p:par>
+                      </p:childTnLst>
+                    </p:cTn>
+                  </p:par>
+                  <p:par>
+                    <p:cTn id="9" fill="hold">
+                      <p:stCondLst>
+                        <p:cond delay="indefinite"/>
+                      </p:stCondLst>
+                      <p:childTnLst>
+                        <p:par>
+                          <p:cTn id="10" fill="hold">
+                            <p:stCondLst>
+                              <p:cond delay="0"/>
+                            </p:stCondLst>
+                            <p:childTnLst>
+                              <p:par>
+                                <p:cTn id="11" presetID="2" presetClass="entr" presetSubtype="4" fill="hold" grpId="0" nodeType="clickEffect">
+                                  <p:stCondLst>
+                                    <p:cond delay="0"/>
+                                  </p:stCondLst>
+                                  <p:childTnLst>
+                                    <p:set>
+                                      <p:cBhvr>
+                                        <p:cTn id="12" dur="1" fill="hold">
+                                          <p:stCondLst>
+                                            <p:cond delay="0"/>
+                                          </p:stCondLst>
+                                        </p:cTn>
+                                        <p:tgtEl>
+                                          <p:spTgt spid="8"/>
+                                        </p:tgtEl>
+                                        <p:attrNameLst>
+                                          <p:attrName>style.visibility</p:attrName>
+                                        </p:attrNameLst>
+                                      </p:cBhvr>
+                                      <p:to>
+                                        <p:strVal val="visible"/>
+                                      </p:to>
+                                    </p:set>
+                                    <p:anim calcmode="lin" valueType="num">
+                                      <p:cBhvr additive="base">
+                                        <p:cTn id="13" dur="500" fill="hold"/>
+                                        <p:tgtEl>
+                                          <p:spTgt spid="8"/>
+                                        </p:tgtEl>
+                                        <p:attrNameLst>
+                                          <p:attrName>ppt_x</p:attrName>
+                                        </p:attrNameLst>
+                                      </p:cBhvr>
+                                      <p:tavLst>
+                                        <p:tav tm="0">
+                                          <p:val>
+                                            <p:strVal val="#ppt_x"/>
+                                          </p:val>
+                                        </p:tav>
+                                        <p:tav tm="100000">
+                                          <p:val>
+                                            <p:strVal val="#ppt_x"/>
+                                          </p:val>
+                                        </p:tav>
+                                      </p:tavLst>
+                                    </p:anim>
+                                    <p:anim calcmode="lin" valueType="num">
+                                      <p:cBhvr additive="base">
+                                        <p:cTn id="14" dur="500" fill="hold"/>
+                                        <p:tgtEl>
+                                          <p:spTgt spid="8"/>
+                                        </p:tgtEl>
+                                        <p:attrNameLst>
+                                          <p:attrName>ppt_y</p:attrName>
+                                        </p:attrNameLst>
+                                      </p:cBhvr>
+                                      <p:tavLst>
+                                        <p:tav tm="0">
+                                          <p:val>
+                                            <p:strVal val="1+#ppt_h/2"/>
+                                          </p:val>
+                                        </p:tav>
+                                        <p:tav tm="100000">
+                                          <p:val>
+                                            <p:strVal val="#ppt_y"/>
+                                          </p:val>
+                                        </p:tav>
+                                      </p:tavLst>
+                                    </p:anim>
+                                  </p:childTnLst>
+                                </p:cTn>
+                              </p:par>
+                            </p:childTnLst>
+                          </p:cTn>
+                        </p:par>
+                      </p:childTnLst>
+                    </p:cTn>
+                  </p:par>
+                </p:childTnLst>
+              </p:cTn>
+              <p:prevCondLst>
+                <p:cond evt="onPrev" delay="0">
+                  <p:tgtEl>
+                    <p:sldTgt/>
+                  </p:tgtEl>
+                </p:cond>
+              </p:prevCondLst>
+              <p:nextCondLst>
+                <p:cond evt="onNext" delay="0">
+                  <p:tgtEl>
+                    <p:sldTgt/>
+                  </p:tgtEl>
+                </p:cond>
+              </p:nextCondLst>
+            </p:seq>
+          </p:childTnLst>
+        </p:cTn>
+      </p:par>
+    </p:tnLst>
+    <p:bldLst>
+      <p:bldP spid="3" grpId="0"/>
+      <p:bldP spid="8" grpId="0"/>
+    </p:bldLst>
+  </p:timing>
+</p:sld>
+</file>
+
+<file path=ppt/slides/slide11.xml><?xml version="1.0" encoding="utf-8"?>
+<p:sld xmlns:a="http://schemas.openxmlformats.org/drawingml/2006/main" xmlns:r="http://schemas.openxmlformats.org/officeDocument/2006/relationships" xmlns:p="http://schemas.openxmlformats.org/presentationml/2006/main">
+  <p:cSld>
+    <p:spTree>
+      <p:nvGrpSpPr>
+        <p:cNvPr id="1" name=""/>
+        <p:cNvGrpSpPr/>
+        <p:nvPr/>
+      </p:nvGrpSpPr>
+      <p:grpSpPr>
+        <a:xfrm>
+          <a:off x="0" y="0"/>
+          <a:ext cx="0" cy="0"/>
+          <a:chOff x="0" y="0"/>
+          <a:chExt cx="0" cy="0"/>
+        </a:xfrm>
+      </p:grpSpPr>
+      <p:sp>
+        <p:nvSpPr>
+          <p:cNvPr id="2" name="Titel 1"/>
+          <p:cNvSpPr>
+            <a:spLocks noGrp="1"/>
+          </p:cNvSpPr>
+          <p:nvPr>
+            <p:ph type="title"/>
+          </p:nvPr>
+        </p:nvSpPr>
+        <p:spPr/>
+        <p:txBody>
+          <a:bodyPr/>
+          <a:lstStyle/>
+          <a:p>
+            <a:r>
+              <a:rPr lang="de-DE" dirty="0" smtClean="0"/>
+              <a:t>Netzwerk Rack Server</a:t>
             </a:r>
             <a:endParaRPr lang="de-DE" dirty="0"/>
           </a:p>
@@ -8842,14 +9883,78 @@
           <a:bodyPr/>
           <a:lstStyle/>
           <a:p>
-            <a:endParaRPr lang="de-DE"/>
+            <a:r>
+              <a:rPr lang="de-DE" dirty="0" smtClean="0"/>
+              <a:t>HP </a:t>
+            </a:r>
+            <a:r>
+              <a:rPr lang="de-DE" dirty="0" err="1" smtClean="0"/>
+              <a:t>ProLiant</a:t>
+            </a:r>
+            <a:r>
+              <a:rPr lang="de-DE" dirty="0" smtClean="0"/>
+              <a:t> DL80 G9 2U</a:t>
+            </a:r>
+          </a:p>
+          <a:p>
+            <a:pPr lvl="1"/>
+            <a:r>
+              <a:rPr lang="pt-BR" dirty="0"/>
+              <a:t>Intel Xeon E5-2603 v3 </a:t>
+            </a:r>
+            <a:r>
+              <a:rPr lang="pt-BR" dirty="0" smtClean="0"/>
+              <a:t>Hexa-core 1.60 GHz</a:t>
+            </a:r>
+          </a:p>
+          <a:p>
+            <a:pPr lvl="1"/>
+            <a:r>
+              <a:rPr lang="de-DE" dirty="0"/>
+              <a:t>Gigabit </a:t>
+            </a:r>
+            <a:r>
+              <a:rPr lang="de-DE" dirty="0" smtClean="0"/>
+              <a:t>Ethernet und </a:t>
+            </a:r>
+            <a:r>
+              <a:rPr lang="de-DE" dirty="0" err="1" smtClean="0"/>
+              <a:t>microSD</a:t>
+            </a:r>
+            <a:endParaRPr lang="de-DE" dirty="0" smtClean="0"/>
+          </a:p>
+          <a:p>
+            <a:pPr lvl="1"/>
+            <a:r>
+              <a:rPr lang="de-DE" dirty="0"/>
+              <a:t>8 nutzbare Memory </a:t>
+            </a:r>
+            <a:r>
+              <a:rPr lang="de-DE" dirty="0" smtClean="0"/>
+              <a:t>Slots (256GB)</a:t>
+            </a:r>
+          </a:p>
+          <a:p>
+            <a:r>
+              <a:rPr lang="de-DE" dirty="0" err="1"/>
+              <a:t>HyperX</a:t>
+            </a:r>
+            <a:r>
+              <a:rPr lang="de-DE" dirty="0"/>
+              <a:t> DIMM 16GB DDR4-2133</a:t>
+            </a:r>
+            <a:endParaRPr lang="pt-BR" dirty="0" smtClean="0"/>
+          </a:p>
+          <a:p>
+            <a:pPr lvl="1"/>
+            <a:endParaRPr lang="de-DE" dirty="0"/>
           </a:p>
         </p:txBody>
       </p:sp>
     </p:spTree>
     <p:extLst>
       <p:ext uri="{BB962C8B-B14F-4D97-AF65-F5344CB8AC3E}">
-        <p14:creationId xmlns:p14="http://schemas.microsoft.com/office/powerpoint/2010/main" val="1947602774"/>
+        <p14:creationId xmlns:p14="http://schemas.microsoft.com/office/powerpoint/2010/main" val="461747996"/>
       </p:ext>
     </p:extLst>
   </p:cSld>
@@ -8871,14 +9976,2318 @@
   <p:timing>
     <p:tnLst>
       <p:par>
-        <p:cTn id="1" dur="indefinite" restart="never" nodeType="tmRoot"/>
+        <p:cTn id="1" dur="indefinite" restart="never" nodeType="tmRoot">
+          <p:childTnLst>
+            <p:seq concurrent="1" nextAc="seek">
+              <p:cTn id="2" dur="indefinite" nodeType="mainSeq">
+                <p:childTnLst>
+                  <p:par>
+                    <p:cTn id="3" fill="hold">
+                      <p:stCondLst>
+                        <p:cond delay="indefinite"/>
+                      </p:stCondLst>
+                      <p:childTnLst>
+                        <p:par>
+                          <p:cTn id="4" fill="hold">
+                            <p:stCondLst>
+                              <p:cond delay="0"/>
+                            </p:stCondLst>
+                            <p:childTnLst>
+                              <p:par>
+                                <p:cTn id="5" presetID="2" presetClass="entr" presetSubtype="4" fill="hold" nodeType="clickEffect">
+                                  <p:stCondLst>
+                                    <p:cond delay="0"/>
+                                  </p:stCondLst>
+                                  <p:childTnLst>
+                                    <p:set>
+                                      <p:cBhvr>
+                                        <p:cTn id="6" dur="1" fill="hold">
+                                          <p:stCondLst>
+                                            <p:cond delay="0"/>
+                                          </p:stCondLst>
+                                        </p:cTn>
+                                        <p:tgtEl>
+                                          <p:spTgt spid="3">
+                                            <p:txEl>
+                                              <p:pRg st="0" end="0"/>
+                                            </p:txEl>
+                                          </p:spTgt>
+                                        </p:tgtEl>
+                                        <p:attrNameLst>
+                                          <p:attrName>style.visibility</p:attrName>
+                                        </p:attrNameLst>
+                                      </p:cBhvr>
+                                      <p:to>
+                                        <p:strVal val="visible"/>
+                                      </p:to>
+                                    </p:set>
+                                    <p:anim calcmode="lin" valueType="num">
+                                      <p:cBhvr additive="base">
+                                        <p:cTn id="7" dur="500" fill="hold"/>
+                                        <p:tgtEl>
+                                          <p:spTgt spid="3">
+                                            <p:txEl>
+                                              <p:pRg st="0" end="0"/>
+                                            </p:txEl>
+                                          </p:spTgt>
+                                        </p:tgtEl>
+                                        <p:attrNameLst>
+                                          <p:attrName>ppt_x</p:attrName>
+                                        </p:attrNameLst>
+                                      </p:cBhvr>
+                                      <p:tavLst>
+                                        <p:tav tm="0">
+                                          <p:val>
+                                            <p:strVal val="#ppt_x"/>
+                                          </p:val>
+                                        </p:tav>
+                                        <p:tav tm="100000">
+                                          <p:val>
+                                            <p:strVal val="#ppt_x"/>
+                                          </p:val>
+                                        </p:tav>
+                                      </p:tavLst>
+                                    </p:anim>
+                                    <p:anim calcmode="lin" valueType="num">
+                                      <p:cBhvr additive="base">
+                                        <p:cTn id="8" dur="500" fill="hold"/>
+                                        <p:tgtEl>
+                                          <p:spTgt spid="3">
+                                            <p:txEl>
+                                              <p:pRg st="0" end="0"/>
+                                            </p:txEl>
+                                          </p:spTgt>
+                                        </p:tgtEl>
+                                        <p:attrNameLst>
+                                          <p:attrName>ppt_y</p:attrName>
+                                        </p:attrNameLst>
+                                      </p:cBhvr>
+                                      <p:tavLst>
+                                        <p:tav tm="0">
+                                          <p:val>
+                                            <p:strVal val="1+#ppt_h/2"/>
+                                          </p:val>
+                                        </p:tav>
+                                        <p:tav tm="100000">
+                                          <p:val>
+                                            <p:strVal val="#ppt_y"/>
+                                          </p:val>
+                                        </p:tav>
+                                      </p:tavLst>
+                                    </p:anim>
+                                  </p:childTnLst>
+                                </p:cTn>
+                              </p:par>
+                            </p:childTnLst>
+                          </p:cTn>
+                        </p:par>
+                      </p:childTnLst>
+                    </p:cTn>
+                  </p:par>
+                  <p:par>
+                    <p:cTn id="9" fill="hold">
+                      <p:stCondLst>
+                        <p:cond delay="indefinite"/>
+                      </p:stCondLst>
+                      <p:childTnLst>
+                        <p:par>
+                          <p:cTn id="10" fill="hold">
+                            <p:stCondLst>
+                              <p:cond delay="0"/>
+                            </p:stCondLst>
+                            <p:childTnLst>
+                              <p:par>
+                                <p:cTn id="11" presetID="2" presetClass="entr" presetSubtype="8" fill="hold" nodeType="clickEffect">
+                                  <p:stCondLst>
+                                    <p:cond delay="0"/>
+                                  </p:stCondLst>
+                                  <p:childTnLst>
+                                    <p:set>
+                                      <p:cBhvr>
+                                        <p:cTn id="12" dur="1" fill="hold">
+                                          <p:stCondLst>
+                                            <p:cond delay="0"/>
+                                          </p:stCondLst>
+                                        </p:cTn>
+                                        <p:tgtEl>
+                                          <p:spTgt spid="3">
+                                            <p:txEl>
+                                              <p:pRg st="1" end="1"/>
+                                            </p:txEl>
+                                          </p:spTgt>
+                                        </p:tgtEl>
+                                        <p:attrNameLst>
+                                          <p:attrName>style.visibility</p:attrName>
+                                        </p:attrNameLst>
+                                      </p:cBhvr>
+                                      <p:to>
+                                        <p:strVal val="visible"/>
+                                      </p:to>
+                                    </p:set>
+                                    <p:anim calcmode="lin" valueType="num">
+                                      <p:cBhvr additive="base">
+                                        <p:cTn id="13" dur="500" fill="hold"/>
+                                        <p:tgtEl>
+                                          <p:spTgt spid="3">
+                                            <p:txEl>
+                                              <p:pRg st="1" end="1"/>
+                                            </p:txEl>
+                                          </p:spTgt>
+                                        </p:tgtEl>
+                                        <p:attrNameLst>
+                                          <p:attrName>ppt_x</p:attrName>
+                                        </p:attrNameLst>
+                                      </p:cBhvr>
+                                      <p:tavLst>
+                                        <p:tav tm="0">
+                                          <p:val>
+                                            <p:strVal val="0-#ppt_w/2"/>
+                                          </p:val>
+                                        </p:tav>
+                                        <p:tav tm="100000">
+                                          <p:val>
+                                            <p:strVal val="#ppt_x"/>
+                                          </p:val>
+                                        </p:tav>
+                                      </p:tavLst>
+                                    </p:anim>
+                                    <p:anim calcmode="lin" valueType="num">
+                                      <p:cBhvr additive="base">
+                                        <p:cTn id="14" dur="500" fill="hold"/>
+                                        <p:tgtEl>
+                                          <p:spTgt spid="3">
+                                            <p:txEl>
+                                              <p:pRg st="1" end="1"/>
+                                            </p:txEl>
+                                          </p:spTgt>
+                                        </p:tgtEl>
+                                        <p:attrNameLst>
+                                          <p:attrName>ppt_y</p:attrName>
+                                        </p:attrNameLst>
+                                      </p:cBhvr>
+                                      <p:tavLst>
+                                        <p:tav tm="0">
+                                          <p:val>
+                                            <p:strVal val="#ppt_y"/>
+                                          </p:val>
+                                        </p:tav>
+                                        <p:tav tm="100000">
+                                          <p:val>
+                                            <p:strVal val="#ppt_y"/>
+                                          </p:val>
+                                        </p:tav>
+                                      </p:tavLst>
+                                    </p:anim>
+                                  </p:childTnLst>
+                                </p:cTn>
+                              </p:par>
+                            </p:childTnLst>
+                          </p:cTn>
+                        </p:par>
+                      </p:childTnLst>
+                    </p:cTn>
+                  </p:par>
+                  <p:par>
+                    <p:cTn id="15" fill="hold">
+                      <p:stCondLst>
+                        <p:cond delay="indefinite"/>
+                      </p:stCondLst>
+                      <p:childTnLst>
+                        <p:par>
+                          <p:cTn id="16" fill="hold">
+                            <p:stCondLst>
+                              <p:cond delay="0"/>
+                            </p:stCondLst>
+                            <p:childTnLst>
+                              <p:par>
+                                <p:cTn id="17" presetID="2" presetClass="entr" presetSubtype="8" fill="hold" nodeType="clickEffect">
+                                  <p:stCondLst>
+                                    <p:cond delay="0"/>
+                                  </p:stCondLst>
+                                  <p:childTnLst>
+                                    <p:set>
+                                      <p:cBhvr>
+                                        <p:cTn id="18" dur="1" fill="hold">
+                                          <p:stCondLst>
+                                            <p:cond delay="0"/>
+                                          </p:stCondLst>
+                                        </p:cTn>
+                                        <p:tgtEl>
+                                          <p:spTgt spid="3">
+                                            <p:txEl>
+                                              <p:pRg st="2" end="2"/>
+                                            </p:txEl>
+                                          </p:spTgt>
+                                        </p:tgtEl>
+                                        <p:attrNameLst>
+                                          <p:attrName>style.visibility</p:attrName>
+                                        </p:attrNameLst>
+                                      </p:cBhvr>
+                                      <p:to>
+                                        <p:strVal val="visible"/>
+                                      </p:to>
+                                    </p:set>
+                                    <p:anim calcmode="lin" valueType="num">
+                                      <p:cBhvr additive="base">
+                                        <p:cTn id="19" dur="500" fill="hold"/>
+                                        <p:tgtEl>
+                                          <p:spTgt spid="3">
+                                            <p:txEl>
+                                              <p:pRg st="2" end="2"/>
+                                            </p:txEl>
+                                          </p:spTgt>
+                                        </p:tgtEl>
+                                        <p:attrNameLst>
+                                          <p:attrName>ppt_x</p:attrName>
+                                        </p:attrNameLst>
+                                      </p:cBhvr>
+                                      <p:tavLst>
+                                        <p:tav tm="0">
+                                          <p:val>
+                                            <p:strVal val="0-#ppt_w/2"/>
+                                          </p:val>
+                                        </p:tav>
+                                        <p:tav tm="100000">
+                                          <p:val>
+                                            <p:strVal val="#ppt_x"/>
+                                          </p:val>
+                                        </p:tav>
+                                      </p:tavLst>
+                                    </p:anim>
+                                    <p:anim calcmode="lin" valueType="num">
+                                      <p:cBhvr additive="base">
+                                        <p:cTn id="20" dur="500" fill="hold"/>
+                                        <p:tgtEl>
+                                          <p:spTgt spid="3">
+                                            <p:txEl>
+                                              <p:pRg st="2" end="2"/>
+                                            </p:txEl>
+                                          </p:spTgt>
+                                        </p:tgtEl>
+                                        <p:attrNameLst>
+                                          <p:attrName>ppt_y</p:attrName>
+                                        </p:attrNameLst>
+                                      </p:cBhvr>
+                                      <p:tavLst>
+                                        <p:tav tm="0">
+                                          <p:val>
+                                            <p:strVal val="#ppt_y"/>
+                                          </p:val>
+                                        </p:tav>
+                                        <p:tav tm="100000">
+                                          <p:val>
+                                            <p:strVal val="#ppt_y"/>
+                                          </p:val>
+                                        </p:tav>
+                                      </p:tavLst>
+                                    </p:anim>
+                                  </p:childTnLst>
+                                </p:cTn>
+                              </p:par>
+                            </p:childTnLst>
+                          </p:cTn>
+                        </p:par>
+                      </p:childTnLst>
+                    </p:cTn>
+                  </p:par>
+                  <p:par>
+                    <p:cTn id="21" fill="hold">
+                      <p:stCondLst>
+                        <p:cond delay="indefinite"/>
+                      </p:stCondLst>
+                      <p:childTnLst>
+                        <p:par>
+                          <p:cTn id="22" fill="hold">
+                            <p:stCondLst>
+                              <p:cond delay="0"/>
+                            </p:stCondLst>
+                            <p:childTnLst>
+                              <p:par>
+                                <p:cTn id="23" presetID="2" presetClass="entr" presetSubtype="8" fill="hold" nodeType="clickEffect">
+                                  <p:stCondLst>
+                                    <p:cond delay="0"/>
+                                  </p:stCondLst>
+                                  <p:childTnLst>
+                                    <p:set>
+                                      <p:cBhvr>
+                                        <p:cTn id="24" dur="1" fill="hold">
+                                          <p:stCondLst>
+                                            <p:cond delay="0"/>
+                                          </p:stCondLst>
+                                        </p:cTn>
+                                        <p:tgtEl>
+                                          <p:spTgt spid="3">
+                                            <p:txEl>
+                                              <p:pRg st="3" end="3"/>
+                                            </p:txEl>
+                                          </p:spTgt>
+                                        </p:tgtEl>
+                                        <p:attrNameLst>
+                                          <p:attrName>style.visibility</p:attrName>
+                                        </p:attrNameLst>
+                                      </p:cBhvr>
+                                      <p:to>
+                                        <p:strVal val="visible"/>
+                                      </p:to>
+                                    </p:set>
+                                    <p:anim calcmode="lin" valueType="num">
+                                      <p:cBhvr additive="base">
+                                        <p:cTn id="25" dur="500" fill="hold"/>
+                                        <p:tgtEl>
+                                          <p:spTgt spid="3">
+                                            <p:txEl>
+                                              <p:pRg st="3" end="3"/>
+                                            </p:txEl>
+                                          </p:spTgt>
+                                        </p:tgtEl>
+                                        <p:attrNameLst>
+                                          <p:attrName>ppt_x</p:attrName>
+                                        </p:attrNameLst>
+                                      </p:cBhvr>
+                                      <p:tavLst>
+                                        <p:tav tm="0">
+                                          <p:val>
+                                            <p:strVal val="0-#ppt_w/2"/>
+                                          </p:val>
+                                        </p:tav>
+                                        <p:tav tm="100000">
+                                          <p:val>
+                                            <p:strVal val="#ppt_x"/>
+                                          </p:val>
+                                        </p:tav>
+                                      </p:tavLst>
+                                    </p:anim>
+                                    <p:anim calcmode="lin" valueType="num">
+                                      <p:cBhvr additive="base">
+                                        <p:cTn id="26" dur="500" fill="hold"/>
+                                        <p:tgtEl>
+                                          <p:spTgt spid="3">
+                                            <p:txEl>
+                                              <p:pRg st="3" end="3"/>
+                                            </p:txEl>
+                                          </p:spTgt>
+                                        </p:tgtEl>
+                                        <p:attrNameLst>
+                                          <p:attrName>ppt_y</p:attrName>
+                                        </p:attrNameLst>
+                                      </p:cBhvr>
+                                      <p:tavLst>
+                                        <p:tav tm="0">
+                                          <p:val>
+                                            <p:strVal val="#ppt_y"/>
+                                          </p:val>
+                                        </p:tav>
+                                        <p:tav tm="100000">
+                                          <p:val>
+                                            <p:strVal val="#ppt_y"/>
+                                          </p:val>
+                                        </p:tav>
+                                      </p:tavLst>
+                                    </p:anim>
+                                  </p:childTnLst>
+                                </p:cTn>
+                              </p:par>
+                            </p:childTnLst>
+                          </p:cTn>
+                        </p:par>
+                      </p:childTnLst>
+                    </p:cTn>
+                  </p:par>
+                  <p:par>
+                    <p:cTn id="27" fill="hold">
+                      <p:stCondLst>
+                        <p:cond delay="indefinite"/>
+                      </p:stCondLst>
+                      <p:childTnLst>
+                        <p:par>
+                          <p:cTn id="28" fill="hold">
+                            <p:stCondLst>
+                              <p:cond delay="0"/>
+                            </p:stCondLst>
+                            <p:childTnLst>
+                              <p:par>
+                                <p:cTn id="29" presetID="2" presetClass="entr" presetSubtype="4" fill="hold" nodeType="clickEffect">
+                                  <p:stCondLst>
+                                    <p:cond delay="0"/>
+                                  </p:stCondLst>
+                                  <p:childTnLst>
+                                    <p:set>
+                                      <p:cBhvr>
+                                        <p:cTn id="30" dur="1" fill="hold">
+                                          <p:stCondLst>
+                                            <p:cond delay="0"/>
+                                          </p:stCondLst>
+                                        </p:cTn>
+                                        <p:tgtEl>
+                                          <p:spTgt spid="3">
+                                            <p:txEl>
+                                              <p:pRg st="4" end="4"/>
+                                            </p:txEl>
+                                          </p:spTgt>
+                                        </p:tgtEl>
+                                        <p:attrNameLst>
+                                          <p:attrName>style.visibility</p:attrName>
+                                        </p:attrNameLst>
+                                      </p:cBhvr>
+                                      <p:to>
+                                        <p:strVal val="visible"/>
+                                      </p:to>
+                                    </p:set>
+                                    <p:anim calcmode="lin" valueType="num">
+                                      <p:cBhvr additive="base">
+                                        <p:cTn id="31" dur="500" fill="hold"/>
+                                        <p:tgtEl>
+                                          <p:spTgt spid="3">
+                                            <p:txEl>
+                                              <p:pRg st="4" end="4"/>
+                                            </p:txEl>
+                                          </p:spTgt>
+                                        </p:tgtEl>
+                                        <p:attrNameLst>
+                                          <p:attrName>ppt_x</p:attrName>
+                                        </p:attrNameLst>
+                                      </p:cBhvr>
+                                      <p:tavLst>
+                                        <p:tav tm="0">
+                                          <p:val>
+                                            <p:strVal val="#ppt_x"/>
+                                          </p:val>
+                                        </p:tav>
+                                        <p:tav tm="100000">
+                                          <p:val>
+                                            <p:strVal val="#ppt_x"/>
+                                          </p:val>
+                                        </p:tav>
+                                      </p:tavLst>
+                                    </p:anim>
+                                    <p:anim calcmode="lin" valueType="num">
+                                      <p:cBhvr additive="base">
+                                        <p:cTn id="32" dur="500" fill="hold"/>
+                                        <p:tgtEl>
+                                          <p:spTgt spid="3">
+                                            <p:txEl>
+                                              <p:pRg st="4" end="4"/>
+                                            </p:txEl>
+                                          </p:spTgt>
+                                        </p:tgtEl>
+                                        <p:attrNameLst>
+                                          <p:attrName>ppt_y</p:attrName>
+                                        </p:attrNameLst>
+                                      </p:cBhvr>
+                                      <p:tavLst>
+                                        <p:tav tm="0">
+                                          <p:val>
+                                            <p:strVal val="1+#ppt_h/2"/>
+                                          </p:val>
+                                        </p:tav>
+                                        <p:tav tm="100000">
+                                          <p:val>
+                                            <p:strVal val="#ppt_y"/>
+                                          </p:val>
+                                        </p:tav>
+                                      </p:tavLst>
+                                    </p:anim>
+                                  </p:childTnLst>
+                                </p:cTn>
+                              </p:par>
+                            </p:childTnLst>
+                          </p:cTn>
+                        </p:par>
+                      </p:childTnLst>
+                    </p:cTn>
+                  </p:par>
+                </p:childTnLst>
+              </p:cTn>
+              <p:prevCondLst>
+                <p:cond evt="onPrev" delay="0">
+                  <p:tgtEl>
+                    <p:sldTgt/>
+                  </p:tgtEl>
+                </p:cond>
+              </p:prevCondLst>
+              <p:nextCondLst>
+                <p:cond evt="onNext" delay="0">
+                  <p:tgtEl>
+                    <p:sldTgt/>
+                  </p:tgtEl>
+                </p:cond>
+              </p:nextCondLst>
+            </p:seq>
+          </p:childTnLst>
+        </p:cTn>
       </p:par>
     </p:tnLst>
   </p:timing>
 </p:sld>
 </file>
 
-<file path=ppt/slides/slide11.xml><?xml version="1.0" encoding="utf-8"?>
+<file path=ppt/slides/slide12.xml><?xml version="1.0" encoding="utf-8"?>
+<p:sld xmlns:a="http://schemas.openxmlformats.org/drawingml/2006/main" xmlns:r="http://schemas.openxmlformats.org/officeDocument/2006/relationships" xmlns:p="http://schemas.openxmlformats.org/presentationml/2006/main">
+  <p:cSld>
+    <p:spTree>
+      <p:nvGrpSpPr>
+        <p:cNvPr id="1" name=""/>
+        <p:cNvGrpSpPr/>
+        <p:nvPr/>
+      </p:nvGrpSpPr>
+      <p:grpSpPr>
+        <a:xfrm>
+          <a:off x="0" y="0"/>
+          <a:ext cx="0" cy="0"/>
+          <a:chOff x="0" y="0"/>
+          <a:chExt cx="0" cy="0"/>
+        </a:xfrm>
+      </p:grpSpPr>
+      <p:sp>
+        <p:nvSpPr>
+          <p:cNvPr id="2" name="Titel 1"/>
+          <p:cNvSpPr>
+            <a:spLocks noGrp="1"/>
+          </p:cNvSpPr>
+          <p:nvPr>
+            <p:ph type="title"/>
+          </p:nvPr>
+        </p:nvSpPr>
+        <p:spPr/>
+        <p:txBody>
+          <a:bodyPr/>
+          <a:lstStyle/>
+          <a:p>
+            <a:r>
+              <a:rPr lang="de-DE" dirty="0"/>
+              <a:t>Allgemeine Anforderungen </a:t>
+            </a:r>
+          </a:p>
+        </p:txBody>
+      </p:sp>
+      <p:graphicFrame>
+        <p:nvGraphicFramePr>
+          <p:cNvPr id="4" name="Tabelle 3"/>
+          <p:cNvGraphicFramePr>
+            <a:graphicFrameLocks noGrp="1"/>
+          </p:cNvGraphicFramePr>
+          <p:nvPr>
+            <p:extLst>
+              <p:ext uri="{D42A27DB-BD31-4B8C-83A1-F6EECF244321}">
+                <p14:modId xmlns:p14="http://schemas.microsoft.com/office/powerpoint/2010/main" val="1707050826"/>
+              </p:ext>
+            </p:extLst>
+          </p:nvPr>
+        </p:nvGraphicFramePr>
+        <p:xfrm>
+          <a:off x="1197868" y="2132856"/>
+          <a:ext cx="8815470" cy="3933767"/>
+        </p:xfrm>
+        <a:graphic>
+          <a:graphicData uri="http://schemas.openxmlformats.org/drawingml/2006/table">
+            <a:tbl>
+              <a:tblPr firstRow="1" bandRow="1">
+                <a:tableStyleId>{5C22544A-7EE6-4342-B048-85BDC9FD1C3A}</a:tableStyleId>
+              </a:tblPr>
+              <a:tblGrid>
+                <a:gridCol w="2938490">
+                  <a:extLst>
+                    <a:ext uri="{9D8B030D-6E8A-4147-A177-3AD203B41FA5}">
+                      <a16:colId xmlns:a16="http://schemas.microsoft.com/office/drawing/2014/main" xmlns="" val="20000"/>
+                    </a:ext>
+                  </a:extLst>
+                </a:gridCol>
+                <a:gridCol w="2938490">
+                  <a:extLst>
+                    <a:ext uri="{9D8B030D-6E8A-4147-A177-3AD203B41FA5}">
+                      <a16:colId xmlns:a16="http://schemas.microsoft.com/office/drawing/2014/main" xmlns="" val="20001"/>
+                    </a:ext>
+                  </a:extLst>
+                </a:gridCol>
+                <a:gridCol w="2938490">
+                  <a:extLst>
+                    <a:ext uri="{9D8B030D-6E8A-4147-A177-3AD203B41FA5}">
+                      <a16:colId xmlns:a16="http://schemas.microsoft.com/office/drawing/2014/main" xmlns="" val="20002"/>
+                    </a:ext>
+                  </a:extLst>
+                </a:gridCol>
+              </a:tblGrid>
+              <a:tr h="495165">
+                <a:tc>
+                  <a:txBody>
+                    <a:bodyPr/>
+                    <a:lstStyle/>
+                    <a:p>
+                      <a:r>
+                        <a:rPr lang="de-DE" dirty="0"/>
+                        <a:t>Bereich</a:t>
+                      </a:r>
+                    </a:p>
+                  </a:txBody>
+                  <a:tcPr/>
+                </a:tc>
+                <a:tc>
+                  <a:txBody>
+                    <a:bodyPr/>
+                    <a:lstStyle/>
+                    <a:p>
+                      <a:r>
+                        <a:rPr lang="de-DE" dirty="0"/>
+                        <a:t>Model</a:t>
+                      </a:r>
+                    </a:p>
+                  </a:txBody>
+                  <a:tcPr/>
+                </a:tc>
+                <a:tc>
+                  <a:txBody>
+                    <a:bodyPr/>
+                    <a:lstStyle/>
+                    <a:p>
+                      <a:r>
+                        <a:rPr lang="de-DE" dirty="0"/>
+                        <a:t>Preis</a:t>
+                      </a:r>
+                    </a:p>
+                  </a:txBody>
+                  <a:tcPr/>
+                </a:tc>
+                <a:extLst>
+                  <a:ext uri="{0D108BD9-81ED-4DB2-BD59-A6C34878D82A}">
+                    <a16:rowId xmlns:a16="http://schemas.microsoft.com/office/drawing/2014/main" xmlns="" val="10000"/>
+                  </a:ext>
+                </a:extLst>
+              </a:tr>
+              <a:tr h="495165">
+                <a:tc>
+                  <a:txBody>
+                    <a:bodyPr/>
+                    <a:lstStyle/>
+                    <a:p>
+                      <a:r>
+                        <a:rPr lang="de-DE" dirty="0"/>
+                        <a:t>Netzwerk</a:t>
+                      </a:r>
+                    </a:p>
+                  </a:txBody>
+                  <a:tcPr/>
+                </a:tc>
+                <a:tc>
+                  <a:txBody>
+                    <a:bodyPr/>
+                    <a:lstStyle/>
+                    <a:p>
+                      <a:r>
+                        <a:rPr lang="de-DE" sz="1799" b="0" i="0" u="none" strike="noStrike" kern="1200" dirty="0">
+                          <a:solidFill>
+                            <a:schemeClr val="dk1"/>
+                          </a:solidFill>
+                          <a:effectLst/>
+                          <a:latin typeface="+mn-lt"/>
+                          <a:ea typeface="+mn-ea"/>
+                          <a:cs typeface="+mn-cs"/>
+                        </a:rPr>
+                        <a:t>HP </a:t>
+                      </a:r>
+                      <a:r>
+                        <a:rPr lang="de-DE" sz="1799" b="0" i="0" u="none" strike="noStrike" kern="1200" dirty="0" err="1">
+                          <a:solidFill>
+                            <a:schemeClr val="dk1"/>
+                          </a:solidFill>
+                          <a:effectLst/>
+                          <a:latin typeface="+mn-lt"/>
+                          <a:ea typeface="+mn-ea"/>
+                          <a:cs typeface="+mn-cs"/>
+                        </a:rPr>
+                        <a:t>ProLiant</a:t>
+                      </a:r>
+                      <a:r>
+                        <a:rPr lang="de-DE" sz="1799" b="0" i="0" u="none" strike="noStrike" kern="1200" dirty="0">
+                          <a:solidFill>
+                            <a:schemeClr val="dk1"/>
+                          </a:solidFill>
+                          <a:effectLst/>
+                          <a:latin typeface="+mn-lt"/>
+                          <a:ea typeface="+mn-ea"/>
+                          <a:cs typeface="+mn-cs"/>
+                        </a:rPr>
+                        <a:t> DL80G92U…</a:t>
+                      </a:r>
+                      <a:endParaRPr lang="de-DE" dirty="0"/>
+                    </a:p>
+                  </a:txBody>
+                  <a:tcPr/>
+                </a:tc>
+                <a:tc>
+                  <a:txBody>
+                    <a:bodyPr/>
+                    <a:lstStyle/>
+                    <a:p>
+                      <a:endParaRPr lang="de-DE" dirty="0"/>
+                    </a:p>
+                  </a:txBody>
+                  <a:tcPr/>
+                </a:tc>
+                <a:extLst>
+                  <a:ext uri="{0D108BD9-81ED-4DB2-BD59-A6C34878D82A}">
+                    <a16:rowId xmlns:a16="http://schemas.microsoft.com/office/drawing/2014/main" xmlns="" val="10001"/>
+                  </a:ext>
+                </a:extLst>
+              </a:tr>
+              <a:tr h="495165">
+                <a:tc>
+                  <a:txBody>
+                    <a:bodyPr/>
+                    <a:lstStyle/>
+                    <a:p>
+                      <a:endParaRPr lang="de-DE" dirty="0"/>
+                    </a:p>
+                  </a:txBody>
+                  <a:tcPr/>
+                </a:tc>
+                <a:tc>
+                  <a:txBody>
+                    <a:bodyPr/>
+                    <a:lstStyle/>
+                    <a:p>
+                      <a:endParaRPr lang="de-DE" dirty="0"/>
+                    </a:p>
+                  </a:txBody>
+                  <a:tcPr/>
+                </a:tc>
+                <a:tc>
+                  <a:txBody>
+                    <a:bodyPr/>
+                    <a:lstStyle/>
+                    <a:p>
+                      <a:endParaRPr lang="de-DE"/>
+                    </a:p>
+                  </a:txBody>
+                  <a:tcPr/>
+                </a:tc>
+                <a:extLst>
+                  <a:ext uri="{0D108BD9-81ED-4DB2-BD59-A6C34878D82A}">
+                    <a16:rowId xmlns:a16="http://schemas.microsoft.com/office/drawing/2014/main" xmlns="" val="10002"/>
+                  </a:ext>
+                </a:extLst>
+              </a:tr>
+              <a:tr h="495165">
+                <a:tc>
+                  <a:txBody>
+                    <a:bodyPr/>
+                    <a:lstStyle/>
+                    <a:p>
+                      <a:endParaRPr lang="de-DE" dirty="0"/>
+                    </a:p>
+                  </a:txBody>
+                  <a:tcPr/>
+                </a:tc>
+                <a:tc>
+                  <a:txBody>
+                    <a:bodyPr/>
+                    <a:lstStyle/>
+                    <a:p>
+                      <a:endParaRPr lang="de-DE"/>
+                    </a:p>
+                  </a:txBody>
+                  <a:tcPr/>
+                </a:tc>
+                <a:tc>
+                  <a:txBody>
+                    <a:bodyPr/>
+                    <a:lstStyle/>
+                    <a:p>
+                      <a:endParaRPr lang="de-DE" dirty="0"/>
+                    </a:p>
+                  </a:txBody>
+                  <a:tcPr/>
+                </a:tc>
+                <a:extLst>
+                  <a:ext uri="{0D108BD9-81ED-4DB2-BD59-A6C34878D82A}">
+                    <a16:rowId xmlns:a16="http://schemas.microsoft.com/office/drawing/2014/main" xmlns="" val="10003"/>
+                  </a:ext>
+                </a:extLst>
+              </a:tr>
+              <a:tr h="467612">
+                <a:tc>
+                  <a:txBody>
+                    <a:bodyPr/>
+                    <a:lstStyle/>
+                    <a:p>
+                      <a:endParaRPr lang="de-DE" dirty="0"/>
+                    </a:p>
+                  </a:txBody>
+                  <a:tcPr/>
+                </a:tc>
+                <a:tc>
+                  <a:txBody>
+                    <a:bodyPr/>
+                    <a:lstStyle/>
+                    <a:p>
+                      <a:endParaRPr lang="de-DE"/>
+                    </a:p>
+                  </a:txBody>
+                  <a:tcPr/>
+                </a:tc>
+                <a:tc>
+                  <a:txBody>
+                    <a:bodyPr/>
+                    <a:lstStyle/>
+                    <a:p>
+                      <a:endParaRPr lang="de-DE" dirty="0"/>
+                    </a:p>
+                  </a:txBody>
+                  <a:tcPr/>
+                </a:tc>
+                <a:extLst>
+                  <a:ext uri="{0D108BD9-81ED-4DB2-BD59-A6C34878D82A}">
+                    <a16:rowId xmlns:a16="http://schemas.microsoft.com/office/drawing/2014/main" xmlns="" val="10004"/>
+                  </a:ext>
+                </a:extLst>
+              </a:tr>
+              <a:tr h="495165">
+                <a:tc>
+                  <a:txBody>
+                    <a:bodyPr/>
+                    <a:lstStyle/>
+                    <a:p>
+                      <a:endParaRPr lang="de-DE" dirty="0"/>
+                    </a:p>
+                  </a:txBody>
+                  <a:tcPr/>
+                </a:tc>
+                <a:tc>
+                  <a:txBody>
+                    <a:bodyPr/>
+                    <a:lstStyle/>
+                    <a:p>
+                      <a:endParaRPr lang="de-DE"/>
+                    </a:p>
+                  </a:txBody>
+                  <a:tcPr/>
+                </a:tc>
+                <a:tc>
+                  <a:txBody>
+                    <a:bodyPr/>
+                    <a:lstStyle/>
+                    <a:p>
+                      <a:endParaRPr lang="de-DE" dirty="0"/>
+                    </a:p>
+                  </a:txBody>
+                  <a:tcPr/>
+                </a:tc>
+                <a:extLst>
+                  <a:ext uri="{0D108BD9-81ED-4DB2-BD59-A6C34878D82A}">
+                    <a16:rowId xmlns:a16="http://schemas.microsoft.com/office/drawing/2014/main" xmlns="" val="10005"/>
+                  </a:ext>
+                </a:extLst>
+              </a:tr>
+              <a:tr h="495165">
+                <a:tc>
+                  <a:txBody>
+                    <a:bodyPr/>
+                    <a:lstStyle/>
+                    <a:p>
+                      <a:endParaRPr lang="de-DE" dirty="0"/>
+                    </a:p>
+                  </a:txBody>
+                  <a:tcPr/>
+                </a:tc>
+                <a:tc>
+                  <a:txBody>
+                    <a:bodyPr/>
+                    <a:lstStyle/>
+                    <a:p>
+                      <a:endParaRPr lang="de-DE"/>
+                    </a:p>
+                  </a:txBody>
+                  <a:tcPr/>
+                </a:tc>
+                <a:tc>
+                  <a:txBody>
+                    <a:bodyPr/>
+                    <a:lstStyle/>
+                    <a:p>
+                      <a:endParaRPr lang="de-DE" dirty="0"/>
+                    </a:p>
+                  </a:txBody>
+                  <a:tcPr/>
+                </a:tc>
+                <a:extLst>
+                  <a:ext uri="{0D108BD9-81ED-4DB2-BD59-A6C34878D82A}">
+                    <a16:rowId xmlns:a16="http://schemas.microsoft.com/office/drawing/2014/main" xmlns="" val="10006"/>
+                  </a:ext>
+                </a:extLst>
+              </a:tr>
+              <a:tr h="495165">
+                <a:tc>
+                  <a:txBody>
+                    <a:bodyPr/>
+                    <a:lstStyle/>
+                    <a:p>
+                      <a:endParaRPr lang="de-DE" dirty="0"/>
+                    </a:p>
+                  </a:txBody>
+                  <a:tcPr/>
+                </a:tc>
+                <a:tc>
+                  <a:txBody>
+                    <a:bodyPr/>
+                    <a:lstStyle/>
+                    <a:p>
+                      <a:endParaRPr lang="de-DE" dirty="0"/>
+                    </a:p>
+                  </a:txBody>
+                  <a:tcPr/>
+                </a:tc>
+                <a:tc>
+                  <a:txBody>
+                    <a:bodyPr/>
+                    <a:lstStyle/>
+                    <a:p>
+                      <a:endParaRPr lang="de-DE" dirty="0"/>
+                    </a:p>
+                  </a:txBody>
+                  <a:tcPr/>
+                </a:tc>
+                <a:extLst>
+                  <a:ext uri="{0D108BD9-81ED-4DB2-BD59-A6C34878D82A}">
+                    <a16:rowId xmlns:a16="http://schemas.microsoft.com/office/drawing/2014/main" xmlns="" val="10007"/>
+                  </a:ext>
+                </a:extLst>
+              </a:tr>
+            </a:tbl>
+          </a:graphicData>
+        </a:graphic>
+      </p:graphicFrame>
+      <p:sp>
+        <p:nvSpPr>
+          <p:cNvPr id="3" name="Textfeld 2"/>
+          <p:cNvSpPr txBox="1"/>
+          <p:nvPr/>
+        </p:nvSpPr>
+        <p:spPr>
+          <a:xfrm>
+            <a:off x="7133018" y="2708920"/>
+            <a:ext cx="2880320" cy="369332"/>
+          </a:xfrm>
+          <a:prstGeom prst="rect">
+            <a:avLst/>
+          </a:prstGeom>
+          <a:noFill/>
+        </p:spPr>
+        <p:txBody>
+          <a:bodyPr wrap="square" rtlCol="0">
+            <a:spAutoFit/>
+          </a:bodyPr>
+          <a:lstStyle/>
+          <a:p>
+            <a:r>
+              <a:rPr lang="el-GR" sz="1799" dirty="0">
+                <a:solidFill>
+                  <a:schemeClr val="bg1"/>
+                </a:solidFill>
+              </a:rPr>
+              <a:t>Σ</a:t>
+            </a:r>
+            <a:r>
+              <a:rPr lang="de-DE" sz="1799" dirty="0">
+                <a:solidFill>
+                  <a:schemeClr val="bg1"/>
+                </a:solidFill>
+              </a:rPr>
+              <a:t> </a:t>
+            </a:r>
+            <a:r>
+              <a:rPr lang="de-DE" dirty="0">
+                <a:solidFill>
+                  <a:schemeClr val="bg1"/>
+                </a:solidFill>
+              </a:rPr>
+              <a:t>XXX,YY€</a:t>
+            </a:r>
+          </a:p>
+        </p:txBody>
+      </p:sp>
+      <p:sp>
+        <p:nvSpPr>
+          <p:cNvPr id="5" name="Textfeld 4"/>
+          <p:cNvSpPr txBox="1"/>
+          <p:nvPr/>
+        </p:nvSpPr>
+        <p:spPr>
+          <a:xfrm>
+            <a:off x="1197868" y="3203684"/>
+            <a:ext cx="2880320" cy="369332"/>
+          </a:xfrm>
+          <a:prstGeom prst="rect">
+            <a:avLst/>
+          </a:prstGeom>
+          <a:noFill/>
+        </p:spPr>
+        <p:txBody>
+          <a:bodyPr wrap="square" rtlCol="0">
+            <a:spAutoFit/>
+          </a:bodyPr>
+          <a:lstStyle/>
+          <a:p>
+            <a:r>
+              <a:rPr lang="de-DE" dirty="0">
+                <a:solidFill>
+                  <a:schemeClr val="bg1"/>
+                </a:solidFill>
+              </a:rPr>
+              <a:t>Programmierung</a:t>
+            </a:r>
+          </a:p>
+        </p:txBody>
+      </p:sp>
+    </p:spTree>
+    <p:extLst>
+      <p:ext uri="{BB962C8B-B14F-4D97-AF65-F5344CB8AC3E}">
+        <p14:creationId xmlns:p14="http://schemas.microsoft.com/office/powerpoint/2010/main" val="1070570958"/>
+      </p:ext>
+    </p:extLst>
+  </p:cSld>
+  <p:clrMapOvr>
+    <a:masterClrMapping/>
+  </p:clrMapOvr>
+  <mc:AlternateContent xmlns:mc="http://schemas.openxmlformats.org/markup-compatibility/2006" xmlns:p14="http://schemas.microsoft.com/office/powerpoint/2010/main">
+    <mc:Choice Requires="p14">
+      <p:transition spd="med" p14:dur="700">
+        <p:fade/>
+      </p:transition>
+    </mc:Choice>
+    <mc:Fallback xmlns="">
+      <p:transition spd="med">
+        <p:fade/>
+      </p:transition>
+    </mc:Fallback>
+  </mc:AlternateContent>
+  <p:timing>
+    <p:tnLst>
+      <p:par>
+        <p:cTn id="1" dur="indefinite" restart="never" nodeType="tmRoot">
+          <p:childTnLst>
+            <p:seq concurrent="1" nextAc="seek">
+              <p:cTn id="2" dur="indefinite" nodeType="mainSeq">
+                <p:childTnLst>
+                  <p:par>
+                    <p:cTn id="3" fill="hold">
+                      <p:stCondLst>
+                        <p:cond delay="indefinite"/>
+                      </p:stCondLst>
+                      <p:childTnLst>
+                        <p:par>
+                          <p:cTn id="4" fill="hold">
+                            <p:stCondLst>
+                              <p:cond delay="0"/>
+                            </p:stCondLst>
+                            <p:childTnLst>
+                              <p:par>
+                                <p:cTn id="5" presetID="2" presetClass="entr" presetSubtype="4" fill="hold" grpId="0" nodeType="clickEffect">
+                                  <p:stCondLst>
+                                    <p:cond delay="0"/>
+                                  </p:stCondLst>
+                                  <p:childTnLst>
+                                    <p:set>
+                                      <p:cBhvr>
+                                        <p:cTn id="6" dur="1" fill="hold">
+                                          <p:stCondLst>
+                                            <p:cond delay="0"/>
+                                          </p:stCondLst>
+                                        </p:cTn>
+                                        <p:tgtEl>
+                                          <p:spTgt spid="3"/>
+                                        </p:tgtEl>
+                                        <p:attrNameLst>
+                                          <p:attrName>style.visibility</p:attrName>
+                                        </p:attrNameLst>
+                                      </p:cBhvr>
+                                      <p:to>
+                                        <p:strVal val="visible"/>
+                                      </p:to>
+                                    </p:set>
+                                    <p:anim calcmode="lin" valueType="num">
+                                      <p:cBhvr additive="base">
+                                        <p:cTn id="7" dur="500" fill="hold"/>
+                                        <p:tgtEl>
+                                          <p:spTgt spid="3"/>
+                                        </p:tgtEl>
+                                        <p:attrNameLst>
+                                          <p:attrName>ppt_x</p:attrName>
+                                        </p:attrNameLst>
+                                      </p:cBhvr>
+                                      <p:tavLst>
+                                        <p:tav tm="0">
+                                          <p:val>
+                                            <p:strVal val="#ppt_x"/>
+                                          </p:val>
+                                        </p:tav>
+                                        <p:tav tm="100000">
+                                          <p:val>
+                                            <p:strVal val="#ppt_x"/>
+                                          </p:val>
+                                        </p:tav>
+                                      </p:tavLst>
+                                    </p:anim>
+                                    <p:anim calcmode="lin" valueType="num">
+                                      <p:cBhvr additive="base">
+                                        <p:cTn id="8" dur="500" fill="hold"/>
+                                        <p:tgtEl>
+                                          <p:spTgt spid="3"/>
+                                        </p:tgtEl>
+                                        <p:attrNameLst>
+                                          <p:attrName>ppt_y</p:attrName>
+                                        </p:attrNameLst>
+                                      </p:cBhvr>
+                                      <p:tavLst>
+                                        <p:tav tm="0">
+                                          <p:val>
+                                            <p:strVal val="1+#ppt_h/2"/>
+                                          </p:val>
+                                        </p:tav>
+                                        <p:tav tm="100000">
+                                          <p:val>
+                                            <p:strVal val="#ppt_y"/>
+                                          </p:val>
+                                        </p:tav>
+                                      </p:tavLst>
+                                    </p:anim>
+                                  </p:childTnLst>
+                                </p:cTn>
+                              </p:par>
+                            </p:childTnLst>
+                          </p:cTn>
+                        </p:par>
+                      </p:childTnLst>
+                    </p:cTn>
+                  </p:par>
+                  <p:par>
+                    <p:cTn id="9" fill="hold">
+                      <p:stCondLst>
+                        <p:cond delay="indefinite"/>
+                      </p:stCondLst>
+                      <p:childTnLst>
+                        <p:par>
+                          <p:cTn id="10" fill="hold">
+                            <p:stCondLst>
+                              <p:cond delay="0"/>
+                            </p:stCondLst>
+                            <p:childTnLst>
+                              <p:par>
+                                <p:cTn id="11" presetID="2" presetClass="entr" presetSubtype="4" fill="hold" grpId="0" nodeType="clickEffect">
+                                  <p:stCondLst>
+                                    <p:cond delay="0"/>
+                                  </p:stCondLst>
+                                  <p:childTnLst>
+                                    <p:set>
+                                      <p:cBhvr>
+                                        <p:cTn id="12" dur="1" fill="hold">
+                                          <p:stCondLst>
+                                            <p:cond delay="0"/>
+                                          </p:stCondLst>
+                                        </p:cTn>
+                                        <p:tgtEl>
+                                          <p:spTgt spid="5"/>
+                                        </p:tgtEl>
+                                        <p:attrNameLst>
+                                          <p:attrName>style.visibility</p:attrName>
+                                        </p:attrNameLst>
+                                      </p:cBhvr>
+                                      <p:to>
+                                        <p:strVal val="visible"/>
+                                      </p:to>
+                                    </p:set>
+                                    <p:anim calcmode="lin" valueType="num">
+                                      <p:cBhvr additive="base">
+                                        <p:cTn id="13" dur="500" fill="hold"/>
+                                        <p:tgtEl>
+                                          <p:spTgt spid="5"/>
+                                        </p:tgtEl>
+                                        <p:attrNameLst>
+                                          <p:attrName>ppt_x</p:attrName>
+                                        </p:attrNameLst>
+                                      </p:cBhvr>
+                                      <p:tavLst>
+                                        <p:tav tm="0">
+                                          <p:val>
+                                            <p:strVal val="#ppt_x"/>
+                                          </p:val>
+                                        </p:tav>
+                                        <p:tav tm="100000">
+                                          <p:val>
+                                            <p:strVal val="#ppt_x"/>
+                                          </p:val>
+                                        </p:tav>
+                                      </p:tavLst>
+                                    </p:anim>
+                                    <p:anim calcmode="lin" valueType="num">
+                                      <p:cBhvr additive="base">
+                                        <p:cTn id="14" dur="500" fill="hold"/>
+                                        <p:tgtEl>
+                                          <p:spTgt spid="5"/>
+                                        </p:tgtEl>
+                                        <p:attrNameLst>
+                                          <p:attrName>ppt_y</p:attrName>
+                                        </p:attrNameLst>
+                                      </p:cBhvr>
+                                      <p:tavLst>
+                                        <p:tav tm="0">
+                                          <p:val>
+                                            <p:strVal val="1+#ppt_h/2"/>
+                                          </p:val>
+                                        </p:tav>
+                                        <p:tav tm="100000">
+                                          <p:val>
+                                            <p:strVal val="#ppt_y"/>
+                                          </p:val>
+                                        </p:tav>
+                                      </p:tavLst>
+                                    </p:anim>
+                                  </p:childTnLst>
+                                </p:cTn>
+                              </p:par>
+                            </p:childTnLst>
+                          </p:cTn>
+                        </p:par>
+                      </p:childTnLst>
+                    </p:cTn>
+                  </p:par>
+                </p:childTnLst>
+              </p:cTn>
+              <p:prevCondLst>
+                <p:cond evt="onPrev" delay="0">
+                  <p:tgtEl>
+                    <p:sldTgt/>
+                  </p:tgtEl>
+                </p:cond>
+              </p:prevCondLst>
+              <p:nextCondLst>
+                <p:cond evt="onNext" delay="0">
+                  <p:tgtEl>
+                    <p:sldTgt/>
+                  </p:tgtEl>
+                </p:cond>
+              </p:nextCondLst>
+            </p:seq>
+          </p:childTnLst>
+        </p:cTn>
+      </p:par>
+    </p:tnLst>
+    <p:bldLst>
+      <p:bldP spid="3" grpId="0"/>
+      <p:bldP spid="5" grpId="0"/>
+    </p:bldLst>
+  </p:timing>
+</p:sld>
+</file>
+
+<file path=ppt/slides/slide13.xml><?xml version="1.0" encoding="utf-8"?>
+<p:sld xmlns:a="http://schemas.openxmlformats.org/drawingml/2006/main" xmlns:r="http://schemas.openxmlformats.org/officeDocument/2006/relationships" xmlns:p="http://schemas.openxmlformats.org/presentationml/2006/main">
+  <p:cSld>
+    <p:spTree>
+      <p:nvGrpSpPr>
+        <p:cNvPr id="1" name=""/>
+        <p:cNvGrpSpPr/>
+        <p:nvPr/>
+      </p:nvGrpSpPr>
+      <p:grpSpPr>
+        <a:xfrm>
+          <a:off x="0" y="0"/>
+          <a:ext cx="0" cy="0"/>
+          <a:chOff x="0" y="0"/>
+          <a:chExt cx="0" cy="0"/>
+        </a:xfrm>
+      </p:grpSpPr>
+      <p:sp>
+        <p:nvSpPr>
+          <p:cNvPr id="2" name="Titel 1"/>
+          <p:cNvSpPr>
+            <a:spLocks noGrp="1"/>
+          </p:cNvSpPr>
+          <p:nvPr>
+            <p:ph type="title"/>
+          </p:nvPr>
+        </p:nvSpPr>
+        <p:spPr/>
+        <p:txBody>
+          <a:bodyPr/>
+          <a:lstStyle/>
+          <a:p>
+            <a:r>
+              <a:rPr lang="de-DE" dirty="0" smtClean="0"/>
+              <a:t>Netzwerk</a:t>
+            </a:r>
+            <a:endParaRPr lang="de-DE" dirty="0"/>
+          </a:p>
+        </p:txBody>
+      </p:sp>
+      <p:graphicFrame>
+        <p:nvGraphicFramePr>
+          <p:cNvPr id="5" name="Tabelle 4"/>
+          <p:cNvGraphicFramePr>
+            <a:graphicFrameLocks noGrp="1"/>
+          </p:cNvGraphicFramePr>
+          <p:nvPr>
+            <p:extLst>
+              <p:ext uri="{D42A27DB-BD31-4B8C-83A1-F6EECF244321}">
+                <p14:modId xmlns:p14="http://schemas.microsoft.com/office/powerpoint/2010/main" val="708671771"/>
+              </p:ext>
+            </p:extLst>
+          </p:nvPr>
+        </p:nvGraphicFramePr>
+        <p:xfrm>
+          <a:off x="1197868" y="2132856"/>
+          <a:ext cx="8815470" cy="4077783"/>
+        </p:xfrm>
+        <a:graphic>
+          <a:graphicData uri="http://schemas.openxmlformats.org/drawingml/2006/table">
+            <a:tbl>
+              <a:tblPr firstRow="1" bandRow="1">
+                <a:tableStyleId>{5C22544A-7EE6-4342-B048-85BDC9FD1C3A}</a:tableStyleId>
+              </a:tblPr>
+              <a:tblGrid>
+                <a:gridCol w="2938490">
+                  <a:extLst>
+                    <a:ext uri="{9D8B030D-6E8A-4147-A177-3AD203B41FA5}">
+                      <a16:colId xmlns:a16="http://schemas.microsoft.com/office/drawing/2014/main" xmlns="" val="20000"/>
+                    </a:ext>
+                  </a:extLst>
+                </a:gridCol>
+                <a:gridCol w="2938490">
+                  <a:extLst>
+                    <a:ext uri="{9D8B030D-6E8A-4147-A177-3AD203B41FA5}">
+                      <a16:colId xmlns:a16="http://schemas.microsoft.com/office/drawing/2014/main" xmlns="" val="20001"/>
+                    </a:ext>
+                  </a:extLst>
+                </a:gridCol>
+                <a:gridCol w="2938490">
+                  <a:extLst>
+                    <a:ext uri="{9D8B030D-6E8A-4147-A177-3AD203B41FA5}">
+                      <a16:colId xmlns:a16="http://schemas.microsoft.com/office/drawing/2014/main" xmlns="" val="20002"/>
+                    </a:ext>
+                  </a:extLst>
+                </a:gridCol>
+              </a:tblGrid>
+              <a:tr h="495165">
+                <a:tc>
+                  <a:txBody>
+                    <a:bodyPr/>
+                    <a:lstStyle/>
+                    <a:p>
+                      <a:r>
+                        <a:rPr lang="de-DE" dirty="0" smtClean="0"/>
+                        <a:t>Typ</a:t>
+                      </a:r>
+                      <a:endParaRPr lang="de-DE" dirty="0"/>
+                    </a:p>
+                  </a:txBody>
+                  <a:tcPr/>
+                </a:tc>
+                <a:tc>
+                  <a:txBody>
+                    <a:bodyPr/>
+                    <a:lstStyle/>
+                    <a:p>
+                      <a:r>
+                        <a:rPr lang="de-DE" dirty="0"/>
+                        <a:t>Model</a:t>
+                      </a:r>
+                    </a:p>
+                  </a:txBody>
+                  <a:tcPr>
+                    <a:lnB w="12700" cap="flat" cmpd="sng" algn="ctr">
+                      <a:solidFill>
+                        <a:schemeClr val="tx1"/>
+                      </a:solidFill>
+                      <a:prstDash val="solid"/>
+                      <a:round/>
+                      <a:headEnd type="none" w="med" len="med"/>
+                      <a:tailEnd type="none" w="med" len="med"/>
+                    </a:lnB>
+                  </a:tcPr>
+                </a:tc>
+                <a:tc>
+                  <a:txBody>
+                    <a:bodyPr/>
+                    <a:lstStyle/>
+                    <a:p>
+                      <a:r>
+                        <a:rPr lang="de-DE" dirty="0"/>
+                        <a:t>Preis</a:t>
+                      </a:r>
+                    </a:p>
+                  </a:txBody>
+                  <a:tcPr>
+                    <a:lnB w="12700" cap="flat" cmpd="sng" algn="ctr">
+                      <a:solidFill>
+                        <a:schemeClr val="tx1"/>
+                      </a:solidFill>
+                      <a:prstDash val="solid"/>
+                      <a:round/>
+                      <a:headEnd type="none" w="med" len="med"/>
+                      <a:tailEnd type="none" w="med" len="med"/>
+                    </a:lnB>
+                  </a:tcPr>
+                </a:tc>
+                <a:extLst>
+                  <a:ext uri="{0D108BD9-81ED-4DB2-BD59-A6C34878D82A}">
+                    <a16:rowId xmlns:a16="http://schemas.microsoft.com/office/drawing/2014/main" xmlns="" val="10000"/>
+                  </a:ext>
+                </a:extLst>
+              </a:tr>
+              <a:tr h="495165">
+                <a:tc>
+                  <a:txBody>
+                    <a:bodyPr/>
+                    <a:lstStyle/>
+                    <a:p>
+                      <a:pPr marL="0" marR="0" indent="0" algn="l" defTabSz="914126" rtl="0" eaLnBrk="1" fontAlgn="auto" latinLnBrk="0" hangingPunct="1">
+                        <a:lnSpc>
+                          <a:spcPct val="100000"/>
+                        </a:lnSpc>
+                        <a:spcBef>
+                          <a:spcPts val="0"/>
+                        </a:spcBef>
+                        <a:spcAft>
+                          <a:spcPts val="0"/>
+                        </a:spcAft>
+                        <a:buClrTx/>
+                        <a:buSzTx/>
+                        <a:buFontTx/>
+                        <a:buNone/>
+                        <a:tabLst/>
+                        <a:defRPr/>
+                      </a:pPr>
+                      <a:r>
+                        <a:rPr lang="de-DE" sz="1799" b="0" i="0" u="none" strike="noStrike" kern="1200" dirty="0" smtClean="0">
+                          <a:solidFill>
+                            <a:schemeClr val="dk1"/>
+                          </a:solidFill>
+                          <a:effectLst/>
+                          <a:latin typeface="+mn-lt"/>
+                          <a:ea typeface="+mn-ea"/>
+                          <a:cs typeface="+mn-cs"/>
+                        </a:rPr>
+                        <a:t>Switch</a:t>
+                      </a:r>
+                      <a:endParaRPr lang="de-DE" b="1" dirty="0" smtClean="0">
+                        <a:effectLst/>
+                      </a:endParaRPr>
+                    </a:p>
+                  </a:txBody>
+                  <a:tcPr>
+                    <a:lnR w="12700" cap="flat" cmpd="sng" algn="ctr">
+                      <a:solidFill>
+                        <a:schemeClr val="tx1"/>
+                      </a:solidFill>
+                      <a:prstDash val="solid"/>
+                      <a:round/>
+                      <a:headEnd type="none" w="med" len="med"/>
+                      <a:tailEnd type="none" w="med" len="med"/>
+                    </a:lnR>
+                  </a:tcPr>
+                </a:tc>
+                <a:tc>
+                  <a:txBody>
+                    <a:bodyPr/>
+                    <a:lstStyle/>
+                    <a:p>
+                      <a:pPr marL="0" marR="0" indent="0" algn="l" defTabSz="914126" rtl="0" eaLnBrk="1" fontAlgn="auto" latinLnBrk="0" hangingPunct="1">
+                        <a:lnSpc>
+                          <a:spcPct val="100000"/>
+                        </a:lnSpc>
+                        <a:spcBef>
+                          <a:spcPts val="0"/>
+                        </a:spcBef>
+                        <a:spcAft>
+                          <a:spcPts val="0"/>
+                        </a:spcAft>
+                        <a:buClrTx/>
+                        <a:buSzTx/>
+                        <a:buFontTx/>
+                        <a:buNone/>
+                        <a:tabLst/>
+                        <a:defRPr/>
+                      </a:pPr>
+                      <a:r>
+                        <a:rPr lang="en-US" dirty="0" smtClean="0"/>
+                        <a:t>HP Gigabit Switch 1820-24G (J9980A)</a:t>
+                      </a:r>
+                    </a:p>
+                  </a:txBody>
+                  <a:tcPr>
+                    <a:lnL w="12700" cap="flat" cmpd="sng" algn="ctr">
+                      <a:solidFill>
+                        <a:schemeClr val="tx1"/>
+                      </a:solidFill>
+                      <a:prstDash val="solid"/>
+                      <a:round/>
+                      <a:headEnd type="none" w="med" len="med"/>
+                      <a:tailEnd type="none" w="med" len="med"/>
+                    </a:lnL>
+                    <a:lnR w="12700" cap="flat" cmpd="sng" algn="ctr">
+                      <a:solidFill>
+                        <a:schemeClr val="tx1"/>
+                      </a:solidFill>
+                      <a:prstDash val="solid"/>
+                      <a:round/>
+                      <a:headEnd type="none" w="med" len="med"/>
+                      <a:tailEnd type="none" w="med" len="med"/>
+                    </a:lnR>
+                    <a:lnT w="12700" cap="flat" cmpd="sng" algn="ctr">
+                      <a:solidFill>
+                        <a:schemeClr val="tx1"/>
+                      </a:solidFill>
+                      <a:prstDash val="solid"/>
+                      <a:round/>
+                      <a:headEnd type="none" w="med" len="med"/>
+                      <a:tailEnd type="none" w="med" len="med"/>
+                    </a:lnT>
+                    <a:lnB w="12700" cap="flat" cmpd="sng" algn="ctr">
+                      <a:solidFill>
+                        <a:schemeClr val="tx1"/>
+                      </a:solidFill>
+                      <a:prstDash val="solid"/>
+                      <a:round/>
+                      <a:headEnd type="none" w="med" len="med"/>
+                      <a:tailEnd type="none" w="med" len="med"/>
+                    </a:lnB>
+                  </a:tcPr>
+                </a:tc>
+                <a:tc>
+                  <a:txBody>
+                    <a:bodyPr/>
+                    <a:lstStyle/>
+                    <a:p>
+                      <a:endParaRPr lang="de-DE" dirty="0"/>
+                    </a:p>
+                  </a:txBody>
+                  <a:tcPr>
+                    <a:lnL w="12700" cap="flat" cmpd="sng" algn="ctr">
+                      <a:solidFill>
+                        <a:schemeClr val="tx1"/>
+                      </a:solidFill>
+                      <a:prstDash val="solid"/>
+                      <a:round/>
+                      <a:headEnd type="none" w="med" len="med"/>
+                      <a:tailEnd type="none" w="med" len="med"/>
+                    </a:lnL>
+                    <a:lnT w="12700" cap="flat" cmpd="sng" algn="ctr">
+                      <a:solidFill>
+                        <a:schemeClr val="tx1"/>
+                      </a:solidFill>
+                      <a:prstDash val="solid"/>
+                      <a:round/>
+                      <a:headEnd type="none" w="med" len="med"/>
+                      <a:tailEnd type="none" w="med" len="med"/>
+                    </a:lnT>
+                  </a:tcPr>
+                </a:tc>
+                <a:extLst>
+                  <a:ext uri="{0D108BD9-81ED-4DB2-BD59-A6C34878D82A}">
+                    <a16:rowId xmlns:a16="http://schemas.microsoft.com/office/drawing/2014/main" xmlns="" val="10001"/>
+                  </a:ext>
+                </a:extLst>
+              </a:tr>
+              <a:tr h="495165">
+                <a:tc>
+                  <a:txBody>
+                    <a:bodyPr/>
+                    <a:lstStyle/>
+                    <a:p>
+                      <a:r>
+                        <a:rPr lang="de-DE" dirty="0" smtClean="0"/>
+                        <a:t>NAS</a:t>
+                      </a:r>
+                      <a:endParaRPr lang="de-DE" dirty="0"/>
+                    </a:p>
+                  </a:txBody>
+                  <a:tcPr/>
+                </a:tc>
+                <a:tc>
+                  <a:txBody>
+                    <a:bodyPr/>
+                    <a:lstStyle/>
+                    <a:p>
+                      <a:pPr marL="0" marR="0" indent="0" algn="l" defTabSz="914126" rtl="0" eaLnBrk="1" fontAlgn="auto" latinLnBrk="0" hangingPunct="1">
+                        <a:lnSpc>
+                          <a:spcPct val="100000"/>
+                        </a:lnSpc>
+                        <a:spcBef>
+                          <a:spcPts val="0"/>
+                        </a:spcBef>
+                        <a:spcAft>
+                          <a:spcPts val="0"/>
+                        </a:spcAft>
+                        <a:buClrTx/>
+                        <a:buSzTx/>
+                        <a:buFontTx/>
+                        <a:buNone/>
+                        <a:tabLst/>
+                        <a:defRPr/>
+                      </a:pPr>
+                      <a:r>
+                        <a:rPr lang="de-DE" dirty="0" smtClean="0"/>
+                        <a:t>QNAP TS-431P</a:t>
+                      </a:r>
+                    </a:p>
+                  </a:txBody>
+                  <a:tcPr>
+                    <a:lnT w="12700" cap="flat" cmpd="sng" algn="ctr">
+                      <a:solidFill>
+                        <a:schemeClr val="tx1"/>
+                      </a:solidFill>
+                      <a:prstDash val="solid"/>
+                      <a:round/>
+                      <a:headEnd type="none" w="med" len="med"/>
+                      <a:tailEnd type="none" w="med" len="med"/>
+                    </a:lnT>
+                  </a:tcPr>
+                </a:tc>
+                <a:tc>
+                  <a:txBody>
+                    <a:bodyPr/>
+                    <a:lstStyle/>
+                    <a:p>
+                      <a:endParaRPr lang="de-DE" dirty="0"/>
+                    </a:p>
+                  </a:txBody>
+                  <a:tcPr/>
+                </a:tc>
+                <a:extLst>
+                  <a:ext uri="{0D108BD9-81ED-4DB2-BD59-A6C34878D82A}">
+                    <a16:rowId xmlns:a16="http://schemas.microsoft.com/office/drawing/2014/main" xmlns="" val="10002"/>
+                  </a:ext>
+                </a:extLst>
+              </a:tr>
+              <a:tr h="495165">
+                <a:tc>
+                  <a:txBody>
+                    <a:bodyPr/>
+                    <a:lstStyle/>
+                    <a:p>
+                      <a:endParaRPr lang="de-DE" dirty="0"/>
+                    </a:p>
+                  </a:txBody>
+                  <a:tcPr/>
+                </a:tc>
+                <a:tc>
+                  <a:txBody>
+                    <a:bodyPr/>
+                    <a:lstStyle/>
+                    <a:p>
+                      <a:pPr marL="0" marR="0" indent="0" algn="l" defTabSz="914126" rtl="0" eaLnBrk="1" fontAlgn="auto" latinLnBrk="0" hangingPunct="1">
+                        <a:lnSpc>
+                          <a:spcPct val="100000"/>
+                        </a:lnSpc>
+                        <a:spcBef>
+                          <a:spcPts val="0"/>
+                        </a:spcBef>
+                        <a:spcAft>
+                          <a:spcPts val="0"/>
+                        </a:spcAft>
+                        <a:buClrTx/>
+                        <a:buSzTx/>
+                        <a:buFontTx/>
+                        <a:buNone/>
+                        <a:tabLst/>
+                        <a:defRPr/>
+                      </a:pPr>
+                      <a:r>
+                        <a:rPr lang="de-DE" dirty="0" smtClean="0"/>
+                        <a:t>42 HE von ZPAS</a:t>
+                      </a:r>
+                    </a:p>
+                  </a:txBody>
+                  <a:tcPr/>
+                </a:tc>
+                <a:tc>
+                  <a:txBody>
+                    <a:bodyPr/>
+                    <a:lstStyle/>
+                    <a:p>
+                      <a:endParaRPr lang="de-DE" dirty="0"/>
+                    </a:p>
+                  </a:txBody>
+                  <a:tcPr/>
+                </a:tc>
+                <a:extLst>
+                  <a:ext uri="{0D108BD9-81ED-4DB2-BD59-A6C34878D82A}">
+                    <a16:rowId xmlns:a16="http://schemas.microsoft.com/office/drawing/2014/main" xmlns="" val="10003"/>
+                  </a:ext>
+                </a:extLst>
+              </a:tr>
+              <a:tr h="466967">
+                <a:tc>
+                  <a:txBody>
+                    <a:bodyPr/>
+                    <a:lstStyle/>
+                    <a:p>
+                      <a:endParaRPr lang="de-DE" dirty="0"/>
+                    </a:p>
+                  </a:txBody>
+                  <a:tcPr/>
+                </a:tc>
+                <a:tc>
+                  <a:txBody>
+                    <a:bodyPr/>
+                    <a:lstStyle/>
+                    <a:p>
+                      <a:pPr marL="0" marR="0" indent="0" algn="l" defTabSz="914126" rtl="0" eaLnBrk="1" fontAlgn="auto" latinLnBrk="0" hangingPunct="1">
+                        <a:lnSpc>
+                          <a:spcPct val="100000"/>
+                        </a:lnSpc>
+                        <a:spcBef>
+                          <a:spcPts val="0"/>
+                        </a:spcBef>
+                        <a:spcAft>
+                          <a:spcPts val="0"/>
+                        </a:spcAft>
+                        <a:buClrTx/>
+                        <a:buSzTx/>
+                        <a:buFontTx/>
+                        <a:buNone/>
+                        <a:tabLst/>
+                        <a:defRPr/>
+                      </a:pPr>
+                      <a:r>
+                        <a:rPr lang="de-DE" dirty="0" smtClean="0"/>
+                        <a:t>HP </a:t>
+                      </a:r>
+                      <a:r>
+                        <a:rPr lang="de-DE" dirty="0" err="1" smtClean="0"/>
+                        <a:t>ProLiant</a:t>
+                      </a:r>
+                      <a:r>
+                        <a:rPr lang="de-DE" dirty="0" smtClean="0"/>
+                        <a:t> DL80 G9 2U…</a:t>
+                      </a:r>
+                    </a:p>
+                  </a:txBody>
+                  <a:tcPr/>
+                </a:tc>
+                <a:tc>
+                  <a:txBody>
+                    <a:bodyPr/>
+                    <a:lstStyle/>
+                    <a:p>
+                      <a:endParaRPr lang="de-DE" dirty="0"/>
+                    </a:p>
+                  </a:txBody>
+                  <a:tcPr/>
+                </a:tc>
+                <a:extLst>
+                  <a:ext uri="{0D108BD9-81ED-4DB2-BD59-A6C34878D82A}">
+                    <a16:rowId xmlns:a16="http://schemas.microsoft.com/office/drawing/2014/main" xmlns="" val="10004"/>
+                  </a:ext>
+                </a:extLst>
+              </a:tr>
+              <a:tr h="495165">
+                <a:tc>
+                  <a:txBody>
+                    <a:bodyPr/>
+                    <a:lstStyle/>
+                    <a:p>
+                      <a:endParaRPr lang="de-DE" dirty="0"/>
+                    </a:p>
+                  </a:txBody>
+                  <a:tcPr/>
+                </a:tc>
+                <a:tc>
+                  <a:txBody>
+                    <a:bodyPr/>
+                    <a:lstStyle/>
+                    <a:p>
+                      <a:endParaRPr lang="de-DE" dirty="0"/>
+                    </a:p>
+                  </a:txBody>
+                  <a:tcPr/>
+                </a:tc>
+                <a:tc>
+                  <a:txBody>
+                    <a:bodyPr/>
+                    <a:lstStyle/>
+                    <a:p>
+                      <a:endParaRPr lang="de-DE" dirty="0"/>
+                    </a:p>
+                  </a:txBody>
+                  <a:tcPr/>
+                </a:tc>
+                <a:extLst>
+                  <a:ext uri="{0D108BD9-81ED-4DB2-BD59-A6C34878D82A}">
+                    <a16:rowId xmlns:a16="http://schemas.microsoft.com/office/drawing/2014/main" xmlns="" val="10005"/>
+                  </a:ext>
+                </a:extLst>
+              </a:tr>
+              <a:tr h="495165">
+                <a:tc>
+                  <a:txBody>
+                    <a:bodyPr/>
+                    <a:lstStyle/>
+                    <a:p>
+                      <a:endParaRPr lang="de-DE" dirty="0"/>
+                    </a:p>
+                  </a:txBody>
+                  <a:tcPr/>
+                </a:tc>
+                <a:tc>
+                  <a:txBody>
+                    <a:bodyPr/>
+                    <a:lstStyle/>
+                    <a:p>
+                      <a:endParaRPr lang="de-DE"/>
+                    </a:p>
+                  </a:txBody>
+                  <a:tcPr/>
+                </a:tc>
+                <a:tc>
+                  <a:txBody>
+                    <a:bodyPr/>
+                    <a:lstStyle/>
+                    <a:p>
+                      <a:endParaRPr lang="de-DE" dirty="0"/>
+                    </a:p>
+                  </a:txBody>
+                  <a:tcPr/>
+                </a:tc>
+                <a:extLst>
+                  <a:ext uri="{0D108BD9-81ED-4DB2-BD59-A6C34878D82A}">
+                    <a16:rowId xmlns:a16="http://schemas.microsoft.com/office/drawing/2014/main" xmlns="" val="10006"/>
+                  </a:ext>
+                </a:extLst>
+              </a:tr>
+              <a:tr h="495165">
+                <a:tc>
+                  <a:txBody>
+                    <a:bodyPr/>
+                    <a:lstStyle/>
+                    <a:p>
+                      <a:endParaRPr lang="de-DE" dirty="0"/>
+                    </a:p>
+                  </a:txBody>
+                  <a:tcPr/>
+                </a:tc>
+                <a:tc>
+                  <a:txBody>
+                    <a:bodyPr/>
+                    <a:lstStyle/>
+                    <a:p>
+                      <a:endParaRPr lang="de-DE" dirty="0"/>
+                    </a:p>
+                  </a:txBody>
+                  <a:tcPr/>
+                </a:tc>
+                <a:tc>
+                  <a:txBody>
+                    <a:bodyPr/>
+                    <a:lstStyle/>
+                    <a:p>
+                      <a:endParaRPr lang="de-DE" dirty="0"/>
+                    </a:p>
+                  </a:txBody>
+                  <a:tcPr/>
+                </a:tc>
+                <a:extLst>
+                  <a:ext uri="{0D108BD9-81ED-4DB2-BD59-A6C34878D82A}">
+                    <a16:rowId xmlns:a16="http://schemas.microsoft.com/office/drawing/2014/main" xmlns="" val="10007"/>
+                  </a:ext>
+                </a:extLst>
+              </a:tr>
+            </a:tbl>
+          </a:graphicData>
+        </a:graphic>
+      </p:graphicFrame>
+      <p:sp>
+        <p:nvSpPr>
+          <p:cNvPr id="4" name="Textfeld 3"/>
+          <p:cNvSpPr txBox="1"/>
+          <p:nvPr/>
+        </p:nvSpPr>
+        <p:spPr>
+          <a:xfrm>
+            <a:off x="7102524" y="2780928"/>
+            <a:ext cx="2736304" cy="369332"/>
+          </a:xfrm>
+          <a:prstGeom prst="rect">
+            <a:avLst/>
+          </a:prstGeom>
+          <a:noFill/>
+        </p:spPr>
+        <p:txBody>
+          <a:bodyPr wrap="square" rtlCol="0">
+            <a:spAutoFit/>
+          </a:bodyPr>
+          <a:lstStyle/>
+          <a:p>
+            <a:r>
+              <a:rPr lang="el-GR" sz="1799" dirty="0" smtClean="0">
+                <a:solidFill>
+                  <a:schemeClr val="bg1"/>
+                </a:solidFill>
+              </a:rPr>
+              <a:t>Σ</a:t>
+            </a:r>
+            <a:r>
+              <a:rPr lang="de-DE" sz="1799" dirty="0" smtClean="0">
+                <a:solidFill>
+                  <a:schemeClr val="bg1"/>
+                </a:solidFill>
+              </a:rPr>
+              <a:t> 145,31€</a:t>
+            </a:r>
+            <a:endParaRPr lang="de-DE" dirty="0"/>
+          </a:p>
+        </p:txBody>
+      </p:sp>
+      <p:sp>
+        <p:nvSpPr>
+          <p:cNvPr id="6" name="Textfeld 5"/>
+          <p:cNvSpPr txBox="1"/>
+          <p:nvPr/>
+        </p:nvSpPr>
+        <p:spPr>
+          <a:xfrm>
+            <a:off x="7102524" y="3316434"/>
+            <a:ext cx="2664296" cy="369332"/>
+          </a:xfrm>
+          <a:prstGeom prst="rect">
+            <a:avLst/>
+          </a:prstGeom>
+          <a:noFill/>
+        </p:spPr>
+        <p:txBody>
+          <a:bodyPr wrap="square" rtlCol="0">
+            <a:spAutoFit/>
+          </a:bodyPr>
+          <a:lstStyle/>
+          <a:p>
+            <a:r>
+              <a:rPr lang="el-GR" sz="1799" dirty="0" smtClean="0">
+                <a:solidFill>
+                  <a:schemeClr val="bg1"/>
+                </a:solidFill>
+              </a:rPr>
+              <a:t>Σ</a:t>
+            </a:r>
+            <a:r>
+              <a:rPr lang="de-DE" sz="1799" dirty="0" smtClean="0">
+                <a:solidFill>
+                  <a:schemeClr val="bg1"/>
+                </a:solidFill>
+              </a:rPr>
+              <a:t> 854,79€</a:t>
+            </a:r>
+            <a:endParaRPr lang="de-DE" dirty="0"/>
+          </a:p>
+        </p:txBody>
+      </p:sp>
+      <p:sp>
+        <p:nvSpPr>
+          <p:cNvPr id="7" name="Textfeld 6"/>
+          <p:cNvSpPr txBox="1"/>
+          <p:nvPr/>
+        </p:nvSpPr>
+        <p:spPr>
+          <a:xfrm>
+            <a:off x="1197868" y="3789040"/>
+            <a:ext cx="2808312" cy="369332"/>
+          </a:xfrm>
+          <a:prstGeom prst="rect">
+            <a:avLst/>
+          </a:prstGeom>
+          <a:noFill/>
+        </p:spPr>
+        <p:txBody>
+          <a:bodyPr wrap="square" rtlCol="0">
+            <a:spAutoFit/>
+          </a:bodyPr>
+          <a:lstStyle/>
+          <a:p>
+            <a:r>
+              <a:rPr lang="de-DE" dirty="0" smtClean="0">
+                <a:solidFill>
+                  <a:schemeClr val="bg1"/>
+                </a:solidFill>
+              </a:rPr>
+              <a:t>Serverschrank</a:t>
+            </a:r>
+            <a:endParaRPr lang="de-DE" dirty="0">
+              <a:solidFill>
+                <a:schemeClr val="bg1"/>
+              </a:solidFill>
+            </a:endParaRPr>
+          </a:p>
+        </p:txBody>
+      </p:sp>
+      <p:sp>
+        <p:nvSpPr>
+          <p:cNvPr id="3" name="Textfeld 2"/>
+          <p:cNvSpPr txBox="1"/>
+          <p:nvPr/>
+        </p:nvSpPr>
+        <p:spPr>
+          <a:xfrm>
+            <a:off x="7102524" y="3789040"/>
+            <a:ext cx="2808312" cy="369332"/>
+          </a:xfrm>
+          <a:prstGeom prst="rect">
+            <a:avLst/>
+          </a:prstGeom>
+          <a:noFill/>
+        </p:spPr>
+        <p:txBody>
+          <a:bodyPr wrap="square" rtlCol="0">
+            <a:spAutoFit/>
+          </a:bodyPr>
+          <a:lstStyle/>
+          <a:p>
+            <a:r>
+              <a:rPr lang="el-GR" sz="1799" dirty="0" smtClean="0">
+                <a:solidFill>
+                  <a:schemeClr val="bg1"/>
+                </a:solidFill>
+              </a:rPr>
+              <a:t>Σ</a:t>
+            </a:r>
+            <a:r>
+              <a:rPr lang="de-DE" sz="1799" dirty="0" smtClean="0">
+                <a:solidFill>
+                  <a:schemeClr val="bg1"/>
+                </a:solidFill>
+              </a:rPr>
+              <a:t> 591,26€</a:t>
+            </a:r>
+            <a:endParaRPr lang="de-DE" dirty="0"/>
+          </a:p>
+        </p:txBody>
+      </p:sp>
+      <p:sp>
+        <p:nvSpPr>
+          <p:cNvPr id="8" name="Textfeld 7"/>
+          <p:cNvSpPr txBox="1"/>
+          <p:nvPr/>
+        </p:nvSpPr>
+        <p:spPr>
+          <a:xfrm>
+            <a:off x="1234680" y="4293096"/>
+            <a:ext cx="2736304" cy="369332"/>
+          </a:xfrm>
+          <a:prstGeom prst="rect">
+            <a:avLst/>
+          </a:prstGeom>
+          <a:noFill/>
+        </p:spPr>
+        <p:txBody>
+          <a:bodyPr wrap="square" rtlCol="0">
+            <a:spAutoFit/>
+          </a:bodyPr>
+          <a:lstStyle/>
+          <a:p>
+            <a:r>
+              <a:rPr lang="de-DE" dirty="0" smtClean="0">
+                <a:solidFill>
+                  <a:schemeClr val="bg1"/>
+                </a:solidFill>
+              </a:rPr>
+              <a:t>Rack Server</a:t>
+            </a:r>
+            <a:endParaRPr lang="de-DE" dirty="0">
+              <a:solidFill>
+                <a:schemeClr val="bg1"/>
+              </a:solidFill>
+            </a:endParaRPr>
+          </a:p>
+        </p:txBody>
+      </p:sp>
+      <p:sp>
+        <p:nvSpPr>
+          <p:cNvPr id="9" name="Textfeld 8"/>
+          <p:cNvSpPr txBox="1"/>
+          <p:nvPr/>
+        </p:nvSpPr>
+        <p:spPr>
+          <a:xfrm>
+            <a:off x="7138528" y="4324546"/>
+            <a:ext cx="2736304" cy="369332"/>
+          </a:xfrm>
+          <a:prstGeom prst="rect">
+            <a:avLst/>
+          </a:prstGeom>
+          <a:noFill/>
+        </p:spPr>
+        <p:txBody>
+          <a:bodyPr wrap="square" rtlCol="0">
+            <a:spAutoFit/>
+          </a:bodyPr>
+          <a:lstStyle/>
+          <a:p>
+            <a:r>
+              <a:rPr lang="el-GR" sz="1799" dirty="0" smtClean="0">
+                <a:solidFill>
+                  <a:schemeClr val="bg1"/>
+                </a:solidFill>
+              </a:rPr>
+              <a:t>Σ</a:t>
+            </a:r>
+            <a:r>
+              <a:rPr lang="de-DE" sz="1799" dirty="0" smtClean="0">
+                <a:solidFill>
+                  <a:schemeClr val="bg1"/>
+                </a:solidFill>
+              </a:rPr>
+              <a:t> 1133,99€</a:t>
+            </a:r>
+            <a:endParaRPr lang="de-DE" dirty="0"/>
+          </a:p>
+        </p:txBody>
+      </p:sp>
+    </p:spTree>
+    <p:extLst>
+      <p:ext uri="{BB962C8B-B14F-4D97-AF65-F5344CB8AC3E}">
+        <p14:creationId xmlns:p14="http://schemas.microsoft.com/office/powerpoint/2010/main" val="306707665"/>
+      </p:ext>
+    </p:extLst>
+  </p:cSld>
+  <p:clrMapOvr>
+    <a:masterClrMapping/>
+  </p:clrMapOvr>
+  <mc:AlternateContent xmlns:mc="http://schemas.openxmlformats.org/markup-compatibility/2006" xmlns:p14="http://schemas.microsoft.com/office/powerpoint/2010/main">
+    <mc:Choice Requires="p14">
+      <p:transition spd="med" p14:dur="700">
+        <p:fade/>
+      </p:transition>
+    </mc:Choice>
+    <mc:Fallback xmlns="">
+      <p:transition spd="med">
+        <p:fade/>
+      </p:transition>
+    </mc:Fallback>
+  </mc:AlternateContent>
+  <p:timing>
+    <p:tnLst>
+      <p:par>
+        <p:cTn id="1" dur="indefinite" restart="never" nodeType="tmRoot">
+          <p:childTnLst>
+            <p:seq concurrent="1" nextAc="seek">
+              <p:cTn id="2" dur="indefinite" nodeType="mainSeq">
+                <p:childTnLst>
+                  <p:par>
+                    <p:cTn id="3" fill="hold">
+                      <p:stCondLst>
+                        <p:cond delay="indefinite"/>
+                      </p:stCondLst>
+                      <p:childTnLst>
+                        <p:par>
+                          <p:cTn id="4" fill="hold">
+                            <p:stCondLst>
+                              <p:cond delay="0"/>
+                            </p:stCondLst>
+                            <p:childTnLst>
+                              <p:par>
+                                <p:cTn id="5" presetID="2" presetClass="entr" presetSubtype="4" fill="hold" grpId="0" nodeType="clickEffect">
+                                  <p:stCondLst>
+                                    <p:cond delay="0"/>
+                                  </p:stCondLst>
+                                  <p:childTnLst>
+                                    <p:set>
+                                      <p:cBhvr>
+                                        <p:cTn id="6" dur="1" fill="hold">
+                                          <p:stCondLst>
+                                            <p:cond delay="0"/>
+                                          </p:stCondLst>
+                                        </p:cTn>
+                                        <p:tgtEl>
+                                          <p:spTgt spid="9"/>
+                                        </p:tgtEl>
+                                        <p:attrNameLst>
+                                          <p:attrName>style.visibility</p:attrName>
+                                        </p:attrNameLst>
+                                      </p:cBhvr>
+                                      <p:to>
+                                        <p:strVal val="visible"/>
+                                      </p:to>
+                                    </p:set>
+                                    <p:anim calcmode="lin" valueType="num">
+                                      <p:cBhvr additive="base">
+                                        <p:cTn id="7" dur="500" fill="hold"/>
+                                        <p:tgtEl>
+                                          <p:spTgt spid="9"/>
+                                        </p:tgtEl>
+                                        <p:attrNameLst>
+                                          <p:attrName>ppt_x</p:attrName>
+                                        </p:attrNameLst>
+                                      </p:cBhvr>
+                                      <p:tavLst>
+                                        <p:tav tm="0">
+                                          <p:val>
+                                            <p:strVal val="#ppt_x"/>
+                                          </p:val>
+                                        </p:tav>
+                                        <p:tav tm="100000">
+                                          <p:val>
+                                            <p:strVal val="#ppt_x"/>
+                                          </p:val>
+                                        </p:tav>
+                                      </p:tavLst>
+                                    </p:anim>
+                                    <p:anim calcmode="lin" valueType="num">
+                                      <p:cBhvr additive="base">
+                                        <p:cTn id="8" dur="500" fill="hold"/>
+                                        <p:tgtEl>
+                                          <p:spTgt spid="9"/>
+                                        </p:tgtEl>
+                                        <p:attrNameLst>
+                                          <p:attrName>ppt_y</p:attrName>
+                                        </p:attrNameLst>
+                                      </p:cBhvr>
+                                      <p:tavLst>
+                                        <p:tav tm="0">
+                                          <p:val>
+                                            <p:strVal val="1+#ppt_h/2"/>
+                                          </p:val>
+                                        </p:tav>
+                                        <p:tav tm="100000">
+                                          <p:val>
+                                            <p:strVal val="#ppt_y"/>
+                                          </p:val>
+                                        </p:tav>
+                                      </p:tavLst>
+                                    </p:anim>
+                                  </p:childTnLst>
+                                </p:cTn>
+                              </p:par>
+                            </p:childTnLst>
+                          </p:cTn>
+                        </p:par>
+                      </p:childTnLst>
+                    </p:cTn>
+                  </p:par>
+                </p:childTnLst>
+              </p:cTn>
+              <p:prevCondLst>
+                <p:cond evt="onPrev" delay="0">
+                  <p:tgtEl>
+                    <p:sldTgt/>
+                  </p:tgtEl>
+                </p:cond>
+              </p:prevCondLst>
+              <p:nextCondLst>
+                <p:cond evt="onNext" delay="0">
+                  <p:tgtEl>
+                    <p:sldTgt/>
+                  </p:tgtEl>
+                </p:cond>
+              </p:nextCondLst>
+            </p:seq>
+          </p:childTnLst>
+        </p:cTn>
+      </p:par>
+    </p:tnLst>
+    <p:bldLst>
+      <p:bldP spid="9" grpId="0"/>
+    </p:bldLst>
+  </p:timing>
+</p:sld>
+</file>
+
+<file path=ppt/slides/slide14.xml><?xml version="1.0" encoding="utf-8"?>
 <p:sld xmlns:a="http://schemas.openxmlformats.org/drawingml/2006/main" xmlns:r="http://schemas.openxmlformats.org/officeDocument/2006/relationships" xmlns:p="http://schemas.openxmlformats.org/presentationml/2006/main">
   <p:cSld>
     <p:spTree>
@@ -9448,7 +12857,7 @@
 </p:sld>
 </file>
 
-<file path=ppt/slides/slide12.xml><?xml version="1.0" encoding="utf-8"?>
+<file path=ppt/slides/slide15.xml><?xml version="1.0" encoding="utf-8"?>
 <p:sld xmlns:a="http://schemas.openxmlformats.org/drawingml/2006/main" xmlns:r="http://schemas.openxmlformats.org/officeDocument/2006/relationships" xmlns:p="http://schemas.openxmlformats.org/presentationml/2006/main">
   <p:cSld>
     <p:spTree>
@@ -9515,21 +12924,21 @@
                 <a:gridCol w="2938490">
                   <a:extLst>
                     <a:ext uri="{9D8B030D-6E8A-4147-A177-3AD203B41FA5}">
-                      <a16:colId xmlns="" xmlns:a16="http://schemas.microsoft.com/office/drawing/2014/main" val="20000"/>
+                      <a16:colId xmlns:a16="http://schemas.microsoft.com/office/drawing/2014/main" xmlns="" val="20000"/>
                     </a:ext>
                   </a:extLst>
                 </a:gridCol>
                 <a:gridCol w="2938490">
                   <a:extLst>
                     <a:ext uri="{9D8B030D-6E8A-4147-A177-3AD203B41FA5}">
-                      <a16:colId xmlns="" xmlns:a16="http://schemas.microsoft.com/office/drawing/2014/main" val="20001"/>
+                      <a16:colId xmlns:a16="http://schemas.microsoft.com/office/drawing/2014/main" xmlns="" val="20001"/>
                     </a:ext>
                   </a:extLst>
                 </a:gridCol>
                 <a:gridCol w="2938490">
                   <a:extLst>
                     <a:ext uri="{9D8B030D-6E8A-4147-A177-3AD203B41FA5}">
-                      <a16:colId xmlns="" xmlns:a16="http://schemas.microsoft.com/office/drawing/2014/main" val="20002"/>
+                      <a16:colId xmlns:a16="http://schemas.microsoft.com/office/drawing/2014/main" xmlns="" val="20002"/>
                     </a:ext>
                   </a:extLst>
                 </a:gridCol>
@@ -9576,7 +12985,7 @@
                 </a:tc>
                 <a:extLst>
                   <a:ext uri="{0D108BD9-81ED-4DB2-BD59-A6C34878D82A}">
-                    <a16:rowId xmlns="" xmlns:a16="http://schemas.microsoft.com/office/drawing/2014/main" val="10000"/>
+                    <a16:rowId xmlns:a16="http://schemas.microsoft.com/office/drawing/2014/main" xmlns="" val="10000"/>
                   </a:ext>
                 </a:extLst>
               </a:tr>
@@ -9672,7 +13081,7 @@
                 </a:tc>
                 <a:extLst>
                   <a:ext uri="{0D108BD9-81ED-4DB2-BD59-A6C34878D82A}">
-                    <a16:rowId xmlns="" xmlns:a16="http://schemas.microsoft.com/office/drawing/2014/main" val="10001"/>
+                    <a16:rowId xmlns:a16="http://schemas.microsoft.com/office/drawing/2014/main" xmlns="" val="10001"/>
                   </a:ext>
                 </a:extLst>
               </a:tr>
@@ -9740,7 +13149,7 @@
                 </a:tc>
                 <a:extLst>
                   <a:ext uri="{0D108BD9-81ED-4DB2-BD59-A6C34878D82A}">
-                    <a16:rowId xmlns="" xmlns:a16="http://schemas.microsoft.com/office/drawing/2014/main" val="10002"/>
+                    <a16:rowId xmlns:a16="http://schemas.microsoft.com/office/drawing/2014/main" xmlns="" val="10002"/>
                   </a:ext>
                 </a:extLst>
               </a:tr>
@@ -9777,7 +13186,7 @@
                 </a:tc>
                 <a:extLst>
                   <a:ext uri="{0D108BD9-81ED-4DB2-BD59-A6C34878D82A}">
-                    <a16:rowId xmlns="" xmlns:a16="http://schemas.microsoft.com/office/drawing/2014/main" val="10003"/>
+                    <a16:rowId xmlns:a16="http://schemas.microsoft.com/office/drawing/2014/main" xmlns="" val="10003"/>
                   </a:ext>
                 </a:extLst>
               </a:tr>
@@ -9814,7 +13223,7 @@
                 </a:tc>
                 <a:extLst>
                   <a:ext uri="{0D108BD9-81ED-4DB2-BD59-A6C34878D82A}">
-                    <a16:rowId xmlns="" xmlns:a16="http://schemas.microsoft.com/office/drawing/2014/main" val="10004"/>
+                    <a16:rowId xmlns:a16="http://schemas.microsoft.com/office/drawing/2014/main" xmlns="" val="10004"/>
                   </a:ext>
                 </a:extLst>
               </a:tr>
@@ -9851,7 +13260,7 @@
                 </a:tc>
                 <a:extLst>
                   <a:ext uri="{0D108BD9-81ED-4DB2-BD59-A6C34878D82A}">
-                    <a16:rowId xmlns="" xmlns:a16="http://schemas.microsoft.com/office/drawing/2014/main" val="10005"/>
+                    <a16:rowId xmlns:a16="http://schemas.microsoft.com/office/drawing/2014/main" xmlns="" val="10005"/>
                   </a:ext>
                 </a:extLst>
               </a:tr>
@@ -9888,7 +13297,7 @@
                 </a:tc>
                 <a:extLst>
                   <a:ext uri="{0D108BD9-81ED-4DB2-BD59-A6C34878D82A}">
-                    <a16:rowId xmlns="" xmlns:a16="http://schemas.microsoft.com/office/drawing/2014/main" val="10006"/>
+                    <a16:rowId xmlns:a16="http://schemas.microsoft.com/office/drawing/2014/main" xmlns="" val="10006"/>
                   </a:ext>
                 </a:extLst>
               </a:tr>
@@ -9925,7 +13334,7 @@
                 </a:tc>
                 <a:extLst>
                   <a:ext uri="{0D108BD9-81ED-4DB2-BD59-A6C34878D82A}">
-                    <a16:rowId xmlns="" xmlns:a16="http://schemas.microsoft.com/office/drawing/2014/main" val="10007"/>
+                    <a16:rowId xmlns:a16="http://schemas.microsoft.com/office/drawing/2014/main" xmlns="" val="10007"/>
                   </a:ext>
                 </a:extLst>
               </a:tr>
@@ -10252,7 +13661,7 @@
 </p:sld>
 </file>
 
-<file path=ppt/slides/slide13.xml><?xml version="1.0" encoding="utf-8"?>
+<file path=ppt/slides/slide16.xml><?xml version="1.0" encoding="utf-8"?>
 <p:sld xmlns:a="http://schemas.openxmlformats.org/drawingml/2006/main" xmlns:r="http://schemas.openxmlformats.org/officeDocument/2006/relationships" xmlns:p="http://schemas.openxmlformats.org/presentationml/2006/main">
   <p:cSld>
     <p:spTree>
@@ -10387,7 +13796,7 @@
 </p:sld>
 </file>
 
-<file path=ppt/slides/slide14.xml><?xml version="1.0" encoding="utf-8"?>
+<file path=ppt/slides/slide17.xml><?xml version="1.0" encoding="utf-8"?>
 <p:sld xmlns:a="http://schemas.openxmlformats.org/drawingml/2006/main" xmlns:r="http://schemas.openxmlformats.org/officeDocument/2006/relationships" xmlns:p="http://schemas.openxmlformats.org/presentationml/2006/main">
   <p:cSld>
     <p:spTree>
@@ -10507,7 +13916,7 @@
 </p:sld>
 </file>
 
-<file path=ppt/slides/slide15.xml><?xml version="1.0" encoding="utf-8"?>
+<file path=ppt/slides/slide18.xml><?xml version="1.0" encoding="utf-8"?>
 <p:sld xmlns:a="http://schemas.openxmlformats.org/drawingml/2006/main" xmlns:r="http://schemas.openxmlformats.org/officeDocument/2006/relationships" xmlns:p="http://schemas.openxmlformats.org/presentationml/2006/main">
   <p:cSld>
     <p:spTree>
@@ -10617,7 +14026,7 @@
 </p:sld>
 </file>
 
-<file path=ppt/slides/slide16.xml><?xml version="1.0" encoding="utf-8"?>
+<file path=ppt/slides/slide19.xml><?xml version="1.0" encoding="utf-8"?>
 <p:sld xmlns:a="http://schemas.openxmlformats.org/drawingml/2006/main" xmlns:r="http://schemas.openxmlformats.org/officeDocument/2006/relationships" xmlns:p="http://schemas.openxmlformats.org/presentationml/2006/main">
   <p:cSld>
     <p:spTree>
@@ -10684,21 +14093,21 @@
                 <a:gridCol w="2938490">
                   <a:extLst>
                     <a:ext uri="{9D8B030D-6E8A-4147-A177-3AD203B41FA5}">
-                      <a16:colId xmlns="" xmlns:a16="http://schemas.microsoft.com/office/drawing/2014/main" val="20000"/>
+                      <a16:colId xmlns:a16="http://schemas.microsoft.com/office/drawing/2014/main" xmlns="" val="20000"/>
                     </a:ext>
                   </a:extLst>
                 </a:gridCol>
                 <a:gridCol w="2938490">
                   <a:extLst>
                     <a:ext uri="{9D8B030D-6E8A-4147-A177-3AD203B41FA5}">
-                      <a16:colId xmlns="" xmlns:a16="http://schemas.microsoft.com/office/drawing/2014/main" val="20001"/>
+                      <a16:colId xmlns:a16="http://schemas.microsoft.com/office/drawing/2014/main" xmlns="" val="20001"/>
                     </a:ext>
                   </a:extLst>
                 </a:gridCol>
                 <a:gridCol w="2938490">
                   <a:extLst>
                     <a:ext uri="{9D8B030D-6E8A-4147-A177-3AD203B41FA5}">
-                      <a16:colId xmlns="" xmlns:a16="http://schemas.microsoft.com/office/drawing/2014/main" val="20002"/>
+                      <a16:colId xmlns:a16="http://schemas.microsoft.com/office/drawing/2014/main" xmlns="" val="20002"/>
                     </a:ext>
                   </a:extLst>
                 </a:gridCol>
@@ -10745,7 +14154,7 @@
                 </a:tc>
                 <a:extLst>
                   <a:ext uri="{0D108BD9-81ED-4DB2-BD59-A6C34878D82A}">
-                    <a16:rowId xmlns="" xmlns:a16="http://schemas.microsoft.com/office/drawing/2014/main" val="10000"/>
+                    <a16:rowId xmlns:a16="http://schemas.microsoft.com/office/drawing/2014/main" xmlns="" val="10000"/>
                   </a:ext>
                 </a:extLst>
               </a:tr>
@@ -10853,7 +14262,7 @@
                 </a:tc>
                 <a:extLst>
                   <a:ext uri="{0D108BD9-81ED-4DB2-BD59-A6C34878D82A}">
-                    <a16:rowId xmlns="" xmlns:a16="http://schemas.microsoft.com/office/drawing/2014/main" val="10001"/>
+                    <a16:rowId xmlns:a16="http://schemas.microsoft.com/office/drawing/2014/main" xmlns="" val="10001"/>
                   </a:ext>
                 </a:extLst>
               </a:tr>
@@ -10926,7 +14335,7 @@
                 </a:tc>
                 <a:extLst>
                   <a:ext uri="{0D108BD9-81ED-4DB2-BD59-A6C34878D82A}">
-                    <a16:rowId xmlns="" xmlns:a16="http://schemas.microsoft.com/office/drawing/2014/main" val="10002"/>
+                    <a16:rowId xmlns:a16="http://schemas.microsoft.com/office/drawing/2014/main" xmlns="" val="10002"/>
                   </a:ext>
                 </a:extLst>
               </a:tr>
@@ -10963,7 +14372,7 @@
                 </a:tc>
                 <a:extLst>
                   <a:ext uri="{0D108BD9-81ED-4DB2-BD59-A6C34878D82A}">
-                    <a16:rowId xmlns="" xmlns:a16="http://schemas.microsoft.com/office/drawing/2014/main" val="10003"/>
+                    <a16:rowId xmlns:a16="http://schemas.microsoft.com/office/drawing/2014/main" xmlns="" val="10003"/>
                   </a:ext>
                 </a:extLst>
               </a:tr>
@@ -11000,7 +14409,7 @@
                 </a:tc>
                 <a:extLst>
                   <a:ext uri="{0D108BD9-81ED-4DB2-BD59-A6C34878D82A}">
-                    <a16:rowId xmlns="" xmlns:a16="http://schemas.microsoft.com/office/drawing/2014/main" val="10004"/>
+                    <a16:rowId xmlns:a16="http://schemas.microsoft.com/office/drawing/2014/main" xmlns="" val="10004"/>
                   </a:ext>
                 </a:extLst>
               </a:tr>
@@ -11037,7 +14446,7 @@
                 </a:tc>
                 <a:extLst>
                   <a:ext uri="{0D108BD9-81ED-4DB2-BD59-A6C34878D82A}">
-                    <a16:rowId xmlns="" xmlns:a16="http://schemas.microsoft.com/office/drawing/2014/main" val="10005"/>
+                    <a16:rowId xmlns:a16="http://schemas.microsoft.com/office/drawing/2014/main" xmlns="" val="10005"/>
                   </a:ext>
                 </a:extLst>
               </a:tr>
@@ -11074,7 +14483,7 @@
                 </a:tc>
                 <a:extLst>
                   <a:ext uri="{0D108BD9-81ED-4DB2-BD59-A6C34878D82A}">
-                    <a16:rowId xmlns="" xmlns:a16="http://schemas.microsoft.com/office/drawing/2014/main" val="10006"/>
+                    <a16:rowId xmlns:a16="http://schemas.microsoft.com/office/drawing/2014/main" xmlns="" val="10006"/>
                   </a:ext>
                 </a:extLst>
               </a:tr>
@@ -11111,7 +14520,7 @@
                 </a:tc>
                 <a:extLst>
                   <a:ext uri="{0D108BD9-81ED-4DB2-BD59-A6C34878D82A}">
-                    <a16:rowId xmlns="" xmlns:a16="http://schemas.microsoft.com/office/drawing/2014/main" val="10007"/>
+                    <a16:rowId xmlns:a16="http://schemas.microsoft.com/office/drawing/2014/main" xmlns="" val="10007"/>
                   </a:ext>
                 </a:extLst>
               </a:tr>
@@ -11591,7 +15000,120 @@
 </p:sld>
 </file>
 
-<file path=ppt/slides/slide17.xml><?xml version="1.0" encoding="utf-8"?>
+<file path=ppt/slides/slide2.xml><?xml version="1.0" encoding="utf-8"?>
+<p:sld xmlns:a="http://schemas.openxmlformats.org/drawingml/2006/main" xmlns:r="http://schemas.openxmlformats.org/officeDocument/2006/relationships" xmlns:p="http://schemas.openxmlformats.org/presentationml/2006/main">
+  <p:cSld>
+    <p:spTree>
+      <p:nvGrpSpPr>
+        <p:cNvPr id="1" name=""/>
+        <p:cNvGrpSpPr/>
+        <p:nvPr/>
+      </p:nvGrpSpPr>
+      <p:grpSpPr>
+        <a:xfrm>
+          <a:off x="0" y="0"/>
+          <a:ext cx="0" cy="0"/>
+          <a:chOff x="0" y="0"/>
+          <a:chExt cx="0" cy="0"/>
+        </a:xfrm>
+      </p:grpSpPr>
+      <p:sp>
+        <p:nvSpPr>
+          <p:cNvPr id="13" name="Titel 12"/>
+          <p:cNvSpPr>
+            <a:spLocks noGrp="1"/>
+          </p:cNvSpPr>
+          <p:nvPr>
+            <p:ph type="title"/>
+          </p:nvPr>
+        </p:nvSpPr>
+        <p:spPr/>
+        <p:txBody>
+          <a:bodyPr rtlCol="0"/>
+          <a:lstStyle/>
+          <a:p>
+            <a:pPr rtl="0"/>
+            <a:r>
+              <a:rPr lang="de-DE" dirty="0"/>
+              <a:t>Gliederung </a:t>
+            </a:r>
+            <a:endParaRPr lang="en-US" dirty="0"/>
+          </a:p>
+        </p:txBody>
+      </p:sp>
+      <p:sp>
+        <p:nvSpPr>
+          <p:cNvPr id="14" name="Inhaltsplatzhalter 13"/>
+          <p:cNvSpPr>
+            <a:spLocks noGrp="1"/>
+          </p:cNvSpPr>
+          <p:nvPr>
+            <p:ph idx="1"/>
+          </p:nvPr>
+        </p:nvSpPr>
+        <p:spPr/>
+        <p:txBody>
+          <a:bodyPr rtlCol="0"/>
+          <a:lstStyle/>
+          <a:p>
+            <a:pPr rtl="0"/>
+            <a:r>
+              <a:rPr lang="de-DE" dirty="0"/>
+              <a:t>Allgemeine Anforderungen </a:t>
+            </a:r>
+            <a:endParaRPr lang="de" dirty="0"/>
+          </a:p>
+          <a:p>
+            <a:pPr rtl="0"/>
+            <a:r>
+              <a:rPr lang="de-DE" dirty="0"/>
+              <a:t>Angebote</a:t>
+            </a:r>
+            <a:endParaRPr lang="de" dirty="0"/>
+          </a:p>
+          <a:p>
+            <a:pPr rtl="0"/>
+            <a:r>
+              <a:rPr lang="de-DE" dirty="0"/>
+              <a:t>Kalkulationen</a:t>
+            </a:r>
+            <a:endParaRPr lang="en-US" dirty="0"/>
+          </a:p>
+        </p:txBody>
+      </p:sp>
+    </p:spTree>
+    <p:extLst>
+      <p:ext uri="{BB962C8B-B14F-4D97-AF65-F5344CB8AC3E}">
+        <p14:creationId xmlns:p14="http://schemas.microsoft.com/office/powerpoint/2010/main" val="2139132589"/>
+      </p:ext>
+    </p:extLst>
+  </p:cSld>
+  <p:clrMapOvr>
+    <a:masterClrMapping/>
+  </p:clrMapOvr>
+  <mc:AlternateContent xmlns:mc="http://schemas.openxmlformats.org/markup-compatibility/2006" xmlns:p14="http://schemas.microsoft.com/office/powerpoint/2010/main">
+    <mc:Choice Requires="p14">
+      <p:transition spd="med" p14:dur="700">
+        <p:fade/>
+      </p:transition>
+    </mc:Choice>
+    <mc:Fallback xmlns="">
+      <p:transition spd="med">
+        <p:fade/>
+      </p:transition>
+    </mc:Fallback>
+  </mc:AlternateContent>
+  <p:timing>
+    <p:tnLst>
+      <p:par>
+        <p:cTn id="1" dur="indefinite" restart="never" nodeType="tmRoot"/>
+      </p:par>
+    </p:tnLst>
+  </p:timing>
+</p:sld>
+</file>
+
+<file path=ppt/slides/slide20.xml><?xml version="1.0" encoding="utf-8"?>
 <p:sld xmlns:a="http://schemas.openxmlformats.org/drawingml/2006/main" xmlns:r="http://schemas.openxmlformats.org/officeDocument/2006/relationships" xmlns:p="http://schemas.openxmlformats.org/presentationml/2006/main">
   <p:cSld>
     <p:spTree>
@@ -11676,13 +15198,13 @@
   <p:clrMapOvr>
     <a:masterClrMapping/>
   </p:clrMapOvr>
-  <mc:AlternateContent xmlns:mc="http://schemas.openxmlformats.org/markup-compatibility/2006">
-    <mc:Choice xmlns:p14="http://schemas.microsoft.com/office/powerpoint/2010/main" Requires="p14">
+  <mc:AlternateContent xmlns:mc="http://schemas.openxmlformats.org/markup-compatibility/2006" xmlns:p14="http://schemas.microsoft.com/office/powerpoint/2010/main">
+    <mc:Choice Requires="p14">
       <p:transition spd="med" p14:dur="700">
         <p:fade/>
       </p:transition>
     </mc:Choice>
-    <mc:Fallback>
+    <mc:Fallback xmlns="">
       <p:transition spd="med">
         <p:fade/>
       </p:transition>
@@ -11698,7 +15220,7 @@
 </p:sld>
 </file>
 
-<file path=ppt/slides/slide18.xml><?xml version="1.0" encoding="utf-8"?>
+<file path=ppt/slides/slide21.xml><?xml version="1.0" encoding="utf-8"?>
 <p:sld xmlns:a="http://schemas.openxmlformats.org/drawingml/2006/main" xmlns:r="http://schemas.openxmlformats.org/officeDocument/2006/relationships" xmlns:p="http://schemas.openxmlformats.org/presentationml/2006/main">
   <p:cSld>
     <p:spTree>
@@ -11765,21 +15287,21 @@
                 <a:gridCol w="2938490">
                   <a:extLst>
                     <a:ext uri="{9D8B030D-6E8A-4147-A177-3AD203B41FA5}">
-                      <a16:colId xmlns="" xmlns:a16="http://schemas.microsoft.com/office/drawing/2014/main" val="20000"/>
+                      <a16:colId xmlns:a16="http://schemas.microsoft.com/office/drawing/2014/main" xmlns="" val="20000"/>
                     </a:ext>
                   </a:extLst>
                 </a:gridCol>
                 <a:gridCol w="2938490">
                   <a:extLst>
                     <a:ext uri="{9D8B030D-6E8A-4147-A177-3AD203B41FA5}">
-                      <a16:colId xmlns="" xmlns:a16="http://schemas.microsoft.com/office/drawing/2014/main" val="20001"/>
+                      <a16:colId xmlns:a16="http://schemas.microsoft.com/office/drawing/2014/main" xmlns="" val="20001"/>
                     </a:ext>
                   </a:extLst>
                 </a:gridCol>
                 <a:gridCol w="2938490">
                   <a:extLst>
                     <a:ext uri="{9D8B030D-6E8A-4147-A177-3AD203B41FA5}">
-                      <a16:colId xmlns="" xmlns:a16="http://schemas.microsoft.com/office/drawing/2014/main" val="20002"/>
+                      <a16:colId xmlns:a16="http://schemas.microsoft.com/office/drawing/2014/main" xmlns="" val="20002"/>
                     </a:ext>
                   </a:extLst>
                 </a:gridCol>
@@ -11826,7 +15348,7 @@
                 </a:tc>
                 <a:extLst>
                   <a:ext uri="{0D108BD9-81ED-4DB2-BD59-A6C34878D82A}">
-                    <a16:rowId xmlns="" xmlns:a16="http://schemas.microsoft.com/office/drawing/2014/main" val="10000"/>
+                    <a16:rowId xmlns:a16="http://schemas.microsoft.com/office/drawing/2014/main" xmlns="" val="10000"/>
                   </a:ext>
                 </a:extLst>
               </a:tr>
@@ -11934,7 +15456,7 @@
                 </a:tc>
                 <a:extLst>
                   <a:ext uri="{0D108BD9-81ED-4DB2-BD59-A6C34878D82A}">
-                    <a16:rowId xmlns="" xmlns:a16="http://schemas.microsoft.com/office/drawing/2014/main" val="10001"/>
+                    <a16:rowId xmlns:a16="http://schemas.microsoft.com/office/drawing/2014/main" xmlns="" val="10001"/>
                   </a:ext>
                 </a:extLst>
               </a:tr>
@@ -12007,7 +15529,7 @@
                 </a:tc>
                 <a:extLst>
                   <a:ext uri="{0D108BD9-81ED-4DB2-BD59-A6C34878D82A}">
-                    <a16:rowId xmlns="" xmlns:a16="http://schemas.microsoft.com/office/drawing/2014/main" val="10002"/>
+                    <a16:rowId xmlns:a16="http://schemas.microsoft.com/office/drawing/2014/main" xmlns="" val="10002"/>
                   </a:ext>
                 </a:extLst>
               </a:tr>
@@ -12044,7 +15566,7 @@
                 </a:tc>
                 <a:extLst>
                   <a:ext uri="{0D108BD9-81ED-4DB2-BD59-A6C34878D82A}">
-                    <a16:rowId xmlns="" xmlns:a16="http://schemas.microsoft.com/office/drawing/2014/main" val="10003"/>
+                    <a16:rowId xmlns:a16="http://schemas.microsoft.com/office/drawing/2014/main" xmlns="" val="10003"/>
                   </a:ext>
                 </a:extLst>
               </a:tr>
@@ -12109,7 +15631,7 @@
                 </a:tc>
                 <a:extLst>
                   <a:ext uri="{0D108BD9-81ED-4DB2-BD59-A6C34878D82A}">
-                    <a16:rowId xmlns="" xmlns:a16="http://schemas.microsoft.com/office/drawing/2014/main" val="10004"/>
+                    <a16:rowId xmlns:a16="http://schemas.microsoft.com/office/drawing/2014/main" xmlns="" val="10004"/>
                   </a:ext>
                 </a:extLst>
               </a:tr>
@@ -12146,7 +15668,7 @@
                 </a:tc>
                 <a:extLst>
                   <a:ext uri="{0D108BD9-81ED-4DB2-BD59-A6C34878D82A}">
-                    <a16:rowId xmlns="" xmlns:a16="http://schemas.microsoft.com/office/drawing/2014/main" val="10005"/>
+                    <a16:rowId xmlns:a16="http://schemas.microsoft.com/office/drawing/2014/main" xmlns="" val="10005"/>
                   </a:ext>
                 </a:extLst>
               </a:tr>
@@ -12183,7 +15705,7 @@
                 </a:tc>
                 <a:extLst>
                   <a:ext uri="{0D108BD9-81ED-4DB2-BD59-A6C34878D82A}">
-                    <a16:rowId xmlns="" xmlns:a16="http://schemas.microsoft.com/office/drawing/2014/main" val="10006"/>
+                    <a16:rowId xmlns:a16="http://schemas.microsoft.com/office/drawing/2014/main" xmlns="" val="10006"/>
                   </a:ext>
                 </a:extLst>
               </a:tr>
@@ -12220,7 +15742,7 @@
                 </a:tc>
                 <a:extLst>
                   <a:ext uri="{0D108BD9-81ED-4DB2-BD59-A6C34878D82A}">
-                    <a16:rowId xmlns="" xmlns:a16="http://schemas.microsoft.com/office/drawing/2014/main" val="10007"/>
+                    <a16:rowId xmlns:a16="http://schemas.microsoft.com/office/drawing/2014/main" xmlns="" val="10007"/>
                   </a:ext>
                 </a:extLst>
               </a:tr>
@@ -12780,7 +16302,7 @@
 </p:sld>
 </file>
 
-<file path=ppt/slides/slide19.xml><?xml version="1.0" encoding="utf-8"?>
+<file path=ppt/slides/slide22.xml><?xml version="1.0" encoding="utf-8"?>
 <p:sld xmlns:a="http://schemas.openxmlformats.org/drawingml/2006/main" xmlns:r="http://schemas.openxmlformats.org/officeDocument/2006/relationships" xmlns:p="http://schemas.openxmlformats.org/presentationml/2006/main">
   <p:cSld>
     <p:spTree>
@@ -12851,7 +16373,6 @@
               <a:rPr lang="de-DE" dirty="0"/>
               <a:t>.</a:t>
             </a:r>
-            <a:endParaRPr lang="de-DE" dirty="0"/>
           </a:p>
           <a:p>
             <a:pPr lvl="1"/>
@@ -12899,10 +16420,6 @@
             <a:r>
               <a:rPr lang="de-DE" dirty="0"/>
               <a:t>® GT 705</a:t>
-            </a:r>
-            <a:r>
-              <a:rPr lang="de-DE" dirty="0"/>
-              <a:t/>
             </a:r>
             <a:br>
               <a:rPr lang="de-DE" dirty="0"/>
@@ -12915,119 +16432,6 @@
     <p:extLst>
       <p:ext uri="{BB962C8B-B14F-4D97-AF65-F5344CB8AC3E}">
         <p14:creationId xmlns:p14="http://schemas.microsoft.com/office/powerpoint/2010/main" val="383194235"/>
-      </p:ext>
-    </p:extLst>
-  </p:cSld>
-  <p:clrMapOvr>
-    <a:masterClrMapping/>
-  </p:clrMapOvr>
-  <mc:AlternateContent xmlns:mc="http://schemas.openxmlformats.org/markup-compatibility/2006">
-    <mc:Choice xmlns:p14="http://schemas.microsoft.com/office/powerpoint/2010/main" Requires="p14">
-      <p:transition spd="med" p14:dur="700">
-        <p:fade/>
-      </p:transition>
-    </mc:Choice>
-    <mc:Fallback>
-      <p:transition spd="med">
-        <p:fade/>
-      </p:transition>
-    </mc:Fallback>
-  </mc:AlternateContent>
-  <p:timing>
-    <p:tnLst>
-      <p:par>
-        <p:cTn id="1" dur="indefinite" restart="never" nodeType="tmRoot"/>
-      </p:par>
-    </p:tnLst>
-  </p:timing>
-</p:sld>
-</file>
-
-<file path=ppt/slides/slide2.xml><?xml version="1.0" encoding="utf-8"?>
-<p:sld xmlns:a="http://schemas.openxmlformats.org/drawingml/2006/main" xmlns:r="http://schemas.openxmlformats.org/officeDocument/2006/relationships" xmlns:p="http://schemas.openxmlformats.org/presentationml/2006/main">
-  <p:cSld>
-    <p:spTree>
-      <p:nvGrpSpPr>
-        <p:cNvPr id="1" name=""/>
-        <p:cNvGrpSpPr/>
-        <p:nvPr/>
-      </p:nvGrpSpPr>
-      <p:grpSpPr>
-        <a:xfrm>
-          <a:off x="0" y="0"/>
-          <a:ext cx="0" cy="0"/>
-          <a:chOff x="0" y="0"/>
-          <a:chExt cx="0" cy="0"/>
-        </a:xfrm>
-      </p:grpSpPr>
-      <p:sp>
-        <p:nvSpPr>
-          <p:cNvPr id="13" name="Titel 12"/>
-          <p:cNvSpPr>
-            <a:spLocks noGrp="1"/>
-          </p:cNvSpPr>
-          <p:nvPr>
-            <p:ph type="title"/>
-          </p:nvPr>
-        </p:nvSpPr>
-        <p:spPr/>
-        <p:txBody>
-          <a:bodyPr rtlCol="0"/>
-          <a:lstStyle/>
-          <a:p>
-            <a:pPr rtl="0"/>
-            <a:r>
-              <a:rPr lang="de-DE" dirty="0"/>
-              <a:t>Gliederung </a:t>
-            </a:r>
-            <a:endParaRPr lang="en-US" dirty="0"/>
-          </a:p>
-        </p:txBody>
-      </p:sp>
-      <p:sp>
-        <p:nvSpPr>
-          <p:cNvPr id="14" name="Inhaltsplatzhalter 13"/>
-          <p:cNvSpPr>
-            <a:spLocks noGrp="1"/>
-          </p:cNvSpPr>
-          <p:nvPr>
-            <p:ph idx="1"/>
-          </p:nvPr>
-        </p:nvSpPr>
-        <p:spPr/>
-        <p:txBody>
-          <a:bodyPr rtlCol="0"/>
-          <a:lstStyle/>
-          <a:p>
-            <a:pPr rtl="0"/>
-            <a:r>
-              <a:rPr lang="de-DE" dirty="0"/>
-              <a:t>Allgemeine Anforderungen </a:t>
-            </a:r>
-            <a:endParaRPr lang="de" dirty="0"/>
-          </a:p>
-          <a:p>
-            <a:pPr rtl="0"/>
-            <a:r>
-              <a:rPr lang="de-DE" dirty="0"/>
-              <a:t>Angebote</a:t>
-            </a:r>
-            <a:endParaRPr lang="de" dirty="0"/>
-          </a:p>
-          <a:p>
-            <a:pPr rtl="0"/>
-            <a:r>
-              <a:rPr lang="de-DE" dirty="0"/>
-              <a:t>Kalkulationen</a:t>
-            </a:r>
-            <a:endParaRPr lang="en-US" dirty="0"/>
-          </a:p>
-        </p:txBody>
-      </p:sp>
-    </p:spTree>
-    <p:extLst>
-      <p:ext uri="{BB962C8B-B14F-4D97-AF65-F5344CB8AC3E}">
-        <p14:creationId xmlns:p14="http://schemas.microsoft.com/office/powerpoint/2010/main" val="2139132589"/>
       </p:ext>
     </p:extLst>
   </p:cSld>
@@ -13056,7 +16460,7 @@
 </p:sld>
 </file>
 
-<file path=ppt/slides/slide20.xml><?xml version="1.0" encoding="utf-8"?>
+<file path=ppt/slides/slide23.xml><?xml version="1.0" encoding="utf-8"?>
 <p:sld xmlns:a="http://schemas.openxmlformats.org/drawingml/2006/main" xmlns:r="http://schemas.openxmlformats.org/officeDocument/2006/relationships" xmlns:p="http://schemas.openxmlformats.org/presentationml/2006/main">
   <p:cSld>
     <p:spTree>
@@ -13123,21 +16527,21 @@
                 <a:gridCol w="2938490">
                   <a:extLst>
                     <a:ext uri="{9D8B030D-6E8A-4147-A177-3AD203B41FA5}">
-                      <a16:colId xmlns="" xmlns:a16="http://schemas.microsoft.com/office/drawing/2014/main" val="20000"/>
+                      <a16:colId xmlns:a16="http://schemas.microsoft.com/office/drawing/2014/main" xmlns="" val="20000"/>
                     </a:ext>
                   </a:extLst>
                 </a:gridCol>
                 <a:gridCol w="2938490">
                   <a:extLst>
                     <a:ext uri="{9D8B030D-6E8A-4147-A177-3AD203B41FA5}">
-                      <a16:colId xmlns="" xmlns:a16="http://schemas.microsoft.com/office/drawing/2014/main" val="20001"/>
+                      <a16:colId xmlns:a16="http://schemas.microsoft.com/office/drawing/2014/main" xmlns="" val="20001"/>
                     </a:ext>
                   </a:extLst>
                 </a:gridCol>
                 <a:gridCol w="2938490">
                   <a:extLst>
                     <a:ext uri="{9D8B030D-6E8A-4147-A177-3AD203B41FA5}">
-                      <a16:colId xmlns="" xmlns:a16="http://schemas.microsoft.com/office/drawing/2014/main" val="20002"/>
+                      <a16:colId xmlns:a16="http://schemas.microsoft.com/office/drawing/2014/main" xmlns="" val="20002"/>
                     </a:ext>
                   </a:extLst>
                 </a:gridCol>
@@ -13184,7 +16588,7 @@
                 </a:tc>
                 <a:extLst>
                   <a:ext uri="{0D108BD9-81ED-4DB2-BD59-A6C34878D82A}">
-                    <a16:rowId xmlns="" xmlns:a16="http://schemas.microsoft.com/office/drawing/2014/main" val="10000"/>
+                    <a16:rowId xmlns:a16="http://schemas.microsoft.com/office/drawing/2014/main" xmlns="" val="10000"/>
                   </a:ext>
                 </a:extLst>
               </a:tr>
@@ -13292,7 +16696,7 @@
                 </a:tc>
                 <a:extLst>
                   <a:ext uri="{0D108BD9-81ED-4DB2-BD59-A6C34878D82A}">
-                    <a16:rowId xmlns="" xmlns:a16="http://schemas.microsoft.com/office/drawing/2014/main" val="10001"/>
+                    <a16:rowId xmlns:a16="http://schemas.microsoft.com/office/drawing/2014/main" xmlns="" val="10001"/>
                   </a:ext>
                 </a:extLst>
               </a:tr>
@@ -13365,7 +16769,7 @@
                 </a:tc>
                 <a:extLst>
                   <a:ext uri="{0D108BD9-81ED-4DB2-BD59-A6C34878D82A}">
-                    <a16:rowId xmlns="" xmlns:a16="http://schemas.microsoft.com/office/drawing/2014/main" val="10002"/>
+                    <a16:rowId xmlns:a16="http://schemas.microsoft.com/office/drawing/2014/main" xmlns="" val="10002"/>
                   </a:ext>
                 </a:extLst>
               </a:tr>
@@ -13402,7 +16806,7 @@
                 </a:tc>
                 <a:extLst>
                   <a:ext uri="{0D108BD9-81ED-4DB2-BD59-A6C34878D82A}">
-                    <a16:rowId xmlns="" xmlns:a16="http://schemas.microsoft.com/office/drawing/2014/main" val="10003"/>
+                    <a16:rowId xmlns:a16="http://schemas.microsoft.com/office/drawing/2014/main" xmlns="" val="10003"/>
                   </a:ext>
                 </a:extLst>
               </a:tr>
@@ -13467,7 +16871,7 @@
                 </a:tc>
                 <a:extLst>
                   <a:ext uri="{0D108BD9-81ED-4DB2-BD59-A6C34878D82A}">
-                    <a16:rowId xmlns="" xmlns:a16="http://schemas.microsoft.com/office/drawing/2014/main" val="10004"/>
+                    <a16:rowId xmlns:a16="http://schemas.microsoft.com/office/drawing/2014/main" xmlns="" val="10004"/>
                   </a:ext>
                 </a:extLst>
               </a:tr>
@@ -13532,7 +16936,7 @@
                 </a:tc>
                 <a:extLst>
                   <a:ext uri="{0D108BD9-81ED-4DB2-BD59-A6C34878D82A}">
-                    <a16:rowId xmlns="" xmlns:a16="http://schemas.microsoft.com/office/drawing/2014/main" val="10005"/>
+                    <a16:rowId xmlns:a16="http://schemas.microsoft.com/office/drawing/2014/main" xmlns="" val="10005"/>
                   </a:ext>
                 </a:extLst>
               </a:tr>
@@ -13569,7 +16973,7 @@
                 </a:tc>
                 <a:extLst>
                   <a:ext uri="{0D108BD9-81ED-4DB2-BD59-A6C34878D82A}">
-                    <a16:rowId xmlns="" xmlns:a16="http://schemas.microsoft.com/office/drawing/2014/main" val="10006"/>
+                    <a16:rowId xmlns:a16="http://schemas.microsoft.com/office/drawing/2014/main" xmlns="" val="10006"/>
                   </a:ext>
                 </a:extLst>
               </a:tr>
@@ -13606,7 +17010,7 @@
                 </a:tc>
                 <a:extLst>
                   <a:ext uri="{0D108BD9-81ED-4DB2-BD59-A6C34878D82A}">
-                    <a16:rowId xmlns="" xmlns:a16="http://schemas.microsoft.com/office/drawing/2014/main" val="10007"/>
+                    <a16:rowId xmlns:a16="http://schemas.microsoft.com/office/drawing/2014/main" xmlns="" val="10007"/>
                   </a:ext>
                 </a:extLst>
               </a:tr>
@@ -14313,21 +17717,21 @@
                 <a:gridCol w="2938490">
                   <a:extLst>
                     <a:ext uri="{9D8B030D-6E8A-4147-A177-3AD203B41FA5}">
-                      <a16:colId xmlns="" xmlns:a16="http://schemas.microsoft.com/office/drawing/2014/main" val="20000"/>
+                      <a16:colId xmlns:a16="http://schemas.microsoft.com/office/drawing/2014/main" xmlns="" val="20000"/>
                     </a:ext>
                   </a:extLst>
                 </a:gridCol>
                 <a:gridCol w="2938490">
                   <a:extLst>
                     <a:ext uri="{9D8B030D-6E8A-4147-A177-3AD203B41FA5}">
-                      <a16:colId xmlns="" xmlns:a16="http://schemas.microsoft.com/office/drawing/2014/main" val="20001"/>
+                      <a16:colId xmlns:a16="http://schemas.microsoft.com/office/drawing/2014/main" xmlns="" val="20001"/>
                     </a:ext>
                   </a:extLst>
                 </a:gridCol>
                 <a:gridCol w="2938490">
                   <a:extLst>
                     <a:ext uri="{9D8B030D-6E8A-4147-A177-3AD203B41FA5}">
-                      <a16:colId xmlns="" xmlns:a16="http://schemas.microsoft.com/office/drawing/2014/main" val="20002"/>
+                      <a16:colId xmlns:a16="http://schemas.microsoft.com/office/drawing/2014/main" xmlns="" val="20002"/>
                     </a:ext>
                   </a:extLst>
                 </a:gridCol>
@@ -14394,7 +17798,7 @@
                 </a:tc>
                 <a:extLst>
                   <a:ext uri="{0D108BD9-81ED-4DB2-BD59-A6C34878D82A}">
-                    <a16:rowId xmlns="" xmlns:a16="http://schemas.microsoft.com/office/drawing/2014/main" val="10000"/>
+                    <a16:rowId xmlns:a16="http://schemas.microsoft.com/office/drawing/2014/main" xmlns="" val="10000"/>
                   </a:ext>
                 </a:extLst>
               </a:tr>
@@ -14497,7 +17901,7 @@
                 </a:tc>
                 <a:extLst>
                   <a:ext uri="{0D108BD9-81ED-4DB2-BD59-A6C34878D82A}">
-                    <a16:rowId xmlns="" xmlns:a16="http://schemas.microsoft.com/office/drawing/2014/main" val="10001"/>
+                    <a16:rowId xmlns:a16="http://schemas.microsoft.com/office/drawing/2014/main" xmlns="" val="10001"/>
                   </a:ext>
                 </a:extLst>
               </a:tr>
@@ -14544,7 +17948,7 @@
                 </a:tc>
                 <a:extLst>
                   <a:ext uri="{0D108BD9-81ED-4DB2-BD59-A6C34878D82A}">
-                    <a16:rowId xmlns="" xmlns:a16="http://schemas.microsoft.com/office/drawing/2014/main" val="10002"/>
+                    <a16:rowId xmlns:a16="http://schemas.microsoft.com/office/drawing/2014/main" xmlns="" val="10002"/>
                   </a:ext>
                 </a:extLst>
               </a:tr>
@@ -14581,7 +17985,7 @@
                 </a:tc>
                 <a:extLst>
                   <a:ext uri="{0D108BD9-81ED-4DB2-BD59-A6C34878D82A}">
-                    <a16:rowId xmlns="" xmlns:a16="http://schemas.microsoft.com/office/drawing/2014/main" val="10003"/>
+                    <a16:rowId xmlns:a16="http://schemas.microsoft.com/office/drawing/2014/main" xmlns="" val="10003"/>
                   </a:ext>
                 </a:extLst>
               </a:tr>
@@ -14618,7 +18022,7 @@
                 </a:tc>
                 <a:extLst>
                   <a:ext uri="{0D108BD9-81ED-4DB2-BD59-A6C34878D82A}">
-                    <a16:rowId xmlns="" xmlns:a16="http://schemas.microsoft.com/office/drawing/2014/main" val="10004"/>
+                    <a16:rowId xmlns:a16="http://schemas.microsoft.com/office/drawing/2014/main" xmlns="" val="10004"/>
                   </a:ext>
                 </a:extLst>
               </a:tr>
@@ -14655,7 +18059,7 @@
                 </a:tc>
                 <a:extLst>
                   <a:ext uri="{0D108BD9-81ED-4DB2-BD59-A6C34878D82A}">
-                    <a16:rowId xmlns="" xmlns:a16="http://schemas.microsoft.com/office/drawing/2014/main" val="10005"/>
+                    <a16:rowId xmlns:a16="http://schemas.microsoft.com/office/drawing/2014/main" xmlns="" val="10005"/>
                   </a:ext>
                 </a:extLst>
               </a:tr>
@@ -14692,7 +18096,7 @@
                 </a:tc>
                 <a:extLst>
                   <a:ext uri="{0D108BD9-81ED-4DB2-BD59-A6C34878D82A}">
-                    <a16:rowId xmlns="" xmlns:a16="http://schemas.microsoft.com/office/drawing/2014/main" val="10006"/>
+                    <a16:rowId xmlns:a16="http://schemas.microsoft.com/office/drawing/2014/main" xmlns="" val="10006"/>
                   </a:ext>
                 </a:extLst>
               </a:tr>
@@ -14729,7 +18133,7 @@
                 </a:tc>
                 <a:extLst>
                   <a:ext uri="{0D108BD9-81ED-4DB2-BD59-A6C34878D82A}">
-                    <a16:rowId xmlns="" xmlns:a16="http://schemas.microsoft.com/office/drawing/2014/main" val="10007"/>
+                    <a16:rowId xmlns:a16="http://schemas.microsoft.com/office/drawing/2014/main" xmlns="" val="10007"/>
                   </a:ext>
                 </a:extLst>
               </a:tr>
@@ -14976,14 +18380,14 @@
           <p:nvPr>
             <p:extLst>
               <p:ext uri="{D42A27DB-BD31-4B8C-83A1-F6EECF244321}">
-                <p14:modId xmlns:p14="http://schemas.microsoft.com/office/powerpoint/2010/main" val="3169282799"/>
+                <p14:modId xmlns:p14="http://schemas.microsoft.com/office/powerpoint/2010/main" val="3611151454"/>
               </p:ext>
             </p:extLst>
           </p:nvPr>
         </p:nvGraphicFramePr>
         <p:xfrm>
           <a:off x="1197868" y="2132856"/>
-          <a:ext cx="8815470" cy="4320482"/>
+          <a:ext cx="8815470" cy="4005775"/>
         </p:xfrm>
         <a:graphic>
           <a:graphicData uri="http://schemas.openxmlformats.org/drawingml/2006/table">
@@ -14995,21 +18399,21 @@
                 <a:gridCol w="2938490">
                   <a:extLst>
                     <a:ext uri="{9D8B030D-6E8A-4147-A177-3AD203B41FA5}">
-                      <a16:colId xmlns="" xmlns:a16="http://schemas.microsoft.com/office/drawing/2014/main" val="20000"/>
+                      <a16:colId xmlns:a16="http://schemas.microsoft.com/office/drawing/2014/main" xmlns="" val="20000"/>
                     </a:ext>
                   </a:extLst>
                 </a:gridCol>
                 <a:gridCol w="2938490">
                   <a:extLst>
                     <a:ext uri="{9D8B030D-6E8A-4147-A177-3AD203B41FA5}">
-                      <a16:colId xmlns="" xmlns:a16="http://schemas.microsoft.com/office/drawing/2014/main" val="20001"/>
+                      <a16:colId xmlns:a16="http://schemas.microsoft.com/office/drawing/2014/main" xmlns="" val="20001"/>
                     </a:ext>
                   </a:extLst>
                 </a:gridCol>
                 <a:gridCol w="2938490">
                   <a:extLst>
                     <a:ext uri="{9D8B030D-6E8A-4147-A177-3AD203B41FA5}">
-                      <a16:colId xmlns="" xmlns:a16="http://schemas.microsoft.com/office/drawing/2014/main" val="20002"/>
+                      <a16:colId xmlns:a16="http://schemas.microsoft.com/office/drawing/2014/main" xmlns="" val="20002"/>
                     </a:ext>
                   </a:extLst>
                 </a:gridCol>
@@ -15077,7 +18481,7 @@
                 </a:tc>
                 <a:extLst>
                   <a:ext uri="{0D108BD9-81ED-4DB2-BD59-A6C34878D82A}">
-                    <a16:rowId xmlns="" xmlns:a16="http://schemas.microsoft.com/office/drawing/2014/main" val="10000"/>
+                    <a16:rowId xmlns:a16="http://schemas.microsoft.com/office/drawing/2014/main" xmlns="" val="10000"/>
                   </a:ext>
                 </a:extLst>
               </a:tr>
@@ -15211,7 +18615,7 @@
                 </a:tc>
                 <a:extLst>
                   <a:ext uri="{0D108BD9-81ED-4DB2-BD59-A6C34878D82A}">
-                    <a16:rowId xmlns="" xmlns:a16="http://schemas.microsoft.com/office/drawing/2014/main" val="10001"/>
+                    <a16:rowId xmlns:a16="http://schemas.microsoft.com/office/drawing/2014/main" xmlns="" val="10001"/>
                   </a:ext>
                 </a:extLst>
               </a:tr>
@@ -15258,7 +18662,7 @@
                 </a:tc>
                 <a:extLst>
                   <a:ext uri="{0D108BD9-81ED-4DB2-BD59-A6C34878D82A}">
-                    <a16:rowId xmlns="" xmlns:a16="http://schemas.microsoft.com/office/drawing/2014/main" val="10002"/>
+                    <a16:rowId xmlns:a16="http://schemas.microsoft.com/office/drawing/2014/main" xmlns="" val="10002"/>
                   </a:ext>
                 </a:extLst>
               </a:tr>
@@ -15295,11 +18699,11 @@
                 </a:tc>
                 <a:extLst>
                   <a:ext uri="{0D108BD9-81ED-4DB2-BD59-A6C34878D82A}">
-                    <a16:rowId xmlns="" xmlns:a16="http://schemas.microsoft.com/office/drawing/2014/main" val="10003"/>
+                    <a16:rowId xmlns:a16="http://schemas.microsoft.com/office/drawing/2014/main" xmlns="" val="10003"/>
                   </a:ext>
                 </a:extLst>
               </a:tr>
-              <a:tr h="854327">
+              <a:tr h="539620">
                 <a:tc>
                   <a:txBody>
                     <a:bodyPr/>
@@ -15332,7 +18736,7 @@
                 </a:tc>
                 <a:extLst>
                   <a:ext uri="{0D108BD9-81ED-4DB2-BD59-A6C34878D82A}">
-                    <a16:rowId xmlns="" xmlns:a16="http://schemas.microsoft.com/office/drawing/2014/main" val="10004"/>
+                    <a16:rowId xmlns:a16="http://schemas.microsoft.com/office/drawing/2014/main" xmlns="" val="10004"/>
                   </a:ext>
                 </a:extLst>
               </a:tr>
@@ -15369,7 +18773,7 @@
                 </a:tc>
                 <a:extLst>
                   <a:ext uri="{0D108BD9-81ED-4DB2-BD59-A6C34878D82A}">
-                    <a16:rowId xmlns="" xmlns:a16="http://schemas.microsoft.com/office/drawing/2014/main" val="10005"/>
+                    <a16:rowId xmlns:a16="http://schemas.microsoft.com/office/drawing/2014/main" xmlns="" val="10005"/>
                   </a:ext>
                 </a:extLst>
               </a:tr>
@@ -15406,7 +18810,7 @@
                 </a:tc>
                 <a:extLst>
                   <a:ext uri="{0D108BD9-81ED-4DB2-BD59-A6C34878D82A}">
-                    <a16:rowId xmlns="" xmlns:a16="http://schemas.microsoft.com/office/drawing/2014/main" val="10006"/>
+                    <a16:rowId xmlns:a16="http://schemas.microsoft.com/office/drawing/2014/main" xmlns="" val="10006"/>
                   </a:ext>
                 </a:extLst>
               </a:tr>
@@ -15443,7 +18847,7 @@
                 </a:tc>
                 <a:extLst>
                   <a:ext uri="{0D108BD9-81ED-4DB2-BD59-A6C34878D82A}">
-                    <a16:rowId xmlns="" xmlns:a16="http://schemas.microsoft.com/office/drawing/2014/main" val="10007"/>
+                    <a16:rowId xmlns:a16="http://schemas.microsoft.com/office/drawing/2014/main" xmlns="" val="10007"/>
                   </a:ext>
                 </a:extLst>
               </a:tr>
@@ -15613,13 +19017,13 @@
   <p:clrMapOvr>
     <a:masterClrMapping/>
   </p:clrMapOvr>
-  <mc:AlternateContent xmlns:mc="http://schemas.openxmlformats.org/markup-compatibility/2006">
-    <mc:Choice xmlns:p14="http://schemas.microsoft.com/office/powerpoint/2010/main" Requires="p14">
+  <mc:AlternateContent xmlns:mc="http://schemas.openxmlformats.org/markup-compatibility/2006" xmlns:p14="http://schemas.microsoft.com/office/powerpoint/2010/main">
+    <mc:Choice Requires="p14">
       <p:transition spd="med" p14:dur="700">
         <p:fade/>
       </p:transition>
     </mc:Choice>
-    <mc:Fallback>
+    <mc:Fallback xmlns="">
       <p:transition spd="med">
         <p:fade/>
       </p:transition>
@@ -15628,7 +19032,442 @@
   <p:timing>
     <p:tnLst>
       <p:par>
-        <p:cTn id="1" dur="indefinite" restart="never" nodeType="tmRoot"/>
+        <p:cTn id="1" dur="indefinite" restart="never" nodeType="tmRoot">
+          <p:childTnLst>
+            <p:seq concurrent="1" nextAc="seek">
+              <p:cTn id="2" dur="indefinite" nodeType="mainSeq">
+                <p:childTnLst>
+                  <p:par>
+                    <p:cTn id="3" fill="hold">
+                      <p:stCondLst>
+                        <p:cond delay="indefinite"/>
+                      </p:stCondLst>
+                      <p:childTnLst>
+                        <p:par>
+                          <p:cTn id="4" fill="hold">
+                            <p:stCondLst>
+                              <p:cond delay="0"/>
+                            </p:stCondLst>
+                            <p:childTnLst>
+                              <p:par>
+                                <p:cTn id="5" presetID="2" presetClass="entr" presetSubtype="4" fill="hold" nodeType="clickEffect">
+                                  <p:stCondLst>
+                                    <p:cond delay="0"/>
+                                  </p:stCondLst>
+                                  <p:childTnLst>
+                                    <p:set>
+                                      <p:cBhvr>
+                                        <p:cTn id="6" dur="1" fill="hold">
+                                          <p:stCondLst>
+                                            <p:cond delay="0"/>
+                                          </p:stCondLst>
+                                        </p:cTn>
+                                        <p:tgtEl>
+                                          <p:spTgt spid="3">
+                                            <p:txEl>
+                                              <p:pRg st="0" end="0"/>
+                                            </p:txEl>
+                                          </p:spTgt>
+                                        </p:tgtEl>
+                                        <p:attrNameLst>
+                                          <p:attrName>style.visibility</p:attrName>
+                                        </p:attrNameLst>
+                                      </p:cBhvr>
+                                      <p:to>
+                                        <p:strVal val="visible"/>
+                                      </p:to>
+                                    </p:set>
+                                    <p:anim calcmode="lin" valueType="num">
+                                      <p:cBhvr additive="base">
+                                        <p:cTn id="7" dur="500" fill="hold"/>
+                                        <p:tgtEl>
+                                          <p:spTgt spid="3">
+                                            <p:txEl>
+                                              <p:pRg st="0" end="0"/>
+                                            </p:txEl>
+                                          </p:spTgt>
+                                        </p:tgtEl>
+                                        <p:attrNameLst>
+                                          <p:attrName>ppt_x</p:attrName>
+                                        </p:attrNameLst>
+                                      </p:cBhvr>
+                                      <p:tavLst>
+                                        <p:tav tm="0">
+                                          <p:val>
+                                            <p:strVal val="#ppt_x"/>
+                                          </p:val>
+                                        </p:tav>
+                                        <p:tav tm="100000">
+                                          <p:val>
+                                            <p:strVal val="#ppt_x"/>
+                                          </p:val>
+                                        </p:tav>
+                                      </p:tavLst>
+                                    </p:anim>
+                                    <p:anim calcmode="lin" valueType="num">
+                                      <p:cBhvr additive="base">
+                                        <p:cTn id="8" dur="500" fill="hold"/>
+                                        <p:tgtEl>
+                                          <p:spTgt spid="3">
+                                            <p:txEl>
+                                              <p:pRg st="0" end="0"/>
+                                            </p:txEl>
+                                          </p:spTgt>
+                                        </p:tgtEl>
+                                        <p:attrNameLst>
+                                          <p:attrName>ppt_y</p:attrName>
+                                        </p:attrNameLst>
+                                      </p:cBhvr>
+                                      <p:tavLst>
+                                        <p:tav tm="0">
+                                          <p:val>
+                                            <p:strVal val="1+#ppt_h/2"/>
+                                          </p:val>
+                                        </p:tav>
+                                        <p:tav tm="100000">
+                                          <p:val>
+                                            <p:strVal val="#ppt_y"/>
+                                          </p:val>
+                                        </p:tav>
+                                      </p:tavLst>
+                                    </p:anim>
+                                  </p:childTnLst>
+                                </p:cTn>
+                              </p:par>
+                            </p:childTnLst>
+                          </p:cTn>
+                        </p:par>
+                      </p:childTnLst>
+                    </p:cTn>
+                  </p:par>
+                  <p:par>
+                    <p:cTn id="9" fill="hold">
+                      <p:stCondLst>
+                        <p:cond delay="indefinite"/>
+                      </p:stCondLst>
+                      <p:childTnLst>
+                        <p:par>
+                          <p:cTn id="10" fill="hold">
+                            <p:stCondLst>
+                              <p:cond delay="0"/>
+                            </p:stCondLst>
+                            <p:childTnLst>
+                              <p:par>
+                                <p:cTn id="11" presetID="2" presetClass="entr" presetSubtype="8" fill="hold" nodeType="clickEffect">
+                                  <p:stCondLst>
+                                    <p:cond delay="0"/>
+                                  </p:stCondLst>
+                                  <p:childTnLst>
+                                    <p:set>
+                                      <p:cBhvr>
+                                        <p:cTn id="12" dur="1" fill="hold">
+                                          <p:stCondLst>
+                                            <p:cond delay="0"/>
+                                          </p:stCondLst>
+                                        </p:cTn>
+                                        <p:tgtEl>
+                                          <p:spTgt spid="3">
+                                            <p:txEl>
+                                              <p:pRg st="1" end="1"/>
+                                            </p:txEl>
+                                          </p:spTgt>
+                                        </p:tgtEl>
+                                        <p:attrNameLst>
+                                          <p:attrName>style.visibility</p:attrName>
+                                        </p:attrNameLst>
+                                      </p:cBhvr>
+                                      <p:to>
+                                        <p:strVal val="visible"/>
+                                      </p:to>
+                                    </p:set>
+                                    <p:anim calcmode="lin" valueType="num">
+                                      <p:cBhvr additive="base">
+                                        <p:cTn id="13" dur="500" fill="hold"/>
+                                        <p:tgtEl>
+                                          <p:spTgt spid="3">
+                                            <p:txEl>
+                                              <p:pRg st="1" end="1"/>
+                                            </p:txEl>
+                                          </p:spTgt>
+                                        </p:tgtEl>
+                                        <p:attrNameLst>
+                                          <p:attrName>ppt_x</p:attrName>
+                                        </p:attrNameLst>
+                                      </p:cBhvr>
+                                      <p:tavLst>
+                                        <p:tav tm="0">
+                                          <p:val>
+                                            <p:strVal val="0-#ppt_w/2"/>
+                                          </p:val>
+                                        </p:tav>
+                                        <p:tav tm="100000">
+                                          <p:val>
+                                            <p:strVal val="#ppt_x"/>
+                                          </p:val>
+                                        </p:tav>
+                                      </p:tavLst>
+                                    </p:anim>
+                                    <p:anim calcmode="lin" valueType="num">
+                                      <p:cBhvr additive="base">
+                                        <p:cTn id="14" dur="500" fill="hold"/>
+                                        <p:tgtEl>
+                                          <p:spTgt spid="3">
+                                            <p:txEl>
+                                              <p:pRg st="1" end="1"/>
+                                            </p:txEl>
+                                          </p:spTgt>
+                                        </p:tgtEl>
+                                        <p:attrNameLst>
+                                          <p:attrName>ppt_y</p:attrName>
+                                        </p:attrNameLst>
+                                      </p:cBhvr>
+                                      <p:tavLst>
+                                        <p:tav tm="0">
+                                          <p:val>
+                                            <p:strVal val="#ppt_y"/>
+                                          </p:val>
+                                        </p:tav>
+                                        <p:tav tm="100000">
+                                          <p:val>
+                                            <p:strVal val="#ppt_y"/>
+                                          </p:val>
+                                        </p:tav>
+                                      </p:tavLst>
+                                    </p:anim>
+                                  </p:childTnLst>
+                                </p:cTn>
+                              </p:par>
+                            </p:childTnLst>
+                          </p:cTn>
+                        </p:par>
+                      </p:childTnLst>
+                    </p:cTn>
+                  </p:par>
+                  <p:par>
+                    <p:cTn id="15" fill="hold">
+                      <p:stCondLst>
+                        <p:cond delay="indefinite"/>
+                      </p:stCondLst>
+                      <p:childTnLst>
+                        <p:par>
+                          <p:cTn id="16" fill="hold">
+                            <p:stCondLst>
+                              <p:cond delay="0"/>
+                            </p:stCondLst>
+                            <p:childTnLst>
+                              <p:par>
+                                <p:cTn id="17" presetID="2" presetClass="entr" presetSubtype="8" fill="hold" nodeType="clickEffect">
+                                  <p:stCondLst>
+                                    <p:cond delay="0"/>
+                                  </p:stCondLst>
+                                  <p:childTnLst>
+                                    <p:set>
+                                      <p:cBhvr>
+                                        <p:cTn id="18" dur="1" fill="hold">
+                                          <p:stCondLst>
+                                            <p:cond delay="0"/>
+                                          </p:stCondLst>
+                                        </p:cTn>
+                                        <p:tgtEl>
+                                          <p:spTgt spid="3">
+                                            <p:txEl>
+                                              <p:pRg st="2" end="2"/>
+                                            </p:txEl>
+                                          </p:spTgt>
+                                        </p:tgtEl>
+                                        <p:attrNameLst>
+                                          <p:attrName>style.visibility</p:attrName>
+                                        </p:attrNameLst>
+                                      </p:cBhvr>
+                                      <p:to>
+                                        <p:strVal val="visible"/>
+                                      </p:to>
+                                    </p:set>
+                                    <p:anim calcmode="lin" valueType="num">
+                                      <p:cBhvr additive="base">
+                                        <p:cTn id="19" dur="500" fill="hold"/>
+                                        <p:tgtEl>
+                                          <p:spTgt spid="3">
+                                            <p:txEl>
+                                              <p:pRg st="2" end="2"/>
+                                            </p:txEl>
+                                          </p:spTgt>
+                                        </p:tgtEl>
+                                        <p:attrNameLst>
+                                          <p:attrName>ppt_x</p:attrName>
+                                        </p:attrNameLst>
+                                      </p:cBhvr>
+                                      <p:tavLst>
+                                        <p:tav tm="0">
+                                          <p:val>
+                                            <p:strVal val="0-#ppt_w/2"/>
+                                          </p:val>
+                                        </p:tav>
+                                        <p:tav tm="100000">
+                                          <p:val>
+                                            <p:strVal val="#ppt_x"/>
+                                          </p:val>
+                                        </p:tav>
+                                      </p:tavLst>
+                                    </p:anim>
+                                    <p:anim calcmode="lin" valueType="num">
+                                      <p:cBhvr additive="base">
+                                        <p:cTn id="20" dur="500" fill="hold"/>
+                                        <p:tgtEl>
+                                          <p:spTgt spid="3">
+                                            <p:txEl>
+                                              <p:pRg st="2" end="2"/>
+                                            </p:txEl>
+                                          </p:spTgt>
+                                        </p:tgtEl>
+                                        <p:attrNameLst>
+                                          <p:attrName>ppt_y</p:attrName>
+                                        </p:attrNameLst>
+                                      </p:cBhvr>
+                                      <p:tavLst>
+                                        <p:tav tm="0">
+                                          <p:val>
+                                            <p:strVal val="#ppt_y"/>
+                                          </p:val>
+                                        </p:tav>
+                                        <p:tav tm="100000">
+                                          <p:val>
+                                            <p:strVal val="#ppt_y"/>
+                                          </p:val>
+                                        </p:tav>
+                                      </p:tavLst>
+                                    </p:anim>
+                                  </p:childTnLst>
+                                </p:cTn>
+                              </p:par>
+                            </p:childTnLst>
+                          </p:cTn>
+                        </p:par>
+                      </p:childTnLst>
+                    </p:cTn>
+                  </p:par>
+                  <p:par>
+                    <p:cTn id="21" fill="hold">
+                      <p:stCondLst>
+                        <p:cond delay="indefinite"/>
+                      </p:stCondLst>
+                      <p:childTnLst>
+                        <p:par>
+                          <p:cTn id="22" fill="hold">
+                            <p:stCondLst>
+                              <p:cond delay="0"/>
+                            </p:stCondLst>
+                            <p:childTnLst>
+                              <p:par>
+                                <p:cTn id="23" presetID="2" presetClass="entr" presetSubtype="8" fill="hold" nodeType="clickEffect">
+                                  <p:stCondLst>
+                                    <p:cond delay="0"/>
+                                  </p:stCondLst>
+                                  <p:childTnLst>
+                                    <p:set>
+                                      <p:cBhvr>
+                                        <p:cTn id="24" dur="1" fill="hold">
+                                          <p:stCondLst>
+                                            <p:cond delay="0"/>
+                                          </p:stCondLst>
+                                        </p:cTn>
+                                        <p:tgtEl>
+                                          <p:spTgt spid="3">
+                                            <p:txEl>
+                                              <p:pRg st="3" end="3"/>
+                                            </p:txEl>
+                                          </p:spTgt>
+                                        </p:tgtEl>
+                                        <p:attrNameLst>
+                                          <p:attrName>style.visibility</p:attrName>
+                                        </p:attrNameLst>
+                                      </p:cBhvr>
+                                      <p:to>
+                                        <p:strVal val="visible"/>
+                                      </p:to>
+                                    </p:set>
+                                    <p:anim calcmode="lin" valueType="num">
+                                      <p:cBhvr additive="base">
+                                        <p:cTn id="25" dur="500" fill="hold"/>
+                                        <p:tgtEl>
+                                          <p:spTgt spid="3">
+                                            <p:txEl>
+                                              <p:pRg st="3" end="3"/>
+                                            </p:txEl>
+                                          </p:spTgt>
+                                        </p:tgtEl>
+                                        <p:attrNameLst>
+                                          <p:attrName>ppt_x</p:attrName>
+                                        </p:attrNameLst>
+                                      </p:cBhvr>
+                                      <p:tavLst>
+                                        <p:tav tm="0">
+                                          <p:val>
+                                            <p:strVal val="0-#ppt_w/2"/>
+                                          </p:val>
+                                        </p:tav>
+                                        <p:tav tm="100000">
+                                          <p:val>
+                                            <p:strVal val="#ppt_x"/>
+                                          </p:val>
+                                        </p:tav>
+                                      </p:tavLst>
+                                    </p:anim>
+                                    <p:anim calcmode="lin" valueType="num">
+                                      <p:cBhvr additive="base">
+                                        <p:cTn id="26" dur="500" fill="hold"/>
+                                        <p:tgtEl>
+                                          <p:spTgt spid="3">
+                                            <p:txEl>
+                                              <p:pRg st="3" end="3"/>
+                                            </p:txEl>
+                                          </p:spTgt>
+                                        </p:tgtEl>
+                                        <p:attrNameLst>
+                                          <p:attrName>ppt_y</p:attrName>
+                                        </p:attrNameLst>
+                                      </p:cBhvr>
+                                      <p:tavLst>
+                                        <p:tav tm="0">
+                                          <p:val>
+                                            <p:strVal val="#ppt_y"/>
+                                          </p:val>
+                                        </p:tav>
+                                        <p:tav tm="100000">
+                                          <p:val>
+                                            <p:strVal val="#ppt_y"/>
+                                          </p:val>
+                                        </p:tav>
+                                      </p:tavLst>
+                                    </p:anim>
+                                  </p:childTnLst>
+                                </p:cTn>
+                              </p:par>
+                            </p:childTnLst>
+                          </p:cTn>
+                        </p:par>
+                      </p:childTnLst>
+                    </p:cTn>
+                  </p:par>
+                </p:childTnLst>
+              </p:cTn>
+              <p:prevCondLst>
+                <p:cond evt="onPrev" delay="0">
+                  <p:tgtEl>
+                    <p:sldTgt/>
+                  </p:tgtEl>
+                </p:cond>
+              </p:prevCondLst>
+              <p:nextCondLst>
+                <p:cond evt="onNext" delay="0">
+                  <p:tgtEl>
+                    <p:sldTgt/>
+                  </p:tgtEl>
+                </p:cond>
+              </p:nextCondLst>
+            </p:seq>
+          </p:childTnLst>
+        </p:cTn>
       </p:par>
     </p:tnLst>
   </p:timing>
@@ -15684,14 +19523,14 @@
           <p:nvPr>
             <p:extLst>
               <p:ext uri="{D42A27DB-BD31-4B8C-83A1-F6EECF244321}">
-                <p14:modId xmlns:p14="http://schemas.microsoft.com/office/powerpoint/2010/main" val="3295671181"/>
+                <p14:modId xmlns:p14="http://schemas.microsoft.com/office/powerpoint/2010/main" val="3501496668"/>
               </p:ext>
             </p:extLst>
           </p:nvPr>
         </p:nvGraphicFramePr>
         <p:xfrm>
           <a:off x="1197868" y="2132856"/>
-          <a:ext cx="8815470" cy="4465143"/>
+          <a:ext cx="8815470" cy="4005775"/>
         </p:xfrm>
         <a:graphic>
           <a:graphicData uri="http://schemas.openxmlformats.org/drawingml/2006/table">
@@ -15703,21 +19542,21 @@
                 <a:gridCol w="2938490">
                   <a:extLst>
                     <a:ext uri="{9D8B030D-6E8A-4147-A177-3AD203B41FA5}">
-                      <a16:colId xmlns="" xmlns:a16="http://schemas.microsoft.com/office/drawing/2014/main" val="20000"/>
+                      <a16:colId xmlns:a16="http://schemas.microsoft.com/office/drawing/2014/main" xmlns="" val="20000"/>
                     </a:ext>
                   </a:extLst>
                 </a:gridCol>
                 <a:gridCol w="2938490">
                   <a:extLst>
                     <a:ext uri="{9D8B030D-6E8A-4147-A177-3AD203B41FA5}">
-                      <a16:colId xmlns="" xmlns:a16="http://schemas.microsoft.com/office/drawing/2014/main" val="20001"/>
+                      <a16:colId xmlns:a16="http://schemas.microsoft.com/office/drawing/2014/main" xmlns="" val="20001"/>
                     </a:ext>
                   </a:extLst>
                 </a:gridCol>
                 <a:gridCol w="2938490">
                   <a:extLst>
                     <a:ext uri="{9D8B030D-6E8A-4147-A177-3AD203B41FA5}">
-                      <a16:colId xmlns="" xmlns:a16="http://schemas.microsoft.com/office/drawing/2014/main" val="20002"/>
+                      <a16:colId xmlns:a16="http://schemas.microsoft.com/office/drawing/2014/main" xmlns="" val="20002"/>
                     </a:ext>
                   </a:extLst>
                 </a:gridCol>
@@ -15785,7 +19624,7 @@
                 </a:tc>
                 <a:extLst>
                   <a:ext uri="{0D108BD9-81ED-4DB2-BD59-A6C34878D82A}">
-                    <a16:rowId xmlns="" xmlns:a16="http://schemas.microsoft.com/office/drawing/2014/main" val="10000"/>
+                    <a16:rowId xmlns:a16="http://schemas.microsoft.com/office/drawing/2014/main" xmlns="" val="10000"/>
                   </a:ext>
                 </a:extLst>
               </a:tr>
@@ -15939,7 +19778,7 @@
                 </a:tc>
                 <a:extLst>
                   <a:ext uri="{0D108BD9-81ED-4DB2-BD59-A6C34878D82A}">
-                    <a16:rowId xmlns="" xmlns:a16="http://schemas.microsoft.com/office/drawing/2014/main" val="10001"/>
+                    <a16:rowId xmlns:a16="http://schemas.microsoft.com/office/drawing/2014/main" xmlns="" val="10001"/>
                   </a:ext>
                 </a:extLst>
               </a:tr>
@@ -15986,7 +19825,7 @@
                 </a:tc>
                 <a:extLst>
                   <a:ext uri="{0D108BD9-81ED-4DB2-BD59-A6C34878D82A}">
-                    <a16:rowId xmlns="" xmlns:a16="http://schemas.microsoft.com/office/drawing/2014/main" val="10002"/>
+                    <a16:rowId xmlns:a16="http://schemas.microsoft.com/office/drawing/2014/main" xmlns="" val="10002"/>
                   </a:ext>
                 </a:extLst>
               </a:tr>
@@ -16023,11 +19862,11 @@
                 </a:tc>
                 <a:extLst>
                   <a:ext uri="{0D108BD9-81ED-4DB2-BD59-A6C34878D82A}">
-                    <a16:rowId xmlns="" xmlns:a16="http://schemas.microsoft.com/office/drawing/2014/main" val="10003"/>
+                    <a16:rowId xmlns:a16="http://schemas.microsoft.com/office/drawing/2014/main" xmlns="" val="10003"/>
                   </a:ext>
                 </a:extLst>
               </a:tr>
-              <a:tr h="854327">
+              <a:tr h="394959">
                 <a:tc>
                   <a:txBody>
                     <a:bodyPr/>
@@ -16060,7 +19899,7 @@
                 </a:tc>
                 <a:extLst>
                   <a:ext uri="{0D108BD9-81ED-4DB2-BD59-A6C34878D82A}">
-                    <a16:rowId xmlns="" xmlns:a16="http://schemas.microsoft.com/office/drawing/2014/main" val="10004"/>
+                    <a16:rowId xmlns:a16="http://schemas.microsoft.com/office/drawing/2014/main" xmlns="" val="10004"/>
                   </a:ext>
                 </a:extLst>
               </a:tr>
@@ -16097,7 +19936,7 @@
                 </a:tc>
                 <a:extLst>
                   <a:ext uri="{0D108BD9-81ED-4DB2-BD59-A6C34878D82A}">
-                    <a16:rowId xmlns="" xmlns:a16="http://schemas.microsoft.com/office/drawing/2014/main" val="10005"/>
+                    <a16:rowId xmlns:a16="http://schemas.microsoft.com/office/drawing/2014/main" xmlns="" val="10005"/>
                   </a:ext>
                 </a:extLst>
               </a:tr>
@@ -16134,7 +19973,7 @@
                 </a:tc>
                 <a:extLst>
                   <a:ext uri="{0D108BD9-81ED-4DB2-BD59-A6C34878D82A}">
-                    <a16:rowId xmlns="" xmlns:a16="http://schemas.microsoft.com/office/drawing/2014/main" val="10006"/>
+                    <a16:rowId xmlns:a16="http://schemas.microsoft.com/office/drawing/2014/main" xmlns="" val="10006"/>
                   </a:ext>
                 </a:extLst>
               </a:tr>
@@ -16171,7 +20010,7 @@
                 </a:tc>
                 <a:extLst>
                   <a:ext uri="{0D108BD9-81ED-4DB2-BD59-A6C34878D82A}">
-                    <a16:rowId xmlns="" xmlns:a16="http://schemas.microsoft.com/office/drawing/2014/main" val="10007"/>
+                    <a16:rowId xmlns:a16="http://schemas.microsoft.com/office/drawing/2014/main" xmlns="" val="10007"/>
                   </a:ext>
                 </a:extLst>
               </a:tr>
@@ -16640,7 +20479,18 @@
             </a:r>
             <a:r>
               <a:rPr lang="de-DE" dirty="0" smtClean="0"/>
-              <a:t>wird unterstützt.</a:t>
+              <a:t>wird unterstützt</a:t>
+            </a:r>
+            <a:r>
+              <a:rPr lang="de-DE" dirty="0" smtClean="0"/>
+              <a:t>.</a:t>
+            </a:r>
+          </a:p>
+          <a:p>
+            <a:pPr lvl="1"/>
+            <a:r>
+              <a:rPr lang="de-DE" dirty="0" smtClean="0"/>
+              <a:t>16TB</a:t>
             </a:r>
             <a:endParaRPr lang="de-DE" dirty="0"/>
           </a:p>
@@ -16663,554 +20513,6 @@
     <p:extLst>
       <p:ext uri="{BB962C8B-B14F-4D97-AF65-F5344CB8AC3E}">
         <p14:creationId xmlns:p14="http://schemas.microsoft.com/office/powerpoint/2010/main" val="3265944214"/>
-      </p:ext>
-    </p:extLst>
-  </p:cSld>
-  <p:clrMapOvr>
-    <a:masterClrMapping/>
-  </p:clrMapOvr>
-  <mc:AlternateContent xmlns:mc="http://schemas.openxmlformats.org/markup-compatibility/2006">
-    <mc:Choice xmlns:p14="http://schemas.microsoft.com/office/powerpoint/2010/main" Requires="p14">
-      <p:transition spd="med" p14:dur="700">
-        <p:fade/>
-      </p:transition>
-    </mc:Choice>
-    <mc:Fallback>
-      <p:transition spd="med">
-        <p:fade/>
-      </p:transition>
-    </mc:Fallback>
-  </mc:AlternateContent>
-  <p:timing>
-    <p:tnLst>
-      <p:par>
-        <p:cTn id="1" dur="indefinite" restart="never" nodeType="tmRoot"/>
-      </p:par>
-    </p:tnLst>
-  </p:timing>
-</p:sld>
-</file>
-
-<file path=ppt/slides/slide8.xml><?xml version="1.0" encoding="utf-8"?>
-<p:sld xmlns:a="http://schemas.openxmlformats.org/drawingml/2006/main" xmlns:r="http://schemas.openxmlformats.org/officeDocument/2006/relationships" xmlns:p="http://schemas.openxmlformats.org/presentationml/2006/main">
-  <p:cSld>
-    <p:spTree>
-      <p:nvGrpSpPr>
-        <p:cNvPr id="1" name=""/>
-        <p:cNvGrpSpPr/>
-        <p:nvPr/>
-      </p:nvGrpSpPr>
-      <p:grpSpPr>
-        <a:xfrm>
-          <a:off x="0" y="0"/>
-          <a:ext cx="0" cy="0"/>
-          <a:chOff x="0" y="0"/>
-          <a:chExt cx="0" cy="0"/>
-        </a:xfrm>
-      </p:grpSpPr>
-      <p:sp>
-        <p:nvSpPr>
-          <p:cNvPr id="2" name="Titel 1"/>
-          <p:cNvSpPr>
-            <a:spLocks noGrp="1"/>
-          </p:cNvSpPr>
-          <p:nvPr>
-            <p:ph type="title"/>
-          </p:nvPr>
-        </p:nvSpPr>
-        <p:spPr/>
-        <p:txBody>
-          <a:bodyPr/>
-          <a:lstStyle/>
-          <a:p>
-            <a:r>
-              <a:rPr lang="de-DE" dirty="0"/>
-              <a:t>Allgemeine Anforderungen </a:t>
-            </a:r>
-          </a:p>
-        </p:txBody>
-      </p:sp>
-      <p:graphicFrame>
-        <p:nvGraphicFramePr>
-          <p:cNvPr id="4" name="Tabelle 3"/>
-          <p:cNvGraphicFramePr>
-            <a:graphicFrameLocks noGrp="1"/>
-          </p:cNvGraphicFramePr>
-          <p:nvPr>
-            <p:extLst>
-              <p:ext uri="{D42A27DB-BD31-4B8C-83A1-F6EECF244321}">
-                <p14:modId xmlns:p14="http://schemas.microsoft.com/office/powerpoint/2010/main" val="2231414876"/>
-              </p:ext>
-            </p:extLst>
-          </p:nvPr>
-        </p:nvGraphicFramePr>
-        <p:xfrm>
-          <a:off x="1197868" y="2132856"/>
-          <a:ext cx="8815470" cy="4320482"/>
-        </p:xfrm>
-        <a:graphic>
-          <a:graphicData uri="http://schemas.openxmlformats.org/drawingml/2006/table">
-            <a:tbl>
-              <a:tblPr firstRow="1" bandRow="1">
-                <a:tableStyleId>{5C22544A-7EE6-4342-B048-85BDC9FD1C3A}</a:tableStyleId>
-              </a:tblPr>
-              <a:tblGrid>
-                <a:gridCol w="2938490">
-                  <a:extLst>
-                    <a:ext uri="{9D8B030D-6E8A-4147-A177-3AD203B41FA5}">
-                      <a16:colId xmlns="" xmlns:a16="http://schemas.microsoft.com/office/drawing/2014/main" val="20000"/>
-                    </a:ext>
-                  </a:extLst>
-                </a:gridCol>
-                <a:gridCol w="2938490">
-                  <a:extLst>
-                    <a:ext uri="{9D8B030D-6E8A-4147-A177-3AD203B41FA5}">
-                      <a16:colId xmlns="" xmlns:a16="http://schemas.microsoft.com/office/drawing/2014/main" val="20001"/>
-                    </a:ext>
-                  </a:extLst>
-                </a:gridCol>
-                <a:gridCol w="2938490">
-                  <a:extLst>
-                    <a:ext uri="{9D8B030D-6E8A-4147-A177-3AD203B41FA5}">
-                      <a16:colId xmlns="" xmlns:a16="http://schemas.microsoft.com/office/drawing/2014/main" val="20002"/>
-                    </a:ext>
-                  </a:extLst>
-                </a:gridCol>
-              </a:tblGrid>
-              <a:tr h="495165">
-                <a:tc>
-                  <a:txBody>
-                    <a:bodyPr/>
-                    <a:lstStyle/>
-                    <a:p>
-                      <a:r>
-                        <a:rPr lang="de-DE" dirty="0"/>
-                        <a:t>Bereich</a:t>
-                      </a:r>
-                    </a:p>
-                  </a:txBody>
-                  <a:tcPr/>
-                </a:tc>
-                <a:tc>
-                  <a:txBody>
-                    <a:bodyPr/>
-                    <a:lstStyle/>
-                    <a:p>
-                      <a:r>
-                        <a:rPr lang="de-DE" dirty="0"/>
-                        <a:t>Model</a:t>
-                      </a:r>
-                    </a:p>
-                  </a:txBody>
-                  <a:tcPr/>
-                </a:tc>
-                <a:tc>
-                  <a:txBody>
-                    <a:bodyPr/>
-                    <a:lstStyle/>
-                    <a:p>
-                      <a:r>
-                        <a:rPr lang="de-DE" dirty="0"/>
-                        <a:t>Preis</a:t>
-                      </a:r>
-                    </a:p>
-                  </a:txBody>
-                  <a:tcPr/>
-                </a:tc>
-                <a:extLst>
-                  <a:ext uri="{0D108BD9-81ED-4DB2-BD59-A6C34878D82A}">
-                    <a16:rowId xmlns="" xmlns:a16="http://schemas.microsoft.com/office/drawing/2014/main" val="10000"/>
-                  </a:ext>
-                </a:extLst>
-              </a:tr>
-              <a:tr h="495165">
-                <a:tc>
-                  <a:txBody>
-                    <a:bodyPr/>
-                    <a:lstStyle/>
-                    <a:p>
-                      <a:r>
-                        <a:rPr lang="de-DE" dirty="0"/>
-                        <a:t>Netzwerk</a:t>
-                      </a:r>
-                    </a:p>
-                  </a:txBody>
-                  <a:tcPr/>
-                </a:tc>
-                <a:tc>
-                  <a:txBody>
-                    <a:bodyPr/>
-                    <a:lstStyle/>
-                    <a:p>
-                      <a:r>
-                        <a:rPr lang="de-DE" sz="1799" b="0" i="0" u="none" strike="noStrike" kern="1200" dirty="0">
-                          <a:solidFill>
-                            <a:schemeClr val="dk1"/>
-                          </a:solidFill>
-                          <a:effectLst/>
-                          <a:latin typeface="+mn-lt"/>
-                          <a:ea typeface="+mn-ea"/>
-                          <a:cs typeface="+mn-cs"/>
-                        </a:rPr>
-                        <a:t>HP </a:t>
-                      </a:r>
-                      <a:r>
-                        <a:rPr lang="de-DE" sz="1799" b="0" i="0" u="none" strike="noStrike" kern="1200" dirty="0" err="1">
-                          <a:solidFill>
-                            <a:schemeClr val="dk1"/>
-                          </a:solidFill>
-                          <a:effectLst/>
-                          <a:latin typeface="+mn-lt"/>
-                          <a:ea typeface="+mn-ea"/>
-                          <a:cs typeface="+mn-cs"/>
-                        </a:rPr>
-                        <a:t>ProLiant</a:t>
-                      </a:r>
-                      <a:r>
-                        <a:rPr lang="de-DE" sz="1799" b="0" i="0" u="none" strike="noStrike" kern="1200" dirty="0">
-                          <a:solidFill>
-                            <a:schemeClr val="dk1"/>
-                          </a:solidFill>
-                          <a:effectLst/>
-                          <a:latin typeface="+mn-lt"/>
-                          <a:ea typeface="+mn-ea"/>
-                          <a:cs typeface="+mn-cs"/>
-                        </a:rPr>
-                        <a:t> DL80G92U…</a:t>
-                      </a:r>
-                      <a:endParaRPr lang="de-DE" dirty="0"/>
-                    </a:p>
-                  </a:txBody>
-                  <a:tcPr/>
-                </a:tc>
-                <a:tc>
-                  <a:txBody>
-                    <a:bodyPr/>
-                    <a:lstStyle/>
-                    <a:p>
-                      <a:endParaRPr lang="de-DE" dirty="0"/>
-                    </a:p>
-                  </a:txBody>
-                  <a:tcPr/>
-                </a:tc>
-                <a:extLst>
-                  <a:ext uri="{0D108BD9-81ED-4DB2-BD59-A6C34878D82A}">
-                    <a16:rowId xmlns="" xmlns:a16="http://schemas.microsoft.com/office/drawing/2014/main" val="10001"/>
-                  </a:ext>
-                </a:extLst>
-              </a:tr>
-              <a:tr h="495165">
-                <a:tc>
-                  <a:txBody>
-                    <a:bodyPr/>
-                    <a:lstStyle/>
-                    <a:p>
-                      <a:endParaRPr lang="de-DE" dirty="0"/>
-                    </a:p>
-                  </a:txBody>
-                  <a:tcPr/>
-                </a:tc>
-                <a:tc>
-                  <a:txBody>
-                    <a:bodyPr/>
-                    <a:lstStyle/>
-                    <a:p>
-                      <a:endParaRPr lang="de-DE" dirty="0"/>
-                    </a:p>
-                  </a:txBody>
-                  <a:tcPr/>
-                </a:tc>
-                <a:tc>
-                  <a:txBody>
-                    <a:bodyPr/>
-                    <a:lstStyle/>
-                    <a:p>
-                      <a:endParaRPr lang="de-DE"/>
-                    </a:p>
-                  </a:txBody>
-                  <a:tcPr/>
-                </a:tc>
-                <a:extLst>
-                  <a:ext uri="{0D108BD9-81ED-4DB2-BD59-A6C34878D82A}">
-                    <a16:rowId xmlns="" xmlns:a16="http://schemas.microsoft.com/office/drawing/2014/main" val="10002"/>
-                  </a:ext>
-                </a:extLst>
-              </a:tr>
-              <a:tr h="495165">
-                <a:tc>
-                  <a:txBody>
-                    <a:bodyPr/>
-                    <a:lstStyle/>
-                    <a:p>
-                      <a:endParaRPr lang="de-DE" dirty="0"/>
-                    </a:p>
-                  </a:txBody>
-                  <a:tcPr/>
-                </a:tc>
-                <a:tc>
-                  <a:txBody>
-                    <a:bodyPr/>
-                    <a:lstStyle/>
-                    <a:p>
-                      <a:endParaRPr lang="de-DE"/>
-                    </a:p>
-                  </a:txBody>
-                  <a:tcPr/>
-                </a:tc>
-                <a:tc>
-                  <a:txBody>
-                    <a:bodyPr/>
-                    <a:lstStyle/>
-                    <a:p>
-                      <a:endParaRPr lang="de-DE" dirty="0"/>
-                    </a:p>
-                  </a:txBody>
-                  <a:tcPr/>
-                </a:tc>
-                <a:extLst>
-                  <a:ext uri="{0D108BD9-81ED-4DB2-BD59-A6C34878D82A}">
-                    <a16:rowId xmlns="" xmlns:a16="http://schemas.microsoft.com/office/drawing/2014/main" val="10003"/>
-                  </a:ext>
-                </a:extLst>
-              </a:tr>
-              <a:tr h="854327">
-                <a:tc>
-                  <a:txBody>
-                    <a:bodyPr/>
-                    <a:lstStyle/>
-                    <a:p>
-                      <a:endParaRPr lang="de-DE" dirty="0"/>
-                    </a:p>
-                  </a:txBody>
-                  <a:tcPr/>
-                </a:tc>
-                <a:tc>
-                  <a:txBody>
-                    <a:bodyPr/>
-                    <a:lstStyle/>
-                    <a:p>
-                      <a:endParaRPr lang="de-DE"/>
-                    </a:p>
-                  </a:txBody>
-                  <a:tcPr/>
-                </a:tc>
-                <a:tc>
-                  <a:txBody>
-                    <a:bodyPr/>
-                    <a:lstStyle/>
-                    <a:p>
-                      <a:endParaRPr lang="de-DE" dirty="0"/>
-                    </a:p>
-                  </a:txBody>
-                  <a:tcPr/>
-                </a:tc>
-                <a:extLst>
-                  <a:ext uri="{0D108BD9-81ED-4DB2-BD59-A6C34878D82A}">
-                    <a16:rowId xmlns="" xmlns:a16="http://schemas.microsoft.com/office/drawing/2014/main" val="10004"/>
-                  </a:ext>
-                </a:extLst>
-              </a:tr>
-              <a:tr h="495165">
-                <a:tc>
-                  <a:txBody>
-                    <a:bodyPr/>
-                    <a:lstStyle/>
-                    <a:p>
-                      <a:endParaRPr lang="de-DE" dirty="0"/>
-                    </a:p>
-                  </a:txBody>
-                  <a:tcPr/>
-                </a:tc>
-                <a:tc>
-                  <a:txBody>
-                    <a:bodyPr/>
-                    <a:lstStyle/>
-                    <a:p>
-                      <a:endParaRPr lang="de-DE"/>
-                    </a:p>
-                  </a:txBody>
-                  <a:tcPr/>
-                </a:tc>
-                <a:tc>
-                  <a:txBody>
-                    <a:bodyPr/>
-                    <a:lstStyle/>
-                    <a:p>
-                      <a:endParaRPr lang="de-DE" dirty="0"/>
-                    </a:p>
-                  </a:txBody>
-                  <a:tcPr/>
-                </a:tc>
-                <a:extLst>
-                  <a:ext uri="{0D108BD9-81ED-4DB2-BD59-A6C34878D82A}">
-                    <a16:rowId xmlns="" xmlns:a16="http://schemas.microsoft.com/office/drawing/2014/main" val="10005"/>
-                  </a:ext>
-                </a:extLst>
-              </a:tr>
-              <a:tr h="495165">
-                <a:tc>
-                  <a:txBody>
-                    <a:bodyPr/>
-                    <a:lstStyle/>
-                    <a:p>
-                      <a:endParaRPr lang="de-DE" dirty="0"/>
-                    </a:p>
-                  </a:txBody>
-                  <a:tcPr/>
-                </a:tc>
-                <a:tc>
-                  <a:txBody>
-                    <a:bodyPr/>
-                    <a:lstStyle/>
-                    <a:p>
-                      <a:endParaRPr lang="de-DE"/>
-                    </a:p>
-                  </a:txBody>
-                  <a:tcPr/>
-                </a:tc>
-                <a:tc>
-                  <a:txBody>
-                    <a:bodyPr/>
-                    <a:lstStyle/>
-                    <a:p>
-                      <a:endParaRPr lang="de-DE" dirty="0"/>
-                    </a:p>
-                  </a:txBody>
-                  <a:tcPr/>
-                </a:tc>
-                <a:extLst>
-                  <a:ext uri="{0D108BD9-81ED-4DB2-BD59-A6C34878D82A}">
-                    <a16:rowId xmlns="" xmlns:a16="http://schemas.microsoft.com/office/drawing/2014/main" val="10006"/>
-                  </a:ext>
-                </a:extLst>
-              </a:tr>
-              <a:tr h="495165">
-                <a:tc>
-                  <a:txBody>
-                    <a:bodyPr/>
-                    <a:lstStyle/>
-                    <a:p>
-                      <a:endParaRPr lang="de-DE" dirty="0"/>
-                    </a:p>
-                  </a:txBody>
-                  <a:tcPr/>
-                </a:tc>
-                <a:tc>
-                  <a:txBody>
-                    <a:bodyPr/>
-                    <a:lstStyle/>
-                    <a:p>
-                      <a:endParaRPr lang="de-DE" dirty="0"/>
-                    </a:p>
-                  </a:txBody>
-                  <a:tcPr/>
-                </a:tc>
-                <a:tc>
-                  <a:txBody>
-                    <a:bodyPr/>
-                    <a:lstStyle/>
-                    <a:p>
-                      <a:endParaRPr lang="de-DE" dirty="0"/>
-                    </a:p>
-                  </a:txBody>
-                  <a:tcPr/>
-                </a:tc>
-                <a:extLst>
-                  <a:ext uri="{0D108BD9-81ED-4DB2-BD59-A6C34878D82A}">
-                    <a16:rowId xmlns="" xmlns:a16="http://schemas.microsoft.com/office/drawing/2014/main" val="10007"/>
-                  </a:ext>
-                </a:extLst>
-              </a:tr>
-            </a:tbl>
-          </a:graphicData>
-        </a:graphic>
-      </p:graphicFrame>
-      <p:sp>
-        <p:nvSpPr>
-          <p:cNvPr id="3" name="Textfeld 2"/>
-          <p:cNvSpPr txBox="1"/>
-          <p:nvPr/>
-        </p:nvSpPr>
-        <p:spPr>
-          <a:xfrm>
-            <a:off x="7133018" y="2708920"/>
-            <a:ext cx="2880320" cy="369332"/>
-          </a:xfrm>
-          <a:prstGeom prst="rect">
-            <a:avLst/>
-          </a:prstGeom>
-          <a:noFill/>
-        </p:spPr>
-        <p:txBody>
-          <a:bodyPr wrap="square" rtlCol="0">
-            <a:spAutoFit/>
-          </a:bodyPr>
-          <a:lstStyle/>
-          <a:p>
-            <a:r>
-              <a:rPr lang="el-GR" sz="1799" dirty="0">
-                <a:solidFill>
-                  <a:schemeClr val="bg1"/>
-                </a:solidFill>
-              </a:rPr>
-              <a:t>Σ</a:t>
-            </a:r>
-            <a:r>
-              <a:rPr lang="de-DE" sz="1799" dirty="0">
-                <a:solidFill>
-                  <a:schemeClr val="bg1"/>
-                </a:solidFill>
-              </a:rPr>
-              <a:t> </a:t>
-            </a:r>
-            <a:r>
-              <a:rPr lang="de-DE" dirty="0">
-                <a:solidFill>
-                  <a:schemeClr val="bg1"/>
-                </a:solidFill>
-              </a:rPr>
-              <a:t>XXX,YY€</a:t>
-            </a:r>
-          </a:p>
-        </p:txBody>
-      </p:sp>
-      <p:sp>
-        <p:nvSpPr>
-          <p:cNvPr id="5" name="Textfeld 4"/>
-          <p:cNvSpPr txBox="1"/>
-          <p:nvPr/>
-        </p:nvSpPr>
-        <p:spPr>
-          <a:xfrm>
-            <a:off x="1197868" y="3203684"/>
-            <a:ext cx="2880320" cy="369332"/>
-          </a:xfrm>
-          <a:prstGeom prst="rect">
-            <a:avLst/>
-          </a:prstGeom>
-          <a:noFill/>
-        </p:spPr>
-        <p:txBody>
-          <a:bodyPr wrap="square" rtlCol="0">
-            <a:spAutoFit/>
-          </a:bodyPr>
-          <a:lstStyle/>
-          <a:p>
-            <a:r>
-              <a:rPr lang="de-DE" dirty="0">
-                <a:solidFill>
-                  <a:schemeClr val="bg1"/>
-                </a:solidFill>
-              </a:rPr>
-              <a:t>Programmierung</a:t>
-            </a:r>
-          </a:p>
-        </p:txBody>
-      </p:sp>
-    </p:spTree>
-    <p:extLst>
-      <p:ext uri="{BB962C8B-B14F-4D97-AF65-F5344CB8AC3E}">
-        <p14:creationId xmlns:p14="http://schemas.microsoft.com/office/powerpoint/2010/main" val="1070570958"/>
       </p:ext>
     </p:extLst>
   </p:cSld>
@@ -17250,7 +20552,7 @@
                             </p:stCondLst>
                             <p:childTnLst>
                               <p:par>
-                                <p:cTn id="5" presetID="2" presetClass="entr" presetSubtype="4" fill="hold" grpId="0" nodeType="clickEffect">
+                                <p:cTn id="5" presetID="2" presetClass="entr" presetSubtype="4" fill="hold" nodeType="clickEffect">
                                   <p:stCondLst>
                                     <p:cond delay="0"/>
                                   </p:stCondLst>
@@ -17263,7 +20565,11 @@
                                           </p:stCondLst>
                                         </p:cTn>
                                         <p:tgtEl>
-                                          <p:spTgt spid="3"/>
+                                          <p:spTgt spid="3">
+                                            <p:txEl>
+                                              <p:pRg st="0" end="0"/>
+                                            </p:txEl>
+                                          </p:spTgt>
                                         </p:tgtEl>
                                         <p:attrNameLst>
                                           <p:attrName>style.visibility</p:attrName>
@@ -17277,7 +20583,11 @@
                                       <p:cBhvr additive="base">
                                         <p:cTn id="7" dur="500" fill="hold"/>
                                         <p:tgtEl>
-                                          <p:spTgt spid="3"/>
+                                          <p:spTgt spid="3">
+                                            <p:txEl>
+                                              <p:pRg st="0" end="0"/>
+                                            </p:txEl>
+                                          </p:spTgt>
                                         </p:tgtEl>
                                         <p:attrNameLst>
                                           <p:attrName>ppt_x</p:attrName>
@@ -17300,7 +20610,11 @@
                                       <p:cBhvr additive="base">
                                         <p:cTn id="8" dur="500" fill="hold"/>
                                         <p:tgtEl>
-                                          <p:spTgt spid="3"/>
+                                          <p:spTgt spid="3">
+                                            <p:txEl>
+                                              <p:pRg st="0" end="0"/>
+                                            </p:txEl>
+                                          </p:spTgt>
                                         </p:tgtEl>
                                         <p:attrNameLst>
                                           <p:attrName>ppt_y</p:attrName>
@@ -17341,7 +20655,7 @@
                             </p:stCondLst>
                             <p:childTnLst>
                               <p:par>
-                                <p:cTn id="11" presetID="2" presetClass="entr" presetSubtype="4" fill="hold" grpId="0" nodeType="clickEffect">
+                                <p:cTn id="11" presetID="2" presetClass="entr" presetSubtype="4" fill="hold" nodeType="clickEffect">
                                   <p:stCondLst>
                                     <p:cond delay="0"/>
                                   </p:stCondLst>
@@ -17354,7 +20668,11 @@
                                           </p:stCondLst>
                                         </p:cTn>
                                         <p:tgtEl>
-                                          <p:spTgt spid="5"/>
+                                          <p:spTgt spid="3">
+                                            <p:txEl>
+                                              <p:pRg st="1" end="1"/>
+                                            </p:txEl>
+                                          </p:spTgt>
                                         </p:tgtEl>
                                         <p:attrNameLst>
                                           <p:attrName>style.visibility</p:attrName>
@@ -17368,7 +20686,11 @@
                                       <p:cBhvr additive="base">
                                         <p:cTn id="13" dur="500" fill="hold"/>
                                         <p:tgtEl>
-                                          <p:spTgt spid="5"/>
+                                          <p:spTgt spid="3">
+                                            <p:txEl>
+                                              <p:pRg st="1" end="1"/>
+                                            </p:txEl>
+                                          </p:spTgt>
                                         </p:tgtEl>
                                         <p:attrNameLst>
                                           <p:attrName>ppt_x</p:attrName>
@@ -17391,7 +20713,526 @@
                                       <p:cBhvr additive="base">
                                         <p:cTn id="14" dur="500" fill="hold"/>
                                         <p:tgtEl>
-                                          <p:spTgt spid="5"/>
+                                          <p:spTgt spid="3">
+                                            <p:txEl>
+                                              <p:pRg st="1" end="1"/>
+                                            </p:txEl>
+                                          </p:spTgt>
+                                        </p:tgtEl>
+                                        <p:attrNameLst>
+                                          <p:attrName>ppt_y</p:attrName>
+                                        </p:attrNameLst>
+                                      </p:cBhvr>
+                                      <p:tavLst>
+                                        <p:tav tm="0">
+                                          <p:val>
+                                            <p:strVal val="1+#ppt_h/2"/>
+                                          </p:val>
+                                        </p:tav>
+                                        <p:tav tm="100000">
+                                          <p:val>
+                                            <p:strVal val="#ppt_y"/>
+                                          </p:val>
+                                        </p:tav>
+                                      </p:tavLst>
+                                    </p:anim>
+                                  </p:childTnLst>
+                                </p:cTn>
+                              </p:par>
+                            </p:childTnLst>
+                          </p:cTn>
+                        </p:par>
+                      </p:childTnLst>
+                    </p:cTn>
+                  </p:par>
+                  <p:par>
+                    <p:cTn id="15" fill="hold">
+                      <p:stCondLst>
+                        <p:cond delay="indefinite"/>
+                      </p:stCondLst>
+                      <p:childTnLst>
+                        <p:par>
+                          <p:cTn id="16" fill="hold">
+                            <p:stCondLst>
+                              <p:cond delay="0"/>
+                            </p:stCondLst>
+                            <p:childTnLst>
+                              <p:par>
+                                <p:cTn id="17" presetID="2" presetClass="entr" presetSubtype="8" fill="hold" nodeType="clickEffect">
+                                  <p:stCondLst>
+                                    <p:cond delay="0"/>
+                                  </p:stCondLst>
+                                  <p:childTnLst>
+                                    <p:set>
+                                      <p:cBhvr>
+                                        <p:cTn id="18" dur="1" fill="hold">
+                                          <p:stCondLst>
+                                            <p:cond delay="0"/>
+                                          </p:stCondLst>
+                                        </p:cTn>
+                                        <p:tgtEl>
+                                          <p:spTgt spid="3">
+                                            <p:txEl>
+                                              <p:pRg st="2" end="2"/>
+                                            </p:txEl>
+                                          </p:spTgt>
+                                        </p:tgtEl>
+                                        <p:attrNameLst>
+                                          <p:attrName>style.visibility</p:attrName>
+                                        </p:attrNameLst>
+                                      </p:cBhvr>
+                                      <p:to>
+                                        <p:strVal val="visible"/>
+                                      </p:to>
+                                    </p:set>
+                                    <p:anim calcmode="lin" valueType="num">
+                                      <p:cBhvr additive="base">
+                                        <p:cTn id="19" dur="500" fill="hold"/>
+                                        <p:tgtEl>
+                                          <p:spTgt spid="3">
+                                            <p:txEl>
+                                              <p:pRg st="2" end="2"/>
+                                            </p:txEl>
+                                          </p:spTgt>
+                                        </p:tgtEl>
+                                        <p:attrNameLst>
+                                          <p:attrName>ppt_x</p:attrName>
+                                        </p:attrNameLst>
+                                      </p:cBhvr>
+                                      <p:tavLst>
+                                        <p:tav tm="0">
+                                          <p:val>
+                                            <p:strVal val="0-#ppt_w/2"/>
+                                          </p:val>
+                                        </p:tav>
+                                        <p:tav tm="100000">
+                                          <p:val>
+                                            <p:strVal val="#ppt_x"/>
+                                          </p:val>
+                                        </p:tav>
+                                      </p:tavLst>
+                                    </p:anim>
+                                    <p:anim calcmode="lin" valueType="num">
+                                      <p:cBhvr additive="base">
+                                        <p:cTn id="20" dur="500" fill="hold"/>
+                                        <p:tgtEl>
+                                          <p:spTgt spid="3">
+                                            <p:txEl>
+                                              <p:pRg st="2" end="2"/>
+                                            </p:txEl>
+                                          </p:spTgt>
+                                        </p:tgtEl>
+                                        <p:attrNameLst>
+                                          <p:attrName>ppt_y</p:attrName>
+                                        </p:attrNameLst>
+                                      </p:cBhvr>
+                                      <p:tavLst>
+                                        <p:tav tm="0">
+                                          <p:val>
+                                            <p:strVal val="#ppt_y"/>
+                                          </p:val>
+                                        </p:tav>
+                                        <p:tav tm="100000">
+                                          <p:val>
+                                            <p:strVal val="#ppt_y"/>
+                                          </p:val>
+                                        </p:tav>
+                                      </p:tavLst>
+                                    </p:anim>
+                                  </p:childTnLst>
+                                </p:cTn>
+                              </p:par>
+                            </p:childTnLst>
+                          </p:cTn>
+                        </p:par>
+                      </p:childTnLst>
+                    </p:cTn>
+                  </p:par>
+                  <p:par>
+                    <p:cTn id="21" fill="hold">
+                      <p:stCondLst>
+                        <p:cond delay="indefinite"/>
+                      </p:stCondLst>
+                      <p:childTnLst>
+                        <p:par>
+                          <p:cTn id="22" fill="hold">
+                            <p:stCondLst>
+                              <p:cond delay="0"/>
+                            </p:stCondLst>
+                            <p:childTnLst>
+                              <p:par>
+                                <p:cTn id="23" presetID="2" presetClass="entr" presetSubtype="8" fill="hold" nodeType="clickEffect">
+                                  <p:stCondLst>
+                                    <p:cond delay="0"/>
+                                  </p:stCondLst>
+                                  <p:childTnLst>
+                                    <p:set>
+                                      <p:cBhvr>
+                                        <p:cTn id="24" dur="1" fill="hold">
+                                          <p:stCondLst>
+                                            <p:cond delay="0"/>
+                                          </p:stCondLst>
+                                        </p:cTn>
+                                        <p:tgtEl>
+                                          <p:spTgt spid="3">
+                                            <p:txEl>
+                                              <p:pRg st="3" end="3"/>
+                                            </p:txEl>
+                                          </p:spTgt>
+                                        </p:tgtEl>
+                                        <p:attrNameLst>
+                                          <p:attrName>style.visibility</p:attrName>
+                                        </p:attrNameLst>
+                                      </p:cBhvr>
+                                      <p:to>
+                                        <p:strVal val="visible"/>
+                                      </p:to>
+                                    </p:set>
+                                    <p:anim calcmode="lin" valueType="num">
+                                      <p:cBhvr additive="base">
+                                        <p:cTn id="25" dur="500" fill="hold"/>
+                                        <p:tgtEl>
+                                          <p:spTgt spid="3">
+                                            <p:txEl>
+                                              <p:pRg st="3" end="3"/>
+                                            </p:txEl>
+                                          </p:spTgt>
+                                        </p:tgtEl>
+                                        <p:attrNameLst>
+                                          <p:attrName>ppt_x</p:attrName>
+                                        </p:attrNameLst>
+                                      </p:cBhvr>
+                                      <p:tavLst>
+                                        <p:tav tm="0">
+                                          <p:val>
+                                            <p:strVal val="0-#ppt_w/2"/>
+                                          </p:val>
+                                        </p:tav>
+                                        <p:tav tm="100000">
+                                          <p:val>
+                                            <p:strVal val="#ppt_x"/>
+                                          </p:val>
+                                        </p:tav>
+                                      </p:tavLst>
+                                    </p:anim>
+                                    <p:anim calcmode="lin" valueType="num">
+                                      <p:cBhvr additive="base">
+                                        <p:cTn id="26" dur="500" fill="hold"/>
+                                        <p:tgtEl>
+                                          <p:spTgt spid="3">
+                                            <p:txEl>
+                                              <p:pRg st="3" end="3"/>
+                                            </p:txEl>
+                                          </p:spTgt>
+                                        </p:tgtEl>
+                                        <p:attrNameLst>
+                                          <p:attrName>ppt_y</p:attrName>
+                                        </p:attrNameLst>
+                                      </p:cBhvr>
+                                      <p:tavLst>
+                                        <p:tav tm="0">
+                                          <p:val>
+                                            <p:strVal val="#ppt_y"/>
+                                          </p:val>
+                                        </p:tav>
+                                        <p:tav tm="100000">
+                                          <p:val>
+                                            <p:strVal val="#ppt_y"/>
+                                          </p:val>
+                                        </p:tav>
+                                      </p:tavLst>
+                                    </p:anim>
+                                  </p:childTnLst>
+                                </p:cTn>
+                              </p:par>
+                            </p:childTnLst>
+                          </p:cTn>
+                        </p:par>
+                      </p:childTnLst>
+                    </p:cTn>
+                  </p:par>
+                  <p:par>
+                    <p:cTn id="27" fill="hold">
+                      <p:stCondLst>
+                        <p:cond delay="indefinite"/>
+                      </p:stCondLst>
+                      <p:childTnLst>
+                        <p:par>
+                          <p:cTn id="28" fill="hold">
+                            <p:stCondLst>
+                              <p:cond delay="0"/>
+                            </p:stCondLst>
+                            <p:childTnLst>
+                              <p:par>
+                                <p:cTn id="29" presetID="2" presetClass="entr" presetSubtype="4" fill="hold" nodeType="clickEffect">
+                                  <p:stCondLst>
+                                    <p:cond delay="0"/>
+                                  </p:stCondLst>
+                                  <p:childTnLst>
+                                    <p:set>
+                                      <p:cBhvr>
+                                        <p:cTn id="30" dur="1" fill="hold">
+                                          <p:stCondLst>
+                                            <p:cond delay="0"/>
+                                          </p:stCondLst>
+                                        </p:cTn>
+                                        <p:tgtEl>
+                                          <p:spTgt spid="3">
+                                            <p:txEl>
+                                              <p:pRg st="4" end="4"/>
+                                            </p:txEl>
+                                          </p:spTgt>
+                                        </p:tgtEl>
+                                        <p:attrNameLst>
+                                          <p:attrName>style.visibility</p:attrName>
+                                        </p:attrNameLst>
+                                      </p:cBhvr>
+                                      <p:to>
+                                        <p:strVal val="visible"/>
+                                      </p:to>
+                                    </p:set>
+                                    <p:anim calcmode="lin" valueType="num">
+                                      <p:cBhvr additive="base">
+                                        <p:cTn id="31" dur="500" fill="hold"/>
+                                        <p:tgtEl>
+                                          <p:spTgt spid="3">
+                                            <p:txEl>
+                                              <p:pRg st="4" end="4"/>
+                                            </p:txEl>
+                                          </p:spTgt>
+                                        </p:tgtEl>
+                                        <p:attrNameLst>
+                                          <p:attrName>ppt_x</p:attrName>
+                                        </p:attrNameLst>
+                                      </p:cBhvr>
+                                      <p:tavLst>
+                                        <p:tav tm="0">
+                                          <p:val>
+                                            <p:strVal val="#ppt_x"/>
+                                          </p:val>
+                                        </p:tav>
+                                        <p:tav tm="100000">
+                                          <p:val>
+                                            <p:strVal val="#ppt_x"/>
+                                          </p:val>
+                                        </p:tav>
+                                      </p:tavLst>
+                                    </p:anim>
+                                    <p:anim calcmode="lin" valueType="num">
+                                      <p:cBhvr additive="base">
+                                        <p:cTn id="32" dur="500" fill="hold"/>
+                                        <p:tgtEl>
+                                          <p:spTgt spid="3">
+                                            <p:txEl>
+                                              <p:pRg st="4" end="4"/>
+                                            </p:txEl>
+                                          </p:spTgt>
+                                        </p:tgtEl>
+                                        <p:attrNameLst>
+                                          <p:attrName>ppt_y</p:attrName>
+                                        </p:attrNameLst>
+                                      </p:cBhvr>
+                                      <p:tavLst>
+                                        <p:tav tm="0">
+                                          <p:val>
+                                            <p:strVal val="1+#ppt_h/2"/>
+                                          </p:val>
+                                        </p:tav>
+                                        <p:tav tm="100000">
+                                          <p:val>
+                                            <p:strVal val="#ppt_y"/>
+                                          </p:val>
+                                        </p:tav>
+                                      </p:tavLst>
+                                    </p:anim>
+                                  </p:childTnLst>
+                                </p:cTn>
+                              </p:par>
+                            </p:childTnLst>
+                          </p:cTn>
+                        </p:par>
+                      </p:childTnLst>
+                    </p:cTn>
+                  </p:par>
+                  <p:par>
+                    <p:cTn id="33" fill="hold">
+                      <p:stCondLst>
+                        <p:cond delay="indefinite"/>
+                      </p:stCondLst>
+                      <p:childTnLst>
+                        <p:par>
+                          <p:cTn id="34" fill="hold">
+                            <p:stCondLst>
+                              <p:cond delay="0"/>
+                            </p:stCondLst>
+                            <p:childTnLst>
+                              <p:par>
+                                <p:cTn id="35" presetID="2" presetClass="entr" presetSubtype="8" fill="hold" nodeType="clickEffect">
+                                  <p:stCondLst>
+                                    <p:cond delay="0"/>
+                                  </p:stCondLst>
+                                  <p:childTnLst>
+                                    <p:set>
+                                      <p:cBhvr>
+                                        <p:cTn id="36" dur="1" fill="hold">
+                                          <p:stCondLst>
+                                            <p:cond delay="0"/>
+                                          </p:stCondLst>
+                                        </p:cTn>
+                                        <p:tgtEl>
+                                          <p:spTgt spid="3">
+                                            <p:txEl>
+                                              <p:pRg st="5" end="5"/>
+                                            </p:txEl>
+                                          </p:spTgt>
+                                        </p:tgtEl>
+                                        <p:attrNameLst>
+                                          <p:attrName>style.visibility</p:attrName>
+                                        </p:attrNameLst>
+                                      </p:cBhvr>
+                                      <p:to>
+                                        <p:strVal val="visible"/>
+                                      </p:to>
+                                    </p:set>
+                                    <p:anim calcmode="lin" valueType="num">
+                                      <p:cBhvr additive="base">
+                                        <p:cTn id="37" dur="500" fill="hold"/>
+                                        <p:tgtEl>
+                                          <p:spTgt spid="3">
+                                            <p:txEl>
+                                              <p:pRg st="5" end="5"/>
+                                            </p:txEl>
+                                          </p:spTgt>
+                                        </p:tgtEl>
+                                        <p:attrNameLst>
+                                          <p:attrName>ppt_x</p:attrName>
+                                        </p:attrNameLst>
+                                      </p:cBhvr>
+                                      <p:tavLst>
+                                        <p:tav tm="0">
+                                          <p:val>
+                                            <p:strVal val="0-#ppt_w/2"/>
+                                          </p:val>
+                                        </p:tav>
+                                        <p:tav tm="100000">
+                                          <p:val>
+                                            <p:strVal val="#ppt_x"/>
+                                          </p:val>
+                                        </p:tav>
+                                      </p:tavLst>
+                                    </p:anim>
+                                    <p:anim calcmode="lin" valueType="num">
+                                      <p:cBhvr additive="base">
+                                        <p:cTn id="38" dur="500" fill="hold"/>
+                                        <p:tgtEl>
+                                          <p:spTgt spid="3">
+                                            <p:txEl>
+                                              <p:pRg st="5" end="5"/>
+                                            </p:txEl>
+                                          </p:spTgt>
+                                        </p:tgtEl>
+                                        <p:attrNameLst>
+                                          <p:attrName>ppt_y</p:attrName>
+                                        </p:attrNameLst>
+                                      </p:cBhvr>
+                                      <p:tavLst>
+                                        <p:tav tm="0">
+                                          <p:val>
+                                            <p:strVal val="#ppt_y"/>
+                                          </p:val>
+                                        </p:tav>
+                                        <p:tav tm="100000">
+                                          <p:val>
+                                            <p:strVal val="#ppt_y"/>
+                                          </p:val>
+                                        </p:tav>
+                                      </p:tavLst>
+                                    </p:anim>
+                                  </p:childTnLst>
+                                </p:cTn>
+                              </p:par>
+                            </p:childTnLst>
+                          </p:cTn>
+                        </p:par>
+                      </p:childTnLst>
+                    </p:cTn>
+                  </p:par>
+                  <p:par>
+                    <p:cTn id="39" fill="hold">
+                      <p:stCondLst>
+                        <p:cond delay="indefinite"/>
+                      </p:stCondLst>
+                      <p:childTnLst>
+                        <p:par>
+                          <p:cTn id="40" fill="hold">
+                            <p:stCondLst>
+                              <p:cond delay="0"/>
+                            </p:stCondLst>
+                            <p:childTnLst>
+                              <p:par>
+                                <p:cTn id="41" presetID="2" presetClass="entr" presetSubtype="4" fill="hold" nodeType="clickEffect">
+                                  <p:stCondLst>
+                                    <p:cond delay="0"/>
+                                  </p:stCondLst>
+                                  <p:childTnLst>
+                                    <p:set>
+                                      <p:cBhvr>
+                                        <p:cTn id="42" dur="1" fill="hold">
+                                          <p:stCondLst>
+                                            <p:cond delay="0"/>
+                                          </p:stCondLst>
+                                        </p:cTn>
+                                        <p:tgtEl>
+                                          <p:spTgt spid="3">
+                                            <p:txEl>
+                                              <p:pRg st="6" end="6"/>
+                                            </p:txEl>
+                                          </p:spTgt>
+                                        </p:tgtEl>
+                                        <p:attrNameLst>
+                                          <p:attrName>style.visibility</p:attrName>
+                                        </p:attrNameLst>
+                                      </p:cBhvr>
+                                      <p:to>
+                                        <p:strVal val="visible"/>
+                                      </p:to>
+                                    </p:set>
+                                    <p:anim calcmode="lin" valueType="num">
+                                      <p:cBhvr additive="base">
+                                        <p:cTn id="43" dur="500" fill="hold"/>
+                                        <p:tgtEl>
+                                          <p:spTgt spid="3">
+                                            <p:txEl>
+                                              <p:pRg st="6" end="6"/>
+                                            </p:txEl>
+                                          </p:spTgt>
+                                        </p:tgtEl>
+                                        <p:attrNameLst>
+                                          <p:attrName>ppt_x</p:attrName>
+                                        </p:attrNameLst>
+                                      </p:cBhvr>
+                                      <p:tavLst>
+                                        <p:tav tm="0">
+                                          <p:val>
+                                            <p:strVal val="#ppt_x"/>
+                                          </p:val>
+                                        </p:tav>
+                                        <p:tav tm="100000">
+                                          <p:val>
+                                            <p:strVal val="#ppt_x"/>
+                                          </p:val>
+                                        </p:tav>
+                                      </p:tavLst>
+                                    </p:anim>
+                                    <p:anim calcmode="lin" valueType="num">
+                                      <p:cBhvr additive="base">
+                                        <p:cTn id="44" dur="500" fill="hold"/>
+                                        <p:tgtEl>
+                                          <p:spTgt spid="3">
+                                            <p:txEl>
+                                              <p:pRg st="6" end="6"/>
+                                            </p:txEl>
+                                          </p:spTgt>
                                         </p:tgtEl>
                                         <p:attrNameLst>
                                           <p:attrName>ppt_y</p:attrName>
@@ -17440,15 +21281,11 @@
         </p:cTn>
       </p:par>
     </p:tnLst>
-    <p:bldLst>
-      <p:bldP spid="3" grpId="0"/>
-      <p:bldP spid="5" grpId="0"/>
-    </p:bldLst>
   </p:timing>
 </p:sld>
 </file>
 
-<file path=ppt/slides/slide9.xml><?xml version="1.0" encoding="utf-8"?>
+<file path=ppt/slides/slide8.xml><?xml version="1.0" encoding="utf-8"?>
 <p:sld xmlns:a="http://schemas.openxmlformats.org/drawingml/2006/main" xmlns:r="http://schemas.openxmlformats.org/officeDocument/2006/relationships" xmlns:p="http://schemas.openxmlformats.org/presentationml/2006/main">
   <p:cSld>
     <p:spTree>
@@ -17497,14 +21334,14 @@
           <p:nvPr>
             <p:extLst>
               <p:ext uri="{D42A27DB-BD31-4B8C-83A1-F6EECF244321}">
-                <p14:modId xmlns:p14="http://schemas.microsoft.com/office/powerpoint/2010/main" val="1360239486"/>
+                <p14:modId xmlns:p14="http://schemas.microsoft.com/office/powerpoint/2010/main" val="724818532"/>
               </p:ext>
             </p:extLst>
           </p:nvPr>
         </p:nvGraphicFramePr>
         <p:xfrm>
           <a:off x="1197868" y="2132856"/>
-          <a:ext cx="8815470" cy="4437823"/>
+          <a:ext cx="8815470" cy="4005775"/>
         </p:xfrm>
         <a:graphic>
           <a:graphicData uri="http://schemas.openxmlformats.org/drawingml/2006/table">
@@ -17516,21 +21353,21 @@
                 <a:gridCol w="2938490">
                   <a:extLst>
                     <a:ext uri="{9D8B030D-6E8A-4147-A177-3AD203B41FA5}">
-                      <a16:colId xmlns="" xmlns:a16="http://schemas.microsoft.com/office/drawing/2014/main" val="20000"/>
+                      <a16:colId xmlns:a16="http://schemas.microsoft.com/office/drawing/2014/main" xmlns="" val="20000"/>
                     </a:ext>
                   </a:extLst>
                 </a:gridCol>
                 <a:gridCol w="2938490">
                   <a:extLst>
                     <a:ext uri="{9D8B030D-6E8A-4147-A177-3AD203B41FA5}">
-                      <a16:colId xmlns="" xmlns:a16="http://schemas.microsoft.com/office/drawing/2014/main" val="20001"/>
+                      <a16:colId xmlns:a16="http://schemas.microsoft.com/office/drawing/2014/main" xmlns="" val="20001"/>
                     </a:ext>
                   </a:extLst>
                 </a:gridCol>
                 <a:gridCol w="2938490">
                   <a:extLst>
                     <a:ext uri="{9D8B030D-6E8A-4147-A177-3AD203B41FA5}">
-                      <a16:colId xmlns="" xmlns:a16="http://schemas.microsoft.com/office/drawing/2014/main" val="20002"/>
+                      <a16:colId xmlns:a16="http://schemas.microsoft.com/office/drawing/2014/main" xmlns="" val="20002"/>
                     </a:ext>
                   </a:extLst>
                 </a:gridCol>
@@ -17598,7 +21435,7 @@
                 </a:tc>
                 <a:extLst>
                   <a:ext uri="{0D108BD9-81ED-4DB2-BD59-A6C34878D82A}">
-                    <a16:rowId xmlns="" xmlns:a16="http://schemas.microsoft.com/office/drawing/2014/main" val="10000"/>
+                    <a16:rowId xmlns:a16="http://schemas.microsoft.com/office/drawing/2014/main" xmlns="" val="10000"/>
                   </a:ext>
                 </a:extLst>
               </a:tr>
@@ -17752,7 +21589,7 @@
                 </a:tc>
                 <a:extLst>
                   <a:ext uri="{0D108BD9-81ED-4DB2-BD59-A6C34878D82A}">
-                    <a16:rowId xmlns="" xmlns:a16="http://schemas.microsoft.com/office/drawing/2014/main" val="10001"/>
+                    <a16:rowId xmlns:a16="http://schemas.microsoft.com/office/drawing/2014/main" xmlns="" val="10001"/>
                   </a:ext>
                 </a:extLst>
               </a:tr>
@@ -17823,7 +21660,7 @@
                 </a:tc>
                 <a:extLst>
                   <a:ext uri="{0D108BD9-81ED-4DB2-BD59-A6C34878D82A}">
-                    <a16:rowId xmlns="" xmlns:a16="http://schemas.microsoft.com/office/drawing/2014/main" val="10002"/>
+                    <a16:rowId xmlns:a16="http://schemas.microsoft.com/office/drawing/2014/main" xmlns="" val="10002"/>
                   </a:ext>
                 </a:extLst>
               </a:tr>
@@ -17860,11 +21697,11 @@
                 </a:tc>
                 <a:extLst>
                   <a:ext uri="{0D108BD9-81ED-4DB2-BD59-A6C34878D82A}">
-                    <a16:rowId xmlns="" xmlns:a16="http://schemas.microsoft.com/office/drawing/2014/main" val="10003"/>
+                    <a16:rowId xmlns:a16="http://schemas.microsoft.com/office/drawing/2014/main" xmlns="" val="10003"/>
                   </a:ext>
                 </a:extLst>
               </a:tr>
-              <a:tr h="827007">
+              <a:tr h="394959">
                 <a:tc>
                   <a:txBody>
                     <a:bodyPr/>
@@ -17897,7 +21734,7 @@
                 </a:tc>
                 <a:extLst>
                   <a:ext uri="{0D108BD9-81ED-4DB2-BD59-A6C34878D82A}">
-                    <a16:rowId xmlns="" xmlns:a16="http://schemas.microsoft.com/office/drawing/2014/main" val="10004"/>
+                    <a16:rowId xmlns:a16="http://schemas.microsoft.com/office/drawing/2014/main" xmlns="" val="10004"/>
                   </a:ext>
                 </a:extLst>
               </a:tr>
@@ -17934,7 +21771,7 @@
                 </a:tc>
                 <a:extLst>
                   <a:ext uri="{0D108BD9-81ED-4DB2-BD59-A6C34878D82A}">
-                    <a16:rowId xmlns="" xmlns:a16="http://schemas.microsoft.com/office/drawing/2014/main" val="10005"/>
+                    <a16:rowId xmlns:a16="http://schemas.microsoft.com/office/drawing/2014/main" xmlns="" val="10005"/>
                   </a:ext>
                 </a:extLst>
               </a:tr>
@@ -17971,7 +21808,7 @@
                 </a:tc>
                 <a:extLst>
                   <a:ext uri="{0D108BD9-81ED-4DB2-BD59-A6C34878D82A}">
-                    <a16:rowId xmlns="" xmlns:a16="http://schemas.microsoft.com/office/drawing/2014/main" val="10006"/>
+                    <a16:rowId xmlns:a16="http://schemas.microsoft.com/office/drawing/2014/main" xmlns="" val="10006"/>
                   </a:ext>
                 </a:extLst>
               </a:tr>
@@ -18008,7 +21845,7 @@
                 </a:tc>
                 <a:extLst>
                   <a:ext uri="{0D108BD9-81ED-4DB2-BD59-A6C34878D82A}">
-                    <a16:rowId xmlns="" xmlns:a16="http://schemas.microsoft.com/office/drawing/2014/main" val="10007"/>
+                    <a16:rowId xmlns:a16="http://schemas.microsoft.com/office/drawing/2014/main" xmlns="" val="10007"/>
                   </a:ext>
                 </a:extLst>
               </a:tr>
@@ -18108,7 +21945,7 @@
         </p:nvSpPr>
         <p:spPr>
           <a:xfrm>
-            <a:off x="1269876" y="3789040"/>
+            <a:off x="1197868" y="3789040"/>
             <a:ext cx="2808312" cy="369332"/>
           </a:xfrm>
           <a:prstGeom prst="rect">
@@ -18259,6 +22096,97 @@
                       </p:childTnLst>
                     </p:cTn>
                   </p:par>
+                  <p:par>
+                    <p:cTn id="9" fill="hold">
+                      <p:stCondLst>
+                        <p:cond delay="indefinite"/>
+                      </p:stCondLst>
+                      <p:childTnLst>
+                        <p:par>
+                          <p:cTn id="10" fill="hold">
+                            <p:stCondLst>
+                              <p:cond delay="0"/>
+                            </p:stCondLst>
+                            <p:childTnLst>
+                              <p:par>
+                                <p:cTn id="11" presetID="2" presetClass="entr" presetSubtype="4" fill="hold" grpId="0" nodeType="clickEffect">
+                                  <p:stCondLst>
+                                    <p:cond delay="0"/>
+                                  </p:stCondLst>
+                                  <p:childTnLst>
+                                    <p:set>
+                                      <p:cBhvr>
+                                        <p:cTn id="12" dur="1" fill="hold">
+                                          <p:stCondLst>
+                                            <p:cond delay="0"/>
+                                          </p:stCondLst>
+                                        </p:cTn>
+                                        <p:tgtEl>
+                                          <p:spTgt spid="7"/>
+                                        </p:tgtEl>
+                                        <p:attrNameLst>
+                                          <p:attrName>style.visibility</p:attrName>
+                                        </p:attrNameLst>
+                                      </p:cBhvr>
+                                      <p:to>
+                                        <p:strVal val="visible"/>
+                                      </p:to>
+                                    </p:set>
+                                    <p:anim calcmode="lin" valueType="num">
+                                      <p:cBhvr additive="base">
+                                        <p:cTn id="13" dur="500" fill="hold"/>
+                                        <p:tgtEl>
+                                          <p:spTgt spid="7"/>
+                                        </p:tgtEl>
+                                        <p:attrNameLst>
+                                          <p:attrName>ppt_x</p:attrName>
+                                        </p:attrNameLst>
+                                      </p:cBhvr>
+                                      <p:tavLst>
+                                        <p:tav tm="0">
+                                          <p:val>
+                                            <p:strVal val="#ppt_x"/>
+                                          </p:val>
+                                        </p:tav>
+                                        <p:tav tm="100000">
+                                          <p:val>
+                                            <p:strVal val="#ppt_x"/>
+                                          </p:val>
+                                        </p:tav>
+                                      </p:tavLst>
+                                    </p:anim>
+                                    <p:anim calcmode="lin" valueType="num">
+                                      <p:cBhvr additive="base">
+                                        <p:cTn id="14" dur="500" fill="hold"/>
+                                        <p:tgtEl>
+                                          <p:spTgt spid="7"/>
+                                        </p:tgtEl>
+                                        <p:attrNameLst>
+                                          <p:attrName>ppt_y</p:attrName>
+                                        </p:attrNameLst>
+                                      </p:cBhvr>
+                                      <p:tavLst>
+                                        <p:tav tm="0">
+                                          <p:val>
+                                            <p:strVal val="1+#ppt_h/2"/>
+                                          </p:val>
+                                        </p:tav>
+                                        <p:tav tm="100000">
+                                          <p:val>
+                                            <p:strVal val="#ppt_y"/>
+                                          </p:val>
+                                        </p:tav>
+                                      </p:tavLst>
+                                    </p:anim>
+                                  </p:childTnLst>
+                                </p:cTn>
+                              </p:par>
+                            </p:childTnLst>
+                          </p:cTn>
+                        </p:par>
+                      </p:childTnLst>
+                    </p:cTn>
+                  </p:par>
                 </p:childTnLst>
               </p:cTn>
               <p:prevCondLst>
@@ -18282,7 +22210,469 @@
     </p:tnLst>
     <p:bldLst>
       <p:bldP spid="6" grpId="0"/>
+      <p:bldP spid="7" grpId="0"/>
     </p:bldLst>
+  </p:timing>
+</p:sld>
+</file>
+
+<file path=ppt/slides/slide9.xml><?xml version="1.0" encoding="utf-8"?>
+<p:sld xmlns:a="http://schemas.openxmlformats.org/drawingml/2006/main" xmlns:r="http://schemas.openxmlformats.org/officeDocument/2006/relationships" xmlns:p="http://schemas.openxmlformats.org/presentationml/2006/main">
+  <p:cSld>
+    <p:spTree>
+      <p:nvGrpSpPr>
+        <p:cNvPr id="1" name=""/>
+        <p:cNvGrpSpPr/>
+        <p:nvPr/>
+      </p:nvGrpSpPr>
+      <p:grpSpPr>
+        <a:xfrm>
+          <a:off x="0" y="0"/>
+          <a:ext cx="0" cy="0"/>
+          <a:chOff x="0" y="0"/>
+          <a:chExt cx="0" cy="0"/>
+        </a:xfrm>
+      </p:grpSpPr>
+      <p:sp>
+        <p:nvSpPr>
+          <p:cNvPr id="2" name="Titel 1"/>
+          <p:cNvSpPr>
+            <a:spLocks noGrp="1"/>
+          </p:cNvSpPr>
+          <p:nvPr>
+            <p:ph type="title"/>
+          </p:nvPr>
+        </p:nvSpPr>
+        <p:spPr/>
+        <p:txBody>
+          <a:bodyPr/>
+          <a:lstStyle/>
+          <a:p>
+            <a:r>
+              <a:rPr lang="de-DE" dirty="0" smtClean="0"/>
+              <a:t>Netzwerk </a:t>
+            </a:r>
+            <a:r>
+              <a:rPr lang="de-DE" dirty="0" smtClean="0"/>
+              <a:t>Serverschrank</a:t>
+            </a:r>
+            <a:endParaRPr lang="de-DE" dirty="0"/>
+          </a:p>
+        </p:txBody>
+      </p:sp>
+      <p:sp>
+        <p:nvSpPr>
+          <p:cNvPr id="3" name="Inhaltsplatzhalter 2"/>
+          <p:cNvSpPr>
+            <a:spLocks noGrp="1"/>
+          </p:cNvSpPr>
+          <p:nvPr>
+            <p:ph idx="1"/>
+          </p:nvPr>
+        </p:nvSpPr>
+        <p:spPr/>
+        <p:txBody>
+          <a:bodyPr/>
+          <a:lstStyle/>
+          <a:p>
+            <a:r>
+              <a:rPr lang="de-DE" dirty="0" smtClean="0"/>
+              <a:t>42 </a:t>
+            </a:r>
+            <a:r>
+              <a:rPr lang="de-DE" dirty="0"/>
+              <a:t>HE von </a:t>
+            </a:r>
+            <a:r>
+              <a:rPr lang="de-DE" dirty="0" smtClean="0"/>
+              <a:t>ZPAS</a:t>
+            </a:r>
+          </a:p>
+          <a:p>
+            <a:pPr lvl="1"/>
+            <a:r>
+              <a:rPr lang="de-DE" dirty="0" smtClean="0"/>
+              <a:t>1,86M Höhe</a:t>
+            </a:r>
+          </a:p>
+          <a:p>
+            <a:pPr lvl="1"/>
+            <a:r>
+              <a:rPr lang="de-DE" dirty="0" smtClean="0"/>
+              <a:t>Inklusiv </a:t>
+            </a:r>
+            <a:r>
+              <a:rPr lang="de-DE" dirty="0"/>
+              <a:t>Erdungsschiene</a:t>
+            </a:r>
+            <a:r>
+              <a:rPr lang="de-DE" dirty="0" smtClean="0"/>
+              <a:t>	</a:t>
+            </a:r>
+            <a:endParaRPr lang="de-DE" dirty="0"/>
+          </a:p>
+        </p:txBody>
+      </p:sp>
+    </p:spTree>
+    <p:extLst>
+      <p:ext uri="{BB962C8B-B14F-4D97-AF65-F5344CB8AC3E}">
+        <p14:creationId xmlns:p14="http://schemas.microsoft.com/office/powerpoint/2010/main" val="1947602774"/>
+      </p:ext>
+    </p:extLst>
+  </p:cSld>
+  <p:clrMapOvr>
+    <a:masterClrMapping/>
+  </p:clrMapOvr>
+  <mc:AlternateContent xmlns:mc="http://schemas.openxmlformats.org/markup-compatibility/2006" xmlns:p14="http://schemas.microsoft.com/office/powerpoint/2010/main">
+    <mc:Choice Requires="p14">
+      <p:transition spd="med" p14:dur="700">
+        <p:fade/>
+      </p:transition>
+    </mc:Choice>
+    <mc:Fallback xmlns="">
+      <p:transition spd="med">
+        <p:fade/>
+      </p:transition>
+    </mc:Fallback>
+  </mc:AlternateContent>
+  <p:timing>
+    <p:tnLst>
+      <p:par>
+        <p:cTn id="1" dur="indefinite" restart="never" nodeType="tmRoot">
+          <p:childTnLst>
+            <p:seq concurrent="1" nextAc="seek">
+              <p:cTn id="2" dur="indefinite" nodeType="mainSeq">
+                <p:childTnLst>
+                  <p:par>
+                    <p:cTn id="3" fill="hold">
+                      <p:stCondLst>
+                        <p:cond delay="indefinite"/>
+                      </p:stCondLst>
+                      <p:childTnLst>
+                        <p:par>
+                          <p:cTn id="4" fill="hold">
+                            <p:stCondLst>
+                              <p:cond delay="0"/>
+                            </p:stCondLst>
+                            <p:childTnLst>
+                              <p:par>
+                                <p:cTn id="5" presetID="2" presetClass="entr" presetSubtype="4" fill="hold" nodeType="clickEffect">
+                                  <p:stCondLst>
+                                    <p:cond delay="0"/>
+                                  </p:stCondLst>
+                                  <p:childTnLst>
+                                    <p:set>
+                                      <p:cBhvr>
+                                        <p:cTn id="6" dur="1" fill="hold">
+                                          <p:stCondLst>
+                                            <p:cond delay="0"/>
+                                          </p:stCondLst>
+                                        </p:cTn>
+                                        <p:tgtEl>
+                                          <p:spTgt spid="3">
+                                            <p:txEl>
+                                              <p:pRg st="0" end="0"/>
+                                            </p:txEl>
+                                          </p:spTgt>
+                                        </p:tgtEl>
+                                        <p:attrNameLst>
+                                          <p:attrName>style.visibility</p:attrName>
+                                        </p:attrNameLst>
+                                      </p:cBhvr>
+                                      <p:to>
+                                        <p:strVal val="visible"/>
+                                      </p:to>
+                                    </p:set>
+                                    <p:anim calcmode="lin" valueType="num">
+                                      <p:cBhvr additive="base">
+                                        <p:cTn id="7" dur="500" fill="hold"/>
+                                        <p:tgtEl>
+                                          <p:spTgt spid="3">
+                                            <p:txEl>
+                                              <p:pRg st="0" end="0"/>
+                                            </p:txEl>
+                                          </p:spTgt>
+                                        </p:tgtEl>
+                                        <p:attrNameLst>
+                                          <p:attrName>ppt_x</p:attrName>
+                                        </p:attrNameLst>
+                                      </p:cBhvr>
+                                      <p:tavLst>
+                                        <p:tav tm="0">
+                                          <p:val>
+                                            <p:strVal val="#ppt_x"/>
+                                          </p:val>
+                                        </p:tav>
+                                        <p:tav tm="100000">
+                                          <p:val>
+                                            <p:strVal val="#ppt_x"/>
+                                          </p:val>
+                                        </p:tav>
+                                      </p:tavLst>
+                                    </p:anim>
+                                    <p:anim calcmode="lin" valueType="num">
+                                      <p:cBhvr additive="base">
+                                        <p:cTn id="8" dur="500" fill="hold"/>
+                                        <p:tgtEl>
+                                          <p:spTgt spid="3">
+                                            <p:txEl>
+                                              <p:pRg st="0" end="0"/>
+                                            </p:txEl>
+                                          </p:spTgt>
+                                        </p:tgtEl>
+                                        <p:attrNameLst>
+                                          <p:attrName>ppt_y</p:attrName>
+                                        </p:attrNameLst>
+                                      </p:cBhvr>
+                                      <p:tavLst>
+                                        <p:tav tm="0">
+                                          <p:val>
+                                            <p:strVal val="1+#ppt_h/2"/>
+                                          </p:val>
+                                        </p:tav>
+                                        <p:tav tm="100000">
+                                          <p:val>
+                                            <p:strVal val="#ppt_y"/>
+                                          </p:val>
+                                        </p:tav>
+                                      </p:tavLst>
+                                    </p:anim>
+                                  </p:childTnLst>
+                                </p:cTn>
+                              </p:par>
+                            </p:childTnLst>
+                          </p:cTn>
+                        </p:par>
+                      </p:childTnLst>
+                    </p:cTn>
+                  </p:par>
+                  <p:par>
+                    <p:cTn id="9" fill="hold">
+                      <p:stCondLst>
+                        <p:cond delay="indefinite"/>
+                      </p:stCondLst>
+                      <p:childTnLst>
+                        <p:par>
+                          <p:cTn id="10" fill="hold">
+                            <p:stCondLst>
+                              <p:cond delay="0"/>
+                            </p:stCondLst>
+                            <p:childTnLst>
+                              <p:par>
+                                <p:cTn id="11" presetID="2" presetClass="entr" presetSubtype="8" fill="hold" nodeType="clickEffect">
+                                  <p:stCondLst>
+                                    <p:cond delay="0"/>
+                                  </p:stCondLst>
+                                  <p:childTnLst>
+                                    <p:set>
+                                      <p:cBhvr>
+                                        <p:cTn id="12" dur="1" fill="hold">
+                                          <p:stCondLst>
+                                            <p:cond delay="0"/>
+                                          </p:stCondLst>
+                                        </p:cTn>
+                                        <p:tgtEl>
+                                          <p:spTgt spid="3">
+                                            <p:txEl>
+                                              <p:pRg st="1" end="1"/>
+                                            </p:txEl>
+                                          </p:spTgt>
+                                        </p:tgtEl>
+                                        <p:attrNameLst>
+                                          <p:attrName>style.visibility</p:attrName>
+                                        </p:attrNameLst>
+                                      </p:cBhvr>
+                                      <p:to>
+                                        <p:strVal val="visible"/>
+                                      </p:to>
+                                    </p:set>
+                                    <p:anim calcmode="lin" valueType="num">
+                                      <p:cBhvr additive="base">
+                                        <p:cTn id="13" dur="500" fill="hold"/>
+                                        <p:tgtEl>
+                                          <p:spTgt spid="3">
+                                            <p:txEl>
+                                              <p:pRg st="1" end="1"/>
+                                            </p:txEl>
+                                          </p:spTgt>
+                                        </p:tgtEl>
+                                        <p:attrNameLst>
+                                          <p:attrName>ppt_x</p:attrName>
+                                        </p:attrNameLst>
+                                      </p:cBhvr>
+                                      <p:tavLst>
+                                        <p:tav tm="0">
+                                          <p:val>
+                                            <p:strVal val="0-#ppt_w/2"/>
+                                          </p:val>
+                                        </p:tav>
+                                        <p:tav tm="100000">
+                                          <p:val>
+                                            <p:strVal val="#ppt_x"/>
+                                          </p:val>
+                                        </p:tav>
+                                      </p:tavLst>
+                                    </p:anim>
+                                    <p:anim calcmode="lin" valueType="num">
+                                      <p:cBhvr additive="base">
+                                        <p:cTn id="14" dur="500" fill="hold"/>
+                                        <p:tgtEl>
+                                          <p:spTgt spid="3">
+                                            <p:txEl>
+                                              <p:pRg st="1" end="1"/>
+                                            </p:txEl>
+                                          </p:spTgt>
+                                        </p:tgtEl>
+                                        <p:attrNameLst>
+                                          <p:attrName>ppt_y</p:attrName>
+                                        </p:attrNameLst>
+                                      </p:cBhvr>
+                                      <p:tavLst>
+                                        <p:tav tm="0">
+                                          <p:val>
+                                            <p:strVal val="#ppt_y"/>
+                                          </p:val>
+                                        </p:tav>
+                                        <p:tav tm="100000">
+                                          <p:val>
+                                            <p:strVal val="#ppt_y"/>
+                                          </p:val>
+                                        </p:tav>
+                                      </p:tavLst>
+                                    </p:anim>
+                                  </p:childTnLst>
+                                </p:cTn>
+                              </p:par>
+                            </p:childTnLst>
+                          </p:cTn>
+                        </p:par>
+                      </p:childTnLst>
+                    </p:cTn>
+                  </p:par>
+                  <p:par>
+                    <p:cTn id="15" fill="hold">
+                      <p:stCondLst>
+                        <p:cond delay="indefinite"/>
+                      </p:stCondLst>
+                      <p:childTnLst>
+                        <p:par>
+                          <p:cTn id="16" fill="hold">
+                            <p:stCondLst>
+                              <p:cond delay="0"/>
+                            </p:stCondLst>
+                            <p:childTnLst>
+                              <p:par>
+                                <p:cTn id="17" presetID="2" presetClass="entr" presetSubtype="8" fill="hold" nodeType="clickEffect">
+                                  <p:stCondLst>
+                                    <p:cond delay="0"/>
+                                  </p:stCondLst>
+                                  <p:childTnLst>
+                                    <p:set>
+                                      <p:cBhvr>
+                                        <p:cTn id="18" dur="1" fill="hold">
+                                          <p:stCondLst>
+                                            <p:cond delay="0"/>
+                                          </p:stCondLst>
+                                        </p:cTn>
+                                        <p:tgtEl>
+                                          <p:spTgt spid="3">
+                                            <p:txEl>
+                                              <p:pRg st="2" end="2"/>
+                                            </p:txEl>
+                                          </p:spTgt>
+                                        </p:tgtEl>
+                                        <p:attrNameLst>
+                                          <p:attrName>style.visibility</p:attrName>
+                                        </p:attrNameLst>
+                                      </p:cBhvr>
+                                      <p:to>
+                                        <p:strVal val="visible"/>
+                                      </p:to>
+                                    </p:set>
+                                    <p:anim calcmode="lin" valueType="num">
+                                      <p:cBhvr additive="base">
+                                        <p:cTn id="19" dur="500" fill="hold"/>
+                                        <p:tgtEl>
+                                          <p:spTgt spid="3">
+                                            <p:txEl>
+                                              <p:pRg st="2" end="2"/>
+                                            </p:txEl>
+                                          </p:spTgt>
+                                        </p:tgtEl>
+                                        <p:attrNameLst>
+                                          <p:attrName>ppt_x</p:attrName>
+                                        </p:attrNameLst>
+                                      </p:cBhvr>
+                                      <p:tavLst>
+                                        <p:tav tm="0">
+                                          <p:val>
+                                            <p:strVal val="0-#ppt_w/2"/>
+                                          </p:val>
+                                        </p:tav>
+                                        <p:tav tm="100000">
+                                          <p:val>
+                                            <p:strVal val="#ppt_x"/>
+                                          </p:val>
+                                        </p:tav>
+                                      </p:tavLst>
+                                    </p:anim>
+                                    <p:anim calcmode="lin" valueType="num">
+                                      <p:cBhvr additive="base">
+                                        <p:cTn id="20" dur="500" fill="hold"/>
+                                        <p:tgtEl>
+                                          <p:spTgt spid="3">
+                                            <p:txEl>
+                                              <p:pRg st="2" end="2"/>
+                                            </p:txEl>
+                                          </p:spTgt>
+                                        </p:tgtEl>
+                                        <p:attrNameLst>
+                                          <p:attrName>ppt_y</p:attrName>
+                                        </p:attrNameLst>
+                                      </p:cBhvr>
+                                      <p:tavLst>
+                                        <p:tav tm="0">
+                                          <p:val>
+                                            <p:strVal val="#ppt_y"/>
+                                          </p:val>
+                                        </p:tav>
+                                        <p:tav tm="100000">
+                                          <p:val>
+                                            <p:strVal val="#ppt_y"/>
+                                          </p:val>
+                                        </p:tav>
+                                      </p:tavLst>
+                                    </p:anim>
+                                  </p:childTnLst>
+                                </p:cTn>
+                              </p:par>
+                            </p:childTnLst>
+                          </p:cTn>
+                        </p:par>
+                      </p:childTnLst>
+                    </p:cTn>
+                  </p:par>
+                </p:childTnLst>
+              </p:cTn>
+              <p:prevCondLst>
+                <p:cond evt="onPrev" delay="0">
+                  <p:tgtEl>
+                    <p:sldTgt/>
+                  </p:tgtEl>
+                </p:cond>
+              </p:prevCondLst>
+              <p:nextCondLst>
+                <p:cond evt="onNext" delay="0">
+                  <p:tgtEl>
+                    <p:sldTgt/>
+                  </p:tgtEl>
+                </p:cond>
+              </p:nextCondLst>
+            </p:seq>
+          </p:childTnLst>
+        </p:cTn>
+      </p:par>
+    </p:tnLst>
   </p:timing>
 </p:sld>
 </file>
@@ -19187,15 +23577,6 @@
 </file>
 
 <file path=customXml/item2.xml><?xml version="1.0" encoding="utf-8"?>
-<?mso-contentType ?>
-<FormTemplates xmlns="http://schemas.microsoft.com/sharepoint/v3/contenttype/forms">
-  <Display>DocumentLibraryForm</Display>
-  <Edit>AssetEditForm</Edit>
-  <New>DocumentLibraryForm</New>
-</FormTemplates>
-</file>
-
-<file path=customXml/item3.xml><?xml version="1.0" encoding="utf-8"?>
 <ct:contentTypeSchema xmlns:ct="http://schemas.microsoft.com/office/2006/metadata/contentType" xmlns:ma="http://schemas.microsoft.com/office/2006/metadata/properties/metaAttributes" ct:_="" ma:_="" ma:contentTypeName="TemplateFile" ma:contentTypeID="0x0101006EDDDB5EE6D98C44930B742096920B300400F5B6D36B3EF94B4E9A635CDF2A18F5B8" ma:contentTypeVersion="72" ma:contentTypeDescription="Create a new document." ma:contentTypeScope="" ma:versionID="a23e56308344d904b51738559c3d67c9">
   <xsd:schema xmlns:xsd="http://www.w3.org/2001/XMLSchema" xmlns:xs="http://www.w3.org/2001/XMLSchema" xmlns:p="http://schemas.microsoft.com/office/2006/metadata/properties" xmlns:ns2="4873beb7-5857-4685-be1f-d57550cc96cc" targetNamespace="http://schemas.microsoft.com/office/2006/metadata/properties" ma:root="true" ma:fieldsID="cd0908cc4600e77bf5da051303e00c8d" ns2:_="">
     <xsd:import namespace="4873beb7-5857-4685-be1f-d57550cc96cc"/>
@@ -20235,31 +24616,32 @@
 </ct:contentTypeSchema>
 </file>
 
+<file path=customXml/item3.xml><?xml version="1.0" encoding="utf-8"?>
+<?mso-contentType ?>
+<FormTemplates xmlns="http://schemas.microsoft.com/sharepoint/v3/contenttype/forms">
+  <Display>DocumentLibraryForm</Display>
+  <Edit>AssetEditForm</Edit>
+  <New>DocumentLibraryForm</New>
+</FormTemplates>
+</file>
+
 <file path=customXml/itemProps1.xml><?xml version="1.0" encoding="utf-8"?>
 <ds:datastoreItem xmlns:ds="http://schemas.openxmlformats.org/officeDocument/2006/customXml" ds:itemID="{00E41224-0370-4595-877C-23316CD80004}">
   <ds:schemaRefs>
+    <ds:schemaRef ds:uri="4873beb7-5857-4685-be1f-d57550cc96cc"/>
     <ds:schemaRef ds:uri="http://purl.org/dc/elements/1.1/"/>
-    <ds:schemaRef ds:uri="4873beb7-5857-4685-be1f-d57550cc96cc"/>
-    <ds:schemaRef ds:uri="http://schemas.microsoft.com/office/2006/documentManagement/types"/>
-    <ds:schemaRef ds:uri="http://purl.org/dc/terms/"/>
-    <ds:schemaRef ds:uri="http://schemas.microsoft.com/office/2006/metadata/properties"/>
     <ds:schemaRef ds:uri="http://purl.org/dc/dcmitype/"/>
-    <ds:schemaRef ds:uri="http://schemas.microsoft.com/office/infopath/2007/PartnerControls"/>
     <ds:schemaRef ds:uri="http://schemas.openxmlformats.org/package/2006/metadata/core-properties"/>
     <ds:schemaRef ds:uri="http://www.w3.org/XML/1998/namespace"/>
+    <ds:schemaRef ds:uri="http://schemas.microsoft.com/office/2006/documentManagement/types"/>
+    <ds:schemaRef ds:uri="http://schemas.microsoft.com/office/infopath/2007/PartnerControls"/>
+    <ds:schemaRef ds:uri="http://schemas.microsoft.com/office/2006/metadata/properties"/>
+    <ds:schemaRef ds:uri="http://purl.org/dc/terms/"/>
   </ds:schemaRefs>
 </ds:datastoreItem>
 </file>
 
 <file path=customXml/itemProps2.xml><?xml version="1.0" encoding="utf-8"?>
-<ds:datastoreItem xmlns:ds="http://schemas.openxmlformats.org/officeDocument/2006/customXml" ds:itemID="{74228E6B-D70C-44BB-A81F-A245495F612B}">
-  <ds:schemaRefs>
-    <ds:schemaRef ds:uri="http://schemas.microsoft.com/sharepoint/v3/contenttype/forms"/>
-  </ds:schemaRefs>
-</ds:datastoreItem>
-</file>
-
-<file path=customXml/itemProps3.xml><?xml version="1.0" encoding="utf-8"?>
 <ds:datastoreItem xmlns:ds="http://schemas.openxmlformats.org/officeDocument/2006/customXml" ds:itemID="{22CCB507-0646-4A50-A4F7-7F385079D589}">
   <ds:schemaRefs>
     <ds:schemaRef ds:uri="http://schemas.microsoft.com/office/2006/metadata/contentType"/>
@@ -20275,4 +24657,12 @@
     <ds:schemaRef ds:uri="http://schemas.microsoft.com/internal/obd"/>
   </ds:schemaRefs>
 </ds:datastoreItem>
+</file>
+
+<file path=customXml/itemProps3.xml><?xml version="1.0" encoding="utf-8"?>
+<ds:datastoreItem xmlns:ds="http://schemas.openxmlformats.org/officeDocument/2006/customXml" ds:itemID="{74228E6B-D70C-44BB-A81F-A245495F612B}">
+  <ds:schemaRefs>
+    <ds:schemaRef ds:uri="http://schemas.microsoft.com/sharepoint/v3/contenttype/forms"/>
+  </ds:schemaRefs>
+</ds:datastoreItem>
 </file>